--- a/TechTalk1.pptx
+++ b/TechTalk1.pptx
@@ -12,7 +12,7 @@
     <p:sldMasterId id="2147483739" r:id="rId8"/>
   </p:sldMasterIdLst>
   <p:notesMasterIdLst>
-    <p:notesMasterId r:id="rId20"/>
+    <p:notesMasterId r:id="rId22"/>
   </p:notesMasterIdLst>
   <p:sldIdLst>
     <p:sldId id="256" r:id="rId9"/>
@@ -21,11 +21,13 @@
     <p:sldId id="259" r:id="rId12"/>
     <p:sldId id="260" r:id="rId13"/>
     <p:sldId id="267" r:id="rId14"/>
-    <p:sldId id="261" r:id="rId15"/>
-    <p:sldId id="263" r:id="rId16"/>
-    <p:sldId id="264" r:id="rId17"/>
-    <p:sldId id="265" r:id="rId18"/>
-    <p:sldId id="266" r:id="rId19"/>
+    <p:sldId id="268" r:id="rId15"/>
+    <p:sldId id="261" r:id="rId16"/>
+    <p:sldId id="263" r:id="rId17"/>
+    <p:sldId id="269" r:id="rId18"/>
+    <p:sldId id="264" r:id="rId19"/>
+    <p:sldId id="265" r:id="rId20"/>
+    <p:sldId id="266" r:id="rId21"/>
   </p:sldIdLst>
   <p:sldSz cx="9144000" cy="6858000" type="screen4x3"/>
   <p:notesSz cx="6858000" cy="9144000"/>
@@ -124,6 +126,11 @@
       </a:defRPr>
     </a:lvl9pPr>
   </p:defaultTextStyle>
+  <p:extLst>
+    <p:ext uri="{EFAFB233-063F-42B5-8137-9DF3F51BA10A}">
+      <p15:sldGuideLst xmlns:p15="http://schemas.microsoft.com/office/powerpoint/2012/main"/>
+    </p:ext>
+  </p:extLst>
 </p:presentation>
 </file>
 
@@ -1230,7 +1237,7 @@
                 <a:latin typeface="+mn-lt"/>
                 <a:ea typeface="+mn-ea"/>
               </a:rPr>
-              <a:t>7</a:t>
+              <a:t>8</a:t>
             </a:fld>
             <a:endParaRPr lang="en-IN" sz="1800" b="0" strike="noStrike" spc="-1">
               <a:solidFill>
@@ -1361,7 +1368,7 @@
                 <a:latin typeface="+mn-lt"/>
                 <a:ea typeface="+mn-ea"/>
               </a:rPr>
-              <a:t>8</a:t>
+              <a:t>9</a:t>
             </a:fld>
             <a:endParaRPr lang="en-IN" sz="1800" b="0" strike="noStrike" spc="-1">
               <a:solidFill>
@@ -1492,7 +1499,7 @@
                 <a:latin typeface="+mn-lt"/>
                 <a:ea typeface="+mn-ea"/>
               </a:rPr>
-              <a:t>9</a:t>
+              <a:t>11</a:t>
             </a:fld>
             <a:endParaRPr lang="en-IN" sz="1800" b="0" strike="noStrike" spc="-1">
               <a:solidFill>
@@ -19953,14 +19960,14 @@
       </p:grpSpPr>
       <p:sp>
         <p:nvSpPr>
-          <p:cNvPr id="384" name="CustomShape 1"/>
+          <p:cNvPr id="4" name="CustomShape 3"/>
           <p:cNvSpPr/>
           <p:nvPr/>
         </p:nvSpPr>
         <p:spPr>
           <a:xfrm>
-            <a:off x="3133440" y="2810880"/>
-            <a:ext cx="1964160" cy="617400"/>
+            <a:off x="356580" y="837803"/>
+            <a:ext cx="8430120" cy="4571280"/>
           </a:xfrm>
           <a:prstGeom prst="rect">
             <a:avLst/>
@@ -19986,15 +19993,372 @@
           <a:bodyPr lIns="90000" tIns="45000" rIns="90000" bIns="45000"/>
           <a:lstStyle/>
           <a:p>
+            <a:pPr marL="285840" indent="-285120">
+              <a:lnSpc>
+                <a:spcPct val="100000"/>
+              </a:lnSpc>
+              <a:buClr>
+                <a:srgbClr val="39C2D7"/>
+              </a:buClr>
+              <a:buFont typeface="Arial"/>
+              <a:buChar char="•"/>
+            </a:pPr>
+            <a:r>
+              <a:rPr lang="en-IN" sz="1600" b="0" strike="noStrike" spc="-1" dirty="0" smtClean="0">
+                <a:solidFill>
+                  <a:srgbClr val="464547"/>
+                </a:solidFill>
+                <a:uFill>
+                  <a:solidFill>
+                    <a:srgbClr val="FFFFFF"/>
+                  </a:solidFill>
+                </a:uFill>
+                <a:latin typeface="Trebuchet MS"/>
+              </a:rPr>
+              <a:t>Define an error function </a:t>
+            </a:r>
+          </a:p>
+          <a:p>
+            <a:pPr marL="285840" indent="-285120">
+              <a:lnSpc>
+                <a:spcPct val="100000"/>
+              </a:lnSpc>
+              <a:buClr>
+                <a:srgbClr val="39C2D7"/>
+              </a:buClr>
+              <a:buFont typeface="Arial"/>
+              <a:buChar char="•"/>
+            </a:pPr>
+            <a:endParaRPr lang="en-IN" sz="1600" spc="-1" dirty="0">
+              <a:solidFill>
+                <a:srgbClr val="464547"/>
+              </a:solidFill>
+              <a:uFill>
+                <a:solidFill>
+                  <a:srgbClr val="FFFFFF"/>
+                </a:solidFill>
+              </a:uFill>
+              <a:latin typeface="Trebuchet MS"/>
+            </a:endParaRPr>
+          </a:p>
+          <a:p>
+            <a:pPr marL="285840" indent="-285120">
+              <a:lnSpc>
+                <a:spcPct val="100000"/>
+              </a:lnSpc>
+              <a:buClr>
+                <a:srgbClr val="39C2D7"/>
+              </a:buClr>
+              <a:buFont typeface="Arial"/>
+              <a:buChar char="•"/>
+            </a:pPr>
+            <a:endParaRPr lang="en-IN" sz="1600" b="0" strike="noStrike" spc="-1" dirty="0" smtClean="0">
+              <a:solidFill>
+                <a:srgbClr val="464547"/>
+              </a:solidFill>
+              <a:uFill>
+                <a:solidFill>
+                  <a:srgbClr val="FFFFFF"/>
+                </a:solidFill>
+              </a:uFill>
+              <a:latin typeface="Trebuchet MS"/>
+            </a:endParaRPr>
+          </a:p>
+          <a:p>
+            <a:pPr marL="285840" indent="-285120">
+              <a:lnSpc>
+                <a:spcPct val="100000"/>
+              </a:lnSpc>
+              <a:buClr>
+                <a:srgbClr val="39C2D7"/>
+              </a:buClr>
+              <a:buFont typeface="Arial"/>
+              <a:buChar char="•"/>
+            </a:pPr>
+            <a:endParaRPr lang="en-IN" sz="1600" spc="-1" dirty="0">
+              <a:solidFill>
+                <a:srgbClr val="464547"/>
+              </a:solidFill>
+              <a:uFill>
+                <a:solidFill>
+                  <a:srgbClr val="FFFFFF"/>
+                </a:solidFill>
+              </a:uFill>
+              <a:latin typeface="Trebuchet MS"/>
+            </a:endParaRPr>
+          </a:p>
+          <a:p>
+            <a:pPr marL="285840" indent="-285120">
+              <a:lnSpc>
+                <a:spcPct val="100000"/>
+              </a:lnSpc>
+              <a:buClr>
+                <a:srgbClr val="39C2D7"/>
+              </a:buClr>
+              <a:buFont typeface="Arial"/>
+              <a:buChar char="•"/>
+            </a:pPr>
+            <a:endParaRPr lang="en-IN" sz="1600" b="0" strike="noStrike" spc="-1" dirty="0" smtClean="0">
+              <a:solidFill>
+                <a:srgbClr val="464547"/>
+              </a:solidFill>
+              <a:uFill>
+                <a:solidFill>
+                  <a:srgbClr val="FFFFFF"/>
+                </a:solidFill>
+              </a:uFill>
+              <a:latin typeface="Trebuchet MS"/>
+            </a:endParaRPr>
+          </a:p>
+          <a:p>
+            <a:pPr marL="285840" indent="-285120">
+              <a:lnSpc>
+                <a:spcPct val="100000"/>
+              </a:lnSpc>
+              <a:buClr>
+                <a:srgbClr val="39C2D7"/>
+              </a:buClr>
+              <a:buFont typeface="Arial"/>
+              <a:buChar char="•"/>
+            </a:pPr>
+            <a:endParaRPr lang="en-IN" sz="1600" spc="-1" dirty="0">
+              <a:solidFill>
+                <a:srgbClr val="464547"/>
+              </a:solidFill>
+              <a:uFill>
+                <a:solidFill>
+                  <a:srgbClr val="FFFFFF"/>
+                </a:solidFill>
+              </a:uFill>
+              <a:latin typeface="Trebuchet MS"/>
+            </a:endParaRPr>
+          </a:p>
+          <a:p>
+            <a:pPr marL="285840" indent="-285120">
+              <a:lnSpc>
+                <a:spcPct val="100000"/>
+              </a:lnSpc>
+              <a:buClr>
+                <a:srgbClr val="39C2D7"/>
+              </a:buClr>
+              <a:buFont typeface="Arial"/>
+              <a:buChar char="•"/>
+            </a:pPr>
+            <a:endParaRPr lang="en-IN" sz="1600" b="0" strike="noStrike" spc="-1" dirty="0" smtClean="0">
+              <a:solidFill>
+                <a:srgbClr val="464547"/>
+              </a:solidFill>
+              <a:uFill>
+                <a:solidFill>
+                  <a:srgbClr val="FFFFFF"/>
+                </a:solidFill>
+              </a:uFill>
+              <a:latin typeface="Trebuchet MS"/>
+            </a:endParaRPr>
+          </a:p>
+          <a:p>
+            <a:pPr marL="285840" indent="-285120">
+              <a:lnSpc>
+                <a:spcPct val="100000"/>
+              </a:lnSpc>
+              <a:buClr>
+                <a:srgbClr val="39C2D7"/>
+              </a:buClr>
+              <a:buFont typeface="Arial"/>
+              <a:buChar char="•"/>
+            </a:pPr>
+            <a:r>
+              <a:rPr lang="en-IN" sz="1600" spc="-1" dirty="0" smtClean="0">
+                <a:solidFill>
+                  <a:srgbClr val="464547"/>
+                </a:solidFill>
+                <a:uFill>
+                  <a:solidFill>
+                    <a:srgbClr val="FFFFFF"/>
+                  </a:solidFill>
+                </a:uFill>
+                <a:latin typeface="Trebuchet MS"/>
+              </a:rPr>
+              <a:t>Minimize the error function</a:t>
+            </a:r>
+            <a:endParaRPr lang="en-IN" sz="1600" b="0" strike="noStrike" spc="-1" dirty="0" smtClean="0">
+              <a:solidFill>
+                <a:srgbClr val="464547"/>
+              </a:solidFill>
+              <a:uFill>
+                <a:solidFill>
+                  <a:srgbClr val="FFFFFF"/>
+                </a:solidFill>
+              </a:uFill>
+              <a:latin typeface="Trebuchet MS"/>
+            </a:endParaRPr>
+          </a:p>
+          <a:p>
+            <a:pPr marL="720">
+              <a:lnSpc>
+                <a:spcPct val="100000"/>
+              </a:lnSpc>
+              <a:buClr>
+                <a:srgbClr val="39C2D7"/>
+              </a:buClr>
+            </a:pPr>
+            <a:endParaRPr lang="en-IN" sz="1800" b="0" strike="noStrike" spc="-1" dirty="0">
+              <a:solidFill>
+                <a:srgbClr val="000000"/>
+              </a:solidFill>
+              <a:uFill>
+                <a:solidFill>
+                  <a:srgbClr val="FFFFFF"/>
+                </a:solidFill>
+              </a:uFill>
+              <a:latin typeface="Arial"/>
+            </a:endParaRPr>
+          </a:p>
+        </p:txBody>
+      </p:sp>
+      <p:pic>
+        <p:nvPicPr>
+          <p:cNvPr id="5" name="Picture 4"/>
+          <p:cNvPicPr>
+            <a:picLocks noChangeAspect="1"/>
+          </p:cNvPicPr>
+          <p:nvPr/>
+        </p:nvPicPr>
+        <p:blipFill>
+          <a:blip r:embed="rId2">
+            <a:extLst>
+              <a:ext uri="{28A0092B-C50C-407E-A947-70E740481C1C}">
+                <a14:useLocalDpi xmlns:a14="http://schemas.microsoft.com/office/drawing/2010/main" val="0"/>
+              </a:ext>
+            </a:extLst>
+          </a:blip>
+          <a:stretch>
+            <a:fillRect/>
+          </a:stretch>
+        </p:blipFill>
+        <p:spPr>
+          <a:xfrm>
+            <a:off x="2062162" y="1233487"/>
+            <a:ext cx="3914775" cy="1171575"/>
+          </a:xfrm>
+          <a:prstGeom prst="rect">
+            <a:avLst/>
+          </a:prstGeom>
+        </p:spPr>
+      </p:pic>
+      <p:pic>
+        <p:nvPicPr>
+          <p:cNvPr id="6" name="Picture 5" descr="&lt;strong&gt;Question&lt;/strong&gt; Mark Free Stock Photo - Public Domain Pictures"/>
+          <p:cNvPicPr>
+            <a:picLocks noChangeAspect="1"/>
+          </p:cNvPicPr>
+          <p:nvPr/>
+        </p:nvPicPr>
+        <p:blipFill>
+          <a:blip r:embed="rId3" cstate="print">
+            <a:extLst>
+              <a:ext uri="{28A0092B-C50C-407E-A947-70E740481C1C}">
+                <a14:useLocalDpi xmlns:a14="http://schemas.microsoft.com/office/drawing/2010/main" val="0"/>
+              </a:ext>
+            </a:extLst>
+          </a:blip>
+          <a:stretch>
+            <a:fillRect/>
+          </a:stretch>
+        </p:blipFill>
+        <p:spPr>
+          <a:xfrm>
+            <a:off x="3253085" y="3228975"/>
+            <a:ext cx="1314152" cy="985080"/>
+          </a:xfrm>
+          <a:prstGeom prst="rect">
+            <a:avLst/>
+          </a:prstGeom>
+        </p:spPr>
+      </p:pic>
+    </p:spTree>
+    <p:extLst>
+      <p:ext uri="{BB962C8B-B14F-4D97-AF65-F5344CB8AC3E}">
+        <p14:creationId xmlns:p14="http://schemas.microsoft.com/office/powerpoint/2010/main" val="1760043567"/>
+      </p:ext>
+    </p:extLst>
+  </p:cSld>
+  <p:clrMapOvr>
+    <a:masterClrMapping/>
+  </p:clrMapOvr>
+  <p:timing>
+    <p:tnLst>
+      <p:par>
+        <p:cTn id="1" dur="indefinite" restart="never" nodeType="tmRoot"/>
+      </p:par>
+    </p:tnLst>
+  </p:timing>
+</p:sld>
+</file>
+
+<file path=ppt/slides/slide11.xml><?xml version="1.0" encoding="utf-8"?>
+<p:sld xmlns:a="http://schemas.openxmlformats.org/drawingml/2006/main" xmlns:r="http://schemas.openxmlformats.org/officeDocument/2006/relationships" xmlns:p="http://schemas.openxmlformats.org/presentationml/2006/main">
+  <p:cSld>
+    <p:spTree>
+      <p:nvGrpSpPr>
+        <p:cNvPr id="1" name=""/>
+        <p:cNvGrpSpPr/>
+        <p:nvPr/>
+      </p:nvGrpSpPr>
+      <p:grpSpPr>
+        <a:xfrm>
+          <a:off x="0" y="0"/>
+          <a:ext cx="0" cy="0"/>
+          <a:chOff x="0" y="0"/>
+          <a:chExt cx="0" cy="0"/>
+        </a:xfrm>
+      </p:grpSpPr>
+      <p:sp>
+        <p:nvSpPr>
+          <p:cNvPr id="383" name="CustomShape 1"/>
+          <p:cNvSpPr/>
+          <p:nvPr/>
+        </p:nvSpPr>
+        <p:spPr>
+          <a:xfrm>
+            <a:off x="0" y="0"/>
+            <a:ext cx="9143280" cy="932040"/>
+          </a:xfrm>
+          <a:prstGeom prst="rect">
+            <a:avLst/>
+          </a:prstGeom>
+          <a:solidFill>
+            <a:srgbClr val="FFFFFF"/>
+          </a:solidFill>
+          <a:ln>
+            <a:noFill/>
+          </a:ln>
+        </p:spPr>
+        <p:style>
+          <a:lnRef idx="0">
+            <a:scrgbClr r="0" g="0" b="0"/>
+          </a:lnRef>
+          <a:fillRef idx="0">
+            <a:scrgbClr r="0" g="0" b="0"/>
+          </a:fillRef>
+          <a:effectRef idx="0">
+            <a:scrgbClr r="0" g="0" b="0"/>
+          </a:effectRef>
+          <a:fontRef idx="minor"/>
+        </p:style>
+        <p:txBody>
+          <a:bodyPr lIns="365760" tIns="45000" rIns="90000" bIns="45000" anchor="ctr"/>
+          <a:lstStyle/>
+          <a:p>
             <a:pPr>
               <a:lnSpc>
-                <a:spcPct val="80000"/>
+                <a:spcPct val="100000"/>
               </a:lnSpc>
             </a:pPr>
             <a:r>
-              <a:rPr lang="en-IN" sz="4100" b="0" strike="noStrike" spc="-197" dirty="0">
-                <a:solidFill>
-                  <a:srgbClr val="FFFFFF"/>
+              <a:rPr lang="en-IN" sz="2600" b="0" strike="noStrike" spc="-1">
+                <a:solidFill>
+                  <a:srgbClr val="464547"/>
                 </a:solidFill>
                 <a:uFill>
                   <a:solidFill>
@@ -20003,86 +20367,453 @@
                 </a:uFill>
                 <a:latin typeface="Arial Black"/>
               </a:rPr>
-              <a:t>Demo</a:t>
+              <a:t>Gradient Descent</a:t>
             </a:r>
-            <a:endParaRPr lang="en-IN" sz="1800" b="0" strike="noStrike" spc="-1" dirty="0">
-              <a:solidFill>
-                <a:srgbClr val="000000"/>
-              </a:solidFill>
-              <a:uFill>
-                <a:solidFill>
-                  <a:srgbClr val="FFFFFF"/>
-                </a:solidFill>
-              </a:uFill>
-              <a:latin typeface="Arial"/>
-            </a:endParaRPr>
-          </a:p>
-        </p:txBody>
-      </p:sp>
-      <p:sp>
-        <p:nvSpPr>
-          <p:cNvPr id="385" name="CustomShape 2"/>
+            <a:endParaRPr lang="en-IN" sz="1800" b="0" strike="noStrike" spc="-1">
+              <a:solidFill>
+                <a:srgbClr val="000000"/>
+              </a:solidFill>
+              <a:uFill>
+                <a:solidFill>
+                  <a:srgbClr val="FFFFFF"/>
+                </a:solidFill>
+              </a:uFill>
+              <a:latin typeface="Arial"/>
+            </a:endParaRPr>
+          </a:p>
+        </p:txBody>
+      </p:sp>
+      <p:pic>
+        <p:nvPicPr>
+          <p:cNvPr id="2" name="Picture 1"/>
+          <p:cNvPicPr>
+            <a:picLocks noChangeAspect="1"/>
+          </p:cNvPicPr>
+          <p:nvPr/>
+        </p:nvPicPr>
+        <p:blipFill>
+          <a:blip r:embed="rId3">
+            <a:extLst>
+              <a:ext uri="{28A0092B-C50C-407E-A947-70E740481C1C}">
+                <a14:useLocalDpi xmlns:a14="http://schemas.microsoft.com/office/drawing/2010/main" val="0"/>
+              </a:ext>
+            </a:extLst>
+          </a:blip>
+          <a:stretch>
+            <a:fillRect/>
+          </a:stretch>
+        </p:blipFill>
+        <p:spPr>
+          <a:xfrm>
+            <a:off x="4019550" y="2908789"/>
+            <a:ext cx="5124450" cy="3467100"/>
+          </a:xfrm>
+          <a:prstGeom prst="rect">
+            <a:avLst/>
+          </a:prstGeom>
+        </p:spPr>
+      </p:pic>
+      <p:sp>
+        <p:nvSpPr>
+          <p:cNvPr id="4" name="CustomShape 3"/>
           <p:cNvSpPr/>
           <p:nvPr/>
         </p:nvSpPr>
         <p:spPr>
           <a:xfrm>
-            <a:off x="3440160" y="2756520"/>
-            <a:ext cx="1691640" cy="726120"/>
-          </a:xfrm>
-          <a:prstGeom prst="rect">
-            <a:avLst/>
-          </a:prstGeom>
-          <a:solidFill>
-            <a:srgbClr val="2FC2D9"/>
-          </a:solidFill>
+            <a:off x="356580" y="837803"/>
+            <a:ext cx="8430120" cy="4571280"/>
+          </a:xfrm>
+          <a:prstGeom prst="rect">
+            <a:avLst/>
+          </a:prstGeom>
+          <a:noFill/>
           <a:ln>
             <a:noFill/>
           </a:ln>
-          <a:effectLst>
-            <a:outerShdw blurRad="40000" dist="23000" dir="5400000" rotWithShape="0">
-              <a:srgbClr val="000000">
-                <a:alpha val="35000"/>
-              </a:srgbClr>
-            </a:outerShdw>
-          </a:effectLst>
         </p:spPr>
         <p:style>
-          <a:lnRef idx="1">
-            <a:schemeClr val="accent1"/>
+          <a:lnRef idx="0">
+            <a:scrgbClr r="0" g="0" b="0"/>
           </a:lnRef>
-          <a:fillRef idx="3">
-            <a:schemeClr val="accent1"/>
+          <a:fillRef idx="0">
+            <a:scrgbClr r="0" g="0" b="0"/>
           </a:fillRef>
-          <a:effectRef idx="2">
-            <a:schemeClr val="accent1"/>
+          <a:effectRef idx="0">
+            <a:scrgbClr r="0" g="0" b="0"/>
           </a:effectRef>
           <a:fontRef idx="minor"/>
         </p:style>
         <p:txBody>
-          <a:bodyPr wrap="none" lIns="68760" tIns="54720" rIns="68760" bIns="54720" anchor="ctr"/>
-          <a:lstStyle/>
-          <a:p>
-            <a:pPr>
+          <a:bodyPr lIns="90000" tIns="45000" rIns="90000" bIns="45000"/>
+          <a:lstStyle/>
+          <a:p>
+            <a:pPr marL="285840" indent="-285120">
               <a:lnSpc>
                 <a:spcPct val="100000"/>
               </a:lnSpc>
+              <a:buClr>
+                <a:srgbClr val="39C2D7"/>
+              </a:buClr>
+              <a:buFont typeface="Arial"/>
+              <a:buChar char="•"/>
             </a:pPr>
             <a:r>
-              <a:rPr lang="en-IN" sz="4000" b="0" strike="noStrike" spc="-1" dirty="0">
-                <a:solidFill>
-                  <a:srgbClr val="FFFFFF"/>
+              <a:rPr lang="en-IN" sz="1600" b="0" strike="noStrike" spc="-1" dirty="0" smtClean="0">
+                <a:solidFill>
+                  <a:srgbClr val="464547"/>
                 </a:solidFill>
                 <a:uFill>
                   <a:solidFill>
                     <a:srgbClr val="FFFFFF"/>
                   </a:solidFill>
                 </a:uFill>
-                <a:latin typeface="Arial Black"/>
-                <a:ea typeface="DejaVu Sans"/>
+                <a:latin typeface="Trebuchet MS"/>
               </a:rPr>
-              <a:t>Demo</a:t>
+              <a:t>Let’s plot cost(C) vs parameters(P)</a:t>
             </a:r>
+          </a:p>
+          <a:p>
+            <a:pPr marL="285840" indent="-285120">
+              <a:lnSpc>
+                <a:spcPct val="100000"/>
+              </a:lnSpc>
+              <a:buClr>
+                <a:srgbClr val="39C2D7"/>
+              </a:buClr>
+              <a:buFont typeface="Arial"/>
+              <a:buChar char="•"/>
+            </a:pPr>
+            <a:endParaRPr lang="en-IN" sz="1600" b="0" strike="noStrike" spc="-1" dirty="0" smtClean="0">
+              <a:solidFill>
+                <a:srgbClr val="464547"/>
+              </a:solidFill>
+              <a:uFill>
+                <a:solidFill>
+                  <a:srgbClr val="FFFFFF"/>
+                </a:solidFill>
+              </a:uFill>
+              <a:latin typeface="Trebuchet MS"/>
+            </a:endParaRPr>
+          </a:p>
+          <a:p>
+            <a:pPr marL="285840" indent="-285120">
+              <a:lnSpc>
+                <a:spcPct val="100000"/>
+              </a:lnSpc>
+              <a:buClr>
+                <a:srgbClr val="39C2D7"/>
+              </a:buClr>
+              <a:buFont typeface="Arial"/>
+              <a:buChar char="•"/>
+            </a:pPr>
+            <a:r>
+              <a:rPr lang="en-IN" sz="1600" spc="-1" dirty="0" smtClean="0">
+                <a:solidFill>
+                  <a:srgbClr val="464547"/>
+                </a:solidFill>
+                <a:uFill>
+                  <a:solidFill>
+                    <a:srgbClr val="FFFFFF"/>
+                  </a:solidFill>
+                </a:uFill>
+                <a:latin typeface="Trebuchet MS"/>
+              </a:rPr>
+              <a:t>Change parameter values that minimize cost</a:t>
+            </a:r>
+          </a:p>
+          <a:p>
+            <a:pPr marL="285840" indent="-285120">
+              <a:lnSpc>
+                <a:spcPct val="100000"/>
+              </a:lnSpc>
+              <a:buClr>
+                <a:srgbClr val="39C2D7"/>
+              </a:buClr>
+              <a:buFont typeface="Arial"/>
+              <a:buChar char="•"/>
+            </a:pPr>
+            <a:endParaRPr lang="en-IN" sz="1600" spc="-1" dirty="0" smtClean="0">
+              <a:solidFill>
+                <a:srgbClr val="464547"/>
+              </a:solidFill>
+              <a:uFill>
+                <a:solidFill>
+                  <a:srgbClr val="FFFFFF"/>
+                </a:solidFill>
+              </a:uFill>
+              <a:latin typeface="Trebuchet MS"/>
+            </a:endParaRPr>
+          </a:p>
+          <a:p>
+            <a:pPr marL="285840" indent="-285120">
+              <a:lnSpc>
+                <a:spcPct val="100000"/>
+              </a:lnSpc>
+              <a:buClr>
+                <a:srgbClr val="39C2D7"/>
+              </a:buClr>
+              <a:buFont typeface="Arial"/>
+              <a:buChar char="•"/>
+            </a:pPr>
+            <a:r>
+              <a:rPr lang="en-IN" sz="1600" spc="-1" dirty="0" smtClean="0">
+                <a:solidFill>
+                  <a:srgbClr val="464547"/>
+                </a:solidFill>
+                <a:uFill>
+                  <a:solidFill>
+                    <a:srgbClr val="FFFFFF"/>
+                  </a:solidFill>
+                </a:uFill>
+                <a:latin typeface="Trebuchet MS"/>
+              </a:rPr>
+              <a:t>Simple setting </a:t>
+            </a:r>
+            <a:r>
+              <a:rPr lang="en-IN" sz="1600" spc="-1" dirty="0" smtClean="0">
+                <a:solidFill>
+                  <a:srgbClr val="464547"/>
+                </a:solidFill>
+                <a:uFill>
+                  <a:solidFill>
+                    <a:srgbClr val="FFFFFF"/>
+                  </a:solidFill>
+                </a:uFill>
+                <a:latin typeface="Trebuchet MS"/>
+                <a:sym typeface="Wingdings" panose="05000000000000000000" pitchFamily="2" charset="2"/>
+              </a:rPr>
+              <a:t> convex function</a:t>
+            </a:r>
+          </a:p>
+          <a:p>
+            <a:pPr marL="285840" indent="-285120">
+              <a:lnSpc>
+                <a:spcPct val="100000"/>
+              </a:lnSpc>
+              <a:buClr>
+                <a:srgbClr val="39C2D7"/>
+              </a:buClr>
+              <a:buFont typeface="Arial"/>
+              <a:buChar char="•"/>
+            </a:pPr>
+            <a:endParaRPr lang="en-IN" sz="1600" spc="-1" dirty="0" smtClean="0">
+              <a:solidFill>
+                <a:srgbClr val="464547"/>
+              </a:solidFill>
+              <a:uFill>
+                <a:solidFill>
+                  <a:srgbClr val="FFFFFF"/>
+                </a:solidFill>
+              </a:uFill>
+              <a:latin typeface="Trebuchet MS"/>
+              <a:sym typeface="Wingdings" panose="05000000000000000000" pitchFamily="2" charset="2"/>
+            </a:endParaRPr>
+          </a:p>
+          <a:p>
+            <a:pPr marL="285840" indent="-285120">
+              <a:lnSpc>
+                <a:spcPct val="100000"/>
+              </a:lnSpc>
+              <a:buClr>
+                <a:srgbClr val="39C2D7"/>
+              </a:buClr>
+              <a:buFont typeface="Arial"/>
+              <a:buChar char="•"/>
+            </a:pPr>
+            <a:r>
+              <a:rPr lang="en-IN" sz="1600" b="0" strike="noStrike" spc="-1" dirty="0" smtClean="0">
+                <a:solidFill>
+                  <a:srgbClr val="464547"/>
+                </a:solidFill>
+                <a:uFill>
+                  <a:solidFill>
+                    <a:srgbClr val="FFFFFF"/>
+                  </a:solidFill>
+                </a:uFill>
+                <a:latin typeface="Trebuchet MS"/>
+                <a:sym typeface="Wingdings" panose="05000000000000000000" pitchFamily="2" charset="2"/>
+              </a:rPr>
+              <a:t>Minimize convex function  gradient descent</a:t>
+            </a:r>
+          </a:p>
+          <a:p>
+            <a:pPr marL="285840" indent="-285120">
+              <a:lnSpc>
+                <a:spcPct val="100000"/>
+              </a:lnSpc>
+              <a:buClr>
+                <a:srgbClr val="39C2D7"/>
+              </a:buClr>
+              <a:buFont typeface="Arial"/>
+              <a:buChar char="•"/>
+            </a:pPr>
+            <a:endParaRPr lang="en-IN" sz="1600" spc="-1" dirty="0">
+              <a:solidFill>
+                <a:srgbClr val="464547"/>
+              </a:solidFill>
+              <a:uFill>
+                <a:solidFill>
+                  <a:srgbClr val="FFFFFF"/>
+                </a:solidFill>
+              </a:uFill>
+              <a:latin typeface="Trebuchet MS"/>
+              <a:sym typeface="Wingdings" panose="05000000000000000000" pitchFamily="2" charset="2"/>
+            </a:endParaRPr>
+          </a:p>
+          <a:p>
+            <a:pPr marL="285840" indent="-285120">
+              <a:buClr>
+                <a:srgbClr val="39C2D7"/>
+              </a:buClr>
+              <a:buFont typeface="Arial"/>
+              <a:buChar char="•"/>
+            </a:pPr>
+            <a:r>
+              <a:rPr lang="en-IN" sz="1600" b="0" strike="noStrike" spc="-1" dirty="0" smtClean="0">
+                <a:solidFill>
+                  <a:srgbClr val="464547"/>
+                </a:solidFill>
+                <a:uFill>
+                  <a:solidFill>
+                    <a:srgbClr val="FFFFFF"/>
+                  </a:solidFill>
+                </a:uFill>
+                <a:latin typeface="Trebuchet MS"/>
+                <a:sym typeface="Wingdings" panose="05000000000000000000" pitchFamily="2" charset="2"/>
+              </a:rPr>
+              <a:t>Update rule  </a:t>
+            </a:r>
+            <a:r>
+              <a:rPr lang="en-IN" sz="1600" spc="-1" dirty="0">
+                <a:solidFill>
+                  <a:srgbClr val="464547"/>
+                </a:solidFill>
+                <a:uFill>
+                  <a:solidFill>
+                    <a:srgbClr val="FFFFFF"/>
+                  </a:solidFill>
+                </a:uFill>
+                <a:latin typeface="Trebuchet MS"/>
+                <a:sym typeface="Wingdings" panose="05000000000000000000" pitchFamily="2" charset="2"/>
+              </a:rPr>
+              <a:t>p = p – k * </a:t>
+            </a:r>
+            <a:r>
+              <a:rPr lang="en-IN" sz="1600" spc="-1" dirty="0" smtClean="0">
+                <a:solidFill>
+                  <a:srgbClr val="464547"/>
+                </a:solidFill>
+                <a:uFill>
+                  <a:solidFill>
+                    <a:srgbClr val="FFFFFF"/>
+                  </a:solidFill>
+                </a:uFill>
+                <a:latin typeface="Trebuchet MS"/>
+                <a:sym typeface="Wingdings" panose="05000000000000000000" pitchFamily="2" charset="2"/>
+              </a:rPr>
+              <a:t>dc/</a:t>
+            </a:r>
+            <a:r>
+              <a:rPr lang="en-IN" sz="1600" spc="-1" dirty="0" err="1" smtClean="0">
+                <a:solidFill>
+                  <a:srgbClr val="464547"/>
+                </a:solidFill>
+                <a:uFill>
+                  <a:solidFill>
+                    <a:srgbClr val="FFFFFF"/>
+                  </a:solidFill>
+                </a:uFill>
+                <a:latin typeface="Trebuchet MS"/>
+                <a:sym typeface="Wingdings" panose="05000000000000000000" pitchFamily="2" charset="2"/>
+              </a:rPr>
+              <a:t>dp</a:t>
+            </a:r>
+            <a:endParaRPr lang="en-IN" sz="1600" b="0" strike="noStrike" spc="-1" dirty="0" smtClean="0">
+              <a:solidFill>
+                <a:srgbClr val="464547"/>
+              </a:solidFill>
+              <a:uFill>
+                <a:solidFill>
+                  <a:srgbClr val="FFFFFF"/>
+                </a:solidFill>
+              </a:uFill>
+              <a:latin typeface="Trebuchet MS"/>
+              <a:sym typeface="Wingdings" panose="05000000000000000000" pitchFamily="2" charset="2"/>
+            </a:endParaRPr>
+          </a:p>
+          <a:p>
+            <a:pPr marL="720">
+              <a:lnSpc>
+                <a:spcPct val="100000"/>
+              </a:lnSpc>
+              <a:buClr>
+                <a:srgbClr val="39C2D7"/>
+              </a:buClr>
+            </a:pPr>
+            <a:endParaRPr lang="en-IN" sz="1600" spc="-1" dirty="0">
+              <a:solidFill>
+                <a:srgbClr val="464547"/>
+              </a:solidFill>
+              <a:uFill>
+                <a:solidFill>
+                  <a:srgbClr val="FFFFFF"/>
+                </a:solidFill>
+              </a:uFill>
+              <a:latin typeface="Trebuchet MS"/>
+              <a:sym typeface="Wingdings" panose="05000000000000000000" pitchFamily="2" charset="2"/>
+            </a:endParaRPr>
+          </a:p>
+          <a:p>
+            <a:pPr marL="285840" indent="-285120">
+              <a:lnSpc>
+                <a:spcPct val="100000"/>
+              </a:lnSpc>
+              <a:buClr>
+                <a:srgbClr val="39C2D7"/>
+              </a:buClr>
+              <a:buFont typeface="Arial"/>
+              <a:buChar char="•"/>
+            </a:pPr>
+            <a:r>
+              <a:rPr lang="en-IN" sz="1600" spc="-1" dirty="0" smtClean="0">
+                <a:solidFill>
+                  <a:srgbClr val="464547"/>
+                </a:solidFill>
+                <a:uFill>
+                  <a:solidFill>
+                    <a:srgbClr val="FFFFFF"/>
+                  </a:solidFill>
+                </a:uFill>
+                <a:latin typeface="Trebuchet MS"/>
+                <a:sym typeface="Wingdings" panose="05000000000000000000" pitchFamily="2" charset="2"/>
+              </a:rPr>
+              <a:t>P converges to optimal value </a:t>
+            </a:r>
+            <a:endParaRPr lang="en-IN" sz="1600" spc="-1" dirty="0">
+              <a:solidFill>
+                <a:srgbClr val="464547"/>
+              </a:solidFill>
+              <a:uFill>
+                <a:solidFill>
+                  <a:srgbClr val="FFFFFF"/>
+                </a:solidFill>
+              </a:uFill>
+              <a:latin typeface="Trebuchet MS"/>
+              <a:sym typeface="Wingdings" panose="05000000000000000000" pitchFamily="2" charset="2"/>
+            </a:endParaRPr>
+          </a:p>
+          <a:p>
+            <a:pPr marL="285840" indent="-285120">
+              <a:lnSpc>
+                <a:spcPct val="100000"/>
+              </a:lnSpc>
+              <a:buClr>
+                <a:srgbClr val="39C2D7"/>
+              </a:buClr>
+              <a:buFont typeface="Arial"/>
+              <a:buChar char="•"/>
+            </a:pPr>
             <a:endParaRPr lang="en-IN" sz="1800" b="0" strike="noStrike" spc="-1" dirty="0">
               <a:solidFill>
                 <a:srgbClr val="000000"/>
@@ -20094,6 +20825,66 @@
               </a:uFill>
               <a:latin typeface="Arial"/>
             </a:endParaRPr>
+          </a:p>
+        </p:txBody>
+      </p:sp>
+      <p:sp>
+        <p:nvSpPr>
+          <p:cNvPr id="3" name="TextBox 2"/>
+          <p:cNvSpPr txBox="1"/>
+          <p:nvPr/>
+        </p:nvSpPr>
+        <p:spPr>
+          <a:xfrm>
+            <a:off x="6418386" y="2724123"/>
+            <a:ext cx="395652" cy="369332"/>
+          </a:xfrm>
+          <a:prstGeom prst="rect">
+            <a:avLst/>
+          </a:prstGeom>
+          <a:noFill/>
+        </p:spPr>
+        <p:txBody>
+          <a:bodyPr wrap="square" rtlCol="0">
+            <a:spAutoFit/>
+          </a:bodyPr>
+          <a:lstStyle/>
+          <a:p>
+            <a:r>
+              <a:rPr lang="en-US" dirty="0" smtClean="0"/>
+              <a:t>C</a:t>
+            </a:r>
+            <a:endParaRPr lang="en-US" dirty="0"/>
+          </a:p>
+        </p:txBody>
+      </p:sp>
+      <p:sp>
+        <p:nvSpPr>
+          <p:cNvPr id="6" name="TextBox 5"/>
+          <p:cNvSpPr txBox="1"/>
+          <p:nvPr/>
+        </p:nvSpPr>
+        <p:spPr>
+          <a:xfrm>
+            <a:off x="8663355" y="4520684"/>
+            <a:ext cx="395652" cy="369332"/>
+          </a:xfrm>
+          <a:prstGeom prst="rect">
+            <a:avLst/>
+          </a:prstGeom>
+          <a:noFill/>
+        </p:spPr>
+        <p:txBody>
+          <a:bodyPr wrap="square" rtlCol="0">
+            <a:spAutoFit/>
+          </a:bodyPr>
+          <a:lstStyle/>
+          <a:p>
+            <a:r>
+              <a:rPr lang="en-US" dirty="0" smtClean="0"/>
+              <a:t>P</a:t>
+            </a:r>
+            <a:endParaRPr lang="en-US" dirty="0"/>
           </a:p>
         </p:txBody>
       </p:sp>
@@ -20132,7 +20923,205 @@
 </p:sld>
 </file>
 
-<file path=ppt/slides/slide11.xml><?xml version="1.0" encoding="utf-8"?>
+<file path=ppt/slides/slide12.xml><?xml version="1.0" encoding="utf-8"?>
+<p:sld xmlns:a="http://schemas.openxmlformats.org/drawingml/2006/main" xmlns:r="http://schemas.openxmlformats.org/officeDocument/2006/relationships" xmlns:p="http://schemas.openxmlformats.org/presentationml/2006/main">
+  <p:cSld>
+    <p:spTree>
+      <p:nvGrpSpPr>
+        <p:cNvPr id="1" name=""/>
+        <p:cNvGrpSpPr/>
+        <p:nvPr/>
+      </p:nvGrpSpPr>
+      <p:grpSpPr>
+        <a:xfrm>
+          <a:off x="0" y="0"/>
+          <a:ext cx="0" cy="0"/>
+          <a:chOff x="0" y="0"/>
+          <a:chExt cx="0" cy="0"/>
+        </a:xfrm>
+      </p:grpSpPr>
+      <p:sp>
+        <p:nvSpPr>
+          <p:cNvPr id="384" name="CustomShape 1"/>
+          <p:cNvSpPr/>
+          <p:nvPr/>
+        </p:nvSpPr>
+        <p:spPr>
+          <a:xfrm>
+            <a:off x="3133440" y="2810880"/>
+            <a:ext cx="1964160" cy="617400"/>
+          </a:xfrm>
+          <a:prstGeom prst="rect">
+            <a:avLst/>
+          </a:prstGeom>
+          <a:noFill/>
+          <a:ln>
+            <a:noFill/>
+          </a:ln>
+        </p:spPr>
+        <p:style>
+          <a:lnRef idx="0">
+            <a:scrgbClr r="0" g="0" b="0"/>
+          </a:lnRef>
+          <a:fillRef idx="0">
+            <a:scrgbClr r="0" g="0" b="0"/>
+          </a:fillRef>
+          <a:effectRef idx="0">
+            <a:scrgbClr r="0" g="0" b="0"/>
+          </a:effectRef>
+          <a:fontRef idx="minor"/>
+        </p:style>
+        <p:txBody>
+          <a:bodyPr lIns="90000" tIns="45000" rIns="90000" bIns="45000"/>
+          <a:lstStyle/>
+          <a:p>
+            <a:pPr>
+              <a:lnSpc>
+                <a:spcPct val="80000"/>
+              </a:lnSpc>
+            </a:pPr>
+            <a:r>
+              <a:rPr lang="en-IN" sz="4100" b="0" strike="noStrike" spc="-197" dirty="0">
+                <a:solidFill>
+                  <a:srgbClr val="FFFFFF"/>
+                </a:solidFill>
+                <a:uFill>
+                  <a:solidFill>
+                    <a:srgbClr val="FFFFFF"/>
+                  </a:solidFill>
+                </a:uFill>
+                <a:latin typeface="Arial Black"/>
+              </a:rPr>
+              <a:t>Demo</a:t>
+            </a:r>
+            <a:endParaRPr lang="en-IN" sz="1800" b="0" strike="noStrike" spc="-1" dirty="0">
+              <a:solidFill>
+                <a:srgbClr val="000000"/>
+              </a:solidFill>
+              <a:uFill>
+                <a:solidFill>
+                  <a:srgbClr val="FFFFFF"/>
+                </a:solidFill>
+              </a:uFill>
+              <a:latin typeface="Arial"/>
+            </a:endParaRPr>
+          </a:p>
+        </p:txBody>
+      </p:sp>
+      <p:sp>
+        <p:nvSpPr>
+          <p:cNvPr id="385" name="CustomShape 2"/>
+          <p:cNvSpPr/>
+          <p:nvPr/>
+        </p:nvSpPr>
+        <p:spPr>
+          <a:xfrm>
+            <a:off x="3440160" y="2756520"/>
+            <a:ext cx="1691640" cy="726120"/>
+          </a:xfrm>
+          <a:prstGeom prst="rect">
+            <a:avLst/>
+          </a:prstGeom>
+          <a:solidFill>
+            <a:srgbClr val="2FC2D9"/>
+          </a:solidFill>
+          <a:ln>
+            <a:noFill/>
+          </a:ln>
+          <a:effectLst>
+            <a:outerShdw blurRad="40000" dist="23000" dir="5400000" rotWithShape="0">
+              <a:srgbClr val="000000">
+                <a:alpha val="35000"/>
+              </a:srgbClr>
+            </a:outerShdw>
+          </a:effectLst>
+        </p:spPr>
+        <p:style>
+          <a:lnRef idx="1">
+            <a:schemeClr val="accent1"/>
+          </a:lnRef>
+          <a:fillRef idx="3">
+            <a:schemeClr val="accent1"/>
+          </a:fillRef>
+          <a:effectRef idx="2">
+            <a:schemeClr val="accent1"/>
+          </a:effectRef>
+          <a:fontRef idx="minor"/>
+        </p:style>
+        <p:txBody>
+          <a:bodyPr wrap="none" lIns="68760" tIns="54720" rIns="68760" bIns="54720" anchor="ctr"/>
+          <a:lstStyle/>
+          <a:p>
+            <a:pPr>
+              <a:lnSpc>
+                <a:spcPct val="100000"/>
+              </a:lnSpc>
+            </a:pPr>
+            <a:r>
+              <a:rPr lang="en-IN" sz="4000" b="0" strike="noStrike" spc="-1" dirty="0">
+                <a:solidFill>
+                  <a:srgbClr val="FFFFFF"/>
+                </a:solidFill>
+                <a:uFill>
+                  <a:solidFill>
+                    <a:srgbClr val="FFFFFF"/>
+                  </a:solidFill>
+                </a:uFill>
+                <a:latin typeface="Arial Black"/>
+                <a:ea typeface="DejaVu Sans"/>
+              </a:rPr>
+              <a:t>Demo</a:t>
+            </a:r>
+            <a:endParaRPr lang="en-IN" sz="1800" b="0" strike="noStrike" spc="-1" dirty="0">
+              <a:solidFill>
+                <a:srgbClr val="000000"/>
+              </a:solidFill>
+              <a:uFill>
+                <a:solidFill>
+                  <a:srgbClr val="FFFFFF"/>
+                </a:solidFill>
+              </a:uFill>
+              <a:latin typeface="Arial"/>
+            </a:endParaRPr>
+          </a:p>
+        </p:txBody>
+      </p:sp>
+    </p:spTree>
+  </p:cSld>
+  <p:clrMapOvr>
+    <a:masterClrMapping/>
+  </p:clrMapOvr>
+  <p:timing>
+    <p:tnLst>
+      <p:par>
+        <p:cTn id="1" dur="indefinite" restart="never" nodeType="tmRoot">
+          <p:childTnLst>
+            <p:seq>
+              <p:cTn id="2" nodeType="mainSeq"/>
+              <p:prevCondLst>
+                <p:cond evt="onPrev" delay="0">
+                  <p:tgtEl>
+                    <p:sldTgt/>
+                  </p:tgtEl>
+                </p:cond>
+              </p:prevCondLst>
+              <p:nextCondLst>
+                <p:cond evt="onNext" delay="0">
+                  <p:tgtEl>
+                    <p:sldTgt/>
+                  </p:tgtEl>
+                </p:cond>
+              </p:nextCondLst>
+            </p:seq>
+          </p:childTnLst>
+        </p:cTn>
+      </p:par>
+    </p:tnLst>
+  </p:timing>
+</p:sld>
+</file>
+
+<file path=ppt/slides/slide13.xml><?xml version="1.0" encoding="utf-8"?>
 <p:sld xmlns:a="http://schemas.openxmlformats.org/drawingml/2006/main" xmlns:r="http://schemas.openxmlformats.org/officeDocument/2006/relationships" xmlns:p="http://schemas.openxmlformats.org/presentationml/2006/main">
   <p:cSld>
     <p:spTree>
@@ -22967,46 +23956,23 @@
       </p:sp>
       <p:sp>
         <p:nvSpPr>
-          <p:cNvPr id="356" name="CustomShape 2"/>
+          <p:cNvPr id="357" name="CustomShape 3"/>
           <p:cNvSpPr/>
           <p:nvPr/>
         </p:nvSpPr>
         <p:spPr>
           <a:xfrm>
-            <a:off x="2316240" y="1776960"/>
-            <a:ext cx="4096800" cy="4010400"/>
+            <a:off x="4234485" y="750900"/>
+            <a:ext cx="2604600" cy="1965240"/>
           </a:xfrm>
           <a:prstGeom prst="ellipse">
             <a:avLst/>
           </a:prstGeom>
-          <a:gradFill>
-            <a:gsLst>
-              <a:gs pos="100000">
-                <a:srgbClr val="000000">
-                  <a:alpha val="0"/>
-                  <a:lumMod val="0"/>
-                  <a:lumOff val="100000"/>
-                </a:srgbClr>
-              </a:gs>
-              <a:gs pos="100000">
-                <a:schemeClr val="dk1">
-                  <a:shade val="93000"/>
-                  <a:satMod val="130000"/>
-                </a:schemeClr>
-              </a:gs>
-              <a:gs pos="7000">
-                <a:schemeClr val="dk1">
-                  <a:shade val="94000"/>
-                  <a:satMod val="135000"/>
-                </a:schemeClr>
-              </a:gs>
-            </a:gsLst>
-          </a:gradFill>
+          <a:solidFill>
+            <a:srgbClr val="2FC2D9"/>
+          </a:solidFill>
           <a:ln>
-            <a:solidFill>
-              <a:srgbClr val="444345"/>
-            </a:solidFill>
-            <a:round/>
+            <a:noFill/>
           </a:ln>
           <a:effectLst>
             <a:outerShdw blurRad="40000" dist="23000" dir="5400000" rotWithShape="0">
@@ -23018,13 +23984,552 @@
         </p:spPr>
         <p:style>
           <a:lnRef idx="1">
-            <a:schemeClr val="dk1"/>
+            <a:schemeClr val="accent1"/>
           </a:lnRef>
           <a:fillRef idx="3">
-            <a:schemeClr val="dk1"/>
+            <a:schemeClr val="accent1"/>
           </a:fillRef>
           <a:effectRef idx="2">
-            <a:schemeClr val="dk1"/>
+            <a:schemeClr val="accent1"/>
+          </a:effectRef>
+          <a:fontRef idx="minor"/>
+        </p:style>
+        <p:txBody>
+          <a:bodyPr lIns="90000" tIns="45000" rIns="90000" bIns="45000" anchor="ctr"/>
+          <a:lstStyle/>
+          <a:p>
+            <a:pPr algn="ctr"/>
+            <a:r>
+              <a:rPr lang="en-IN" spc="-1" dirty="0">
+                <a:solidFill>
+                  <a:srgbClr val="464547"/>
+                </a:solidFill>
+                <a:uFill>
+                  <a:solidFill>
+                    <a:srgbClr val="FFFFFF"/>
+                  </a:solidFill>
+                </a:uFill>
+                <a:latin typeface="Trebuchet MS"/>
+                <a:ea typeface="DejaVu Sans"/>
+              </a:rPr>
+              <a:t>           </a:t>
+            </a:r>
+            <a:r>
+              <a:rPr lang="en-IN" spc="-1" dirty="0">
+                <a:solidFill>
+                  <a:srgbClr val="464547"/>
+                </a:solidFill>
+                <a:uFill>
+                  <a:solidFill>
+                    <a:srgbClr val="FFFFFF"/>
+                  </a:solidFill>
+                </a:uFill>
+                <a:latin typeface="Trebuchet MS"/>
+                <a:ea typeface="DejaVu Sans"/>
+              </a:rPr>
+              <a:t>Learning</a:t>
+            </a:r>
+          </a:p>
+        </p:txBody>
+      </p:sp>
+      <p:sp>
+        <p:nvSpPr>
+          <p:cNvPr id="359" name="CustomShape 5"/>
+          <p:cNvSpPr/>
+          <p:nvPr/>
+        </p:nvSpPr>
+        <p:spPr>
+          <a:xfrm>
+            <a:off x="788895" y="2376870"/>
+            <a:ext cx="1988640" cy="1319040"/>
+          </a:xfrm>
+          <a:prstGeom prst="ellipse">
+            <a:avLst/>
+          </a:prstGeom>
+          <a:solidFill>
+            <a:srgbClr val="2FC2D9"/>
+          </a:solidFill>
+          <a:ln>
+            <a:noFill/>
+          </a:ln>
+          <a:effectLst>
+            <a:outerShdw blurRad="40000" dist="23000" dir="5400000" rotWithShape="0">
+              <a:srgbClr val="000000">
+                <a:alpha val="35000"/>
+              </a:srgbClr>
+            </a:outerShdw>
+          </a:effectLst>
+        </p:spPr>
+        <p:style>
+          <a:lnRef idx="1">
+            <a:schemeClr val="accent1"/>
+          </a:lnRef>
+          <a:fillRef idx="3">
+            <a:schemeClr val="accent1"/>
+          </a:fillRef>
+          <a:effectRef idx="2">
+            <a:schemeClr val="accent1"/>
+          </a:effectRef>
+          <a:fontRef idx="minor"/>
+        </p:style>
+        <p:txBody>
+          <a:bodyPr lIns="90000" tIns="45000" rIns="90000" bIns="45000" anchor="ctr"/>
+          <a:lstStyle/>
+          <a:p>
+            <a:pPr algn="ctr"/>
+            <a:r>
+              <a:rPr lang="en-IN" spc="-1">
+                <a:solidFill>
+                  <a:srgbClr val="464547"/>
+                </a:solidFill>
+                <a:uFill>
+                  <a:solidFill>
+                    <a:srgbClr val="FFFFFF"/>
+                  </a:solidFill>
+                </a:uFill>
+                <a:latin typeface="Trebuchet MS"/>
+                <a:ea typeface="DejaVu Sans"/>
+              </a:rPr>
+              <a:t>Psychology&amp;</a:t>
+            </a:r>
+          </a:p>
+          <a:p>
+            <a:pPr algn="ctr"/>
+            <a:r>
+              <a:rPr lang="en-IN" spc="-1">
+                <a:solidFill>
+                  <a:srgbClr val="464547"/>
+                </a:solidFill>
+                <a:uFill>
+                  <a:solidFill>
+                    <a:srgbClr val="FFFFFF"/>
+                  </a:solidFill>
+                </a:uFill>
+                <a:latin typeface="Trebuchet MS"/>
+                <a:ea typeface="DejaVu Sans"/>
+              </a:rPr>
+              <a:t>Philosophy</a:t>
+            </a:r>
+          </a:p>
+        </p:txBody>
+      </p:sp>
+      <p:sp>
+        <p:nvSpPr>
+          <p:cNvPr id="361" name="CustomShape 7"/>
+          <p:cNvSpPr/>
+          <p:nvPr/>
+        </p:nvSpPr>
+        <p:spPr>
+          <a:xfrm>
+            <a:off x="1913850" y="1002570"/>
+            <a:ext cx="2035080" cy="1319040"/>
+          </a:xfrm>
+          <a:prstGeom prst="ellipse">
+            <a:avLst/>
+          </a:prstGeom>
+          <a:solidFill>
+            <a:srgbClr val="2FC2D9"/>
+          </a:solidFill>
+          <a:ln>
+            <a:noFill/>
+          </a:ln>
+          <a:effectLst>
+            <a:outerShdw blurRad="40000" dist="23000" dir="5400000" rotWithShape="0">
+              <a:srgbClr val="000000">
+                <a:alpha val="35000"/>
+              </a:srgbClr>
+            </a:outerShdw>
+          </a:effectLst>
+        </p:spPr>
+        <p:style>
+          <a:lnRef idx="1">
+            <a:schemeClr val="accent1"/>
+          </a:lnRef>
+          <a:fillRef idx="3">
+            <a:schemeClr val="accent1"/>
+          </a:fillRef>
+          <a:effectRef idx="2">
+            <a:schemeClr val="accent1"/>
+          </a:effectRef>
+          <a:fontRef idx="minor"/>
+        </p:style>
+        <p:txBody>
+          <a:bodyPr lIns="90000" tIns="45000" rIns="90000" bIns="45000" anchor="ctr"/>
+          <a:lstStyle/>
+          <a:p>
+            <a:pPr algn="ctr"/>
+            <a:r>
+              <a:rPr lang="en-IN" spc="-1" dirty="0">
+                <a:solidFill>
+                  <a:srgbClr val="464547"/>
+                </a:solidFill>
+                <a:uFill>
+                  <a:solidFill>
+                    <a:srgbClr val="FFFFFF"/>
+                  </a:solidFill>
+                </a:uFill>
+                <a:latin typeface="Trebuchet MS"/>
+                <a:ea typeface="DejaVu Sans"/>
+              </a:rPr>
+              <a:t>Reasoning &amp; Intelligence</a:t>
+            </a:r>
+          </a:p>
+        </p:txBody>
+      </p:sp>
+      <p:sp>
+        <p:nvSpPr>
+          <p:cNvPr id="360" name="CustomShape 6"/>
+          <p:cNvSpPr/>
+          <p:nvPr/>
+        </p:nvSpPr>
+        <p:spPr>
+          <a:xfrm>
+            <a:off x="862200" y="3904425"/>
+            <a:ext cx="1848240" cy="1319040"/>
+          </a:xfrm>
+          <a:prstGeom prst="ellipse">
+            <a:avLst/>
+          </a:prstGeom>
+          <a:solidFill>
+            <a:srgbClr val="2FC2D9"/>
+          </a:solidFill>
+          <a:ln>
+            <a:noFill/>
+          </a:ln>
+          <a:effectLst>
+            <a:outerShdw blurRad="40000" dist="23000" dir="5400000" rotWithShape="0">
+              <a:srgbClr val="000000">
+                <a:alpha val="35000"/>
+              </a:srgbClr>
+            </a:outerShdw>
+          </a:effectLst>
+        </p:spPr>
+        <p:style>
+          <a:lnRef idx="1">
+            <a:schemeClr val="accent1"/>
+          </a:lnRef>
+          <a:fillRef idx="3">
+            <a:schemeClr val="accent1"/>
+          </a:fillRef>
+          <a:effectRef idx="2">
+            <a:schemeClr val="accent1"/>
+          </a:effectRef>
+          <a:fontRef idx="minor"/>
+        </p:style>
+        <p:txBody>
+          <a:bodyPr lIns="90000" tIns="45000" rIns="90000" bIns="45000" anchor="ctr"/>
+          <a:lstStyle/>
+          <a:p>
+            <a:pPr algn="ctr"/>
+            <a:r>
+              <a:rPr lang="en-IN" spc="-1">
+                <a:solidFill>
+                  <a:srgbClr val="464547"/>
+                </a:solidFill>
+                <a:uFill>
+                  <a:solidFill>
+                    <a:srgbClr val="FFFFFF"/>
+                  </a:solidFill>
+                </a:uFill>
+                <a:latin typeface="Trebuchet MS"/>
+                <a:ea typeface="DejaVu Sans"/>
+              </a:rPr>
+              <a:t>Linguistics</a:t>
+            </a:r>
+          </a:p>
+        </p:txBody>
+      </p:sp>
+      <p:sp>
+        <p:nvSpPr>
+          <p:cNvPr id="365" name="CustomShape 11"/>
+          <p:cNvSpPr/>
+          <p:nvPr/>
+        </p:nvSpPr>
+        <p:spPr>
+          <a:xfrm>
+            <a:off x="4001730" y="5168520"/>
+            <a:ext cx="2115720" cy="1319040"/>
+          </a:xfrm>
+          <a:prstGeom prst="ellipse">
+            <a:avLst/>
+          </a:prstGeom>
+          <a:solidFill>
+            <a:srgbClr val="2FC2D9"/>
+          </a:solidFill>
+          <a:ln>
+            <a:noFill/>
+          </a:ln>
+          <a:effectLst>
+            <a:outerShdw blurRad="40000" dist="23000" dir="5400000" rotWithShape="0">
+              <a:srgbClr val="000000">
+                <a:alpha val="35000"/>
+              </a:srgbClr>
+            </a:outerShdw>
+          </a:effectLst>
+        </p:spPr>
+        <p:style>
+          <a:lnRef idx="1">
+            <a:schemeClr val="accent1"/>
+          </a:lnRef>
+          <a:fillRef idx="3">
+            <a:schemeClr val="accent1"/>
+          </a:fillRef>
+          <a:effectRef idx="2">
+            <a:schemeClr val="accent1"/>
+          </a:effectRef>
+          <a:fontRef idx="minor"/>
+        </p:style>
+        <p:txBody>
+          <a:bodyPr lIns="90000" tIns="45000" rIns="90000" bIns="45000" anchor="ctr"/>
+          <a:lstStyle/>
+          <a:p>
+            <a:pPr algn="ctr"/>
+            <a:r>
+              <a:rPr lang="en-IN" spc="-1">
+                <a:solidFill>
+                  <a:srgbClr val="464547"/>
+                </a:solidFill>
+                <a:uFill>
+                  <a:solidFill>
+                    <a:srgbClr val="FFFFFF"/>
+                  </a:solidFill>
+                </a:uFill>
+                <a:latin typeface="Trebuchet MS"/>
+                <a:ea typeface="DejaVu Sans"/>
+              </a:rPr>
+              <a:t>Mathematics</a:t>
+            </a:r>
+          </a:p>
+        </p:txBody>
+      </p:sp>
+      <p:sp>
+        <p:nvSpPr>
+          <p:cNvPr id="363" name="CustomShape 9"/>
+          <p:cNvSpPr/>
+          <p:nvPr/>
+        </p:nvSpPr>
+        <p:spPr>
+          <a:xfrm>
+            <a:off x="1973880" y="5137920"/>
+            <a:ext cx="1848240" cy="1319040"/>
+          </a:xfrm>
+          <a:prstGeom prst="ellipse">
+            <a:avLst/>
+          </a:prstGeom>
+          <a:solidFill>
+            <a:srgbClr val="2FC2D9"/>
+          </a:solidFill>
+          <a:ln>
+            <a:noFill/>
+          </a:ln>
+          <a:effectLst>
+            <a:outerShdw blurRad="40000" dist="23000" dir="5400000" rotWithShape="0">
+              <a:srgbClr val="000000">
+                <a:alpha val="35000"/>
+              </a:srgbClr>
+            </a:outerShdw>
+          </a:effectLst>
+        </p:spPr>
+        <p:style>
+          <a:lnRef idx="1">
+            <a:schemeClr val="accent1"/>
+          </a:lnRef>
+          <a:fillRef idx="3">
+            <a:schemeClr val="accent1"/>
+          </a:fillRef>
+          <a:effectRef idx="2">
+            <a:schemeClr val="accent1"/>
+          </a:effectRef>
+          <a:fontRef idx="minor"/>
+        </p:style>
+        <p:txBody>
+          <a:bodyPr lIns="90000" tIns="45000" rIns="90000" bIns="45000" anchor="ctr"/>
+          <a:lstStyle/>
+          <a:p>
+            <a:pPr algn="ctr"/>
+            <a:r>
+              <a:rPr lang="en-IN" spc="-1">
+                <a:solidFill>
+                  <a:srgbClr val="464547"/>
+                </a:solidFill>
+                <a:uFill>
+                  <a:solidFill>
+                    <a:srgbClr val="FFFFFF"/>
+                  </a:solidFill>
+                </a:uFill>
+                <a:latin typeface="Trebuchet MS"/>
+                <a:ea typeface="DejaVu Sans"/>
+              </a:rPr>
+              <a:t>Neuro science</a:t>
+            </a:r>
+          </a:p>
+        </p:txBody>
+      </p:sp>
+      <p:sp>
+        <p:nvSpPr>
+          <p:cNvPr id="364" name="CustomShape 10"/>
+          <p:cNvSpPr/>
+          <p:nvPr/>
+        </p:nvSpPr>
+        <p:spPr>
+          <a:xfrm>
+            <a:off x="5649120" y="4100130"/>
+            <a:ext cx="2137320" cy="1319040"/>
+          </a:xfrm>
+          <a:prstGeom prst="ellipse">
+            <a:avLst/>
+          </a:prstGeom>
+          <a:solidFill>
+            <a:srgbClr val="2FC2D9"/>
+          </a:solidFill>
+          <a:ln>
+            <a:noFill/>
+          </a:ln>
+          <a:effectLst>
+            <a:outerShdw blurRad="40000" dist="23000" dir="5400000" rotWithShape="0">
+              <a:srgbClr val="000000">
+                <a:alpha val="35000"/>
+              </a:srgbClr>
+            </a:outerShdw>
+          </a:effectLst>
+        </p:spPr>
+        <p:style>
+          <a:lnRef idx="1">
+            <a:schemeClr val="accent1"/>
+          </a:lnRef>
+          <a:fillRef idx="3">
+            <a:schemeClr val="accent1"/>
+          </a:fillRef>
+          <a:effectRef idx="2">
+            <a:schemeClr val="accent1"/>
+          </a:effectRef>
+          <a:fontRef idx="minor"/>
+        </p:style>
+        <p:txBody>
+          <a:bodyPr lIns="90000" tIns="45000" rIns="90000" bIns="45000" anchor="ctr"/>
+          <a:lstStyle/>
+          <a:p>
+            <a:pPr algn="ctr"/>
+            <a:r>
+              <a:rPr lang="en-IN" spc="-1" dirty="0">
+                <a:solidFill>
+                  <a:srgbClr val="464547"/>
+                </a:solidFill>
+                <a:uFill>
+                  <a:solidFill>
+                    <a:srgbClr val="FFFFFF"/>
+                  </a:solidFill>
+                </a:uFill>
+                <a:latin typeface="Trebuchet MS"/>
+                <a:ea typeface="DejaVu Sans"/>
+              </a:rPr>
+              <a:t>Cognitive Science</a:t>
+            </a:r>
+          </a:p>
+        </p:txBody>
+      </p:sp>
+      <p:sp>
+        <p:nvSpPr>
+          <p:cNvPr id="366" name="CustomShape 12"/>
+          <p:cNvSpPr/>
+          <p:nvPr/>
+        </p:nvSpPr>
+        <p:spPr>
+          <a:xfrm>
+            <a:off x="6074640" y="2605530"/>
+            <a:ext cx="2137320" cy="1319040"/>
+          </a:xfrm>
+          <a:prstGeom prst="ellipse">
+            <a:avLst/>
+          </a:prstGeom>
+          <a:solidFill>
+            <a:srgbClr val="2FC2D9"/>
+          </a:solidFill>
+          <a:ln>
+            <a:noFill/>
+          </a:ln>
+          <a:effectLst>
+            <a:outerShdw blurRad="40000" dist="23000" dir="5400000" rotWithShape="0">
+              <a:srgbClr val="000000">
+                <a:alpha val="35000"/>
+              </a:srgbClr>
+            </a:outerShdw>
+          </a:effectLst>
+        </p:spPr>
+        <p:style>
+          <a:lnRef idx="1">
+            <a:schemeClr val="accent1"/>
+          </a:lnRef>
+          <a:fillRef idx="3">
+            <a:schemeClr val="accent1"/>
+          </a:fillRef>
+          <a:effectRef idx="2">
+            <a:schemeClr val="accent1"/>
+          </a:effectRef>
+          <a:fontRef idx="minor"/>
+        </p:style>
+        <p:txBody>
+          <a:bodyPr lIns="90000" tIns="45000" rIns="90000" bIns="45000" anchor="ctr"/>
+          <a:lstStyle/>
+          <a:p>
+            <a:pPr algn="ctr"/>
+            <a:r>
+              <a:rPr lang="en-IN" spc="-1" dirty="0">
+                <a:solidFill>
+                  <a:srgbClr val="464547"/>
+                </a:solidFill>
+                <a:uFill>
+                  <a:solidFill>
+                    <a:srgbClr val="FFFFFF"/>
+                  </a:solidFill>
+                </a:uFill>
+                <a:latin typeface="Trebuchet MS"/>
+                <a:ea typeface="DejaVu Sans"/>
+              </a:rPr>
+              <a:t>Computer Science</a:t>
+            </a:r>
+          </a:p>
+        </p:txBody>
+      </p:sp>
+      <p:sp>
+        <p:nvSpPr>
+          <p:cNvPr id="356" name="CustomShape 2"/>
+          <p:cNvSpPr/>
+          <p:nvPr/>
+        </p:nvSpPr>
+        <p:spPr>
+          <a:xfrm>
+            <a:off x="2316240" y="1719810"/>
+            <a:ext cx="4096800" cy="4010400"/>
+          </a:xfrm>
+          <a:prstGeom prst="ellipse">
+            <a:avLst/>
+          </a:prstGeom>
+          <a:solidFill>
+            <a:schemeClr val="accent5">
+              <a:lumMod val="75000"/>
+            </a:schemeClr>
+          </a:solidFill>
+          <a:ln>
+            <a:noFill/>
+          </a:ln>
+          <a:effectLst>
+            <a:outerShdw blurRad="40000" dist="23000" dir="5400000" rotWithShape="0">
+              <a:srgbClr val="000000">
+                <a:alpha val="35000"/>
+              </a:srgbClr>
+            </a:outerShdw>
+          </a:effectLst>
+        </p:spPr>
+        <p:style>
+          <a:lnRef idx="1">
+            <a:schemeClr val="accent1"/>
+          </a:lnRef>
+          <a:fillRef idx="3">
+            <a:schemeClr val="accent1"/>
+          </a:fillRef>
+          <a:effectRef idx="2">
+            <a:schemeClr val="accent1"/>
           </a:effectRef>
           <a:fontRef idx="minor"/>
         </p:style>
@@ -23040,7 +24545,9 @@
             <a:r>
               <a:rPr lang="en-IN" sz="1800" b="0" strike="noStrike" spc="-1">
                 <a:solidFill>
-                  <a:srgbClr val="464547"/>
+                  <a:schemeClr val="accent5">
+                    <a:lumMod val="50000"/>
+                  </a:schemeClr>
                 </a:solidFill>
                 <a:uFill>
                   <a:solidFill>
@@ -23054,28 +24561,30 @@
             </a:r>
             <a:endParaRPr lang="en-IN" sz="1800" b="0" strike="noStrike" spc="-1">
               <a:solidFill>
-                <a:srgbClr val="000000"/>
-              </a:solidFill>
-              <a:uFill>
-                <a:solidFill>
-                  <a:srgbClr val="FFFFFF"/>
-                </a:solidFill>
-              </a:uFill>
-              <a:latin typeface="Arial"/>
-            </a:endParaRPr>
-          </a:p>
-        </p:txBody>
-      </p:sp>
-      <p:sp>
-        <p:nvSpPr>
-          <p:cNvPr id="357" name="CustomShape 3"/>
+                <a:schemeClr val="accent5">
+                  <a:lumMod val="50000"/>
+                </a:schemeClr>
+              </a:solidFill>
+              <a:uFill>
+                <a:solidFill>
+                  <a:srgbClr val="FFFFFF"/>
+                </a:solidFill>
+              </a:uFill>
+              <a:latin typeface="Arial"/>
+            </a:endParaRPr>
+          </a:p>
+        </p:txBody>
+      </p:sp>
+      <p:sp>
+        <p:nvSpPr>
+          <p:cNvPr id="362" name="CustomShape 8"/>
           <p:cNvSpPr/>
           <p:nvPr/>
         </p:nvSpPr>
         <p:spPr>
           <a:xfrm>
-            <a:off x="4453560" y="941400"/>
-            <a:ext cx="2604600" cy="1965240"/>
+            <a:off x="4247771" y="1645980"/>
+            <a:ext cx="709075" cy="518400"/>
           </a:xfrm>
           <a:prstGeom prst="ellipse">
             <a:avLst/>
@@ -23117,7 +24626,7 @@
               </a:lnSpc>
             </a:pPr>
             <a:r>
-              <a:rPr lang="en-IN" sz="1800" b="0" strike="noStrike" spc="-1" dirty="0" smtClean="0">
+              <a:rPr lang="en-IN" sz="1800" b="0" strike="noStrike" spc="-1">
                 <a:solidFill>
                   <a:srgbClr val="464547"/>
                 </a:solidFill>
@@ -23129,24 +24638,9 @@
                 <a:latin typeface="Trebuchet MS"/>
                 <a:ea typeface="DejaVu Sans"/>
               </a:rPr>
-              <a:t>           </a:t>
+              <a:t>DL</a:t>
             </a:r>
-            <a:r>
-              <a:rPr lang="en-IN" sz="1800" b="0" strike="noStrike" spc="-1" dirty="0">
-                <a:solidFill>
-                  <a:srgbClr val="464547"/>
-                </a:solidFill>
-                <a:uFill>
-                  <a:solidFill>
-                    <a:srgbClr val="FFFFFF"/>
-                  </a:solidFill>
-                </a:uFill>
-                <a:latin typeface="Trebuchet MS"/>
-                <a:ea typeface="DejaVu Sans"/>
-              </a:rPr>
-              <a:t>Learning</a:t>
-            </a:r>
-            <a:endParaRPr lang="en-IN" sz="1800" b="0" strike="noStrike" spc="-1" dirty="0">
+            <a:endParaRPr lang="en-IN" sz="1800" b="0" strike="noStrike" spc="-1">
               <a:solidFill>
                 <a:srgbClr val="000000"/>
               </a:solidFill>
@@ -23168,7 +24662,7 @@
         </p:nvSpPr>
         <p:spPr>
           <a:xfrm>
-            <a:off x="4462200" y="1444128"/>
+            <a:off x="4233600" y="1301253"/>
             <a:ext cx="1186920" cy="1144440"/>
           </a:xfrm>
           <a:prstGeom prst="ellipse">
@@ -23224,671 +24718,6 @@
                 <a:ea typeface="DejaVu Sans"/>
               </a:rPr>
               <a:t>  ML</a:t>
-            </a:r>
-            <a:endParaRPr lang="en-IN" sz="1800" b="0" strike="noStrike" spc="-1">
-              <a:solidFill>
-                <a:srgbClr val="000000"/>
-              </a:solidFill>
-              <a:uFill>
-                <a:solidFill>
-                  <a:srgbClr val="FFFFFF"/>
-                </a:solidFill>
-              </a:uFill>
-              <a:latin typeface="Arial"/>
-            </a:endParaRPr>
-          </a:p>
-        </p:txBody>
-      </p:sp>
-      <p:sp>
-        <p:nvSpPr>
-          <p:cNvPr id="359" name="CustomShape 5"/>
-          <p:cNvSpPr/>
-          <p:nvPr/>
-        </p:nvSpPr>
-        <p:spPr>
-          <a:xfrm>
-            <a:off x="760320" y="2472120"/>
-            <a:ext cx="1988640" cy="1319040"/>
-          </a:xfrm>
-          <a:prstGeom prst="ellipse">
-            <a:avLst/>
-          </a:prstGeom>
-          <a:noFill/>
-          <a:ln>
-            <a:solidFill>
-              <a:srgbClr val="C7C7C7"/>
-            </a:solidFill>
-            <a:round/>
-          </a:ln>
-          <a:effectLst>
-            <a:outerShdw blurRad="40000" dist="23000" dir="5400000" rotWithShape="0">
-              <a:srgbClr val="000000">
-                <a:alpha val="35000"/>
-              </a:srgbClr>
-            </a:outerShdw>
-          </a:effectLst>
-        </p:spPr>
-        <p:style>
-          <a:lnRef idx="1">
-            <a:schemeClr val="accent1"/>
-          </a:lnRef>
-          <a:fillRef idx="3">
-            <a:schemeClr val="accent1"/>
-          </a:fillRef>
-          <a:effectRef idx="2">
-            <a:schemeClr val="accent1"/>
-          </a:effectRef>
-          <a:fontRef idx="minor"/>
-        </p:style>
-        <p:txBody>
-          <a:bodyPr lIns="90000" tIns="45000" rIns="90000" bIns="45000" anchor="ctr"/>
-          <a:lstStyle/>
-          <a:p>
-            <a:pPr algn="ctr">
-              <a:lnSpc>
-                <a:spcPct val="100000"/>
-              </a:lnSpc>
-            </a:pPr>
-            <a:r>
-              <a:rPr lang="en-IN" sz="1800" b="0" strike="noStrike" spc="-1">
-                <a:solidFill>
-                  <a:srgbClr val="464547"/>
-                </a:solidFill>
-                <a:uFill>
-                  <a:solidFill>
-                    <a:srgbClr val="FFFFFF"/>
-                  </a:solidFill>
-                </a:uFill>
-                <a:latin typeface="Trebuchet MS"/>
-                <a:ea typeface="DejaVu Sans"/>
-              </a:rPr>
-              <a:t>Psychology&amp;</a:t>
-            </a:r>
-            <a:endParaRPr lang="en-IN" sz="1800" b="0" strike="noStrike" spc="-1">
-              <a:solidFill>
-                <a:srgbClr val="000000"/>
-              </a:solidFill>
-              <a:uFill>
-                <a:solidFill>
-                  <a:srgbClr val="FFFFFF"/>
-                </a:solidFill>
-              </a:uFill>
-              <a:latin typeface="Arial"/>
-            </a:endParaRPr>
-          </a:p>
-          <a:p>
-            <a:pPr algn="ctr">
-              <a:lnSpc>
-                <a:spcPct val="100000"/>
-              </a:lnSpc>
-            </a:pPr>
-            <a:r>
-              <a:rPr lang="en-IN" sz="1800" b="0" strike="noStrike" spc="-1">
-                <a:solidFill>
-                  <a:srgbClr val="464547"/>
-                </a:solidFill>
-                <a:uFill>
-                  <a:solidFill>
-                    <a:srgbClr val="FFFFFF"/>
-                  </a:solidFill>
-                </a:uFill>
-                <a:latin typeface="Trebuchet MS"/>
-                <a:ea typeface="DejaVu Sans"/>
-              </a:rPr>
-              <a:t>Philosophy</a:t>
-            </a:r>
-            <a:endParaRPr lang="en-IN" sz="1800" b="0" strike="noStrike" spc="-1">
-              <a:solidFill>
-                <a:srgbClr val="000000"/>
-              </a:solidFill>
-              <a:uFill>
-                <a:solidFill>
-                  <a:srgbClr val="FFFFFF"/>
-                </a:solidFill>
-              </a:uFill>
-              <a:latin typeface="Arial"/>
-            </a:endParaRPr>
-          </a:p>
-        </p:txBody>
-      </p:sp>
-      <p:sp>
-        <p:nvSpPr>
-          <p:cNvPr id="360" name="CustomShape 6"/>
-          <p:cNvSpPr/>
-          <p:nvPr/>
-        </p:nvSpPr>
-        <p:spPr>
-          <a:xfrm>
-            <a:off x="862200" y="3933000"/>
-            <a:ext cx="1848240" cy="1319040"/>
-          </a:xfrm>
-          <a:prstGeom prst="ellipse">
-            <a:avLst/>
-          </a:prstGeom>
-          <a:noFill/>
-          <a:ln>
-            <a:solidFill>
-              <a:srgbClr val="C7C7C7"/>
-            </a:solidFill>
-            <a:round/>
-          </a:ln>
-          <a:effectLst>
-            <a:outerShdw blurRad="40000" dist="23000" dir="5400000" rotWithShape="0">
-              <a:srgbClr val="000000">
-                <a:alpha val="35000"/>
-              </a:srgbClr>
-            </a:outerShdw>
-          </a:effectLst>
-        </p:spPr>
-        <p:style>
-          <a:lnRef idx="1">
-            <a:schemeClr val="accent1"/>
-          </a:lnRef>
-          <a:fillRef idx="3">
-            <a:schemeClr val="accent1"/>
-          </a:fillRef>
-          <a:effectRef idx="2">
-            <a:schemeClr val="accent1"/>
-          </a:effectRef>
-          <a:fontRef idx="minor"/>
-        </p:style>
-        <p:txBody>
-          <a:bodyPr lIns="90000" tIns="45000" rIns="90000" bIns="45000" anchor="ctr"/>
-          <a:lstStyle/>
-          <a:p>
-            <a:pPr algn="ctr">
-              <a:lnSpc>
-                <a:spcPct val="100000"/>
-              </a:lnSpc>
-            </a:pPr>
-            <a:r>
-              <a:rPr lang="en-IN" sz="1800" b="0" strike="noStrike" spc="-1">
-                <a:solidFill>
-                  <a:srgbClr val="464547"/>
-                </a:solidFill>
-                <a:uFill>
-                  <a:solidFill>
-                    <a:srgbClr val="FFFFFF"/>
-                  </a:solidFill>
-                </a:uFill>
-                <a:latin typeface="Trebuchet MS"/>
-                <a:ea typeface="DejaVu Sans"/>
-              </a:rPr>
-              <a:t>Linguistics</a:t>
-            </a:r>
-            <a:endParaRPr lang="en-IN" sz="1800" b="0" strike="noStrike" spc="-1">
-              <a:solidFill>
-                <a:srgbClr val="000000"/>
-              </a:solidFill>
-              <a:uFill>
-                <a:solidFill>
-                  <a:srgbClr val="FFFFFF"/>
-                </a:solidFill>
-              </a:uFill>
-              <a:latin typeface="Arial"/>
-            </a:endParaRPr>
-          </a:p>
-        </p:txBody>
-      </p:sp>
-      <p:sp>
-        <p:nvSpPr>
-          <p:cNvPr id="361" name="CustomShape 7"/>
-          <p:cNvSpPr/>
-          <p:nvPr/>
-        </p:nvSpPr>
-        <p:spPr>
-          <a:xfrm>
-            <a:off x="2199600" y="1212120"/>
-            <a:ext cx="2035080" cy="1319040"/>
-          </a:xfrm>
-          <a:prstGeom prst="ellipse">
-            <a:avLst/>
-          </a:prstGeom>
-          <a:noFill/>
-          <a:ln>
-            <a:solidFill>
-              <a:srgbClr val="C7C7C7"/>
-            </a:solidFill>
-            <a:round/>
-          </a:ln>
-          <a:effectLst>
-            <a:outerShdw blurRad="40000" dist="23000" dir="5400000" rotWithShape="0">
-              <a:srgbClr val="000000">
-                <a:alpha val="35000"/>
-              </a:srgbClr>
-            </a:outerShdw>
-          </a:effectLst>
-        </p:spPr>
-        <p:style>
-          <a:lnRef idx="1">
-            <a:schemeClr val="accent1"/>
-          </a:lnRef>
-          <a:fillRef idx="3">
-            <a:schemeClr val="accent1"/>
-          </a:fillRef>
-          <a:effectRef idx="2">
-            <a:schemeClr val="accent1"/>
-          </a:effectRef>
-          <a:fontRef idx="minor"/>
-        </p:style>
-        <p:txBody>
-          <a:bodyPr lIns="90000" tIns="45000" rIns="90000" bIns="45000" anchor="ctr"/>
-          <a:lstStyle/>
-          <a:p>
-            <a:pPr algn="ctr">
-              <a:lnSpc>
-                <a:spcPct val="100000"/>
-              </a:lnSpc>
-            </a:pPr>
-            <a:r>
-              <a:rPr lang="en-IN" sz="1800" b="0" strike="noStrike" spc="-1">
-                <a:solidFill>
-                  <a:srgbClr val="464547"/>
-                </a:solidFill>
-                <a:uFill>
-                  <a:solidFill>
-                    <a:srgbClr val="FFFFFF"/>
-                  </a:solidFill>
-                </a:uFill>
-                <a:latin typeface="Trebuchet MS"/>
-                <a:ea typeface="DejaVu Sans"/>
-              </a:rPr>
-              <a:t>Reasoning &amp; Intelligence</a:t>
-            </a:r>
-            <a:endParaRPr lang="en-IN" sz="1800" b="0" strike="noStrike" spc="-1">
-              <a:solidFill>
-                <a:srgbClr val="000000"/>
-              </a:solidFill>
-              <a:uFill>
-                <a:solidFill>
-                  <a:srgbClr val="FFFFFF"/>
-                </a:solidFill>
-              </a:uFill>
-              <a:latin typeface="Arial"/>
-            </a:endParaRPr>
-          </a:p>
-        </p:txBody>
-      </p:sp>
-      <p:sp>
-        <p:nvSpPr>
-          <p:cNvPr id="362" name="CustomShape 8"/>
-          <p:cNvSpPr/>
-          <p:nvPr/>
-        </p:nvSpPr>
-        <p:spPr>
-          <a:xfrm>
-            <a:off x="4476371" y="1684080"/>
-            <a:ext cx="709075" cy="518400"/>
-          </a:xfrm>
-          <a:prstGeom prst="ellipse">
-            <a:avLst/>
-          </a:prstGeom>
-          <a:noFill/>
-          <a:ln>
-            <a:solidFill>
-              <a:srgbClr val="C7C7C7"/>
-            </a:solidFill>
-            <a:round/>
-          </a:ln>
-          <a:effectLst>
-            <a:outerShdw blurRad="40000" dist="23000" dir="5400000" rotWithShape="0">
-              <a:srgbClr val="000000">
-                <a:alpha val="35000"/>
-              </a:srgbClr>
-            </a:outerShdw>
-          </a:effectLst>
-        </p:spPr>
-        <p:style>
-          <a:lnRef idx="1">
-            <a:schemeClr val="accent1"/>
-          </a:lnRef>
-          <a:fillRef idx="3">
-            <a:schemeClr val="accent1"/>
-          </a:fillRef>
-          <a:effectRef idx="2">
-            <a:schemeClr val="accent1"/>
-          </a:effectRef>
-          <a:fontRef idx="minor"/>
-        </p:style>
-        <p:txBody>
-          <a:bodyPr lIns="90000" tIns="45000" rIns="90000" bIns="45000" anchor="ctr"/>
-          <a:lstStyle/>
-          <a:p>
-            <a:pPr algn="ctr">
-              <a:lnSpc>
-                <a:spcPct val="100000"/>
-              </a:lnSpc>
-            </a:pPr>
-            <a:r>
-              <a:rPr lang="en-IN" sz="1800" b="0" strike="noStrike" spc="-1">
-                <a:solidFill>
-                  <a:srgbClr val="464547"/>
-                </a:solidFill>
-                <a:uFill>
-                  <a:solidFill>
-                    <a:srgbClr val="FFFFFF"/>
-                  </a:solidFill>
-                </a:uFill>
-                <a:latin typeface="Trebuchet MS"/>
-                <a:ea typeface="DejaVu Sans"/>
-              </a:rPr>
-              <a:t>DL</a:t>
-            </a:r>
-            <a:endParaRPr lang="en-IN" sz="1800" b="0" strike="noStrike" spc="-1">
-              <a:solidFill>
-                <a:srgbClr val="000000"/>
-              </a:solidFill>
-              <a:uFill>
-                <a:solidFill>
-                  <a:srgbClr val="FFFFFF"/>
-                </a:solidFill>
-              </a:uFill>
-              <a:latin typeface="Arial"/>
-            </a:endParaRPr>
-          </a:p>
-        </p:txBody>
-      </p:sp>
-      <p:sp>
-        <p:nvSpPr>
-          <p:cNvPr id="363" name="CustomShape 9"/>
-          <p:cNvSpPr/>
-          <p:nvPr/>
-        </p:nvSpPr>
-        <p:spPr>
-          <a:xfrm>
-            <a:off x="1973880" y="5137920"/>
-            <a:ext cx="1848240" cy="1319040"/>
-          </a:xfrm>
-          <a:prstGeom prst="ellipse">
-            <a:avLst/>
-          </a:prstGeom>
-          <a:noFill/>
-          <a:ln>
-            <a:solidFill>
-              <a:srgbClr val="C7C7C7"/>
-            </a:solidFill>
-            <a:round/>
-          </a:ln>
-          <a:effectLst>
-            <a:outerShdw blurRad="40000" dist="23000" dir="5400000" rotWithShape="0">
-              <a:srgbClr val="000000">
-                <a:alpha val="35000"/>
-              </a:srgbClr>
-            </a:outerShdw>
-          </a:effectLst>
-        </p:spPr>
-        <p:style>
-          <a:lnRef idx="1">
-            <a:schemeClr val="accent1"/>
-          </a:lnRef>
-          <a:fillRef idx="3">
-            <a:schemeClr val="accent1"/>
-          </a:fillRef>
-          <a:effectRef idx="2">
-            <a:schemeClr val="accent1"/>
-          </a:effectRef>
-          <a:fontRef idx="minor"/>
-        </p:style>
-        <p:txBody>
-          <a:bodyPr lIns="90000" tIns="45000" rIns="90000" bIns="45000" anchor="ctr"/>
-          <a:lstStyle/>
-          <a:p>
-            <a:pPr algn="ctr">
-              <a:lnSpc>
-                <a:spcPct val="100000"/>
-              </a:lnSpc>
-            </a:pPr>
-            <a:r>
-              <a:rPr lang="en-IN" sz="1800" b="0" strike="noStrike" spc="-1">
-                <a:solidFill>
-                  <a:srgbClr val="464547"/>
-                </a:solidFill>
-                <a:uFill>
-                  <a:solidFill>
-                    <a:srgbClr val="FFFFFF"/>
-                  </a:solidFill>
-                </a:uFill>
-                <a:latin typeface="Trebuchet MS"/>
-                <a:ea typeface="DejaVu Sans"/>
-              </a:rPr>
-              <a:t>Neuro science</a:t>
-            </a:r>
-            <a:endParaRPr lang="en-IN" sz="1800" b="0" strike="noStrike" spc="-1">
-              <a:solidFill>
-                <a:srgbClr val="000000"/>
-              </a:solidFill>
-              <a:uFill>
-                <a:solidFill>
-                  <a:srgbClr val="FFFFFF"/>
-                </a:solidFill>
-              </a:uFill>
-              <a:latin typeface="Arial"/>
-            </a:endParaRPr>
-          </a:p>
-        </p:txBody>
-      </p:sp>
-      <p:sp>
-        <p:nvSpPr>
-          <p:cNvPr id="364" name="CustomShape 10"/>
-          <p:cNvSpPr/>
-          <p:nvPr/>
-        </p:nvSpPr>
-        <p:spPr>
-          <a:xfrm>
-            <a:off x="5649120" y="4157280"/>
-            <a:ext cx="2137320" cy="1319040"/>
-          </a:xfrm>
-          <a:prstGeom prst="ellipse">
-            <a:avLst/>
-          </a:prstGeom>
-          <a:noFill/>
-          <a:ln>
-            <a:solidFill>
-              <a:srgbClr val="C7C7C7"/>
-            </a:solidFill>
-            <a:round/>
-          </a:ln>
-          <a:effectLst>
-            <a:outerShdw blurRad="40000" dist="23000" dir="5400000" rotWithShape="0">
-              <a:srgbClr val="000000">
-                <a:alpha val="35000"/>
-              </a:srgbClr>
-            </a:outerShdw>
-          </a:effectLst>
-        </p:spPr>
-        <p:style>
-          <a:lnRef idx="1">
-            <a:schemeClr val="accent1"/>
-          </a:lnRef>
-          <a:fillRef idx="3">
-            <a:schemeClr val="accent1"/>
-          </a:fillRef>
-          <a:effectRef idx="2">
-            <a:schemeClr val="accent1"/>
-          </a:effectRef>
-          <a:fontRef idx="minor"/>
-        </p:style>
-        <p:txBody>
-          <a:bodyPr lIns="90000" tIns="45000" rIns="90000" bIns="45000" anchor="ctr"/>
-          <a:lstStyle/>
-          <a:p>
-            <a:pPr algn="ctr">
-              <a:lnSpc>
-                <a:spcPct val="100000"/>
-              </a:lnSpc>
-            </a:pPr>
-            <a:r>
-              <a:rPr lang="en-IN" sz="1800" b="0" strike="noStrike" spc="-1">
-                <a:solidFill>
-                  <a:srgbClr val="464547"/>
-                </a:solidFill>
-                <a:uFill>
-                  <a:solidFill>
-                    <a:srgbClr val="FFFFFF"/>
-                  </a:solidFill>
-                </a:uFill>
-                <a:latin typeface="Trebuchet MS"/>
-                <a:ea typeface="DejaVu Sans"/>
-              </a:rPr>
-              <a:t>Cognitive Science</a:t>
-            </a:r>
-            <a:endParaRPr lang="en-IN" sz="1800" b="0" strike="noStrike" spc="-1">
-              <a:solidFill>
-                <a:srgbClr val="000000"/>
-              </a:solidFill>
-              <a:uFill>
-                <a:solidFill>
-                  <a:srgbClr val="FFFFFF"/>
-                </a:solidFill>
-              </a:uFill>
-              <a:latin typeface="Arial"/>
-            </a:endParaRPr>
-          </a:p>
-        </p:txBody>
-      </p:sp>
-      <p:sp>
-        <p:nvSpPr>
-          <p:cNvPr id="365" name="CustomShape 11"/>
-          <p:cNvSpPr/>
-          <p:nvPr/>
-        </p:nvSpPr>
-        <p:spPr>
-          <a:xfrm>
-            <a:off x="3982680" y="5168520"/>
-            <a:ext cx="2115720" cy="1319040"/>
-          </a:xfrm>
-          <a:prstGeom prst="ellipse">
-            <a:avLst/>
-          </a:prstGeom>
-          <a:noFill/>
-          <a:ln>
-            <a:solidFill>
-              <a:srgbClr val="C7C7C7"/>
-            </a:solidFill>
-            <a:round/>
-          </a:ln>
-          <a:effectLst>
-            <a:outerShdw blurRad="40000" dist="23000" dir="5400000" rotWithShape="0">
-              <a:srgbClr val="000000">
-                <a:alpha val="35000"/>
-              </a:srgbClr>
-            </a:outerShdw>
-          </a:effectLst>
-        </p:spPr>
-        <p:style>
-          <a:lnRef idx="1">
-            <a:schemeClr val="accent1"/>
-          </a:lnRef>
-          <a:fillRef idx="3">
-            <a:schemeClr val="accent1"/>
-          </a:fillRef>
-          <a:effectRef idx="2">
-            <a:schemeClr val="accent1"/>
-          </a:effectRef>
-          <a:fontRef idx="minor"/>
-        </p:style>
-        <p:txBody>
-          <a:bodyPr lIns="90000" tIns="45000" rIns="90000" bIns="45000" anchor="ctr"/>
-          <a:lstStyle/>
-          <a:p>
-            <a:pPr algn="ctr">
-              <a:lnSpc>
-                <a:spcPct val="100000"/>
-              </a:lnSpc>
-            </a:pPr>
-            <a:r>
-              <a:rPr lang="en-IN" sz="1800" b="0" strike="noStrike" spc="-1">
-                <a:solidFill>
-                  <a:srgbClr val="464547"/>
-                </a:solidFill>
-                <a:uFill>
-                  <a:solidFill>
-                    <a:srgbClr val="FFFFFF"/>
-                  </a:solidFill>
-                </a:uFill>
-                <a:latin typeface="Trebuchet MS"/>
-                <a:ea typeface="DejaVu Sans"/>
-              </a:rPr>
-              <a:t>Mathematics</a:t>
-            </a:r>
-            <a:endParaRPr lang="en-IN" sz="1800" b="0" strike="noStrike" spc="-1">
-              <a:solidFill>
-                <a:srgbClr val="000000"/>
-              </a:solidFill>
-              <a:uFill>
-                <a:solidFill>
-                  <a:srgbClr val="FFFFFF"/>
-                </a:solidFill>
-              </a:uFill>
-              <a:latin typeface="Arial"/>
-            </a:endParaRPr>
-          </a:p>
-        </p:txBody>
-      </p:sp>
-      <p:sp>
-        <p:nvSpPr>
-          <p:cNvPr id="366" name="CustomShape 12"/>
-          <p:cNvSpPr/>
-          <p:nvPr/>
-        </p:nvSpPr>
-        <p:spPr>
-          <a:xfrm>
-            <a:off x="6074640" y="2738880"/>
-            <a:ext cx="2137320" cy="1319040"/>
-          </a:xfrm>
-          <a:prstGeom prst="ellipse">
-            <a:avLst/>
-          </a:prstGeom>
-          <a:noFill/>
-          <a:ln>
-            <a:solidFill>
-              <a:srgbClr val="C7C7C7"/>
-            </a:solidFill>
-            <a:round/>
-          </a:ln>
-          <a:effectLst>
-            <a:outerShdw blurRad="40000" dist="23000" dir="5400000" rotWithShape="0">
-              <a:srgbClr val="000000">
-                <a:alpha val="35000"/>
-              </a:srgbClr>
-            </a:outerShdw>
-          </a:effectLst>
-        </p:spPr>
-        <p:style>
-          <a:lnRef idx="1">
-            <a:schemeClr val="accent1"/>
-          </a:lnRef>
-          <a:fillRef idx="3">
-            <a:schemeClr val="accent1"/>
-          </a:fillRef>
-          <a:effectRef idx="2">
-            <a:schemeClr val="accent1"/>
-          </a:effectRef>
-          <a:fontRef idx="minor"/>
-        </p:style>
-        <p:txBody>
-          <a:bodyPr lIns="90000" tIns="45000" rIns="90000" bIns="45000" anchor="ctr"/>
-          <a:lstStyle/>
-          <a:p>
-            <a:pPr algn="ctr">
-              <a:lnSpc>
-                <a:spcPct val="100000"/>
-              </a:lnSpc>
-            </a:pPr>
-            <a:r>
-              <a:rPr lang="en-IN" sz="1800" b="0" strike="noStrike" spc="-1">
-                <a:solidFill>
-                  <a:srgbClr val="464547"/>
-                </a:solidFill>
-                <a:uFill>
-                  <a:solidFill>
-                    <a:srgbClr val="FFFFFF"/>
-                  </a:solidFill>
-                </a:uFill>
-                <a:latin typeface="Trebuchet MS"/>
-                <a:ea typeface="DejaVu Sans"/>
-              </a:rPr>
-              <a:t>Computer Science</a:t>
             </a:r>
             <a:endParaRPr lang="en-IN" sz="1800" b="0" strike="noStrike" spc="-1">
               <a:solidFill>
@@ -24067,7 +24896,7 @@
               </a:lnSpc>
             </a:pPr>
             <a:r>
-              <a:rPr lang="en-IN" sz="1600" b="0" strike="noStrike" spc="-1">
+              <a:rPr lang="en-IN" sz="1600" b="0" strike="noStrike" spc="-1" dirty="0">
                 <a:solidFill>
                   <a:srgbClr val="444444"/>
                 </a:solidFill>
@@ -24081,7 +24910,7 @@
               </a:rPr>
               <a:t>Supervised Learning </a:t>
             </a:r>
-            <a:endParaRPr lang="en-IN" sz="1800" b="0" strike="noStrike" spc="-1">
+            <a:endParaRPr lang="en-IN" sz="1800" b="0" strike="noStrike" spc="-1" dirty="0">
               <a:solidFill>
                 <a:srgbClr val="000000"/>
               </a:solidFill>
@@ -24100,7 +24929,7 @@
               </a:lnSpc>
             </a:pPr>
             <a:r>
-              <a:rPr lang="en-IN" sz="1600" b="0" strike="noStrike" spc="-1">
+              <a:rPr lang="en-IN" sz="1600" b="0" strike="noStrike" spc="-1" dirty="0">
                 <a:solidFill>
                   <a:srgbClr val="444444"/>
                 </a:solidFill>
@@ -24112,9 +24941,128 @@
                 <a:latin typeface="Trebuchet MS"/>
                 <a:ea typeface="DejaVu Sans"/>
               </a:rPr>
-              <a:t>	e.g. Regression, Classification	</a:t>
+              <a:t>	</a:t>
             </a:r>
-            <a:endParaRPr lang="en-IN" sz="1800" b="0" strike="noStrike" spc="-1">
+            <a:r>
+              <a:rPr lang="en-IN" sz="1600" b="0" strike="noStrike" spc="-1" dirty="0" smtClean="0">
+                <a:solidFill>
+                  <a:srgbClr val="444444"/>
+                </a:solidFill>
+                <a:uFill>
+                  <a:solidFill>
+                    <a:srgbClr val="FFFFFF"/>
+                  </a:solidFill>
+                </a:uFill>
+                <a:latin typeface="Trebuchet MS"/>
+                <a:ea typeface="DejaVu Sans"/>
+              </a:rPr>
+              <a:t>e.g. Classification</a:t>
+            </a:r>
+            <a:r>
+              <a:rPr lang="en-IN" sz="1600" spc="-1" dirty="0" smtClean="0">
+                <a:solidFill>
+                  <a:srgbClr val="444444"/>
+                </a:solidFill>
+                <a:uFill>
+                  <a:solidFill>
+                    <a:srgbClr val="FFFFFF"/>
+                  </a:solidFill>
+                </a:uFill>
+                <a:latin typeface="Trebuchet MS"/>
+                <a:ea typeface="DejaVu Sans"/>
+              </a:rPr>
+              <a:t>, Regression</a:t>
+            </a:r>
+            <a:endParaRPr lang="en-IN" sz="1600" b="0" strike="noStrike" spc="-1" dirty="0" smtClean="0">
+              <a:solidFill>
+                <a:srgbClr val="444444"/>
+              </a:solidFill>
+              <a:uFill>
+                <a:solidFill>
+                  <a:srgbClr val="FFFFFF"/>
+                </a:solidFill>
+              </a:uFill>
+              <a:latin typeface="Trebuchet MS"/>
+              <a:ea typeface="DejaVu Sans"/>
+            </a:endParaRPr>
+          </a:p>
+          <a:p>
+            <a:pPr>
+              <a:lnSpc>
+                <a:spcPct val="100000"/>
+              </a:lnSpc>
+            </a:pPr>
+            <a:r>
+              <a:rPr lang="en-IN" sz="1600" spc="-1" dirty="0" smtClean="0">
+                <a:solidFill>
+                  <a:srgbClr val="444444"/>
+                </a:solidFill>
+                <a:uFill>
+                  <a:solidFill>
+                    <a:srgbClr val="FFFFFF"/>
+                  </a:solidFill>
+                </a:uFill>
+                <a:latin typeface="Trebuchet MS"/>
+              </a:rPr>
+              <a:t>	</a:t>
+            </a:r>
+            <a:r>
+              <a:rPr lang="en-IN" sz="1600" spc="-1" dirty="0">
+                <a:solidFill>
+                  <a:srgbClr val="444444"/>
+                </a:solidFill>
+                <a:uFill>
+                  <a:solidFill>
+                    <a:srgbClr val="FFFFFF"/>
+                  </a:solidFill>
+                </a:uFill>
+                <a:latin typeface="Trebuchet MS"/>
+              </a:rPr>
+              <a:t>	</a:t>
+            </a:r>
+            <a:r>
+              <a:rPr lang="en-IN" sz="1600" spc="-1" dirty="0" smtClean="0">
+                <a:solidFill>
+                  <a:srgbClr val="444444"/>
+                </a:solidFill>
+                <a:uFill>
+                  <a:solidFill>
+                    <a:srgbClr val="FFFFFF"/>
+                  </a:solidFill>
+                </a:uFill>
+                <a:latin typeface="Trebuchet MS"/>
+              </a:rPr>
+              <a:t>Whether prediction, Face recognition, </a:t>
+            </a:r>
+            <a:r>
+              <a:rPr lang="en-IN" sz="1600" spc="-1" dirty="0">
+                <a:solidFill>
+                  <a:srgbClr val="444444"/>
+                </a:solidFill>
+                <a:uFill>
+                  <a:solidFill>
+                    <a:srgbClr val="FFFFFF"/>
+                  </a:solidFill>
+                </a:uFill>
+                <a:latin typeface="Trebuchet MS"/>
+              </a:rPr>
+              <a:t>S</a:t>
+            </a:r>
+            <a:r>
+              <a:rPr lang="en-IN" sz="1600" spc="-1" dirty="0" smtClean="0">
+                <a:solidFill>
+                  <a:srgbClr val="444444"/>
+                </a:solidFill>
+                <a:uFill>
+                  <a:solidFill>
+                    <a:srgbClr val="FFFFFF"/>
+                  </a:solidFill>
+                </a:uFill>
+                <a:latin typeface="Trebuchet MS"/>
+              </a:rPr>
+              <a:t>pam filtering</a:t>
+            </a:r>
+            <a:endParaRPr lang="en-IN" sz="1800" b="0" strike="noStrike" spc="-1" dirty="0">
               <a:solidFill>
                 <a:srgbClr val="000000"/>
               </a:solidFill>
@@ -24279,7 +25227,7 @@
               </a:lnSpc>
             </a:pPr>
             <a:r>
-              <a:rPr lang="en-IN" sz="1600" b="0" strike="noStrike" spc="-1">
+              <a:rPr lang="en-IN" sz="1600" b="0" strike="noStrike" spc="-1" dirty="0">
                 <a:solidFill>
                   <a:srgbClr val="444444"/>
                 </a:solidFill>
@@ -24293,7 +25241,7 @@
               </a:rPr>
               <a:t>Unsupervised Learning</a:t>
             </a:r>
-            <a:endParaRPr lang="en-IN" sz="1800" b="0" strike="noStrike" spc="-1">
+            <a:endParaRPr lang="en-IN" sz="1800" b="0" strike="noStrike" spc="-1" dirty="0">
               <a:solidFill>
                 <a:srgbClr val="000000"/>
               </a:solidFill>
@@ -24312,7 +25260,7 @@
               </a:lnSpc>
             </a:pPr>
             <a:r>
-              <a:rPr lang="en-IN" sz="1600" b="0" strike="noStrike" spc="-1">
+              <a:rPr lang="en-IN" sz="1600" b="0" strike="noStrike" spc="-1" dirty="0">
                 <a:solidFill>
                   <a:srgbClr val="444444"/>
                 </a:solidFill>
@@ -24324,9 +25272,59 @@
                 <a:latin typeface="Trebuchet MS"/>
                 <a:ea typeface="DejaVu Sans"/>
               </a:rPr>
-              <a:t>	e.g. Clustering</a:t>
+              <a:t>	e.g. </a:t>
             </a:r>
-            <a:endParaRPr lang="en-IN" sz="1800" b="0" strike="noStrike" spc="-1">
+            <a:r>
+              <a:rPr lang="en-IN" sz="1600" b="0" strike="noStrike" spc="-1" dirty="0" smtClean="0">
+                <a:solidFill>
+                  <a:srgbClr val="444444"/>
+                </a:solidFill>
+                <a:uFill>
+                  <a:solidFill>
+                    <a:srgbClr val="FFFFFF"/>
+                  </a:solidFill>
+                </a:uFill>
+                <a:latin typeface="Trebuchet MS"/>
+                <a:ea typeface="DejaVu Sans"/>
+              </a:rPr>
+              <a:t>Clustering</a:t>
+            </a:r>
+          </a:p>
+          <a:p>
+            <a:pPr>
+              <a:lnSpc>
+                <a:spcPct val="100000"/>
+              </a:lnSpc>
+            </a:pPr>
+            <a:r>
+              <a:rPr lang="en-IN" sz="1600" spc="-1" dirty="0">
+                <a:solidFill>
+                  <a:srgbClr val="444444"/>
+                </a:solidFill>
+                <a:uFill>
+                  <a:solidFill>
+                    <a:srgbClr val="FFFFFF"/>
+                  </a:solidFill>
+                </a:uFill>
+                <a:latin typeface="Trebuchet MS"/>
+              </a:rPr>
+              <a:t>	</a:t>
+            </a:r>
+            <a:r>
+              <a:rPr lang="en-IN" sz="1600" spc="-1" dirty="0" smtClean="0">
+                <a:solidFill>
+                  <a:srgbClr val="444444"/>
+                </a:solidFill>
+                <a:uFill>
+                  <a:solidFill>
+                    <a:srgbClr val="FFFFFF"/>
+                  </a:solidFill>
+                </a:uFill>
+                <a:latin typeface="Trebuchet MS"/>
+              </a:rPr>
+              <a:t>	Recommendation systems, Image segmentation</a:t>
+            </a:r>
+            <a:endParaRPr lang="en-IN" sz="1800" b="0" strike="noStrike" spc="-1" dirty="0">
               <a:solidFill>
                 <a:srgbClr val="000000"/>
               </a:solidFill>
@@ -24491,7 +25489,7 @@
               </a:lnSpc>
             </a:pPr>
             <a:r>
-              <a:rPr lang="en-IN" sz="1600" b="0" strike="noStrike" spc="-1">
+              <a:rPr lang="en-IN" sz="1600" b="0" strike="noStrike" spc="-1" dirty="0">
                 <a:solidFill>
                   <a:srgbClr val="444444"/>
                 </a:solidFill>
@@ -24505,7 +25503,7 @@
               </a:rPr>
               <a:t>Reinforcement Learning</a:t>
             </a:r>
-            <a:endParaRPr lang="en-IN" sz="1800" b="0" strike="noStrike" spc="-1">
+            <a:endParaRPr lang="en-IN" sz="1800" b="0" strike="noStrike" spc="-1" dirty="0">
               <a:solidFill>
                 <a:srgbClr val="000000"/>
               </a:solidFill>
@@ -24524,7 +25522,7 @@
               </a:lnSpc>
             </a:pPr>
             <a:r>
-              <a:rPr lang="en-IN" sz="1600" b="0" strike="noStrike" spc="-1">
+              <a:rPr lang="en-IN" sz="1600" b="0" strike="noStrike" spc="-1" dirty="0">
                 <a:solidFill>
                   <a:srgbClr val="444444"/>
                 </a:solidFill>
@@ -24536,9 +25534,123 @@
                 <a:latin typeface="Trebuchet MS"/>
                 <a:ea typeface="DejaVu Sans"/>
               </a:rPr>
-              <a:t>	e.g. Game Theory, Decision Theory</a:t>
+              <a:t>	e.g. Game Theory, Decision </a:t>
             </a:r>
-            <a:endParaRPr lang="en-IN" sz="1800" b="0" strike="noStrike" spc="-1">
+            <a:r>
+              <a:rPr lang="en-IN" sz="1600" b="0" strike="noStrike" spc="-1" dirty="0" smtClean="0">
+                <a:solidFill>
+                  <a:srgbClr val="444444"/>
+                </a:solidFill>
+                <a:uFill>
+                  <a:solidFill>
+                    <a:srgbClr val="FFFFFF"/>
+                  </a:solidFill>
+                </a:uFill>
+                <a:latin typeface="Trebuchet MS"/>
+                <a:ea typeface="DejaVu Sans"/>
+              </a:rPr>
+              <a:t>Theory</a:t>
+            </a:r>
+          </a:p>
+          <a:p>
+            <a:pPr>
+              <a:lnSpc>
+                <a:spcPct val="100000"/>
+              </a:lnSpc>
+            </a:pPr>
+            <a:r>
+              <a:rPr lang="en-IN" sz="1600" spc="-1" dirty="0">
+                <a:solidFill>
+                  <a:srgbClr val="444444"/>
+                </a:solidFill>
+                <a:uFill>
+                  <a:solidFill>
+                    <a:srgbClr val="FFFFFF"/>
+                  </a:solidFill>
+                </a:uFill>
+                <a:latin typeface="Trebuchet MS"/>
+                <a:ea typeface="DejaVu Sans"/>
+              </a:rPr>
+              <a:t>	</a:t>
+            </a:r>
+            <a:r>
+              <a:rPr lang="en-IN" sz="1600" spc="-1" dirty="0" smtClean="0">
+                <a:solidFill>
+                  <a:srgbClr val="444444"/>
+                </a:solidFill>
+                <a:uFill>
+                  <a:solidFill>
+                    <a:srgbClr val="FFFFFF"/>
+                  </a:solidFill>
+                </a:uFill>
+                <a:latin typeface="Trebuchet MS"/>
+                <a:ea typeface="DejaVu Sans"/>
+              </a:rPr>
+              <a:t>	Deep blue, </a:t>
+            </a:r>
+            <a:r>
+              <a:rPr lang="en-IN" sz="1600" spc="-1" dirty="0" err="1" smtClean="0">
+                <a:solidFill>
+                  <a:srgbClr val="444444"/>
+                </a:solidFill>
+                <a:uFill>
+                  <a:solidFill>
+                    <a:srgbClr val="FFFFFF"/>
+                  </a:solidFill>
+                </a:uFill>
+                <a:latin typeface="Trebuchet MS"/>
+                <a:ea typeface="DejaVu Sans"/>
+              </a:rPr>
+              <a:t>AlphaGo</a:t>
+            </a:r>
+            <a:endParaRPr lang="en-IN" sz="1600" b="0" strike="noStrike" spc="-1" dirty="0" smtClean="0">
+              <a:solidFill>
+                <a:srgbClr val="444444"/>
+              </a:solidFill>
+              <a:uFill>
+                <a:solidFill>
+                  <a:srgbClr val="FFFFFF"/>
+                </a:solidFill>
+              </a:uFill>
+              <a:latin typeface="Trebuchet MS"/>
+              <a:ea typeface="DejaVu Sans"/>
+            </a:endParaRPr>
+          </a:p>
+          <a:p>
+            <a:pPr>
+              <a:lnSpc>
+                <a:spcPct val="100000"/>
+              </a:lnSpc>
+            </a:pPr>
+            <a:r>
+              <a:rPr lang="en-IN" sz="1600" spc="-1" dirty="0">
+                <a:solidFill>
+                  <a:srgbClr val="444444"/>
+                </a:solidFill>
+                <a:uFill>
+                  <a:solidFill>
+                    <a:srgbClr val="FFFFFF"/>
+                  </a:solidFill>
+                </a:uFill>
+                <a:latin typeface="Trebuchet MS"/>
+              </a:rPr>
+              <a:t>	</a:t>
+            </a:r>
+            <a:r>
+              <a:rPr lang="en-IN" sz="1600" spc="-1" dirty="0" smtClean="0">
+                <a:solidFill>
+                  <a:srgbClr val="444444"/>
+                </a:solidFill>
+                <a:uFill>
+                  <a:solidFill>
+                    <a:srgbClr val="FFFFFF"/>
+                  </a:solidFill>
+                </a:uFill>
+                <a:latin typeface="Trebuchet MS"/>
+              </a:rPr>
+              <a:t>	</a:t>
+            </a:r>
+            <a:endParaRPr lang="en-IN" sz="1800" b="0" strike="noStrike" spc="-1" dirty="0">
               <a:solidFill>
                 <a:srgbClr val="000000"/>
               </a:solidFill>
@@ -25376,19 +26488,21 @@
       </p:grpSpPr>
       <p:sp>
         <p:nvSpPr>
-          <p:cNvPr id="377" name="CustomShape 1"/>
+          <p:cNvPr id="4" name="CustomShape 1"/>
           <p:cNvSpPr/>
           <p:nvPr/>
         </p:nvSpPr>
         <p:spPr>
           <a:xfrm>
-            <a:off x="352440" y="1440000"/>
-            <a:ext cx="8430120" cy="4571280"/>
-          </a:xfrm>
-          <a:prstGeom prst="rect">
-            <a:avLst/>
-          </a:prstGeom>
-          <a:noFill/>
+            <a:off x="0" y="0"/>
+            <a:ext cx="9143280" cy="932040"/>
+          </a:xfrm>
+          <a:prstGeom prst="rect">
+            <a:avLst/>
+          </a:prstGeom>
+          <a:solidFill>
+            <a:srgbClr val="FFFFFF"/>
+          </a:solidFill>
           <a:ln>
             <a:noFill/>
           </a:ln>
@@ -25405,24 +26519,58 @@
           </a:effectRef>
           <a:fontRef idx="minor"/>
         </p:style>
-      </p:sp>
-      <p:sp>
-        <p:nvSpPr>
-          <p:cNvPr id="378" name="CustomShape 2"/>
+        <p:txBody>
+          <a:bodyPr lIns="365760" tIns="45000" rIns="90000" bIns="45000" anchor="ctr"/>
+          <a:lstStyle/>
+          <a:p>
+            <a:pPr>
+              <a:lnSpc>
+                <a:spcPct val="100000"/>
+              </a:lnSpc>
+            </a:pPr>
+            <a:r>
+              <a:rPr lang="en-IN" sz="2600" spc="-1" dirty="0" smtClean="0">
+                <a:solidFill>
+                  <a:srgbClr val="464547"/>
+                </a:solidFill>
+                <a:uFill>
+                  <a:solidFill>
+                    <a:srgbClr val="FFFFFF"/>
+                  </a:solidFill>
+                </a:uFill>
+                <a:latin typeface="Arial Black"/>
+              </a:rPr>
+              <a:t>Recap..</a:t>
+            </a:r>
+            <a:endParaRPr lang="en-IN" sz="1800" b="0" strike="noStrike" spc="-1" dirty="0">
+              <a:solidFill>
+                <a:srgbClr val="000000"/>
+              </a:solidFill>
+              <a:uFill>
+                <a:solidFill>
+                  <a:srgbClr val="FFFFFF"/>
+                </a:solidFill>
+              </a:uFill>
+              <a:latin typeface="Arial"/>
+            </a:endParaRPr>
+          </a:p>
+        </p:txBody>
+      </p:sp>
+      <p:sp>
+        <p:nvSpPr>
+          <p:cNvPr id="5" name="CustomShape 2"/>
           <p:cNvSpPr/>
           <p:nvPr/>
         </p:nvSpPr>
         <p:spPr>
           <a:xfrm>
-            <a:off x="0" y="0"/>
-            <a:ext cx="9143280" cy="932040"/>
-          </a:xfrm>
-          <a:prstGeom prst="rect">
-            <a:avLst/>
-          </a:prstGeom>
-          <a:solidFill>
-            <a:srgbClr val="FFFFFF"/>
-          </a:solidFill>
+            <a:off x="356760" y="1435680"/>
+            <a:ext cx="8430120" cy="4571280"/>
+          </a:xfrm>
+          <a:prstGeom prst="rect">
+            <a:avLst/>
+          </a:prstGeom>
+          <a:noFill/>
           <a:ln>
             <a:noFill/>
           </a:ln>
@@ -25440,51 +26588,39 @@
           <a:fontRef idx="minor"/>
         </p:style>
         <p:txBody>
-          <a:bodyPr lIns="365760" tIns="45000" rIns="90000" bIns="45000" anchor="ctr"/>
-          <a:lstStyle/>
-          <a:p>
-            <a:pPr>
+          <a:bodyPr lIns="90000" tIns="45000" rIns="90000" bIns="45000"/>
+          <a:lstStyle/>
+          <a:p>
+            <a:pPr marL="285750" indent="-285750">
               <a:lnSpc>
                 <a:spcPct val="100000"/>
               </a:lnSpc>
+              <a:buFont typeface="Arial" panose="020B0604020202020204" pitchFamily="34" charset="0"/>
+              <a:buChar char="•"/>
             </a:pPr>
-            <a:r>
-              <a:rPr lang="en-IN" sz="2600" b="0" strike="noStrike" spc="-1">
-                <a:solidFill>
-                  <a:srgbClr val="464547"/>
-                </a:solidFill>
-                <a:uFill>
-                  <a:solidFill>
-                    <a:srgbClr val="FFFFFF"/>
-                  </a:solidFill>
-                </a:uFill>
-                <a:latin typeface="Arial Black"/>
-              </a:rPr>
-              <a:t>A Simple Example</a:t>
-            </a:r>
-            <a:endParaRPr lang="en-IN" sz="1800" b="0" strike="noStrike" spc="-1">
-              <a:solidFill>
-                <a:srgbClr val="000000"/>
-              </a:solidFill>
-              <a:uFill>
-                <a:solidFill>
-                  <a:srgbClr val="FFFFFF"/>
-                </a:solidFill>
-              </a:uFill>
-              <a:latin typeface="Arial"/>
-            </a:endParaRPr>
-          </a:p>
-        </p:txBody>
-      </p:sp>
-      <p:sp>
-        <p:nvSpPr>
-          <p:cNvPr id="379" name="CustomShape 3"/>
+            <a:endParaRPr lang="en-IN" sz="1800" b="0" strike="noStrike" spc="-1" dirty="0">
+              <a:solidFill>
+                <a:srgbClr val="000000"/>
+              </a:solidFill>
+              <a:uFill>
+                <a:solidFill>
+                  <a:srgbClr val="FFFFFF"/>
+                </a:solidFill>
+              </a:uFill>
+              <a:latin typeface="Arial"/>
+            </a:endParaRPr>
+          </a:p>
+        </p:txBody>
+      </p:sp>
+      <p:sp>
+        <p:nvSpPr>
+          <p:cNvPr id="6" name="CustomShape 3"/>
           <p:cNvSpPr/>
           <p:nvPr/>
         </p:nvSpPr>
         <p:spPr>
           <a:xfrm>
-            <a:off x="356760" y="1435680"/>
+            <a:off x="356760" y="1073730"/>
             <a:ext cx="8430120" cy="4571280"/>
           </a:xfrm>
           <a:prstGeom prst="rect">
@@ -25522,7 +26658,7 @@
               <a:buChar char="•"/>
             </a:pPr>
             <a:r>
-              <a:rPr lang="en-IN" sz="1600" b="0" strike="noStrike" spc="-1" dirty="0" smtClean="0">
+              <a:rPr lang="en-IN" sz="1600" spc="-1" dirty="0" smtClean="0">
                 <a:solidFill>
                   <a:srgbClr val="464547"/>
                 </a:solidFill>
@@ -25533,19 +26669,8 @@
                 </a:uFill>
                 <a:latin typeface="Trebuchet MS"/>
               </a:rPr>
-              <a:t>Input: Specifications of a home</a:t>
+              <a:t>Equation of a line </a:t>
             </a:r>
-            <a:endParaRPr lang="en-IN" spc="-1" dirty="0">
-              <a:solidFill>
-                <a:srgbClr val="000000"/>
-              </a:solidFill>
-              <a:uFill>
-                <a:solidFill>
-                  <a:srgbClr val="FFFFFF"/>
-                </a:solidFill>
-              </a:uFill>
-              <a:latin typeface="Arial"/>
-            </a:endParaRPr>
           </a:p>
           <a:p>
             <a:pPr marL="720">
@@ -25556,16 +26681,16 @@
                 <a:srgbClr val="39C2D7"/>
               </a:buClr>
             </a:pPr>
-            <a:endParaRPr lang="en-IN" sz="1800" b="0" strike="noStrike" spc="-1" dirty="0">
-              <a:solidFill>
-                <a:srgbClr val="000000"/>
-              </a:solidFill>
-              <a:uFill>
-                <a:solidFill>
-                  <a:srgbClr val="FFFFFF"/>
-                </a:solidFill>
-              </a:uFill>
-              <a:latin typeface="Arial"/>
+            <a:endParaRPr lang="en-IN" sz="1600" spc="-1" dirty="0">
+              <a:solidFill>
+                <a:srgbClr val="464547"/>
+              </a:solidFill>
+              <a:uFill>
+                <a:solidFill>
+                  <a:srgbClr val="FFFFFF"/>
+                </a:solidFill>
+              </a:uFill>
+              <a:latin typeface="Trebuchet MS"/>
             </a:endParaRPr>
           </a:p>
           <a:p>
@@ -25580,7 +26705,7 @@
               <a:buChar char="•"/>
             </a:pPr>
             <a:r>
-              <a:rPr lang="en-IN" sz="1600" b="0" strike="noStrike" spc="-1" dirty="0" smtClean="0">
+              <a:rPr lang="en-IN" sz="1600" spc="-1" dirty="0" smtClean="0">
                 <a:solidFill>
                   <a:srgbClr val="464547"/>
                 </a:solidFill>
@@ -25591,67 +26716,30 @@
                 </a:uFill>
                 <a:latin typeface="Trebuchet MS"/>
               </a:rPr>
-              <a:t>Output: Expected price of home</a:t>
+              <a:t>Slope of a line / Gradient</a:t>
             </a:r>
-            <a:endParaRPr lang="en-IN" sz="1800" b="0" strike="noStrike" spc="-1" dirty="0">
-              <a:solidFill>
-                <a:srgbClr val="000000"/>
-              </a:solidFill>
-              <a:uFill>
-                <a:solidFill>
-                  <a:srgbClr val="FFFFFF"/>
-                </a:solidFill>
-              </a:uFill>
-              <a:latin typeface="Arial"/>
-            </a:endParaRPr>
-          </a:p>
-          <a:p>
-            <a:pPr marL="720">
+          </a:p>
+          <a:p>
+            <a:pPr marL="285840" indent="-285120">
               <a:lnSpc>
                 <a:spcPct val="100000"/>
               </a:lnSpc>
               <a:buClr>
                 <a:srgbClr val="39C2D7"/>
               </a:buClr>
+              <a:buFont typeface="Arial"/>
+              <a:buChar char="•"/>
             </a:pPr>
-            <a:r>
-              <a:rPr lang="en-IN" sz="1600" b="0" strike="noStrike" spc="-1" dirty="0">
-                <a:solidFill>
-                  <a:srgbClr val="464547"/>
-                </a:solidFill>
-                <a:uFill>
-                  <a:solidFill>
-                    <a:srgbClr val="FFFFFF"/>
-                  </a:solidFill>
-                </a:uFill>
-                <a:latin typeface="Trebuchet MS"/>
-              </a:rPr>
-              <a:t> </a:t>
-            </a:r>
-            <a:r>
-              <a:rPr lang="en-IN" sz="1600" b="0" strike="noStrike" spc="-1" dirty="0" smtClean="0">
-                <a:solidFill>
-                  <a:srgbClr val="464547"/>
-                </a:solidFill>
-                <a:uFill>
-                  <a:solidFill>
-                    <a:srgbClr val="FFFFFF"/>
-                  </a:solidFill>
-                </a:uFill>
-                <a:latin typeface="Trebuchet MS"/>
-              </a:rPr>
-              <a:t> </a:t>
-            </a:r>
-            <a:endParaRPr lang="en-IN" sz="1800" b="0" strike="noStrike" spc="-1" dirty="0">
-              <a:solidFill>
-                <a:srgbClr val="000000"/>
-              </a:solidFill>
-              <a:uFill>
-                <a:solidFill>
-                  <a:srgbClr val="FFFFFF"/>
-                </a:solidFill>
-              </a:uFill>
-              <a:latin typeface="Arial"/>
+            <a:endParaRPr lang="en-IN" sz="1600" spc="-1" dirty="0">
+              <a:solidFill>
+                <a:srgbClr val="464547"/>
+              </a:solidFill>
+              <a:uFill>
+                <a:solidFill>
+                  <a:srgbClr val="FFFFFF"/>
+                </a:solidFill>
+              </a:uFill>
+              <a:latin typeface="Trebuchet MS"/>
             </a:endParaRPr>
           </a:p>
           <a:p>
@@ -25666,7 +26754,7 @@
               <a:buChar char="•"/>
             </a:pPr>
             <a:r>
-              <a:rPr lang="en-IN" sz="1600" b="0" strike="noStrike" spc="-1" dirty="0">
+              <a:rPr lang="en-IN" sz="1600" spc="-1" dirty="0" smtClean="0">
                 <a:solidFill>
                   <a:srgbClr val="464547"/>
                 </a:solidFill>
@@ -25677,53 +26765,30 @@
                 </a:uFill>
                 <a:latin typeface="Trebuchet MS"/>
               </a:rPr>
-              <a:t>Need to fit a model that best represents our data</a:t>
+              <a:t>Derivative of a function f</a:t>
             </a:r>
-            <a:endParaRPr lang="en-IN" sz="1800" b="0" strike="noStrike" spc="-1" dirty="0">
-              <a:solidFill>
-                <a:srgbClr val="000000"/>
-              </a:solidFill>
-              <a:uFill>
-                <a:solidFill>
-                  <a:srgbClr val="FFFFFF"/>
-                </a:solidFill>
-              </a:uFill>
-              <a:latin typeface="Arial"/>
-            </a:endParaRPr>
-          </a:p>
-          <a:p>
-            <a:pPr marL="720">
+          </a:p>
+          <a:p>
+            <a:pPr marL="285840" indent="-285120">
               <a:lnSpc>
                 <a:spcPct val="100000"/>
               </a:lnSpc>
               <a:buClr>
                 <a:srgbClr val="39C2D7"/>
               </a:buClr>
+              <a:buFont typeface="Arial"/>
+              <a:buChar char="•"/>
             </a:pPr>
-            <a:r>
-              <a:rPr lang="en-IN" sz="1600" b="0" strike="noStrike" spc="-1" dirty="0">
-                <a:solidFill>
-                  <a:srgbClr val="464547"/>
-                </a:solidFill>
-                <a:uFill>
-                  <a:solidFill>
-                    <a:srgbClr val="FFFFFF"/>
-                  </a:solidFill>
-                </a:uFill>
-                <a:latin typeface="Trebuchet MS"/>
-              </a:rPr>
-              <a:t> </a:t>
-            </a:r>
-            <a:endParaRPr lang="en-IN" sz="1800" b="0" strike="noStrike" spc="-1" dirty="0">
-              <a:solidFill>
-                <a:srgbClr val="000000"/>
-              </a:solidFill>
-              <a:uFill>
-                <a:solidFill>
-                  <a:srgbClr val="FFFFFF"/>
-                </a:solidFill>
-              </a:uFill>
-              <a:latin typeface="Arial"/>
+            <a:endParaRPr lang="en-IN" sz="1600" spc="-1" dirty="0">
+              <a:solidFill>
+                <a:srgbClr val="464547"/>
+              </a:solidFill>
+              <a:uFill>
+                <a:solidFill>
+                  <a:srgbClr val="FFFFFF"/>
+                </a:solidFill>
+              </a:uFill>
+              <a:latin typeface="Trebuchet MS"/>
             </a:endParaRPr>
           </a:p>
           <a:p>
@@ -25738,7 +26803,7 @@
               <a:buChar char="•"/>
             </a:pPr>
             <a:r>
-              <a:rPr lang="en-IN" sz="1600" b="0" strike="noStrike" spc="-1" dirty="0" smtClean="0">
+              <a:rPr lang="en-IN" sz="1600" spc="-1" dirty="0" smtClean="0">
                 <a:solidFill>
                   <a:srgbClr val="464547"/>
                 </a:solidFill>
@@ -25749,19 +26814,8 @@
                 </a:uFill>
                 <a:latin typeface="Trebuchet MS"/>
               </a:rPr>
-              <a:t>How to fit model? How to decide about a model</a:t>
+              <a:t>Linear function vs non linear function</a:t>
             </a:r>
-            <a:endParaRPr lang="en-IN" sz="1800" b="0" strike="noStrike" spc="-1" dirty="0">
-              <a:solidFill>
-                <a:srgbClr val="000000"/>
-              </a:solidFill>
-              <a:uFill>
-                <a:solidFill>
-                  <a:srgbClr val="FFFFFF"/>
-                </a:solidFill>
-              </a:uFill>
-              <a:latin typeface="Arial"/>
-            </a:endParaRPr>
           </a:p>
           <a:p>
             <a:pPr marL="285840" indent="-285120">
@@ -25774,16 +26828,16 @@
               <a:buFont typeface="Arial"/>
               <a:buChar char="•"/>
             </a:pPr>
-            <a:endParaRPr lang="en-IN" sz="1800" b="0" strike="noStrike" spc="-1" dirty="0">
-              <a:solidFill>
-                <a:srgbClr val="000000"/>
-              </a:solidFill>
-              <a:uFill>
-                <a:solidFill>
-                  <a:srgbClr val="FFFFFF"/>
-                </a:solidFill>
-              </a:uFill>
-              <a:latin typeface="Arial"/>
+            <a:endParaRPr lang="en-IN" sz="1600" spc="-1" dirty="0">
+              <a:solidFill>
+                <a:srgbClr val="464547"/>
+              </a:solidFill>
+              <a:uFill>
+                <a:solidFill>
+                  <a:srgbClr val="FFFFFF"/>
+                </a:solidFill>
+              </a:uFill>
+              <a:latin typeface="Trebuchet MS"/>
             </a:endParaRPr>
           </a:p>
           <a:p>
@@ -25798,7 +26852,7 @@
               <a:buChar char="•"/>
             </a:pPr>
             <a:r>
-              <a:rPr lang="en-IN" sz="1600" b="0" strike="noStrike" spc="-1" dirty="0">
+              <a:rPr lang="en-IN" sz="1600" spc="-1" dirty="0" smtClean="0">
                 <a:solidFill>
                   <a:srgbClr val="464547"/>
                 </a:solidFill>
@@ -25809,23 +26863,28 @@
                 </a:uFill>
                 <a:latin typeface="Trebuchet MS"/>
               </a:rPr>
-              <a:t>Lets see this in action in a simple setup</a:t>
+              <a:t>Sigma Notation for sums</a:t>
             </a:r>
-            <a:endParaRPr lang="en-IN" sz="1800" b="0" strike="noStrike" spc="-1" dirty="0">
-              <a:solidFill>
-                <a:srgbClr val="000000"/>
-              </a:solidFill>
-              <a:uFill>
-                <a:solidFill>
-                  <a:srgbClr val="FFFFFF"/>
-                </a:solidFill>
-              </a:uFill>
-              <a:latin typeface="Arial"/>
+            <a:endParaRPr lang="en-IN" sz="1600" spc="-1" dirty="0" smtClean="0">
+              <a:solidFill>
+                <a:srgbClr val="464547"/>
+              </a:solidFill>
+              <a:uFill>
+                <a:solidFill>
+                  <a:srgbClr val="FFFFFF"/>
+                </a:solidFill>
+              </a:uFill>
+              <a:latin typeface="Trebuchet MS"/>
             </a:endParaRPr>
           </a:p>
         </p:txBody>
       </p:sp>
     </p:spTree>
+    <p:extLst>
+      <p:ext uri="{BB962C8B-B14F-4D97-AF65-F5344CB8AC3E}">
+        <p14:creationId xmlns:p14="http://schemas.microsoft.com/office/powerpoint/2010/main" val="3003121310"/>
+      </p:ext>
+    </p:extLst>
   </p:cSld>
   <p:clrMapOvr>
     <a:masterClrMapping/>
@@ -25833,27 +26892,7 @@
   <p:timing>
     <p:tnLst>
       <p:par>
-        <p:cTn id="1" dur="indefinite" restart="never" nodeType="tmRoot">
-          <p:childTnLst>
-            <p:seq>
-              <p:cTn id="2" nodeType="mainSeq"/>
-              <p:prevCondLst>
-                <p:cond evt="onPrev" delay="0">
-                  <p:tgtEl>
-                    <p:sldTgt/>
-                  </p:tgtEl>
-                </p:cond>
-              </p:prevCondLst>
-              <p:nextCondLst>
-                <p:cond evt="onNext" delay="0">
-                  <p:tgtEl>
-                    <p:sldTgt/>
-                  </p:tgtEl>
-                </p:cond>
-              </p:nextCondLst>
-            </p:seq>
-          </p:childTnLst>
-        </p:cTn>
+        <p:cTn id="1" dur="indefinite" restart="never" nodeType="tmRoot"/>
       </p:par>
     </p:tnLst>
   </p:timing>
@@ -25879,21 +26918,19 @@
       </p:grpSpPr>
       <p:sp>
         <p:nvSpPr>
-          <p:cNvPr id="382" name="CustomShape 1"/>
+          <p:cNvPr id="377" name="CustomShape 1"/>
           <p:cNvSpPr/>
           <p:nvPr/>
         </p:nvSpPr>
         <p:spPr>
           <a:xfrm>
-            <a:off x="0" y="0"/>
-            <a:ext cx="9143280" cy="932040"/>
-          </a:xfrm>
-          <a:prstGeom prst="rect">
-            <a:avLst/>
-          </a:prstGeom>
-          <a:solidFill>
-            <a:srgbClr val="FFFFFF"/>
-          </a:solidFill>
+            <a:off x="352440" y="1440000"/>
+            <a:ext cx="8430120" cy="4571280"/>
+          </a:xfrm>
+          <a:prstGeom prst="rect">
+            <a:avLst/>
+          </a:prstGeom>
+          <a:noFill/>
           <a:ln>
             <a:noFill/>
           </a:ln>
@@ -25910,88 +26947,24 @@
           </a:effectRef>
           <a:fontRef idx="minor"/>
         </p:style>
-        <p:txBody>
-          <a:bodyPr lIns="365760" tIns="45000" rIns="90000" bIns="45000" anchor="ctr"/>
-          <a:lstStyle/>
-          <a:p>
-            <a:pPr>
-              <a:lnSpc>
-                <a:spcPct val="100000"/>
-              </a:lnSpc>
-            </a:pPr>
-            <a:r>
-              <a:rPr lang="en-IN" sz="2600" b="0" strike="noStrike" spc="-1">
-                <a:solidFill>
-                  <a:srgbClr val="464547"/>
-                </a:solidFill>
-                <a:uFill>
-                  <a:solidFill>
-                    <a:srgbClr val="FFFFFF"/>
-                  </a:solidFill>
-                </a:uFill>
-                <a:latin typeface="Arial Black"/>
-              </a:rPr>
-              <a:t>Linear Regression</a:t>
-            </a:r>
-            <a:endParaRPr lang="en-IN" sz="1800" b="0" strike="noStrike" spc="-1">
-              <a:solidFill>
-                <a:srgbClr val="000000"/>
-              </a:solidFill>
-              <a:uFill>
-                <a:solidFill>
-                  <a:srgbClr val="FFFFFF"/>
-                </a:solidFill>
-              </a:uFill>
-              <a:latin typeface="Arial"/>
-            </a:endParaRPr>
-          </a:p>
-        </p:txBody>
-      </p:sp>
-      <p:pic>
-        <p:nvPicPr>
-          <p:cNvPr id="2" name="Picture 1"/>
-          <p:cNvPicPr>
-            <a:picLocks noChangeAspect="1"/>
-          </p:cNvPicPr>
-          <p:nvPr/>
-        </p:nvPicPr>
-        <p:blipFill>
-          <a:blip r:embed="rId3">
-            <a:extLst>
-              <a:ext uri="{28A0092B-C50C-407E-A947-70E740481C1C}">
-                <a14:useLocalDpi xmlns:a14="http://schemas.microsoft.com/office/drawing/2010/main" val="0"/>
-              </a:ext>
-            </a:extLst>
-          </a:blip>
-          <a:stretch>
-            <a:fillRect/>
-          </a:stretch>
-        </p:blipFill>
-        <p:spPr>
-          <a:xfrm>
-            <a:off x="2121877" y="3815129"/>
-            <a:ext cx="6553200" cy="2533650"/>
-          </a:xfrm>
-          <a:prstGeom prst="rect">
-            <a:avLst/>
-          </a:prstGeom>
-        </p:spPr>
-      </p:pic>
-      <p:sp>
-        <p:nvSpPr>
-          <p:cNvPr id="4" name="CustomShape 3"/>
+      </p:sp>
+      <p:sp>
+        <p:nvSpPr>
+          <p:cNvPr id="378" name="CustomShape 2"/>
           <p:cNvSpPr/>
           <p:nvPr/>
         </p:nvSpPr>
         <p:spPr>
           <a:xfrm>
-            <a:off x="356580" y="820218"/>
-            <a:ext cx="8430120" cy="4571280"/>
-          </a:xfrm>
-          <a:prstGeom prst="rect">
-            <a:avLst/>
-          </a:prstGeom>
-          <a:noFill/>
+            <a:off x="0" y="0"/>
+            <a:ext cx="9143280" cy="932040"/>
+          </a:xfrm>
+          <a:prstGeom prst="rect">
+            <a:avLst/>
+          </a:prstGeom>
+          <a:solidFill>
+            <a:srgbClr val="FFFFFF"/>
+          </a:solidFill>
           <a:ln>
             <a:noFill/>
           </a:ln>
@@ -26009,6 +26982,74 @@
           <a:fontRef idx="minor"/>
         </p:style>
         <p:txBody>
+          <a:bodyPr lIns="365760" tIns="45000" rIns="90000" bIns="45000" anchor="ctr"/>
+          <a:lstStyle/>
+          <a:p>
+            <a:pPr>
+              <a:lnSpc>
+                <a:spcPct val="100000"/>
+              </a:lnSpc>
+            </a:pPr>
+            <a:r>
+              <a:rPr lang="en-IN" sz="2600" b="0" strike="noStrike" spc="-1">
+                <a:solidFill>
+                  <a:srgbClr val="464547"/>
+                </a:solidFill>
+                <a:uFill>
+                  <a:solidFill>
+                    <a:srgbClr val="FFFFFF"/>
+                  </a:solidFill>
+                </a:uFill>
+                <a:latin typeface="Arial Black"/>
+              </a:rPr>
+              <a:t>A Simple Example</a:t>
+            </a:r>
+            <a:endParaRPr lang="en-IN" sz="1800" b="0" strike="noStrike" spc="-1">
+              <a:solidFill>
+                <a:srgbClr val="000000"/>
+              </a:solidFill>
+              <a:uFill>
+                <a:solidFill>
+                  <a:srgbClr val="FFFFFF"/>
+                </a:solidFill>
+              </a:uFill>
+              <a:latin typeface="Arial"/>
+            </a:endParaRPr>
+          </a:p>
+        </p:txBody>
+      </p:sp>
+      <p:sp>
+        <p:nvSpPr>
+          <p:cNvPr id="379" name="CustomShape 3"/>
+          <p:cNvSpPr/>
+          <p:nvPr/>
+        </p:nvSpPr>
+        <p:spPr>
+          <a:xfrm>
+            <a:off x="356760" y="1435680"/>
+            <a:ext cx="8430120" cy="4571280"/>
+          </a:xfrm>
+          <a:prstGeom prst="rect">
+            <a:avLst/>
+          </a:prstGeom>
+          <a:noFill/>
+          <a:ln>
+            <a:noFill/>
+          </a:ln>
+        </p:spPr>
+        <p:style>
+          <a:lnRef idx="0">
+            <a:scrgbClr r="0" g="0" b="0"/>
+          </a:lnRef>
+          <a:fillRef idx="0">
+            <a:scrgbClr r="0" g="0" b="0"/>
+          </a:fillRef>
+          <a:effectRef idx="0">
+            <a:scrgbClr r="0" g="0" b="0"/>
+          </a:effectRef>
+          <a:fontRef idx="minor"/>
+        </p:style>
+        <p:txBody>
           <a:bodyPr lIns="90000" tIns="45000" rIns="90000" bIns="45000"/>
           <a:lstStyle/>
           <a:p>
@@ -26023,32 +27064,55 @@
               <a:buChar char="•"/>
             </a:pPr>
             <a:r>
-              <a:rPr lang="en-IN" sz="1800" b="0" strike="noStrike" spc="-1" dirty="0" smtClean="0">
-                <a:solidFill>
-                  <a:srgbClr val="000000"/>
+              <a:rPr lang="en-IN" sz="1600" b="0" strike="noStrike" spc="-1" dirty="0" smtClean="0">
+                <a:solidFill>
+                  <a:srgbClr val="464547"/>
                 </a:solidFill>
                 <a:uFill>
                   <a:solidFill>
                     <a:srgbClr val="FFFFFF"/>
                   </a:solidFill>
                 </a:uFill>
-                <a:latin typeface="Arial"/>
+                <a:latin typeface="Trebuchet MS"/>
               </a:rPr>
-              <a:t>Lets take the simplest scenario</a:t>
+              <a:t>Input: </a:t>
             </a:r>
-          </a:p>
-          <a:p>
-            <a:pPr marL="285840" indent="-285120">
+            <a:r>
+              <a:rPr lang="en-IN" sz="1600" b="0" strike="noStrike" spc="-1" dirty="0" smtClean="0">
+                <a:solidFill>
+                  <a:srgbClr val="464547"/>
+                </a:solidFill>
+                <a:uFill>
+                  <a:solidFill>
+                    <a:srgbClr val="FFFFFF"/>
+                  </a:solidFill>
+                </a:uFill>
+                <a:latin typeface="Trebuchet MS"/>
+              </a:rPr>
+              <a:t>Square feet</a:t>
+            </a:r>
+            <a:endParaRPr lang="en-IN" spc="-1" dirty="0">
+              <a:solidFill>
+                <a:srgbClr val="000000"/>
+              </a:solidFill>
+              <a:uFill>
+                <a:solidFill>
+                  <a:srgbClr val="FFFFFF"/>
+                </a:solidFill>
+              </a:uFill>
+              <a:latin typeface="Arial"/>
+            </a:endParaRPr>
+          </a:p>
+          <a:p>
+            <a:pPr marL="720">
               <a:lnSpc>
                 <a:spcPct val="100000"/>
               </a:lnSpc>
               <a:buClr>
                 <a:srgbClr val="39C2D7"/>
               </a:buClr>
-              <a:buFont typeface="Arial"/>
-              <a:buChar char="•"/>
             </a:pPr>
-            <a:endParaRPr lang="en-IN" spc="-1" dirty="0" smtClean="0">
+            <a:endParaRPr lang="en-IN" sz="1800" b="0" strike="noStrike" spc="-1" dirty="0">
               <a:solidFill>
                 <a:srgbClr val="000000"/>
               </a:solidFill>
@@ -26072,19 +27136,133 @@
               <a:buChar char="•"/>
             </a:pPr>
             <a:r>
-              <a:rPr lang="en-IN" spc="-1" dirty="0" smtClean="0">
-                <a:solidFill>
-                  <a:srgbClr val="000000"/>
+              <a:rPr lang="en-IN" sz="1600" b="0" strike="noStrike" spc="-1" dirty="0" smtClean="0">
+                <a:solidFill>
+                  <a:srgbClr val="464547"/>
                 </a:solidFill>
                 <a:uFill>
                   <a:solidFill>
                     <a:srgbClr val="FFFFFF"/>
                   </a:solidFill>
                 </a:uFill>
-                <a:latin typeface="Arial"/>
+                <a:latin typeface="Trebuchet MS"/>
               </a:rPr>
-              <a:t>Assumptions:</a:t>
+              <a:t>Output: Expected </a:t>
             </a:r>
+            <a:r>
+              <a:rPr lang="en-IN" sz="1600" b="0" strike="noStrike" spc="-1" dirty="0" smtClean="0">
+                <a:solidFill>
+                  <a:srgbClr val="464547"/>
+                </a:solidFill>
+                <a:uFill>
+                  <a:solidFill>
+                    <a:srgbClr val="FFFFFF"/>
+                  </a:solidFill>
+                </a:uFill>
+                <a:latin typeface="Trebuchet MS"/>
+              </a:rPr>
+              <a:t>price</a:t>
+            </a:r>
+          </a:p>
+          <a:p>
+            <a:pPr marL="720">
+              <a:lnSpc>
+                <a:spcPct val="100000"/>
+              </a:lnSpc>
+              <a:buClr>
+                <a:srgbClr val="39C2D7"/>
+              </a:buClr>
+            </a:pPr>
+            <a:endParaRPr lang="en-IN" sz="1800" b="0" strike="noStrike" spc="-1" dirty="0">
+              <a:solidFill>
+                <a:srgbClr val="000000"/>
+              </a:solidFill>
+              <a:uFill>
+                <a:solidFill>
+                  <a:srgbClr val="FFFFFF"/>
+                </a:solidFill>
+              </a:uFill>
+              <a:latin typeface="Arial"/>
+            </a:endParaRPr>
+          </a:p>
+          <a:p>
+            <a:pPr marL="285840" indent="-285120">
+              <a:lnSpc>
+                <a:spcPct val="100000"/>
+              </a:lnSpc>
+              <a:buClr>
+                <a:srgbClr val="39C2D7"/>
+              </a:buClr>
+              <a:buFont typeface="Arial"/>
+              <a:buChar char="•"/>
+            </a:pPr>
+            <a:r>
+              <a:rPr lang="en-IN" sz="1600" b="0" strike="noStrike" spc="-1" dirty="0">
+                <a:solidFill>
+                  <a:srgbClr val="464547"/>
+                </a:solidFill>
+                <a:uFill>
+                  <a:solidFill>
+                    <a:srgbClr val="FFFFFF"/>
+                  </a:solidFill>
+                </a:uFill>
+                <a:latin typeface="Trebuchet MS"/>
+              </a:rPr>
+              <a:t>Need to </a:t>
+            </a:r>
+            <a:r>
+              <a:rPr lang="en-IN" sz="1600" b="0" strike="noStrike" spc="-1" dirty="0" smtClean="0">
+                <a:solidFill>
+                  <a:srgbClr val="464547"/>
+                </a:solidFill>
+                <a:uFill>
+                  <a:solidFill>
+                    <a:srgbClr val="FFFFFF"/>
+                  </a:solidFill>
+                </a:uFill>
+                <a:latin typeface="Trebuchet MS"/>
+              </a:rPr>
+              <a:t>come up with </a:t>
+            </a:r>
+            <a:r>
+              <a:rPr lang="en-IN" sz="1600" b="0" strike="noStrike" spc="-1" dirty="0">
+                <a:solidFill>
+                  <a:srgbClr val="464547"/>
+                </a:solidFill>
+                <a:uFill>
+                  <a:solidFill>
+                    <a:srgbClr val="FFFFFF"/>
+                  </a:solidFill>
+                </a:uFill>
+                <a:latin typeface="Trebuchet MS"/>
+              </a:rPr>
+              <a:t>a model that </a:t>
+            </a:r>
+            <a:r>
+              <a:rPr lang="en-IN" sz="1600" b="0" strike="noStrike" spc="-1" dirty="0" smtClean="0">
+                <a:solidFill>
+                  <a:srgbClr val="464547"/>
+                </a:solidFill>
+                <a:uFill>
+                  <a:solidFill>
+                    <a:srgbClr val="FFFFFF"/>
+                  </a:solidFill>
+                </a:uFill>
+                <a:latin typeface="Trebuchet MS"/>
+              </a:rPr>
+              <a:t>predicts the price</a:t>
+            </a:r>
+            <a:endParaRPr lang="en-IN" sz="1800" b="0" strike="noStrike" spc="-1" dirty="0">
+              <a:solidFill>
+                <a:srgbClr val="000000"/>
+              </a:solidFill>
+              <a:uFill>
+                <a:solidFill>
+                  <a:srgbClr val="FFFFFF"/>
+                </a:solidFill>
+              </a:uFill>
+              <a:latin typeface="Arial"/>
+            </a:endParaRPr>
           </a:p>
           <a:p>
             <a:pPr marL="720">
@@ -26096,19 +27274,109 @@
               </a:buClr>
             </a:pPr>
             <a:r>
-              <a:rPr lang="en-IN" spc="-1" dirty="0" smtClean="0">
-                <a:solidFill>
-                  <a:srgbClr val="000000"/>
+              <a:rPr lang="en-IN" sz="1600" b="0" strike="noStrike" spc="-1" dirty="0">
+                <a:solidFill>
+                  <a:srgbClr val="464547"/>
                 </a:solidFill>
                 <a:uFill>
                   <a:solidFill>
                     <a:srgbClr val="FFFFFF"/>
                   </a:solidFill>
                 </a:uFill>
-                <a:latin typeface="Arial"/>
+                <a:latin typeface="Trebuchet MS"/>
               </a:rPr>
-              <a:t>	Input: sq. feet of home</a:t>
+              <a:t> </a:t>
             </a:r>
+            <a:endParaRPr lang="en-IN" sz="1800" b="0" strike="noStrike" spc="-1" dirty="0">
+              <a:solidFill>
+                <a:srgbClr val="000000"/>
+              </a:solidFill>
+              <a:uFill>
+                <a:solidFill>
+                  <a:srgbClr val="FFFFFF"/>
+                </a:solidFill>
+              </a:uFill>
+              <a:latin typeface="Arial"/>
+            </a:endParaRPr>
+          </a:p>
+          <a:p>
+            <a:pPr marL="285840" indent="-285120">
+              <a:lnSpc>
+                <a:spcPct val="100000"/>
+              </a:lnSpc>
+              <a:buClr>
+                <a:srgbClr val="39C2D7"/>
+              </a:buClr>
+              <a:buFont typeface="Arial"/>
+              <a:buChar char="•"/>
+            </a:pPr>
+            <a:r>
+              <a:rPr lang="en-IN" sz="1600" b="0" strike="noStrike" spc="-1" dirty="0" smtClean="0">
+                <a:solidFill>
+                  <a:srgbClr val="464547"/>
+                </a:solidFill>
+                <a:uFill>
+                  <a:solidFill>
+                    <a:srgbClr val="FFFFFF"/>
+                  </a:solidFill>
+                </a:uFill>
+                <a:latin typeface="Trebuchet MS"/>
+              </a:rPr>
+              <a:t>How </a:t>
+            </a:r>
+            <a:r>
+              <a:rPr lang="en-IN" sz="1600" b="0" strike="noStrike" spc="-1" dirty="0" smtClean="0">
+                <a:solidFill>
+                  <a:srgbClr val="464547"/>
+                </a:solidFill>
+                <a:uFill>
+                  <a:solidFill>
+                    <a:srgbClr val="FFFFFF"/>
+                  </a:solidFill>
+                </a:uFill>
+                <a:latin typeface="Trebuchet MS"/>
+              </a:rPr>
+              <a:t>to </a:t>
+            </a:r>
+            <a:r>
+              <a:rPr lang="en-IN" sz="1600" b="0" strike="noStrike" spc="-1" dirty="0" smtClean="0">
+                <a:solidFill>
+                  <a:srgbClr val="464547"/>
+                </a:solidFill>
+                <a:uFill>
+                  <a:solidFill>
+                    <a:srgbClr val="FFFFFF"/>
+                  </a:solidFill>
+                </a:uFill>
+                <a:latin typeface="Trebuchet MS"/>
+              </a:rPr>
+              <a:t>find such </a:t>
+            </a:r>
+            <a:r>
+              <a:rPr lang="en-IN" sz="1600" b="0" strike="noStrike" spc="-1" dirty="0" smtClean="0">
+                <a:solidFill>
+                  <a:srgbClr val="464547"/>
+                </a:solidFill>
+                <a:uFill>
+                  <a:solidFill>
+                    <a:srgbClr val="FFFFFF"/>
+                  </a:solidFill>
+                </a:uFill>
+                <a:latin typeface="Trebuchet MS"/>
+              </a:rPr>
+              <a:t>model</a:t>
+            </a:r>
+            <a:endParaRPr lang="en-IN" sz="1800" b="0" strike="noStrike" spc="-1" dirty="0">
+              <a:solidFill>
+                <a:srgbClr val="000000"/>
+              </a:solidFill>
+              <a:uFill>
+                <a:solidFill>
+                  <a:srgbClr val="FFFFFF"/>
+                </a:solidFill>
+              </a:uFill>
+              <a:latin typeface="Arial"/>
+            </a:endParaRPr>
           </a:p>
           <a:p>
             <a:pPr marL="720">
@@ -26119,49 +27387,7 @@
                 <a:srgbClr val="39C2D7"/>
               </a:buClr>
             </a:pPr>
-            <a:r>
-              <a:rPr lang="en-IN" sz="1800" b="0" strike="noStrike" spc="-1" dirty="0" smtClean="0">
-                <a:solidFill>
-                  <a:srgbClr val="000000"/>
-                </a:solidFill>
-                <a:uFill>
-                  <a:solidFill>
-                    <a:srgbClr val="FFFFFF"/>
-                  </a:solidFill>
-                </a:uFill>
-                <a:latin typeface="Arial"/>
-              </a:rPr>
-              <a:t>	Output: expected price</a:t>
-            </a:r>
-          </a:p>
-          <a:p>
-            <a:pPr marL="915120" lvl="2">
-              <a:buClr>
-                <a:srgbClr val="39C2D7"/>
-              </a:buClr>
-            </a:pPr>
-            <a:r>
-              <a:rPr lang="en-IN" spc="-1" dirty="0" smtClean="0">
-                <a:solidFill>
-                  <a:srgbClr val="000000"/>
-                </a:solidFill>
-                <a:uFill>
-                  <a:solidFill>
-                    <a:srgbClr val="FFFFFF"/>
-                  </a:solidFill>
-                </a:uFill>
-                <a:latin typeface="Arial"/>
-              </a:rPr>
-              <a:t>Training data shows some linear relationship</a:t>
-            </a:r>
-          </a:p>
-          <a:p>
-            <a:pPr marL="915120" lvl="2">
-              <a:buClr>
-                <a:srgbClr val="39C2D7"/>
-              </a:buClr>
-            </a:pPr>
-            <a:endParaRPr lang="en-IN" spc="-1" dirty="0">
+            <a:endParaRPr lang="en-IN" sz="1800" b="0" strike="noStrike" spc="-1" dirty="0">
               <a:solidFill>
                 <a:srgbClr val="000000"/>
               </a:solidFill>
@@ -26227,79 +27453,9 @@
           <a:chExt cx="0" cy="0"/>
         </a:xfrm>
       </p:grpSpPr>
-      <p:sp>
-        <p:nvSpPr>
-          <p:cNvPr id="383" name="CustomShape 1"/>
-          <p:cNvSpPr/>
-          <p:nvPr/>
-        </p:nvSpPr>
-        <p:spPr>
-          <a:xfrm>
-            <a:off x="0" y="0"/>
-            <a:ext cx="9143280" cy="932040"/>
-          </a:xfrm>
-          <a:prstGeom prst="rect">
-            <a:avLst/>
-          </a:prstGeom>
-          <a:solidFill>
-            <a:srgbClr val="FFFFFF"/>
-          </a:solidFill>
-          <a:ln>
-            <a:noFill/>
-          </a:ln>
-        </p:spPr>
-        <p:style>
-          <a:lnRef idx="0">
-            <a:scrgbClr r="0" g="0" b="0"/>
-          </a:lnRef>
-          <a:fillRef idx="0">
-            <a:scrgbClr r="0" g="0" b="0"/>
-          </a:fillRef>
-          <a:effectRef idx="0">
-            <a:scrgbClr r="0" g="0" b="0"/>
-          </a:effectRef>
-          <a:fontRef idx="minor"/>
-        </p:style>
-        <p:txBody>
-          <a:bodyPr lIns="365760" tIns="45000" rIns="90000" bIns="45000" anchor="ctr"/>
-          <a:lstStyle/>
-          <a:p>
-            <a:pPr>
-              <a:lnSpc>
-                <a:spcPct val="100000"/>
-              </a:lnSpc>
-            </a:pPr>
-            <a:r>
-              <a:rPr lang="en-IN" sz="2600" b="0" strike="noStrike" spc="-1">
-                <a:solidFill>
-                  <a:srgbClr val="464547"/>
-                </a:solidFill>
-                <a:uFill>
-                  <a:solidFill>
-                    <a:srgbClr val="FFFFFF"/>
-                  </a:solidFill>
-                </a:uFill>
-                <a:latin typeface="Arial Black"/>
-              </a:rPr>
-              <a:t>Gradient Descent</a:t>
-            </a:r>
-            <a:endParaRPr lang="en-IN" sz="1800" b="0" strike="noStrike" spc="-1">
-              <a:solidFill>
-                <a:srgbClr val="000000"/>
-              </a:solidFill>
-              <a:uFill>
-                <a:solidFill>
-                  <a:srgbClr val="FFFFFF"/>
-                </a:solidFill>
-              </a:uFill>
-              <a:latin typeface="Arial"/>
-            </a:endParaRPr>
-          </a:p>
-        </p:txBody>
-      </p:sp>
       <p:pic>
         <p:nvPicPr>
-          <p:cNvPr id="2" name="Picture 1"/>
+          <p:cNvPr id="3" name="Picture 2"/>
           <p:cNvPicPr>
             <a:picLocks noChangeAspect="1"/>
           </p:cNvPicPr>
@@ -26319,8 +27475,8 @@
         </p:blipFill>
         <p:spPr>
           <a:xfrm>
-            <a:off x="4019550" y="2908789"/>
-            <a:ext cx="5124450" cy="3467100"/>
+            <a:off x="152316" y="3638549"/>
+            <a:ext cx="4491542" cy="2752725"/>
           </a:xfrm>
           <a:prstGeom prst="rect">
             <a:avLst/>
@@ -26329,19 +27485,21 @@
       </p:pic>
       <p:sp>
         <p:nvSpPr>
-          <p:cNvPr id="4" name="CustomShape 3"/>
+          <p:cNvPr id="382" name="CustomShape 1"/>
           <p:cNvSpPr/>
           <p:nvPr/>
         </p:nvSpPr>
         <p:spPr>
           <a:xfrm>
-            <a:off x="356580" y="837803"/>
-            <a:ext cx="8430120" cy="4571280"/>
-          </a:xfrm>
-          <a:prstGeom prst="rect">
-            <a:avLst/>
-          </a:prstGeom>
-          <a:noFill/>
+            <a:off x="0" y="0"/>
+            <a:ext cx="9143280" cy="932040"/>
+          </a:xfrm>
+          <a:prstGeom prst="rect">
+            <a:avLst/>
+          </a:prstGeom>
+          <a:solidFill>
+            <a:srgbClr val="FFFFFF"/>
+          </a:solidFill>
           <a:ln>
             <a:noFill/>
           </a:ln>
@@ -26359,6 +27517,74 @@
           <a:fontRef idx="minor"/>
         </p:style>
         <p:txBody>
+          <a:bodyPr lIns="365760" tIns="45000" rIns="90000" bIns="45000" anchor="ctr"/>
+          <a:lstStyle/>
+          <a:p>
+            <a:pPr>
+              <a:lnSpc>
+                <a:spcPct val="100000"/>
+              </a:lnSpc>
+            </a:pPr>
+            <a:r>
+              <a:rPr lang="en-IN" sz="2600" b="0" strike="noStrike" spc="-1">
+                <a:solidFill>
+                  <a:srgbClr val="464547"/>
+                </a:solidFill>
+                <a:uFill>
+                  <a:solidFill>
+                    <a:srgbClr val="FFFFFF"/>
+                  </a:solidFill>
+                </a:uFill>
+                <a:latin typeface="Arial Black"/>
+              </a:rPr>
+              <a:t>Linear Regression</a:t>
+            </a:r>
+            <a:endParaRPr lang="en-IN" sz="1800" b="0" strike="noStrike" spc="-1">
+              <a:solidFill>
+                <a:srgbClr val="000000"/>
+              </a:solidFill>
+              <a:uFill>
+                <a:solidFill>
+                  <a:srgbClr val="FFFFFF"/>
+                </a:solidFill>
+              </a:uFill>
+              <a:latin typeface="Arial"/>
+            </a:endParaRPr>
+          </a:p>
+        </p:txBody>
+      </p:sp>
+      <p:sp>
+        <p:nvSpPr>
+          <p:cNvPr id="4" name="CustomShape 3"/>
+          <p:cNvSpPr/>
+          <p:nvPr/>
+        </p:nvSpPr>
+        <p:spPr>
+          <a:xfrm>
+            <a:off x="356580" y="820218"/>
+            <a:ext cx="8430120" cy="4571280"/>
+          </a:xfrm>
+          <a:prstGeom prst="rect">
+            <a:avLst/>
+          </a:prstGeom>
+          <a:noFill/>
+          <a:ln>
+            <a:noFill/>
+          </a:ln>
+        </p:spPr>
+        <p:style>
+          <a:lnRef idx="0">
+            <a:scrgbClr r="0" g="0" b="0"/>
+          </a:lnRef>
+          <a:fillRef idx="0">
+            <a:scrgbClr r="0" g="0" b="0"/>
+          </a:fillRef>
+          <a:effectRef idx="0">
+            <a:scrgbClr r="0" g="0" b="0"/>
+          </a:effectRef>
+          <a:fontRef idx="minor"/>
+        </p:style>
+        <p:txBody>
           <a:bodyPr lIns="90000" tIns="45000" rIns="90000" bIns="45000"/>
           <a:lstStyle/>
           <a:p>
@@ -26373,18 +27599,18 @@
               <a:buChar char="•"/>
             </a:pPr>
             <a:r>
-              <a:rPr lang="en-IN" sz="1600" b="0" strike="noStrike" spc="-1" dirty="0" smtClean="0">
-                <a:solidFill>
-                  <a:srgbClr val="464547"/>
+              <a:rPr lang="en-IN" sz="1800" b="0" strike="noStrike" spc="-1" dirty="0" smtClean="0">
+                <a:solidFill>
+                  <a:srgbClr val="000000"/>
                 </a:solidFill>
                 <a:uFill>
                   <a:solidFill>
                     <a:srgbClr val="FFFFFF"/>
                   </a:solidFill>
                 </a:uFill>
-                <a:latin typeface="Trebuchet MS"/>
+                <a:latin typeface="Arial"/>
               </a:rPr>
-              <a:t>Let’s plot cost(C) vs parameters(P)</a:t>
+              <a:t>Lets take the simplest scenario</a:t>
             </a:r>
           </a:p>
           <a:p>
@@ -26398,16 +27624,16 @@
               <a:buFont typeface="Arial"/>
               <a:buChar char="•"/>
             </a:pPr>
-            <a:endParaRPr lang="en-IN" sz="1600" b="0" strike="noStrike" spc="-1" dirty="0" smtClean="0">
-              <a:solidFill>
-                <a:srgbClr val="464547"/>
-              </a:solidFill>
-              <a:uFill>
-                <a:solidFill>
-                  <a:srgbClr val="FFFFFF"/>
-                </a:solidFill>
-              </a:uFill>
-              <a:latin typeface="Trebuchet MS"/>
+            <a:endParaRPr lang="en-IN" spc="-1" dirty="0" smtClean="0">
+              <a:solidFill>
+                <a:srgbClr val="000000"/>
+              </a:solidFill>
+              <a:uFill>
+                <a:solidFill>
+                  <a:srgbClr val="FFFFFF"/>
+                </a:solidFill>
+              </a:uFill>
+              <a:latin typeface="Arial"/>
             </a:endParaRPr>
           </a:p>
           <a:p>
@@ -26422,427 +27648,314 @@
               <a:buChar char="•"/>
             </a:pPr>
             <a:r>
-              <a:rPr lang="en-IN" sz="1600" spc="-1" dirty="0" smtClean="0">
-                <a:solidFill>
-                  <a:srgbClr val="464547"/>
+              <a:rPr lang="en-IN" spc="-1" dirty="0" smtClean="0">
+                <a:solidFill>
+                  <a:srgbClr val="000000"/>
                 </a:solidFill>
                 <a:uFill>
                   <a:solidFill>
                     <a:srgbClr val="FFFFFF"/>
                   </a:solidFill>
                 </a:uFill>
-                <a:latin typeface="Trebuchet MS"/>
+                <a:latin typeface="Arial"/>
               </a:rPr>
-              <a:t>Change parameter values that minimize cost</a:t>
+              <a:t>Assumptions:</a:t>
             </a:r>
           </a:p>
           <a:p>
-            <a:pPr marL="285840" indent="-285120">
+            <a:pPr marL="720">
               <a:lnSpc>
                 <a:spcPct val="100000"/>
               </a:lnSpc>
               <a:buClr>
                 <a:srgbClr val="39C2D7"/>
               </a:buClr>
-              <a:buFont typeface="Arial"/>
-              <a:buChar char="•"/>
             </a:pPr>
-            <a:endParaRPr lang="en-IN" sz="1600" spc="-1" dirty="0" smtClean="0">
-              <a:solidFill>
-                <a:srgbClr val="464547"/>
-              </a:solidFill>
-              <a:uFill>
-                <a:solidFill>
-                  <a:srgbClr val="FFFFFF"/>
-                </a:solidFill>
-              </a:uFill>
-              <a:latin typeface="Trebuchet MS"/>
-            </a:endParaRPr>
-          </a:p>
-          <a:p>
-            <a:pPr marL="285840" indent="-285120">
+            <a:r>
+              <a:rPr lang="en-IN" spc="-1" dirty="0" smtClean="0">
+                <a:solidFill>
+                  <a:srgbClr val="000000"/>
+                </a:solidFill>
+                <a:uFill>
+                  <a:solidFill>
+                    <a:srgbClr val="FFFFFF"/>
+                  </a:solidFill>
+                </a:uFill>
+                <a:latin typeface="Arial"/>
+              </a:rPr>
+              <a:t>	Input: </a:t>
+            </a:r>
+            <a:endParaRPr lang="en-IN" spc="-1" dirty="0" smtClean="0">
+              <a:solidFill>
+                <a:srgbClr val="000000"/>
+              </a:solidFill>
+              <a:uFill>
+                <a:solidFill>
+                  <a:srgbClr val="FFFFFF"/>
+                </a:solidFill>
+              </a:uFill>
+              <a:latin typeface="Arial"/>
+            </a:endParaRPr>
+          </a:p>
+          <a:p>
+            <a:pPr marL="720">
               <a:lnSpc>
                 <a:spcPct val="100000"/>
               </a:lnSpc>
               <a:buClr>
                 <a:srgbClr val="39C2D7"/>
               </a:buClr>
-              <a:buFont typeface="Arial"/>
-              <a:buChar char="•"/>
             </a:pPr>
             <a:r>
-              <a:rPr lang="en-IN" sz="1600" spc="-1" dirty="0" smtClean="0">
-                <a:solidFill>
-                  <a:srgbClr val="464547"/>
+              <a:rPr lang="en-IN" spc="-1" dirty="0">
+                <a:solidFill>
+                  <a:srgbClr val="000000"/>
                 </a:solidFill>
                 <a:uFill>
                   <a:solidFill>
                     <a:srgbClr val="FFFFFF"/>
                   </a:solidFill>
                 </a:uFill>
-                <a:latin typeface="Trebuchet MS"/>
+                <a:latin typeface="Arial"/>
               </a:rPr>
-              <a:t>Simple setting </a:t>
+              <a:t>	</a:t>
             </a:r>
             <a:r>
-              <a:rPr lang="en-IN" sz="1600" spc="-1" dirty="0" smtClean="0">
-                <a:solidFill>
-                  <a:srgbClr val="464547"/>
+              <a:rPr lang="en-IN" spc="-1" dirty="0" smtClean="0">
+                <a:solidFill>
+                  <a:srgbClr val="000000"/>
                 </a:solidFill>
                 <a:uFill>
                   <a:solidFill>
                     <a:srgbClr val="FFFFFF"/>
                   </a:solidFill>
                 </a:uFill>
-                <a:latin typeface="Trebuchet MS"/>
-                <a:sym typeface="Wingdings" panose="05000000000000000000" pitchFamily="2" charset="2"/>
+                <a:latin typeface="Arial"/>
               </a:rPr>
-              <a:t> convex function</a:t>
+              <a:t>	</a:t>
             </a:r>
-          </a:p>
-          <a:p>
-            <a:pPr marL="285840" indent="-285120">
+            <a:r>
+              <a:rPr lang="en-IN" spc="-1" dirty="0" smtClean="0">
+                <a:solidFill>
+                  <a:srgbClr val="000000"/>
+                </a:solidFill>
+                <a:uFill>
+                  <a:solidFill>
+                    <a:srgbClr val="FFFFFF"/>
+                  </a:solidFill>
+                </a:uFill>
+                <a:latin typeface="Arial"/>
+              </a:rPr>
+              <a:t>sq</a:t>
+            </a:r>
+            <a:r>
+              <a:rPr lang="en-IN" spc="-1" dirty="0" smtClean="0">
+                <a:solidFill>
+                  <a:srgbClr val="000000"/>
+                </a:solidFill>
+                <a:uFill>
+                  <a:solidFill>
+                    <a:srgbClr val="FFFFFF"/>
+                  </a:solidFill>
+                </a:uFill>
+                <a:latin typeface="Arial"/>
+              </a:rPr>
+              <a:t>. feet of home</a:t>
+            </a:r>
+          </a:p>
+          <a:p>
+            <a:pPr marL="720">
               <a:lnSpc>
                 <a:spcPct val="100000"/>
               </a:lnSpc>
               <a:buClr>
                 <a:srgbClr val="39C2D7"/>
               </a:buClr>
-              <a:buFont typeface="Arial"/>
-              <a:buChar char="•"/>
             </a:pPr>
-            <a:endParaRPr lang="en-IN" sz="1600" spc="-1" dirty="0" smtClean="0">
-              <a:solidFill>
-                <a:srgbClr val="464547"/>
-              </a:solidFill>
-              <a:uFill>
-                <a:solidFill>
-                  <a:srgbClr val="FFFFFF"/>
-                </a:solidFill>
-              </a:uFill>
-              <a:latin typeface="Trebuchet MS"/>
-              <a:sym typeface="Wingdings" panose="05000000000000000000" pitchFamily="2" charset="2"/>
-            </a:endParaRPr>
-          </a:p>
-          <a:p>
-            <a:pPr marL="285840" indent="-285120">
+            <a:r>
+              <a:rPr lang="en-IN" sz="1800" b="0" strike="noStrike" spc="-1" dirty="0" smtClean="0">
+                <a:solidFill>
+                  <a:srgbClr val="000000"/>
+                </a:solidFill>
+                <a:uFill>
+                  <a:solidFill>
+                    <a:srgbClr val="FFFFFF"/>
+                  </a:solidFill>
+                </a:uFill>
+                <a:latin typeface="Arial"/>
+              </a:rPr>
+              <a:t>	Output: </a:t>
+            </a:r>
+            <a:endParaRPr lang="en-IN" sz="1800" b="0" strike="noStrike" spc="-1" dirty="0" smtClean="0">
+              <a:solidFill>
+                <a:srgbClr val="000000"/>
+              </a:solidFill>
+              <a:uFill>
+                <a:solidFill>
+                  <a:srgbClr val="FFFFFF"/>
+                </a:solidFill>
+              </a:uFill>
+              <a:latin typeface="Arial"/>
+            </a:endParaRPr>
+          </a:p>
+          <a:p>
+            <a:pPr marL="720">
               <a:lnSpc>
                 <a:spcPct val="100000"/>
               </a:lnSpc>
               <a:buClr>
                 <a:srgbClr val="39C2D7"/>
               </a:buClr>
-              <a:buFont typeface="Arial"/>
-              <a:buChar char="•"/>
             </a:pPr>
             <a:r>
-              <a:rPr lang="en-IN" sz="1600" b="0" strike="noStrike" spc="-1" dirty="0" smtClean="0">
-                <a:solidFill>
-                  <a:srgbClr val="464547"/>
+              <a:rPr lang="en-IN" spc="-1" dirty="0">
+                <a:solidFill>
+                  <a:srgbClr val="000000"/>
                 </a:solidFill>
                 <a:uFill>
                   <a:solidFill>
                     <a:srgbClr val="FFFFFF"/>
                   </a:solidFill>
                 </a:uFill>
-                <a:latin typeface="Trebuchet MS"/>
-                <a:sym typeface="Wingdings" panose="05000000000000000000" pitchFamily="2" charset="2"/>
+                <a:latin typeface="Arial"/>
               </a:rPr>
-              <a:t>Minimize convex function  gradient descent</a:t>
+              <a:t>	</a:t>
             </a:r>
-          </a:p>
-          <a:p>
-            <a:pPr marL="285840" indent="-285120">
+            <a:r>
+              <a:rPr lang="en-IN" spc="-1" dirty="0" smtClean="0">
+                <a:solidFill>
+                  <a:srgbClr val="000000"/>
+                </a:solidFill>
+                <a:uFill>
+                  <a:solidFill>
+                    <a:srgbClr val="FFFFFF"/>
+                  </a:solidFill>
+                </a:uFill>
+                <a:latin typeface="Arial"/>
+              </a:rPr>
+              <a:t>	</a:t>
+            </a:r>
+            <a:r>
+              <a:rPr lang="en-IN" sz="1800" b="0" strike="noStrike" spc="-1" dirty="0" smtClean="0">
+                <a:solidFill>
+                  <a:srgbClr val="000000"/>
+                </a:solidFill>
+                <a:uFill>
+                  <a:solidFill>
+                    <a:srgbClr val="FFFFFF"/>
+                  </a:solidFill>
+                </a:uFill>
+                <a:latin typeface="Arial"/>
+              </a:rPr>
+              <a:t>expected price</a:t>
+            </a:r>
+          </a:p>
+          <a:p>
+            <a:pPr marL="720">
               <a:lnSpc>
                 <a:spcPct val="100000"/>
               </a:lnSpc>
               <a:buClr>
                 <a:srgbClr val="39C2D7"/>
               </a:buClr>
-              <a:buFont typeface="Arial"/>
-              <a:buChar char="•"/>
             </a:pPr>
-            <a:endParaRPr lang="en-IN" sz="1600" spc="-1" dirty="0">
-              <a:solidFill>
-                <a:srgbClr val="464547"/>
-              </a:solidFill>
-              <a:uFill>
-                <a:solidFill>
-                  <a:srgbClr val="FFFFFF"/>
-                </a:solidFill>
-              </a:uFill>
-              <a:latin typeface="Trebuchet MS"/>
-              <a:sym typeface="Wingdings" panose="05000000000000000000" pitchFamily="2" charset="2"/>
-            </a:endParaRPr>
-          </a:p>
-          <a:p>
-            <a:pPr marL="285840" indent="-285120">
-              <a:lnSpc>
-                <a:spcPct val="100000"/>
-              </a:lnSpc>
+            <a:endParaRPr lang="en-IN" sz="1800" b="0" strike="noStrike" spc="-1" dirty="0" smtClean="0">
+              <a:solidFill>
+                <a:srgbClr val="000000"/>
+              </a:solidFill>
+              <a:uFill>
+                <a:solidFill>
+                  <a:srgbClr val="FFFFFF"/>
+                </a:solidFill>
+              </a:uFill>
+              <a:latin typeface="Arial"/>
+            </a:endParaRPr>
+          </a:p>
+          <a:p>
+            <a:pPr marL="915120" lvl="2">
               <a:buClr>
                 <a:srgbClr val="39C2D7"/>
               </a:buClr>
-              <a:buFont typeface="Arial"/>
-              <a:buChar char="•"/>
             </a:pPr>
             <a:r>
-              <a:rPr lang="en-IN" sz="1600" b="0" strike="noStrike" spc="-1" dirty="0" smtClean="0">
-                <a:solidFill>
-                  <a:srgbClr val="464547"/>
+              <a:rPr lang="en-IN" spc="-1" dirty="0" smtClean="0">
+                <a:solidFill>
+                  <a:srgbClr val="000000"/>
                 </a:solidFill>
                 <a:uFill>
                   <a:solidFill>
                     <a:srgbClr val="FFFFFF"/>
                   </a:solidFill>
                 </a:uFill>
-                <a:latin typeface="Trebuchet MS"/>
-                <a:sym typeface="Wingdings" panose="05000000000000000000" pitchFamily="2" charset="2"/>
+                <a:latin typeface="Arial"/>
               </a:rPr>
-              <a:t>Simple update rule</a:t>
+              <a:t>Existing </a:t>
             </a:r>
-          </a:p>
-          <a:p>
-            <a:pPr marL="285840" indent="-285120">
-              <a:lnSpc>
-                <a:spcPct val="100000"/>
-              </a:lnSpc>
-              <a:buClr>
-                <a:srgbClr val="39C2D7"/>
-              </a:buClr>
-              <a:buFont typeface="Arial"/>
-              <a:buChar char="•"/>
-            </a:pPr>
-            <a:endParaRPr lang="en-IN" sz="1600" spc="-1" dirty="0" smtClean="0">
-              <a:solidFill>
-                <a:srgbClr val="464547"/>
-              </a:solidFill>
-              <a:uFill>
-                <a:solidFill>
-                  <a:srgbClr val="FFFFFF"/>
-                </a:solidFill>
-              </a:uFill>
-              <a:latin typeface="Trebuchet MS"/>
-              <a:sym typeface="Wingdings" panose="05000000000000000000" pitchFamily="2" charset="2"/>
-            </a:endParaRPr>
-          </a:p>
-          <a:p>
-            <a:pPr marL="285840" indent="-285120">
-              <a:lnSpc>
-                <a:spcPct val="100000"/>
-              </a:lnSpc>
-              <a:buClr>
-                <a:srgbClr val="39C2D7"/>
-              </a:buClr>
-              <a:buFont typeface="Arial"/>
-              <a:buChar char="•"/>
-            </a:pPr>
             <a:r>
-              <a:rPr lang="en-IN" sz="1600" spc="-1" dirty="0">
-                <a:solidFill>
-                  <a:srgbClr val="464547"/>
+              <a:rPr lang="en-IN" spc="-1" dirty="0" smtClean="0">
+                <a:solidFill>
+                  <a:srgbClr val="000000"/>
                 </a:solidFill>
                 <a:uFill>
                   <a:solidFill>
                     <a:srgbClr val="FFFFFF"/>
                   </a:solidFill>
                 </a:uFill>
-                <a:latin typeface="Trebuchet MS"/>
-                <a:sym typeface="Wingdings" panose="05000000000000000000" pitchFamily="2" charset="2"/>
+                <a:latin typeface="Arial"/>
               </a:rPr>
-              <a:t>p</a:t>
+              <a:t>data shows some linear relationship</a:t>
             </a:r>
-            <a:r>
-              <a:rPr lang="en-IN" sz="1600" spc="-1" dirty="0" smtClean="0">
-                <a:solidFill>
-                  <a:srgbClr val="464547"/>
-                </a:solidFill>
-                <a:uFill>
-                  <a:solidFill>
-                    <a:srgbClr val="FFFFFF"/>
-                  </a:solidFill>
-                </a:uFill>
-                <a:latin typeface="Trebuchet MS"/>
-                <a:sym typeface="Wingdings" panose="05000000000000000000" pitchFamily="2" charset="2"/>
-              </a:rPr>
-              <a:t> = p – k * dc/</a:t>
-            </a:r>
-            <a:r>
-              <a:rPr lang="en-IN" sz="1600" spc="-1" dirty="0" err="1" smtClean="0">
-                <a:solidFill>
-                  <a:srgbClr val="464547"/>
-                </a:solidFill>
-                <a:uFill>
-                  <a:solidFill>
-                    <a:srgbClr val="FFFFFF"/>
-                  </a:solidFill>
-                </a:uFill>
-                <a:latin typeface="Trebuchet MS"/>
-                <a:sym typeface="Wingdings" panose="05000000000000000000" pitchFamily="2" charset="2"/>
-              </a:rPr>
-              <a:t>dp</a:t>
-            </a:r>
-            <a:endParaRPr lang="en-IN" sz="1600" spc="-1" dirty="0" smtClean="0">
-              <a:solidFill>
-                <a:srgbClr val="464547"/>
-              </a:solidFill>
-              <a:uFill>
-                <a:solidFill>
-                  <a:srgbClr val="FFFFFF"/>
-                </a:solidFill>
-              </a:uFill>
-              <a:latin typeface="Trebuchet MS"/>
-              <a:sym typeface="Wingdings" panose="05000000000000000000" pitchFamily="2" charset="2"/>
-            </a:endParaRPr>
-          </a:p>
-          <a:p>
-            <a:pPr marL="285840" indent="-285120">
-              <a:lnSpc>
-                <a:spcPct val="100000"/>
-              </a:lnSpc>
+          </a:p>
+          <a:p>
+            <a:pPr marL="915120" lvl="2">
               <a:buClr>
                 <a:srgbClr val="39C2D7"/>
               </a:buClr>
-              <a:buFont typeface="Arial"/>
-              <a:buChar char="•"/>
             </a:pPr>
-            <a:endParaRPr lang="en-IN" sz="1600" spc="-1" dirty="0">
-              <a:solidFill>
-                <a:srgbClr val="464547"/>
-              </a:solidFill>
-              <a:uFill>
-                <a:solidFill>
-                  <a:srgbClr val="FFFFFF"/>
-                </a:solidFill>
-              </a:uFill>
-              <a:latin typeface="Trebuchet MS"/>
-              <a:sym typeface="Wingdings" panose="05000000000000000000" pitchFamily="2" charset="2"/>
-            </a:endParaRPr>
-          </a:p>
-          <a:p>
-            <a:pPr marL="285840" indent="-285120">
-              <a:lnSpc>
-                <a:spcPct val="100000"/>
-              </a:lnSpc>
-              <a:buClr>
-                <a:srgbClr val="39C2D7"/>
-              </a:buClr>
-              <a:buFont typeface="Arial"/>
-              <a:buChar char="•"/>
-            </a:pPr>
-            <a:r>
-              <a:rPr lang="en-IN" sz="1600" spc="-1" dirty="0" smtClean="0">
-                <a:solidFill>
-                  <a:srgbClr val="464547"/>
-                </a:solidFill>
-                <a:uFill>
-                  <a:solidFill>
-                    <a:srgbClr val="FFFFFF"/>
-                  </a:solidFill>
-                </a:uFill>
-                <a:latin typeface="Trebuchet MS"/>
-                <a:sym typeface="Wingdings" panose="05000000000000000000" pitchFamily="2" charset="2"/>
-              </a:rPr>
-              <a:t>P converges to optimal value </a:t>
-            </a:r>
-            <a:endParaRPr lang="en-IN" sz="1600" spc="-1" dirty="0">
-              <a:solidFill>
-                <a:srgbClr val="464547"/>
-              </a:solidFill>
-              <a:uFill>
-                <a:solidFill>
-                  <a:srgbClr val="FFFFFF"/>
-                </a:solidFill>
-              </a:uFill>
-              <a:latin typeface="Trebuchet MS"/>
-              <a:sym typeface="Wingdings" panose="05000000000000000000" pitchFamily="2" charset="2"/>
-            </a:endParaRPr>
-          </a:p>
-          <a:p>
-            <a:pPr marL="285840" indent="-285120">
-              <a:lnSpc>
-                <a:spcPct val="100000"/>
-              </a:lnSpc>
-              <a:buClr>
-                <a:srgbClr val="39C2D7"/>
-              </a:buClr>
-              <a:buFont typeface="Arial"/>
-              <a:buChar char="•"/>
-            </a:pPr>
-            <a:endParaRPr lang="en-IN" sz="1800" b="0" strike="noStrike" spc="-1" dirty="0">
-              <a:solidFill>
-                <a:srgbClr val="000000"/>
-              </a:solidFill>
-              <a:uFill>
-                <a:solidFill>
-                  <a:srgbClr val="FFFFFF"/>
-                </a:solidFill>
-              </a:uFill>
-              <a:latin typeface="Arial"/>
-            </a:endParaRPr>
-          </a:p>
-        </p:txBody>
-      </p:sp>
-      <p:sp>
-        <p:nvSpPr>
-          <p:cNvPr id="3" name="TextBox 2"/>
-          <p:cNvSpPr txBox="1"/>
+            <a:endParaRPr lang="en-IN" spc="-1" dirty="0">
+              <a:solidFill>
+                <a:srgbClr val="000000"/>
+              </a:solidFill>
+              <a:uFill>
+                <a:solidFill>
+                  <a:srgbClr val="FFFFFF"/>
+                </a:solidFill>
+              </a:uFill>
+              <a:latin typeface="Arial"/>
+            </a:endParaRPr>
+          </a:p>
+        </p:txBody>
+      </p:sp>
+      <p:pic>
+        <p:nvPicPr>
+          <p:cNvPr id="5" name="Picture 4"/>
+          <p:cNvPicPr>
+            <a:picLocks noChangeAspect="1"/>
+          </p:cNvPicPr>
           <p:nvPr/>
-        </p:nvSpPr>
-        <p:spPr>
-          <a:xfrm>
-            <a:off x="6418386" y="2724123"/>
-            <a:ext cx="395652" cy="369332"/>
-          </a:xfrm>
-          <a:prstGeom prst="rect">
-            <a:avLst/>
-          </a:prstGeom>
-          <a:noFill/>
-        </p:spPr>
-        <p:txBody>
-          <a:bodyPr wrap="square" rtlCol="0">
-            <a:spAutoFit/>
-          </a:bodyPr>
-          <a:lstStyle/>
-          <a:p>
-            <a:r>
-              <a:rPr lang="en-US" dirty="0" smtClean="0"/>
-              <a:t>C</a:t>
-            </a:r>
-            <a:endParaRPr lang="en-US" dirty="0"/>
-          </a:p>
-        </p:txBody>
-      </p:sp>
-      <p:sp>
-        <p:nvSpPr>
-          <p:cNvPr id="6" name="TextBox 5"/>
-          <p:cNvSpPr txBox="1"/>
-          <p:nvPr/>
-        </p:nvSpPr>
-        <p:spPr>
-          <a:xfrm>
-            <a:off x="8663355" y="4520684"/>
-            <a:ext cx="395652" cy="369332"/>
-          </a:xfrm>
-          <a:prstGeom prst="rect">
-            <a:avLst/>
-          </a:prstGeom>
-          <a:noFill/>
-        </p:spPr>
-        <p:txBody>
-          <a:bodyPr wrap="square" rtlCol="0">
-            <a:spAutoFit/>
-          </a:bodyPr>
-          <a:lstStyle/>
-          <a:p>
-            <a:r>
-              <a:rPr lang="en-US" dirty="0" smtClean="0"/>
-              <a:t>P</a:t>
-            </a:r>
-            <a:endParaRPr lang="en-US" dirty="0"/>
-          </a:p>
-        </p:txBody>
-      </p:sp>
+        </p:nvPicPr>
+        <p:blipFill>
+          <a:blip r:embed="rId4">
+            <a:extLst>
+              <a:ext uri="{28A0092B-C50C-407E-A947-70E740481C1C}">
+                <a14:useLocalDpi xmlns:a14="http://schemas.microsoft.com/office/drawing/2010/main" val="0"/>
+              </a:ext>
+            </a:extLst>
+          </a:blip>
+          <a:stretch>
+            <a:fillRect/>
+          </a:stretch>
+        </p:blipFill>
+        <p:spPr>
+          <a:xfrm>
+            <a:off x="4543426" y="3724274"/>
+            <a:ext cx="4581936" cy="2487441"/>
+          </a:xfrm>
+          <a:prstGeom prst="rect">
+            <a:avLst/>
+          </a:prstGeom>
+        </p:spPr>
+      </p:pic>
     </p:spTree>
   </p:cSld>
   <p:clrMapOvr>

--- a/TechTalk1.pptx
+++ b/TechTalk1.pptx
@@ -12,22 +12,24 @@
     <p:sldMasterId id="2147483739" r:id="rId8"/>
   </p:sldMasterIdLst>
   <p:notesMasterIdLst>
-    <p:notesMasterId r:id="rId22"/>
+    <p:notesMasterId r:id="rId24"/>
   </p:notesMasterIdLst>
   <p:sldIdLst>
     <p:sldId id="256" r:id="rId9"/>
     <p:sldId id="257" r:id="rId10"/>
     <p:sldId id="258" r:id="rId11"/>
-    <p:sldId id="259" r:id="rId12"/>
-    <p:sldId id="260" r:id="rId13"/>
-    <p:sldId id="267" r:id="rId14"/>
-    <p:sldId id="268" r:id="rId15"/>
-    <p:sldId id="261" r:id="rId16"/>
-    <p:sldId id="263" r:id="rId17"/>
-    <p:sldId id="269" r:id="rId18"/>
-    <p:sldId id="264" r:id="rId19"/>
-    <p:sldId id="265" r:id="rId20"/>
-    <p:sldId id="266" r:id="rId21"/>
+    <p:sldId id="270" r:id="rId12"/>
+    <p:sldId id="259" r:id="rId13"/>
+    <p:sldId id="260" r:id="rId14"/>
+    <p:sldId id="267" r:id="rId15"/>
+    <p:sldId id="268" r:id="rId16"/>
+    <p:sldId id="261" r:id="rId17"/>
+    <p:sldId id="263" r:id="rId18"/>
+    <p:sldId id="269" r:id="rId19"/>
+    <p:sldId id="271" r:id="rId20"/>
+    <p:sldId id="264" r:id="rId21"/>
+    <p:sldId id="265" r:id="rId22"/>
+    <p:sldId id="266" r:id="rId23"/>
   </p:sldIdLst>
   <p:sldSz cx="9144000" cy="6858000" type="screen4x3"/>
   <p:notesSz cx="6858000" cy="9144000"/>
@@ -598,6 +600,137 @@
 </p:notes>
 </file>
 
+<file path=ppt/notesSlides/notesSlide10.xml><?xml version="1.0" encoding="utf-8"?>
+<p:notes xmlns:a="http://schemas.openxmlformats.org/drawingml/2006/main" xmlns:r="http://schemas.openxmlformats.org/officeDocument/2006/relationships" xmlns:p="http://schemas.openxmlformats.org/presentationml/2006/main">
+  <p:cSld>
+    <p:spTree>
+      <p:nvGrpSpPr>
+        <p:cNvPr id="1" name=""/>
+        <p:cNvGrpSpPr/>
+        <p:nvPr/>
+      </p:nvGrpSpPr>
+      <p:grpSpPr>
+        <a:xfrm>
+          <a:off x="0" y="0"/>
+          <a:ext cx="0" cy="0"/>
+          <a:chOff x="0" y="0"/>
+          <a:chExt cx="0" cy="0"/>
+        </a:xfrm>
+      </p:grpSpPr>
+      <p:sp>
+        <p:nvSpPr>
+          <p:cNvPr id="405" name="PlaceHolder 1"/>
+          <p:cNvSpPr>
+            <a:spLocks noGrp="1"/>
+          </p:cNvSpPr>
+          <p:nvPr>
+            <p:ph type="body"/>
+          </p:nvPr>
+        </p:nvSpPr>
+        <p:spPr>
+          <a:xfrm>
+            <a:off x="685800" y="4343400"/>
+            <a:ext cx="5485680" cy="4114080"/>
+          </a:xfrm>
+          <a:prstGeom prst="rect">
+            <a:avLst/>
+          </a:prstGeom>
+        </p:spPr>
+        <p:txBody>
+          <a:bodyPr lIns="0" tIns="0" rIns="0" bIns="0"/>
+          <a:lstStyle/>
+          <a:p>
+            <a:endParaRPr lang="en-IN" sz="2000" b="0" strike="noStrike" spc="-1">
+              <a:solidFill>
+                <a:srgbClr val="000000"/>
+              </a:solidFill>
+              <a:uFill>
+                <a:solidFill>
+                  <a:srgbClr val="FFFFFF"/>
+                </a:solidFill>
+              </a:uFill>
+              <a:latin typeface="Arial"/>
+            </a:endParaRPr>
+          </a:p>
+        </p:txBody>
+      </p:sp>
+      <p:sp>
+        <p:nvSpPr>
+          <p:cNvPr id="406" name="CustomShape 2"/>
+          <p:cNvSpPr/>
+          <p:nvPr/>
+        </p:nvSpPr>
+        <p:spPr>
+          <a:xfrm>
+            <a:off x="3884760" y="8685360"/>
+            <a:ext cx="2971080" cy="456480"/>
+          </a:xfrm>
+          <a:prstGeom prst="rect">
+            <a:avLst/>
+          </a:prstGeom>
+          <a:noFill/>
+          <a:ln>
+            <a:noFill/>
+          </a:ln>
+        </p:spPr>
+        <p:style>
+          <a:lnRef idx="0">
+            <a:scrgbClr r="0" g="0" b="0"/>
+          </a:lnRef>
+          <a:fillRef idx="0">
+            <a:scrgbClr r="0" g="0" b="0"/>
+          </a:fillRef>
+          <a:effectRef idx="0">
+            <a:scrgbClr r="0" g="0" b="0"/>
+          </a:effectRef>
+          <a:fontRef idx="minor"/>
+        </p:style>
+        <p:txBody>
+          <a:bodyPr lIns="90000" tIns="45000" rIns="90000" bIns="45000" anchor="b"/>
+          <a:lstStyle/>
+          <a:p>
+            <a:pPr algn="r">
+              <a:lnSpc>
+                <a:spcPct val="100000"/>
+              </a:lnSpc>
+            </a:pPr>
+            <a:fld id="{F776FA84-E358-4910-AE76-E350FF4F8B92}" type="slidenum">
+              <a:rPr lang="en-IN" sz="1200" b="0" strike="noStrike" spc="-1">
+                <a:solidFill>
+                  <a:srgbClr val="000000"/>
+                </a:solidFill>
+                <a:uFill>
+                  <a:solidFill>
+                    <a:srgbClr val="FFFFFF"/>
+                  </a:solidFill>
+                </a:uFill>
+                <a:latin typeface="+mn-lt"/>
+                <a:ea typeface="+mn-ea"/>
+              </a:rPr>
+              <a:t>13</a:t>
+            </a:fld>
+            <a:endParaRPr lang="en-IN" sz="1800" b="0" strike="noStrike" spc="-1">
+              <a:solidFill>
+                <a:srgbClr val="000000"/>
+              </a:solidFill>
+              <a:uFill>
+                <a:solidFill>
+                  <a:srgbClr val="FFFFFF"/>
+                </a:solidFill>
+              </a:uFill>
+              <a:latin typeface="Arial"/>
+            </a:endParaRPr>
+          </a:p>
+        </p:txBody>
+      </p:sp>
+    </p:spTree>
+  </p:cSld>
+  <p:clrMapOvr>
+    <a:masterClrMapping/>
+  </p:clrMapOvr>
+</p:notes>
+</file>
+
 <file path=ppt/notesSlides/notesSlide2.xml><?xml version="1.0" encoding="utf-8"?>
 <p:notes xmlns:a="http://schemas.openxmlformats.org/drawingml/2006/main" xmlns:r="http://schemas.openxmlformats.org/officeDocument/2006/relationships" xmlns:p="http://schemas.openxmlformats.org/presentationml/2006/main">
   <p:cSld>
@@ -748,7 +881,7 @@
       </p:grpSpPr>
       <p:sp>
         <p:nvSpPr>
-          <p:cNvPr id="397" name="PlaceHolder 1"/>
+          <p:cNvPr id="395" name="PlaceHolder 1"/>
           <p:cNvSpPr>
             <a:spLocks noGrp="1"/>
           </p:cNvSpPr>
@@ -769,26 +902,23 @@
           <a:bodyPr lIns="0" tIns="0" rIns="0" bIns="0"/>
           <a:lstStyle/>
           <a:p>
-            <a:r>
-              <a:rPr lang="en-IN" sz="2000" b="0" strike="noStrike" spc="-1">
-                <a:solidFill>
-                  <a:srgbClr val="000000"/>
-                </a:solidFill>
-                <a:uFill>
-                  <a:solidFill>
-                    <a:srgbClr val="FFFFFF"/>
-                  </a:solidFill>
-                </a:uFill>
-                <a:latin typeface="Arial"/>
-              </a:rPr>
-              <a:t>P37 – divide into 2 slides</a:t>
-            </a:r>
-          </a:p>
-        </p:txBody>
-      </p:sp>
-      <p:sp>
-        <p:nvSpPr>
-          <p:cNvPr id="398" name="CustomShape 2"/>
+            <a:endParaRPr lang="en-IN" sz="2000" b="0" strike="noStrike" spc="-1">
+              <a:solidFill>
+                <a:srgbClr val="000000"/>
+              </a:solidFill>
+              <a:uFill>
+                <a:solidFill>
+                  <a:srgbClr val="FFFFFF"/>
+                </a:solidFill>
+              </a:uFill>
+              <a:latin typeface="Arial"/>
+            </a:endParaRPr>
+          </a:p>
+        </p:txBody>
+      </p:sp>
+      <p:sp>
+        <p:nvSpPr>
+          <p:cNvPr id="396" name="CustomShape 2"/>
           <p:cNvSpPr/>
           <p:nvPr/>
         </p:nvSpPr>
@@ -826,7 +956,7 @@
                 <a:spcPct val="100000"/>
               </a:lnSpc>
             </a:pPr>
-            <a:fld id="{ED01CEA8-EC3B-4694-B807-93E8461A1DD6}" type="slidenum">
+            <a:fld id="{975C596B-BE5F-43B9-BB86-B323434B3078}" type="slidenum">
               <a:rPr lang="en-IN" sz="1200" b="0" strike="noStrike" spc="-1">
                 <a:solidFill>
                   <a:srgbClr val="000000"/>
@@ -856,6 +986,11 @@
         </p:txBody>
       </p:sp>
     </p:spTree>
+    <p:extLst>
+      <p:ext uri="{BB962C8B-B14F-4D97-AF65-F5344CB8AC3E}">
+        <p14:creationId xmlns:p14="http://schemas.microsoft.com/office/powerpoint/2010/main" val="3718291658"/>
+      </p:ext>
+    </p:extLst>
   </p:cSld>
   <p:clrMapOvr>
     <a:masterClrMapping/>
@@ -882,7 +1017,7 @@
       </p:grpSpPr>
       <p:sp>
         <p:nvSpPr>
-          <p:cNvPr id="399" name="PlaceHolder 1"/>
+          <p:cNvPr id="397" name="PlaceHolder 1"/>
           <p:cNvSpPr>
             <a:spLocks noGrp="1"/>
           </p:cNvSpPr>
@@ -903,23 +1038,26 @@
           <a:bodyPr lIns="0" tIns="0" rIns="0" bIns="0"/>
           <a:lstStyle/>
           <a:p>
-            <a:endParaRPr lang="en-IN" sz="2000" b="0" strike="noStrike" spc="-1">
-              <a:solidFill>
-                <a:srgbClr val="000000"/>
-              </a:solidFill>
-              <a:uFill>
-                <a:solidFill>
-                  <a:srgbClr val="FFFFFF"/>
-                </a:solidFill>
-              </a:uFill>
-              <a:latin typeface="Arial"/>
-            </a:endParaRPr>
-          </a:p>
-        </p:txBody>
-      </p:sp>
-      <p:sp>
-        <p:nvSpPr>
-          <p:cNvPr id="400" name="CustomShape 2"/>
+            <a:r>
+              <a:rPr lang="en-IN" sz="2000" b="0" strike="noStrike" spc="-1">
+                <a:solidFill>
+                  <a:srgbClr val="000000"/>
+                </a:solidFill>
+                <a:uFill>
+                  <a:solidFill>
+                    <a:srgbClr val="FFFFFF"/>
+                  </a:solidFill>
+                </a:uFill>
+                <a:latin typeface="Arial"/>
+              </a:rPr>
+              <a:t>P37 – divide into 2 slides</a:t>
+            </a:r>
+          </a:p>
+        </p:txBody>
+      </p:sp>
+      <p:sp>
+        <p:nvSpPr>
+          <p:cNvPr id="398" name="CustomShape 2"/>
           <p:cNvSpPr/>
           <p:nvPr/>
         </p:nvSpPr>
@@ -957,7 +1095,7 @@
                 <a:spcPct val="100000"/>
               </a:lnSpc>
             </a:pPr>
-            <a:fld id="{B59FB89A-A8D4-4DAD-95A2-D73E4BBC22F9}" type="slidenum">
+            <a:fld id="{ED01CEA8-EC3B-4694-B807-93E8461A1DD6}" type="slidenum">
               <a:rPr lang="en-IN" sz="1200" b="0" strike="noStrike" spc="-1">
                 <a:solidFill>
                   <a:srgbClr val="000000"/>
@@ -1013,7 +1151,7 @@
       </p:grpSpPr>
       <p:sp>
         <p:nvSpPr>
-          <p:cNvPr id="401" name="PlaceHolder 1"/>
+          <p:cNvPr id="399" name="PlaceHolder 1"/>
           <p:cNvSpPr>
             <a:spLocks noGrp="1"/>
           </p:cNvSpPr>
@@ -1050,7 +1188,7 @@
       </p:sp>
       <p:sp>
         <p:nvSpPr>
-          <p:cNvPr id="402" name="CustomShape 2"/>
+          <p:cNvPr id="400" name="CustomShape 2"/>
           <p:cNvSpPr/>
           <p:nvPr/>
         </p:nvSpPr>
@@ -1088,7 +1226,7 @@
                 <a:spcPct val="100000"/>
               </a:lnSpc>
             </a:pPr>
-            <a:fld id="{F0BF2486-0676-4050-B128-92B8EF064383}" type="slidenum">
+            <a:fld id="{B59FB89A-A8D4-4DAD-95A2-D73E4BBC22F9}" type="slidenum">
               <a:rPr lang="en-IN" sz="1200" b="0" strike="noStrike" spc="-1">
                 <a:solidFill>
                   <a:srgbClr val="000000"/>
@@ -1118,11 +1256,6 @@
         </p:txBody>
       </p:sp>
     </p:spTree>
-    <p:extLst>
-      <p:ext uri="{BB962C8B-B14F-4D97-AF65-F5344CB8AC3E}">
-        <p14:creationId xmlns:p14="http://schemas.microsoft.com/office/powerpoint/2010/main" val="326042480"/>
-      </p:ext>
-    </p:extLst>
   </p:cSld>
   <p:clrMapOvr>
     <a:masterClrMapping/>
@@ -1237,7 +1370,7 @@
                 <a:latin typeface="+mn-lt"/>
                 <a:ea typeface="+mn-ea"/>
               </a:rPr>
-              <a:t>8</a:t>
+              <a:t>7</a:t>
             </a:fld>
             <a:endParaRPr lang="en-IN" sz="1800" b="0" strike="noStrike" spc="-1">
               <a:solidFill>
@@ -1254,6 +1387,11 @@
         </p:txBody>
       </p:sp>
     </p:spTree>
+    <p:extLst>
+      <p:ext uri="{BB962C8B-B14F-4D97-AF65-F5344CB8AC3E}">
+        <p14:creationId xmlns:p14="http://schemas.microsoft.com/office/powerpoint/2010/main" val="326042480"/>
+      </p:ext>
+    </p:extLst>
   </p:cSld>
   <p:clrMapOvr>
     <a:masterClrMapping/>
@@ -1280,7 +1418,7 @@
       </p:grpSpPr>
       <p:sp>
         <p:nvSpPr>
-          <p:cNvPr id="403" name="PlaceHolder 1"/>
+          <p:cNvPr id="401" name="PlaceHolder 1"/>
           <p:cNvSpPr>
             <a:spLocks noGrp="1"/>
           </p:cNvSpPr>
@@ -1317,7 +1455,7 @@
       </p:sp>
       <p:sp>
         <p:nvSpPr>
-          <p:cNvPr id="404" name="CustomShape 2"/>
+          <p:cNvPr id="402" name="CustomShape 2"/>
           <p:cNvSpPr/>
           <p:nvPr/>
         </p:nvSpPr>
@@ -1355,7 +1493,7 @@
                 <a:spcPct val="100000"/>
               </a:lnSpc>
             </a:pPr>
-            <a:fld id="{6C2D9CF8-8C0A-463F-9B62-9D71349F928E}" type="slidenum">
+            <a:fld id="{F0BF2486-0676-4050-B128-92B8EF064383}" type="slidenum">
               <a:rPr lang="en-IN" sz="1200" b="0" strike="noStrike" spc="-1">
                 <a:solidFill>
                   <a:srgbClr val="000000"/>
@@ -1411,7 +1549,7 @@
       </p:grpSpPr>
       <p:sp>
         <p:nvSpPr>
-          <p:cNvPr id="405" name="PlaceHolder 1"/>
+          <p:cNvPr id="403" name="PlaceHolder 1"/>
           <p:cNvSpPr>
             <a:spLocks noGrp="1"/>
           </p:cNvSpPr>
@@ -1448,7 +1586,7 @@
       </p:sp>
       <p:sp>
         <p:nvSpPr>
-          <p:cNvPr id="406" name="CustomShape 2"/>
+          <p:cNvPr id="404" name="CustomShape 2"/>
           <p:cNvSpPr/>
           <p:nvPr/>
         </p:nvSpPr>
@@ -1486,7 +1624,7 @@
                 <a:spcPct val="100000"/>
               </a:lnSpc>
             </a:pPr>
-            <a:fld id="{F776FA84-E358-4910-AE76-E350FF4F8B92}" type="slidenum">
+            <a:fld id="{6C2D9CF8-8C0A-463F-9B62-9D71349F928E}" type="slidenum">
               <a:rPr lang="en-IN" sz="1200" b="0" strike="noStrike" spc="-1">
                 <a:solidFill>
                   <a:srgbClr val="000000"/>
@@ -1499,7 +1637,7 @@
                 <a:latin typeface="+mn-lt"/>
                 <a:ea typeface="+mn-ea"/>
               </a:rPr>
-              <a:t>11</a:t>
+              <a:t>10</a:t>
             </a:fld>
             <a:endParaRPr lang="en-IN" sz="1800" b="0" strike="noStrike" spc="-1">
               <a:solidFill>
@@ -1516,6 +1654,142 @@
         </p:txBody>
       </p:sp>
     </p:spTree>
+  </p:cSld>
+  <p:clrMapOvr>
+    <a:masterClrMapping/>
+  </p:clrMapOvr>
+</p:notes>
+</file>
+
+<file path=ppt/notesSlides/notesSlide9.xml><?xml version="1.0" encoding="utf-8"?>
+<p:notes xmlns:a="http://schemas.openxmlformats.org/drawingml/2006/main" xmlns:r="http://schemas.openxmlformats.org/officeDocument/2006/relationships" xmlns:p="http://schemas.openxmlformats.org/presentationml/2006/main">
+  <p:cSld>
+    <p:spTree>
+      <p:nvGrpSpPr>
+        <p:cNvPr id="1" name=""/>
+        <p:cNvGrpSpPr/>
+        <p:nvPr/>
+      </p:nvGrpSpPr>
+      <p:grpSpPr>
+        <a:xfrm>
+          <a:off x="0" y="0"/>
+          <a:ext cx="0" cy="0"/>
+          <a:chOff x="0" y="0"/>
+          <a:chExt cx="0" cy="0"/>
+        </a:xfrm>
+      </p:grpSpPr>
+      <p:sp>
+        <p:nvSpPr>
+          <p:cNvPr id="405" name="PlaceHolder 1"/>
+          <p:cNvSpPr>
+            <a:spLocks noGrp="1"/>
+          </p:cNvSpPr>
+          <p:nvPr>
+            <p:ph type="body"/>
+          </p:nvPr>
+        </p:nvSpPr>
+        <p:spPr>
+          <a:xfrm>
+            <a:off x="685800" y="4343400"/>
+            <a:ext cx="5485680" cy="4114080"/>
+          </a:xfrm>
+          <a:prstGeom prst="rect">
+            <a:avLst/>
+          </a:prstGeom>
+        </p:spPr>
+        <p:txBody>
+          <a:bodyPr lIns="0" tIns="0" rIns="0" bIns="0"/>
+          <a:lstStyle/>
+          <a:p>
+            <a:endParaRPr lang="en-IN" sz="2000" b="0" strike="noStrike" spc="-1">
+              <a:solidFill>
+                <a:srgbClr val="000000"/>
+              </a:solidFill>
+              <a:uFill>
+                <a:solidFill>
+                  <a:srgbClr val="FFFFFF"/>
+                </a:solidFill>
+              </a:uFill>
+              <a:latin typeface="Arial"/>
+            </a:endParaRPr>
+          </a:p>
+        </p:txBody>
+      </p:sp>
+      <p:sp>
+        <p:nvSpPr>
+          <p:cNvPr id="406" name="CustomShape 2"/>
+          <p:cNvSpPr/>
+          <p:nvPr/>
+        </p:nvSpPr>
+        <p:spPr>
+          <a:xfrm>
+            <a:off x="3884760" y="8685360"/>
+            <a:ext cx="2971080" cy="456480"/>
+          </a:xfrm>
+          <a:prstGeom prst="rect">
+            <a:avLst/>
+          </a:prstGeom>
+          <a:noFill/>
+          <a:ln>
+            <a:noFill/>
+          </a:ln>
+        </p:spPr>
+        <p:style>
+          <a:lnRef idx="0">
+            <a:scrgbClr r="0" g="0" b="0"/>
+          </a:lnRef>
+          <a:fillRef idx="0">
+            <a:scrgbClr r="0" g="0" b="0"/>
+          </a:fillRef>
+          <a:effectRef idx="0">
+            <a:scrgbClr r="0" g="0" b="0"/>
+          </a:effectRef>
+          <a:fontRef idx="minor"/>
+        </p:style>
+        <p:txBody>
+          <a:bodyPr lIns="90000" tIns="45000" rIns="90000" bIns="45000" anchor="b"/>
+          <a:lstStyle/>
+          <a:p>
+            <a:pPr algn="r">
+              <a:lnSpc>
+                <a:spcPct val="100000"/>
+              </a:lnSpc>
+            </a:pPr>
+            <a:fld id="{F776FA84-E358-4910-AE76-E350FF4F8B92}" type="slidenum">
+              <a:rPr lang="en-IN" sz="1200" b="0" strike="noStrike" spc="-1">
+                <a:solidFill>
+                  <a:srgbClr val="000000"/>
+                </a:solidFill>
+                <a:uFill>
+                  <a:solidFill>
+                    <a:srgbClr val="FFFFFF"/>
+                  </a:solidFill>
+                </a:uFill>
+                <a:latin typeface="+mn-lt"/>
+                <a:ea typeface="+mn-ea"/>
+              </a:rPr>
+              <a:t>12</a:t>
+            </a:fld>
+            <a:endParaRPr lang="en-IN" sz="1800" b="0" strike="noStrike" spc="-1">
+              <a:solidFill>
+                <a:srgbClr val="000000"/>
+              </a:solidFill>
+              <a:uFill>
+                <a:solidFill>
+                  <a:srgbClr val="FFFFFF"/>
+                </a:solidFill>
+              </a:uFill>
+              <a:latin typeface="Arial"/>
+            </a:endParaRPr>
+          </a:p>
+        </p:txBody>
+      </p:sp>
+    </p:spTree>
+    <p:extLst>
+      <p:ext uri="{BB962C8B-B14F-4D97-AF65-F5344CB8AC3E}">
+        <p14:creationId xmlns:p14="http://schemas.microsoft.com/office/powerpoint/2010/main" val="1407311894"/>
+      </p:ext>
+    </p:extLst>
   </p:cSld>
   <p:clrMapOvr>
     <a:masterClrMapping/>
@@ -19855,7 +20129,7 @@
               </a:lnSpc>
             </a:pPr>
             <a:r>
-              <a:rPr lang="en-IN" sz="1800" b="0" strike="noStrike" spc="-1" dirty="0">
+              <a:rPr lang="en-IN" sz="1800" b="0" strike="noStrike" spc="-1" dirty="0" smtClean="0">
                 <a:solidFill>
                   <a:srgbClr val="39C2D7"/>
                 </a:solidFill>
@@ -19866,7 +20140,21 @@
                 </a:uFill>
                 <a:latin typeface="Trebuchet MS"/>
               </a:rPr>
-              <a:t>September 17, 2017</a:t>
+              <a:t>September, </a:t>
+            </a:r>
+            <a:r>
+              <a:rPr lang="en-IN" sz="1800" b="0" strike="noStrike" spc="-1" dirty="0">
+                <a:solidFill>
+                  <a:srgbClr val="39C2D7"/>
+                </a:solidFill>
+                <a:uFill>
+                  <a:solidFill>
+                    <a:srgbClr val="FFFFFF"/>
+                  </a:solidFill>
+                </a:uFill>
+                <a:latin typeface="Trebuchet MS"/>
+              </a:rPr>
+              <a:t>2017</a:t>
             </a:r>
             <a:endParaRPr lang="en-IN" sz="1800" b="0" strike="noStrike" spc="-1" dirty="0">
               <a:solidFill>
@@ -19958,434 +20246,9 @@
           <a:chExt cx="0" cy="0"/>
         </a:xfrm>
       </p:grpSpPr>
-      <p:sp>
-        <p:nvSpPr>
-          <p:cNvPr id="4" name="CustomShape 3"/>
-          <p:cNvSpPr/>
-          <p:nvPr/>
-        </p:nvSpPr>
-        <p:spPr>
-          <a:xfrm>
-            <a:off x="356580" y="837803"/>
-            <a:ext cx="8430120" cy="4571280"/>
-          </a:xfrm>
-          <a:prstGeom prst="rect">
-            <a:avLst/>
-          </a:prstGeom>
-          <a:noFill/>
-          <a:ln>
-            <a:noFill/>
-          </a:ln>
-        </p:spPr>
-        <p:style>
-          <a:lnRef idx="0">
-            <a:scrgbClr r="0" g="0" b="0"/>
-          </a:lnRef>
-          <a:fillRef idx="0">
-            <a:scrgbClr r="0" g="0" b="0"/>
-          </a:fillRef>
-          <a:effectRef idx="0">
-            <a:scrgbClr r="0" g="0" b="0"/>
-          </a:effectRef>
-          <a:fontRef idx="minor"/>
-        </p:style>
-        <p:txBody>
-          <a:bodyPr lIns="90000" tIns="45000" rIns="90000" bIns="45000"/>
-          <a:lstStyle/>
-          <a:p>
-            <a:pPr marL="285840" indent="-285120">
-              <a:lnSpc>
-                <a:spcPct val="100000"/>
-              </a:lnSpc>
-              <a:buClr>
-                <a:srgbClr val="39C2D7"/>
-              </a:buClr>
-              <a:buFont typeface="Arial"/>
-              <a:buChar char="•"/>
-            </a:pPr>
-            <a:r>
-              <a:rPr lang="en-IN" sz="1600" b="0" strike="noStrike" spc="-1" dirty="0" smtClean="0">
-                <a:solidFill>
-                  <a:srgbClr val="464547"/>
-                </a:solidFill>
-                <a:uFill>
-                  <a:solidFill>
-                    <a:srgbClr val="FFFFFF"/>
-                  </a:solidFill>
-                </a:uFill>
-                <a:latin typeface="Trebuchet MS"/>
-              </a:rPr>
-              <a:t>Define an error function </a:t>
-            </a:r>
-          </a:p>
-          <a:p>
-            <a:pPr marL="285840" indent="-285120">
-              <a:lnSpc>
-                <a:spcPct val="100000"/>
-              </a:lnSpc>
-              <a:buClr>
-                <a:srgbClr val="39C2D7"/>
-              </a:buClr>
-              <a:buFont typeface="Arial"/>
-              <a:buChar char="•"/>
-            </a:pPr>
-            <a:endParaRPr lang="en-IN" sz="1600" spc="-1" dirty="0">
-              <a:solidFill>
-                <a:srgbClr val="464547"/>
-              </a:solidFill>
-              <a:uFill>
-                <a:solidFill>
-                  <a:srgbClr val="FFFFFF"/>
-                </a:solidFill>
-              </a:uFill>
-              <a:latin typeface="Trebuchet MS"/>
-            </a:endParaRPr>
-          </a:p>
-          <a:p>
-            <a:pPr marL="285840" indent="-285120">
-              <a:lnSpc>
-                <a:spcPct val="100000"/>
-              </a:lnSpc>
-              <a:buClr>
-                <a:srgbClr val="39C2D7"/>
-              </a:buClr>
-              <a:buFont typeface="Arial"/>
-              <a:buChar char="•"/>
-            </a:pPr>
-            <a:endParaRPr lang="en-IN" sz="1600" b="0" strike="noStrike" spc="-1" dirty="0" smtClean="0">
-              <a:solidFill>
-                <a:srgbClr val="464547"/>
-              </a:solidFill>
-              <a:uFill>
-                <a:solidFill>
-                  <a:srgbClr val="FFFFFF"/>
-                </a:solidFill>
-              </a:uFill>
-              <a:latin typeface="Trebuchet MS"/>
-            </a:endParaRPr>
-          </a:p>
-          <a:p>
-            <a:pPr marL="285840" indent="-285120">
-              <a:lnSpc>
-                <a:spcPct val="100000"/>
-              </a:lnSpc>
-              <a:buClr>
-                <a:srgbClr val="39C2D7"/>
-              </a:buClr>
-              <a:buFont typeface="Arial"/>
-              <a:buChar char="•"/>
-            </a:pPr>
-            <a:endParaRPr lang="en-IN" sz="1600" spc="-1" dirty="0">
-              <a:solidFill>
-                <a:srgbClr val="464547"/>
-              </a:solidFill>
-              <a:uFill>
-                <a:solidFill>
-                  <a:srgbClr val="FFFFFF"/>
-                </a:solidFill>
-              </a:uFill>
-              <a:latin typeface="Trebuchet MS"/>
-            </a:endParaRPr>
-          </a:p>
-          <a:p>
-            <a:pPr marL="285840" indent="-285120">
-              <a:lnSpc>
-                <a:spcPct val="100000"/>
-              </a:lnSpc>
-              <a:buClr>
-                <a:srgbClr val="39C2D7"/>
-              </a:buClr>
-              <a:buFont typeface="Arial"/>
-              <a:buChar char="•"/>
-            </a:pPr>
-            <a:endParaRPr lang="en-IN" sz="1600" b="0" strike="noStrike" spc="-1" dirty="0" smtClean="0">
-              <a:solidFill>
-                <a:srgbClr val="464547"/>
-              </a:solidFill>
-              <a:uFill>
-                <a:solidFill>
-                  <a:srgbClr val="FFFFFF"/>
-                </a:solidFill>
-              </a:uFill>
-              <a:latin typeface="Trebuchet MS"/>
-            </a:endParaRPr>
-          </a:p>
-          <a:p>
-            <a:pPr marL="285840" indent="-285120">
-              <a:lnSpc>
-                <a:spcPct val="100000"/>
-              </a:lnSpc>
-              <a:buClr>
-                <a:srgbClr val="39C2D7"/>
-              </a:buClr>
-              <a:buFont typeface="Arial"/>
-              <a:buChar char="•"/>
-            </a:pPr>
-            <a:endParaRPr lang="en-IN" sz="1600" spc="-1" dirty="0">
-              <a:solidFill>
-                <a:srgbClr val="464547"/>
-              </a:solidFill>
-              <a:uFill>
-                <a:solidFill>
-                  <a:srgbClr val="FFFFFF"/>
-                </a:solidFill>
-              </a:uFill>
-              <a:latin typeface="Trebuchet MS"/>
-            </a:endParaRPr>
-          </a:p>
-          <a:p>
-            <a:pPr marL="285840" indent="-285120">
-              <a:lnSpc>
-                <a:spcPct val="100000"/>
-              </a:lnSpc>
-              <a:buClr>
-                <a:srgbClr val="39C2D7"/>
-              </a:buClr>
-              <a:buFont typeface="Arial"/>
-              <a:buChar char="•"/>
-            </a:pPr>
-            <a:endParaRPr lang="en-IN" sz="1600" b="0" strike="noStrike" spc="-1" dirty="0" smtClean="0">
-              <a:solidFill>
-                <a:srgbClr val="464547"/>
-              </a:solidFill>
-              <a:uFill>
-                <a:solidFill>
-                  <a:srgbClr val="FFFFFF"/>
-                </a:solidFill>
-              </a:uFill>
-              <a:latin typeface="Trebuchet MS"/>
-            </a:endParaRPr>
-          </a:p>
-          <a:p>
-            <a:pPr marL="285840" indent="-285120">
-              <a:lnSpc>
-                <a:spcPct val="100000"/>
-              </a:lnSpc>
-              <a:buClr>
-                <a:srgbClr val="39C2D7"/>
-              </a:buClr>
-              <a:buFont typeface="Arial"/>
-              <a:buChar char="•"/>
-            </a:pPr>
-            <a:r>
-              <a:rPr lang="en-IN" sz="1600" spc="-1" dirty="0" smtClean="0">
-                <a:solidFill>
-                  <a:srgbClr val="464547"/>
-                </a:solidFill>
-                <a:uFill>
-                  <a:solidFill>
-                    <a:srgbClr val="FFFFFF"/>
-                  </a:solidFill>
-                </a:uFill>
-                <a:latin typeface="Trebuchet MS"/>
-              </a:rPr>
-              <a:t>Minimize the error function</a:t>
-            </a:r>
-            <a:endParaRPr lang="en-IN" sz="1600" b="0" strike="noStrike" spc="-1" dirty="0" smtClean="0">
-              <a:solidFill>
-                <a:srgbClr val="464547"/>
-              </a:solidFill>
-              <a:uFill>
-                <a:solidFill>
-                  <a:srgbClr val="FFFFFF"/>
-                </a:solidFill>
-              </a:uFill>
-              <a:latin typeface="Trebuchet MS"/>
-            </a:endParaRPr>
-          </a:p>
-          <a:p>
-            <a:pPr marL="720">
-              <a:lnSpc>
-                <a:spcPct val="100000"/>
-              </a:lnSpc>
-              <a:buClr>
-                <a:srgbClr val="39C2D7"/>
-              </a:buClr>
-            </a:pPr>
-            <a:endParaRPr lang="en-IN" sz="1800" b="0" strike="noStrike" spc="-1" dirty="0">
-              <a:solidFill>
-                <a:srgbClr val="000000"/>
-              </a:solidFill>
-              <a:uFill>
-                <a:solidFill>
-                  <a:srgbClr val="FFFFFF"/>
-                </a:solidFill>
-              </a:uFill>
-              <a:latin typeface="Arial"/>
-            </a:endParaRPr>
-          </a:p>
-        </p:txBody>
-      </p:sp>
       <p:pic>
         <p:nvPicPr>
-          <p:cNvPr id="5" name="Picture 4"/>
-          <p:cNvPicPr>
-            <a:picLocks noChangeAspect="1"/>
-          </p:cNvPicPr>
-          <p:nvPr/>
-        </p:nvPicPr>
-        <p:blipFill>
-          <a:blip r:embed="rId2">
-            <a:extLst>
-              <a:ext uri="{28A0092B-C50C-407E-A947-70E740481C1C}">
-                <a14:useLocalDpi xmlns:a14="http://schemas.microsoft.com/office/drawing/2010/main" val="0"/>
-              </a:ext>
-            </a:extLst>
-          </a:blip>
-          <a:stretch>
-            <a:fillRect/>
-          </a:stretch>
-        </p:blipFill>
-        <p:spPr>
-          <a:xfrm>
-            <a:off x="2062162" y="1233487"/>
-            <a:ext cx="3914775" cy="1171575"/>
-          </a:xfrm>
-          <a:prstGeom prst="rect">
-            <a:avLst/>
-          </a:prstGeom>
-        </p:spPr>
-      </p:pic>
-      <p:pic>
-        <p:nvPicPr>
-          <p:cNvPr id="6" name="Picture 5" descr="&lt;strong&gt;Question&lt;/strong&gt; Mark Free Stock Photo - Public Domain Pictures"/>
-          <p:cNvPicPr>
-            <a:picLocks noChangeAspect="1"/>
-          </p:cNvPicPr>
-          <p:nvPr/>
-        </p:nvPicPr>
-        <p:blipFill>
-          <a:blip r:embed="rId3" cstate="print">
-            <a:extLst>
-              <a:ext uri="{28A0092B-C50C-407E-A947-70E740481C1C}">
-                <a14:useLocalDpi xmlns:a14="http://schemas.microsoft.com/office/drawing/2010/main" val="0"/>
-              </a:ext>
-            </a:extLst>
-          </a:blip>
-          <a:stretch>
-            <a:fillRect/>
-          </a:stretch>
-        </p:blipFill>
-        <p:spPr>
-          <a:xfrm>
-            <a:off x="3253085" y="3228975"/>
-            <a:ext cx="1314152" cy="985080"/>
-          </a:xfrm>
-          <a:prstGeom prst="rect">
-            <a:avLst/>
-          </a:prstGeom>
-        </p:spPr>
-      </p:pic>
-    </p:spTree>
-    <p:extLst>
-      <p:ext uri="{BB962C8B-B14F-4D97-AF65-F5344CB8AC3E}">
-        <p14:creationId xmlns:p14="http://schemas.microsoft.com/office/powerpoint/2010/main" val="1760043567"/>
-      </p:ext>
-    </p:extLst>
-  </p:cSld>
-  <p:clrMapOvr>
-    <a:masterClrMapping/>
-  </p:clrMapOvr>
-  <p:timing>
-    <p:tnLst>
-      <p:par>
-        <p:cTn id="1" dur="indefinite" restart="never" nodeType="tmRoot"/>
-      </p:par>
-    </p:tnLst>
-  </p:timing>
-</p:sld>
-</file>
-
-<file path=ppt/slides/slide11.xml><?xml version="1.0" encoding="utf-8"?>
-<p:sld xmlns:a="http://schemas.openxmlformats.org/drawingml/2006/main" xmlns:r="http://schemas.openxmlformats.org/officeDocument/2006/relationships" xmlns:p="http://schemas.openxmlformats.org/presentationml/2006/main">
-  <p:cSld>
-    <p:spTree>
-      <p:nvGrpSpPr>
-        <p:cNvPr id="1" name=""/>
-        <p:cNvGrpSpPr/>
-        <p:nvPr/>
-      </p:nvGrpSpPr>
-      <p:grpSpPr>
-        <a:xfrm>
-          <a:off x="0" y="0"/>
-          <a:ext cx="0" cy="0"/>
-          <a:chOff x="0" y="0"/>
-          <a:chExt cx="0" cy="0"/>
-        </a:xfrm>
-      </p:grpSpPr>
-      <p:sp>
-        <p:nvSpPr>
-          <p:cNvPr id="383" name="CustomShape 1"/>
-          <p:cNvSpPr/>
-          <p:nvPr/>
-        </p:nvSpPr>
-        <p:spPr>
-          <a:xfrm>
-            <a:off x="0" y="0"/>
-            <a:ext cx="9143280" cy="932040"/>
-          </a:xfrm>
-          <a:prstGeom prst="rect">
-            <a:avLst/>
-          </a:prstGeom>
-          <a:solidFill>
-            <a:srgbClr val="FFFFFF"/>
-          </a:solidFill>
-          <a:ln>
-            <a:noFill/>
-          </a:ln>
-        </p:spPr>
-        <p:style>
-          <a:lnRef idx="0">
-            <a:scrgbClr r="0" g="0" b="0"/>
-          </a:lnRef>
-          <a:fillRef idx="0">
-            <a:scrgbClr r="0" g="0" b="0"/>
-          </a:fillRef>
-          <a:effectRef idx="0">
-            <a:scrgbClr r="0" g="0" b="0"/>
-          </a:effectRef>
-          <a:fontRef idx="minor"/>
-        </p:style>
-        <p:txBody>
-          <a:bodyPr lIns="365760" tIns="45000" rIns="90000" bIns="45000" anchor="ctr"/>
-          <a:lstStyle/>
-          <a:p>
-            <a:pPr>
-              <a:lnSpc>
-                <a:spcPct val="100000"/>
-              </a:lnSpc>
-            </a:pPr>
-            <a:r>
-              <a:rPr lang="en-IN" sz="2600" b="0" strike="noStrike" spc="-1">
-                <a:solidFill>
-                  <a:srgbClr val="464547"/>
-                </a:solidFill>
-                <a:uFill>
-                  <a:solidFill>
-                    <a:srgbClr val="FFFFFF"/>
-                  </a:solidFill>
-                </a:uFill>
-                <a:latin typeface="Arial Black"/>
-              </a:rPr>
-              <a:t>Gradient Descent</a:t>
-            </a:r>
-            <a:endParaRPr lang="en-IN" sz="1800" b="0" strike="noStrike" spc="-1">
-              <a:solidFill>
-                <a:srgbClr val="000000"/>
-              </a:solidFill>
-              <a:uFill>
-                <a:solidFill>
-                  <a:srgbClr val="FFFFFF"/>
-                </a:solidFill>
-              </a:uFill>
-              <a:latin typeface="Arial"/>
-            </a:endParaRPr>
-          </a:p>
-        </p:txBody>
-      </p:sp>
-      <p:pic>
-        <p:nvPicPr>
-          <p:cNvPr id="2" name="Picture 1"/>
+          <p:cNvPr id="3" name="Picture 2"/>
           <p:cNvPicPr>
             <a:picLocks noChangeAspect="1"/>
           </p:cNvPicPr>
@@ -20405,8 +20268,8 @@
         </p:blipFill>
         <p:spPr>
           <a:xfrm>
-            <a:off x="4019550" y="2908789"/>
-            <a:ext cx="5124450" cy="3467100"/>
+            <a:off x="152316" y="3638549"/>
+            <a:ext cx="4491542" cy="2752725"/>
           </a:xfrm>
           <a:prstGeom prst="rect">
             <a:avLst/>
@@ -20415,19 +20278,21 @@
       </p:pic>
       <p:sp>
         <p:nvSpPr>
-          <p:cNvPr id="4" name="CustomShape 3"/>
+          <p:cNvPr id="382" name="CustomShape 1"/>
           <p:cNvSpPr/>
           <p:nvPr/>
         </p:nvSpPr>
         <p:spPr>
           <a:xfrm>
-            <a:off x="356580" y="837803"/>
-            <a:ext cx="8430120" cy="4571280"/>
-          </a:xfrm>
-          <a:prstGeom prst="rect">
-            <a:avLst/>
-          </a:prstGeom>
-          <a:noFill/>
+            <a:off x="0" y="0"/>
+            <a:ext cx="9143280" cy="932040"/>
+          </a:xfrm>
+          <a:prstGeom prst="rect">
+            <a:avLst/>
+          </a:prstGeom>
+          <a:solidFill>
+            <a:srgbClr val="FFFFFF"/>
+          </a:solidFill>
           <a:ln>
             <a:noFill/>
           </a:ln>
@@ -20445,6 +20310,74 @@
           <a:fontRef idx="minor"/>
         </p:style>
         <p:txBody>
+          <a:bodyPr lIns="365760" tIns="45000" rIns="90000" bIns="45000" anchor="ctr"/>
+          <a:lstStyle/>
+          <a:p>
+            <a:pPr>
+              <a:lnSpc>
+                <a:spcPct val="100000"/>
+              </a:lnSpc>
+            </a:pPr>
+            <a:r>
+              <a:rPr lang="en-IN" sz="2600" b="0" strike="noStrike" spc="-1">
+                <a:solidFill>
+                  <a:srgbClr val="464547"/>
+                </a:solidFill>
+                <a:uFill>
+                  <a:solidFill>
+                    <a:srgbClr val="FFFFFF"/>
+                  </a:solidFill>
+                </a:uFill>
+                <a:latin typeface="Arial Black"/>
+              </a:rPr>
+              <a:t>Linear Regression</a:t>
+            </a:r>
+            <a:endParaRPr lang="en-IN" sz="1800" b="0" strike="noStrike" spc="-1">
+              <a:solidFill>
+                <a:srgbClr val="000000"/>
+              </a:solidFill>
+              <a:uFill>
+                <a:solidFill>
+                  <a:srgbClr val="FFFFFF"/>
+                </a:solidFill>
+              </a:uFill>
+              <a:latin typeface="Arial"/>
+            </a:endParaRPr>
+          </a:p>
+        </p:txBody>
+      </p:sp>
+      <p:sp>
+        <p:nvSpPr>
+          <p:cNvPr id="4" name="CustomShape 3"/>
+          <p:cNvSpPr/>
+          <p:nvPr/>
+        </p:nvSpPr>
+        <p:spPr>
+          <a:xfrm>
+            <a:off x="356580" y="820218"/>
+            <a:ext cx="8430120" cy="4571280"/>
+          </a:xfrm>
+          <a:prstGeom prst="rect">
+            <a:avLst/>
+          </a:prstGeom>
+          <a:noFill/>
+          <a:ln>
+            <a:noFill/>
+          </a:ln>
+        </p:spPr>
+        <p:style>
+          <a:lnRef idx="0">
+            <a:scrgbClr r="0" g="0" b="0"/>
+          </a:lnRef>
+          <a:fillRef idx="0">
+            <a:scrgbClr r="0" g="0" b="0"/>
+          </a:fillRef>
+          <a:effectRef idx="0">
+            <a:scrgbClr r="0" g="0" b="0"/>
+          </a:effectRef>
+          <a:fontRef idx="minor"/>
+        </p:style>
+        <p:txBody>
           <a:bodyPr lIns="90000" tIns="45000" rIns="90000" bIns="45000"/>
           <a:lstStyle/>
           <a:p>
@@ -20459,18 +20392,18 @@
               <a:buChar char="•"/>
             </a:pPr>
             <a:r>
-              <a:rPr lang="en-IN" sz="1600" b="0" strike="noStrike" spc="-1" dirty="0" smtClean="0">
-                <a:solidFill>
-                  <a:srgbClr val="464547"/>
+              <a:rPr lang="en-IN" sz="1800" b="0" strike="noStrike" spc="-1" dirty="0" smtClean="0">
+                <a:solidFill>
+                  <a:srgbClr val="000000"/>
                 </a:solidFill>
                 <a:uFill>
                   <a:solidFill>
                     <a:srgbClr val="FFFFFF"/>
                   </a:solidFill>
                 </a:uFill>
-                <a:latin typeface="Trebuchet MS"/>
+                <a:latin typeface="Arial"/>
               </a:rPr>
-              <a:t>Let’s plot cost(C) vs parameters(P)</a:t>
+              <a:t>Lets take the simplest scenario</a:t>
             </a:r>
           </a:p>
           <a:p>
@@ -20484,16 +20417,16 @@
               <a:buFont typeface="Arial"/>
               <a:buChar char="•"/>
             </a:pPr>
-            <a:endParaRPr lang="en-IN" sz="1600" b="0" strike="noStrike" spc="-1" dirty="0" smtClean="0">
-              <a:solidFill>
-                <a:srgbClr val="464547"/>
-              </a:solidFill>
-              <a:uFill>
-                <a:solidFill>
-                  <a:srgbClr val="FFFFFF"/>
-                </a:solidFill>
-              </a:uFill>
-              <a:latin typeface="Trebuchet MS"/>
+            <a:endParaRPr lang="en-IN" spc="-1" dirty="0" smtClean="0">
+              <a:solidFill>
+                <a:srgbClr val="000000"/>
+              </a:solidFill>
+              <a:uFill>
+                <a:solidFill>
+                  <a:srgbClr val="FFFFFF"/>
+                </a:solidFill>
+              </a:uFill>
+              <a:latin typeface="Arial"/>
             </a:endParaRPr>
           </a:p>
           <a:p>
@@ -20508,239 +20441,19 @@
               <a:buChar char="•"/>
             </a:pPr>
             <a:r>
-              <a:rPr lang="en-IN" sz="1600" spc="-1" dirty="0" smtClean="0">
-                <a:solidFill>
-                  <a:srgbClr val="464547"/>
+              <a:rPr lang="en-IN" spc="-1" dirty="0" smtClean="0">
+                <a:solidFill>
+                  <a:srgbClr val="000000"/>
                 </a:solidFill>
                 <a:uFill>
                   <a:solidFill>
                     <a:srgbClr val="FFFFFF"/>
                   </a:solidFill>
                 </a:uFill>
-                <a:latin typeface="Trebuchet MS"/>
+                <a:latin typeface="Arial"/>
               </a:rPr>
-              <a:t>Change parameter values that minimize cost</a:t>
+              <a:t>Assumptions:</a:t>
             </a:r>
-          </a:p>
-          <a:p>
-            <a:pPr marL="285840" indent="-285120">
-              <a:lnSpc>
-                <a:spcPct val="100000"/>
-              </a:lnSpc>
-              <a:buClr>
-                <a:srgbClr val="39C2D7"/>
-              </a:buClr>
-              <a:buFont typeface="Arial"/>
-              <a:buChar char="•"/>
-            </a:pPr>
-            <a:endParaRPr lang="en-IN" sz="1600" spc="-1" dirty="0" smtClean="0">
-              <a:solidFill>
-                <a:srgbClr val="464547"/>
-              </a:solidFill>
-              <a:uFill>
-                <a:solidFill>
-                  <a:srgbClr val="FFFFFF"/>
-                </a:solidFill>
-              </a:uFill>
-              <a:latin typeface="Trebuchet MS"/>
-            </a:endParaRPr>
-          </a:p>
-          <a:p>
-            <a:pPr marL="285840" indent="-285120">
-              <a:lnSpc>
-                <a:spcPct val="100000"/>
-              </a:lnSpc>
-              <a:buClr>
-                <a:srgbClr val="39C2D7"/>
-              </a:buClr>
-              <a:buFont typeface="Arial"/>
-              <a:buChar char="•"/>
-            </a:pPr>
-            <a:r>
-              <a:rPr lang="en-IN" sz="1600" spc="-1" dirty="0" smtClean="0">
-                <a:solidFill>
-                  <a:srgbClr val="464547"/>
-                </a:solidFill>
-                <a:uFill>
-                  <a:solidFill>
-                    <a:srgbClr val="FFFFFF"/>
-                  </a:solidFill>
-                </a:uFill>
-                <a:latin typeface="Trebuchet MS"/>
-              </a:rPr>
-              <a:t>Simple setting </a:t>
-            </a:r>
-            <a:r>
-              <a:rPr lang="en-IN" sz="1600" spc="-1" dirty="0" smtClean="0">
-                <a:solidFill>
-                  <a:srgbClr val="464547"/>
-                </a:solidFill>
-                <a:uFill>
-                  <a:solidFill>
-                    <a:srgbClr val="FFFFFF"/>
-                  </a:solidFill>
-                </a:uFill>
-                <a:latin typeface="Trebuchet MS"/>
-                <a:sym typeface="Wingdings" panose="05000000000000000000" pitchFamily="2" charset="2"/>
-              </a:rPr>
-              <a:t> convex function</a:t>
-            </a:r>
-          </a:p>
-          <a:p>
-            <a:pPr marL="285840" indent="-285120">
-              <a:lnSpc>
-                <a:spcPct val="100000"/>
-              </a:lnSpc>
-              <a:buClr>
-                <a:srgbClr val="39C2D7"/>
-              </a:buClr>
-              <a:buFont typeface="Arial"/>
-              <a:buChar char="•"/>
-            </a:pPr>
-            <a:endParaRPr lang="en-IN" sz="1600" spc="-1" dirty="0" smtClean="0">
-              <a:solidFill>
-                <a:srgbClr val="464547"/>
-              </a:solidFill>
-              <a:uFill>
-                <a:solidFill>
-                  <a:srgbClr val="FFFFFF"/>
-                </a:solidFill>
-              </a:uFill>
-              <a:latin typeface="Trebuchet MS"/>
-              <a:sym typeface="Wingdings" panose="05000000000000000000" pitchFamily="2" charset="2"/>
-            </a:endParaRPr>
-          </a:p>
-          <a:p>
-            <a:pPr marL="285840" indent="-285120">
-              <a:lnSpc>
-                <a:spcPct val="100000"/>
-              </a:lnSpc>
-              <a:buClr>
-                <a:srgbClr val="39C2D7"/>
-              </a:buClr>
-              <a:buFont typeface="Arial"/>
-              <a:buChar char="•"/>
-            </a:pPr>
-            <a:r>
-              <a:rPr lang="en-IN" sz="1600" b="0" strike="noStrike" spc="-1" dirty="0" smtClean="0">
-                <a:solidFill>
-                  <a:srgbClr val="464547"/>
-                </a:solidFill>
-                <a:uFill>
-                  <a:solidFill>
-                    <a:srgbClr val="FFFFFF"/>
-                  </a:solidFill>
-                </a:uFill>
-                <a:latin typeface="Trebuchet MS"/>
-                <a:sym typeface="Wingdings" panose="05000000000000000000" pitchFamily="2" charset="2"/>
-              </a:rPr>
-              <a:t>Minimize convex function  gradient descent</a:t>
-            </a:r>
-          </a:p>
-          <a:p>
-            <a:pPr marL="285840" indent="-285120">
-              <a:lnSpc>
-                <a:spcPct val="100000"/>
-              </a:lnSpc>
-              <a:buClr>
-                <a:srgbClr val="39C2D7"/>
-              </a:buClr>
-              <a:buFont typeface="Arial"/>
-              <a:buChar char="•"/>
-            </a:pPr>
-            <a:endParaRPr lang="en-IN" sz="1600" spc="-1" dirty="0">
-              <a:solidFill>
-                <a:srgbClr val="464547"/>
-              </a:solidFill>
-              <a:uFill>
-                <a:solidFill>
-                  <a:srgbClr val="FFFFFF"/>
-                </a:solidFill>
-              </a:uFill>
-              <a:latin typeface="Trebuchet MS"/>
-              <a:sym typeface="Wingdings" panose="05000000000000000000" pitchFamily="2" charset="2"/>
-            </a:endParaRPr>
-          </a:p>
-          <a:p>
-            <a:pPr marL="285840" indent="-285120">
-              <a:buClr>
-                <a:srgbClr val="39C2D7"/>
-              </a:buClr>
-              <a:buFont typeface="Arial"/>
-              <a:buChar char="•"/>
-            </a:pPr>
-            <a:r>
-              <a:rPr lang="en-IN" sz="1600" b="0" strike="noStrike" spc="-1" dirty="0" smtClean="0">
-                <a:solidFill>
-                  <a:srgbClr val="464547"/>
-                </a:solidFill>
-                <a:uFill>
-                  <a:solidFill>
-                    <a:srgbClr val="FFFFFF"/>
-                  </a:solidFill>
-                </a:uFill>
-                <a:latin typeface="Trebuchet MS"/>
-                <a:sym typeface="Wingdings" panose="05000000000000000000" pitchFamily="2" charset="2"/>
-              </a:rPr>
-              <a:t>Update rule  </a:t>
-            </a:r>
-            <a:r>
-              <a:rPr lang="en-IN" sz="1600" spc="-1" dirty="0">
-                <a:solidFill>
-                  <a:srgbClr val="464547"/>
-                </a:solidFill>
-                <a:uFill>
-                  <a:solidFill>
-                    <a:srgbClr val="FFFFFF"/>
-                  </a:solidFill>
-                </a:uFill>
-                <a:latin typeface="Trebuchet MS"/>
-                <a:sym typeface="Wingdings" panose="05000000000000000000" pitchFamily="2" charset="2"/>
-              </a:rPr>
-              <a:t>p = p – k * </a:t>
-            </a:r>
-            <a:r>
-              <a:rPr lang="en-IN" sz="1600" spc="-1" dirty="0" smtClean="0">
-                <a:solidFill>
-                  <a:srgbClr val="464547"/>
-                </a:solidFill>
-                <a:uFill>
-                  <a:solidFill>
-                    <a:srgbClr val="FFFFFF"/>
-                  </a:solidFill>
-                </a:uFill>
-                <a:latin typeface="Trebuchet MS"/>
-                <a:sym typeface="Wingdings" panose="05000000000000000000" pitchFamily="2" charset="2"/>
-              </a:rPr>
-              <a:t>dc/</a:t>
-            </a:r>
-            <a:r>
-              <a:rPr lang="en-IN" sz="1600" spc="-1" dirty="0" err="1" smtClean="0">
-                <a:solidFill>
-                  <a:srgbClr val="464547"/>
-                </a:solidFill>
-                <a:uFill>
-                  <a:solidFill>
-                    <a:srgbClr val="FFFFFF"/>
-                  </a:solidFill>
-                </a:uFill>
-                <a:latin typeface="Trebuchet MS"/>
-                <a:sym typeface="Wingdings" panose="05000000000000000000" pitchFamily="2" charset="2"/>
-              </a:rPr>
-              <a:t>dp</a:t>
-            </a:r>
-            <a:endParaRPr lang="en-IN" sz="1600" b="0" strike="noStrike" spc="-1" dirty="0" smtClean="0">
-              <a:solidFill>
-                <a:srgbClr val="464547"/>
-              </a:solidFill>
-              <a:uFill>
-                <a:solidFill>
-                  <a:srgbClr val="FFFFFF"/>
-                </a:solidFill>
-              </a:uFill>
-              <a:latin typeface="Trebuchet MS"/>
-              <a:sym typeface="Wingdings" panose="05000000000000000000" pitchFamily="2" charset="2"/>
-            </a:endParaRPr>
           </a:p>
           <a:p>
             <a:pPr marL="720">
@@ -20751,143 +20464,227 @@
                 <a:srgbClr val="39C2D7"/>
               </a:buClr>
             </a:pPr>
-            <a:endParaRPr lang="en-IN" sz="1600" spc="-1" dirty="0">
-              <a:solidFill>
-                <a:srgbClr val="464547"/>
-              </a:solidFill>
-              <a:uFill>
-                <a:solidFill>
-                  <a:srgbClr val="FFFFFF"/>
-                </a:solidFill>
-              </a:uFill>
-              <a:latin typeface="Trebuchet MS"/>
-              <a:sym typeface="Wingdings" panose="05000000000000000000" pitchFamily="2" charset="2"/>
-            </a:endParaRPr>
-          </a:p>
-          <a:p>
-            <a:pPr marL="285840" indent="-285120">
+            <a:r>
+              <a:rPr lang="en-IN" spc="-1" dirty="0" smtClean="0">
+                <a:solidFill>
+                  <a:srgbClr val="000000"/>
+                </a:solidFill>
+                <a:uFill>
+                  <a:solidFill>
+                    <a:srgbClr val="FFFFFF"/>
+                  </a:solidFill>
+                </a:uFill>
+                <a:latin typeface="Arial"/>
+              </a:rPr>
+              <a:t>	Input: </a:t>
+            </a:r>
+          </a:p>
+          <a:p>
+            <a:pPr marL="720">
               <a:lnSpc>
                 <a:spcPct val="100000"/>
               </a:lnSpc>
               <a:buClr>
                 <a:srgbClr val="39C2D7"/>
               </a:buClr>
-              <a:buFont typeface="Arial"/>
-              <a:buChar char="•"/>
             </a:pPr>
             <a:r>
-              <a:rPr lang="en-IN" sz="1600" spc="-1" dirty="0" smtClean="0">
-                <a:solidFill>
-                  <a:srgbClr val="464547"/>
+              <a:rPr lang="en-IN" spc="-1" dirty="0">
+                <a:solidFill>
+                  <a:srgbClr val="000000"/>
                 </a:solidFill>
                 <a:uFill>
                   <a:solidFill>
                     <a:srgbClr val="FFFFFF"/>
                   </a:solidFill>
                 </a:uFill>
-                <a:latin typeface="Trebuchet MS"/>
-                <a:sym typeface="Wingdings" panose="05000000000000000000" pitchFamily="2" charset="2"/>
+                <a:latin typeface="Arial"/>
               </a:rPr>
-              <a:t>P converges to optimal value </a:t>
+              <a:t>	</a:t>
             </a:r>
-            <a:endParaRPr lang="en-IN" sz="1600" spc="-1" dirty="0">
-              <a:solidFill>
-                <a:srgbClr val="464547"/>
-              </a:solidFill>
-              <a:uFill>
-                <a:solidFill>
-                  <a:srgbClr val="FFFFFF"/>
-                </a:solidFill>
-              </a:uFill>
-              <a:latin typeface="Trebuchet MS"/>
-              <a:sym typeface="Wingdings" panose="05000000000000000000" pitchFamily="2" charset="2"/>
-            </a:endParaRPr>
-          </a:p>
-          <a:p>
-            <a:pPr marL="285840" indent="-285120">
+            <a:r>
+              <a:rPr lang="en-IN" spc="-1" dirty="0" smtClean="0">
+                <a:solidFill>
+                  <a:srgbClr val="000000"/>
+                </a:solidFill>
+                <a:uFill>
+                  <a:solidFill>
+                    <a:srgbClr val="FFFFFF"/>
+                  </a:solidFill>
+                </a:uFill>
+                <a:latin typeface="Arial"/>
+              </a:rPr>
+              <a:t>	sq. feet of home</a:t>
+            </a:r>
+          </a:p>
+          <a:p>
+            <a:pPr marL="720">
               <a:lnSpc>
                 <a:spcPct val="100000"/>
               </a:lnSpc>
               <a:buClr>
                 <a:srgbClr val="39C2D7"/>
               </a:buClr>
-              <a:buFont typeface="Arial"/>
-              <a:buChar char="•"/>
             </a:pPr>
-            <a:endParaRPr lang="en-IN" sz="1800" b="0" strike="noStrike" spc="-1" dirty="0">
-              <a:solidFill>
-                <a:srgbClr val="000000"/>
-              </a:solidFill>
-              <a:uFill>
-                <a:solidFill>
-                  <a:srgbClr val="FFFFFF"/>
-                </a:solidFill>
-              </a:uFill>
-              <a:latin typeface="Arial"/>
-            </a:endParaRPr>
-          </a:p>
-        </p:txBody>
-      </p:sp>
-      <p:sp>
-        <p:nvSpPr>
-          <p:cNvPr id="3" name="TextBox 2"/>
-          <p:cNvSpPr txBox="1"/>
+            <a:r>
+              <a:rPr lang="en-IN" sz="1800" b="0" strike="noStrike" spc="-1" dirty="0" smtClean="0">
+                <a:solidFill>
+                  <a:srgbClr val="000000"/>
+                </a:solidFill>
+                <a:uFill>
+                  <a:solidFill>
+                    <a:srgbClr val="FFFFFF"/>
+                  </a:solidFill>
+                </a:uFill>
+                <a:latin typeface="Arial"/>
+              </a:rPr>
+              <a:t>	Output: </a:t>
+            </a:r>
+          </a:p>
+          <a:p>
+            <a:pPr marL="720">
+              <a:lnSpc>
+                <a:spcPct val="100000"/>
+              </a:lnSpc>
+              <a:buClr>
+                <a:srgbClr val="39C2D7"/>
+              </a:buClr>
+            </a:pPr>
+            <a:r>
+              <a:rPr lang="en-IN" spc="-1" dirty="0">
+                <a:solidFill>
+                  <a:srgbClr val="000000"/>
+                </a:solidFill>
+                <a:uFill>
+                  <a:solidFill>
+                    <a:srgbClr val="FFFFFF"/>
+                  </a:solidFill>
+                </a:uFill>
+                <a:latin typeface="Arial"/>
+              </a:rPr>
+              <a:t>	</a:t>
+            </a:r>
+            <a:r>
+              <a:rPr lang="en-IN" spc="-1" dirty="0" smtClean="0">
+                <a:solidFill>
+                  <a:srgbClr val="000000"/>
+                </a:solidFill>
+                <a:uFill>
+                  <a:solidFill>
+                    <a:srgbClr val="FFFFFF"/>
+                  </a:solidFill>
+                </a:uFill>
+                <a:latin typeface="Arial"/>
+              </a:rPr>
+              <a:t>	</a:t>
+            </a:r>
+            <a:r>
+              <a:rPr lang="en-IN" sz="1800" b="0" strike="noStrike" spc="-1" dirty="0" smtClean="0">
+                <a:solidFill>
+                  <a:srgbClr val="000000"/>
+                </a:solidFill>
+                <a:uFill>
+                  <a:solidFill>
+                    <a:srgbClr val="FFFFFF"/>
+                  </a:solidFill>
+                </a:uFill>
+                <a:latin typeface="Arial"/>
+              </a:rPr>
+              <a:t>expected price</a:t>
+            </a:r>
+          </a:p>
+          <a:p>
+            <a:pPr marL="720">
+              <a:lnSpc>
+                <a:spcPct val="100000"/>
+              </a:lnSpc>
+              <a:buClr>
+                <a:srgbClr val="39C2D7"/>
+              </a:buClr>
+            </a:pPr>
+            <a:endParaRPr lang="en-IN" sz="1800" b="0" strike="noStrike" spc="-1" dirty="0" smtClean="0">
+              <a:solidFill>
+                <a:srgbClr val="000000"/>
+              </a:solidFill>
+              <a:uFill>
+                <a:solidFill>
+                  <a:srgbClr val="FFFFFF"/>
+                </a:solidFill>
+              </a:uFill>
+              <a:latin typeface="Arial"/>
+            </a:endParaRPr>
+          </a:p>
+          <a:p>
+            <a:pPr marL="915120" lvl="2">
+              <a:buClr>
+                <a:srgbClr val="39C2D7"/>
+              </a:buClr>
+            </a:pPr>
+            <a:r>
+              <a:rPr lang="en-IN" spc="-1" dirty="0" smtClean="0">
+                <a:solidFill>
+                  <a:srgbClr val="000000"/>
+                </a:solidFill>
+                <a:uFill>
+                  <a:solidFill>
+                    <a:srgbClr val="FFFFFF"/>
+                  </a:solidFill>
+                </a:uFill>
+                <a:latin typeface="Arial"/>
+              </a:rPr>
+              <a:t>Existing data shows some linear relationship</a:t>
+            </a:r>
+          </a:p>
+          <a:p>
+            <a:pPr marL="915120" lvl="2">
+              <a:buClr>
+                <a:srgbClr val="39C2D7"/>
+              </a:buClr>
+            </a:pPr>
+            <a:endParaRPr lang="en-IN" spc="-1" dirty="0">
+              <a:solidFill>
+                <a:srgbClr val="000000"/>
+              </a:solidFill>
+              <a:uFill>
+                <a:solidFill>
+                  <a:srgbClr val="FFFFFF"/>
+                </a:solidFill>
+              </a:uFill>
+              <a:latin typeface="Arial"/>
+            </a:endParaRPr>
+          </a:p>
+        </p:txBody>
+      </p:sp>
+      <p:pic>
+        <p:nvPicPr>
+          <p:cNvPr id="5" name="Picture 4"/>
+          <p:cNvPicPr>
+            <a:picLocks noChangeAspect="1"/>
+          </p:cNvPicPr>
           <p:nvPr/>
-        </p:nvSpPr>
-        <p:spPr>
-          <a:xfrm>
-            <a:off x="6418386" y="2724123"/>
-            <a:ext cx="395652" cy="369332"/>
-          </a:xfrm>
-          <a:prstGeom prst="rect">
-            <a:avLst/>
-          </a:prstGeom>
-          <a:noFill/>
-        </p:spPr>
-        <p:txBody>
-          <a:bodyPr wrap="square" rtlCol="0">
-            <a:spAutoFit/>
-          </a:bodyPr>
-          <a:lstStyle/>
-          <a:p>
-            <a:r>
-              <a:rPr lang="en-US" dirty="0" smtClean="0"/>
-              <a:t>C</a:t>
-            </a:r>
-            <a:endParaRPr lang="en-US" dirty="0"/>
-          </a:p>
-        </p:txBody>
-      </p:sp>
-      <p:sp>
-        <p:nvSpPr>
-          <p:cNvPr id="6" name="TextBox 5"/>
-          <p:cNvSpPr txBox="1"/>
-          <p:nvPr/>
-        </p:nvSpPr>
-        <p:spPr>
-          <a:xfrm>
-            <a:off x="8663355" y="4520684"/>
-            <a:ext cx="395652" cy="369332"/>
-          </a:xfrm>
-          <a:prstGeom prst="rect">
-            <a:avLst/>
-          </a:prstGeom>
-          <a:noFill/>
-        </p:spPr>
-        <p:txBody>
-          <a:bodyPr wrap="square" rtlCol="0">
-            <a:spAutoFit/>
-          </a:bodyPr>
-          <a:lstStyle/>
-          <a:p>
-            <a:r>
-              <a:rPr lang="en-US" dirty="0" smtClean="0"/>
-              <a:t>P</a:t>
-            </a:r>
-            <a:endParaRPr lang="en-US" dirty="0"/>
-          </a:p>
-        </p:txBody>
-      </p:sp>
+        </p:nvPicPr>
+        <p:blipFill>
+          <a:blip r:embed="rId4">
+            <a:extLst>
+              <a:ext uri="{28A0092B-C50C-407E-A947-70E740481C1C}">
+                <a14:useLocalDpi xmlns:a14="http://schemas.microsoft.com/office/drawing/2010/main" val="0"/>
+              </a:ext>
+            </a:extLst>
+          </a:blip>
+          <a:stretch>
+            <a:fillRect/>
+          </a:stretch>
+        </p:blipFill>
+        <p:spPr>
+          <a:xfrm>
+            <a:off x="4543426" y="3724274"/>
+            <a:ext cx="4581936" cy="2487441"/>
+          </a:xfrm>
+          <a:prstGeom prst="rect">
+            <a:avLst/>
+          </a:prstGeom>
+        </p:spPr>
+      </p:pic>
     </p:spTree>
   </p:cSld>
   <p:clrMapOvr>
@@ -20923,6 +20720,361 @@
 </p:sld>
 </file>
 
+<file path=ppt/slides/slide11.xml><?xml version="1.0" encoding="utf-8"?>
+<p:sld xmlns:a="http://schemas.openxmlformats.org/drawingml/2006/main" xmlns:r="http://schemas.openxmlformats.org/officeDocument/2006/relationships" xmlns:p="http://schemas.openxmlformats.org/presentationml/2006/main">
+  <p:cSld>
+    <p:spTree>
+      <p:nvGrpSpPr>
+        <p:cNvPr id="1" name=""/>
+        <p:cNvGrpSpPr/>
+        <p:nvPr/>
+      </p:nvGrpSpPr>
+      <p:grpSpPr>
+        <a:xfrm>
+          <a:off x="0" y="0"/>
+          <a:ext cx="0" cy="0"/>
+          <a:chOff x="0" y="0"/>
+          <a:chExt cx="0" cy="0"/>
+        </a:xfrm>
+      </p:grpSpPr>
+      <p:sp>
+        <p:nvSpPr>
+          <p:cNvPr id="4" name="CustomShape 3"/>
+          <p:cNvSpPr/>
+          <p:nvPr/>
+        </p:nvSpPr>
+        <p:spPr>
+          <a:xfrm>
+            <a:off x="356580" y="837803"/>
+            <a:ext cx="8430120" cy="4571280"/>
+          </a:xfrm>
+          <a:prstGeom prst="rect">
+            <a:avLst/>
+          </a:prstGeom>
+          <a:noFill/>
+          <a:ln>
+            <a:noFill/>
+          </a:ln>
+        </p:spPr>
+        <p:style>
+          <a:lnRef idx="0">
+            <a:scrgbClr r="0" g="0" b="0"/>
+          </a:lnRef>
+          <a:fillRef idx="0">
+            <a:scrgbClr r="0" g="0" b="0"/>
+          </a:fillRef>
+          <a:effectRef idx="0">
+            <a:scrgbClr r="0" g="0" b="0"/>
+          </a:effectRef>
+          <a:fontRef idx="minor"/>
+        </p:style>
+        <p:txBody>
+          <a:bodyPr lIns="90000" tIns="45000" rIns="90000" bIns="45000"/>
+          <a:lstStyle/>
+          <a:p>
+            <a:pPr marL="285840" indent="-285120">
+              <a:lnSpc>
+                <a:spcPct val="100000"/>
+              </a:lnSpc>
+              <a:buClr>
+                <a:srgbClr val="39C2D7"/>
+              </a:buClr>
+              <a:buFont typeface="Arial"/>
+              <a:buChar char="•"/>
+            </a:pPr>
+            <a:r>
+              <a:rPr lang="en-IN" sz="1600" b="0" strike="noStrike" spc="-1" dirty="0" smtClean="0">
+                <a:solidFill>
+                  <a:srgbClr val="464547"/>
+                </a:solidFill>
+                <a:uFill>
+                  <a:solidFill>
+                    <a:srgbClr val="FFFFFF"/>
+                  </a:solidFill>
+                </a:uFill>
+                <a:latin typeface="Trebuchet MS"/>
+              </a:rPr>
+              <a:t>Define an error function </a:t>
+            </a:r>
+          </a:p>
+          <a:p>
+            <a:pPr marL="285840" indent="-285120">
+              <a:lnSpc>
+                <a:spcPct val="100000"/>
+              </a:lnSpc>
+              <a:buClr>
+                <a:srgbClr val="39C2D7"/>
+              </a:buClr>
+              <a:buFont typeface="Arial"/>
+              <a:buChar char="•"/>
+            </a:pPr>
+            <a:endParaRPr lang="en-IN" sz="1600" spc="-1" dirty="0">
+              <a:solidFill>
+                <a:srgbClr val="464547"/>
+              </a:solidFill>
+              <a:uFill>
+                <a:solidFill>
+                  <a:srgbClr val="FFFFFF"/>
+                </a:solidFill>
+              </a:uFill>
+              <a:latin typeface="Trebuchet MS"/>
+            </a:endParaRPr>
+          </a:p>
+          <a:p>
+            <a:pPr marL="285840" indent="-285120">
+              <a:lnSpc>
+                <a:spcPct val="100000"/>
+              </a:lnSpc>
+              <a:buClr>
+                <a:srgbClr val="39C2D7"/>
+              </a:buClr>
+              <a:buFont typeface="Arial"/>
+              <a:buChar char="•"/>
+            </a:pPr>
+            <a:endParaRPr lang="en-IN" sz="1600" b="0" strike="noStrike" spc="-1" dirty="0" smtClean="0">
+              <a:solidFill>
+                <a:srgbClr val="464547"/>
+              </a:solidFill>
+              <a:uFill>
+                <a:solidFill>
+                  <a:srgbClr val="FFFFFF"/>
+                </a:solidFill>
+              </a:uFill>
+              <a:latin typeface="Trebuchet MS"/>
+            </a:endParaRPr>
+          </a:p>
+          <a:p>
+            <a:pPr marL="285840" indent="-285120">
+              <a:lnSpc>
+                <a:spcPct val="100000"/>
+              </a:lnSpc>
+              <a:buClr>
+                <a:srgbClr val="39C2D7"/>
+              </a:buClr>
+              <a:buFont typeface="Arial"/>
+              <a:buChar char="•"/>
+            </a:pPr>
+            <a:endParaRPr lang="en-IN" sz="1600" spc="-1" dirty="0">
+              <a:solidFill>
+                <a:srgbClr val="464547"/>
+              </a:solidFill>
+              <a:uFill>
+                <a:solidFill>
+                  <a:srgbClr val="FFFFFF"/>
+                </a:solidFill>
+              </a:uFill>
+              <a:latin typeface="Trebuchet MS"/>
+            </a:endParaRPr>
+          </a:p>
+          <a:p>
+            <a:pPr marL="285840" indent="-285120">
+              <a:lnSpc>
+                <a:spcPct val="100000"/>
+              </a:lnSpc>
+              <a:buClr>
+                <a:srgbClr val="39C2D7"/>
+              </a:buClr>
+              <a:buFont typeface="Arial"/>
+              <a:buChar char="•"/>
+            </a:pPr>
+            <a:endParaRPr lang="en-IN" sz="1600" b="0" strike="noStrike" spc="-1" dirty="0" smtClean="0">
+              <a:solidFill>
+                <a:srgbClr val="464547"/>
+              </a:solidFill>
+              <a:uFill>
+                <a:solidFill>
+                  <a:srgbClr val="FFFFFF"/>
+                </a:solidFill>
+              </a:uFill>
+              <a:latin typeface="Trebuchet MS"/>
+            </a:endParaRPr>
+          </a:p>
+          <a:p>
+            <a:pPr marL="285840" indent="-285120">
+              <a:lnSpc>
+                <a:spcPct val="100000"/>
+              </a:lnSpc>
+              <a:buClr>
+                <a:srgbClr val="39C2D7"/>
+              </a:buClr>
+              <a:buFont typeface="Arial"/>
+              <a:buChar char="•"/>
+            </a:pPr>
+            <a:endParaRPr lang="en-IN" sz="1600" spc="-1" dirty="0">
+              <a:solidFill>
+                <a:srgbClr val="464547"/>
+              </a:solidFill>
+              <a:uFill>
+                <a:solidFill>
+                  <a:srgbClr val="FFFFFF"/>
+                </a:solidFill>
+              </a:uFill>
+              <a:latin typeface="Trebuchet MS"/>
+            </a:endParaRPr>
+          </a:p>
+          <a:p>
+            <a:pPr marL="285840" indent="-285120">
+              <a:lnSpc>
+                <a:spcPct val="100000"/>
+              </a:lnSpc>
+              <a:buClr>
+                <a:srgbClr val="39C2D7"/>
+              </a:buClr>
+              <a:buFont typeface="Arial"/>
+              <a:buChar char="•"/>
+            </a:pPr>
+            <a:endParaRPr lang="en-IN" sz="1600" b="0" strike="noStrike" spc="-1" dirty="0" smtClean="0">
+              <a:solidFill>
+                <a:srgbClr val="464547"/>
+              </a:solidFill>
+              <a:uFill>
+                <a:solidFill>
+                  <a:srgbClr val="FFFFFF"/>
+                </a:solidFill>
+              </a:uFill>
+              <a:latin typeface="Trebuchet MS"/>
+            </a:endParaRPr>
+          </a:p>
+          <a:p>
+            <a:pPr marL="285840" indent="-285120">
+              <a:lnSpc>
+                <a:spcPct val="100000"/>
+              </a:lnSpc>
+              <a:buClr>
+                <a:srgbClr val="39C2D7"/>
+              </a:buClr>
+              <a:buFont typeface="Arial"/>
+              <a:buChar char="•"/>
+            </a:pPr>
+            <a:r>
+              <a:rPr lang="en-IN" sz="1600" spc="-1" dirty="0" smtClean="0">
+                <a:solidFill>
+                  <a:srgbClr val="464547"/>
+                </a:solidFill>
+                <a:uFill>
+                  <a:solidFill>
+                    <a:srgbClr val="FFFFFF"/>
+                  </a:solidFill>
+                </a:uFill>
+                <a:latin typeface="Trebuchet MS"/>
+              </a:rPr>
+              <a:t>Minimize the error function</a:t>
+            </a:r>
+            <a:endParaRPr lang="en-IN" sz="1600" b="0" strike="noStrike" spc="-1" dirty="0" smtClean="0">
+              <a:solidFill>
+                <a:srgbClr val="464547"/>
+              </a:solidFill>
+              <a:uFill>
+                <a:solidFill>
+                  <a:srgbClr val="FFFFFF"/>
+                </a:solidFill>
+              </a:uFill>
+              <a:latin typeface="Trebuchet MS"/>
+            </a:endParaRPr>
+          </a:p>
+          <a:p>
+            <a:pPr marL="720">
+              <a:lnSpc>
+                <a:spcPct val="100000"/>
+              </a:lnSpc>
+              <a:buClr>
+                <a:srgbClr val="39C2D7"/>
+              </a:buClr>
+            </a:pPr>
+            <a:endParaRPr lang="en-IN" sz="1800" b="0" strike="noStrike" spc="-1" dirty="0">
+              <a:solidFill>
+                <a:srgbClr val="000000"/>
+              </a:solidFill>
+              <a:uFill>
+                <a:solidFill>
+                  <a:srgbClr val="FFFFFF"/>
+                </a:solidFill>
+              </a:uFill>
+              <a:latin typeface="Arial"/>
+            </a:endParaRPr>
+          </a:p>
+        </p:txBody>
+      </p:sp>
+      <p:pic>
+        <p:nvPicPr>
+          <p:cNvPr id="5" name="Picture 4"/>
+          <p:cNvPicPr>
+            <a:picLocks noChangeAspect="1"/>
+          </p:cNvPicPr>
+          <p:nvPr/>
+        </p:nvPicPr>
+        <p:blipFill>
+          <a:blip r:embed="rId2">
+            <a:extLst>
+              <a:ext uri="{28A0092B-C50C-407E-A947-70E740481C1C}">
+                <a14:useLocalDpi xmlns:a14="http://schemas.microsoft.com/office/drawing/2010/main" val="0"/>
+              </a:ext>
+            </a:extLst>
+          </a:blip>
+          <a:stretch>
+            <a:fillRect/>
+          </a:stretch>
+        </p:blipFill>
+        <p:spPr>
+          <a:xfrm>
+            <a:off x="2062162" y="1233487"/>
+            <a:ext cx="3914775" cy="1171575"/>
+          </a:xfrm>
+          <a:prstGeom prst="rect">
+            <a:avLst/>
+          </a:prstGeom>
+        </p:spPr>
+      </p:pic>
+      <p:pic>
+        <p:nvPicPr>
+          <p:cNvPr id="6" name="Picture 5" descr="&lt;strong&gt;Question&lt;/strong&gt; Mark Free Stock Photo - Public Domain Pictures"/>
+          <p:cNvPicPr>
+            <a:picLocks noChangeAspect="1"/>
+          </p:cNvPicPr>
+          <p:nvPr/>
+        </p:nvPicPr>
+        <p:blipFill>
+          <a:blip r:embed="rId3" cstate="print">
+            <a:extLst>
+              <a:ext uri="{28A0092B-C50C-407E-A947-70E740481C1C}">
+                <a14:useLocalDpi xmlns:a14="http://schemas.microsoft.com/office/drawing/2010/main" val="0"/>
+              </a:ext>
+            </a:extLst>
+          </a:blip>
+          <a:stretch>
+            <a:fillRect/>
+          </a:stretch>
+        </p:blipFill>
+        <p:spPr>
+          <a:xfrm>
+            <a:off x="3253085" y="3228975"/>
+            <a:ext cx="1314152" cy="985080"/>
+          </a:xfrm>
+          <a:prstGeom prst="rect">
+            <a:avLst/>
+          </a:prstGeom>
+        </p:spPr>
+      </p:pic>
+    </p:spTree>
+    <p:extLst>
+      <p:ext uri="{BB962C8B-B14F-4D97-AF65-F5344CB8AC3E}">
+        <p14:creationId xmlns:p14="http://schemas.microsoft.com/office/powerpoint/2010/main" val="1760043567"/>
+      </p:ext>
+    </p:extLst>
+  </p:cSld>
+  <p:clrMapOvr>
+    <a:masterClrMapping/>
+  </p:clrMapOvr>
+  <p:timing>
+    <p:tnLst>
+      <p:par>
+        <p:cTn id="1" dur="indefinite" restart="never" nodeType="tmRoot"/>
+      </p:par>
+    </p:tnLst>
+  </p:timing>
+</p:sld>
+</file>
+
 <file path=ppt/slides/slide12.xml><?xml version="1.0" encoding="utf-8"?>
 <p:sld xmlns:a="http://schemas.openxmlformats.org/drawingml/2006/main" xmlns:r="http://schemas.openxmlformats.org/officeDocument/2006/relationships" xmlns:p="http://schemas.openxmlformats.org/presentationml/2006/main">
   <p:cSld>
@@ -20942,19 +21094,21 @@
       </p:grpSpPr>
       <p:sp>
         <p:nvSpPr>
-          <p:cNvPr id="384" name="CustomShape 1"/>
+          <p:cNvPr id="383" name="CustomShape 1"/>
           <p:cNvSpPr/>
           <p:nvPr/>
         </p:nvSpPr>
         <p:spPr>
           <a:xfrm>
-            <a:off x="3133440" y="2810880"/>
-            <a:ext cx="1964160" cy="617400"/>
-          </a:xfrm>
-          <a:prstGeom prst="rect">
-            <a:avLst/>
-          </a:prstGeom>
-          <a:noFill/>
+            <a:off x="0" y="0"/>
+            <a:ext cx="9143280" cy="932040"/>
+          </a:xfrm>
+          <a:prstGeom prst="rect">
+            <a:avLst/>
+          </a:prstGeom>
+          <a:solidFill>
+            <a:srgbClr val="FFFFFF"/>
+          </a:solidFill>
           <a:ln>
             <a:noFill/>
           </a:ln>
@@ -20972,18 +21126,18 @@
           <a:fontRef idx="minor"/>
         </p:style>
         <p:txBody>
-          <a:bodyPr lIns="90000" tIns="45000" rIns="90000" bIns="45000"/>
+          <a:bodyPr lIns="365760" tIns="45000" rIns="90000" bIns="45000" anchor="ctr"/>
           <a:lstStyle/>
           <a:p>
             <a:pPr>
               <a:lnSpc>
-                <a:spcPct val="80000"/>
+                <a:spcPct val="100000"/>
               </a:lnSpc>
             </a:pPr>
             <a:r>
-              <a:rPr lang="en-IN" sz="4100" b="0" strike="noStrike" spc="-197" dirty="0">
-                <a:solidFill>
-                  <a:srgbClr val="FFFFFF"/>
+              <a:rPr lang="en-IN" sz="2600" b="0" strike="noStrike" spc="-1">
+                <a:solidFill>
+                  <a:srgbClr val="464547"/>
                 </a:solidFill>
                 <a:uFill>
                   <a:solidFill>
@@ -20992,64 +21146,424 @@
                 </a:uFill>
                 <a:latin typeface="Arial Black"/>
               </a:rPr>
-              <a:t>Demo</a:t>
+              <a:t>Gradient Descent</a:t>
             </a:r>
-            <a:endParaRPr lang="en-IN" sz="1800" b="0" strike="noStrike" spc="-1" dirty="0">
-              <a:solidFill>
-                <a:srgbClr val="000000"/>
-              </a:solidFill>
-              <a:uFill>
-                <a:solidFill>
-                  <a:srgbClr val="FFFFFF"/>
-                </a:solidFill>
-              </a:uFill>
-              <a:latin typeface="Arial"/>
-            </a:endParaRPr>
-          </a:p>
-        </p:txBody>
-      </p:sp>
-      <p:sp>
-        <p:nvSpPr>
-          <p:cNvPr id="385" name="CustomShape 2"/>
+            <a:endParaRPr lang="en-IN" sz="1800" b="0" strike="noStrike" spc="-1">
+              <a:solidFill>
+                <a:srgbClr val="000000"/>
+              </a:solidFill>
+              <a:uFill>
+                <a:solidFill>
+                  <a:srgbClr val="FFFFFF"/>
+                </a:solidFill>
+              </a:uFill>
+              <a:latin typeface="Arial"/>
+            </a:endParaRPr>
+          </a:p>
+        </p:txBody>
+      </p:sp>
+      <p:pic>
+        <p:nvPicPr>
+          <p:cNvPr id="2" name="Picture 1"/>
+          <p:cNvPicPr>
+            <a:picLocks noChangeAspect="1"/>
+          </p:cNvPicPr>
+          <p:nvPr/>
+        </p:nvPicPr>
+        <p:blipFill>
+          <a:blip r:embed="rId3">
+            <a:extLst>
+              <a:ext uri="{28A0092B-C50C-407E-A947-70E740481C1C}">
+                <a14:useLocalDpi xmlns:a14="http://schemas.microsoft.com/office/drawing/2010/main" val="0"/>
+              </a:ext>
+            </a:extLst>
+          </a:blip>
+          <a:stretch>
+            <a:fillRect/>
+          </a:stretch>
+        </p:blipFill>
+        <p:spPr>
+          <a:xfrm>
+            <a:off x="1236179" y="2486759"/>
+            <a:ext cx="5124450" cy="3467100"/>
+          </a:xfrm>
+          <a:prstGeom prst="rect">
+            <a:avLst/>
+          </a:prstGeom>
+        </p:spPr>
+      </p:pic>
+      <p:sp>
+        <p:nvSpPr>
+          <p:cNvPr id="4" name="CustomShape 3"/>
           <p:cNvSpPr/>
           <p:nvPr/>
         </p:nvSpPr>
         <p:spPr>
           <a:xfrm>
-            <a:off x="3440160" y="2756520"/>
-            <a:ext cx="1691640" cy="726120"/>
+            <a:off x="356580" y="837803"/>
+            <a:ext cx="8430120" cy="4571280"/>
+          </a:xfrm>
+          <a:prstGeom prst="rect">
+            <a:avLst/>
+          </a:prstGeom>
+          <a:noFill/>
+          <a:ln>
+            <a:noFill/>
+          </a:ln>
+        </p:spPr>
+        <p:style>
+          <a:lnRef idx="0">
+            <a:scrgbClr r="0" g="0" b="0"/>
+          </a:lnRef>
+          <a:fillRef idx="0">
+            <a:scrgbClr r="0" g="0" b="0"/>
+          </a:fillRef>
+          <a:effectRef idx="0">
+            <a:scrgbClr r="0" g="0" b="0"/>
+          </a:effectRef>
+          <a:fontRef idx="minor"/>
+        </p:style>
+        <p:txBody>
+          <a:bodyPr lIns="90000" tIns="45000" rIns="90000" bIns="45000"/>
+          <a:lstStyle/>
+          <a:p>
+            <a:pPr marL="285840" indent="-285120">
+              <a:lnSpc>
+                <a:spcPct val="100000"/>
+              </a:lnSpc>
+              <a:buClr>
+                <a:srgbClr val="39C2D7"/>
+              </a:buClr>
+              <a:buFont typeface="Arial"/>
+              <a:buChar char="•"/>
+            </a:pPr>
+            <a:r>
+              <a:rPr lang="en-IN" sz="1600" b="0" strike="noStrike" spc="-1" dirty="0" smtClean="0">
+                <a:solidFill>
+                  <a:srgbClr val="464547"/>
+                </a:solidFill>
+                <a:uFill>
+                  <a:solidFill>
+                    <a:srgbClr val="FFFFFF"/>
+                  </a:solidFill>
+                </a:uFill>
+                <a:latin typeface="Trebuchet MS"/>
+              </a:rPr>
+              <a:t>Let’s plot cost(C) vs parameters(P)</a:t>
+            </a:r>
+          </a:p>
+          <a:p>
+            <a:pPr marL="285840" indent="-285120">
+              <a:lnSpc>
+                <a:spcPct val="100000"/>
+              </a:lnSpc>
+              <a:buClr>
+                <a:srgbClr val="39C2D7"/>
+              </a:buClr>
+              <a:buFont typeface="Arial"/>
+              <a:buChar char="•"/>
+            </a:pPr>
+            <a:endParaRPr lang="en-IN" sz="1600" b="0" strike="noStrike" spc="-1" dirty="0" smtClean="0">
+              <a:solidFill>
+                <a:srgbClr val="464547"/>
+              </a:solidFill>
+              <a:uFill>
+                <a:solidFill>
+                  <a:srgbClr val="FFFFFF"/>
+                </a:solidFill>
+              </a:uFill>
+              <a:latin typeface="Trebuchet MS"/>
+            </a:endParaRPr>
+          </a:p>
+          <a:p>
+            <a:pPr marL="285840" indent="-285120">
+              <a:lnSpc>
+                <a:spcPct val="100000"/>
+              </a:lnSpc>
+              <a:buClr>
+                <a:srgbClr val="39C2D7"/>
+              </a:buClr>
+              <a:buFont typeface="Arial"/>
+              <a:buChar char="•"/>
+            </a:pPr>
+            <a:r>
+              <a:rPr lang="en-IN" sz="1600" spc="-1" dirty="0" smtClean="0">
+                <a:solidFill>
+                  <a:srgbClr val="464547"/>
+                </a:solidFill>
+                <a:uFill>
+                  <a:solidFill>
+                    <a:srgbClr val="FFFFFF"/>
+                  </a:solidFill>
+                </a:uFill>
+                <a:latin typeface="Trebuchet MS"/>
+              </a:rPr>
+              <a:t>Change parameter values that minimize cost</a:t>
+            </a:r>
+          </a:p>
+          <a:p>
+            <a:pPr marL="285840" indent="-285120">
+              <a:lnSpc>
+                <a:spcPct val="100000"/>
+              </a:lnSpc>
+              <a:buClr>
+                <a:srgbClr val="39C2D7"/>
+              </a:buClr>
+              <a:buFont typeface="Arial"/>
+              <a:buChar char="•"/>
+            </a:pPr>
+            <a:endParaRPr lang="en-IN" sz="1600" spc="-1" dirty="0" smtClean="0">
+              <a:solidFill>
+                <a:srgbClr val="464547"/>
+              </a:solidFill>
+              <a:uFill>
+                <a:solidFill>
+                  <a:srgbClr val="FFFFFF"/>
+                </a:solidFill>
+              </a:uFill>
+              <a:latin typeface="Trebuchet MS"/>
+            </a:endParaRPr>
+          </a:p>
+          <a:p>
+            <a:pPr marL="285840" indent="-285120">
+              <a:lnSpc>
+                <a:spcPct val="100000"/>
+              </a:lnSpc>
+              <a:buClr>
+                <a:srgbClr val="39C2D7"/>
+              </a:buClr>
+              <a:buFont typeface="Arial"/>
+              <a:buChar char="•"/>
+            </a:pPr>
+            <a:r>
+              <a:rPr lang="en-IN" sz="1600" spc="-1" dirty="0" smtClean="0">
+                <a:solidFill>
+                  <a:srgbClr val="464547"/>
+                </a:solidFill>
+                <a:uFill>
+                  <a:solidFill>
+                    <a:srgbClr val="FFFFFF"/>
+                  </a:solidFill>
+                </a:uFill>
+                <a:latin typeface="Trebuchet MS"/>
+              </a:rPr>
+              <a:t>Simple setting </a:t>
+            </a:r>
+            <a:r>
+              <a:rPr lang="en-IN" sz="1600" spc="-1" dirty="0" smtClean="0">
+                <a:solidFill>
+                  <a:srgbClr val="464547"/>
+                </a:solidFill>
+                <a:uFill>
+                  <a:solidFill>
+                    <a:srgbClr val="FFFFFF"/>
+                  </a:solidFill>
+                </a:uFill>
+                <a:latin typeface="Trebuchet MS"/>
+                <a:sym typeface="Wingdings" panose="05000000000000000000" pitchFamily="2" charset="2"/>
+              </a:rPr>
+              <a:t> convex function</a:t>
+            </a:r>
+          </a:p>
+          <a:p>
+            <a:pPr marL="285840" indent="-285120">
+              <a:lnSpc>
+                <a:spcPct val="100000"/>
+              </a:lnSpc>
+              <a:buClr>
+                <a:srgbClr val="39C2D7"/>
+              </a:buClr>
+              <a:buFont typeface="Arial"/>
+              <a:buChar char="•"/>
+            </a:pPr>
+            <a:endParaRPr lang="en-IN" sz="1600" spc="-1" dirty="0" smtClean="0">
+              <a:solidFill>
+                <a:srgbClr val="464547"/>
+              </a:solidFill>
+              <a:uFill>
+                <a:solidFill>
+                  <a:srgbClr val="FFFFFF"/>
+                </a:solidFill>
+              </a:uFill>
+              <a:latin typeface="Trebuchet MS"/>
+              <a:sym typeface="Wingdings" panose="05000000000000000000" pitchFamily="2" charset="2"/>
+            </a:endParaRPr>
+          </a:p>
+          <a:p>
+            <a:pPr marL="720">
+              <a:lnSpc>
+                <a:spcPct val="100000"/>
+              </a:lnSpc>
+              <a:buClr>
+                <a:srgbClr val="39C2D7"/>
+              </a:buClr>
+            </a:pPr>
+            <a:endParaRPr lang="en-IN" sz="1800" b="0" strike="noStrike" spc="-1" dirty="0">
+              <a:solidFill>
+                <a:srgbClr val="000000"/>
+              </a:solidFill>
+              <a:uFill>
+                <a:solidFill>
+                  <a:srgbClr val="FFFFFF"/>
+                </a:solidFill>
+              </a:uFill>
+              <a:latin typeface="Arial"/>
+            </a:endParaRPr>
+          </a:p>
+        </p:txBody>
+      </p:sp>
+      <p:sp>
+        <p:nvSpPr>
+          <p:cNvPr id="3" name="TextBox 2"/>
+          <p:cNvSpPr txBox="1"/>
+          <p:nvPr/>
+        </p:nvSpPr>
+        <p:spPr>
+          <a:xfrm>
+            <a:off x="3767759" y="2616563"/>
+            <a:ext cx="395652" cy="369332"/>
+          </a:xfrm>
+          <a:prstGeom prst="rect">
+            <a:avLst/>
+          </a:prstGeom>
+          <a:noFill/>
+        </p:spPr>
+        <p:txBody>
+          <a:bodyPr wrap="square" rtlCol="0">
+            <a:spAutoFit/>
+          </a:bodyPr>
+          <a:lstStyle/>
+          <a:p>
+            <a:r>
+              <a:rPr lang="en-US" dirty="0" smtClean="0"/>
+              <a:t>C</a:t>
+            </a:r>
+            <a:endParaRPr lang="en-US" dirty="0"/>
+          </a:p>
+        </p:txBody>
+      </p:sp>
+      <p:sp>
+        <p:nvSpPr>
+          <p:cNvPr id="6" name="TextBox 5"/>
+          <p:cNvSpPr txBox="1"/>
+          <p:nvPr/>
+        </p:nvSpPr>
+        <p:spPr>
+          <a:xfrm>
+            <a:off x="5604492" y="3949184"/>
+            <a:ext cx="395652" cy="369332"/>
+          </a:xfrm>
+          <a:prstGeom prst="rect">
+            <a:avLst/>
+          </a:prstGeom>
+          <a:noFill/>
+        </p:spPr>
+        <p:txBody>
+          <a:bodyPr wrap="square" rtlCol="0">
+            <a:spAutoFit/>
+          </a:bodyPr>
+          <a:lstStyle/>
+          <a:p>
+            <a:r>
+              <a:rPr lang="en-US" dirty="0" smtClean="0"/>
+              <a:t>P</a:t>
+            </a:r>
+            <a:endParaRPr lang="en-US" dirty="0"/>
+          </a:p>
+        </p:txBody>
+      </p:sp>
+    </p:spTree>
+    <p:extLst>
+      <p:ext uri="{BB962C8B-B14F-4D97-AF65-F5344CB8AC3E}">
+        <p14:creationId xmlns:p14="http://schemas.microsoft.com/office/powerpoint/2010/main" val="716919585"/>
+      </p:ext>
+    </p:extLst>
+  </p:cSld>
+  <p:clrMapOvr>
+    <a:masterClrMapping/>
+  </p:clrMapOvr>
+  <p:timing>
+    <p:tnLst>
+      <p:par>
+        <p:cTn id="1" dur="indefinite" restart="never" nodeType="tmRoot">
+          <p:childTnLst>
+            <p:seq>
+              <p:cTn id="2" nodeType="mainSeq"/>
+              <p:prevCondLst>
+                <p:cond evt="onPrev" delay="0">
+                  <p:tgtEl>
+                    <p:sldTgt/>
+                  </p:tgtEl>
+                </p:cond>
+              </p:prevCondLst>
+              <p:nextCondLst>
+                <p:cond evt="onNext" delay="0">
+                  <p:tgtEl>
+                    <p:sldTgt/>
+                  </p:tgtEl>
+                </p:cond>
+              </p:nextCondLst>
+            </p:seq>
+          </p:childTnLst>
+        </p:cTn>
+      </p:par>
+    </p:tnLst>
+  </p:timing>
+</p:sld>
+</file>
+
+<file path=ppt/slides/slide13.xml><?xml version="1.0" encoding="utf-8"?>
+<p:sld xmlns:a="http://schemas.openxmlformats.org/drawingml/2006/main" xmlns:r="http://schemas.openxmlformats.org/officeDocument/2006/relationships" xmlns:p="http://schemas.openxmlformats.org/presentationml/2006/main">
+  <p:cSld>
+    <p:spTree>
+      <p:nvGrpSpPr>
+        <p:cNvPr id="1" name=""/>
+        <p:cNvGrpSpPr/>
+        <p:nvPr/>
+      </p:nvGrpSpPr>
+      <p:grpSpPr>
+        <a:xfrm>
+          <a:off x="0" y="0"/>
+          <a:ext cx="0" cy="0"/>
+          <a:chOff x="0" y="0"/>
+          <a:chExt cx="0" cy="0"/>
+        </a:xfrm>
+      </p:grpSpPr>
+      <p:sp>
+        <p:nvSpPr>
+          <p:cNvPr id="383" name="CustomShape 1"/>
+          <p:cNvSpPr/>
+          <p:nvPr/>
+        </p:nvSpPr>
+        <p:spPr>
+          <a:xfrm>
+            <a:off x="0" y="0"/>
+            <a:ext cx="9143280" cy="932040"/>
           </a:xfrm>
           <a:prstGeom prst="rect">
             <a:avLst/>
           </a:prstGeom>
           <a:solidFill>
-            <a:srgbClr val="2FC2D9"/>
+            <a:srgbClr val="FFFFFF"/>
           </a:solidFill>
           <a:ln>
             <a:noFill/>
           </a:ln>
-          <a:effectLst>
-            <a:outerShdw blurRad="40000" dist="23000" dir="5400000" rotWithShape="0">
-              <a:srgbClr val="000000">
-                <a:alpha val="35000"/>
-              </a:srgbClr>
-            </a:outerShdw>
-          </a:effectLst>
         </p:spPr>
         <p:style>
-          <a:lnRef idx="1">
-            <a:schemeClr val="accent1"/>
+          <a:lnRef idx="0">
+            <a:scrgbClr r="0" g="0" b="0"/>
           </a:lnRef>
-          <a:fillRef idx="3">
-            <a:schemeClr val="accent1"/>
+          <a:fillRef idx="0">
+            <a:scrgbClr r="0" g="0" b="0"/>
           </a:fillRef>
-          <a:effectRef idx="2">
-            <a:schemeClr val="accent1"/>
+          <a:effectRef idx="0">
+            <a:scrgbClr r="0" g="0" b="0"/>
           </a:effectRef>
           <a:fontRef idx="minor"/>
         </p:style>
         <p:txBody>
-          <a:bodyPr wrap="none" lIns="68760" tIns="54720" rIns="68760" bIns="54720" anchor="ctr"/>
+          <a:bodyPr lIns="365760" tIns="45000" rIns="90000" bIns="45000" anchor="ctr"/>
           <a:lstStyle/>
           <a:p>
             <a:pPr>
@@ -21058,9 +21572,9 @@
               </a:lnSpc>
             </a:pPr>
             <a:r>
-              <a:rPr lang="en-IN" sz="4000" b="0" strike="noStrike" spc="-1" dirty="0">
-                <a:solidFill>
-                  <a:srgbClr val="FFFFFF"/>
+              <a:rPr lang="en-IN" sz="2600" b="0" strike="noStrike" spc="-1">
+                <a:solidFill>
+                  <a:srgbClr val="464547"/>
                 </a:solidFill>
                 <a:uFill>
                   <a:solidFill>
@@ -21068,10 +21582,306 @@
                   </a:solidFill>
                 </a:uFill>
                 <a:latin typeface="Arial Black"/>
-                <a:ea typeface="DejaVu Sans"/>
               </a:rPr>
-              <a:t>Demo</a:t>
+              <a:t>Gradient Descent</a:t>
             </a:r>
+            <a:endParaRPr lang="en-IN" sz="1800" b="0" strike="noStrike" spc="-1">
+              <a:solidFill>
+                <a:srgbClr val="000000"/>
+              </a:solidFill>
+              <a:uFill>
+                <a:solidFill>
+                  <a:srgbClr val="FFFFFF"/>
+                </a:solidFill>
+              </a:uFill>
+              <a:latin typeface="Arial"/>
+            </a:endParaRPr>
+          </a:p>
+        </p:txBody>
+      </p:sp>
+      <p:sp>
+        <p:nvSpPr>
+          <p:cNvPr id="4" name="CustomShape 3"/>
+          <p:cNvSpPr/>
+          <p:nvPr/>
+        </p:nvSpPr>
+        <p:spPr>
+          <a:xfrm>
+            <a:off x="356580" y="837803"/>
+            <a:ext cx="8430120" cy="4571280"/>
+          </a:xfrm>
+          <a:prstGeom prst="rect">
+            <a:avLst/>
+          </a:prstGeom>
+          <a:noFill/>
+          <a:ln>
+            <a:noFill/>
+          </a:ln>
+        </p:spPr>
+        <p:style>
+          <a:lnRef idx="0">
+            <a:scrgbClr r="0" g="0" b="0"/>
+          </a:lnRef>
+          <a:fillRef idx="0">
+            <a:scrgbClr r="0" g="0" b="0"/>
+          </a:fillRef>
+          <a:effectRef idx="0">
+            <a:scrgbClr r="0" g="0" b="0"/>
+          </a:effectRef>
+          <a:fontRef idx="minor"/>
+        </p:style>
+        <p:txBody>
+          <a:bodyPr lIns="90000" tIns="45000" rIns="90000" bIns="45000"/>
+          <a:lstStyle/>
+          <a:p>
+            <a:pPr marL="720">
+              <a:lnSpc>
+                <a:spcPct val="100000"/>
+              </a:lnSpc>
+              <a:buClr>
+                <a:srgbClr val="39C2D7"/>
+              </a:buClr>
+            </a:pPr>
+            <a:endParaRPr lang="en-IN" sz="1600" spc="-1" dirty="0" smtClean="0">
+              <a:solidFill>
+                <a:srgbClr val="464547"/>
+              </a:solidFill>
+              <a:uFill>
+                <a:solidFill>
+                  <a:srgbClr val="FFFFFF"/>
+                </a:solidFill>
+              </a:uFill>
+              <a:latin typeface="Trebuchet MS"/>
+              <a:sym typeface="Wingdings" panose="05000000000000000000" pitchFamily="2" charset="2"/>
+            </a:endParaRPr>
+          </a:p>
+          <a:p>
+            <a:pPr marL="285840" indent="-285120">
+              <a:lnSpc>
+                <a:spcPct val="100000"/>
+              </a:lnSpc>
+              <a:buClr>
+                <a:srgbClr val="39C2D7"/>
+              </a:buClr>
+              <a:buFont typeface="Arial"/>
+              <a:buChar char="•"/>
+            </a:pPr>
+            <a:r>
+              <a:rPr lang="en-IN" sz="1600" b="0" strike="noStrike" spc="-1" dirty="0" smtClean="0">
+                <a:solidFill>
+                  <a:srgbClr val="464547"/>
+                </a:solidFill>
+                <a:uFill>
+                  <a:solidFill>
+                    <a:srgbClr val="FFFFFF"/>
+                  </a:solidFill>
+                </a:uFill>
+                <a:latin typeface="Trebuchet MS"/>
+                <a:sym typeface="Wingdings" panose="05000000000000000000" pitchFamily="2" charset="2"/>
+              </a:rPr>
+              <a:t>Minimize convex function  gradient descent</a:t>
+            </a:r>
+          </a:p>
+          <a:p>
+            <a:pPr marL="285840" indent="-285120">
+              <a:lnSpc>
+                <a:spcPct val="100000"/>
+              </a:lnSpc>
+              <a:buClr>
+                <a:srgbClr val="39C2D7"/>
+              </a:buClr>
+              <a:buFont typeface="Arial"/>
+              <a:buChar char="•"/>
+            </a:pPr>
+            <a:endParaRPr lang="en-IN" sz="1600" spc="-1" dirty="0" smtClean="0">
+              <a:solidFill>
+                <a:srgbClr val="464547"/>
+              </a:solidFill>
+              <a:uFill>
+                <a:solidFill>
+                  <a:srgbClr val="FFFFFF"/>
+                </a:solidFill>
+              </a:uFill>
+              <a:latin typeface="Trebuchet MS"/>
+              <a:sym typeface="Wingdings" panose="05000000000000000000" pitchFamily="2" charset="2"/>
+            </a:endParaRPr>
+          </a:p>
+          <a:p>
+            <a:pPr marL="285840" indent="-285120">
+              <a:lnSpc>
+                <a:spcPct val="100000"/>
+              </a:lnSpc>
+              <a:buClr>
+                <a:srgbClr val="39C2D7"/>
+              </a:buClr>
+              <a:buFont typeface="Arial"/>
+              <a:buChar char="•"/>
+            </a:pPr>
+            <a:endParaRPr lang="en-IN" sz="1600" spc="-1" dirty="0">
+              <a:solidFill>
+                <a:srgbClr val="464547"/>
+              </a:solidFill>
+              <a:uFill>
+                <a:solidFill>
+                  <a:srgbClr val="FFFFFF"/>
+                </a:solidFill>
+              </a:uFill>
+              <a:latin typeface="Trebuchet MS"/>
+              <a:sym typeface="Wingdings" panose="05000000000000000000" pitchFamily="2" charset="2"/>
+            </a:endParaRPr>
+          </a:p>
+          <a:p>
+            <a:pPr marL="285840" indent="-285120">
+              <a:buClr>
+                <a:srgbClr val="39C2D7"/>
+              </a:buClr>
+              <a:buFont typeface="Arial"/>
+              <a:buChar char="•"/>
+            </a:pPr>
+            <a:r>
+              <a:rPr lang="en-IN" sz="1600" b="0" strike="noStrike" spc="-1" dirty="0" smtClean="0">
+                <a:solidFill>
+                  <a:srgbClr val="464547"/>
+                </a:solidFill>
+                <a:uFill>
+                  <a:solidFill>
+                    <a:srgbClr val="FFFFFF"/>
+                  </a:solidFill>
+                </a:uFill>
+                <a:latin typeface="Trebuchet MS"/>
+                <a:sym typeface="Wingdings" panose="05000000000000000000" pitchFamily="2" charset="2"/>
+              </a:rPr>
+              <a:t>Update </a:t>
+            </a:r>
+            <a:r>
+              <a:rPr lang="en-IN" sz="1600" b="0" strike="noStrike" spc="-1" dirty="0" smtClean="0">
+                <a:solidFill>
+                  <a:srgbClr val="464547"/>
+                </a:solidFill>
+                <a:uFill>
+                  <a:solidFill>
+                    <a:srgbClr val="FFFFFF"/>
+                  </a:solidFill>
+                </a:uFill>
+                <a:latin typeface="Trebuchet MS"/>
+                <a:sym typeface="Wingdings" panose="05000000000000000000" pitchFamily="2" charset="2"/>
+              </a:rPr>
+              <a:t>rule</a:t>
+            </a:r>
+          </a:p>
+          <a:p>
+            <a:pPr marL="720">
+              <a:buClr>
+                <a:srgbClr val="39C2D7"/>
+              </a:buClr>
+            </a:pPr>
+            <a:endParaRPr lang="en-IN" sz="1600" b="0" strike="noStrike" spc="-1" dirty="0" smtClean="0">
+              <a:solidFill>
+                <a:srgbClr val="464547"/>
+              </a:solidFill>
+              <a:uFill>
+                <a:solidFill>
+                  <a:srgbClr val="FFFFFF"/>
+                </a:solidFill>
+              </a:uFill>
+              <a:latin typeface="Trebuchet MS"/>
+              <a:sym typeface="Wingdings" panose="05000000000000000000" pitchFamily="2" charset="2"/>
+            </a:endParaRPr>
+          </a:p>
+          <a:p>
+            <a:pPr marL="720">
+              <a:lnSpc>
+                <a:spcPct val="100000"/>
+              </a:lnSpc>
+              <a:buClr>
+                <a:srgbClr val="39C2D7"/>
+              </a:buClr>
+            </a:pPr>
+            <a:endParaRPr lang="en-IN" sz="1600" spc="-1" dirty="0" smtClean="0">
+              <a:solidFill>
+                <a:srgbClr val="464547"/>
+              </a:solidFill>
+              <a:uFill>
+                <a:solidFill>
+                  <a:srgbClr val="FFFFFF"/>
+                </a:solidFill>
+              </a:uFill>
+              <a:latin typeface="Trebuchet MS"/>
+              <a:sym typeface="Wingdings" panose="05000000000000000000" pitchFamily="2" charset="2"/>
+            </a:endParaRPr>
+          </a:p>
+          <a:p>
+            <a:pPr marL="720">
+              <a:lnSpc>
+                <a:spcPct val="100000"/>
+              </a:lnSpc>
+              <a:buClr>
+                <a:srgbClr val="39C2D7"/>
+              </a:buClr>
+            </a:pPr>
+            <a:endParaRPr lang="en-IN" sz="1600" spc="-1" dirty="0">
+              <a:solidFill>
+                <a:srgbClr val="464547"/>
+              </a:solidFill>
+              <a:uFill>
+                <a:solidFill>
+                  <a:srgbClr val="FFFFFF"/>
+                </a:solidFill>
+              </a:uFill>
+              <a:latin typeface="Trebuchet MS"/>
+              <a:sym typeface="Wingdings" panose="05000000000000000000" pitchFamily="2" charset="2"/>
+            </a:endParaRPr>
+          </a:p>
+          <a:p>
+            <a:pPr marL="285840" indent="-285120">
+              <a:lnSpc>
+                <a:spcPct val="100000"/>
+              </a:lnSpc>
+              <a:buClr>
+                <a:srgbClr val="39C2D7"/>
+              </a:buClr>
+              <a:buFont typeface="Arial"/>
+              <a:buChar char="•"/>
+            </a:pPr>
+            <a:r>
+              <a:rPr lang="en-IN" sz="1600" spc="-1" dirty="0" smtClean="0">
+                <a:solidFill>
+                  <a:srgbClr val="464547"/>
+                </a:solidFill>
+                <a:uFill>
+                  <a:solidFill>
+                    <a:srgbClr val="FFFFFF"/>
+                  </a:solidFill>
+                </a:uFill>
+                <a:latin typeface="Trebuchet MS"/>
+                <a:sym typeface="Wingdings" panose="05000000000000000000" pitchFamily="2" charset="2"/>
+              </a:rPr>
+              <a:t>P converges to optimal value </a:t>
+            </a:r>
+            <a:endParaRPr lang="en-IN" sz="1600" spc="-1" dirty="0">
+              <a:solidFill>
+                <a:srgbClr val="464547"/>
+              </a:solidFill>
+              <a:uFill>
+                <a:solidFill>
+                  <a:srgbClr val="FFFFFF"/>
+                </a:solidFill>
+              </a:uFill>
+              <a:latin typeface="Trebuchet MS"/>
+              <a:sym typeface="Wingdings" panose="05000000000000000000" pitchFamily="2" charset="2"/>
+            </a:endParaRPr>
+          </a:p>
+          <a:p>
+            <a:pPr marL="285840" indent="-285120">
+              <a:lnSpc>
+                <a:spcPct val="100000"/>
+              </a:lnSpc>
+              <a:buClr>
+                <a:srgbClr val="39C2D7"/>
+              </a:buClr>
+              <a:buFont typeface="Arial"/>
+              <a:buChar char="•"/>
+            </a:pPr>
             <a:endParaRPr lang="en-IN" sz="1800" b="0" strike="noStrike" spc="-1" dirty="0">
               <a:solidFill>
                 <a:srgbClr val="000000"/>
@@ -21086,6 +21896,36 @@
           </a:p>
         </p:txBody>
       </p:sp>
+      <p:pic>
+        <p:nvPicPr>
+          <p:cNvPr id="7" name="Picture 6"/>
+          <p:cNvPicPr>
+            <a:picLocks noChangeAspect="1"/>
+          </p:cNvPicPr>
+          <p:nvPr/>
+        </p:nvPicPr>
+        <p:blipFill>
+          <a:blip r:embed="rId3">
+            <a:extLst>
+              <a:ext uri="{28A0092B-C50C-407E-A947-70E740481C1C}">
+                <a14:useLocalDpi xmlns:a14="http://schemas.microsoft.com/office/drawing/2010/main" val="0"/>
+              </a:ext>
+            </a:extLst>
+          </a:blip>
+          <a:stretch>
+            <a:fillRect/>
+          </a:stretch>
+        </p:blipFill>
+        <p:spPr>
+          <a:xfrm>
+            <a:off x="1941536" y="2315655"/>
+            <a:ext cx="1409897" cy="257211"/>
+          </a:xfrm>
+          <a:prstGeom prst="rect">
+            <a:avLst/>
+          </a:prstGeom>
+        </p:spPr>
+      </p:pic>
     </p:spTree>
   </p:cSld>
   <p:clrMapOvr>
@@ -21121,7 +21961,205 @@
 </p:sld>
 </file>
 
-<file path=ppt/slides/slide13.xml><?xml version="1.0" encoding="utf-8"?>
+<file path=ppt/slides/slide14.xml><?xml version="1.0" encoding="utf-8"?>
+<p:sld xmlns:a="http://schemas.openxmlformats.org/drawingml/2006/main" xmlns:r="http://schemas.openxmlformats.org/officeDocument/2006/relationships" xmlns:p="http://schemas.openxmlformats.org/presentationml/2006/main">
+  <p:cSld>
+    <p:spTree>
+      <p:nvGrpSpPr>
+        <p:cNvPr id="1" name=""/>
+        <p:cNvGrpSpPr/>
+        <p:nvPr/>
+      </p:nvGrpSpPr>
+      <p:grpSpPr>
+        <a:xfrm>
+          <a:off x="0" y="0"/>
+          <a:ext cx="0" cy="0"/>
+          <a:chOff x="0" y="0"/>
+          <a:chExt cx="0" cy="0"/>
+        </a:xfrm>
+      </p:grpSpPr>
+      <p:sp>
+        <p:nvSpPr>
+          <p:cNvPr id="384" name="CustomShape 1"/>
+          <p:cNvSpPr/>
+          <p:nvPr/>
+        </p:nvSpPr>
+        <p:spPr>
+          <a:xfrm>
+            <a:off x="3133440" y="2810880"/>
+            <a:ext cx="1964160" cy="617400"/>
+          </a:xfrm>
+          <a:prstGeom prst="rect">
+            <a:avLst/>
+          </a:prstGeom>
+          <a:noFill/>
+          <a:ln>
+            <a:noFill/>
+          </a:ln>
+        </p:spPr>
+        <p:style>
+          <a:lnRef idx="0">
+            <a:scrgbClr r="0" g="0" b="0"/>
+          </a:lnRef>
+          <a:fillRef idx="0">
+            <a:scrgbClr r="0" g="0" b="0"/>
+          </a:fillRef>
+          <a:effectRef idx="0">
+            <a:scrgbClr r="0" g="0" b="0"/>
+          </a:effectRef>
+          <a:fontRef idx="minor"/>
+        </p:style>
+        <p:txBody>
+          <a:bodyPr lIns="90000" tIns="45000" rIns="90000" bIns="45000"/>
+          <a:lstStyle/>
+          <a:p>
+            <a:pPr>
+              <a:lnSpc>
+                <a:spcPct val="80000"/>
+              </a:lnSpc>
+            </a:pPr>
+            <a:r>
+              <a:rPr lang="en-IN" sz="4100" b="0" strike="noStrike" spc="-197" dirty="0">
+                <a:solidFill>
+                  <a:srgbClr val="FFFFFF"/>
+                </a:solidFill>
+                <a:uFill>
+                  <a:solidFill>
+                    <a:srgbClr val="FFFFFF"/>
+                  </a:solidFill>
+                </a:uFill>
+                <a:latin typeface="Arial Black"/>
+              </a:rPr>
+              <a:t>Demo</a:t>
+            </a:r>
+            <a:endParaRPr lang="en-IN" sz="1800" b="0" strike="noStrike" spc="-1" dirty="0">
+              <a:solidFill>
+                <a:srgbClr val="000000"/>
+              </a:solidFill>
+              <a:uFill>
+                <a:solidFill>
+                  <a:srgbClr val="FFFFFF"/>
+                </a:solidFill>
+              </a:uFill>
+              <a:latin typeface="Arial"/>
+            </a:endParaRPr>
+          </a:p>
+        </p:txBody>
+      </p:sp>
+      <p:sp>
+        <p:nvSpPr>
+          <p:cNvPr id="385" name="CustomShape 2"/>
+          <p:cNvSpPr/>
+          <p:nvPr/>
+        </p:nvSpPr>
+        <p:spPr>
+          <a:xfrm>
+            <a:off x="3440160" y="2756520"/>
+            <a:ext cx="1691640" cy="726120"/>
+          </a:xfrm>
+          <a:prstGeom prst="rect">
+            <a:avLst/>
+          </a:prstGeom>
+          <a:solidFill>
+            <a:srgbClr val="2FC2D9"/>
+          </a:solidFill>
+          <a:ln>
+            <a:noFill/>
+          </a:ln>
+          <a:effectLst>
+            <a:outerShdw blurRad="40000" dist="23000" dir="5400000" rotWithShape="0">
+              <a:srgbClr val="000000">
+                <a:alpha val="35000"/>
+              </a:srgbClr>
+            </a:outerShdw>
+          </a:effectLst>
+        </p:spPr>
+        <p:style>
+          <a:lnRef idx="1">
+            <a:schemeClr val="accent1"/>
+          </a:lnRef>
+          <a:fillRef idx="3">
+            <a:schemeClr val="accent1"/>
+          </a:fillRef>
+          <a:effectRef idx="2">
+            <a:schemeClr val="accent1"/>
+          </a:effectRef>
+          <a:fontRef idx="minor"/>
+        </p:style>
+        <p:txBody>
+          <a:bodyPr wrap="none" lIns="68760" tIns="54720" rIns="68760" bIns="54720" anchor="ctr"/>
+          <a:lstStyle/>
+          <a:p>
+            <a:pPr>
+              <a:lnSpc>
+                <a:spcPct val="100000"/>
+              </a:lnSpc>
+            </a:pPr>
+            <a:r>
+              <a:rPr lang="en-IN" sz="4000" b="0" strike="noStrike" spc="-1" dirty="0">
+                <a:solidFill>
+                  <a:srgbClr val="FFFFFF"/>
+                </a:solidFill>
+                <a:uFill>
+                  <a:solidFill>
+                    <a:srgbClr val="FFFFFF"/>
+                  </a:solidFill>
+                </a:uFill>
+                <a:latin typeface="Arial Black"/>
+                <a:ea typeface="DejaVu Sans"/>
+              </a:rPr>
+              <a:t>Demo</a:t>
+            </a:r>
+            <a:endParaRPr lang="en-IN" sz="1800" b="0" strike="noStrike" spc="-1" dirty="0">
+              <a:solidFill>
+                <a:srgbClr val="000000"/>
+              </a:solidFill>
+              <a:uFill>
+                <a:solidFill>
+                  <a:srgbClr val="FFFFFF"/>
+                </a:solidFill>
+              </a:uFill>
+              <a:latin typeface="Arial"/>
+            </a:endParaRPr>
+          </a:p>
+        </p:txBody>
+      </p:sp>
+    </p:spTree>
+  </p:cSld>
+  <p:clrMapOvr>
+    <a:masterClrMapping/>
+  </p:clrMapOvr>
+  <p:timing>
+    <p:tnLst>
+      <p:par>
+        <p:cTn id="1" dur="indefinite" restart="never" nodeType="tmRoot">
+          <p:childTnLst>
+            <p:seq>
+              <p:cTn id="2" nodeType="mainSeq"/>
+              <p:prevCondLst>
+                <p:cond evt="onPrev" delay="0">
+                  <p:tgtEl>
+                    <p:sldTgt/>
+                  </p:tgtEl>
+                </p:cond>
+              </p:prevCondLst>
+              <p:nextCondLst>
+                <p:cond evt="onNext" delay="0">
+                  <p:tgtEl>
+                    <p:sldTgt/>
+                  </p:tgtEl>
+                </p:cond>
+              </p:nextCondLst>
+            </p:seq>
+          </p:childTnLst>
+        </p:cTn>
+      </p:par>
+    </p:tnLst>
+  </p:timing>
+</p:sld>
+</file>
+
+<file path=ppt/slides/slide15.xml><?xml version="1.0" encoding="utf-8"?>
 <p:sld xmlns:a="http://schemas.openxmlformats.org/drawingml/2006/main" xmlns:r="http://schemas.openxmlformats.org/officeDocument/2006/relationships" xmlns:p="http://schemas.openxmlformats.org/presentationml/2006/main">
   <p:cSld>
     <p:spTree>
@@ -23334,6 +24372,24 @@
                 <a:spcPct val="100000"/>
               </a:lnSpc>
             </a:pPr>
+            <a:endParaRPr lang="en-IN" sz="1800" b="0" strike="noStrike" spc="-1" dirty="0" smtClean="0">
+              <a:solidFill>
+                <a:srgbClr val="000000"/>
+              </a:solidFill>
+              <a:uFill>
+                <a:solidFill>
+                  <a:srgbClr val="FFFFFF"/>
+                </a:solidFill>
+              </a:uFill>
+              <a:latin typeface="Arial"/>
+            </a:endParaRPr>
+          </a:p>
+          <a:p>
+            <a:pPr>
+              <a:lnSpc>
+                <a:spcPct val="100000"/>
+              </a:lnSpc>
+            </a:pPr>
             <a:endParaRPr lang="en-IN" sz="1800" b="0" strike="noStrike" spc="-1" dirty="0">
               <a:solidFill>
                 <a:srgbClr val="000000"/>
@@ -23389,6 +24445,24 @@
                 <a:spcPct val="120000"/>
               </a:lnSpc>
             </a:pPr>
+            <a:endParaRPr lang="en-IN" sz="1800" b="0" strike="noStrike" spc="-1" dirty="0" smtClean="0">
+              <a:solidFill>
+                <a:srgbClr val="000000"/>
+              </a:solidFill>
+              <a:uFill>
+                <a:solidFill>
+                  <a:srgbClr val="FFFFFF"/>
+                </a:solidFill>
+              </a:uFill>
+              <a:latin typeface="Arial"/>
+            </a:endParaRPr>
+          </a:p>
+          <a:p>
+            <a:pPr>
+              <a:lnSpc>
+                <a:spcPct val="120000"/>
+              </a:lnSpc>
+            </a:pPr>
             <a:endParaRPr lang="en-IN" sz="1800" b="0" strike="noStrike" spc="-1" dirty="0">
               <a:solidFill>
                 <a:srgbClr val="000000"/>
@@ -23552,199 +24626,6 @@
                 <a:latin typeface="Trebuchet MS"/>
               </a:rPr>
               <a:t>repeat</a:t>
-            </a:r>
-            <a:endParaRPr lang="en-IN" sz="1800" b="0" strike="noStrike" spc="-1" dirty="0">
-              <a:solidFill>
-                <a:srgbClr val="000000"/>
-              </a:solidFill>
-              <a:uFill>
-                <a:solidFill>
-                  <a:srgbClr val="FFFFFF"/>
-                </a:solidFill>
-              </a:uFill>
-              <a:latin typeface="Arial"/>
-            </a:endParaRPr>
-          </a:p>
-          <a:p>
-            <a:pPr>
-              <a:lnSpc>
-                <a:spcPct val="100000"/>
-              </a:lnSpc>
-            </a:pPr>
-            <a:endParaRPr lang="en-IN" sz="1800" b="0" strike="noStrike" spc="-1" dirty="0">
-              <a:solidFill>
-                <a:srgbClr val="000000"/>
-              </a:solidFill>
-              <a:uFill>
-                <a:solidFill>
-                  <a:srgbClr val="FFFFFF"/>
-                </a:solidFill>
-              </a:uFill>
-              <a:latin typeface="Arial"/>
-            </a:endParaRPr>
-          </a:p>
-          <a:p>
-            <a:pPr marL="285840" indent="-285120">
-              <a:lnSpc>
-                <a:spcPct val="100000"/>
-              </a:lnSpc>
-              <a:buClr>
-                <a:srgbClr val="39C2D7"/>
-              </a:buClr>
-              <a:buFont typeface="Arial"/>
-              <a:buChar char="•"/>
-            </a:pPr>
-            <a:r>
-              <a:rPr lang="en-IN" sz="1600" b="0" strike="noStrike" spc="-1" dirty="0">
-                <a:solidFill>
-                  <a:srgbClr val="464547"/>
-                </a:solidFill>
-                <a:uFill>
-                  <a:solidFill>
-                    <a:srgbClr val="FFFFFF"/>
-                  </a:solidFill>
-                </a:uFill>
-                <a:latin typeface="Trebuchet MS"/>
-              </a:rPr>
-              <a:t>More statistical less logical</a:t>
-            </a:r>
-            <a:endParaRPr lang="en-IN" sz="1800" b="0" strike="noStrike" spc="-1" dirty="0">
-              <a:solidFill>
-                <a:srgbClr val="000000"/>
-              </a:solidFill>
-              <a:uFill>
-                <a:solidFill>
-                  <a:srgbClr val="FFFFFF"/>
-                </a:solidFill>
-              </a:uFill>
-              <a:latin typeface="Arial"/>
-            </a:endParaRPr>
-          </a:p>
-          <a:p>
-            <a:pPr>
-              <a:lnSpc>
-                <a:spcPct val="100000"/>
-              </a:lnSpc>
-            </a:pPr>
-            <a:endParaRPr lang="en-IN" sz="1800" b="0" strike="noStrike" spc="-1" dirty="0">
-              <a:solidFill>
-                <a:srgbClr val="000000"/>
-              </a:solidFill>
-              <a:uFill>
-                <a:solidFill>
-                  <a:srgbClr val="FFFFFF"/>
-                </a:solidFill>
-              </a:uFill>
-              <a:latin typeface="Arial"/>
-            </a:endParaRPr>
-          </a:p>
-          <a:p>
-            <a:pPr marL="285840" indent="-285120">
-              <a:lnSpc>
-                <a:spcPct val="100000"/>
-              </a:lnSpc>
-              <a:buClr>
-                <a:srgbClr val="39C2D7"/>
-              </a:buClr>
-              <a:buFont typeface="Arial"/>
-              <a:buChar char="•"/>
-            </a:pPr>
-            <a:r>
-              <a:rPr lang="en-IN" sz="1600" b="0" strike="noStrike" spc="-1" dirty="0">
-                <a:solidFill>
-                  <a:srgbClr val="464547"/>
-                </a:solidFill>
-                <a:uFill>
-                  <a:solidFill>
-                    <a:srgbClr val="FFFFFF"/>
-                  </a:solidFill>
-                </a:uFill>
-                <a:latin typeface="Trebuchet MS"/>
-              </a:rPr>
-              <a:t>ML is the ‘state of the art’ problem solving method</a:t>
-            </a:r>
-            <a:endParaRPr lang="en-IN" sz="1800" b="0" strike="noStrike" spc="-1" dirty="0">
-              <a:solidFill>
-                <a:srgbClr val="000000"/>
-              </a:solidFill>
-              <a:uFill>
-                <a:solidFill>
-                  <a:srgbClr val="FFFFFF"/>
-                </a:solidFill>
-              </a:uFill>
-              <a:latin typeface="Arial"/>
-            </a:endParaRPr>
-          </a:p>
-          <a:p>
-            <a:pPr>
-              <a:lnSpc>
-                <a:spcPct val="100000"/>
-              </a:lnSpc>
-            </a:pPr>
-            <a:endParaRPr lang="en-IN" sz="1800" b="0" strike="noStrike" spc="-1" dirty="0">
-              <a:solidFill>
-                <a:srgbClr val="000000"/>
-              </a:solidFill>
-              <a:uFill>
-                <a:solidFill>
-                  <a:srgbClr val="FFFFFF"/>
-                </a:solidFill>
-              </a:uFill>
-              <a:latin typeface="Arial"/>
-            </a:endParaRPr>
-          </a:p>
-          <a:p>
-            <a:pPr marL="285840" indent="-285120">
-              <a:lnSpc>
-                <a:spcPct val="100000"/>
-              </a:lnSpc>
-              <a:buClr>
-                <a:srgbClr val="39C2D7"/>
-              </a:buClr>
-              <a:buFont typeface="Arial"/>
-              <a:buChar char="•"/>
-            </a:pPr>
-            <a:r>
-              <a:rPr lang="en-IN" sz="1600" b="0" strike="noStrike" spc="-1" dirty="0">
-                <a:solidFill>
-                  <a:srgbClr val="464547"/>
-                </a:solidFill>
-                <a:uFill>
-                  <a:solidFill>
-                    <a:srgbClr val="FFFFFF"/>
-                  </a:solidFill>
-                </a:uFill>
-                <a:latin typeface="Trebuchet MS"/>
-              </a:rPr>
-              <a:t>Different approaches </a:t>
-            </a:r>
-            <a:r>
-              <a:rPr lang="en-IN" sz="1600" b="0" strike="noStrike" spc="-1" dirty="0">
-                <a:solidFill>
-                  <a:srgbClr val="464547"/>
-                </a:solidFill>
-                <a:uFill>
-                  <a:solidFill>
-                    <a:srgbClr val="FFFFFF"/>
-                  </a:solidFill>
-                </a:uFill>
-                <a:latin typeface="Wingdings"/>
-              </a:rPr>
-              <a:t></a:t>
-            </a:r>
-            <a:r>
-              <a:rPr lang="en-IN" sz="1600" b="0" strike="noStrike" spc="-1" dirty="0">
-                <a:solidFill>
-                  <a:srgbClr val="464547"/>
-                </a:solidFill>
-                <a:uFill>
-                  <a:solidFill>
-                    <a:srgbClr val="FFFFFF"/>
-                  </a:solidFill>
-                </a:uFill>
-                <a:latin typeface="Trebuchet MS"/>
-              </a:rPr>
-              <a:t> Genetic Algorithms, Probabilistic/Statistical Methods, Artificial Neural Networks(Deep Learning), Rule-based methods and many more</a:t>
             </a:r>
             <a:endParaRPr lang="en-IN" sz="1800" b="0" strike="noStrike" spc="-1" dirty="0">
               <a:solidFill>
@@ -23886,7 +24767,7 @@
       </p:grpSpPr>
       <p:sp>
         <p:nvSpPr>
-          <p:cNvPr id="355" name="CustomShape 1"/>
+          <p:cNvPr id="353" name="CustomShape 1"/>
           <p:cNvSpPr/>
           <p:nvPr/>
         </p:nvSpPr>
@@ -23938,7 +24819,7 @@
                 </a:uFill>
                 <a:latin typeface="Arial Black"/>
               </a:rPr>
-              <a:t>Relation with AI</a:t>
+              <a:t>What is Machine Learning</a:t>
             </a:r>
             <a:endParaRPr lang="en-IN" sz="1800" b="0" strike="noStrike" spc="-1">
               <a:solidFill>
@@ -23956,51 +24837,51 @@
       </p:sp>
       <p:sp>
         <p:nvSpPr>
-          <p:cNvPr id="357" name="CustomShape 3"/>
+          <p:cNvPr id="354" name="CustomShape 2"/>
           <p:cNvSpPr/>
           <p:nvPr/>
         </p:nvSpPr>
         <p:spPr>
           <a:xfrm>
-            <a:off x="4234485" y="750900"/>
-            <a:ext cx="2604600" cy="1965240"/>
-          </a:xfrm>
-          <a:prstGeom prst="ellipse">
-            <a:avLst/>
-          </a:prstGeom>
-          <a:solidFill>
-            <a:srgbClr val="2FC2D9"/>
-          </a:solidFill>
+            <a:off x="356760" y="1435680"/>
+            <a:ext cx="8430120" cy="4571280"/>
+          </a:xfrm>
+          <a:prstGeom prst="rect">
+            <a:avLst/>
+          </a:prstGeom>
+          <a:noFill/>
           <a:ln>
             <a:noFill/>
           </a:ln>
-          <a:effectLst>
-            <a:outerShdw blurRad="40000" dist="23000" dir="5400000" rotWithShape="0">
-              <a:srgbClr val="000000">
-                <a:alpha val="35000"/>
-              </a:srgbClr>
-            </a:outerShdw>
-          </a:effectLst>
         </p:spPr>
         <p:style>
-          <a:lnRef idx="1">
-            <a:schemeClr val="accent1"/>
+          <a:lnRef idx="0">
+            <a:scrgbClr r="0" g="0" b="0"/>
           </a:lnRef>
-          <a:fillRef idx="3">
-            <a:schemeClr val="accent1"/>
+          <a:fillRef idx="0">
+            <a:scrgbClr r="0" g="0" b="0"/>
           </a:fillRef>
-          <a:effectRef idx="2">
-            <a:schemeClr val="accent1"/>
+          <a:effectRef idx="0">
+            <a:scrgbClr r="0" g="0" b="0"/>
           </a:effectRef>
           <a:fontRef idx="minor"/>
         </p:style>
         <p:txBody>
-          <a:bodyPr lIns="90000" tIns="45000" rIns="90000" bIns="45000" anchor="ctr"/>
-          <a:lstStyle/>
-          <a:p>
-            <a:pPr algn="ctr"/>
+          <a:bodyPr lIns="90000" tIns="45000" rIns="90000" bIns="45000"/>
+          <a:lstStyle/>
+          <a:p>
+            <a:pPr marL="285840" indent="-285120">
+              <a:lnSpc>
+                <a:spcPct val="100000"/>
+              </a:lnSpc>
+              <a:buClr>
+                <a:srgbClr val="39C2D7"/>
+              </a:buClr>
+              <a:buFont typeface="Arial"/>
+              <a:buChar char="•"/>
+            </a:pPr>
             <a:r>
-              <a:rPr lang="en-IN" spc="-1" dirty="0">
+              <a:rPr lang="en-IN" sz="1600" b="0" strike="noStrike" spc="-1" dirty="0" smtClean="0">
                 <a:solidFill>
                   <a:srgbClr val="464547"/>
                 </a:solidFill>
@@ -24010,12 +24891,11 @@
                   </a:solidFill>
                 </a:uFill>
                 <a:latin typeface="Trebuchet MS"/>
-                <a:ea typeface="DejaVu Sans"/>
               </a:rPr>
-              <a:t>           </a:t>
+              <a:t>More </a:t>
             </a:r>
             <a:r>
-              <a:rPr lang="en-IN" spc="-1" dirty="0">
+              <a:rPr lang="en-IN" sz="1600" b="0" strike="noStrike" spc="-1" dirty="0">
                 <a:solidFill>
                   <a:srgbClr val="464547"/>
                 </a:solidFill>
@@ -24025,60 +24905,70 @@
                   </a:solidFill>
                 </a:uFill>
                 <a:latin typeface="Trebuchet MS"/>
-                <a:ea typeface="DejaVu Sans"/>
               </a:rPr>
-              <a:t>Learning</a:t>
+              <a:t>statistical less logical</a:t>
             </a:r>
-          </a:p>
-        </p:txBody>
-      </p:sp>
-      <p:sp>
-        <p:nvSpPr>
-          <p:cNvPr id="359" name="CustomShape 5"/>
-          <p:cNvSpPr/>
-          <p:nvPr/>
-        </p:nvSpPr>
-        <p:spPr>
-          <a:xfrm>
-            <a:off x="788895" y="2376870"/>
-            <a:ext cx="1988640" cy="1319040"/>
-          </a:xfrm>
-          <a:prstGeom prst="ellipse">
-            <a:avLst/>
-          </a:prstGeom>
-          <a:solidFill>
-            <a:srgbClr val="2FC2D9"/>
-          </a:solidFill>
-          <a:ln>
-            <a:noFill/>
-          </a:ln>
-          <a:effectLst>
-            <a:outerShdw blurRad="40000" dist="23000" dir="5400000" rotWithShape="0">
-              <a:srgbClr val="000000">
-                <a:alpha val="35000"/>
-              </a:srgbClr>
-            </a:outerShdw>
-          </a:effectLst>
-        </p:spPr>
-        <p:style>
-          <a:lnRef idx="1">
-            <a:schemeClr val="accent1"/>
-          </a:lnRef>
-          <a:fillRef idx="3">
-            <a:schemeClr val="accent1"/>
-          </a:fillRef>
-          <a:effectRef idx="2">
-            <a:schemeClr val="accent1"/>
-          </a:effectRef>
-          <a:fontRef idx="minor"/>
-        </p:style>
-        <p:txBody>
-          <a:bodyPr lIns="90000" tIns="45000" rIns="90000" bIns="45000" anchor="ctr"/>
-          <a:lstStyle/>
-          <a:p>
-            <a:pPr algn="ctr"/>
+            <a:endParaRPr lang="en-IN" sz="1800" b="0" strike="noStrike" spc="-1" dirty="0">
+              <a:solidFill>
+                <a:srgbClr val="000000"/>
+              </a:solidFill>
+              <a:uFill>
+                <a:solidFill>
+                  <a:srgbClr val="FFFFFF"/>
+                </a:solidFill>
+              </a:uFill>
+              <a:latin typeface="Arial"/>
+            </a:endParaRPr>
+          </a:p>
+          <a:p>
+            <a:pPr>
+              <a:lnSpc>
+                <a:spcPct val="100000"/>
+              </a:lnSpc>
+            </a:pPr>
+            <a:endParaRPr lang="en-IN" sz="1800" b="0" strike="noStrike" spc="-1" dirty="0" smtClean="0">
+              <a:solidFill>
+                <a:srgbClr val="000000"/>
+              </a:solidFill>
+              <a:uFill>
+                <a:solidFill>
+                  <a:srgbClr val="FFFFFF"/>
+                </a:solidFill>
+              </a:uFill>
+              <a:latin typeface="Arial"/>
+            </a:endParaRPr>
+          </a:p>
+          <a:p>
+            <a:pPr>
+              <a:lnSpc>
+                <a:spcPct val="100000"/>
+              </a:lnSpc>
+            </a:pPr>
+            <a:endParaRPr lang="en-IN" sz="1800" b="0" strike="noStrike" spc="-1" dirty="0">
+              <a:solidFill>
+                <a:srgbClr val="000000"/>
+              </a:solidFill>
+              <a:uFill>
+                <a:solidFill>
+                  <a:srgbClr val="FFFFFF"/>
+                </a:solidFill>
+              </a:uFill>
+              <a:latin typeface="Arial"/>
+            </a:endParaRPr>
+          </a:p>
+          <a:p>
+            <a:pPr marL="285840" indent="-285120">
+              <a:lnSpc>
+                <a:spcPct val="100000"/>
+              </a:lnSpc>
+              <a:buClr>
+                <a:srgbClr val="39C2D7"/>
+              </a:buClr>
+              <a:buFont typeface="Arial"/>
+              <a:buChar char="•"/>
+            </a:pPr>
             <a:r>
-              <a:rPr lang="en-IN" spc="-1">
+              <a:rPr lang="en-IN" sz="1600" b="0" strike="noStrike" spc="-1" dirty="0">
                 <a:solidFill>
                   <a:srgbClr val="464547"/>
                 </a:solidFill>
@@ -24088,15 +24978,70 @@
                   </a:solidFill>
                 </a:uFill>
                 <a:latin typeface="Trebuchet MS"/>
-                <a:ea typeface="DejaVu Sans"/>
               </a:rPr>
-              <a:t>Psychology&amp;</a:t>
+              <a:t>ML is the ‘state of the art’ problem solving method</a:t>
             </a:r>
-          </a:p>
-          <a:p>
-            <a:pPr algn="ctr"/>
+            <a:endParaRPr lang="en-IN" sz="1800" b="0" strike="noStrike" spc="-1" dirty="0">
+              <a:solidFill>
+                <a:srgbClr val="000000"/>
+              </a:solidFill>
+              <a:uFill>
+                <a:solidFill>
+                  <a:srgbClr val="FFFFFF"/>
+                </a:solidFill>
+              </a:uFill>
+              <a:latin typeface="Arial"/>
+            </a:endParaRPr>
+          </a:p>
+          <a:p>
+            <a:pPr>
+              <a:lnSpc>
+                <a:spcPct val="100000"/>
+              </a:lnSpc>
+            </a:pPr>
+            <a:endParaRPr lang="en-IN" sz="1800" b="0" strike="noStrike" spc="-1" dirty="0" smtClean="0">
+              <a:solidFill>
+                <a:srgbClr val="000000"/>
+              </a:solidFill>
+              <a:uFill>
+                <a:solidFill>
+                  <a:srgbClr val="FFFFFF"/>
+                </a:solidFill>
+              </a:uFill>
+              <a:latin typeface="Arial"/>
+            </a:endParaRPr>
+          </a:p>
+          <a:p>
+            <a:pPr>
+              <a:lnSpc>
+                <a:spcPct val="100000"/>
+              </a:lnSpc>
+            </a:pPr>
+            <a:endParaRPr lang="en-IN" sz="1800" b="0" strike="noStrike" spc="-1" dirty="0">
+              <a:solidFill>
+                <a:srgbClr val="000000"/>
+              </a:solidFill>
+              <a:uFill>
+                <a:solidFill>
+                  <a:srgbClr val="FFFFFF"/>
+                </a:solidFill>
+              </a:uFill>
+              <a:latin typeface="Arial"/>
+            </a:endParaRPr>
+          </a:p>
+          <a:p>
+            <a:pPr marL="285840" indent="-285120">
+              <a:lnSpc>
+                <a:spcPct val="100000"/>
+              </a:lnSpc>
+              <a:buClr>
+                <a:srgbClr val="39C2D7"/>
+              </a:buClr>
+              <a:buFont typeface="Arial"/>
+              <a:buChar char="•"/>
+            </a:pPr>
             <a:r>
-              <a:rPr lang="en-IN" spc="-1">
+              <a:rPr lang="en-IN" sz="1600" b="0" strike="noStrike" spc="-1" dirty="0">
                 <a:solidFill>
                   <a:srgbClr val="464547"/>
                 </a:solidFill>
@@ -24106,60 +25051,11 @@
                   </a:solidFill>
                 </a:uFill>
                 <a:latin typeface="Trebuchet MS"/>
-                <a:ea typeface="DejaVu Sans"/>
               </a:rPr>
-              <a:t>Philosophy</a:t>
+              <a:t>Different approaches </a:t>
             </a:r>
-          </a:p>
-        </p:txBody>
-      </p:sp>
-      <p:sp>
-        <p:nvSpPr>
-          <p:cNvPr id="361" name="CustomShape 7"/>
-          <p:cNvSpPr/>
-          <p:nvPr/>
-        </p:nvSpPr>
-        <p:spPr>
-          <a:xfrm>
-            <a:off x="1913850" y="1002570"/>
-            <a:ext cx="2035080" cy="1319040"/>
-          </a:xfrm>
-          <a:prstGeom prst="ellipse">
-            <a:avLst/>
-          </a:prstGeom>
-          <a:solidFill>
-            <a:srgbClr val="2FC2D9"/>
-          </a:solidFill>
-          <a:ln>
-            <a:noFill/>
-          </a:ln>
-          <a:effectLst>
-            <a:outerShdw blurRad="40000" dist="23000" dir="5400000" rotWithShape="0">
-              <a:srgbClr val="000000">
-                <a:alpha val="35000"/>
-              </a:srgbClr>
-            </a:outerShdw>
-          </a:effectLst>
-        </p:spPr>
-        <p:style>
-          <a:lnRef idx="1">
-            <a:schemeClr val="accent1"/>
-          </a:lnRef>
-          <a:fillRef idx="3">
-            <a:schemeClr val="accent1"/>
-          </a:fillRef>
-          <a:effectRef idx="2">
-            <a:schemeClr val="accent1"/>
-          </a:effectRef>
-          <a:fontRef idx="minor"/>
-        </p:style>
-        <p:txBody>
-          <a:bodyPr lIns="90000" tIns="45000" rIns="90000" bIns="45000" anchor="ctr"/>
-          <a:lstStyle/>
-          <a:p>
-            <a:pPr algn="ctr"/>
             <a:r>
-              <a:rPr lang="en-IN" spc="-1" dirty="0">
+              <a:rPr lang="en-IN" sz="1600" b="0" strike="noStrike" spc="-1" dirty="0" smtClean="0">
                 <a:solidFill>
                   <a:srgbClr val="464547"/>
                 </a:solidFill>
@@ -24169,60 +25065,41 @@
                   </a:solidFill>
                 </a:uFill>
                 <a:latin typeface="Trebuchet MS"/>
-                <a:ea typeface="DejaVu Sans"/>
               </a:rPr>
-              <a:t>Reasoning &amp; Intelligence</a:t>
+              <a:t>to ML</a:t>
             </a:r>
           </a:p>
-        </p:txBody>
-      </p:sp>
-      <p:sp>
-        <p:nvSpPr>
-          <p:cNvPr id="360" name="CustomShape 6"/>
-          <p:cNvSpPr/>
-          <p:nvPr/>
-        </p:nvSpPr>
-        <p:spPr>
-          <a:xfrm>
-            <a:off x="862200" y="3904425"/>
-            <a:ext cx="1848240" cy="1319040"/>
-          </a:xfrm>
-          <a:prstGeom prst="ellipse">
-            <a:avLst/>
-          </a:prstGeom>
-          <a:solidFill>
-            <a:srgbClr val="2FC2D9"/>
-          </a:solidFill>
-          <a:ln>
-            <a:noFill/>
-          </a:ln>
-          <a:effectLst>
-            <a:outerShdw blurRad="40000" dist="23000" dir="5400000" rotWithShape="0">
-              <a:srgbClr val="000000">
-                <a:alpha val="35000"/>
-              </a:srgbClr>
-            </a:outerShdw>
-          </a:effectLst>
-        </p:spPr>
-        <p:style>
-          <a:lnRef idx="1">
-            <a:schemeClr val="accent1"/>
-          </a:lnRef>
-          <a:fillRef idx="3">
-            <a:schemeClr val="accent1"/>
-          </a:fillRef>
-          <a:effectRef idx="2">
-            <a:schemeClr val="accent1"/>
-          </a:effectRef>
-          <a:fontRef idx="minor"/>
-        </p:style>
-        <p:txBody>
-          <a:bodyPr lIns="90000" tIns="45000" rIns="90000" bIns="45000" anchor="ctr"/>
-          <a:lstStyle/>
-          <a:p>
-            <a:pPr algn="ctr"/>
+          <a:p>
+            <a:pPr marL="720">
+              <a:lnSpc>
+                <a:spcPct val="100000"/>
+              </a:lnSpc>
+              <a:buClr>
+                <a:srgbClr val="39C2D7"/>
+              </a:buClr>
+            </a:pPr>
+            <a:endParaRPr lang="en-IN" sz="1600" spc="-1" dirty="0">
+              <a:solidFill>
+                <a:srgbClr val="464547"/>
+              </a:solidFill>
+              <a:uFill>
+                <a:solidFill>
+                  <a:srgbClr val="FFFFFF"/>
+                </a:solidFill>
+              </a:uFill>
+              <a:latin typeface="Wingdings"/>
+            </a:endParaRPr>
+          </a:p>
+          <a:p>
+            <a:pPr marL="743670" lvl="1" indent="-285750">
+              <a:buClr>
+                <a:srgbClr val="39C2D7"/>
+              </a:buClr>
+              <a:buFont typeface="Arial" panose="020B0604020202020204" pitchFamily="34" charset="0"/>
+              <a:buChar char="•"/>
+            </a:pPr>
             <a:r>
-              <a:rPr lang="en-IN" spc="-1">
+              <a:rPr lang="en-IN" sz="1600" b="0" strike="noStrike" spc="-1" dirty="0" smtClean="0">
                 <a:solidFill>
                   <a:srgbClr val="464547"/>
                 </a:solidFill>
@@ -24232,60 +25109,40 @@
                   </a:solidFill>
                 </a:uFill>
                 <a:latin typeface="Trebuchet MS"/>
-                <a:ea typeface="DejaVu Sans"/>
               </a:rPr>
-              <a:t>Linguistics</a:t>
+              <a:t>Genetic Algorithms</a:t>
             </a:r>
           </a:p>
-        </p:txBody>
-      </p:sp>
-      <p:sp>
-        <p:nvSpPr>
-          <p:cNvPr id="365" name="CustomShape 11"/>
-          <p:cNvSpPr/>
-          <p:nvPr/>
-        </p:nvSpPr>
-        <p:spPr>
-          <a:xfrm>
-            <a:off x="4001730" y="5168520"/>
-            <a:ext cx="2115720" cy="1319040"/>
-          </a:xfrm>
-          <a:prstGeom prst="ellipse">
-            <a:avLst/>
-          </a:prstGeom>
-          <a:solidFill>
-            <a:srgbClr val="2FC2D9"/>
-          </a:solidFill>
-          <a:ln>
-            <a:noFill/>
-          </a:ln>
-          <a:effectLst>
-            <a:outerShdw blurRad="40000" dist="23000" dir="5400000" rotWithShape="0">
-              <a:srgbClr val="000000">
-                <a:alpha val="35000"/>
-              </a:srgbClr>
-            </a:outerShdw>
-          </a:effectLst>
-        </p:spPr>
-        <p:style>
-          <a:lnRef idx="1">
-            <a:schemeClr val="accent1"/>
-          </a:lnRef>
-          <a:fillRef idx="3">
-            <a:schemeClr val="accent1"/>
-          </a:fillRef>
-          <a:effectRef idx="2">
-            <a:schemeClr val="accent1"/>
-          </a:effectRef>
-          <a:fontRef idx="minor"/>
-        </p:style>
-        <p:txBody>
-          <a:bodyPr lIns="90000" tIns="45000" rIns="90000" bIns="45000" anchor="ctr"/>
-          <a:lstStyle/>
-          <a:p>
-            <a:pPr algn="ctr"/>
+          <a:p>
+            <a:pPr marL="743670" lvl="1" indent="-285750">
+              <a:buClr>
+                <a:srgbClr val="39C2D7"/>
+              </a:buClr>
+              <a:buFont typeface="Arial" panose="020B0604020202020204" pitchFamily="34" charset="0"/>
+              <a:buChar char="•"/>
+            </a:pPr>
+            <a:endParaRPr lang="en-IN" sz="1600" b="0" strike="noStrike" spc="-1" dirty="0" smtClean="0">
+              <a:solidFill>
+                <a:srgbClr val="464547"/>
+              </a:solidFill>
+              <a:uFill>
+                <a:solidFill>
+                  <a:srgbClr val="FFFFFF"/>
+                </a:solidFill>
+              </a:uFill>
+              <a:latin typeface="Trebuchet MS"/>
+            </a:endParaRPr>
+          </a:p>
+          <a:p>
+            <a:pPr marL="743670" lvl="1" indent="-285750">
+              <a:buClr>
+                <a:srgbClr val="39C2D7"/>
+              </a:buClr>
+              <a:buFont typeface="Arial" panose="020B0604020202020204" pitchFamily="34" charset="0"/>
+              <a:buChar char="•"/>
+            </a:pPr>
             <a:r>
-              <a:rPr lang="en-IN" spc="-1">
+              <a:rPr lang="en-IN" sz="1600" b="0" strike="noStrike" spc="-1" dirty="0" smtClean="0">
                 <a:solidFill>
                   <a:srgbClr val="464547"/>
                 </a:solidFill>
@@ -24295,60 +25152,40 @@
                   </a:solidFill>
                 </a:uFill>
                 <a:latin typeface="Trebuchet MS"/>
-                <a:ea typeface="DejaVu Sans"/>
               </a:rPr>
-              <a:t>Mathematics</a:t>
+              <a:t>Probabilistic/Statistical Methods</a:t>
             </a:r>
           </a:p>
-        </p:txBody>
-      </p:sp>
-      <p:sp>
-        <p:nvSpPr>
-          <p:cNvPr id="363" name="CustomShape 9"/>
-          <p:cNvSpPr/>
-          <p:nvPr/>
-        </p:nvSpPr>
-        <p:spPr>
-          <a:xfrm>
-            <a:off x="1973880" y="5137920"/>
-            <a:ext cx="1848240" cy="1319040"/>
-          </a:xfrm>
-          <a:prstGeom prst="ellipse">
-            <a:avLst/>
-          </a:prstGeom>
-          <a:solidFill>
-            <a:srgbClr val="2FC2D9"/>
-          </a:solidFill>
-          <a:ln>
-            <a:noFill/>
-          </a:ln>
-          <a:effectLst>
-            <a:outerShdw blurRad="40000" dist="23000" dir="5400000" rotWithShape="0">
-              <a:srgbClr val="000000">
-                <a:alpha val="35000"/>
-              </a:srgbClr>
-            </a:outerShdw>
-          </a:effectLst>
-        </p:spPr>
-        <p:style>
-          <a:lnRef idx="1">
-            <a:schemeClr val="accent1"/>
-          </a:lnRef>
-          <a:fillRef idx="3">
-            <a:schemeClr val="accent1"/>
-          </a:fillRef>
-          <a:effectRef idx="2">
-            <a:schemeClr val="accent1"/>
-          </a:effectRef>
-          <a:fontRef idx="minor"/>
-        </p:style>
-        <p:txBody>
-          <a:bodyPr lIns="90000" tIns="45000" rIns="90000" bIns="45000" anchor="ctr"/>
-          <a:lstStyle/>
-          <a:p>
-            <a:pPr algn="ctr"/>
+          <a:p>
+            <a:pPr marL="743670" lvl="1" indent="-285750">
+              <a:buClr>
+                <a:srgbClr val="39C2D7"/>
+              </a:buClr>
+              <a:buFont typeface="Arial" panose="020B0604020202020204" pitchFamily="34" charset="0"/>
+              <a:buChar char="•"/>
+            </a:pPr>
+            <a:endParaRPr lang="en-IN" sz="1600" b="0" strike="noStrike" spc="-1" dirty="0" smtClean="0">
+              <a:solidFill>
+                <a:srgbClr val="464547"/>
+              </a:solidFill>
+              <a:uFill>
+                <a:solidFill>
+                  <a:srgbClr val="FFFFFF"/>
+                </a:solidFill>
+              </a:uFill>
+              <a:latin typeface="Trebuchet MS"/>
+            </a:endParaRPr>
+          </a:p>
+          <a:p>
+            <a:pPr marL="743670" lvl="1" indent="-285750">
+              <a:buClr>
+                <a:srgbClr val="39C2D7"/>
+              </a:buClr>
+              <a:buFont typeface="Arial" panose="020B0604020202020204" pitchFamily="34" charset="0"/>
+              <a:buChar char="•"/>
+            </a:pPr>
             <a:r>
-              <a:rPr lang="en-IN" spc="-1">
+              <a:rPr lang="en-IN" sz="1600" b="0" strike="noStrike" spc="-1" dirty="0" smtClean="0">
                 <a:solidFill>
                   <a:srgbClr val="464547"/>
                 </a:solidFill>
@@ -24358,60 +25195,11 @@
                   </a:solidFill>
                 </a:uFill>
                 <a:latin typeface="Trebuchet MS"/>
-                <a:ea typeface="DejaVu Sans"/>
               </a:rPr>
-              <a:t>Neuro science</a:t>
+              <a:t>Artificial </a:t>
             </a:r>
-          </a:p>
-        </p:txBody>
-      </p:sp>
-      <p:sp>
-        <p:nvSpPr>
-          <p:cNvPr id="364" name="CustomShape 10"/>
-          <p:cNvSpPr/>
-          <p:nvPr/>
-        </p:nvSpPr>
-        <p:spPr>
-          <a:xfrm>
-            <a:off x="5649120" y="4100130"/>
-            <a:ext cx="2137320" cy="1319040"/>
-          </a:xfrm>
-          <a:prstGeom prst="ellipse">
-            <a:avLst/>
-          </a:prstGeom>
-          <a:solidFill>
-            <a:srgbClr val="2FC2D9"/>
-          </a:solidFill>
-          <a:ln>
-            <a:noFill/>
-          </a:ln>
-          <a:effectLst>
-            <a:outerShdw blurRad="40000" dist="23000" dir="5400000" rotWithShape="0">
-              <a:srgbClr val="000000">
-                <a:alpha val="35000"/>
-              </a:srgbClr>
-            </a:outerShdw>
-          </a:effectLst>
-        </p:spPr>
-        <p:style>
-          <a:lnRef idx="1">
-            <a:schemeClr val="accent1"/>
-          </a:lnRef>
-          <a:fillRef idx="3">
-            <a:schemeClr val="accent1"/>
-          </a:fillRef>
-          <a:effectRef idx="2">
-            <a:schemeClr val="accent1"/>
-          </a:effectRef>
-          <a:fontRef idx="minor"/>
-        </p:style>
-        <p:txBody>
-          <a:bodyPr lIns="90000" tIns="45000" rIns="90000" bIns="45000" anchor="ctr"/>
-          <a:lstStyle/>
-          <a:p>
-            <a:pPr algn="ctr"/>
             <a:r>
-              <a:rPr lang="en-IN" spc="-1" dirty="0">
+              <a:rPr lang="en-IN" sz="1600" b="0" strike="noStrike" spc="-1" dirty="0">
                 <a:solidFill>
                   <a:srgbClr val="464547"/>
                 </a:solidFill>
@@ -24421,60 +25209,11 @@
                   </a:solidFill>
                 </a:uFill>
                 <a:latin typeface="Trebuchet MS"/>
-                <a:ea typeface="DejaVu Sans"/>
               </a:rPr>
-              <a:t>Cognitive Science</a:t>
+              <a:t>Neural Networks(Deep Learning</a:t>
             </a:r>
-          </a:p>
-        </p:txBody>
-      </p:sp>
-      <p:sp>
-        <p:nvSpPr>
-          <p:cNvPr id="366" name="CustomShape 12"/>
-          <p:cNvSpPr/>
-          <p:nvPr/>
-        </p:nvSpPr>
-        <p:spPr>
-          <a:xfrm>
-            <a:off x="6074640" y="2605530"/>
-            <a:ext cx="2137320" cy="1319040"/>
-          </a:xfrm>
-          <a:prstGeom prst="ellipse">
-            <a:avLst/>
-          </a:prstGeom>
-          <a:solidFill>
-            <a:srgbClr val="2FC2D9"/>
-          </a:solidFill>
-          <a:ln>
-            <a:noFill/>
-          </a:ln>
-          <a:effectLst>
-            <a:outerShdw blurRad="40000" dist="23000" dir="5400000" rotWithShape="0">
-              <a:srgbClr val="000000">
-                <a:alpha val="35000"/>
-              </a:srgbClr>
-            </a:outerShdw>
-          </a:effectLst>
-        </p:spPr>
-        <p:style>
-          <a:lnRef idx="1">
-            <a:schemeClr val="accent1"/>
-          </a:lnRef>
-          <a:fillRef idx="3">
-            <a:schemeClr val="accent1"/>
-          </a:fillRef>
-          <a:effectRef idx="2">
-            <a:schemeClr val="accent1"/>
-          </a:effectRef>
-          <a:fontRef idx="minor"/>
-        </p:style>
-        <p:txBody>
-          <a:bodyPr lIns="90000" tIns="45000" rIns="90000" bIns="45000" anchor="ctr"/>
-          <a:lstStyle/>
-          <a:p>
-            <a:pPr algn="ctr"/>
             <a:r>
-              <a:rPr lang="en-IN" spc="-1" dirty="0">
+              <a:rPr lang="en-IN" sz="1600" b="0" strike="noStrike" spc="-1" dirty="0" smtClean="0">
                 <a:solidFill>
                   <a:srgbClr val="464547"/>
                 </a:solidFill>
@@ -24484,242 +25223,71 @@
                   </a:solidFill>
                 </a:uFill>
                 <a:latin typeface="Trebuchet MS"/>
-                <a:ea typeface="DejaVu Sans"/>
               </a:rPr>
-              <a:t>Computer Science</a:t>
+              <a:t>)</a:t>
             </a:r>
           </a:p>
-        </p:txBody>
-      </p:sp>
-      <p:sp>
-        <p:nvSpPr>
-          <p:cNvPr id="356" name="CustomShape 2"/>
-          <p:cNvSpPr/>
-          <p:nvPr/>
-        </p:nvSpPr>
-        <p:spPr>
-          <a:xfrm>
-            <a:off x="2316240" y="1719810"/>
-            <a:ext cx="4096800" cy="4010400"/>
-          </a:xfrm>
-          <a:prstGeom prst="ellipse">
-            <a:avLst/>
-          </a:prstGeom>
-          <a:solidFill>
-            <a:schemeClr val="accent5">
-              <a:lumMod val="75000"/>
-            </a:schemeClr>
-          </a:solidFill>
-          <a:ln>
-            <a:noFill/>
-          </a:ln>
-          <a:effectLst>
-            <a:outerShdw blurRad="40000" dist="23000" dir="5400000" rotWithShape="0">
-              <a:srgbClr val="000000">
-                <a:alpha val="35000"/>
-              </a:srgbClr>
-            </a:outerShdw>
-          </a:effectLst>
-        </p:spPr>
-        <p:style>
-          <a:lnRef idx="1">
-            <a:schemeClr val="accent1"/>
-          </a:lnRef>
-          <a:fillRef idx="3">
-            <a:schemeClr val="accent1"/>
-          </a:fillRef>
-          <a:effectRef idx="2">
-            <a:schemeClr val="accent1"/>
-          </a:effectRef>
-          <a:fontRef idx="minor"/>
-        </p:style>
-        <p:txBody>
-          <a:bodyPr lIns="90000" tIns="45000" rIns="90000" bIns="45000" anchor="ctr"/>
-          <a:lstStyle/>
-          <a:p>
-            <a:pPr algn="ctr">
+          <a:p>
+            <a:pPr>
               <a:lnSpc>
                 <a:spcPct val="100000"/>
               </a:lnSpc>
             </a:pPr>
-            <a:r>
-              <a:rPr lang="en-IN" sz="1800" b="0" strike="noStrike" spc="-1">
-                <a:solidFill>
-                  <a:schemeClr val="accent5">
-                    <a:lumMod val="50000"/>
-                  </a:schemeClr>
-                </a:solidFill>
-                <a:uFill>
-                  <a:solidFill>
-                    <a:srgbClr val="FFFFFF"/>
-                  </a:solidFill>
-                </a:uFill>
-                <a:latin typeface="Trebuchet MS"/>
-                <a:ea typeface="DejaVu Sans"/>
-              </a:rPr>
-              <a:t>AI</a:t>
-            </a:r>
-            <a:endParaRPr lang="en-IN" sz="1800" b="0" strike="noStrike" spc="-1">
-              <a:solidFill>
-                <a:schemeClr val="accent5">
-                  <a:lumMod val="50000"/>
-                </a:schemeClr>
-              </a:solidFill>
-              <a:uFill>
-                <a:solidFill>
-                  <a:srgbClr val="FFFFFF"/>
-                </a:solidFill>
-              </a:uFill>
-              <a:latin typeface="Arial"/>
-            </a:endParaRPr>
-          </a:p>
-        </p:txBody>
-      </p:sp>
-      <p:sp>
-        <p:nvSpPr>
-          <p:cNvPr id="362" name="CustomShape 8"/>
-          <p:cNvSpPr/>
-          <p:nvPr/>
-        </p:nvSpPr>
-        <p:spPr>
-          <a:xfrm>
-            <a:off x="4247771" y="1645980"/>
-            <a:ext cx="709075" cy="518400"/>
-          </a:xfrm>
-          <a:prstGeom prst="ellipse">
-            <a:avLst/>
-          </a:prstGeom>
-          <a:noFill/>
-          <a:ln>
-            <a:solidFill>
-              <a:srgbClr val="C7C7C7"/>
-            </a:solidFill>
-            <a:round/>
-          </a:ln>
-          <a:effectLst>
-            <a:outerShdw blurRad="40000" dist="23000" dir="5400000" rotWithShape="0">
-              <a:srgbClr val="000000">
-                <a:alpha val="35000"/>
-              </a:srgbClr>
-            </a:outerShdw>
-          </a:effectLst>
-        </p:spPr>
-        <p:style>
-          <a:lnRef idx="1">
-            <a:schemeClr val="accent1"/>
-          </a:lnRef>
-          <a:fillRef idx="3">
-            <a:schemeClr val="accent1"/>
-          </a:fillRef>
-          <a:effectRef idx="2">
-            <a:schemeClr val="accent1"/>
-          </a:effectRef>
-          <a:fontRef idx="minor"/>
-        </p:style>
-        <p:txBody>
-          <a:bodyPr lIns="90000" tIns="45000" rIns="90000" bIns="45000" anchor="ctr"/>
-          <a:lstStyle/>
-          <a:p>
-            <a:pPr algn="ctr">
+            <a:endParaRPr lang="en-IN" sz="1800" b="0" strike="noStrike" spc="-1" dirty="0">
+              <a:solidFill>
+                <a:srgbClr val="000000"/>
+              </a:solidFill>
+              <a:uFill>
+                <a:solidFill>
+                  <a:srgbClr val="FFFFFF"/>
+                </a:solidFill>
+              </a:uFill>
+              <a:latin typeface="Arial"/>
+            </a:endParaRPr>
+          </a:p>
+          <a:p>
+            <a:pPr>
               <a:lnSpc>
                 <a:spcPct val="100000"/>
               </a:lnSpc>
             </a:pPr>
-            <a:r>
-              <a:rPr lang="en-IN" sz="1800" b="0" strike="noStrike" spc="-1">
-                <a:solidFill>
-                  <a:srgbClr val="464547"/>
-                </a:solidFill>
-                <a:uFill>
-                  <a:solidFill>
-                    <a:srgbClr val="FFFFFF"/>
-                  </a:solidFill>
-                </a:uFill>
-                <a:latin typeface="Trebuchet MS"/>
-                <a:ea typeface="DejaVu Sans"/>
-              </a:rPr>
-              <a:t>DL</a:t>
-            </a:r>
-            <a:endParaRPr lang="en-IN" sz="1800" b="0" strike="noStrike" spc="-1">
-              <a:solidFill>
-                <a:srgbClr val="000000"/>
-              </a:solidFill>
-              <a:uFill>
-                <a:solidFill>
-                  <a:srgbClr val="FFFFFF"/>
-                </a:solidFill>
-              </a:uFill>
-              <a:latin typeface="Arial"/>
-            </a:endParaRPr>
-          </a:p>
-        </p:txBody>
-      </p:sp>
-      <p:sp>
-        <p:nvSpPr>
-          <p:cNvPr id="358" name="CustomShape 4"/>
-          <p:cNvSpPr/>
-          <p:nvPr/>
-        </p:nvSpPr>
-        <p:spPr>
-          <a:xfrm>
-            <a:off x="4233600" y="1301253"/>
-            <a:ext cx="1186920" cy="1144440"/>
-          </a:xfrm>
-          <a:prstGeom prst="ellipse">
-            <a:avLst/>
-          </a:prstGeom>
-          <a:noFill/>
-          <a:ln>
-            <a:solidFill>
-              <a:srgbClr val="C7C7C7"/>
-            </a:solidFill>
-            <a:round/>
-          </a:ln>
-          <a:effectLst>
-            <a:outerShdw blurRad="40000" dist="23000" dir="5400000" rotWithShape="0">
-              <a:srgbClr val="000000">
-                <a:alpha val="35000"/>
-              </a:srgbClr>
-            </a:outerShdw>
-          </a:effectLst>
-        </p:spPr>
-        <p:style>
-          <a:lnRef idx="1">
-            <a:schemeClr val="accent1"/>
-          </a:lnRef>
-          <a:fillRef idx="3">
-            <a:schemeClr val="accent1"/>
-          </a:fillRef>
-          <a:effectRef idx="2">
-            <a:schemeClr val="accent1"/>
-          </a:effectRef>
-          <a:fontRef idx="minor"/>
-        </p:style>
-        <p:txBody>
-          <a:bodyPr lIns="90000" tIns="45000" rIns="90000" bIns="45000" anchor="ctr"/>
-          <a:lstStyle/>
-          <a:p>
-            <a:pPr algn="ctr">
+            <a:endParaRPr lang="en-IN" sz="1800" b="0" strike="noStrike" spc="-1" dirty="0">
+              <a:solidFill>
+                <a:srgbClr val="000000"/>
+              </a:solidFill>
+              <a:uFill>
+                <a:solidFill>
+                  <a:srgbClr val="FFFFFF"/>
+                </a:solidFill>
+              </a:uFill>
+              <a:latin typeface="Arial"/>
+            </a:endParaRPr>
+          </a:p>
+          <a:p>
+            <a:pPr>
               <a:lnSpc>
                 <a:spcPct val="100000"/>
               </a:lnSpc>
             </a:pPr>
-            <a:r>
-              <a:rPr lang="en-IN" sz="1800" b="0" strike="noStrike" spc="-1">
-                <a:solidFill>
-                  <a:srgbClr val="464547"/>
-                </a:solidFill>
-                <a:uFill>
-                  <a:solidFill>
-                    <a:srgbClr val="FFFFFF"/>
-                  </a:solidFill>
-                </a:uFill>
-                <a:latin typeface="Trebuchet MS"/>
-                <a:ea typeface="DejaVu Sans"/>
-              </a:rPr>
-              <a:t>  ML</a:t>
-            </a:r>
-            <a:endParaRPr lang="en-IN" sz="1800" b="0" strike="noStrike" spc="-1">
+            <a:endParaRPr lang="en-IN" sz="1800" b="0" strike="noStrike" spc="-1" dirty="0">
+              <a:solidFill>
+                <a:srgbClr val="000000"/>
+              </a:solidFill>
+              <a:uFill>
+                <a:solidFill>
+                  <a:srgbClr val="FFFFFF"/>
+                </a:solidFill>
+              </a:uFill>
+              <a:latin typeface="Arial"/>
+            </a:endParaRPr>
+          </a:p>
+          <a:p>
+            <a:pPr>
+              <a:lnSpc>
+                <a:spcPct val="100000"/>
+              </a:lnSpc>
+            </a:pPr>
+            <a:endParaRPr lang="en-IN" sz="1800" b="0" strike="noStrike" spc="-1" dirty="0">
               <a:solidFill>
                 <a:srgbClr val="000000"/>
               </a:solidFill>
@@ -24734,6 +25302,11 @@
         </p:txBody>
       </p:sp>
     </p:spTree>
+    <p:extLst>
+      <p:ext uri="{BB962C8B-B14F-4D97-AF65-F5344CB8AC3E}">
+        <p14:creationId xmlns:p14="http://schemas.microsoft.com/office/powerpoint/2010/main" val="849253143"/>
+      </p:ext>
+    </p:extLst>
   </p:cSld>
   <p:clrMapOvr>
     <a:masterClrMapping/>
@@ -24787,7 +25360,7 @@
       </p:grpSpPr>
       <p:sp>
         <p:nvSpPr>
-          <p:cNvPr id="367" name="CustomShape 1"/>
+          <p:cNvPr id="355" name="CustomShape 1"/>
           <p:cNvSpPr/>
           <p:nvPr/>
         </p:nvSpPr>
@@ -24839,7 +25412,7 @@
                 </a:uFill>
                 <a:latin typeface="Arial Black"/>
               </a:rPr>
-              <a:t>Popular Learning Methods in ML</a:t>
+              <a:t>Relation with AI</a:t>
             </a:r>
             <a:endParaRPr lang="en-IN" sz="1800" b="0" strike="noStrike" spc="-1">
               <a:solidFill>
@@ -24857,235 +25430,14 @@
       </p:sp>
       <p:sp>
         <p:nvSpPr>
-          <p:cNvPr id="368" name="CustomShape 2"/>
+          <p:cNvPr id="357" name="CustomShape 3"/>
           <p:cNvSpPr/>
           <p:nvPr/>
         </p:nvSpPr>
         <p:spPr>
           <a:xfrm>
-            <a:off x="822960" y="1459800"/>
-            <a:ext cx="7314480" cy="576720"/>
-          </a:xfrm>
-          <a:prstGeom prst="rect">
-            <a:avLst/>
-          </a:prstGeom>
-          <a:noFill/>
-          <a:ln>
-            <a:noFill/>
-          </a:ln>
-        </p:spPr>
-        <p:style>
-          <a:lnRef idx="0">
-            <a:scrgbClr r="0" g="0" b="0"/>
-          </a:lnRef>
-          <a:fillRef idx="0">
-            <a:scrgbClr r="0" g="0" b="0"/>
-          </a:fillRef>
-          <a:effectRef idx="0">
-            <a:scrgbClr r="0" g="0" b="0"/>
-          </a:effectRef>
-          <a:fontRef idx="minor"/>
-        </p:style>
-        <p:txBody>
-          <a:bodyPr lIns="90000" tIns="45000" rIns="90000" bIns="45000"/>
-          <a:lstStyle/>
-          <a:p>
-            <a:pPr>
-              <a:lnSpc>
-                <a:spcPct val="100000"/>
-              </a:lnSpc>
-            </a:pPr>
-            <a:r>
-              <a:rPr lang="en-IN" sz="1600" b="0" strike="noStrike" spc="-1" dirty="0">
-                <a:solidFill>
-                  <a:srgbClr val="444444"/>
-                </a:solidFill>
-                <a:uFill>
-                  <a:solidFill>
-                    <a:srgbClr val="FFFFFF"/>
-                  </a:solidFill>
-                </a:uFill>
-                <a:latin typeface="Trebuchet MS"/>
-                <a:ea typeface="DejaVu Sans"/>
-              </a:rPr>
-              <a:t>Supervised Learning </a:t>
-            </a:r>
-            <a:endParaRPr lang="en-IN" sz="1800" b="0" strike="noStrike" spc="-1" dirty="0">
-              <a:solidFill>
-                <a:srgbClr val="000000"/>
-              </a:solidFill>
-              <a:uFill>
-                <a:solidFill>
-                  <a:srgbClr val="FFFFFF"/>
-                </a:solidFill>
-              </a:uFill>
-              <a:latin typeface="Arial"/>
-            </a:endParaRPr>
-          </a:p>
-          <a:p>
-            <a:pPr>
-              <a:lnSpc>
-                <a:spcPct val="100000"/>
-              </a:lnSpc>
-            </a:pPr>
-            <a:r>
-              <a:rPr lang="en-IN" sz="1600" b="0" strike="noStrike" spc="-1" dirty="0">
-                <a:solidFill>
-                  <a:srgbClr val="444444"/>
-                </a:solidFill>
-                <a:uFill>
-                  <a:solidFill>
-                    <a:srgbClr val="FFFFFF"/>
-                  </a:solidFill>
-                </a:uFill>
-                <a:latin typeface="Trebuchet MS"/>
-                <a:ea typeface="DejaVu Sans"/>
-              </a:rPr>
-              <a:t>	</a:t>
-            </a:r>
-            <a:r>
-              <a:rPr lang="en-IN" sz="1600" b="0" strike="noStrike" spc="-1" dirty="0" smtClean="0">
-                <a:solidFill>
-                  <a:srgbClr val="444444"/>
-                </a:solidFill>
-                <a:uFill>
-                  <a:solidFill>
-                    <a:srgbClr val="FFFFFF"/>
-                  </a:solidFill>
-                </a:uFill>
-                <a:latin typeface="Trebuchet MS"/>
-                <a:ea typeface="DejaVu Sans"/>
-              </a:rPr>
-              <a:t>e.g. Classification</a:t>
-            </a:r>
-            <a:r>
-              <a:rPr lang="en-IN" sz="1600" spc="-1" dirty="0" smtClean="0">
-                <a:solidFill>
-                  <a:srgbClr val="444444"/>
-                </a:solidFill>
-                <a:uFill>
-                  <a:solidFill>
-                    <a:srgbClr val="FFFFFF"/>
-                  </a:solidFill>
-                </a:uFill>
-                <a:latin typeface="Trebuchet MS"/>
-                <a:ea typeface="DejaVu Sans"/>
-              </a:rPr>
-              <a:t>, Regression</a:t>
-            </a:r>
-            <a:endParaRPr lang="en-IN" sz="1600" b="0" strike="noStrike" spc="-1" dirty="0" smtClean="0">
-              <a:solidFill>
-                <a:srgbClr val="444444"/>
-              </a:solidFill>
-              <a:uFill>
-                <a:solidFill>
-                  <a:srgbClr val="FFFFFF"/>
-                </a:solidFill>
-              </a:uFill>
-              <a:latin typeface="Trebuchet MS"/>
-              <a:ea typeface="DejaVu Sans"/>
-            </a:endParaRPr>
-          </a:p>
-          <a:p>
-            <a:pPr>
-              <a:lnSpc>
-                <a:spcPct val="100000"/>
-              </a:lnSpc>
-            </a:pPr>
-            <a:r>
-              <a:rPr lang="en-IN" sz="1600" spc="-1" dirty="0" smtClean="0">
-                <a:solidFill>
-                  <a:srgbClr val="444444"/>
-                </a:solidFill>
-                <a:uFill>
-                  <a:solidFill>
-                    <a:srgbClr val="FFFFFF"/>
-                  </a:solidFill>
-                </a:uFill>
-                <a:latin typeface="Trebuchet MS"/>
-              </a:rPr>
-              <a:t>	</a:t>
-            </a:r>
-            <a:r>
-              <a:rPr lang="en-IN" sz="1600" spc="-1" dirty="0">
-                <a:solidFill>
-                  <a:srgbClr val="444444"/>
-                </a:solidFill>
-                <a:uFill>
-                  <a:solidFill>
-                    <a:srgbClr val="FFFFFF"/>
-                  </a:solidFill>
-                </a:uFill>
-                <a:latin typeface="Trebuchet MS"/>
-              </a:rPr>
-              <a:t>	</a:t>
-            </a:r>
-            <a:r>
-              <a:rPr lang="en-IN" sz="1600" spc="-1" dirty="0" smtClean="0">
-                <a:solidFill>
-                  <a:srgbClr val="444444"/>
-                </a:solidFill>
-                <a:uFill>
-                  <a:solidFill>
-                    <a:srgbClr val="FFFFFF"/>
-                  </a:solidFill>
-                </a:uFill>
-                <a:latin typeface="Trebuchet MS"/>
-              </a:rPr>
-              <a:t>Whether prediction, Face recognition, </a:t>
-            </a:r>
-            <a:r>
-              <a:rPr lang="en-IN" sz="1600" spc="-1" dirty="0">
-                <a:solidFill>
-                  <a:srgbClr val="444444"/>
-                </a:solidFill>
-                <a:uFill>
-                  <a:solidFill>
-                    <a:srgbClr val="FFFFFF"/>
-                  </a:solidFill>
-                </a:uFill>
-                <a:latin typeface="Trebuchet MS"/>
-              </a:rPr>
-              <a:t>S</a:t>
-            </a:r>
-            <a:r>
-              <a:rPr lang="en-IN" sz="1600" spc="-1" dirty="0" smtClean="0">
-                <a:solidFill>
-                  <a:srgbClr val="444444"/>
-                </a:solidFill>
-                <a:uFill>
-                  <a:solidFill>
-                    <a:srgbClr val="FFFFFF"/>
-                  </a:solidFill>
-                </a:uFill>
-                <a:latin typeface="Trebuchet MS"/>
-              </a:rPr>
-              <a:t>pam filtering</a:t>
-            </a:r>
-            <a:endParaRPr lang="en-IN" sz="1800" b="0" strike="noStrike" spc="-1" dirty="0">
-              <a:solidFill>
-                <a:srgbClr val="000000"/>
-              </a:solidFill>
-              <a:uFill>
-                <a:solidFill>
-                  <a:srgbClr val="FFFFFF"/>
-                </a:solidFill>
-              </a:uFill>
-              <a:latin typeface="Arial"/>
-            </a:endParaRPr>
-          </a:p>
-        </p:txBody>
-      </p:sp>
-      <p:sp>
-        <p:nvSpPr>
-          <p:cNvPr id="369" name="CustomShape 3"/>
-          <p:cNvSpPr/>
-          <p:nvPr/>
-        </p:nvSpPr>
-        <p:spPr>
-          <a:xfrm>
-            <a:off x="357840" y="1435680"/>
-            <a:ext cx="410760" cy="407520"/>
+            <a:off x="4234485" y="750900"/>
+            <a:ext cx="2604600" cy="1965240"/>
           </a:xfrm>
           <a:prstGeom prst="ellipse">
             <a:avLst/>
@@ -25116,120 +25468,15 @@
           </a:effectRef>
           <a:fontRef idx="minor"/>
         </p:style>
-      </p:sp>
-      <p:sp>
-        <p:nvSpPr>
-          <p:cNvPr id="370" name="CustomShape 4"/>
-          <p:cNvSpPr/>
-          <p:nvPr/>
-        </p:nvSpPr>
-        <p:spPr>
-          <a:xfrm>
-            <a:off x="401400" y="1472040"/>
-            <a:ext cx="320760" cy="245520"/>
-          </a:xfrm>
-          <a:prstGeom prst="rect">
-            <a:avLst/>
-          </a:prstGeom>
-          <a:noFill/>
-          <a:ln>
-            <a:noFill/>
-          </a:ln>
-        </p:spPr>
-        <p:style>
-          <a:lnRef idx="0">
-            <a:scrgbClr r="0" g="0" b="0"/>
-          </a:lnRef>
-          <a:fillRef idx="0">
-            <a:scrgbClr r="0" g="0" b="0"/>
-          </a:fillRef>
-          <a:effectRef idx="0">
-            <a:scrgbClr r="0" g="0" b="0"/>
-          </a:effectRef>
-          <a:fontRef idx="minor"/>
-        </p:style>
-        <p:txBody>
-          <a:bodyPr wrap="none" lIns="90000" tIns="91440" rIns="90000" bIns="0" anchor="ctr" anchorCtr="1"/>
-          <a:lstStyle/>
-          <a:p>
-            <a:pPr algn="ctr">
-              <a:lnSpc>
-                <a:spcPct val="100000"/>
-              </a:lnSpc>
-            </a:pPr>
+        <p:txBody>
+          <a:bodyPr lIns="90000" tIns="45000" rIns="90000" bIns="45000" anchor="ctr"/>
+          <a:lstStyle/>
+          <a:p>
+            <a:pPr algn="ctr"/>
             <a:r>
-              <a:rPr lang="en-IN" sz="1700" b="0" strike="noStrike" spc="-1">
-                <a:solidFill>
-                  <a:srgbClr val="FFFFFF"/>
-                </a:solidFill>
-                <a:uFill>
-                  <a:solidFill>
-                    <a:srgbClr val="FFFFFF"/>
-                  </a:solidFill>
-                </a:uFill>
-                <a:latin typeface="Arial Black"/>
-                <a:ea typeface="DejaVu Sans"/>
-              </a:rPr>
-              <a:t>1</a:t>
-            </a:r>
-            <a:endParaRPr lang="en-IN" sz="1800" b="0" strike="noStrike" spc="-1">
-              <a:solidFill>
-                <a:srgbClr val="000000"/>
-              </a:solidFill>
-              <a:uFill>
-                <a:solidFill>
-                  <a:srgbClr val="FFFFFF"/>
-                </a:solidFill>
-              </a:uFill>
-              <a:latin typeface="Arial"/>
-            </a:endParaRPr>
-          </a:p>
-        </p:txBody>
-      </p:sp>
-      <p:sp>
-        <p:nvSpPr>
-          <p:cNvPr id="371" name="CustomShape 5"/>
-          <p:cNvSpPr/>
-          <p:nvPr/>
-        </p:nvSpPr>
-        <p:spPr>
-          <a:xfrm>
-            <a:off x="822960" y="2368080"/>
-            <a:ext cx="7314480" cy="576720"/>
-          </a:xfrm>
-          <a:prstGeom prst="rect">
-            <a:avLst/>
-          </a:prstGeom>
-          <a:noFill/>
-          <a:ln>
-            <a:noFill/>
-          </a:ln>
-        </p:spPr>
-        <p:style>
-          <a:lnRef idx="0">
-            <a:scrgbClr r="0" g="0" b="0"/>
-          </a:lnRef>
-          <a:fillRef idx="0">
-            <a:scrgbClr r="0" g="0" b="0"/>
-          </a:fillRef>
-          <a:effectRef idx="0">
-            <a:scrgbClr r="0" g="0" b="0"/>
-          </a:effectRef>
-          <a:fontRef idx="minor"/>
-        </p:style>
-        <p:txBody>
-          <a:bodyPr lIns="90000" tIns="45000" rIns="90000" bIns="45000"/>
-          <a:lstStyle/>
-          <a:p>
-            <a:pPr>
-              <a:lnSpc>
-                <a:spcPct val="100000"/>
-              </a:lnSpc>
-            </a:pPr>
-            <a:r>
-              <a:rPr lang="en-IN" sz="1600" b="0" strike="noStrike" spc="-1" dirty="0">
-                <a:solidFill>
-                  <a:srgbClr val="444444"/>
+              <a:rPr lang="en-IN" spc="-1" dirty="0">
+                <a:solidFill>
+                  <a:srgbClr val="464547"/>
                 </a:solidFill>
                 <a:uFill>
                   <a:solidFill>
@@ -25239,115 +25486,21 @@
                 <a:latin typeface="Trebuchet MS"/>
                 <a:ea typeface="DejaVu Sans"/>
               </a:rPr>
-              <a:t>Unsupervised Learning</a:t>
+              <a:t>           Learning</a:t>
             </a:r>
-            <a:endParaRPr lang="en-IN" sz="1800" b="0" strike="noStrike" spc="-1" dirty="0">
-              <a:solidFill>
-                <a:srgbClr val="000000"/>
-              </a:solidFill>
-              <a:uFill>
-                <a:solidFill>
-                  <a:srgbClr val="FFFFFF"/>
-                </a:solidFill>
-              </a:uFill>
-              <a:latin typeface="Arial"/>
-            </a:endParaRPr>
-          </a:p>
-          <a:p>
-            <a:pPr>
-              <a:lnSpc>
-                <a:spcPct val="100000"/>
-              </a:lnSpc>
-            </a:pPr>
-            <a:r>
-              <a:rPr lang="en-IN" sz="1600" b="0" strike="noStrike" spc="-1" dirty="0">
-                <a:solidFill>
-                  <a:srgbClr val="444444"/>
-                </a:solidFill>
-                <a:uFill>
-                  <a:solidFill>
-                    <a:srgbClr val="FFFFFF"/>
-                  </a:solidFill>
-                </a:uFill>
-                <a:latin typeface="Trebuchet MS"/>
-                <a:ea typeface="DejaVu Sans"/>
-              </a:rPr>
-              <a:t>	e.g. </a:t>
-            </a:r>
-            <a:r>
-              <a:rPr lang="en-IN" sz="1600" b="0" strike="noStrike" spc="-1" dirty="0" smtClean="0">
-                <a:solidFill>
-                  <a:srgbClr val="444444"/>
-                </a:solidFill>
-                <a:uFill>
-                  <a:solidFill>
-                    <a:srgbClr val="FFFFFF"/>
-                  </a:solidFill>
-                </a:uFill>
-                <a:latin typeface="Trebuchet MS"/>
-                <a:ea typeface="DejaVu Sans"/>
-              </a:rPr>
-              <a:t>Clustering</a:t>
-            </a:r>
-          </a:p>
-          <a:p>
-            <a:pPr>
-              <a:lnSpc>
-                <a:spcPct val="100000"/>
-              </a:lnSpc>
-            </a:pPr>
-            <a:r>
-              <a:rPr lang="en-IN" sz="1600" spc="-1" dirty="0">
-                <a:solidFill>
-                  <a:srgbClr val="444444"/>
-                </a:solidFill>
-                <a:uFill>
-                  <a:solidFill>
-                    <a:srgbClr val="FFFFFF"/>
-                  </a:solidFill>
-                </a:uFill>
-                <a:latin typeface="Trebuchet MS"/>
-              </a:rPr>
-              <a:t>	</a:t>
-            </a:r>
-            <a:r>
-              <a:rPr lang="en-IN" sz="1600" spc="-1" dirty="0" smtClean="0">
-                <a:solidFill>
-                  <a:srgbClr val="444444"/>
-                </a:solidFill>
-                <a:uFill>
-                  <a:solidFill>
-                    <a:srgbClr val="FFFFFF"/>
-                  </a:solidFill>
-                </a:uFill>
-                <a:latin typeface="Trebuchet MS"/>
-              </a:rPr>
-              <a:t>	Recommendation systems, Image segmentation</a:t>
-            </a:r>
-            <a:endParaRPr lang="en-IN" sz="1800" b="0" strike="noStrike" spc="-1" dirty="0">
-              <a:solidFill>
-                <a:srgbClr val="000000"/>
-              </a:solidFill>
-              <a:uFill>
-                <a:solidFill>
-                  <a:srgbClr val="FFFFFF"/>
-                </a:solidFill>
-              </a:uFill>
-              <a:latin typeface="Arial"/>
-            </a:endParaRPr>
-          </a:p>
-        </p:txBody>
-      </p:sp>
-      <p:sp>
-        <p:nvSpPr>
-          <p:cNvPr id="372" name="CustomShape 6"/>
+          </a:p>
+        </p:txBody>
+      </p:sp>
+      <p:sp>
+        <p:nvSpPr>
+          <p:cNvPr id="359" name="CustomShape 5"/>
           <p:cNvSpPr/>
           <p:nvPr/>
         </p:nvSpPr>
         <p:spPr>
           <a:xfrm>
-            <a:off x="357840" y="2343600"/>
-            <a:ext cx="410760" cy="407520"/>
+            <a:off x="788895" y="2376870"/>
+            <a:ext cx="1988640" cy="1319040"/>
           </a:xfrm>
           <a:prstGeom prst="ellipse">
             <a:avLst/>
@@ -25378,120 +25531,15 @@
           </a:effectRef>
           <a:fontRef idx="minor"/>
         </p:style>
-      </p:sp>
-      <p:sp>
-        <p:nvSpPr>
-          <p:cNvPr id="373" name="CustomShape 7"/>
-          <p:cNvSpPr/>
-          <p:nvPr/>
-        </p:nvSpPr>
-        <p:spPr>
-          <a:xfrm>
-            <a:off x="403200" y="2380320"/>
-            <a:ext cx="320760" cy="245520"/>
-          </a:xfrm>
-          <a:prstGeom prst="rect">
-            <a:avLst/>
-          </a:prstGeom>
-          <a:noFill/>
-          <a:ln>
-            <a:noFill/>
-          </a:ln>
-        </p:spPr>
-        <p:style>
-          <a:lnRef idx="0">
-            <a:scrgbClr r="0" g="0" b="0"/>
-          </a:lnRef>
-          <a:fillRef idx="0">
-            <a:scrgbClr r="0" g="0" b="0"/>
-          </a:fillRef>
-          <a:effectRef idx="0">
-            <a:scrgbClr r="0" g="0" b="0"/>
-          </a:effectRef>
-          <a:fontRef idx="minor"/>
-        </p:style>
-        <p:txBody>
-          <a:bodyPr wrap="none" lIns="90000" tIns="91440" rIns="90000" bIns="0" anchor="ctr" anchorCtr="1"/>
-          <a:lstStyle/>
-          <a:p>
-            <a:pPr algn="ctr">
-              <a:lnSpc>
-                <a:spcPct val="100000"/>
-              </a:lnSpc>
-            </a:pPr>
+        <p:txBody>
+          <a:bodyPr lIns="90000" tIns="45000" rIns="90000" bIns="45000" anchor="ctr"/>
+          <a:lstStyle/>
+          <a:p>
+            <a:pPr algn="ctr"/>
             <a:r>
-              <a:rPr lang="en-IN" sz="1700" b="0" strike="noStrike" spc="-1">
-                <a:solidFill>
-                  <a:srgbClr val="FFFFFF"/>
-                </a:solidFill>
-                <a:uFill>
-                  <a:solidFill>
-                    <a:srgbClr val="FFFFFF"/>
-                  </a:solidFill>
-                </a:uFill>
-                <a:latin typeface="Arial Black"/>
-                <a:ea typeface="DejaVu Sans"/>
-              </a:rPr>
-              <a:t>2</a:t>
-            </a:r>
-            <a:endParaRPr lang="en-IN" sz="1800" b="0" strike="noStrike" spc="-1">
-              <a:solidFill>
-                <a:srgbClr val="000000"/>
-              </a:solidFill>
-              <a:uFill>
-                <a:solidFill>
-                  <a:srgbClr val="FFFFFF"/>
-                </a:solidFill>
-              </a:uFill>
-              <a:latin typeface="Arial"/>
-            </a:endParaRPr>
-          </a:p>
-        </p:txBody>
-      </p:sp>
-      <p:sp>
-        <p:nvSpPr>
-          <p:cNvPr id="374" name="CustomShape 8"/>
-          <p:cNvSpPr/>
-          <p:nvPr/>
-        </p:nvSpPr>
-        <p:spPr>
-          <a:xfrm>
-            <a:off x="866520" y="3300120"/>
-            <a:ext cx="7314480" cy="576720"/>
-          </a:xfrm>
-          <a:prstGeom prst="rect">
-            <a:avLst/>
-          </a:prstGeom>
-          <a:noFill/>
-          <a:ln>
-            <a:noFill/>
-          </a:ln>
-        </p:spPr>
-        <p:style>
-          <a:lnRef idx="0">
-            <a:scrgbClr r="0" g="0" b="0"/>
-          </a:lnRef>
-          <a:fillRef idx="0">
-            <a:scrgbClr r="0" g="0" b="0"/>
-          </a:fillRef>
-          <a:effectRef idx="0">
-            <a:scrgbClr r="0" g="0" b="0"/>
-          </a:effectRef>
-          <a:fontRef idx="minor"/>
-        </p:style>
-        <p:txBody>
-          <a:bodyPr lIns="90000" tIns="45000" rIns="90000" bIns="45000"/>
-          <a:lstStyle/>
-          <a:p>
-            <a:pPr>
-              <a:lnSpc>
-                <a:spcPct val="100000"/>
-              </a:lnSpc>
-            </a:pPr>
-            <a:r>
-              <a:rPr lang="en-IN" sz="1600" b="0" strike="noStrike" spc="-1" dirty="0">
-                <a:solidFill>
-                  <a:srgbClr val="444444"/>
+              <a:rPr lang="en-IN" spc="-1">
+                <a:solidFill>
+                  <a:srgbClr val="464547"/>
                 </a:solidFill>
                 <a:uFill>
                   <a:solidFill>
@@ -25501,30 +25549,15 @@
                 <a:latin typeface="Trebuchet MS"/>
                 <a:ea typeface="DejaVu Sans"/>
               </a:rPr>
-              <a:t>Reinforcement Learning</a:t>
+              <a:t>Psychology&amp;</a:t>
             </a:r>
-            <a:endParaRPr lang="en-IN" sz="1800" b="0" strike="noStrike" spc="-1" dirty="0">
-              <a:solidFill>
-                <a:srgbClr val="000000"/>
-              </a:solidFill>
-              <a:uFill>
-                <a:solidFill>
-                  <a:srgbClr val="FFFFFF"/>
-                </a:solidFill>
-              </a:uFill>
-              <a:latin typeface="Arial"/>
-            </a:endParaRPr>
-          </a:p>
-          <a:p>
-            <a:pPr>
-              <a:lnSpc>
-                <a:spcPct val="100000"/>
-              </a:lnSpc>
-            </a:pPr>
+          </a:p>
+          <a:p>
+            <a:pPr algn="ctr"/>
             <a:r>
-              <a:rPr lang="en-IN" sz="1600" b="0" strike="noStrike" spc="-1" dirty="0">
-                <a:solidFill>
-                  <a:srgbClr val="444444"/>
+              <a:rPr lang="en-IN" spc="-1">
+                <a:solidFill>
+                  <a:srgbClr val="464547"/>
                 </a:solidFill>
                 <a:uFill>
                   <a:solidFill>
@@ -25534,146 +25567,21 @@
                 <a:latin typeface="Trebuchet MS"/>
                 <a:ea typeface="DejaVu Sans"/>
               </a:rPr>
-              <a:t>	e.g. Game Theory, Decision </a:t>
+              <a:t>Philosophy</a:t>
             </a:r>
-            <a:r>
-              <a:rPr lang="en-IN" sz="1600" b="0" strike="noStrike" spc="-1" dirty="0" smtClean="0">
-                <a:solidFill>
-                  <a:srgbClr val="444444"/>
-                </a:solidFill>
-                <a:uFill>
-                  <a:solidFill>
-                    <a:srgbClr val="FFFFFF"/>
-                  </a:solidFill>
-                </a:uFill>
-                <a:latin typeface="Trebuchet MS"/>
-                <a:ea typeface="DejaVu Sans"/>
-              </a:rPr>
-              <a:t>Theory</a:t>
-            </a:r>
-          </a:p>
-          <a:p>
-            <a:pPr>
-              <a:lnSpc>
-                <a:spcPct val="100000"/>
-              </a:lnSpc>
-            </a:pPr>
-            <a:r>
-              <a:rPr lang="en-IN" sz="1600" spc="-1" dirty="0">
-                <a:solidFill>
-                  <a:srgbClr val="444444"/>
-                </a:solidFill>
-                <a:uFill>
-                  <a:solidFill>
-                    <a:srgbClr val="FFFFFF"/>
-                  </a:solidFill>
-                </a:uFill>
-                <a:latin typeface="Trebuchet MS"/>
-                <a:ea typeface="DejaVu Sans"/>
-              </a:rPr>
-              <a:t>	</a:t>
-            </a:r>
-            <a:r>
-              <a:rPr lang="en-IN" sz="1600" spc="-1" dirty="0" smtClean="0">
-                <a:solidFill>
-                  <a:srgbClr val="444444"/>
-                </a:solidFill>
-                <a:uFill>
-                  <a:solidFill>
-                    <a:srgbClr val="FFFFFF"/>
-                  </a:solidFill>
-                </a:uFill>
-                <a:latin typeface="Trebuchet MS"/>
-                <a:ea typeface="DejaVu Sans"/>
-              </a:rPr>
-              <a:t>	Deep blue, </a:t>
-            </a:r>
-            <a:r>
-              <a:rPr lang="en-IN" sz="1600" spc="-1" dirty="0" err="1" smtClean="0">
-                <a:solidFill>
-                  <a:srgbClr val="444444"/>
-                </a:solidFill>
-                <a:uFill>
-                  <a:solidFill>
-                    <a:srgbClr val="FFFFFF"/>
-                  </a:solidFill>
-                </a:uFill>
-                <a:latin typeface="Trebuchet MS"/>
-                <a:ea typeface="DejaVu Sans"/>
-              </a:rPr>
-              <a:t>AlphaGo</a:t>
-            </a:r>
-            <a:endParaRPr lang="en-IN" sz="1600" b="0" strike="noStrike" spc="-1" dirty="0" smtClean="0">
-              <a:solidFill>
-                <a:srgbClr val="444444"/>
-              </a:solidFill>
-              <a:uFill>
-                <a:solidFill>
-                  <a:srgbClr val="FFFFFF"/>
-                </a:solidFill>
-              </a:uFill>
-              <a:latin typeface="Trebuchet MS"/>
-              <a:ea typeface="DejaVu Sans"/>
-            </a:endParaRPr>
-          </a:p>
-          <a:p>
-            <a:pPr>
-              <a:lnSpc>
-                <a:spcPct val="100000"/>
-              </a:lnSpc>
-            </a:pPr>
-            <a:r>
-              <a:rPr lang="en-IN" sz="1600" spc="-1" dirty="0">
-                <a:solidFill>
-                  <a:srgbClr val="444444"/>
-                </a:solidFill>
-                <a:uFill>
-                  <a:solidFill>
-                    <a:srgbClr val="FFFFFF"/>
-                  </a:solidFill>
-                </a:uFill>
-                <a:latin typeface="Trebuchet MS"/>
-              </a:rPr>
-              <a:t>	</a:t>
-            </a:r>
-            <a:r>
-              <a:rPr lang="en-IN" sz="1600" spc="-1" dirty="0" smtClean="0">
-                <a:solidFill>
-                  <a:srgbClr val="444444"/>
-                </a:solidFill>
-                <a:uFill>
-                  <a:solidFill>
-                    <a:srgbClr val="FFFFFF"/>
-                  </a:solidFill>
-                </a:uFill>
-                <a:latin typeface="Trebuchet MS"/>
-              </a:rPr>
-              <a:t>	</a:t>
-            </a:r>
-            <a:endParaRPr lang="en-IN" sz="1800" b="0" strike="noStrike" spc="-1" dirty="0">
-              <a:solidFill>
-                <a:srgbClr val="000000"/>
-              </a:solidFill>
-              <a:uFill>
-                <a:solidFill>
-                  <a:srgbClr val="FFFFFF"/>
-                </a:solidFill>
-              </a:uFill>
-              <a:latin typeface="Arial"/>
-            </a:endParaRPr>
-          </a:p>
-        </p:txBody>
-      </p:sp>
-      <p:sp>
-        <p:nvSpPr>
-          <p:cNvPr id="375" name="CustomShape 9"/>
+          </a:p>
+        </p:txBody>
+      </p:sp>
+      <p:sp>
+        <p:nvSpPr>
+          <p:cNvPr id="361" name="CustomShape 7"/>
           <p:cNvSpPr/>
           <p:nvPr/>
         </p:nvSpPr>
         <p:spPr>
           <a:xfrm>
-            <a:off x="401400" y="3276000"/>
-            <a:ext cx="410760" cy="407520"/>
+            <a:off x="1913850" y="1002570"/>
+            <a:ext cx="2035080" cy="1319040"/>
           </a:xfrm>
           <a:prstGeom prst="ellipse">
             <a:avLst/>
@@ -25704,40 +25612,388 @@
           </a:effectRef>
           <a:fontRef idx="minor"/>
         </p:style>
-      </p:sp>
-      <p:sp>
-        <p:nvSpPr>
-          <p:cNvPr id="376" name="CustomShape 10"/>
+        <p:txBody>
+          <a:bodyPr lIns="90000" tIns="45000" rIns="90000" bIns="45000" anchor="ctr"/>
+          <a:lstStyle/>
+          <a:p>
+            <a:pPr algn="ctr"/>
+            <a:r>
+              <a:rPr lang="en-IN" spc="-1" dirty="0">
+                <a:solidFill>
+                  <a:srgbClr val="464547"/>
+                </a:solidFill>
+                <a:uFill>
+                  <a:solidFill>
+                    <a:srgbClr val="FFFFFF"/>
+                  </a:solidFill>
+                </a:uFill>
+                <a:latin typeface="Trebuchet MS"/>
+                <a:ea typeface="DejaVu Sans"/>
+              </a:rPr>
+              <a:t>Reasoning &amp; Intelligence</a:t>
+            </a:r>
+          </a:p>
+        </p:txBody>
+      </p:sp>
+      <p:sp>
+        <p:nvSpPr>
+          <p:cNvPr id="360" name="CustomShape 6"/>
           <p:cNvSpPr/>
           <p:nvPr/>
         </p:nvSpPr>
         <p:spPr>
           <a:xfrm>
-            <a:off x="446760" y="3312360"/>
-            <a:ext cx="320760" cy="245520"/>
-          </a:xfrm>
-          <a:prstGeom prst="rect">
-            <a:avLst/>
-          </a:prstGeom>
-          <a:noFill/>
+            <a:off x="862200" y="3904425"/>
+            <a:ext cx="1848240" cy="1319040"/>
+          </a:xfrm>
+          <a:prstGeom prst="ellipse">
+            <a:avLst/>
+          </a:prstGeom>
+          <a:solidFill>
+            <a:srgbClr val="2FC2D9"/>
+          </a:solidFill>
           <a:ln>
             <a:noFill/>
           </a:ln>
+          <a:effectLst>
+            <a:outerShdw blurRad="40000" dist="23000" dir="5400000" rotWithShape="0">
+              <a:srgbClr val="000000">
+                <a:alpha val="35000"/>
+              </a:srgbClr>
+            </a:outerShdw>
+          </a:effectLst>
         </p:spPr>
         <p:style>
-          <a:lnRef idx="0">
-            <a:scrgbClr r="0" g="0" b="0"/>
+          <a:lnRef idx="1">
+            <a:schemeClr val="accent1"/>
           </a:lnRef>
-          <a:fillRef idx="0">
-            <a:scrgbClr r="0" g="0" b="0"/>
+          <a:fillRef idx="3">
+            <a:schemeClr val="accent1"/>
           </a:fillRef>
-          <a:effectRef idx="0">
-            <a:scrgbClr r="0" g="0" b="0"/>
+          <a:effectRef idx="2">
+            <a:schemeClr val="accent1"/>
           </a:effectRef>
           <a:fontRef idx="minor"/>
         </p:style>
         <p:txBody>
-          <a:bodyPr wrap="none" lIns="90000" tIns="91440" rIns="90000" bIns="0" anchor="ctr" anchorCtr="1"/>
+          <a:bodyPr lIns="90000" tIns="45000" rIns="90000" bIns="45000" anchor="ctr"/>
+          <a:lstStyle/>
+          <a:p>
+            <a:pPr algn="ctr"/>
+            <a:r>
+              <a:rPr lang="en-IN" spc="-1">
+                <a:solidFill>
+                  <a:srgbClr val="464547"/>
+                </a:solidFill>
+                <a:uFill>
+                  <a:solidFill>
+                    <a:srgbClr val="FFFFFF"/>
+                  </a:solidFill>
+                </a:uFill>
+                <a:latin typeface="Trebuchet MS"/>
+                <a:ea typeface="DejaVu Sans"/>
+              </a:rPr>
+              <a:t>Linguistics</a:t>
+            </a:r>
+          </a:p>
+        </p:txBody>
+      </p:sp>
+      <p:sp>
+        <p:nvSpPr>
+          <p:cNvPr id="365" name="CustomShape 11"/>
+          <p:cNvSpPr/>
+          <p:nvPr/>
+        </p:nvSpPr>
+        <p:spPr>
+          <a:xfrm>
+            <a:off x="4001730" y="5168520"/>
+            <a:ext cx="2115720" cy="1319040"/>
+          </a:xfrm>
+          <a:prstGeom prst="ellipse">
+            <a:avLst/>
+          </a:prstGeom>
+          <a:solidFill>
+            <a:srgbClr val="2FC2D9"/>
+          </a:solidFill>
+          <a:ln>
+            <a:noFill/>
+          </a:ln>
+          <a:effectLst>
+            <a:outerShdw blurRad="40000" dist="23000" dir="5400000" rotWithShape="0">
+              <a:srgbClr val="000000">
+                <a:alpha val="35000"/>
+              </a:srgbClr>
+            </a:outerShdw>
+          </a:effectLst>
+        </p:spPr>
+        <p:style>
+          <a:lnRef idx="1">
+            <a:schemeClr val="accent1"/>
+          </a:lnRef>
+          <a:fillRef idx="3">
+            <a:schemeClr val="accent1"/>
+          </a:fillRef>
+          <a:effectRef idx="2">
+            <a:schemeClr val="accent1"/>
+          </a:effectRef>
+          <a:fontRef idx="minor"/>
+        </p:style>
+        <p:txBody>
+          <a:bodyPr lIns="90000" tIns="45000" rIns="90000" bIns="45000" anchor="ctr"/>
+          <a:lstStyle/>
+          <a:p>
+            <a:pPr algn="ctr"/>
+            <a:r>
+              <a:rPr lang="en-IN" spc="-1">
+                <a:solidFill>
+                  <a:srgbClr val="464547"/>
+                </a:solidFill>
+                <a:uFill>
+                  <a:solidFill>
+                    <a:srgbClr val="FFFFFF"/>
+                  </a:solidFill>
+                </a:uFill>
+                <a:latin typeface="Trebuchet MS"/>
+                <a:ea typeface="DejaVu Sans"/>
+              </a:rPr>
+              <a:t>Mathematics</a:t>
+            </a:r>
+          </a:p>
+        </p:txBody>
+      </p:sp>
+      <p:sp>
+        <p:nvSpPr>
+          <p:cNvPr id="363" name="CustomShape 9"/>
+          <p:cNvSpPr/>
+          <p:nvPr/>
+        </p:nvSpPr>
+        <p:spPr>
+          <a:xfrm>
+            <a:off x="1973880" y="5137920"/>
+            <a:ext cx="1848240" cy="1319040"/>
+          </a:xfrm>
+          <a:prstGeom prst="ellipse">
+            <a:avLst/>
+          </a:prstGeom>
+          <a:solidFill>
+            <a:srgbClr val="2FC2D9"/>
+          </a:solidFill>
+          <a:ln>
+            <a:noFill/>
+          </a:ln>
+          <a:effectLst>
+            <a:outerShdw blurRad="40000" dist="23000" dir="5400000" rotWithShape="0">
+              <a:srgbClr val="000000">
+                <a:alpha val="35000"/>
+              </a:srgbClr>
+            </a:outerShdw>
+          </a:effectLst>
+        </p:spPr>
+        <p:style>
+          <a:lnRef idx="1">
+            <a:schemeClr val="accent1"/>
+          </a:lnRef>
+          <a:fillRef idx="3">
+            <a:schemeClr val="accent1"/>
+          </a:fillRef>
+          <a:effectRef idx="2">
+            <a:schemeClr val="accent1"/>
+          </a:effectRef>
+          <a:fontRef idx="minor"/>
+        </p:style>
+        <p:txBody>
+          <a:bodyPr lIns="90000" tIns="45000" rIns="90000" bIns="45000" anchor="ctr"/>
+          <a:lstStyle/>
+          <a:p>
+            <a:pPr algn="ctr"/>
+            <a:r>
+              <a:rPr lang="en-IN" spc="-1">
+                <a:solidFill>
+                  <a:srgbClr val="464547"/>
+                </a:solidFill>
+                <a:uFill>
+                  <a:solidFill>
+                    <a:srgbClr val="FFFFFF"/>
+                  </a:solidFill>
+                </a:uFill>
+                <a:latin typeface="Trebuchet MS"/>
+                <a:ea typeface="DejaVu Sans"/>
+              </a:rPr>
+              <a:t>Neuro science</a:t>
+            </a:r>
+          </a:p>
+        </p:txBody>
+      </p:sp>
+      <p:sp>
+        <p:nvSpPr>
+          <p:cNvPr id="364" name="CustomShape 10"/>
+          <p:cNvSpPr/>
+          <p:nvPr/>
+        </p:nvSpPr>
+        <p:spPr>
+          <a:xfrm>
+            <a:off x="5649120" y="4100130"/>
+            <a:ext cx="2137320" cy="1319040"/>
+          </a:xfrm>
+          <a:prstGeom prst="ellipse">
+            <a:avLst/>
+          </a:prstGeom>
+          <a:solidFill>
+            <a:srgbClr val="2FC2D9"/>
+          </a:solidFill>
+          <a:ln>
+            <a:noFill/>
+          </a:ln>
+          <a:effectLst>
+            <a:outerShdw blurRad="40000" dist="23000" dir="5400000" rotWithShape="0">
+              <a:srgbClr val="000000">
+                <a:alpha val="35000"/>
+              </a:srgbClr>
+            </a:outerShdw>
+          </a:effectLst>
+        </p:spPr>
+        <p:style>
+          <a:lnRef idx="1">
+            <a:schemeClr val="accent1"/>
+          </a:lnRef>
+          <a:fillRef idx="3">
+            <a:schemeClr val="accent1"/>
+          </a:fillRef>
+          <a:effectRef idx="2">
+            <a:schemeClr val="accent1"/>
+          </a:effectRef>
+          <a:fontRef idx="minor"/>
+        </p:style>
+        <p:txBody>
+          <a:bodyPr lIns="90000" tIns="45000" rIns="90000" bIns="45000" anchor="ctr"/>
+          <a:lstStyle/>
+          <a:p>
+            <a:pPr algn="ctr"/>
+            <a:r>
+              <a:rPr lang="en-IN" spc="-1" dirty="0">
+                <a:solidFill>
+                  <a:srgbClr val="464547"/>
+                </a:solidFill>
+                <a:uFill>
+                  <a:solidFill>
+                    <a:srgbClr val="FFFFFF"/>
+                  </a:solidFill>
+                </a:uFill>
+                <a:latin typeface="Trebuchet MS"/>
+                <a:ea typeface="DejaVu Sans"/>
+              </a:rPr>
+              <a:t>Cognitive Science</a:t>
+            </a:r>
+          </a:p>
+        </p:txBody>
+      </p:sp>
+      <p:sp>
+        <p:nvSpPr>
+          <p:cNvPr id="366" name="CustomShape 12"/>
+          <p:cNvSpPr/>
+          <p:nvPr/>
+        </p:nvSpPr>
+        <p:spPr>
+          <a:xfrm>
+            <a:off x="6074640" y="2605530"/>
+            <a:ext cx="2137320" cy="1319040"/>
+          </a:xfrm>
+          <a:prstGeom prst="ellipse">
+            <a:avLst/>
+          </a:prstGeom>
+          <a:solidFill>
+            <a:srgbClr val="2FC2D9"/>
+          </a:solidFill>
+          <a:ln>
+            <a:noFill/>
+          </a:ln>
+          <a:effectLst>
+            <a:outerShdw blurRad="40000" dist="23000" dir="5400000" rotWithShape="0">
+              <a:srgbClr val="000000">
+                <a:alpha val="35000"/>
+              </a:srgbClr>
+            </a:outerShdw>
+          </a:effectLst>
+        </p:spPr>
+        <p:style>
+          <a:lnRef idx="1">
+            <a:schemeClr val="accent1"/>
+          </a:lnRef>
+          <a:fillRef idx="3">
+            <a:schemeClr val="accent1"/>
+          </a:fillRef>
+          <a:effectRef idx="2">
+            <a:schemeClr val="accent1"/>
+          </a:effectRef>
+          <a:fontRef idx="minor"/>
+        </p:style>
+        <p:txBody>
+          <a:bodyPr lIns="90000" tIns="45000" rIns="90000" bIns="45000" anchor="ctr"/>
+          <a:lstStyle/>
+          <a:p>
+            <a:pPr algn="ctr"/>
+            <a:r>
+              <a:rPr lang="en-IN" spc="-1" dirty="0">
+                <a:solidFill>
+                  <a:srgbClr val="464547"/>
+                </a:solidFill>
+                <a:uFill>
+                  <a:solidFill>
+                    <a:srgbClr val="FFFFFF"/>
+                  </a:solidFill>
+                </a:uFill>
+                <a:latin typeface="Trebuchet MS"/>
+                <a:ea typeface="DejaVu Sans"/>
+              </a:rPr>
+              <a:t>Computer Science</a:t>
+            </a:r>
+          </a:p>
+        </p:txBody>
+      </p:sp>
+      <p:sp>
+        <p:nvSpPr>
+          <p:cNvPr id="356" name="CustomShape 2"/>
+          <p:cNvSpPr/>
+          <p:nvPr/>
+        </p:nvSpPr>
+        <p:spPr>
+          <a:xfrm>
+            <a:off x="2316240" y="1719810"/>
+            <a:ext cx="4096800" cy="4010400"/>
+          </a:xfrm>
+          <a:prstGeom prst="ellipse">
+            <a:avLst/>
+          </a:prstGeom>
+          <a:solidFill>
+            <a:schemeClr val="accent5">
+              <a:lumMod val="75000"/>
+            </a:schemeClr>
+          </a:solidFill>
+          <a:ln>
+            <a:noFill/>
+          </a:ln>
+          <a:effectLst>
+            <a:outerShdw blurRad="40000" dist="23000" dir="5400000" rotWithShape="0">
+              <a:srgbClr val="000000">
+                <a:alpha val="35000"/>
+              </a:srgbClr>
+            </a:outerShdw>
+          </a:effectLst>
+        </p:spPr>
+        <p:style>
+          <a:lnRef idx="1">
+            <a:schemeClr val="accent1"/>
+          </a:lnRef>
+          <a:fillRef idx="3">
+            <a:schemeClr val="accent1"/>
+          </a:fillRef>
+          <a:effectRef idx="2">
+            <a:schemeClr val="accent1"/>
+          </a:effectRef>
+          <a:fontRef idx="minor"/>
+        </p:style>
+        <p:txBody>
+          <a:bodyPr lIns="90000" tIns="45000" rIns="90000" bIns="45000" anchor="ctr"/>
           <a:lstStyle/>
           <a:p>
             <a:pPr algn="ctr">
@@ -25746,19 +26002,181 @@
               </a:lnSpc>
             </a:pPr>
             <a:r>
-              <a:rPr lang="en-IN" sz="1700" b="0" strike="noStrike" spc="-1">
-                <a:solidFill>
-                  <a:srgbClr val="FFFFFF"/>
+              <a:rPr lang="en-IN" sz="1800" b="0" strike="noStrike" spc="-1">
+                <a:solidFill>
+                  <a:schemeClr val="accent5">
+                    <a:lumMod val="50000"/>
+                  </a:schemeClr>
                 </a:solidFill>
                 <a:uFill>
                   <a:solidFill>
                     <a:srgbClr val="FFFFFF"/>
                   </a:solidFill>
                 </a:uFill>
-                <a:latin typeface="Arial Black"/>
+                <a:latin typeface="Trebuchet MS"/>
                 <a:ea typeface="DejaVu Sans"/>
               </a:rPr>
-              <a:t>3</a:t>
+              <a:t>AI</a:t>
+            </a:r>
+            <a:endParaRPr lang="en-IN" sz="1800" b="0" strike="noStrike" spc="-1">
+              <a:solidFill>
+                <a:schemeClr val="accent5">
+                  <a:lumMod val="50000"/>
+                </a:schemeClr>
+              </a:solidFill>
+              <a:uFill>
+                <a:solidFill>
+                  <a:srgbClr val="FFFFFF"/>
+                </a:solidFill>
+              </a:uFill>
+              <a:latin typeface="Arial"/>
+            </a:endParaRPr>
+          </a:p>
+        </p:txBody>
+      </p:sp>
+      <p:sp>
+        <p:nvSpPr>
+          <p:cNvPr id="362" name="CustomShape 8"/>
+          <p:cNvSpPr/>
+          <p:nvPr/>
+        </p:nvSpPr>
+        <p:spPr>
+          <a:xfrm>
+            <a:off x="4247771" y="1645980"/>
+            <a:ext cx="709075" cy="518400"/>
+          </a:xfrm>
+          <a:prstGeom prst="ellipse">
+            <a:avLst/>
+          </a:prstGeom>
+          <a:noFill/>
+          <a:ln>
+            <a:solidFill>
+              <a:srgbClr val="C7C7C7"/>
+            </a:solidFill>
+            <a:round/>
+          </a:ln>
+          <a:effectLst>
+            <a:outerShdw blurRad="40000" dist="23000" dir="5400000" rotWithShape="0">
+              <a:srgbClr val="000000">
+                <a:alpha val="35000"/>
+              </a:srgbClr>
+            </a:outerShdw>
+          </a:effectLst>
+        </p:spPr>
+        <p:style>
+          <a:lnRef idx="1">
+            <a:schemeClr val="accent1"/>
+          </a:lnRef>
+          <a:fillRef idx="3">
+            <a:schemeClr val="accent1"/>
+          </a:fillRef>
+          <a:effectRef idx="2">
+            <a:schemeClr val="accent1"/>
+          </a:effectRef>
+          <a:fontRef idx="minor"/>
+        </p:style>
+        <p:txBody>
+          <a:bodyPr lIns="90000" tIns="45000" rIns="90000" bIns="45000" anchor="ctr"/>
+          <a:lstStyle/>
+          <a:p>
+            <a:pPr algn="ctr">
+              <a:lnSpc>
+                <a:spcPct val="100000"/>
+              </a:lnSpc>
+            </a:pPr>
+            <a:r>
+              <a:rPr lang="en-IN" sz="1800" b="0" strike="noStrike" spc="-1">
+                <a:solidFill>
+                  <a:srgbClr val="464547"/>
+                </a:solidFill>
+                <a:uFill>
+                  <a:solidFill>
+                    <a:srgbClr val="FFFFFF"/>
+                  </a:solidFill>
+                </a:uFill>
+                <a:latin typeface="Trebuchet MS"/>
+                <a:ea typeface="DejaVu Sans"/>
+              </a:rPr>
+              <a:t>DL</a:t>
+            </a:r>
+            <a:endParaRPr lang="en-IN" sz="1800" b="0" strike="noStrike" spc="-1">
+              <a:solidFill>
+                <a:srgbClr val="000000"/>
+              </a:solidFill>
+              <a:uFill>
+                <a:solidFill>
+                  <a:srgbClr val="FFFFFF"/>
+                </a:solidFill>
+              </a:uFill>
+              <a:latin typeface="Arial"/>
+            </a:endParaRPr>
+          </a:p>
+        </p:txBody>
+      </p:sp>
+      <p:sp>
+        <p:nvSpPr>
+          <p:cNvPr id="358" name="CustomShape 4"/>
+          <p:cNvSpPr/>
+          <p:nvPr/>
+        </p:nvSpPr>
+        <p:spPr>
+          <a:xfrm>
+            <a:off x="4233600" y="1301253"/>
+            <a:ext cx="1186920" cy="1144440"/>
+          </a:xfrm>
+          <a:prstGeom prst="ellipse">
+            <a:avLst/>
+          </a:prstGeom>
+          <a:noFill/>
+          <a:ln>
+            <a:solidFill>
+              <a:srgbClr val="C7C7C7"/>
+            </a:solidFill>
+            <a:round/>
+          </a:ln>
+          <a:effectLst>
+            <a:outerShdw blurRad="40000" dist="23000" dir="5400000" rotWithShape="0">
+              <a:srgbClr val="000000">
+                <a:alpha val="35000"/>
+              </a:srgbClr>
+            </a:outerShdw>
+          </a:effectLst>
+        </p:spPr>
+        <p:style>
+          <a:lnRef idx="1">
+            <a:schemeClr val="accent1"/>
+          </a:lnRef>
+          <a:fillRef idx="3">
+            <a:schemeClr val="accent1"/>
+          </a:fillRef>
+          <a:effectRef idx="2">
+            <a:schemeClr val="accent1"/>
+          </a:effectRef>
+          <a:fontRef idx="minor"/>
+        </p:style>
+        <p:txBody>
+          <a:bodyPr lIns="90000" tIns="45000" rIns="90000" bIns="45000" anchor="ctr"/>
+          <a:lstStyle/>
+          <a:p>
+            <a:pPr algn="ctr">
+              <a:lnSpc>
+                <a:spcPct val="100000"/>
+              </a:lnSpc>
+            </a:pPr>
+            <a:r>
+              <a:rPr lang="en-IN" sz="1800" b="0" strike="noStrike" spc="-1">
+                <a:solidFill>
+                  <a:srgbClr val="464547"/>
+                </a:solidFill>
+                <a:uFill>
+                  <a:solidFill>
+                    <a:srgbClr val="FFFFFF"/>
+                  </a:solidFill>
+                </a:uFill>
+                <a:latin typeface="Trebuchet MS"/>
+                <a:ea typeface="DejaVu Sans"/>
+              </a:rPr>
+              <a:t>  ML</a:t>
             </a:r>
             <a:endParaRPr lang="en-IN" sz="1800" b="0" strike="noStrike" spc="-1">
               <a:solidFill>
@@ -25828,19 +26246,21 @@
       </p:grpSpPr>
       <p:sp>
         <p:nvSpPr>
-          <p:cNvPr id="377" name="CustomShape 1"/>
+          <p:cNvPr id="367" name="CustomShape 1"/>
           <p:cNvSpPr/>
           <p:nvPr/>
         </p:nvSpPr>
         <p:spPr>
           <a:xfrm>
-            <a:off x="352440" y="1440000"/>
-            <a:ext cx="8430120" cy="4571280"/>
-          </a:xfrm>
-          <a:prstGeom prst="rect">
-            <a:avLst/>
-          </a:prstGeom>
-          <a:noFill/>
+            <a:off x="0" y="0"/>
+            <a:ext cx="9143280" cy="932040"/>
+          </a:xfrm>
+          <a:prstGeom prst="rect">
+            <a:avLst/>
+          </a:prstGeom>
+          <a:solidFill>
+            <a:srgbClr val="FFFFFF"/>
+          </a:solidFill>
           <a:ln>
             <a:noFill/>
           </a:ln>
@@ -25857,24 +26277,58 @@
           </a:effectRef>
           <a:fontRef idx="minor"/>
         </p:style>
-      </p:sp>
-      <p:sp>
-        <p:nvSpPr>
-          <p:cNvPr id="378" name="CustomShape 2"/>
+        <p:txBody>
+          <a:bodyPr lIns="365760" tIns="45000" rIns="90000" bIns="45000" anchor="ctr"/>
+          <a:lstStyle/>
+          <a:p>
+            <a:pPr>
+              <a:lnSpc>
+                <a:spcPct val="100000"/>
+              </a:lnSpc>
+            </a:pPr>
+            <a:r>
+              <a:rPr lang="en-IN" sz="2600" b="0" strike="noStrike" spc="-1">
+                <a:solidFill>
+                  <a:srgbClr val="464547"/>
+                </a:solidFill>
+                <a:uFill>
+                  <a:solidFill>
+                    <a:srgbClr val="FFFFFF"/>
+                  </a:solidFill>
+                </a:uFill>
+                <a:latin typeface="Arial Black"/>
+              </a:rPr>
+              <a:t>Popular Learning Methods in ML</a:t>
+            </a:r>
+            <a:endParaRPr lang="en-IN" sz="1800" b="0" strike="noStrike" spc="-1">
+              <a:solidFill>
+                <a:srgbClr val="000000"/>
+              </a:solidFill>
+              <a:uFill>
+                <a:solidFill>
+                  <a:srgbClr val="FFFFFF"/>
+                </a:solidFill>
+              </a:uFill>
+              <a:latin typeface="Arial"/>
+            </a:endParaRPr>
+          </a:p>
+        </p:txBody>
+      </p:sp>
+      <p:sp>
+        <p:nvSpPr>
+          <p:cNvPr id="368" name="CustomShape 2"/>
           <p:cNvSpPr/>
           <p:nvPr/>
         </p:nvSpPr>
         <p:spPr>
           <a:xfrm>
-            <a:off x="0" y="0"/>
-            <a:ext cx="9143280" cy="932040"/>
-          </a:xfrm>
-          <a:prstGeom prst="rect">
-            <a:avLst/>
-          </a:prstGeom>
-          <a:solidFill>
-            <a:srgbClr val="FFFFFF"/>
-          </a:solidFill>
+            <a:off x="822960" y="1459800"/>
+            <a:ext cx="7314480" cy="576720"/>
+          </a:xfrm>
+          <a:prstGeom prst="rect">
+            <a:avLst/>
+          </a:prstGeom>
+          <a:noFill/>
           <a:ln>
             <a:noFill/>
           </a:ln>
@@ -25892,7 +26346,7 @@
           <a:fontRef idx="minor"/>
         </p:style>
         <p:txBody>
-          <a:bodyPr lIns="365760" tIns="45000" rIns="90000" bIns="45000" anchor="ctr"/>
+          <a:bodyPr lIns="90000" tIns="45000" rIns="90000" bIns="45000"/>
           <a:lstStyle/>
           <a:p>
             <a:pPr>
@@ -25901,9 +26355,271 @@
               </a:lnSpc>
             </a:pPr>
             <a:r>
-              <a:rPr lang="en-IN" sz="2600" b="0" strike="noStrike" spc="-1">
-                <a:solidFill>
-                  <a:srgbClr val="464547"/>
+              <a:rPr lang="en-IN" sz="1600" b="0" strike="noStrike" spc="-1" dirty="0">
+                <a:solidFill>
+                  <a:srgbClr val="444444"/>
+                </a:solidFill>
+                <a:uFill>
+                  <a:solidFill>
+                    <a:srgbClr val="FFFFFF"/>
+                  </a:solidFill>
+                </a:uFill>
+                <a:latin typeface="Trebuchet MS"/>
+                <a:ea typeface="DejaVu Sans"/>
+              </a:rPr>
+              <a:t>Supervised Learning </a:t>
+            </a:r>
+            <a:endParaRPr lang="en-IN" sz="1800" b="0" strike="noStrike" spc="-1" dirty="0">
+              <a:solidFill>
+                <a:srgbClr val="000000"/>
+              </a:solidFill>
+              <a:uFill>
+                <a:solidFill>
+                  <a:srgbClr val="FFFFFF"/>
+                </a:solidFill>
+              </a:uFill>
+              <a:latin typeface="Arial"/>
+            </a:endParaRPr>
+          </a:p>
+          <a:p>
+            <a:pPr>
+              <a:lnSpc>
+                <a:spcPct val="100000"/>
+              </a:lnSpc>
+            </a:pPr>
+            <a:r>
+              <a:rPr lang="en-IN" sz="1600" b="0" strike="noStrike" spc="-1" dirty="0">
+                <a:solidFill>
+                  <a:srgbClr val="444444"/>
+                </a:solidFill>
+                <a:uFill>
+                  <a:solidFill>
+                    <a:srgbClr val="FFFFFF"/>
+                  </a:solidFill>
+                </a:uFill>
+                <a:latin typeface="Trebuchet MS"/>
+                <a:ea typeface="DejaVu Sans"/>
+              </a:rPr>
+              <a:t>	</a:t>
+            </a:r>
+            <a:r>
+              <a:rPr lang="en-IN" sz="1600" b="0" strike="noStrike" spc="-1" dirty="0" smtClean="0">
+                <a:solidFill>
+                  <a:srgbClr val="444444"/>
+                </a:solidFill>
+                <a:uFill>
+                  <a:solidFill>
+                    <a:srgbClr val="FFFFFF"/>
+                  </a:solidFill>
+                </a:uFill>
+                <a:latin typeface="Trebuchet MS"/>
+                <a:ea typeface="DejaVu Sans"/>
+              </a:rPr>
+              <a:t>e.g. Classification</a:t>
+            </a:r>
+            <a:r>
+              <a:rPr lang="en-IN" sz="1600" spc="-1" dirty="0" smtClean="0">
+                <a:solidFill>
+                  <a:srgbClr val="444444"/>
+                </a:solidFill>
+                <a:uFill>
+                  <a:solidFill>
+                    <a:srgbClr val="FFFFFF"/>
+                  </a:solidFill>
+                </a:uFill>
+                <a:latin typeface="Trebuchet MS"/>
+                <a:ea typeface="DejaVu Sans"/>
+              </a:rPr>
+              <a:t>, Regression</a:t>
+            </a:r>
+            <a:endParaRPr lang="en-IN" sz="1600" b="0" strike="noStrike" spc="-1" dirty="0" smtClean="0">
+              <a:solidFill>
+                <a:srgbClr val="444444"/>
+              </a:solidFill>
+              <a:uFill>
+                <a:solidFill>
+                  <a:srgbClr val="FFFFFF"/>
+                </a:solidFill>
+              </a:uFill>
+              <a:latin typeface="Trebuchet MS"/>
+              <a:ea typeface="DejaVu Sans"/>
+            </a:endParaRPr>
+          </a:p>
+          <a:p>
+            <a:pPr>
+              <a:lnSpc>
+                <a:spcPct val="100000"/>
+              </a:lnSpc>
+            </a:pPr>
+            <a:r>
+              <a:rPr lang="en-IN" sz="1600" spc="-1" dirty="0" smtClean="0">
+                <a:solidFill>
+                  <a:srgbClr val="444444"/>
+                </a:solidFill>
+                <a:uFill>
+                  <a:solidFill>
+                    <a:srgbClr val="FFFFFF"/>
+                  </a:solidFill>
+                </a:uFill>
+                <a:latin typeface="Trebuchet MS"/>
+              </a:rPr>
+              <a:t>	</a:t>
+            </a:r>
+            <a:r>
+              <a:rPr lang="en-IN" sz="1600" spc="-1" dirty="0">
+                <a:solidFill>
+                  <a:srgbClr val="444444"/>
+                </a:solidFill>
+                <a:uFill>
+                  <a:solidFill>
+                    <a:srgbClr val="FFFFFF"/>
+                  </a:solidFill>
+                </a:uFill>
+                <a:latin typeface="Trebuchet MS"/>
+              </a:rPr>
+              <a:t>	</a:t>
+            </a:r>
+            <a:r>
+              <a:rPr lang="en-IN" sz="1600" spc="-1" dirty="0" smtClean="0">
+                <a:solidFill>
+                  <a:srgbClr val="444444"/>
+                </a:solidFill>
+                <a:uFill>
+                  <a:solidFill>
+                    <a:srgbClr val="FFFFFF"/>
+                  </a:solidFill>
+                </a:uFill>
+                <a:latin typeface="Trebuchet MS"/>
+              </a:rPr>
+              <a:t>Whether prediction, Face recognition, </a:t>
+            </a:r>
+            <a:r>
+              <a:rPr lang="en-IN" sz="1600" spc="-1" dirty="0">
+                <a:solidFill>
+                  <a:srgbClr val="444444"/>
+                </a:solidFill>
+                <a:uFill>
+                  <a:solidFill>
+                    <a:srgbClr val="FFFFFF"/>
+                  </a:solidFill>
+                </a:uFill>
+                <a:latin typeface="Trebuchet MS"/>
+              </a:rPr>
+              <a:t>S</a:t>
+            </a:r>
+            <a:r>
+              <a:rPr lang="en-IN" sz="1600" spc="-1" dirty="0" smtClean="0">
+                <a:solidFill>
+                  <a:srgbClr val="444444"/>
+                </a:solidFill>
+                <a:uFill>
+                  <a:solidFill>
+                    <a:srgbClr val="FFFFFF"/>
+                  </a:solidFill>
+                </a:uFill>
+                <a:latin typeface="Trebuchet MS"/>
+              </a:rPr>
+              <a:t>pam filtering</a:t>
+            </a:r>
+            <a:endParaRPr lang="en-IN" sz="1800" b="0" strike="noStrike" spc="-1" dirty="0">
+              <a:solidFill>
+                <a:srgbClr val="000000"/>
+              </a:solidFill>
+              <a:uFill>
+                <a:solidFill>
+                  <a:srgbClr val="FFFFFF"/>
+                </a:solidFill>
+              </a:uFill>
+              <a:latin typeface="Arial"/>
+            </a:endParaRPr>
+          </a:p>
+        </p:txBody>
+      </p:sp>
+      <p:sp>
+        <p:nvSpPr>
+          <p:cNvPr id="369" name="CustomShape 3"/>
+          <p:cNvSpPr/>
+          <p:nvPr/>
+        </p:nvSpPr>
+        <p:spPr>
+          <a:xfrm>
+            <a:off x="357840" y="1435680"/>
+            <a:ext cx="410760" cy="407520"/>
+          </a:xfrm>
+          <a:prstGeom prst="ellipse">
+            <a:avLst/>
+          </a:prstGeom>
+          <a:solidFill>
+            <a:srgbClr val="2FC2D9"/>
+          </a:solidFill>
+          <a:ln>
+            <a:noFill/>
+          </a:ln>
+          <a:effectLst>
+            <a:outerShdw blurRad="40000" dist="23000" dir="5400000" rotWithShape="0">
+              <a:srgbClr val="000000">
+                <a:alpha val="35000"/>
+              </a:srgbClr>
+            </a:outerShdw>
+          </a:effectLst>
+        </p:spPr>
+        <p:style>
+          <a:lnRef idx="1">
+            <a:schemeClr val="accent1"/>
+          </a:lnRef>
+          <a:fillRef idx="3">
+            <a:schemeClr val="accent1"/>
+          </a:fillRef>
+          <a:effectRef idx="2">
+            <a:schemeClr val="accent1"/>
+          </a:effectRef>
+          <a:fontRef idx="minor"/>
+        </p:style>
+      </p:sp>
+      <p:sp>
+        <p:nvSpPr>
+          <p:cNvPr id="370" name="CustomShape 4"/>
+          <p:cNvSpPr/>
+          <p:nvPr/>
+        </p:nvSpPr>
+        <p:spPr>
+          <a:xfrm>
+            <a:off x="401400" y="1472040"/>
+            <a:ext cx="320760" cy="245520"/>
+          </a:xfrm>
+          <a:prstGeom prst="rect">
+            <a:avLst/>
+          </a:prstGeom>
+          <a:noFill/>
+          <a:ln>
+            <a:noFill/>
+          </a:ln>
+        </p:spPr>
+        <p:style>
+          <a:lnRef idx="0">
+            <a:scrgbClr r="0" g="0" b="0"/>
+          </a:lnRef>
+          <a:fillRef idx="0">
+            <a:scrgbClr r="0" g="0" b="0"/>
+          </a:fillRef>
+          <a:effectRef idx="0">
+            <a:scrgbClr r="0" g="0" b="0"/>
+          </a:effectRef>
+          <a:fontRef idx="minor"/>
+        </p:style>
+        <p:txBody>
+          <a:bodyPr wrap="none" lIns="90000" tIns="91440" rIns="90000" bIns="0" anchor="ctr" anchorCtr="1"/>
+          <a:lstStyle/>
+          <a:p>
+            <a:pPr algn="ctr">
+              <a:lnSpc>
+                <a:spcPct val="100000"/>
+              </a:lnSpc>
+            </a:pPr>
+            <a:r>
+              <a:rPr lang="en-IN" sz="1700" b="0" strike="noStrike" spc="-1">
+                <a:solidFill>
+                  <a:srgbClr val="FFFFFF"/>
                 </a:solidFill>
                 <a:uFill>
                   <a:solidFill>
@@ -25911,8 +26627,9 @@
                   </a:solidFill>
                 </a:uFill>
                 <a:latin typeface="Arial Black"/>
+                <a:ea typeface="DejaVu Sans"/>
               </a:rPr>
-              <a:t>A Simple Example</a:t>
+              <a:t>1</a:t>
             </a:r>
             <a:endParaRPr lang="en-IN" sz="1800" b="0" strike="noStrike" spc="-1">
               <a:solidFill>
@@ -25928,513 +26645,595 @@
           </a:p>
         </p:txBody>
       </p:sp>
-      <p:pic>
-        <p:nvPicPr>
-          <p:cNvPr id="2" name="Picture 1" descr="[フリーイラスト素材] クリップアート, 人物, 男性 / 男の人, ビジネス, デスクワーク, PC / パソコン / コンピュータ, 眼鏡 ..."/>
-          <p:cNvPicPr>
-            <a:picLocks noChangeAspect="1"/>
-          </p:cNvPicPr>
-          <p:nvPr/>
-        </p:nvPicPr>
-        <p:blipFill>
-          <a:blip r:embed="rId3" cstate="print">
-            <a:extLst>
-              <a:ext uri="{28A0092B-C50C-407E-A947-70E740481C1C}">
-                <a14:useLocalDpi xmlns:a14="http://schemas.microsoft.com/office/drawing/2010/main" val="0"/>
-              </a:ext>
-            </a:extLst>
-          </a:blip>
-          <a:stretch>
-            <a:fillRect/>
-          </a:stretch>
-        </p:blipFill>
-        <p:spPr>
-          <a:xfrm>
-            <a:off x="3538469" y="1440000"/>
-            <a:ext cx="1508224" cy="1727283"/>
-          </a:xfrm>
-          <a:prstGeom prst="rect">
-            <a:avLst/>
-          </a:prstGeom>
-        </p:spPr>
-      </p:pic>
-      <p:pic>
-        <p:nvPicPr>
-          <p:cNvPr id="3" name="Picture 2" descr="Clipart - Mr Happy"/>
-          <p:cNvPicPr>
-            <a:picLocks noChangeAspect="1"/>
-          </p:cNvPicPr>
-          <p:nvPr/>
-        </p:nvPicPr>
-        <p:blipFill>
-          <a:blip r:embed="rId4" cstate="print">
-            <a:extLst>
-              <a:ext uri="{28A0092B-C50C-407E-A947-70E740481C1C}">
-                <a14:useLocalDpi xmlns:a14="http://schemas.microsoft.com/office/drawing/2010/main" val="0"/>
-              </a:ext>
-            </a:extLst>
-          </a:blip>
-          <a:stretch>
-            <a:fillRect/>
-          </a:stretch>
-        </p:blipFill>
-        <p:spPr>
-          <a:xfrm>
-            <a:off x="712177" y="1440000"/>
-            <a:ext cx="1508760" cy="1197579"/>
-          </a:xfrm>
-          <a:prstGeom prst="rect">
-            <a:avLst/>
-          </a:prstGeom>
-        </p:spPr>
-      </p:pic>
-      <p:pic>
-        <p:nvPicPr>
-          <p:cNvPr id="4" name="Picture 3" descr="DDJSchool Tutorial: How to Create Charts with Datawrapper | Resources ..."/>
-          <p:cNvPicPr>
-            <a:picLocks noChangeAspect="1"/>
-          </p:cNvPicPr>
-          <p:nvPr/>
-        </p:nvPicPr>
-        <p:blipFill>
-          <a:blip r:embed="rId5" cstate="print">
-            <a:extLst>
-              <a:ext uri="{28A0092B-C50C-407E-A947-70E740481C1C}">
-                <a14:useLocalDpi xmlns:a14="http://schemas.microsoft.com/office/drawing/2010/main" val="0"/>
-              </a:ext>
-            </a:extLst>
-          </a:blip>
-          <a:stretch>
-            <a:fillRect/>
-          </a:stretch>
-        </p:blipFill>
-        <p:spPr>
-          <a:xfrm rot="19768092">
-            <a:off x="4736071" y="868070"/>
-            <a:ext cx="963831" cy="738097"/>
-          </a:xfrm>
-          <a:prstGeom prst="rect">
-            <a:avLst/>
-          </a:prstGeom>
-        </p:spPr>
-      </p:pic>
-      <p:pic>
-        <p:nvPicPr>
-          <p:cNvPr id="5" name="Picture 4" descr="Interpreting Graphs (english usage)"/>
-          <p:cNvPicPr>
-            <a:picLocks noChangeAspect="1"/>
-          </p:cNvPicPr>
-          <p:nvPr/>
-        </p:nvPicPr>
-        <p:blipFill>
-          <a:blip r:embed="rId6" cstate="print">
-            <a:extLst>
-              <a:ext uri="{28A0092B-C50C-407E-A947-70E740481C1C}">
-                <a14:useLocalDpi xmlns:a14="http://schemas.microsoft.com/office/drawing/2010/main" val="0"/>
-              </a:ext>
-            </a:extLst>
-          </a:blip>
-          <a:stretch>
-            <a:fillRect/>
-          </a:stretch>
-        </p:blipFill>
-        <p:spPr>
-          <a:xfrm>
-            <a:off x="5395277" y="3500624"/>
-            <a:ext cx="1508760" cy="1427374"/>
-          </a:xfrm>
-          <a:prstGeom prst="rect">
-            <a:avLst/>
-          </a:prstGeom>
-        </p:spPr>
-      </p:pic>
-      <p:pic>
-        <p:nvPicPr>
-          <p:cNvPr id="9" name="Picture 8" descr="Making Your Match Rank List"/>
-          <p:cNvPicPr>
-            <a:picLocks noChangeAspect="1"/>
-          </p:cNvPicPr>
-          <p:nvPr/>
-        </p:nvPicPr>
-        <p:blipFill>
-          <a:blip r:embed="rId7">
-            <a:extLst>
-              <a:ext uri="{28A0092B-C50C-407E-A947-70E740481C1C}">
-                <a14:useLocalDpi xmlns:a14="http://schemas.microsoft.com/office/drawing/2010/main" val="0"/>
-              </a:ext>
-            </a:extLst>
-          </a:blip>
-          <a:stretch>
-            <a:fillRect/>
-          </a:stretch>
-        </p:blipFill>
-        <p:spPr>
-          <a:xfrm>
-            <a:off x="1913897" y="3593796"/>
-            <a:ext cx="1508760" cy="1696867"/>
-          </a:xfrm>
-          <a:prstGeom prst="rect">
-            <a:avLst/>
-          </a:prstGeom>
-        </p:spPr>
-      </p:pic>
-      <p:sp>
-        <p:nvSpPr>
-          <p:cNvPr id="10" name="Right Arrow 9"/>
+      <p:sp>
+        <p:nvSpPr>
+          <p:cNvPr id="371" name="CustomShape 5"/>
           <p:cNvSpPr/>
           <p:nvPr/>
         </p:nvSpPr>
         <p:spPr>
           <a:xfrm>
-            <a:off x="2362717" y="2103040"/>
-            <a:ext cx="917917" cy="298938"/>
-          </a:xfrm>
-          <a:prstGeom prst="rightArrow">
-            <a:avLst/>
-          </a:prstGeom>
+            <a:off x="822960" y="2368080"/>
+            <a:ext cx="7314480" cy="576720"/>
+          </a:xfrm>
+          <a:prstGeom prst="rect">
+            <a:avLst/>
+          </a:prstGeom>
+          <a:noFill/>
+          <a:ln>
+            <a:noFill/>
+          </a:ln>
         </p:spPr>
         <p:style>
-          <a:lnRef idx="2">
-            <a:schemeClr val="accent1">
-              <a:shade val="50000"/>
-            </a:schemeClr>
+          <a:lnRef idx="0">
+            <a:scrgbClr r="0" g="0" b="0"/>
           </a:lnRef>
-          <a:fillRef idx="1">
+          <a:fillRef idx="0">
+            <a:scrgbClr r="0" g="0" b="0"/>
+          </a:fillRef>
+          <a:effectRef idx="0">
+            <a:scrgbClr r="0" g="0" b="0"/>
+          </a:effectRef>
+          <a:fontRef idx="minor"/>
+        </p:style>
+        <p:txBody>
+          <a:bodyPr lIns="90000" tIns="45000" rIns="90000" bIns="45000"/>
+          <a:lstStyle/>
+          <a:p>
+            <a:pPr>
+              <a:lnSpc>
+                <a:spcPct val="100000"/>
+              </a:lnSpc>
+            </a:pPr>
+            <a:r>
+              <a:rPr lang="en-IN" sz="1600" b="0" strike="noStrike" spc="-1" dirty="0">
+                <a:solidFill>
+                  <a:srgbClr val="444444"/>
+                </a:solidFill>
+                <a:uFill>
+                  <a:solidFill>
+                    <a:srgbClr val="FFFFFF"/>
+                  </a:solidFill>
+                </a:uFill>
+                <a:latin typeface="Trebuchet MS"/>
+                <a:ea typeface="DejaVu Sans"/>
+              </a:rPr>
+              <a:t>Unsupervised Learning</a:t>
+            </a:r>
+            <a:endParaRPr lang="en-IN" sz="1800" b="0" strike="noStrike" spc="-1" dirty="0">
+              <a:solidFill>
+                <a:srgbClr val="000000"/>
+              </a:solidFill>
+              <a:uFill>
+                <a:solidFill>
+                  <a:srgbClr val="FFFFFF"/>
+                </a:solidFill>
+              </a:uFill>
+              <a:latin typeface="Arial"/>
+            </a:endParaRPr>
+          </a:p>
+          <a:p>
+            <a:pPr>
+              <a:lnSpc>
+                <a:spcPct val="100000"/>
+              </a:lnSpc>
+            </a:pPr>
+            <a:r>
+              <a:rPr lang="en-IN" sz="1600" b="0" strike="noStrike" spc="-1" dirty="0">
+                <a:solidFill>
+                  <a:srgbClr val="444444"/>
+                </a:solidFill>
+                <a:uFill>
+                  <a:solidFill>
+                    <a:srgbClr val="FFFFFF"/>
+                  </a:solidFill>
+                </a:uFill>
+                <a:latin typeface="Trebuchet MS"/>
+                <a:ea typeface="DejaVu Sans"/>
+              </a:rPr>
+              <a:t>	e.g. </a:t>
+            </a:r>
+            <a:r>
+              <a:rPr lang="en-IN" sz="1600" b="0" strike="noStrike" spc="-1" dirty="0" smtClean="0">
+                <a:solidFill>
+                  <a:srgbClr val="444444"/>
+                </a:solidFill>
+                <a:uFill>
+                  <a:solidFill>
+                    <a:srgbClr val="FFFFFF"/>
+                  </a:solidFill>
+                </a:uFill>
+                <a:latin typeface="Trebuchet MS"/>
+                <a:ea typeface="DejaVu Sans"/>
+              </a:rPr>
+              <a:t>Clustering</a:t>
+            </a:r>
+          </a:p>
+          <a:p>
+            <a:pPr>
+              <a:lnSpc>
+                <a:spcPct val="100000"/>
+              </a:lnSpc>
+            </a:pPr>
+            <a:r>
+              <a:rPr lang="en-IN" sz="1600" spc="-1" dirty="0">
+                <a:solidFill>
+                  <a:srgbClr val="444444"/>
+                </a:solidFill>
+                <a:uFill>
+                  <a:solidFill>
+                    <a:srgbClr val="FFFFFF"/>
+                  </a:solidFill>
+                </a:uFill>
+                <a:latin typeface="Trebuchet MS"/>
+              </a:rPr>
+              <a:t>	</a:t>
+            </a:r>
+            <a:r>
+              <a:rPr lang="en-IN" sz="1600" spc="-1" dirty="0" smtClean="0">
+                <a:solidFill>
+                  <a:srgbClr val="444444"/>
+                </a:solidFill>
+                <a:uFill>
+                  <a:solidFill>
+                    <a:srgbClr val="FFFFFF"/>
+                  </a:solidFill>
+                </a:uFill>
+                <a:latin typeface="Trebuchet MS"/>
+              </a:rPr>
+              <a:t>	Recommendation systems, Image segmentation</a:t>
+            </a:r>
+            <a:endParaRPr lang="en-IN" sz="1800" b="0" strike="noStrike" spc="-1" dirty="0">
+              <a:solidFill>
+                <a:srgbClr val="000000"/>
+              </a:solidFill>
+              <a:uFill>
+                <a:solidFill>
+                  <a:srgbClr val="FFFFFF"/>
+                </a:solidFill>
+              </a:uFill>
+              <a:latin typeface="Arial"/>
+            </a:endParaRPr>
+          </a:p>
+        </p:txBody>
+      </p:sp>
+      <p:sp>
+        <p:nvSpPr>
+          <p:cNvPr id="372" name="CustomShape 6"/>
+          <p:cNvSpPr/>
+          <p:nvPr/>
+        </p:nvSpPr>
+        <p:spPr>
+          <a:xfrm>
+            <a:off x="357840" y="2343600"/>
+            <a:ext cx="410760" cy="407520"/>
+          </a:xfrm>
+          <a:prstGeom prst="ellipse">
+            <a:avLst/>
+          </a:prstGeom>
+          <a:solidFill>
+            <a:srgbClr val="2FC2D9"/>
+          </a:solidFill>
+          <a:ln>
+            <a:noFill/>
+          </a:ln>
+          <a:effectLst>
+            <a:outerShdw blurRad="40000" dist="23000" dir="5400000" rotWithShape="0">
+              <a:srgbClr val="000000">
+                <a:alpha val="35000"/>
+              </a:srgbClr>
+            </a:outerShdw>
+          </a:effectLst>
+        </p:spPr>
+        <p:style>
+          <a:lnRef idx="1">
+            <a:schemeClr val="accent1"/>
+          </a:lnRef>
+          <a:fillRef idx="3">
             <a:schemeClr val="accent1"/>
           </a:fillRef>
-          <a:effectRef idx="0">
+          <a:effectRef idx="2">
             <a:schemeClr val="accent1"/>
           </a:effectRef>
-          <a:fontRef idx="minor">
-            <a:schemeClr val="lt1"/>
-          </a:fontRef>
+          <a:fontRef idx="minor"/>
         </p:style>
-        <p:txBody>
-          <a:bodyPr rtlCol="0" anchor="ctr"/>
-          <a:lstStyle/>
-          <a:p>
-            <a:pPr algn="ctr"/>
-            <a:endParaRPr lang="en-US"/>
-          </a:p>
-        </p:txBody>
-      </p:sp>
-      <p:sp>
-        <p:nvSpPr>
-          <p:cNvPr id="11" name="Down Arrow 10"/>
+      </p:sp>
+      <p:sp>
+        <p:nvSpPr>
+          <p:cNvPr id="373" name="CustomShape 7"/>
           <p:cNvSpPr/>
           <p:nvPr/>
         </p:nvSpPr>
         <p:spPr>
-          <a:xfrm rot="18387165">
-            <a:off x="5397044" y="2459755"/>
-            <a:ext cx="369277" cy="910368"/>
-          </a:xfrm>
-          <a:prstGeom prst="downArrow">
-            <a:avLst/>
-          </a:prstGeom>
+          <a:xfrm>
+            <a:off x="403200" y="2380320"/>
+            <a:ext cx="320760" cy="245520"/>
+          </a:xfrm>
+          <a:prstGeom prst="rect">
+            <a:avLst/>
+          </a:prstGeom>
+          <a:noFill/>
+          <a:ln>
+            <a:noFill/>
+          </a:ln>
         </p:spPr>
         <p:style>
-          <a:lnRef idx="2">
-            <a:schemeClr val="accent1">
-              <a:shade val="50000"/>
-            </a:schemeClr>
+          <a:lnRef idx="0">
+            <a:scrgbClr r="0" g="0" b="0"/>
           </a:lnRef>
-          <a:fillRef idx="1">
+          <a:fillRef idx="0">
+            <a:scrgbClr r="0" g="0" b="0"/>
+          </a:fillRef>
+          <a:effectRef idx="0">
+            <a:scrgbClr r="0" g="0" b="0"/>
+          </a:effectRef>
+          <a:fontRef idx="minor"/>
+        </p:style>
+        <p:txBody>
+          <a:bodyPr wrap="none" lIns="90000" tIns="91440" rIns="90000" bIns="0" anchor="ctr" anchorCtr="1"/>
+          <a:lstStyle/>
+          <a:p>
+            <a:pPr algn="ctr">
+              <a:lnSpc>
+                <a:spcPct val="100000"/>
+              </a:lnSpc>
+            </a:pPr>
+            <a:r>
+              <a:rPr lang="en-IN" sz="1700" b="0" strike="noStrike" spc="-1">
+                <a:solidFill>
+                  <a:srgbClr val="FFFFFF"/>
+                </a:solidFill>
+                <a:uFill>
+                  <a:solidFill>
+                    <a:srgbClr val="FFFFFF"/>
+                  </a:solidFill>
+                </a:uFill>
+                <a:latin typeface="Arial Black"/>
+                <a:ea typeface="DejaVu Sans"/>
+              </a:rPr>
+              <a:t>2</a:t>
+            </a:r>
+            <a:endParaRPr lang="en-IN" sz="1800" b="0" strike="noStrike" spc="-1">
+              <a:solidFill>
+                <a:srgbClr val="000000"/>
+              </a:solidFill>
+              <a:uFill>
+                <a:solidFill>
+                  <a:srgbClr val="FFFFFF"/>
+                </a:solidFill>
+              </a:uFill>
+              <a:latin typeface="Arial"/>
+            </a:endParaRPr>
+          </a:p>
+        </p:txBody>
+      </p:sp>
+      <p:sp>
+        <p:nvSpPr>
+          <p:cNvPr id="374" name="CustomShape 8"/>
+          <p:cNvSpPr/>
+          <p:nvPr/>
+        </p:nvSpPr>
+        <p:spPr>
+          <a:xfrm>
+            <a:off x="866520" y="3300120"/>
+            <a:ext cx="7314480" cy="576720"/>
+          </a:xfrm>
+          <a:prstGeom prst="rect">
+            <a:avLst/>
+          </a:prstGeom>
+          <a:noFill/>
+          <a:ln>
+            <a:noFill/>
+          </a:ln>
+        </p:spPr>
+        <p:style>
+          <a:lnRef idx="0">
+            <a:scrgbClr r="0" g="0" b="0"/>
+          </a:lnRef>
+          <a:fillRef idx="0">
+            <a:scrgbClr r="0" g="0" b="0"/>
+          </a:fillRef>
+          <a:effectRef idx="0">
+            <a:scrgbClr r="0" g="0" b="0"/>
+          </a:effectRef>
+          <a:fontRef idx="minor"/>
+        </p:style>
+        <p:txBody>
+          <a:bodyPr lIns="90000" tIns="45000" rIns="90000" bIns="45000"/>
+          <a:lstStyle/>
+          <a:p>
+            <a:pPr>
+              <a:lnSpc>
+                <a:spcPct val="100000"/>
+              </a:lnSpc>
+            </a:pPr>
+            <a:r>
+              <a:rPr lang="en-IN" sz="1600" b="0" strike="noStrike" spc="-1" dirty="0">
+                <a:solidFill>
+                  <a:srgbClr val="444444"/>
+                </a:solidFill>
+                <a:uFill>
+                  <a:solidFill>
+                    <a:srgbClr val="FFFFFF"/>
+                  </a:solidFill>
+                </a:uFill>
+                <a:latin typeface="Trebuchet MS"/>
+                <a:ea typeface="DejaVu Sans"/>
+              </a:rPr>
+              <a:t>Reinforcement Learning</a:t>
+            </a:r>
+            <a:endParaRPr lang="en-IN" sz="1800" b="0" strike="noStrike" spc="-1" dirty="0">
+              <a:solidFill>
+                <a:srgbClr val="000000"/>
+              </a:solidFill>
+              <a:uFill>
+                <a:solidFill>
+                  <a:srgbClr val="FFFFFF"/>
+                </a:solidFill>
+              </a:uFill>
+              <a:latin typeface="Arial"/>
+            </a:endParaRPr>
+          </a:p>
+          <a:p>
+            <a:pPr>
+              <a:lnSpc>
+                <a:spcPct val="100000"/>
+              </a:lnSpc>
+            </a:pPr>
+            <a:r>
+              <a:rPr lang="en-IN" sz="1600" b="0" strike="noStrike" spc="-1" dirty="0">
+                <a:solidFill>
+                  <a:srgbClr val="444444"/>
+                </a:solidFill>
+                <a:uFill>
+                  <a:solidFill>
+                    <a:srgbClr val="FFFFFF"/>
+                  </a:solidFill>
+                </a:uFill>
+                <a:latin typeface="Trebuchet MS"/>
+                <a:ea typeface="DejaVu Sans"/>
+              </a:rPr>
+              <a:t>	e.g. Game Theory, Decision </a:t>
+            </a:r>
+            <a:r>
+              <a:rPr lang="en-IN" sz="1600" b="0" strike="noStrike" spc="-1" dirty="0" smtClean="0">
+                <a:solidFill>
+                  <a:srgbClr val="444444"/>
+                </a:solidFill>
+                <a:uFill>
+                  <a:solidFill>
+                    <a:srgbClr val="FFFFFF"/>
+                  </a:solidFill>
+                </a:uFill>
+                <a:latin typeface="Trebuchet MS"/>
+                <a:ea typeface="DejaVu Sans"/>
+              </a:rPr>
+              <a:t>Theory</a:t>
+            </a:r>
+          </a:p>
+          <a:p>
+            <a:pPr>
+              <a:lnSpc>
+                <a:spcPct val="100000"/>
+              </a:lnSpc>
+            </a:pPr>
+            <a:r>
+              <a:rPr lang="en-IN" sz="1600" spc="-1" dirty="0">
+                <a:solidFill>
+                  <a:srgbClr val="444444"/>
+                </a:solidFill>
+                <a:uFill>
+                  <a:solidFill>
+                    <a:srgbClr val="FFFFFF"/>
+                  </a:solidFill>
+                </a:uFill>
+                <a:latin typeface="Trebuchet MS"/>
+                <a:ea typeface="DejaVu Sans"/>
+              </a:rPr>
+              <a:t>	</a:t>
+            </a:r>
+            <a:r>
+              <a:rPr lang="en-IN" sz="1600" spc="-1" dirty="0" smtClean="0">
+                <a:solidFill>
+                  <a:srgbClr val="444444"/>
+                </a:solidFill>
+                <a:uFill>
+                  <a:solidFill>
+                    <a:srgbClr val="FFFFFF"/>
+                  </a:solidFill>
+                </a:uFill>
+                <a:latin typeface="Trebuchet MS"/>
+                <a:ea typeface="DejaVu Sans"/>
+              </a:rPr>
+              <a:t>	Deep blue, </a:t>
+            </a:r>
+            <a:r>
+              <a:rPr lang="en-IN" sz="1600" spc="-1" dirty="0" err="1" smtClean="0">
+                <a:solidFill>
+                  <a:srgbClr val="444444"/>
+                </a:solidFill>
+                <a:uFill>
+                  <a:solidFill>
+                    <a:srgbClr val="FFFFFF"/>
+                  </a:solidFill>
+                </a:uFill>
+                <a:latin typeface="Trebuchet MS"/>
+                <a:ea typeface="DejaVu Sans"/>
+              </a:rPr>
+              <a:t>AlphaGo</a:t>
+            </a:r>
+            <a:endParaRPr lang="en-IN" sz="1600" b="0" strike="noStrike" spc="-1" dirty="0" smtClean="0">
+              <a:solidFill>
+                <a:srgbClr val="444444"/>
+              </a:solidFill>
+              <a:uFill>
+                <a:solidFill>
+                  <a:srgbClr val="FFFFFF"/>
+                </a:solidFill>
+              </a:uFill>
+              <a:latin typeface="Trebuchet MS"/>
+              <a:ea typeface="DejaVu Sans"/>
+            </a:endParaRPr>
+          </a:p>
+          <a:p>
+            <a:pPr>
+              <a:lnSpc>
+                <a:spcPct val="100000"/>
+              </a:lnSpc>
+            </a:pPr>
+            <a:r>
+              <a:rPr lang="en-IN" sz="1600" spc="-1" dirty="0">
+                <a:solidFill>
+                  <a:srgbClr val="444444"/>
+                </a:solidFill>
+                <a:uFill>
+                  <a:solidFill>
+                    <a:srgbClr val="FFFFFF"/>
+                  </a:solidFill>
+                </a:uFill>
+                <a:latin typeface="Trebuchet MS"/>
+              </a:rPr>
+              <a:t>	</a:t>
+            </a:r>
+            <a:r>
+              <a:rPr lang="en-IN" sz="1600" spc="-1" dirty="0" smtClean="0">
+                <a:solidFill>
+                  <a:srgbClr val="444444"/>
+                </a:solidFill>
+                <a:uFill>
+                  <a:solidFill>
+                    <a:srgbClr val="FFFFFF"/>
+                  </a:solidFill>
+                </a:uFill>
+                <a:latin typeface="Trebuchet MS"/>
+              </a:rPr>
+              <a:t>	</a:t>
+            </a:r>
+            <a:endParaRPr lang="en-IN" sz="1800" b="0" strike="noStrike" spc="-1" dirty="0">
+              <a:solidFill>
+                <a:srgbClr val="000000"/>
+              </a:solidFill>
+              <a:uFill>
+                <a:solidFill>
+                  <a:srgbClr val="FFFFFF"/>
+                </a:solidFill>
+              </a:uFill>
+              <a:latin typeface="Arial"/>
+            </a:endParaRPr>
+          </a:p>
+        </p:txBody>
+      </p:sp>
+      <p:sp>
+        <p:nvSpPr>
+          <p:cNvPr id="375" name="CustomShape 9"/>
+          <p:cNvSpPr/>
+          <p:nvPr/>
+        </p:nvSpPr>
+        <p:spPr>
+          <a:xfrm>
+            <a:off x="401400" y="3276000"/>
+            <a:ext cx="410760" cy="407520"/>
+          </a:xfrm>
+          <a:prstGeom prst="ellipse">
+            <a:avLst/>
+          </a:prstGeom>
+          <a:solidFill>
+            <a:srgbClr val="2FC2D9"/>
+          </a:solidFill>
+          <a:ln>
+            <a:noFill/>
+          </a:ln>
+          <a:effectLst>
+            <a:outerShdw blurRad="40000" dist="23000" dir="5400000" rotWithShape="0">
+              <a:srgbClr val="000000">
+                <a:alpha val="35000"/>
+              </a:srgbClr>
+            </a:outerShdw>
+          </a:effectLst>
+        </p:spPr>
+        <p:style>
+          <a:lnRef idx="1">
+            <a:schemeClr val="accent1"/>
+          </a:lnRef>
+          <a:fillRef idx="3">
             <a:schemeClr val="accent1"/>
           </a:fillRef>
-          <a:effectRef idx="0">
+          <a:effectRef idx="2">
             <a:schemeClr val="accent1"/>
           </a:effectRef>
-          <a:fontRef idx="minor">
-            <a:schemeClr val="lt1"/>
-          </a:fontRef>
+          <a:fontRef idx="minor"/>
         </p:style>
-        <p:txBody>
-          <a:bodyPr rtlCol="0" anchor="ctr"/>
-          <a:lstStyle/>
-          <a:p>
-            <a:pPr algn="ctr"/>
-            <a:endParaRPr lang="en-US"/>
-          </a:p>
-        </p:txBody>
-      </p:sp>
-      <p:sp>
-        <p:nvSpPr>
-          <p:cNvPr id="17" name="Left Arrow 16"/>
+      </p:sp>
+      <p:sp>
+        <p:nvSpPr>
+          <p:cNvPr id="376" name="CustomShape 10"/>
           <p:cNvSpPr/>
           <p:nvPr/>
         </p:nvSpPr>
         <p:spPr>
           <a:xfrm>
-            <a:off x="3896583" y="4413435"/>
-            <a:ext cx="1087531" cy="351692"/>
-          </a:xfrm>
-          <a:prstGeom prst="leftArrow">
-            <a:avLst/>
-          </a:prstGeom>
+            <a:off x="446760" y="3312360"/>
+            <a:ext cx="320760" cy="245520"/>
+          </a:xfrm>
+          <a:prstGeom prst="rect">
+            <a:avLst/>
+          </a:prstGeom>
+          <a:noFill/>
+          <a:ln>
+            <a:noFill/>
+          </a:ln>
         </p:spPr>
         <p:style>
-          <a:lnRef idx="2">
-            <a:schemeClr val="accent1">
-              <a:shade val="50000"/>
-            </a:schemeClr>
+          <a:lnRef idx="0">
+            <a:scrgbClr r="0" g="0" b="0"/>
           </a:lnRef>
-          <a:fillRef idx="1">
-            <a:schemeClr val="accent1"/>
+          <a:fillRef idx="0">
+            <a:scrgbClr r="0" g="0" b="0"/>
           </a:fillRef>
           <a:effectRef idx="0">
-            <a:schemeClr val="accent1"/>
+            <a:scrgbClr r="0" g="0" b="0"/>
           </a:effectRef>
-          <a:fontRef idx="minor">
-            <a:schemeClr val="lt1"/>
-          </a:fontRef>
+          <a:fontRef idx="minor"/>
         </p:style>
         <p:txBody>
-          <a:bodyPr rtlCol="0" anchor="ctr"/>
-          <a:lstStyle/>
-          <a:p>
-            <a:pPr algn="ctr"/>
-            <a:endParaRPr lang="en-US"/>
-          </a:p>
-        </p:txBody>
-      </p:sp>
-      <p:sp>
-        <p:nvSpPr>
-          <p:cNvPr id="13" name="Up Arrow 12"/>
-          <p:cNvSpPr/>
-          <p:nvPr/>
-        </p:nvSpPr>
-        <p:spPr>
-          <a:xfrm rot="19653975">
-            <a:off x="1535632" y="2970704"/>
-            <a:ext cx="297180" cy="793602"/>
-          </a:xfrm>
-          <a:prstGeom prst="upArrow">
-            <a:avLst/>
-          </a:prstGeom>
-        </p:spPr>
-        <p:style>
-          <a:lnRef idx="2">
-            <a:schemeClr val="accent1">
-              <a:shade val="50000"/>
-            </a:schemeClr>
-          </a:lnRef>
-          <a:fillRef idx="1">
-            <a:schemeClr val="accent1"/>
-          </a:fillRef>
-          <a:effectRef idx="0">
-            <a:schemeClr val="accent1"/>
-          </a:effectRef>
-          <a:fontRef idx="minor">
-            <a:schemeClr val="lt1"/>
-          </a:fontRef>
-        </p:style>
-        <p:txBody>
-          <a:bodyPr rtlCol="0" anchor="ctr"/>
-          <a:lstStyle/>
-          <a:p>
-            <a:pPr algn="ctr"/>
-            <a:endParaRPr lang="en-US"/>
-          </a:p>
-        </p:txBody>
-      </p:sp>
-      <p:pic>
-        <p:nvPicPr>
-          <p:cNvPr id="15" name="Picture 14" descr="IOGDS Data Analytics"/>
-          <p:cNvPicPr>
-            <a:picLocks noChangeAspect="1"/>
-          </p:cNvPicPr>
-          <p:nvPr/>
-        </p:nvPicPr>
-        <p:blipFill>
-          <a:blip r:embed="rId8" cstate="print">
-            <a:extLst>
-              <a:ext uri="{28A0092B-C50C-407E-A947-70E740481C1C}">
-                <a14:useLocalDpi xmlns:a14="http://schemas.microsoft.com/office/drawing/2010/main" val="0"/>
-              </a:ext>
-            </a:extLst>
-          </a:blip>
-          <a:stretch>
-            <a:fillRect/>
-          </a:stretch>
-        </p:blipFill>
-        <p:spPr>
-          <a:xfrm>
-            <a:off x="5217986" y="1385527"/>
-            <a:ext cx="1184447" cy="691192"/>
-          </a:xfrm>
-          <a:prstGeom prst="rect">
-            <a:avLst/>
-          </a:prstGeom>
-        </p:spPr>
-      </p:pic>
-      <p:pic>
-        <p:nvPicPr>
-          <p:cNvPr id="16" name="Picture 15" descr="circle &lt;strong&gt;graph&lt;/strong&gt; of traffic | Flickr - Photo Sharing!"/>
-          <p:cNvPicPr>
-            <a:picLocks noChangeAspect="1"/>
-          </p:cNvPicPr>
-          <p:nvPr/>
-        </p:nvPicPr>
-        <p:blipFill>
-          <a:blip r:embed="rId9" cstate="print">
-            <a:extLst>
-              <a:ext uri="{28A0092B-C50C-407E-A947-70E740481C1C}">
-                <a14:useLocalDpi xmlns:a14="http://schemas.microsoft.com/office/drawing/2010/main" val="0"/>
-              </a:ext>
-            </a:extLst>
-          </a:blip>
-          <a:stretch>
-            <a:fillRect/>
-          </a:stretch>
-        </p:blipFill>
-        <p:spPr>
-          <a:xfrm>
-            <a:off x="6889583" y="3875828"/>
-            <a:ext cx="1467360" cy="1132802"/>
-          </a:xfrm>
-          <a:prstGeom prst="rect">
-            <a:avLst/>
-          </a:prstGeom>
-        </p:spPr>
-      </p:pic>
-      <p:sp>
-        <p:nvSpPr>
-          <p:cNvPr id="18" name="TextBox 17"/>
-          <p:cNvSpPr txBox="1"/>
-          <p:nvPr/>
-        </p:nvSpPr>
-        <p:spPr>
-          <a:xfrm>
-            <a:off x="2362717" y="1385527"/>
-            <a:ext cx="1059940" cy="646331"/>
-          </a:xfrm>
-          <a:prstGeom prst="rect">
-            <a:avLst/>
-          </a:prstGeom>
-          <a:noFill/>
-        </p:spPr>
-        <p:txBody>
-          <a:bodyPr wrap="square" rtlCol="0">
-            <a:spAutoFit/>
-          </a:bodyPr>
-          <a:lstStyle/>
-          <a:p>
+          <a:bodyPr wrap="none" lIns="90000" tIns="91440" rIns="90000" bIns="0" anchor="ctr" anchorCtr="1"/>
+          <a:lstStyle/>
+          <a:p>
+            <a:pPr algn="ctr">
+              <a:lnSpc>
+                <a:spcPct val="100000"/>
+              </a:lnSpc>
+            </a:pPr>
             <a:r>
-              <a:rPr lang="en-US" sz="1200" dirty="0" smtClean="0"/>
-              <a:t>#bedrooms</a:t>
+              <a:rPr lang="en-IN" sz="1700" b="0" strike="noStrike" spc="-1">
+                <a:solidFill>
+                  <a:srgbClr val="FFFFFF"/>
+                </a:solidFill>
+                <a:uFill>
+                  <a:solidFill>
+                    <a:srgbClr val="FFFFFF"/>
+                  </a:solidFill>
+                </a:uFill>
+                <a:latin typeface="Arial Black"/>
+                <a:ea typeface="DejaVu Sans"/>
+              </a:rPr>
+              <a:t>3</a:t>
             </a:r>
-          </a:p>
-          <a:p>
-            <a:r>
-              <a:rPr lang="en-US" sz="1200" dirty="0" smtClean="0"/>
-              <a:t>#sq. feet</a:t>
-            </a:r>
-          </a:p>
-          <a:p>
-            <a:r>
-              <a:rPr lang="en-US" sz="1200" dirty="0" smtClean="0"/>
-              <a:t>#distance</a:t>
-            </a:r>
-            <a:endParaRPr lang="en-US" sz="1200" dirty="0"/>
-          </a:p>
-        </p:txBody>
-      </p:sp>
-      <p:sp>
-        <p:nvSpPr>
-          <p:cNvPr id="19" name="TextBox 18"/>
-          <p:cNvSpPr txBox="1"/>
-          <p:nvPr/>
-        </p:nvSpPr>
-        <p:spPr>
-          <a:xfrm>
-            <a:off x="5820566" y="2596179"/>
-            <a:ext cx="1868928" cy="276999"/>
-          </a:xfrm>
-          <a:prstGeom prst="rect">
-            <a:avLst/>
-          </a:prstGeom>
-          <a:noFill/>
-        </p:spPr>
-        <p:txBody>
-          <a:bodyPr wrap="square" rtlCol="0">
-            <a:spAutoFit/>
-          </a:bodyPr>
-          <a:lstStyle/>
-          <a:p>
-            <a:r>
-              <a:rPr lang="en-US" sz="1200" dirty="0" smtClean="0"/>
-              <a:t>Knowledge Extraction</a:t>
-            </a:r>
-            <a:endParaRPr lang="en-US" sz="1200" dirty="0"/>
-          </a:p>
-        </p:txBody>
-      </p:sp>
-      <p:sp>
-        <p:nvSpPr>
-          <p:cNvPr id="20" name="TextBox 19"/>
-          <p:cNvSpPr txBox="1"/>
-          <p:nvPr/>
-        </p:nvSpPr>
-        <p:spPr>
-          <a:xfrm>
-            <a:off x="3708512" y="4819600"/>
-            <a:ext cx="1463671" cy="276999"/>
-          </a:xfrm>
-          <a:prstGeom prst="rect">
-            <a:avLst/>
-          </a:prstGeom>
-          <a:noFill/>
-        </p:spPr>
-        <p:txBody>
-          <a:bodyPr wrap="square" rtlCol="0">
-            <a:spAutoFit/>
-          </a:bodyPr>
-          <a:lstStyle/>
-          <a:p>
-            <a:r>
-              <a:rPr lang="en-US" sz="1200" dirty="0" smtClean="0"/>
-              <a:t>Decision making</a:t>
-            </a:r>
-            <a:endParaRPr lang="en-US" sz="1200" dirty="0"/>
-          </a:p>
-        </p:txBody>
-      </p:sp>
-      <p:sp>
-        <p:nvSpPr>
-          <p:cNvPr id="21" name="TextBox 20"/>
-          <p:cNvSpPr txBox="1"/>
-          <p:nvPr/>
-        </p:nvSpPr>
-        <p:spPr>
-          <a:xfrm>
-            <a:off x="642627" y="3367505"/>
-            <a:ext cx="1406738" cy="276999"/>
-          </a:xfrm>
-          <a:prstGeom prst="rect">
-            <a:avLst/>
-          </a:prstGeom>
-          <a:noFill/>
-        </p:spPr>
-        <p:txBody>
-          <a:bodyPr wrap="square" rtlCol="0">
-            <a:spAutoFit/>
-          </a:bodyPr>
-          <a:lstStyle/>
-          <a:p>
-            <a:r>
-              <a:rPr lang="en-US" sz="1200" dirty="0" smtClean="0"/>
-              <a:t>Suggestions</a:t>
-            </a:r>
+            <a:endParaRPr lang="en-IN" sz="1800" b="0" strike="noStrike" spc="-1">
+              <a:solidFill>
+                <a:srgbClr val="000000"/>
+              </a:solidFill>
+              <a:uFill>
+                <a:solidFill>
+                  <a:srgbClr val="FFFFFF"/>
+                </a:solidFill>
+              </a:uFill>
+              <a:latin typeface="Arial"/>
+            </a:endParaRPr>
           </a:p>
         </p:txBody>
       </p:sp>
     </p:spTree>
-    <p:extLst>
-      <p:ext uri="{BB962C8B-B14F-4D97-AF65-F5344CB8AC3E}">
-        <p14:creationId xmlns:p14="http://schemas.microsoft.com/office/powerpoint/2010/main" val="1658151665"/>
-      </p:ext>
-    </p:extLst>
   </p:cSld>
   <p:clrMapOvr>
     <a:masterClrMapping/>
@@ -26488,21 +27287,19 @@
       </p:grpSpPr>
       <p:sp>
         <p:nvSpPr>
-          <p:cNvPr id="4" name="CustomShape 1"/>
+          <p:cNvPr id="377" name="CustomShape 1"/>
           <p:cNvSpPr/>
           <p:nvPr/>
         </p:nvSpPr>
         <p:spPr>
           <a:xfrm>
-            <a:off x="0" y="0"/>
-            <a:ext cx="9143280" cy="932040"/>
-          </a:xfrm>
-          <a:prstGeom prst="rect">
-            <a:avLst/>
-          </a:prstGeom>
-          <a:solidFill>
-            <a:srgbClr val="FFFFFF"/>
-          </a:solidFill>
+            <a:off x="352440" y="1440000"/>
+            <a:ext cx="8430120" cy="4571280"/>
+          </a:xfrm>
+          <a:prstGeom prst="rect">
+            <a:avLst/>
+          </a:prstGeom>
+          <a:noFill/>
           <a:ln>
             <a:noFill/>
           </a:ln>
@@ -26519,58 +27316,24 @@
           </a:effectRef>
           <a:fontRef idx="minor"/>
         </p:style>
-        <p:txBody>
-          <a:bodyPr lIns="365760" tIns="45000" rIns="90000" bIns="45000" anchor="ctr"/>
-          <a:lstStyle/>
-          <a:p>
-            <a:pPr>
-              <a:lnSpc>
-                <a:spcPct val="100000"/>
-              </a:lnSpc>
-            </a:pPr>
-            <a:r>
-              <a:rPr lang="en-IN" sz="2600" spc="-1" dirty="0" smtClean="0">
-                <a:solidFill>
-                  <a:srgbClr val="464547"/>
-                </a:solidFill>
-                <a:uFill>
-                  <a:solidFill>
-                    <a:srgbClr val="FFFFFF"/>
-                  </a:solidFill>
-                </a:uFill>
-                <a:latin typeface="Arial Black"/>
-              </a:rPr>
-              <a:t>Recap..</a:t>
-            </a:r>
-            <a:endParaRPr lang="en-IN" sz="1800" b="0" strike="noStrike" spc="-1" dirty="0">
-              <a:solidFill>
-                <a:srgbClr val="000000"/>
-              </a:solidFill>
-              <a:uFill>
-                <a:solidFill>
-                  <a:srgbClr val="FFFFFF"/>
-                </a:solidFill>
-              </a:uFill>
-              <a:latin typeface="Arial"/>
-            </a:endParaRPr>
-          </a:p>
-        </p:txBody>
-      </p:sp>
-      <p:sp>
-        <p:nvSpPr>
-          <p:cNvPr id="5" name="CustomShape 2"/>
+      </p:sp>
+      <p:sp>
+        <p:nvSpPr>
+          <p:cNvPr id="378" name="CustomShape 2"/>
           <p:cNvSpPr/>
           <p:nvPr/>
         </p:nvSpPr>
         <p:spPr>
           <a:xfrm>
-            <a:off x="356760" y="1435680"/>
-            <a:ext cx="8430120" cy="4571280"/>
-          </a:xfrm>
-          <a:prstGeom prst="rect">
-            <a:avLst/>
-          </a:prstGeom>
-          <a:noFill/>
+            <a:off x="0" y="0"/>
+            <a:ext cx="9143280" cy="932040"/>
+          </a:xfrm>
+          <a:prstGeom prst="rect">
+            <a:avLst/>
+          </a:prstGeom>
+          <a:solidFill>
+            <a:srgbClr val="FFFFFF"/>
+          </a:solidFill>
           <a:ln>
             <a:noFill/>
           </a:ln>
@@ -26588,400 +27351,6 @@
           <a:fontRef idx="minor"/>
         </p:style>
         <p:txBody>
-          <a:bodyPr lIns="90000" tIns="45000" rIns="90000" bIns="45000"/>
-          <a:lstStyle/>
-          <a:p>
-            <a:pPr marL="285750" indent="-285750">
-              <a:lnSpc>
-                <a:spcPct val="100000"/>
-              </a:lnSpc>
-              <a:buFont typeface="Arial" panose="020B0604020202020204" pitchFamily="34" charset="0"/>
-              <a:buChar char="•"/>
-            </a:pPr>
-            <a:endParaRPr lang="en-IN" sz="1800" b="0" strike="noStrike" spc="-1" dirty="0">
-              <a:solidFill>
-                <a:srgbClr val="000000"/>
-              </a:solidFill>
-              <a:uFill>
-                <a:solidFill>
-                  <a:srgbClr val="FFFFFF"/>
-                </a:solidFill>
-              </a:uFill>
-              <a:latin typeface="Arial"/>
-            </a:endParaRPr>
-          </a:p>
-        </p:txBody>
-      </p:sp>
-      <p:sp>
-        <p:nvSpPr>
-          <p:cNvPr id="6" name="CustomShape 3"/>
-          <p:cNvSpPr/>
-          <p:nvPr/>
-        </p:nvSpPr>
-        <p:spPr>
-          <a:xfrm>
-            <a:off x="356760" y="1073730"/>
-            <a:ext cx="8430120" cy="4571280"/>
-          </a:xfrm>
-          <a:prstGeom prst="rect">
-            <a:avLst/>
-          </a:prstGeom>
-          <a:noFill/>
-          <a:ln>
-            <a:noFill/>
-          </a:ln>
-        </p:spPr>
-        <p:style>
-          <a:lnRef idx="0">
-            <a:scrgbClr r="0" g="0" b="0"/>
-          </a:lnRef>
-          <a:fillRef idx="0">
-            <a:scrgbClr r="0" g="0" b="0"/>
-          </a:fillRef>
-          <a:effectRef idx="0">
-            <a:scrgbClr r="0" g="0" b="0"/>
-          </a:effectRef>
-          <a:fontRef idx="minor"/>
-        </p:style>
-        <p:txBody>
-          <a:bodyPr lIns="90000" tIns="45000" rIns="90000" bIns="45000"/>
-          <a:lstStyle/>
-          <a:p>
-            <a:pPr marL="285840" indent="-285120">
-              <a:lnSpc>
-                <a:spcPct val="100000"/>
-              </a:lnSpc>
-              <a:buClr>
-                <a:srgbClr val="39C2D7"/>
-              </a:buClr>
-              <a:buFont typeface="Arial"/>
-              <a:buChar char="•"/>
-            </a:pPr>
-            <a:r>
-              <a:rPr lang="en-IN" sz="1600" spc="-1" dirty="0" smtClean="0">
-                <a:solidFill>
-                  <a:srgbClr val="464547"/>
-                </a:solidFill>
-                <a:uFill>
-                  <a:solidFill>
-                    <a:srgbClr val="FFFFFF"/>
-                  </a:solidFill>
-                </a:uFill>
-                <a:latin typeface="Trebuchet MS"/>
-              </a:rPr>
-              <a:t>Equation of a line </a:t>
-            </a:r>
-          </a:p>
-          <a:p>
-            <a:pPr marL="720">
-              <a:lnSpc>
-                <a:spcPct val="100000"/>
-              </a:lnSpc>
-              <a:buClr>
-                <a:srgbClr val="39C2D7"/>
-              </a:buClr>
-            </a:pPr>
-            <a:endParaRPr lang="en-IN" sz="1600" spc="-1" dirty="0">
-              <a:solidFill>
-                <a:srgbClr val="464547"/>
-              </a:solidFill>
-              <a:uFill>
-                <a:solidFill>
-                  <a:srgbClr val="FFFFFF"/>
-                </a:solidFill>
-              </a:uFill>
-              <a:latin typeface="Trebuchet MS"/>
-            </a:endParaRPr>
-          </a:p>
-          <a:p>
-            <a:pPr marL="285840" indent="-285120">
-              <a:lnSpc>
-                <a:spcPct val="100000"/>
-              </a:lnSpc>
-              <a:buClr>
-                <a:srgbClr val="39C2D7"/>
-              </a:buClr>
-              <a:buFont typeface="Arial"/>
-              <a:buChar char="•"/>
-            </a:pPr>
-            <a:r>
-              <a:rPr lang="en-IN" sz="1600" spc="-1" dirty="0" smtClean="0">
-                <a:solidFill>
-                  <a:srgbClr val="464547"/>
-                </a:solidFill>
-                <a:uFill>
-                  <a:solidFill>
-                    <a:srgbClr val="FFFFFF"/>
-                  </a:solidFill>
-                </a:uFill>
-                <a:latin typeface="Trebuchet MS"/>
-              </a:rPr>
-              <a:t>Slope of a line / Gradient</a:t>
-            </a:r>
-          </a:p>
-          <a:p>
-            <a:pPr marL="285840" indent="-285120">
-              <a:lnSpc>
-                <a:spcPct val="100000"/>
-              </a:lnSpc>
-              <a:buClr>
-                <a:srgbClr val="39C2D7"/>
-              </a:buClr>
-              <a:buFont typeface="Arial"/>
-              <a:buChar char="•"/>
-            </a:pPr>
-            <a:endParaRPr lang="en-IN" sz="1600" spc="-1" dirty="0">
-              <a:solidFill>
-                <a:srgbClr val="464547"/>
-              </a:solidFill>
-              <a:uFill>
-                <a:solidFill>
-                  <a:srgbClr val="FFFFFF"/>
-                </a:solidFill>
-              </a:uFill>
-              <a:latin typeface="Trebuchet MS"/>
-            </a:endParaRPr>
-          </a:p>
-          <a:p>
-            <a:pPr marL="285840" indent="-285120">
-              <a:lnSpc>
-                <a:spcPct val="100000"/>
-              </a:lnSpc>
-              <a:buClr>
-                <a:srgbClr val="39C2D7"/>
-              </a:buClr>
-              <a:buFont typeface="Arial"/>
-              <a:buChar char="•"/>
-            </a:pPr>
-            <a:r>
-              <a:rPr lang="en-IN" sz="1600" spc="-1" dirty="0" smtClean="0">
-                <a:solidFill>
-                  <a:srgbClr val="464547"/>
-                </a:solidFill>
-                <a:uFill>
-                  <a:solidFill>
-                    <a:srgbClr val="FFFFFF"/>
-                  </a:solidFill>
-                </a:uFill>
-                <a:latin typeface="Trebuchet MS"/>
-              </a:rPr>
-              <a:t>Derivative of a function f</a:t>
-            </a:r>
-          </a:p>
-          <a:p>
-            <a:pPr marL="285840" indent="-285120">
-              <a:lnSpc>
-                <a:spcPct val="100000"/>
-              </a:lnSpc>
-              <a:buClr>
-                <a:srgbClr val="39C2D7"/>
-              </a:buClr>
-              <a:buFont typeface="Arial"/>
-              <a:buChar char="•"/>
-            </a:pPr>
-            <a:endParaRPr lang="en-IN" sz="1600" spc="-1" dirty="0">
-              <a:solidFill>
-                <a:srgbClr val="464547"/>
-              </a:solidFill>
-              <a:uFill>
-                <a:solidFill>
-                  <a:srgbClr val="FFFFFF"/>
-                </a:solidFill>
-              </a:uFill>
-              <a:latin typeface="Trebuchet MS"/>
-            </a:endParaRPr>
-          </a:p>
-          <a:p>
-            <a:pPr marL="285840" indent="-285120">
-              <a:lnSpc>
-                <a:spcPct val="100000"/>
-              </a:lnSpc>
-              <a:buClr>
-                <a:srgbClr val="39C2D7"/>
-              </a:buClr>
-              <a:buFont typeface="Arial"/>
-              <a:buChar char="•"/>
-            </a:pPr>
-            <a:r>
-              <a:rPr lang="en-IN" sz="1600" spc="-1" dirty="0" smtClean="0">
-                <a:solidFill>
-                  <a:srgbClr val="464547"/>
-                </a:solidFill>
-                <a:uFill>
-                  <a:solidFill>
-                    <a:srgbClr val="FFFFFF"/>
-                  </a:solidFill>
-                </a:uFill>
-                <a:latin typeface="Trebuchet MS"/>
-              </a:rPr>
-              <a:t>Linear function vs non linear function</a:t>
-            </a:r>
-          </a:p>
-          <a:p>
-            <a:pPr marL="285840" indent="-285120">
-              <a:lnSpc>
-                <a:spcPct val="100000"/>
-              </a:lnSpc>
-              <a:buClr>
-                <a:srgbClr val="39C2D7"/>
-              </a:buClr>
-              <a:buFont typeface="Arial"/>
-              <a:buChar char="•"/>
-            </a:pPr>
-            <a:endParaRPr lang="en-IN" sz="1600" spc="-1" dirty="0">
-              <a:solidFill>
-                <a:srgbClr val="464547"/>
-              </a:solidFill>
-              <a:uFill>
-                <a:solidFill>
-                  <a:srgbClr val="FFFFFF"/>
-                </a:solidFill>
-              </a:uFill>
-              <a:latin typeface="Trebuchet MS"/>
-            </a:endParaRPr>
-          </a:p>
-          <a:p>
-            <a:pPr marL="285840" indent="-285120">
-              <a:lnSpc>
-                <a:spcPct val="100000"/>
-              </a:lnSpc>
-              <a:buClr>
-                <a:srgbClr val="39C2D7"/>
-              </a:buClr>
-              <a:buFont typeface="Arial"/>
-              <a:buChar char="•"/>
-            </a:pPr>
-            <a:r>
-              <a:rPr lang="en-IN" sz="1600" spc="-1" dirty="0" smtClean="0">
-                <a:solidFill>
-                  <a:srgbClr val="464547"/>
-                </a:solidFill>
-                <a:uFill>
-                  <a:solidFill>
-                    <a:srgbClr val="FFFFFF"/>
-                  </a:solidFill>
-                </a:uFill>
-                <a:latin typeface="Trebuchet MS"/>
-              </a:rPr>
-              <a:t>Sigma Notation for sums</a:t>
-            </a:r>
-            <a:endParaRPr lang="en-IN" sz="1600" spc="-1" dirty="0" smtClean="0">
-              <a:solidFill>
-                <a:srgbClr val="464547"/>
-              </a:solidFill>
-              <a:uFill>
-                <a:solidFill>
-                  <a:srgbClr val="FFFFFF"/>
-                </a:solidFill>
-              </a:uFill>
-              <a:latin typeface="Trebuchet MS"/>
-            </a:endParaRPr>
-          </a:p>
-        </p:txBody>
-      </p:sp>
-    </p:spTree>
-    <p:extLst>
-      <p:ext uri="{BB962C8B-B14F-4D97-AF65-F5344CB8AC3E}">
-        <p14:creationId xmlns:p14="http://schemas.microsoft.com/office/powerpoint/2010/main" val="3003121310"/>
-      </p:ext>
-    </p:extLst>
-  </p:cSld>
-  <p:clrMapOvr>
-    <a:masterClrMapping/>
-  </p:clrMapOvr>
-  <p:timing>
-    <p:tnLst>
-      <p:par>
-        <p:cTn id="1" dur="indefinite" restart="never" nodeType="tmRoot"/>
-      </p:par>
-    </p:tnLst>
-  </p:timing>
-</p:sld>
-</file>
-
-<file path=ppt/slides/slide8.xml><?xml version="1.0" encoding="utf-8"?>
-<p:sld xmlns:a="http://schemas.openxmlformats.org/drawingml/2006/main" xmlns:r="http://schemas.openxmlformats.org/officeDocument/2006/relationships" xmlns:p="http://schemas.openxmlformats.org/presentationml/2006/main">
-  <p:cSld>
-    <p:spTree>
-      <p:nvGrpSpPr>
-        <p:cNvPr id="1" name=""/>
-        <p:cNvGrpSpPr/>
-        <p:nvPr/>
-      </p:nvGrpSpPr>
-      <p:grpSpPr>
-        <a:xfrm>
-          <a:off x="0" y="0"/>
-          <a:ext cx="0" cy="0"/>
-          <a:chOff x="0" y="0"/>
-          <a:chExt cx="0" cy="0"/>
-        </a:xfrm>
-      </p:grpSpPr>
-      <p:sp>
-        <p:nvSpPr>
-          <p:cNvPr id="377" name="CustomShape 1"/>
-          <p:cNvSpPr/>
-          <p:nvPr/>
-        </p:nvSpPr>
-        <p:spPr>
-          <a:xfrm>
-            <a:off x="352440" y="1440000"/>
-            <a:ext cx="8430120" cy="4571280"/>
-          </a:xfrm>
-          <a:prstGeom prst="rect">
-            <a:avLst/>
-          </a:prstGeom>
-          <a:noFill/>
-          <a:ln>
-            <a:noFill/>
-          </a:ln>
-        </p:spPr>
-        <p:style>
-          <a:lnRef idx="0">
-            <a:scrgbClr r="0" g="0" b="0"/>
-          </a:lnRef>
-          <a:fillRef idx="0">
-            <a:scrgbClr r="0" g="0" b="0"/>
-          </a:fillRef>
-          <a:effectRef idx="0">
-            <a:scrgbClr r="0" g="0" b="0"/>
-          </a:effectRef>
-          <a:fontRef idx="minor"/>
-        </p:style>
-      </p:sp>
-      <p:sp>
-        <p:nvSpPr>
-          <p:cNvPr id="378" name="CustomShape 2"/>
-          <p:cNvSpPr/>
-          <p:nvPr/>
-        </p:nvSpPr>
-        <p:spPr>
-          <a:xfrm>
-            <a:off x="0" y="0"/>
-            <a:ext cx="9143280" cy="932040"/>
-          </a:xfrm>
-          <a:prstGeom prst="rect">
-            <a:avLst/>
-          </a:prstGeom>
-          <a:solidFill>
-            <a:srgbClr val="FFFFFF"/>
-          </a:solidFill>
-          <a:ln>
-            <a:noFill/>
-          </a:ln>
-        </p:spPr>
-        <p:style>
-          <a:lnRef idx="0">
-            <a:scrgbClr r="0" g="0" b="0"/>
-          </a:lnRef>
-          <a:fillRef idx="0">
-            <a:scrgbClr r="0" g="0" b="0"/>
-          </a:fillRef>
-          <a:effectRef idx="0">
-            <a:scrgbClr r="0" g="0" b="0"/>
-          </a:effectRef>
-          <a:fontRef idx="minor"/>
-        </p:style>
-        <p:txBody>
           <a:bodyPr lIns="365760" tIns="45000" rIns="90000" bIns="45000" anchor="ctr"/>
           <a:lstStyle/>
           <a:p>
@@ -27018,390 +27387,513 @@
           </a:p>
         </p:txBody>
       </p:sp>
-      <p:sp>
-        <p:nvSpPr>
-          <p:cNvPr id="379" name="CustomShape 3"/>
+      <p:pic>
+        <p:nvPicPr>
+          <p:cNvPr id="2" name="Picture 1" descr="[フリーイラスト素材] クリップアート, 人物, 男性 / 男の人, ビジネス, デスクワーク, PC / パソコン / コンピュータ, 眼鏡 ..."/>
+          <p:cNvPicPr>
+            <a:picLocks noChangeAspect="1"/>
+          </p:cNvPicPr>
+          <p:nvPr/>
+        </p:nvPicPr>
+        <p:blipFill>
+          <a:blip r:embed="rId3" cstate="print">
+            <a:extLst>
+              <a:ext uri="{28A0092B-C50C-407E-A947-70E740481C1C}">
+                <a14:useLocalDpi xmlns:a14="http://schemas.microsoft.com/office/drawing/2010/main" val="0"/>
+              </a:ext>
+            </a:extLst>
+          </a:blip>
+          <a:stretch>
+            <a:fillRect/>
+          </a:stretch>
+        </p:blipFill>
+        <p:spPr>
+          <a:xfrm>
+            <a:off x="3538469" y="1440000"/>
+            <a:ext cx="1508224" cy="1727283"/>
+          </a:xfrm>
+          <a:prstGeom prst="rect">
+            <a:avLst/>
+          </a:prstGeom>
+        </p:spPr>
+      </p:pic>
+      <p:pic>
+        <p:nvPicPr>
+          <p:cNvPr id="3" name="Picture 2" descr="Clipart - Mr Happy"/>
+          <p:cNvPicPr>
+            <a:picLocks noChangeAspect="1"/>
+          </p:cNvPicPr>
+          <p:nvPr/>
+        </p:nvPicPr>
+        <p:blipFill>
+          <a:blip r:embed="rId4" cstate="print">
+            <a:extLst>
+              <a:ext uri="{28A0092B-C50C-407E-A947-70E740481C1C}">
+                <a14:useLocalDpi xmlns:a14="http://schemas.microsoft.com/office/drawing/2010/main" val="0"/>
+              </a:ext>
+            </a:extLst>
+          </a:blip>
+          <a:stretch>
+            <a:fillRect/>
+          </a:stretch>
+        </p:blipFill>
+        <p:spPr>
+          <a:xfrm>
+            <a:off x="712177" y="1440000"/>
+            <a:ext cx="1508760" cy="1197579"/>
+          </a:xfrm>
+          <a:prstGeom prst="rect">
+            <a:avLst/>
+          </a:prstGeom>
+        </p:spPr>
+      </p:pic>
+      <p:pic>
+        <p:nvPicPr>
+          <p:cNvPr id="4" name="Picture 3" descr="DDJSchool Tutorial: How to Create Charts with Datawrapper | Resources ..."/>
+          <p:cNvPicPr>
+            <a:picLocks noChangeAspect="1"/>
+          </p:cNvPicPr>
+          <p:nvPr/>
+        </p:nvPicPr>
+        <p:blipFill>
+          <a:blip r:embed="rId5" cstate="print">
+            <a:extLst>
+              <a:ext uri="{28A0092B-C50C-407E-A947-70E740481C1C}">
+                <a14:useLocalDpi xmlns:a14="http://schemas.microsoft.com/office/drawing/2010/main" val="0"/>
+              </a:ext>
+            </a:extLst>
+          </a:blip>
+          <a:stretch>
+            <a:fillRect/>
+          </a:stretch>
+        </p:blipFill>
+        <p:spPr>
+          <a:xfrm rot="19768092">
+            <a:off x="4736071" y="868070"/>
+            <a:ext cx="963831" cy="738097"/>
+          </a:xfrm>
+          <a:prstGeom prst="rect">
+            <a:avLst/>
+          </a:prstGeom>
+        </p:spPr>
+      </p:pic>
+      <p:pic>
+        <p:nvPicPr>
+          <p:cNvPr id="5" name="Picture 4" descr="Interpreting Graphs (english usage)"/>
+          <p:cNvPicPr>
+            <a:picLocks noChangeAspect="1"/>
+          </p:cNvPicPr>
+          <p:nvPr/>
+        </p:nvPicPr>
+        <p:blipFill>
+          <a:blip r:embed="rId6" cstate="print">
+            <a:extLst>
+              <a:ext uri="{28A0092B-C50C-407E-A947-70E740481C1C}">
+                <a14:useLocalDpi xmlns:a14="http://schemas.microsoft.com/office/drawing/2010/main" val="0"/>
+              </a:ext>
+            </a:extLst>
+          </a:blip>
+          <a:stretch>
+            <a:fillRect/>
+          </a:stretch>
+        </p:blipFill>
+        <p:spPr>
+          <a:xfrm>
+            <a:off x="5395277" y="3500624"/>
+            <a:ext cx="1508760" cy="1427374"/>
+          </a:xfrm>
+          <a:prstGeom prst="rect">
+            <a:avLst/>
+          </a:prstGeom>
+        </p:spPr>
+      </p:pic>
+      <p:pic>
+        <p:nvPicPr>
+          <p:cNvPr id="9" name="Picture 8" descr="Making Your Match Rank List"/>
+          <p:cNvPicPr>
+            <a:picLocks noChangeAspect="1"/>
+          </p:cNvPicPr>
+          <p:nvPr/>
+        </p:nvPicPr>
+        <p:blipFill>
+          <a:blip r:embed="rId7">
+            <a:extLst>
+              <a:ext uri="{28A0092B-C50C-407E-A947-70E740481C1C}">
+                <a14:useLocalDpi xmlns:a14="http://schemas.microsoft.com/office/drawing/2010/main" val="0"/>
+              </a:ext>
+            </a:extLst>
+          </a:blip>
+          <a:stretch>
+            <a:fillRect/>
+          </a:stretch>
+        </p:blipFill>
+        <p:spPr>
+          <a:xfrm>
+            <a:off x="1913897" y="3593796"/>
+            <a:ext cx="1508760" cy="1696867"/>
+          </a:xfrm>
+          <a:prstGeom prst="rect">
+            <a:avLst/>
+          </a:prstGeom>
+        </p:spPr>
+      </p:pic>
+      <p:sp>
+        <p:nvSpPr>
+          <p:cNvPr id="10" name="Right Arrow 9"/>
           <p:cNvSpPr/>
           <p:nvPr/>
         </p:nvSpPr>
         <p:spPr>
           <a:xfrm>
-            <a:off x="356760" y="1435680"/>
-            <a:ext cx="8430120" cy="4571280"/>
-          </a:xfrm>
-          <a:prstGeom prst="rect">
-            <a:avLst/>
-          </a:prstGeom>
-          <a:noFill/>
-          <a:ln>
-            <a:noFill/>
-          </a:ln>
+            <a:off x="2362717" y="2103040"/>
+            <a:ext cx="917917" cy="298938"/>
+          </a:xfrm>
+          <a:prstGeom prst="rightArrow">
+            <a:avLst/>
+          </a:prstGeom>
         </p:spPr>
         <p:style>
-          <a:lnRef idx="0">
-            <a:scrgbClr r="0" g="0" b="0"/>
+          <a:lnRef idx="2">
+            <a:schemeClr val="accent1">
+              <a:shade val="50000"/>
+            </a:schemeClr>
           </a:lnRef>
-          <a:fillRef idx="0">
-            <a:scrgbClr r="0" g="0" b="0"/>
+          <a:fillRef idx="1">
+            <a:schemeClr val="accent1"/>
           </a:fillRef>
           <a:effectRef idx="0">
-            <a:scrgbClr r="0" g="0" b="0"/>
+            <a:schemeClr val="accent1"/>
           </a:effectRef>
-          <a:fontRef idx="minor"/>
+          <a:fontRef idx="minor">
+            <a:schemeClr val="lt1"/>
+          </a:fontRef>
         </p:style>
         <p:txBody>
-          <a:bodyPr lIns="90000" tIns="45000" rIns="90000" bIns="45000"/>
-          <a:lstStyle/>
-          <a:p>
-            <a:pPr marL="285840" indent="-285120">
-              <a:lnSpc>
-                <a:spcPct val="100000"/>
-              </a:lnSpc>
-              <a:buClr>
-                <a:srgbClr val="39C2D7"/>
-              </a:buClr>
-              <a:buFont typeface="Arial"/>
-              <a:buChar char="•"/>
-            </a:pPr>
+          <a:bodyPr rtlCol="0" anchor="ctr"/>
+          <a:lstStyle/>
+          <a:p>
+            <a:pPr algn="ctr"/>
+            <a:endParaRPr lang="en-US"/>
+          </a:p>
+        </p:txBody>
+      </p:sp>
+      <p:sp>
+        <p:nvSpPr>
+          <p:cNvPr id="11" name="Down Arrow 10"/>
+          <p:cNvSpPr/>
+          <p:nvPr/>
+        </p:nvSpPr>
+        <p:spPr>
+          <a:xfrm rot="18387165">
+            <a:off x="5397044" y="2459755"/>
+            <a:ext cx="369277" cy="910368"/>
+          </a:xfrm>
+          <a:prstGeom prst="downArrow">
+            <a:avLst/>
+          </a:prstGeom>
+        </p:spPr>
+        <p:style>
+          <a:lnRef idx="2">
+            <a:schemeClr val="accent1">
+              <a:shade val="50000"/>
+            </a:schemeClr>
+          </a:lnRef>
+          <a:fillRef idx="1">
+            <a:schemeClr val="accent1"/>
+          </a:fillRef>
+          <a:effectRef idx="0">
+            <a:schemeClr val="accent1"/>
+          </a:effectRef>
+          <a:fontRef idx="minor">
+            <a:schemeClr val="lt1"/>
+          </a:fontRef>
+        </p:style>
+        <p:txBody>
+          <a:bodyPr rtlCol="0" anchor="ctr"/>
+          <a:lstStyle/>
+          <a:p>
+            <a:pPr algn="ctr"/>
+            <a:endParaRPr lang="en-US"/>
+          </a:p>
+        </p:txBody>
+      </p:sp>
+      <p:sp>
+        <p:nvSpPr>
+          <p:cNvPr id="17" name="Left Arrow 16"/>
+          <p:cNvSpPr/>
+          <p:nvPr/>
+        </p:nvSpPr>
+        <p:spPr>
+          <a:xfrm>
+            <a:off x="3896583" y="4413435"/>
+            <a:ext cx="1087531" cy="351692"/>
+          </a:xfrm>
+          <a:prstGeom prst="leftArrow">
+            <a:avLst/>
+          </a:prstGeom>
+        </p:spPr>
+        <p:style>
+          <a:lnRef idx="2">
+            <a:schemeClr val="accent1">
+              <a:shade val="50000"/>
+            </a:schemeClr>
+          </a:lnRef>
+          <a:fillRef idx="1">
+            <a:schemeClr val="accent1"/>
+          </a:fillRef>
+          <a:effectRef idx="0">
+            <a:schemeClr val="accent1"/>
+          </a:effectRef>
+          <a:fontRef idx="minor">
+            <a:schemeClr val="lt1"/>
+          </a:fontRef>
+        </p:style>
+        <p:txBody>
+          <a:bodyPr rtlCol="0" anchor="ctr"/>
+          <a:lstStyle/>
+          <a:p>
+            <a:pPr algn="ctr"/>
+            <a:endParaRPr lang="en-US"/>
+          </a:p>
+        </p:txBody>
+      </p:sp>
+      <p:sp>
+        <p:nvSpPr>
+          <p:cNvPr id="13" name="Up Arrow 12"/>
+          <p:cNvSpPr/>
+          <p:nvPr/>
+        </p:nvSpPr>
+        <p:spPr>
+          <a:xfrm rot="19653975">
+            <a:off x="1535632" y="2970704"/>
+            <a:ext cx="297180" cy="793602"/>
+          </a:xfrm>
+          <a:prstGeom prst="upArrow">
+            <a:avLst/>
+          </a:prstGeom>
+        </p:spPr>
+        <p:style>
+          <a:lnRef idx="2">
+            <a:schemeClr val="accent1">
+              <a:shade val="50000"/>
+            </a:schemeClr>
+          </a:lnRef>
+          <a:fillRef idx="1">
+            <a:schemeClr val="accent1"/>
+          </a:fillRef>
+          <a:effectRef idx="0">
+            <a:schemeClr val="accent1"/>
+          </a:effectRef>
+          <a:fontRef idx="minor">
+            <a:schemeClr val="lt1"/>
+          </a:fontRef>
+        </p:style>
+        <p:txBody>
+          <a:bodyPr rtlCol="0" anchor="ctr"/>
+          <a:lstStyle/>
+          <a:p>
+            <a:pPr algn="ctr"/>
+            <a:endParaRPr lang="en-US"/>
+          </a:p>
+        </p:txBody>
+      </p:sp>
+      <p:pic>
+        <p:nvPicPr>
+          <p:cNvPr id="15" name="Picture 14" descr="IOGDS Data Analytics"/>
+          <p:cNvPicPr>
+            <a:picLocks noChangeAspect="1"/>
+          </p:cNvPicPr>
+          <p:nvPr/>
+        </p:nvPicPr>
+        <p:blipFill>
+          <a:blip r:embed="rId8" cstate="print">
+            <a:extLst>
+              <a:ext uri="{28A0092B-C50C-407E-A947-70E740481C1C}">
+                <a14:useLocalDpi xmlns:a14="http://schemas.microsoft.com/office/drawing/2010/main" val="0"/>
+              </a:ext>
+            </a:extLst>
+          </a:blip>
+          <a:stretch>
+            <a:fillRect/>
+          </a:stretch>
+        </p:blipFill>
+        <p:spPr>
+          <a:xfrm>
+            <a:off x="5217986" y="1385527"/>
+            <a:ext cx="1184447" cy="691192"/>
+          </a:xfrm>
+          <a:prstGeom prst="rect">
+            <a:avLst/>
+          </a:prstGeom>
+        </p:spPr>
+      </p:pic>
+      <p:pic>
+        <p:nvPicPr>
+          <p:cNvPr id="16" name="Picture 15" descr="circle &lt;strong&gt;graph&lt;/strong&gt; of traffic | Flickr - Photo Sharing!"/>
+          <p:cNvPicPr>
+            <a:picLocks noChangeAspect="1"/>
+          </p:cNvPicPr>
+          <p:nvPr/>
+        </p:nvPicPr>
+        <p:blipFill>
+          <a:blip r:embed="rId9" cstate="print">
+            <a:extLst>
+              <a:ext uri="{28A0092B-C50C-407E-A947-70E740481C1C}">
+                <a14:useLocalDpi xmlns:a14="http://schemas.microsoft.com/office/drawing/2010/main" val="0"/>
+              </a:ext>
+            </a:extLst>
+          </a:blip>
+          <a:stretch>
+            <a:fillRect/>
+          </a:stretch>
+        </p:blipFill>
+        <p:spPr>
+          <a:xfrm>
+            <a:off x="6889583" y="3875828"/>
+            <a:ext cx="1467360" cy="1132802"/>
+          </a:xfrm>
+          <a:prstGeom prst="rect">
+            <a:avLst/>
+          </a:prstGeom>
+        </p:spPr>
+      </p:pic>
+      <p:sp>
+        <p:nvSpPr>
+          <p:cNvPr id="18" name="TextBox 17"/>
+          <p:cNvSpPr txBox="1"/>
+          <p:nvPr/>
+        </p:nvSpPr>
+        <p:spPr>
+          <a:xfrm>
+            <a:off x="2362717" y="1385527"/>
+            <a:ext cx="1059940" cy="646331"/>
+          </a:xfrm>
+          <a:prstGeom prst="rect">
+            <a:avLst/>
+          </a:prstGeom>
+          <a:noFill/>
+        </p:spPr>
+        <p:txBody>
+          <a:bodyPr wrap="square" rtlCol="0">
+            <a:spAutoFit/>
+          </a:bodyPr>
+          <a:lstStyle/>
+          <a:p>
             <a:r>
-              <a:rPr lang="en-IN" sz="1600" b="0" strike="noStrike" spc="-1" dirty="0" smtClean="0">
-                <a:solidFill>
-                  <a:srgbClr val="464547"/>
-                </a:solidFill>
-                <a:uFill>
-                  <a:solidFill>
-                    <a:srgbClr val="FFFFFF"/>
-                  </a:solidFill>
-                </a:uFill>
-                <a:latin typeface="Trebuchet MS"/>
-              </a:rPr>
-              <a:t>Input: </a:t>
+              <a:rPr lang="en-US" sz="1200" dirty="0" smtClean="0"/>
+              <a:t>#bedrooms</a:t>
             </a:r>
+          </a:p>
+          <a:p>
             <a:r>
-              <a:rPr lang="en-IN" sz="1600" b="0" strike="noStrike" spc="-1" dirty="0" smtClean="0">
-                <a:solidFill>
-                  <a:srgbClr val="464547"/>
-                </a:solidFill>
-                <a:uFill>
-                  <a:solidFill>
-                    <a:srgbClr val="FFFFFF"/>
-                  </a:solidFill>
-                </a:uFill>
-                <a:latin typeface="Trebuchet MS"/>
-              </a:rPr>
-              <a:t>Square feet</a:t>
+              <a:rPr lang="en-US" sz="1200" dirty="0" smtClean="0"/>
+              <a:t>#sq. feet</a:t>
             </a:r>
-            <a:endParaRPr lang="en-IN" spc="-1" dirty="0">
-              <a:solidFill>
-                <a:srgbClr val="000000"/>
-              </a:solidFill>
-              <a:uFill>
-                <a:solidFill>
-                  <a:srgbClr val="FFFFFF"/>
-                </a:solidFill>
-              </a:uFill>
-              <a:latin typeface="Arial"/>
-            </a:endParaRPr>
-          </a:p>
-          <a:p>
-            <a:pPr marL="720">
-              <a:lnSpc>
-                <a:spcPct val="100000"/>
-              </a:lnSpc>
-              <a:buClr>
-                <a:srgbClr val="39C2D7"/>
-              </a:buClr>
-            </a:pPr>
-            <a:endParaRPr lang="en-IN" sz="1800" b="0" strike="noStrike" spc="-1" dirty="0">
-              <a:solidFill>
-                <a:srgbClr val="000000"/>
-              </a:solidFill>
-              <a:uFill>
-                <a:solidFill>
-                  <a:srgbClr val="FFFFFF"/>
-                </a:solidFill>
-              </a:uFill>
-              <a:latin typeface="Arial"/>
-            </a:endParaRPr>
-          </a:p>
-          <a:p>
-            <a:pPr marL="285840" indent="-285120">
-              <a:lnSpc>
-                <a:spcPct val="100000"/>
-              </a:lnSpc>
-              <a:buClr>
-                <a:srgbClr val="39C2D7"/>
-              </a:buClr>
-              <a:buFont typeface="Arial"/>
-              <a:buChar char="•"/>
-            </a:pPr>
+          </a:p>
+          <a:p>
             <a:r>
-              <a:rPr lang="en-IN" sz="1600" b="0" strike="noStrike" spc="-1" dirty="0" smtClean="0">
-                <a:solidFill>
-                  <a:srgbClr val="464547"/>
-                </a:solidFill>
-                <a:uFill>
-                  <a:solidFill>
-                    <a:srgbClr val="FFFFFF"/>
-                  </a:solidFill>
-                </a:uFill>
-                <a:latin typeface="Trebuchet MS"/>
-              </a:rPr>
-              <a:t>Output: Expected </a:t>
+              <a:rPr lang="en-US" sz="1200" dirty="0" smtClean="0"/>
+              <a:t>#distance</a:t>
             </a:r>
+            <a:endParaRPr lang="en-US" sz="1200" dirty="0"/>
+          </a:p>
+        </p:txBody>
+      </p:sp>
+      <p:sp>
+        <p:nvSpPr>
+          <p:cNvPr id="19" name="TextBox 18"/>
+          <p:cNvSpPr txBox="1"/>
+          <p:nvPr/>
+        </p:nvSpPr>
+        <p:spPr>
+          <a:xfrm>
+            <a:off x="5820566" y="2596179"/>
+            <a:ext cx="1868928" cy="276999"/>
+          </a:xfrm>
+          <a:prstGeom prst="rect">
+            <a:avLst/>
+          </a:prstGeom>
+          <a:noFill/>
+        </p:spPr>
+        <p:txBody>
+          <a:bodyPr wrap="square" rtlCol="0">
+            <a:spAutoFit/>
+          </a:bodyPr>
+          <a:lstStyle/>
+          <a:p>
             <a:r>
-              <a:rPr lang="en-IN" sz="1600" b="0" strike="noStrike" spc="-1" dirty="0" smtClean="0">
-                <a:solidFill>
-                  <a:srgbClr val="464547"/>
-                </a:solidFill>
-                <a:uFill>
-                  <a:solidFill>
-                    <a:srgbClr val="FFFFFF"/>
-                  </a:solidFill>
-                </a:uFill>
-                <a:latin typeface="Trebuchet MS"/>
-              </a:rPr>
-              <a:t>price</a:t>
+              <a:rPr lang="en-US" sz="1200" dirty="0" smtClean="0"/>
+              <a:t>Knowledge Extraction</a:t>
             </a:r>
-          </a:p>
-          <a:p>
-            <a:pPr marL="720">
-              <a:lnSpc>
-                <a:spcPct val="100000"/>
-              </a:lnSpc>
-              <a:buClr>
-                <a:srgbClr val="39C2D7"/>
-              </a:buClr>
-            </a:pPr>
-            <a:endParaRPr lang="en-IN" sz="1800" b="0" strike="noStrike" spc="-1" dirty="0">
-              <a:solidFill>
-                <a:srgbClr val="000000"/>
-              </a:solidFill>
-              <a:uFill>
-                <a:solidFill>
-                  <a:srgbClr val="FFFFFF"/>
-                </a:solidFill>
-              </a:uFill>
-              <a:latin typeface="Arial"/>
-            </a:endParaRPr>
-          </a:p>
-          <a:p>
-            <a:pPr marL="285840" indent="-285120">
-              <a:lnSpc>
-                <a:spcPct val="100000"/>
-              </a:lnSpc>
-              <a:buClr>
-                <a:srgbClr val="39C2D7"/>
-              </a:buClr>
-              <a:buFont typeface="Arial"/>
-              <a:buChar char="•"/>
-            </a:pPr>
+            <a:endParaRPr lang="en-US" sz="1200" dirty="0"/>
+          </a:p>
+        </p:txBody>
+      </p:sp>
+      <p:sp>
+        <p:nvSpPr>
+          <p:cNvPr id="20" name="TextBox 19"/>
+          <p:cNvSpPr txBox="1"/>
+          <p:nvPr/>
+        </p:nvSpPr>
+        <p:spPr>
+          <a:xfrm>
+            <a:off x="3708512" y="4819600"/>
+            <a:ext cx="1463671" cy="276999"/>
+          </a:xfrm>
+          <a:prstGeom prst="rect">
+            <a:avLst/>
+          </a:prstGeom>
+          <a:noFill/>
+        </p:spPr>
+        <p:txBody>
+          <a:bodyPr wrap="square" rtlCol="0">
+            <a:spAutoFit/>
+          </a:bodyPr>
+          <a:lstStyle/>
+          <a:p>
             <a:r>
-              <a:rPr lang="en-IN" sz="1600" b="0" strike="noStrike" spc="-1" dirty="0">
-                <a:solidFill>
-                  <a:srgbClr val="464547"/>
-                </a:solidFill>
-                <a:uFill>
-                  <a:solidFill>
-                    <a:srgbClr val="FFFFFF"/>
-                  </a:solidFill>
-                </a:uFill>
-                <a:latin typeface="Trebuchet MS"/>
-              </a:rPr>
-              <a:t>Need to </a:t>
+              <a:rPr lang="en-US" sz="1200" dirty="0" smtClean="0"/>
+              <a:t>Decision making</a:t>
             </a:r>
+            <a:endParaRPr lang="en-US" sz="1200" dirty="0"/>
+          </a:p>
+        </p:txBody>
+      </p:sp>
+      <p:sp>
+        <p:nvSpPr>
+          <p:cNvPr id="21" name="TextBox 20"/>
+          <p:cNvSpPr txBox="1"/>
+          <p:nvPr/>
+        </p:nvSpPr>
+        <p:spPr>
+          <a:xfrm>
+            <a:off x="642627" y="3367505"/>
+            <a:ext cx="1406738" cy="276999"/>
+          </a:xfrm>
+          <a:prstGeom prst="rect">
+            <a:avLst/>
+          </a:prstGeom>
+          <a:noFill/>
+        </p:spPr>
+        <p:txBody>
+          <a:bodyPr wrap="square" rtlCol="0">
+            <a:spAutoFit/>
+          </a:bodyPr>
+          <a:lstStyle/>
+          <a:p>
             <a:r>
-              <a:rPr lang="en-IN" sz="1600" b="0" strike="noStrike" spc="-1" dirty="0" smtClean="0">
-                <a:solidFill>
-                  <a:srgbClr val="464547"/>
-                </a:solidFill>
-                <a:uFill>
-                  <a:solidFill>
-                    <a:srgbClr val="FFFFFF"/>
-                  </a:solidFill>
-                </a:uFill>
-                <a:latin typeface="Trebuchet MS"/>
-              </a:rPr>
-              <a:t>come up with </a:t>
+              <a:rPr lang="en-US" sz="1200" dirty="0" smtClean="0"/>
+              <a:t>Suggestions</a:t>
             </a:r>
-            <a:r>
-              <a:rPr lang="en-IN" sz="1600" b="0" strike="noStrike" spc="-1" dirty="0">
-                <a:solidFill>
-                  <a:srgbClr val="464547"/>
-                </a:solidFill>
-                <a:uFill>
-                  <a:solidFill>
-                    <a:srgbClr val="FFFFFF"/>
-                  </a:solidFill>
-                </a:uFill>
-                <a:latin typeface="Trebuchet MS"/>
-              </a:rPr>
-              <a:t>a model that </a:t>
-            </a:r>
-            <a:r>
-              <a:rPr lang="en-IN" sz="1600" b="0" strike="noStrike" spc="-1" dirty="0" smtClean="0">
-                <a:solidFill>
-                  <a:srgbClr val="464547"/>
-                </a:solidFill>
-                <a:uFill>
-                  <a:solidFill>
-                    <a:srgbClr val="FFFFFF"/>
-                  </a:solidFill>
-                </a:uFill>
-                <a:latin typeface="Trebuchet MS"/>
-              </a:rPr>
-              <a:t>predicts the price</a:t>
-            </a:r>
-            <a:endParaRPr lang="en-IN" sz="1800" b="0" strike="noStrike" spc="-1" dirty="0">
-              <a:solidFill>
-                <a:srgbClr val="000000"/>
-              </a:solidFill>
-              <a:uFill>
-                <a:solidFill>
-                  <a:srgbClr val="FFFFFF"/>
-                </a:solidFill>
-              </a:uFill>
-              <a:latin typeface="Arial"/>
-            </a:endParaRPr>
-          </a:p>
-          <a:p>
-            <a:pPr marL="720">
-              <a:lnSpc>
-                <a:spcPct val="100000"/>
-              </a:lnSpc>
-              <a:buClr>
-                <a:srgbClr val="39C2D7"/>
-              </a:buClr>
-            </a:pPr>
-            <a:r>
-              <a:rPr lang="en-IN" sz="1600" b="0" strike="noStrike" spc="-1" dirty="0">
-                <a:solidFill>
-                  <a:srgbClr val="464547"/>
-                </a:solidFill>
-                <a:uFill>
-                  <a:solidFill>
-                    <a:srgbClr val="FFFFFF"/>
-                  </a:solidFill>
-                </a:uFill>
-                <a:latin typeface="Trebuchet MS"/>
-              </a:rPr>
-              <a:t> </a:t>
-            </a:r>
-            <a:endParaRPr lang="en-IN" sz="1800" b="0" strike="noStrike" spc="-1" dirty="0">
-              <a:solidFill>
-                <a:srgbClr val="000000"/>
-              </a:solidFill>
-              <a:uFill>
-                <a:solidFill>
-                  <a:srgbClr val="FFFFFF"/>
-                </a:solidFill>
-              </a:uFill>
-              <a:latin typeface="Arial"/>
-            </a:endParaRPr>
-          </a:p>
-          <a:p>
-            <a:pPr marL="285840" indent="-285120">
-              <a:lnSpc>
-                <a:spcPct val="100000"/>
-              </a:lnSpc>
-              <a:buClr>
-                <a:srgbClr val="39C2D7"/>
-              </a:buClr>
-              <a:buFont typeface="Arial"/>
-              <a:buChar char="•"/>
-            </a:pPr>
-            <a:r>
-              <a:rPr lang="en-IN" sz="1600" b="0" strike="noStrike" spc="-1" dirty="0" smtClean="0">
-                <a:solidFill>
-                  <a:srgbClr val="464547"/>
-                </a:solidFill>
-                <a:uFill>
-                  <a:solidFill>
-                    <a:srgbClr val="FFFFFF"/>
-                  </a:solidFill>
-                </a:uFill>
-                <a:latin typeface="Trebuchet MS"/>
-              </a:rPr>
-              <a:t>How </a:t>
-            </a:r>
-            <a:r>
-              <a:rPr lang="en-IN" sz="1600" b="0" strike="noStrike" spc="-1" dirty="0" smtClean="0">
-                <a:solidFill>
-                  <a:srgbClr val="464547"/>
-                </a:solidFill>
-                <a:uFill>
-                  <a:solidFill>
-                    <a:srgbClr val="FFFFFF"/>
-                  </a:solidFill>
-                </a:uFill>
-                <a:latin typeface="Trebuchet MS"/>
-              </a:rPr>
-              <a:t>to </a:t>
-            </a:r>
-            <a:r>
-              <a:rPr lang="en-IN" sz="1600" b="0" strike="noStrike" spc="-1" dirty="0" smtClean="0">
-                <a:solidFill>
-                  <a:srgbClr val="464547"/>
-                </a:solidFill>
-                <a:uFill>
-                  <a:solidFill>
-                    <a:srgbClr val="FFFFFF"/>
-                  </a:solidFill>
-                </a:uFill>
-                <a:latin typeface="Trebuchet MS"/>
-              </a:rPr>
-              <a:t>find such </a:t>
-            </a:r>
-            <a:r>
-              <a:rPr lang="en-IN" sz="1600" b="0" strike="noStrike" spc="-1" dirty="0" smtClean="0">
-                <a:solidFill>
-                  <a:srgbClr val="464547"/>
-                </a:solidFill>
-                <a:uFill>
-                  <a:solidFill>
-                    <a:srgbClr val="FFFFFF"/>
-                  </a:solidFill>
-                </a:uFill>
-                <a:latin typeface="Trebuchet MS"/>
-              </a:rPr>
-              <a:t>model</a:t>
-            </a:r>
-            <a:endParaRPr lang="en-IN" sz="1800" b="0" strike="noStrike" spc="-1" dirty="0">
-              <a:solidFill>
-                <a:srgbClr val="000000"/>
-              </a:solidFill>
-              <a:uFill>
-                <a:solidFill>
-                  <a:srgbClr val="FFFFFF"/>
-                </a:solidFill>
-              </a:uFill>
-              <a:latin typeface="Arial"/>
-            </a:endParaRPr>
-          </a:p>
-          <a:p>
-            <a:pPr marL="720">
-              <a:lnSpc>
-                <a:spcPct val="100000"/>
-              </a:lnSpc>
-              <a:buClr>
-                <a:srgbClr val="39C2D7"/>
-              </a:buClr>
-            </a:pPr>
-            <a:endParaRPr lang="en-IN" sz="1800" b="0" strike="noStrike" spc="-1" dirty="0">
-              <a:solidFill>
-                <a:srgbClr val="000000"/>
-              </a:solidFill>
-              <a:uFill>
-                <a:solidFill>
-                  <a:srgbClr val="FFFFFF"/>
-                </a:solidFill>
-              </a:uFill>
-              <a:latin typeface="Arial"/>
-            </a:endParaRPr>
           </a:p>
         </p:txBody>
       </p:sp>
     </p:spTree>
+    <p:extLst>
+      <p:ext uri="{BB962C8B-B14F-4D97-AF65-F5344CB8AC3E}">
+        <p14:creationId xmlns:p14="http://schemas.microsoft.com/office/powerpoint/2010/main" val="1658151665"/>
+      </p:ext>
+    </p:extLst>
   </p:cSld>
   <p:clrMapOvr>
     <a:masterClrMapping/>
@@ -27436,6 +27928,425 @@
 </p:sld>
 </file>
 
+<file path=ppt/slides/slide8.xml><?xml version="1.0" encoding="utf-8"?>
+<p:sld xmlns:a="http://schemas.openxmlformats.org/drawingml/2006/main" xmlns:r="http://schemas.openxmlformats.org/officeDocument/2006/relationships" xmlns:p="http://schemas.openxmlformats.org/presentationml/2006/main">
+  <p:cSld>
+    <p:spTree>
+      <p:nvGrpSpPr>
+        <p:cNvPr id="1" name=""/>
+        <p:cNvGrpSpPr/>
+        <p:nvPr/>
+      </p:nvGrpSpPr>
+      <p:grpSpPr>
+        <a:xfrm>
+          <a:off x="0" y="0"/>
+          <a:ext cx="0" cy="0"/>
+          <a:chOff x="0" y="0"/>
+          <a:chExt cx="0" cy="0"/>
+        </a:xfrm>
+      </p:grpSpPr>
+      <p:sp>
+        <p:nvSpPr>
+          <p:cNvPr id="4" name="CustomShape 1"/>
+          <p:cNvSpPr/>
+          <p:nvPr/>
+        </p:nvSpPr>
+        <p:spPr>
+          <a:xfrm>
+            <a:off x="0" y="0"/>
+            <a:ext cx="9143280" cy="932040"/>
+          </a:xfrm>
+          <a:prstGeom prst="rect">
+            <a:avLst/>
+          </a:prstGeom>
+          <a:solidFill>
+            <a:srgbClr val="FFFFFF"/>
+          </a:solidFill>
+          <a:ln>
+            <a:noFill/>
+          </a:ln>
+        </p:spPr>
+        <p:style>
+          <a:lnRef idx="0">
+            <a:scrgbClr r="0" g="0" b="0"/>
+          </a:lnRef>
+          <a:fillRef idx="0">
+            <a:scrgbClr r="0" g="0" b="0"/>
+          </a:fillRef>
+          <a:effectRef idx="0">
+            <a:scrgbClr r="0" g="0" b="0"/>
+          </a:effectRef>
+          <a:fontRef idx="minor"/>
+        </p:style>
+        <p:txBody>
+          <a:bodyPr lIns="365760" tIns="45000" rIns="90000" bIns="45000" anchor="ctr"/>
+          <a:lstStyle/>
+          <a:p>
+            <a:pPr>
+              <a:lnSpc>
+                <a:spcPct val="100000"/>
+              </a:lnSpc>
+            </a:pPr>
+            <a:r>
+              <a:rPr lang="en-IN" sz="2600" spc="-1" dirty="0" smtClean="0">
+                <a:solidFill>
+                  <a:srgbClr val="464547"/>
+                </a:solidFill>
+                <a:uFill>
+                  <a:solidFill>
+                    <a:srgbClr val="FFFFFF"/>
+                  </a:solidFill>
+                </a:uFill>
+                <a:latin typeface="Arial Black"/>
+              </a:rPr>
+              <a:t>Recap..</a:t>
+            </a:r>
+            <a:endParaRPr lang="en-IN" sz="1800" b="0" strike="noStrike" spc="-1" dirty="0">
+              <a:solidFill>
+                <a:srgbClr val="000000"/>
+              </a:solidFill>
+              <a:uFill>
+                <a:solidFill>
+                  <a:srgbClr val="FFFFFF"/>
+                </a:solidFill>
+              </a:uFill>
+              <a:latin typeface="Arial"/>
+            </a:endParaRPr>
+          </a:p>
+        </p:txBody>
+      </p:sp>
+      <p:sp>
+        <p:nvSpPr>
+          <p:cNvPr id="5" name="CustomShape 2"/>
+          <p:cNvSpPr/>
+          <p:nvPr/>
+        </p:nvSpPr>
+        <p:spPr>
+          <a:xfrm>
+            <a:off x="356760" y="1435680"/>
+            <a:ext cx="8430120" cy="4571280"/>
+          </a:xfrm>
+          <a:prstGeom prst="rect">
+            <a:avLst/>
+          </a:prstGeom>
+          <a:noFill/>
+          <a:ln>
+            <a:noFill/>
+          </a:ln>
+        </p:spPr>
+        <p:style>
+          <a:lnRef idx="0">
+            <a:scrgbClr r="0" g="0" b="0"/>
+          </a:lnRef>
+          <a:fillRef idx="0">
+            <a:scrgbClr r="0" g="0" b="0"/>
+          </a:fillRef>
+          <a:effectRef idx="0">
+            <a:scrgbClr r="0" g="0" b="0"/>
+          </a:effectRef>
+          <a:fontRef idx="minor"/>
+        </p:style>
+        <p:txBody>
+          <a:bodyPr lIns="90000" tIns="45000" rIns="90000" bIns="45000"/>
+          <a:lstStyle/>
+          <a:p>
+            <a:pPr marL="285750" indent="-285750">
+              <a:lnSpc>
+                <a:spcPct val="100000"/>
+              </a:lnSpc>
+              <a:buFont typeface="Arial" panose="020B0604020202020204" pitchFamily="34" charset="0"/>
+              <a:buChar char="•"/>
+            </a:pPr>
+            <a:endParaRPr lang="en-IN" sz="1800" b="0" strike="noStrike" spc="-1" dirty="0">
+              <a:solidFill>
+                <a:srgbClr val="000000"/>
+              </a:solidFill>
+              <a:uFill>
+                <a:solidFill>
+                  <a:srgbClr val="FFFFFF"/>
+                </a:solidFill>
+              </a:uFill>
+              <a:latin typeface="Arial"/>
+            </a:endParaRPr>
+          </a:p>
+        </p:txBody>
+      </p:sp>
+      <p:sp>
+        <p:nvSpPr>
+          <p:cNvPr id="6" name="CustomShape 3"/>
+          <p:cNvSpPr/>
+          <p:nvPr/>
+        </p:nvSpPr>
+        <p:spPr>
+          <a:xfrm>
+            <a:off x="356760" y="1073730"/>
+            <a:ext cx="8430120" cy="4571280"/>
+          </a:xfrm>
+          <a:prstGeom prst="rect">
+            <a:avLst/>
+          </a:prstGeom>
+          <a:noFill/>
+          <a:ln>
+            <a:noFill/>
+          </a:ln>
+        </p:spPr>
+        <p:style>
+          <a:lnRef idx="0">
+            <a:scrgbClr r="0" g="0" b="0"/>
+          </a:lnRef>
+          <a:fillRef idx="0">
+            <a:scrgbClr r="0" g="0" b="0"/>
+          </a:fillRef>
+          <a:effectRef idx="0">
+            <a:scrgbClr r="0" g="0" b="0"/>
+          </a:effectRef>
+          <a:fontRef idx="minor"/>
+        </p:style>
+        <p:txBody>
+          <a:bodyPr lIns="90000" tIns="45000" rIns="90000" bIns="45000"/>
+          <a:lstStyle/>
+          <a:p>
+            <a:pPr marL="285840" indent="-285120">
+              <a:lnSpc>
+                <a:spcPct val="100000"/>
+              </a:lnSpc>
+              <a:buClr>
+                <a:srgbClr val="39C2D7"/>
+              </a:buClr>
+              <a:buFont typeface="Arial"/>
+              <a:buChar char="•"/>
+            </a:pPr>
+            <a:r>
+              <a:rPr lang="en-IN" sz="1600" spc="-1" dirty="0" smtClean="0">
+                <a:solidFill>
+                  <a:srgbClr val="464547"/>
+                </a:solidFill>
+                <a:uFill>
+                  <a:solidFill>
+                    <a:srgbClr val="FFFFFF"/>
+                  </a:solidFill>
+                </a:uFill>
+                <a:latin typeface="Trebuchet MS"/>
+              </a:rPr>
+              <a:t>Equation of a line </a:t>
+            </a:r>
+          </a:p>
+          <a:p>
+            <a:pPr marL="720">
+              <a:lnSpc>
+                <a:spcPct val="100000"/>
+              </a:lnSpc>
+              <a:buClr>
+                <a:srgbClr val="39C2D7"/>
+              </a:buClr>
+            </a:pPr>
+            <a:endParaRPr lang="en-IN" sz="1600" spc="-1" dirty="0">
+              <a:solidFill>
+                <a:srgbClr val="464547"/>
+              </a:solidFill>
+              <a:uFill>
+                <a:solidFill>
+                  <a:srgbClr val="FFFFFF"/>
+                </a:solidFill>
+              </a:uFill>
+              <a:latin typeface="Trebuchet MS"/>
+            </a:endParaRPr>
+          </a:p>
+          <a:p>
+            <a:pPr marL="285840" indent="-285120">
+              <a:lnSpc>
+                <a:spcPct val="100000"/>
+              </a:lnSpc>
+              <a:buClr>
+                <a:srgbClr val="39C2D7"/>
+              </a:buClr>
+              <a:buFont typeface="Arial"/>
+              <a:buChar char="•"/>
+            </a:pPr>
+            <a:r>
+              <a:rPr lang="en-IN" sz="1600" spc="-1" dirty="0" smtClean="0">
+                <a:solidFill>
+                  <a:srgbClr val="464547"/>
+                </a:solidFill>
+                <a:uFill>
+                  <a:solidFill>
+                    <a:srgbClr val="FFFFFF"/>
+                  </a:solidFill>
+                </a:uFill>
+                <a:latin typeface="Trebuchet MS"/>
+              </a:rPr>
+              <a:t>Slope of a line / Gradient</a:t>
+            </a:r>
+          </a:p>
+          <a:p>
+            <a:pPr marL="285840" indent="-285120">
+              <a:lnSpc>
+                <a:spcPct val="100000"/>
+              </a:lnSpc>
+              <a:buClr>
+                <a:srgbClr val="39C2D7"/>
+              </a:buClr>
+              <a:buFont typeface="Arial"/>
+              <a:buChar char="•"/>
+            </a:pPr>
+            <a:endParaRPr lang="en-IN" sz="1600" spc="-1" dirty="0">
+              <a:solidFill>
+                <a:srgbClr val="464547"/>
+              </a:solidFill>
+              <a:uFill>
+                <a:solidFill>
+                  <a:srgbClr val="FFFFFF"/>
+                </a:solidFill>
+              </a:uFill>
+              <a:latin typeface="Trebuchet MS"/>
+            </a:endParaRPr>
+          </a:p>
+          <a:p>
+            <a:pPr marL="285840" indent="-285120">
+              <a:lnSpc>
+                <a:spcPct val="100000"/>
+              </a:lnSpc>
+              <a:buClr>
+                <a:srgbClr val="39C2D7"/>
+              </a:buClr>
+              <a:buFont typeface="Arial"/>
+              <a:buChar char="•"/>
+            </a:pPr>
+            <a:r>
+              <a:rPr lang="en-IN" sz="1600" spc="-1" dirty="0" smtClean="0">
+                <a:solidFill>
+                  <a:srgbClr val="464547"/>
+                </a:solidFill>
+                <a:uFill>
+                  <a:solidFill>
+                    <a:srgbClr val="FFFFFF"/>
+                  </a:solidFill>
+                </a:uFill>
+                <a:latin typeface="Trebuchet MS"/>
+              </a:rPr>
+              <a:t>Derivative of a function f</a:t>
+            </a:r>
+          </a:p>
+          <a:p>
+            <a:pPr marL="285840" indent="-285120">
+              <a:lnSpc>
+                <a:spcPct val="100000"/>
+              </a:lnSpc>
+              <a:buClr>
+                <a:srgbClr val="39C2D7"/>
+              </a:buClr>
+              <a:buFont typeface="Arial"/>
+              <a:buChar char="•"/>
+            </a:pPr>
+            <a:endParaRPr lang="en-IN" sz="1600" spc="-1" dirty="0">
+              <a:solidFill>
+                <a:srgbClr val="464547"/>
+              </a:solidFill>
+              <a:uFill>
+                <a:solidFill>
+                  <a:srgbClr val="FFFFFF"/>
+                </a:solidFill>
+              </a:uFill>
+              <a:latin typeface="Trebuchet MS"/>
+            </a:endParaRPr>
+          </a:p>
+          <a:p>
+            <a:pPr marL="285840" indent="-285120">
+              <a:lnSpc>
+                <a:spcPct val="100000"/>
+              </a:lnSpc>
+              <a:buClr>
+                <a:srgbClr val="39C2D7"/>
+              </a:buClr>
+              <a:buFont typeface="Arial"/>
+              <a:buChar char="•"/>
+            </a:pPr>
+            <a:r>
+              <a:rPr lang="en-IN" sz="1600" spc="-1" dirty="0" smtClean="0">
+                <a:solidFill>
+                  <a:srgbClr val="464547"/>
+                </a:solidFill>
+                <a:uFill>
+                  <a:solidFill>
+                    <a:srgbClr val="FFFFFF"/>
+                  </a:solidFill>
+                </a:uFill>
+                <a:latin typeface="Trebuchet MS"/>
+              </a:rPr>
+              <a:t>Linear function vs non linear function</a:t>
+            </a:r>
+          </a:p>
+          <a:p>
+            <a:pPr marL="285840" indent="-285120">
+              <a:lnSpc>
+                <a:spcPct val="100000"/>
+              </a:lnSpc>
+              <a:buClr>
+                <a:srgbClr val="39C2D7"/>
+              </a:buClr>
+              <a:buFont typeface="Arial"/>
+              <a:buChar char="•"/>
+            </a:pPr>
+            <a:endParaRPr lang="en-IN" sz="1600" spc="-1" dirty="0">
+              <a:solidFill>
+                <a:srgbClr val="464547"/>
+              </a:solidFill>
+              <a:uFill>
+                <a:solidFill>
+                  <a:srgbClr val="FFFFFF"/>
+                </a:solidFill>
+              </a:uFill>
+              <a:latin typeface="Trebuchet MS"/>
+            </a:endParaRPr>
+          </a:p>
+          <a:p>
+            <a:pPr marL="285840" indent="-285120">
+              <a:lnSpc>
+                <a:spcPct val="100000"/>
+              </a:lnSpc>
+              <a:buClr>
+                <a:srgbClr val="39C2D7"/>
+              </a:buClr>
+              <a:buFont typeface="Arial"/>
+              <a:buChar char="•"/>
+            </a:pPr>
+            <a:r>
+              <a:rPr lang="en-IN" sz="1600" spc="-1" dirty="0" smtClean="0">
+                <a:solidFill>
+                  <a:srgbClr val="464547"/>
+                </a:solidFill>
+                <a:uFill>
+                  <a:solidFill>
+                    <a:srgbClr val="FFFFFF"/>
+                  </a:solidFill>
+                </a:uFill>
+                <a:latin typeface="Trebuchet MS"/>
+              </a:rPr>
+              <a:t>Sigma Notation for sums</a:t>
+            </a:r>
+          </a:p>
+        </p:txBody>
+      </p:sp>
+    </p:spTree>
+    <p:extLst>
+      <p:ext uri="{BB962C8B-B14F-4D97-AF65-F5344CB8AC3E}">
+        <p14:creationId xmlns:p14="http://schemas.microsoft.com/office/powerpoint/2010/main" val="3003121310"/>
+      </p:ext>
+    </p:extLst>
+  </p:cSld>
+  <p:clrMapOvr>
+    <a:masterClrMapping/>
+  </p:clrMapOvr>
+  <p:timing>
+    <p:tnLst>
+      <p:par>
+        <p:cTn id="1" dur="indefinite" restart="never" nodeType="tmRoot"/>
+      </p:par>
+    </p:tnLst>
+  </p:timing>
+</p:sld>
+</file>
+
 <file path=ppt/slides/slide9.xml><?xml version="1.0" encoding="utf-8"?>
 <p:sld xmlns:a="http://schemas.openxmlformats.org/drawingml/2006/main" xmlns:r="http://schemas.openxmlformats.org/officeDocument/2006/relationships" xmlns:p="http://schemas.openxmlformats.org/presentationml/2006/main">
   <p:cSld>
@@ -27453,53 +28364,21 @@
           <a:chExt cx="0" cy="0"/>
         </a:xfrm>
       </p:grpSpPr>
-      <p:pic>
-        <p:nvPicPr>
-          <p:cNvPr id="3" name="Picture 2"/>
-          <p:cNvPicPr>
-            <a:picLocks noChangeAspect="1"/>
-          </p:cNvPicPr>
-          <p:nvPr/>
-        </p:nvPicPr>
-        <p:blipFill>
-          <a:blip r:embed="rId3">
-            <a:extLst>
-              <a:ext uri="{28A0092B-C50C-407E-A947-70E740481C1C}">
-                <a14:useLocalDpi xmlns:a14="http://schemas.microsoft.com/office/drawing/2010/main" val="0"/>
-              </a:ext>
-            </a:extLst>
-          </a:blip>
-          <a:stretch>
-            <a:fillRect/>
-          </a:stretch>
-        </p:blipFill>
-        <p:spPr>
-          <a:xfrm>
-            <a:off x="152316" y="3638549"/>
-            <a:ext cx="4491542" cy="2752725"/>
-          </a:xfrm>
-          <a:prstGeom prst="rect">
-            <a:avLst/>
-          </a:prstGeom>
-        </p:spPr>
-      </p:pic>
-      <p:sp>
-        <p:nvSpPr>
-          <p:cNvPr id="382" name="CustomShape 1"/>
+      <p:sp>
+        <p:nvSpPr>
+          <p:cNvPr id="377" name="CustomShape 1"/>
           <p:cNvSpPr/>
           <p:nvPr/>
         </p:nvSpPr>
         <p:spPr>
           <a:xfrm>
-            <a:off x="0" y="0"/>
-            <a:ext cx="9143280" cy="932040"/>
-          </a:xfrm>
-          <a:prstGeom prst="rect">
-            <a:avLst/>
-          </a:prstGeom>
-          <a:solidFill>
-            <a:srgbClr val="FFFFFF"/>
-          </a:solidFill>
+            <a:off x="352440" y="1440000"/>
+            <a:ext cx="8430120" cy="4571280"/>
+          </a:xfrm>
+          <a:prstGeom prst="rect">
+            <a:avLst/>
+          </a:prstGeom>
+          <a:noFill/>
           <a:ln>
             <a:noFill/>
           </a:ln>
@@ -27516,58 +28395,24 @@
           </a:effectRef>
           <a:fontRef idx="minor"/>
         </p:style>
-        <p:txBody>
-          <a:bodyPr lIns="365760" tIns="45000" rIns="90000" bIns="45000" anchor="ctr"/>
-          <a:lstStyle/>
-          <a:p>
-            <a:pPr>
-              <a:lnSpc>
-                <a:spcPct val="100000"/>
-              </a:lnSpc>
-            </a:pPr>
-            <a:r>
-              <a:rPr lang="en-IN" sz="2600" b="0" strike="noStrike" spc="-1">
-                <a:solidFill>
-                  <a:srgbClr val="464547"/>
-                </a:solidFill>
-                <a:uFill>
-                  <a:solidFill>
-                    <a:srgbClr val="FFFFFF"/>
-                  </a:solidFill>
-                </a:uFill>
-                <a:latin typeface="Arial Black"/>
-              </a:rPr>
-              <a:t>Linear Regression</a:t>
-            </a:r>
-            <a:endParaRPr lang="en-IN" sz="1800" b="0" strike="noStrike" spc="-1">
-              <a:solidFill>
-                <a:srgbClr val="000000"/>
-              </a:solidFill>
-              <a:uFill>
-                <a:solidFill>
-                  <a:srgbClr val="FFFFFF"/>
-                </a:solidFill>
-              </a:uFill>
-              <a:latin typeface="Arial"/>
-            </a:endParaRPr>
-          </a:p>
-        </p:txBody>
-      </p:sp>
-      <p:sp>
-        <p:nvSpPr>
-          <p:cNvPr id="4" name="CustomShape 3"/>
+      </p:sp>
+      <p:sp>
+        <p:nvSpPr>
+          <p:cNvPr id="378" name="CustomShape 2"/>
           <p:cNvSpPr/>
           <p:nvPr/>
         </p:nvSpPr>
         <p:spPr>
           <a:xfrm>
-            <a:off x="356580" y="820218"/>
-            <a:ext cx="8430120" cy="4571280"/>
-          </a:xfrm>
-          <a:prstGeom prst="rect">
-            <a:avLst/>
-          </a:prstGeom>
-          <a:noFill/>
+            <a:off x="0" y="0"/>
+            <a:ext cx="9143280" cy="932040"/>
+          </a:xfrm>
+          <a:prstGeom prst="rect">
+            <a:avLst/>
+          </a:prstGeom>
+          <a:solidFill>
+            <a:srgbClr val="FFFFFF"/>
+          </a:solidFill>
           <a:ln>
             <a:noFill/>
           </a:ln>
@@ -27585,6 +28430,74 @@
           <a:fontRef idx="minor"/>
         </p:style>
         <p:txBody>
+          <a:bodyPr lIns="365760" tIns="45000" rIns="90000" bIns="45000" anchor="ctr"/>
+          <a:lstStyle/>
+          <a:p>
+            <a:pPr>
+              <a:lnSpc>
+                <a:spcPct val="100000"/>
+              </a:lnSpc>
+            </a:pPr>
+            <a:r>
+              <a:rPr lang="en-IN" sz="2600" b="0" strike="noStrike" spc="-1">
+                <a:solidFill>
+                  <a:srgbClr val="464547"/>
+                </a:solidFill>
+                <a:uFill>
+                  <a:solidFill>
+                    <a:srgbClr val="FFFFFF"/>
+                  </a:solidFill>
+                </a:uFill>
+                <a:latin typeface="Arial Black"/>
+              </a:rPr>
+              <a:t>A Simple Example</a:t>
+            </a:r>
+            <a:endParaRPr lang="en-IN" sz="1800" b="0" strike="noStrike" spc="-1">
+              <a:solidFill>
+                <a:srgbClr val="000000"/>
+              </a:solidFill>
+              <a:uFill>
+                <a:solidFill>
+                  <a:srgbClr val="FFFFFF"/>
+                </a:solidFill>
+              </a:uFill>
+              <a:latin typeface="Arial"/>
+            </a:endParaRPr>
+          </a:p>
+        </p:txBody>
+      </p:sp>
+      <p:sp>
+        <p:nvSpPr>
+          <p:cNvPr id="379" name="CustomShape 3"/>
+          <p:cNvSpPr/>
+          <p:nvPr/>
+        </p:nvSpPr>
+        <p:spPr>
+          <a:xfrm>
+            <a:off x="356760" y="1435680"/>
+            <a:ext cx="8430120" cy="4571280"/>
+          </a:xfrm>
+          <a:prstGeom prst="rect">
+            <a:avLst/>
+          </a:prstGeom>
+          <a:noFill/>
+          <a:ln>
+            <a:noFill/>
+          </a:ln>
+        </p:spPr>
+        <p:style>
+          <a:lnRef idx="0">
+            <a:scrgbClr r="0" g="0" b="0"/>
+          </a:lnRef>
+          <a:fillRef idx="0">
+            <a:scrgbClr r="0" g="0" b="0"/>
+          </a:fillRef>
+          <a:effectRef idx="0">
+            <a:scrgbClr r="0" g="0" b="0"/>
+          </a:effectRef>
+          <a:fontRef idx="minor"/>
+        </p:style>
+        <p:txBody>
           <a:bodyPr lIns="90000" tIns="45000" rIns="90000" bIns="45000"/>
           <a:lstStyle/>
           <a:p>
@@ -27599,32 +28512,62 @@
               <a:buChar char="•"/>
             </a:pPr>
             <a:r>
-              <a:rPr lang="en-IN" sz="1800" b="0" strike="noStrike" spc="-1" dirty="0" smtClean="0">
-                <a:solidFill>
-                  <a:srgbClr val="000000"/>
+              <a:rPr lang="en-IN" sz="1600" b="0" strike="noStrike" spc="-1" dirty="0" smtClean="0">
+                <a:solidFill>
+                  <a:srgbClr val="464547"/>
                 </a:solidFill>
                 <a:uFill>
                   <a:solidFill>
                     <a:srgbClr val="FFFFFF"/>
                   </a:solidFill>
                 </a:uFill>
-                <a:latin typeface="Arial"/>
+                <a:latin typeface="Trebuchet MS"/>
               </a:rPr>
-              <a:t>Lets take the simplest scenario</a:t>
+              <a:t>Input: Square feet</a:t>
             </a:r>
-          </a:p>
-          <a:p>
-            <a:pPr marL="285840" indent="-285120">
+            <a:endParaRPr lang="en-IN" spc="-1" dirty="0">
+              <a:solidFill>
+                <a:srgbClr val="000000"/>
+              </a:solidFill>
+              <a:uFill>
+                <a:solidFill>
+                  <a:srgbClr val="FFFFFF"/>
+                </a:solidFill>
+              </a:uFill>
+              <a:latin typeface="Arial"/>
+            </a:endParaRPr>
+          </a:p>
+          <a:p>
+            <a:pPr marL="720">
               <a:lnSpc>
                 <a:spcPct val="100000"/>
               </a:lnSpc>
               <a:buClr>
                 <a:srgbClr val="39C2D7"/>
               </a:buClr>
-              <a:buFont typeface="Arial"/>
-              <a:buChar char="•"/>
             </a:pPr>
-            <a:endParaRPr lang="en-IN" spc="-1" dirty="0" smtClean="0">
+            <a:endParaRPr lang="en-IN" sz="1800" b="0" strike="noStrike" spc="-1" dirty="0" smtClean="0">
+              <a:solidFill>
+                <a:srgbClr val="000000"/>
+              </a:solidFill>
+              <a:uFill>
+                <a:solidFill>
+                  <a:srgbClr val="FFFFFF"/>
+                </a:solidFill>
+              </a:uFill>
+              <a:latin typeface="Arial"/>
+            </a:endParaRPr>
+          </a:p>
+          <a:p>
+            <a:pPr marL="720">
+              <a:lnSpc>
+                <a:spcPct val="100000"/>
+              </a:lnSpc>
+              <a:buClr>
+                <a:srgbClr val="39C2D7"/>
+              </a:buClr>
+            </a:pPr>
+            <a:endParaRPr lang="en-IN" sz="1800" b="0" strike="noStrike" spc="-1" dirty="0">
               <a:solidFill>
                 <a:srgbClr val="000000"/>
               </a:solidFill>
@@ -27648,19 +28591,140 @@
               <a:buChar char="•"/>
             </a:pPr>
             <a:r>
-              <a:rPr lang="en-IN" spc="-1" dirty="0" smtClean="0">
-                <a:solidFill>
-                  <a:srgbClr val="000000"/>
+              <a:rPr lang="en-IN" sz="1600" b="0" strike="noStrike" spc="-1" dirty="0" smtClean="0">
+                <a:solidFill>
+                  <a:srgbClr val="464547"/>
                 </a:solidFill>
                 <a:uFill>
                   <a:solidFill>
                     <a:srgbClr val="FFFFFF"/>
                   </a:solidFill>
                 </a:uFill>
-                <a:latin typeface="Arial"/>
+                <a:latin typeface="Trebuchet MS"/>
               </a:rPr>
-              <a:t>Assumptions:</a:t>
+              <a:t>Output: Expected price</a:t>
             </a:r>
+          </a:p>
+          <a:p>
+            <a:pPr marL="720">
+              <a:lnSpc>
+                <a:spcPct val="100000"/>
+              </a:lnSpc>
+              <a:buClr>
+                <a:srgbClr val="39C2D7"/>
+              </a:buClr>
+            </a:pPr>
+            <a:endParaRPr lang="en-IN" sz="1800" b="0" strike="noStrike" spc="-1" dirty="0" smtClean="0">
+              <a:solidFill>
+                <a:srgbClr val="000000"/>
+              </a:solidFill>
+              <a:uFill>
+                <a:solidFill>
+                  <a:srgbClr val="FFFFFF"/>
+                </a:solidFill>
+              </a:uFill>
+              <a:latin typeface="Arial"/>
+            </a:endParaRPr>
+          </a:p>
+          <a:p>
+            <a:pPr marL="720">
+              <a:lnSpc>
+                <a:spcPct val="100000"/>
+              </a:lnSpc>
+              <a:buClr>
+                <a:srgbClr val="39C2D7"/>
+              </a:buClr>
+            </a:pPr>
+            <a:endParaRPr lang="en-IN" sz="1800" b="0" strike="noStrike" spc="-1" dirty="0">
+              <a:solidFill>
+                <a:srgbClr val="000000"/>
+              </a:solidFill>
+              <a:uFill>
+                <a:solidFill>
+                  <a:srgbClr val="FFFFFF"/>
+                </a:solidFill>
+              </a:uFill>
+              <a:latin typeface="Arial"/>
+            </a:endParaRPr>
+          </a:p>
+          <a:p>
+            <a:pPr marL="285840" indent="-285120">
+              <a:lnSpc>
+                <a:spcPct val="100000"/>
+              </a:lnSpc>
+              <a:buClr>
+                <a:srgbClr val="39C2D7"/>
+              </a:buClr>
+              <a:buFont typeface="Arial"/>
+              <a:buChar char="•"/>
+            </a:pPr>
+            <a:r>
+              <a:rPr lang="en-IN" sz="1600" b="0" strike="noStrike" spc="-1" dirty="0">
+                <a:solidFill>
+                  <a:srgbClr val="464547"/>
+                </a:solidFill>
+                <a:uFill>
+                  <a:solidFill>
+                    <a:srgbClr val="FFFFFF"/>
+                  </a:solidFill>
+                </a:uFill>
+                <a:latin typeface="Trebuchet MS"/>
+              </a:rPr>
+              <a:t>Need to </a:t>
+            </a:r>
+            <a:r>
+              <a:rPr lang="en-IN" sz="1600" b="0" strike="noStrike" spc="-1" dirty="0" smtClean="0">
+                <a:solidFill>
+                  <a:srgbClr val="464547"/>
+                </a:solidFill>
+                <a:uFill>
+                  <a:solidFill>
+                    <a:srgbClr val="FFFFFF"/>
+                  </a:solidFill>
+                </a:uFill>
+                <a:latin typeface="Trebuchet MS"/>
+              </a:rPr>
+              <a:t>come up with </a:t>
+            </a:r>
+            <a:r>
+              <a:rPr lang="en-IN" sz="1600" b="0" strike="noStrike" spc="-1" dirty="0">
+                <a:solidFill>
+                  <a:srgbClr val="464547"/>
+                </a:solidFill>
+                <a:uFill>
+                  <a:solidFill>
+                    <a:srgbClr val="FFFFFF"/>
+                  </a:solidFill>
+                </a:uFill>
+                <a:latin typeface="Trebuchet MS"/>
+              </a:rPr>
+              <a:t>a model that </a:t>
+            </a:r>
+            <a:r>
+              <a:rPr lang="en-IN" sz="1600" b="0" strike="noStrike" spc="-1" dirty="0" smtClean="0">
+                <a:solidFill>
+                  <a:srgbClr val="464547"/>
+                </a:solidFill>
+                <a:uFill>
+                  <a:solidFill>
+                    <a:srgbClr val="FFFFFF"/>
+                  </a:solidFill>
+                </a:uFill>
+                <a:latin typeface="Trebuchet MS"/>
+              </a:rPr>
+              <a:t>predicts the price</a:t>
+            </a:r>
+            <a:endParaRPr lang="en-IN" sz="1800" b="0" strike="noStrike" spc="-1" dirty="0">
+              <a:solidFill>
+                <a:srgbClr val="000000"/>
+              </a:solidFill>
+              <a:uFill>
+                <a:solidFill>
+                  <a:srgbClr val="FFFFFF"/>
+                </a:solidFill>
+              </a:uFill>
+              <a:latin typeface="Arial"/>
+            </a:endParaRPr>
           </a:p>
           <a:p>
             <a:pPr marL="720">
@@ -27672,290 +28736,33 @@
               </a:buClr>
             </a:pPr>
             <a:r>
-              <a:rPr lang="en-IN" spc="-1" dirty="0" smtClean="0">
-                <a:solidFill>
-                  <a:srgbClr val="000000"/>
+              <a:rPr lang="en-IN" sz="1600" b="0" strike="noStrike" spc="-1" dirty="0">
+                <a:solidFill>
+                  <a:srgbClr val="464547"/>
                 </a:solidFill>
                 <a:uFill>
                   <a:solidFill>
                     <a:srgbClr val="FFFFFF"/>
                   </a:solidFill>
                 </a:uFill>
-                <a:latin typeface="Arial"/>
+                <a:latin typeface="Trebuchet MS"/>
               </a:rPr>
-              <a:t>	Input: </a:t>
+              <a:t> </a:t>
             </a:r>
-            <a:endParaRPr lang="en-IN" spc="-1" dirty="0" smtClean="0">
-              <a:solidFill>
-                <a:srgbClr val="000000"/>
-              </a:solidFill>
-              <a:uFill>
-                <a:solidFill>
-                  <a:srgbClr val="FFFFFF"/>
-                </a:solidFill>
-              </a:uFill>
-              <a:latin typeface="Arial"/>
-            </a:endParaRPr>
-          </a:p>
-          <a:p>
-            <a:pPr marL="720">
-              <a:lnSpc>
-                <a:spcPct val="100000"/>
-              </a:lnSpc>
-              <a:buClr>
-                <a:srgbClr val="39C2D7"/>
-              </a:buClr>
-            </a:pPr>
-            <a:r>
-              <a:rPr lang="en-IN" spc="-1" dirty="0">
-                <a:solidFill>
-                  <a:srgbClr val="000000"/>
-                </a:solidFill>
-                <a:uFill>
-                  <a:solidFill>
-                    <a:srgbClr val="FFFFFF"/>
-                  </a:solidFill>
-                </a:uFill>
-                <a:latin typeface="Arial"/>
-              </a:rPr>
-              <a:t>	</a:t>
-            </a:r>
-            <a:r>
-              <a:rPr lang="en-IN" spc="-1" dirty="0" smtClean="0">
-                <a:solidFill>
-                  <a:srgbClr val="000000"/>
-                </a:solidFill>
-                <a:uFill>
-                  <a:solidFill>
-                    <a:srgbClr val="FFFFFF"/>
-                  </a:solidFill>
-                </a:uFill>
-                <a:latin typeface="Arial"/>
-              </a:rPr>
-              <a:t>	</a:t>
-            </a:r>
-            <a:r>
-              <a:rPr lang="en-IN" spc="-1" dirty="0" smtClean="0">
-                <a:solidFill>
-                  <a:srgbClr val="000000"/>
-                </a:solidFill>
-                <a:uFill>
-                  <a:solidFill>
-                    <a:srgbClr val="FFFFFF"/>
-                  </a:solidFill>
-                </a:uFill>
-                <a:latin typeface="Arial"/>
-              </a:rPr>
-              <a:t>sq</a:t>
-            </a:r>
-            <a:r>
-              <a:rPr lang="en-IN" spc="-1" dirty="0" smtClean="0">
-                <a:solidFill>
-                  <a:srgbClr val="000000"/>
-                </a:solidFill>
-                <a:uFill>
-                  <a:solidFill>
-                    <a:srgbClr val="FFFFFF"/>
-                  </a:solidFill>
-                </a:uFill>
-                <a:latin typeface="Arial"/>
-              </a:rPr>
-              <a:t>. feet of home</a:t>
-            </a:r>
-          </a:p>
-          <a:p>
-            <a:pPr marL="720">
-              <a:lnSpc>
-                <a:spcPct val="100000"/>
-              </a:lnSpc>
-              <a:buClr>
-                <a:srgbClr val="39C2D7"/>
-              </a:buClr>
-            </a:pPr>
-            <a:r>
-              <a:rPr lang="en-IN" sz="1800" b="0" strike="noStrike" spc="-1" dirty="0" smtClean="0">
-                <a:solidFill>
-                  <a:srgbClr val="000000"/>
-                </a:solidFill>
-                <a:uFill>
-                  <a:solidFill>
-                    <a:srgbClr val="FFFFFF"/>
-                  </a:solidFill>
-                </a:uFill>
-                <a:latin typeface="Arial"/>
-              </a:rPr>
-              <a:t>	Output: </a:t>
-            </a:r>
-            <a:endParaRPr lang="en-IN" sz="1800" b="0" strike="noStrike" spc="-1" dirty="0" smtClean="0">
-              <a:solidFill>
-                <a:srgbClr val="000000"/>
-              </a:solidFill>
-              <a:uFill>
-                <a:solidFill>
-                  <a:srgbClr val="FFFFFF"/>
-                </a:solidFill>
-              </a:uFill>
-              <a:latin typeface="Arial"/>
-            </a:endParaRPr>
-          </a:p>
-          <a:p>
-            <a:pPr marL="720">
-              <a:lnSpc>
-                <a:spcPct val="100000"/>
-              </a:lnSpc>
-              <a:buClr>
-                <a:srgbClr val="39C2D7"/>
-              </a:buClr>
-            </a:pPr>
-            <a:r>
-              <a:rPr lang="en-IN" spc="-1" dirty="0">
-                <a:solidFill>
-                  <a:srgbClr val="000000"/>
-                </a:solidFill>
-                <a:uFill>
-                  <a:solidFill>
-                    <a:srgbClr val="FFFFFF"/>
-                  </a:solidFill>
-                </a:uFill>
-                <a:latin typeface="Arial"/>
-              </a:rPr>
-              <a:t>	</a:t>
-            </a:r>
-            <a:r>
-              <a:rPr lang="en-IN" spc="-1" dirty="0" smtClean="0">
-                <a:solidFill>
-                  <a:srgbClr val="000000"/>
-                </a:solidFill>
-                <a:uFill>
-                  <a:solidFill>
-                    <a:srgbClr val="FFFFFF"/>
-                  </a:solidFill>
-                </a:uFill>
-                <a:latin typeface="Arial"/>
-              </a:rPr>
-              <a:t>	</a:t>
-            </a:r>
-            <a:r>
-              <a:rPr lang="en-IN" sz="1800" b="0" strike="noStrike" spc="-1" dirty="0" smtClean="0">
-                <a:solidFill>
-                  <a:srgbClr val="000000"/>
-                </a:solidFill>
-                <a:uFill>
-                  <a:solidFill>
-                    <a:srgbClr val="FFFFFF"/>
-                  </a:solidFill>
-                </a:uFill>
-                <a:latin typeface="Arial"/>
-              </a:rPr>
-              <a:t>expected price</a:t>
-            </a:r>
-          </a:p>
-          <a:p>
-            <a:pPr marL="720">
-              <a:lnSpc>
-                <a:spcPct val="100000"/>
-              </a:lnSpc>
-              <a:buClr>
-                <a:srgbClr val="39C2D7"/>
-              </a:buClr>
-            </a:pPr>
-            <a:endParaRPr lang="en-IN" sz="1800" b="0" strike="noStrike" spc="-1" dirty="0" smtClean="0">
-              <a:solidFill>
-                <a:srgbClr val="000000"/>
-              </a:solidFill>
-              <a:uFill>
-                <a:solidFill>
-                  <a:srgbClr val="FFFFFF"/>
-                </a:solidFill>
-              </a:uFill>
-              <a:latin typeface="Arial"/>
-            </a:endParaRPr>
-          </a:p>
-          <a:p>
-            <a:pPr marL="915120" lvl="2">
-              <a:buClr>
-                <a:srgbClr val="39C2D7"/>
-              </a:buClr>
-            </a:pPr>
-            <a:r>
-              <a:rPr lang="en-IN" spc="-1" dirty="0" smtClean="0">
-                <a:solidFill>
-                  <a:srgbClr val="000000"/>
-                </a:solidFill>
-                <a:uFill>
-                  <a:solidFill>
-                    <a:srgbClr val="FFFFFF"/>
-                  </a:solidFill>
-                </a:uFill>
-                <a:latin typeface="Arial"/>
-              </a:rPr>
-              <a:t>Existing </a:t>
-            </a:r>
-            <a:r>
-              <a:rPr lang="en-IN" spc="-1" dirty="0" smtClean="0">
-                <a:solidFill>
-                  <a:srgbClr val="000000"/>
-                </a:solidFill>
-                <a:uFill>
-                  <a:solidFill>
-                    <a:srgbClr val="FFFFFF"/>
-                  </a:solidFill>
-                </a:uFill>
-                <a:latin typeface="Arial"/>
-              </a:rPr>
-              <a:t>data shows some linear relationship</a:t>
-            </a:r>
-          </a:p>
-          <a:p>
-            <a:pPr marL="915120" lvl="2">
-              <a:buClr>
-                <a:srgbClr val="39C2D7"/>
-              </a:buClr>
-            </a:pPr>
-            <a:endParaRPr lang="en-IN" spc="-1" dirty="0">
-              <a:solidFill>
-                <a:srgbClr val="000000"/>
-              </a:solidFill>
-              <a:uFill>
-                <a:solidFill>
-                  <a:srgbClr val="FFFFFF"/>
-                </a:solidFill>
-              </a:uFill>
-              <a:latin typeface="Arial"/>
-            </a:endParaRPr>
-          </a:p>
-        </p:txBody>
-      </p:sp>
-      <p:pic>
-        <p:nvPicPr>
-          <p:cNvPr id="5" name="Picture 4"/>
-          <p:cNvPicPr>
-            <a:picLocks noChangeAspect="1"/>
-          </p:cNvPicPr>
-          <p:nvPr/>
-        </p:nvPicPr>
-        <p:blipFill>
-          <a:blip r:embed="rId4">
-            <a:extLst>
-              <a:ext uri="{28A0092B-C50C-407E-A947-70E740481C1C}">
-                <a14:useLocalDpi xmlns:a14="http://schemas.microsoft.com/office/drawing/2010/main" val="0"/>
-              </a:ext>
-            </a:extLst>
-          </a:blip>
-          <a:stretch>
-            <a:fillRect/>
-          </a:stretch>
-        </p:blipFill>
-        <p:spPr>
-          <a:xfrm>
-            <a:off x="4543426" y="3724274"/>
-            <a:ext cx="4581936" cy="2487441"/>
-          </a:xfrm>
-          <a:prstGeom prst="rect">
-            <a:avLst/>
-          </a:prstGeom>
-        </p:spPr>
-      </p:pic>
+            <a:endParaRPr lang="en-IN" sz="1800" b="0" strike="noStrike" spc="-1" dirty="0">
+              <a:solidFill>
+                <a:srgbClr val="000000"/>
+              </a:solidFill>
+              <a:uFill>
+                <a:solidFill>
+                  <a:srgbClr val="FFFFFF"/>
+                </a:solidFill>
+              </a:uFill>
+              <a:latin typeface="Arial"/>
+            </a:endParaRPr>
+          </a:p>
+        </p:txBody>
+      </p:sp>
     </p:spTree>
   </p:cSld>
   <p:clrMapOvr>

--- a/TechTalk1.pptx
+++ b/TechTalk1.pptx
@@ -22,9 +22,9 @@
     <p:sldId id="259" r:id="rId13"/>
     <p:sldId id="260" r:id="rId14"/>
     <p:sldId id="267" r:id="rId15"/>
-    <p:sldId id="268" r:id="rId16"/>
-    <p:sldId id="261" r:id="rId17"/>
-    <p:sldId id="263" r:id="rId18"/>
+    <p:sldId id="261" r:id="rId16"/>
+    <p:sldId id="263" r:id="rId17"/>
+    <p:sldId id="268" r:id="rId18"/>
     <p:sldId id="269" r:id="rId19"/>
     <p:sldId id="271" r:id="rId20"/>
     <p:sldId id="264" r:id="rId21"/>
@@ -1506,7 +1506,7 @@
                 <a:latin typeface="+mn-lt"/>
                 <a:ea typeface="+mn-ea"/>
               </a:rPr>
-              <a:t>9</a:t>
+              <a:t>8</a:t>
             </a:fld>
             <a:endParaRPr lang="en-IN" sz="1800" b="0" strike="noStrike" spc="-1">
               <a:solidFill>
@@ -1637,7 +1637,7 @@
                 <a:latin typeface="+mn-lt"/>
                 <a:ea typeface="+mn-ea"/>
               </a:rPr>
-              <a:t>10</a:t>
+              <a:t>9</a:t>
             </a:fld>
             <a:endParaRPr lang="en-IN" sz="1800" b="0" strike="noStrike" spc="-1">
               <a:solidFill>
@@ -19993,7 +19993,7 @@
               </a:lnSpc>
             </a:pPr>
             <a:r>
-              <a:rPr lang="en-IN" sz="3200" b="0" strike="noStrike" spc="-197">
+              <a:rPr lang="en-IN" sz="3200" b="0" strike="noStrike" spc="-197" dirty="0">
                 <a:solidFill>
                   <a:srgbClr val="FFFFFF"/>
                 </a:solidFill>
@@ -20004,9 +20004,44 @@
                 </a:uFill>
                 <a:latin typeface="Arial Black"/>
               </a:rPr>
-              <a:t>Introduction to Machine Learning</a:t>
+              <a:t>Introduction to Machine </a:t>
             </a:r>
-            <a:endParaRPr lang="en-IN" sz="1800" b="0" strike="noStrike" spc="-1">
+            <a:r>
+              <a:rPr lang="en-IN" sz="3200" b="0" strike="noStrike" spc="-197" dirty="0" smtClean="0">
+                <a:solidFill>
+                  <a:srgbClr val="FFFFFF"/>
+                </a:solidFill>
+                <a:uFill>
+                  <a:solidFill>
+                    <a:srgbClr val="FFFFFF"/>
+                  </a:solidFill>
+                </a:uFill>
+                <a:latin typeface="Arial Black"/>
+              </a:rPr>
+              <a:t>Learning</a:t>
+            </a:r>
+          </a:p>
+          <a:p>
+            <a:pPr>
+              <a:lnSpc>
+                <a:spcPct val="80000"/>
+              </a:lnSpc>
+            </a:pPr>
+            <a:r>
+              <a:rPr lang="en-IN" sz="2400" spc="-197" dirty="0" smtClean="0">
+                <a:solidFill>
+                  <a:srgbClr val="FFFFFF"/>
+                </a:solidFill>
+                <a:uFill>
+                  <a:solidFill>
+                    <a:srgbClr val="FFFFFF"/>
+                  </a:solidFill>
+                </a:uFill>
+                <a:latin typeface="Arial Black"/>
+              </a:rPr>
+              <a:t>				     Linear Regression</a:t>
+            </a:r>
+            <a:endParaRPr lang="en-IN" sz="2400" b="0" strike="noStrike" spc="-1" dirty="0">
               <a:solidFill>
                 <a:srgbClr val="000000"/>
               </a:solidFill>
@@ -20246,39 +20281,9 @@
           <a:chExt cx="0" cy="0"/>
         </a:xfrm>
       </p:grpSpPr>
-      <p:pic>
-        <p:nvPicPr>
-          <p:cNvPr id="3" name="Picture 2"/>
-          <p:cNvPicPr>
-            <a:picLocks noChangeAspect="1"/>
-          </p:cNvPicPr>
-          <p:nvPr/>
-        </p:nvPicPr>
-        <p:blipFill>
-          <a:blip r:embed="rId3">
-            <a:extLst>
-              <a:ext uri="{28A0092B-C50C-407E-A947-70E740481C1C}">
-                <a14:useLocalDpi xmlns:a14="http://schemas.microsoft.com/office/drawing/2010/main" val="0"/>
-              </a:ext>
-            </a:extLst>
-          </a:blip>
-          <a:stretch>
-            <a:fillRect/>
-          </a:stretch>
-        </p:blipFill>
-        <p:spPr>
-          <a:xfrm>
-            <a:off x="152316" y="3638549"/>
-            <a:ext cx="4491542" cy="2752725"/>
-          </a:xfrm>
-          <a:prstGeom prst="rect">
-            <a:avLst/>
-          </a:prstGeom>
-        </p:spPr>
-      </p:pic>
-      <p:sp>
-        <p:nvSpPr>
-          <p:cNvPr id="382" name="CustomShape 1"/>
+      <p:sp>
+        <p:nvSpPr>
+          <p:cNvPr id="4" name="CustomShape 1"/>
           <p:cNvSpPr/>
           <p:nvPr/>
         </p:nvSpPr>
@@ -20319,7 +20324,7 @@
               </a:lnSpc>
             </a:pPr>
             <a:r>
-              <a:rPr lang="en-IN" sz="2600" b="0" strike="noStrike" spc="-1">
+              <a:rPr lang="en-IN" sz="2600" spc="-1" dirty="0" smtClean="0">
                 <a:solidFill>
                   <a:srgbClr val="464547"/>
                 </a:solidFill>
@@ -20330,31 +20335,31 @@
                 </a:uFill>
                 <a:latin typeface="Arial Black"/>
               </a:rPr>
-              <a:t>Linear Regression</a:t>
+              <a:t>Recap..</a:t>
             </a:r>
-            <a:endParaRPr lang="en-IN" sz="1800" b="0" strike="noStrike" spc="-1">
-              <a:solidFill>
-                <a:srgbClr val="000000"/>
-              </a:solidFill>
-              <a:uFill>
-                <a:solidFill>
-                  <a:srgbClr val="FFFFFF"/>
-                </a:solidFill>
-              </a:uFill>
-              <a:latin typeface="Arial"/>
-            </a:endParaRPr>
-          </a:p>
-        </p:txBody>
-      </p:sp>
-      <p:sp>
-        <p:nvSpPr>
-          <p:cNvPr id="4" name="CustomShape 3"/>
+            <a:endParaRPr lang="en-IN" sz="1800" b="0" strike="noStrike" spc="-1" dirty="0">
+              <a:solidFill>
+                <a:srgbClr val="000000"/>
+              </a:solidFill>
+              <a:uFill>
+                <a:solidFill>
+                  <a:srgbClr val="FFFFFF"/>
+                </a:solidFill>
+              </a:uFill>
+              <a:latin typeface="Arial"/>
+            </a:endParaRPr>
+          </a:p>
+        </p:txBody>
+      </p:sp>
+      <p:sp>
+        <p:nvSpPr>
+          <p:cNvPr id="5" name="CustomShape 2"/>
           <p:cNvSpPr/>
           <p:nvPr/>
         </p:nvSpPr>
         <p:spPr>
           <a:xfrm>
-            <a:off x="356580" y="820218"/>
+            <a:off x="356760" y="1435680"/>
             <a:ext cx="8430120" cy="4571280"/>
           </a:xfrm>
           <a:prstGeom prst="rect">
@@ -20381,6 +20386,62 @@
           <a:bodyPr lIns="90000" tIns="45000" rIns="90000" bIns="45000"/>
           <a:lstStyle/>
           <a:p>
+            <a:pPr marL="285750" indent="-285750">
+              <a:lnSpc>
+                <a:spcPct val="100000"/>
+              </a:lnSpc>
+              <a:buFont typeface="Arial" panose="020B0604020202020204" pitchFamily="34" charset="0"/>
+              <a:buChar char="•"/>
+            </a:pPr>
+            <a:endParaRPr lang="en-IN" sz="1800" b="0" strike="noStrike" spc="-1" dirty="0">
+              <a:solidFill>
+                <a:srgbClr val="000000"/>
+              </a:solidFill>
+              <a:uFill>
+                <a:solidFill>
+                  <a:srgbClr val="FFFFFF"/>
+                </a:solidFill>
+              </a:uFill>
+              <a:latin typeface="Arial"/>
+            </a:endParaRPr>
+          </a:p>
+        </p:txBody>
+      </p:sp>
+      <p:sp>
+        <p:nvSpPr>
+          <p:cNvPr id="6" name="CustomShape 3"/>
+          <p:cNvSpPr/>
+          <p:nvPr/>
+        </p:nvSpPr>
+        <p:spPr>
+          <a:xfrm>
+            <a:off x="356760" y="1073730"/>
+            <a:ext cx="8430120" cy="4571280"/>
+          </a:xfrm>
+          <a:prstGeom prst="rect">
+            <a:avLst/>
+          </a:prstGeom>
+          <a:noFill/>
+          <a:ln>
+            <a:noFill/>
+          </a:ln>
+        </p:spPr>
+        <p:style>
+          <a:lnRef idx="0">
+            <a:scrgbClr r="0" g="0" b="0"/>
+          </a:lnRef>
+          <a:fillRef idx="0">
+            <a:scrgbClr r="0" g="0" b="0"/>
+          </a:fillRef>
+          <a:effectRef idx="0">
+            <a:scrgbClr r="0" g="0" b="0"/>
+          </a:effectRef>
+          <a:fontRef idx="minor"/>
+        </p:style>
+        <p:txBody>
+          <a:bodyPr lIns="90000" tIns="45000" rIns="90000" bIns="45000"/>
+          <a:lstStyle/>
+          <a:p>
             <a:pPr marL="285840" indent="-285120">
               <a:lnSpc>
                 <a:spcPct val="100000"/>
@@ -20392,41 +20453,39 @@
               <a:buChar char="•"/>
             </a:pPr>
             <a:r>
-              <a:rPr lang="en-IN" sz="1800" b="0" strike="noStrike" spc="-1" dirty="0" smtClean="0">
-                <a:solidFill>
-                  <a:srgbClr val="000000"/>
+              <a:rPr lang="en-IN" sz="1600" spc="-1" dirty="0" smtClean="0">
+                <a:solidFill>
+                  <a:srgbClr val="464547"/>
                 </a:solidFill>
                 <a:uFill>
                   <a:solidFill>
                     <a:srgbClr val="FFFFFF"/>
                   </a:solidFill>
                 </a:uFill>
-                <a:latin typeface="Arial"/>
+                <a:latin typeface="Trebuchet MS"/>
               </a:rPr>
-              <a:t>Lets take the simplest scenario</a:t>
+              <a:t>Equation of a line </a:t>
             </a:r>
           </a:p>
           <a:p>
-            <a:pPr marL="285840" indent="-285120">
+            <a:pPr marL="720">
               <a:lnSpc>
                 <a:spcPct val="100000"/>
               </a:lnSpc>
               <a:buClr>
                 <a:srgbClr val="39C2D7"/>
               </a:buClr>
-              <a:buFont typeface="Arial"/>
-              <a:buChar char="•"/>
             </a:pPr>
-            <a:endParaRPr lang="en-IN" spc="-1" dirty="0" smtClean="0">
-              <a:solidFill>
-                <a:srgbClr val="000000"/>
-              </a:solidFill>
-              <a:uFill>
-                <a:solidFill>
-                  <a:srgbClr val="FFFFFF"/>
-                </a:solidFill>
-              </a:uFill>
-              <a:latin typeface="Arial"/>
+            <a:endParaRPr lang="en-IN" sz="1600" spc="-1" dirty="0">
+              <a:solidFill>
+                <a:srgbClr val="464547"/>
+              </a:solidFill>
+              <a:uFill>
+                <a:solidFill>
+                  <a:srgbClr val="FFFFFF"/>
+                </a:solidFill>
+              </a:uFill>
+              <a:latin typeface="Trebuchet MS"/>
             </a:endParaRPr>
           </a:p>
           <a:p>
@@ -20441,251 +20500,175 @@
               <a:buChar char="•"/>
             </a:pPr>
             <a:r>
-              <a:rPr lang="en-IN" spc="-1" dirty="0" smtClean="0">
-                <a:solidFill>
-                  <a:srgbClr val="000000"/>
+              <a:rPr lang="en-IN" sz="1600" spc="-1" dirty="0" smtClean="0">
+                <a:solidFill>
+                  <a:srgbClr val="464547"/>
                 </a:solidFill>
                 <a:uFill>
                   <a:solidFill>
                     <a:srgbClr val="FFFFFF"/>
                   </a:solidFill>
                 </a:uFill>
-                <a:latin typeface="Arial"/>
+                <a:latin typeface="Trebuchet MS"/>
               </a:rPr>
-              <a:t>Assumptions:</a:t>
+              <a:t>Slope of a line / Gradient</a:t>
             </a:r>
           </a:p>
           <a:p>
-            <a:pPr marL="720">
+            <a:pPr marL="285840" indent="-285120">
               <a:lnSpc>
                 <a:spcPct val="100000"/>
               </a:lnSpc>
               <a:buClr>
                 <a:srgbClr val="39C2D7"/>
               </a:buClr>
+              <a:buFont typeface="Arial"/>
+              <a:buChar char="•"/>
             </a:pPr>
-            <a:r>
-              <a:rPr lang="en-IN" spc="-1" dirty="0" smtClean="0">
-                <a:solidFill>
-                  <a:srgbClr val="000000"/>
-                </a:solidFill>
-                <a:uFill>
-                  <a:solidFill>
-                    <a:srgbClr val="FFFFFF"/>
-                  </a:solidFill>
-                </a:uFill>
-                <a:latin typeface="Arial"/>
-              </a:rPr>
-              <a:t>	Input: </a:t>
-            </a:r>
-          </a:p>
-          <a:p>
-            <a:pPr marL="720">
+            <a:endParaRPr lang="en-IN" sz="1600" spc="-1" dirty="0">
+              <a:solidFill>
+                <a:srgbClr val="464547"/>
+              </a:solidFill>
+              <a:uFill>
+                <a:solidFill>
+                  <a:srgbClr val="FFFFFF"/>
+                </a:solidFill>
+              </a:uFill>
+              <a:latin typeface="Trebuchet MS"/>
+            </a:endParaRPr>
+          </a:p>
+          <a:p>
+            <a:pPr marL="285840" indent="-285120">
               <a:lnSpc>
                 <a:spcPct val="100000"/>
               </a:lnSpc>
               <a:buClr>
                 <a:srgbClr val="39C2D7"/>
               </a:buClr>
+              <a:buFont typeface="Arial"/>
+              <a:buChar char="•"/>
             </a:pPr>
             <a:r>
-              <a:rPr lang="en-IN" spc="-1" dirty="0">
-                <a:solidFill>
-                  <a:srgbClr val="000000"/>
+              <a:rPr lang="en-IN" sz="1600" spc="-1" dirty="0" smtClean="0">
+                <a:solidFill>
+                  <a:srgbClr val="464547"/>
                 </a:solidFill>
                 <a:uFill>
                   <a:solidFill>
                     <a:srgbClr val="FFFFFF"/>
                   </a:solidFill>
                 </a:uFill>
-                <a:latin typeface="Arial"/>
+                <a:latin typeface="Trebuchet MS"/>
               </a:rPr>
-              <a:t>	</a:t>
+              <a:t>Derivative of a function f</a:t>
             </a:r>
-            <a:r>
-              <a:rPr lang="en-IN" spc="-1" dirty="0" smtClean="0">
-                <a:solidFill>
-                  <a:srgbClr val="000000"/>
-                </a:solidFill>
-                <a:uFill>
-                  <a:solidFill>
-                    <a:srgbClr val="FFFFFF"/>
-                  </a:solidFill>
-                </a:uFill>
-                <a:latin typeface="Arial"/>
-              </a:rPr>
-              <a:t>	sq. feet of home</a:t>
-            </a:r>
-          </a:p>
-          <a:p>
-            <a:pPr marL="720">
+          </a:p>
+          <a:p>
+            <a:pPr marL="285840" indent="-285120">
               <a:lnSpc>
                 <a:spcPct val="100000"/>
               </a:lnSpc>
               <a:buClr>
                 <a:srgbClr val="39C2D7"/>
               </a:buClr>
+              <a:buFont typeface="Arial"/>
+              <a:buChar char="•"/>
             </a:pPr>
-            <a:r>
-              <a:rPr lang="en-IN" sz="1800" b="0" strike="noStrike" spc="-1" dirty="0" smtClean="0">
-                <a:solidFill>
-                  <a:srgbClr val="000000"/>
-                </a:solidFill>
-                <a:uFill>
-                  <a:solidFill>
-                    <a:srgbClr val="FFFFFF"/>
-                  </a:solidFill>
-                </a:uFill>
-                <a:latin typeface="Arial"/>
-              </a:rPr>
-              <a:t>	Output: </a:t>
-            </a:r>
-          </a:p>
-          <a:p>
-            <a:pPr marL="720">
+            <a:endParaRPr lang="en-IN" sz="1600" spc="-1" dirty="0">
+              <a:solidFill>
+                <a:srgbClr val="464547"/>
+              </a:solidFill>
+              <a:uFill>
+                <a:solidFill>
+                  <a:srgbClr val="FFFFFF"/>
+                </a:solidFill>
+              </a:uFill>
+              <a:latin typeface="Trebuchet MS"/>
+            </a:endParaRPr>
+          </a:p>
+          <a:p>
+            <a:pPr marL="285840" indent="-285120">
               <a:lnSpc>
                 <a:spcPct val="100000"/>
               </a:lnSpc>
               <a:buClr>
                 <a:srgbClr val="39C2D7"/>
               </a:buClr>
+              <a:buFont typeface="Arial"/>
+              <a:buChar char="•"/>
             </a:pPr>
             <a:r>
-              <a:rPr lang="en-IN" spc="-1" dirty="0">
-                <a:solidFill>
-                  <a:srgbClr val="000000"/>
+              <a:rPr lang="en-IN" sz="1600" spc="-1" dirty="0" smtClean="0">
+                <a:solidFill>
+                  <a:srgbClr val="464547"/>
                 </a:solidFill>
                 <a:uFill>
                   <a:solidFill>
                     <a:srgbClr val="FFFFFF"/>
                   </a:solidFill>
                 </a:uFill>
-                <a:latin typeface="Arial"/>
+                <a:latin typeface="Trebuchet MS"/>
               </a:rPr>
-              <a:t>	</a:t>
+              <a:t>Linear function vs non linear function</a:t>
             </a:r>
-            <a:r>
-              <a:rPr lang="en-IN" spc="-1" dirty="0" smtClean="0">
-                <a:solidFill>
-                  <a:srgbClr val="000000"/>
-                </a:solidFill>
-                <a:uFill>
-                  <a:solidFill>
-                    <a:srgbClr val="FFFFFF"/>
-                  </a:solidFill>
-                </a:uFill>
-                <a:latin typeface="Arial"/>
-              </a:rPr>
-              <a:t>	</a:t>
-            </a:r>
-            <a:r>
-              <a:rPr lang="en-IN" sz="1800" b="0" strike="noStrike" spc="-1" dirty="0" smtClean="0">
-                <a:solidFill>
-                  <a:srgbClr val="000000"/>
-                </a:solidFill>
-                <a:uFill>
-                  <a:solidFill>
-                    <a:srgbClr val="FFFFFF"/>
-                  </a:solidFill>
-                </a:uFill>
-                <a:latin typeface="Arial"/>
-              </a:rPr>
-              <a:t>expected price</a:t>
-            </a:r>
-          </a:p>
-          <a:p>
-            <a:pPr marL="720">
+          </a:p>
+          <a:p>
+            <a:pPr marL="285840" indent="-285120">
               <a:lnSpc>
                 <a:spcPct val="100000"/>
               </a:lnSpc>
               <a:buClr>
                 <a:srgbClr val="39C2D7"/>
               </a:buClr>
+              <a:buFont typeface="Arial"/>
+              <a:buChar char="•"/>
             </a:pPr>
-            <a:endParaRPr lang="en-IN" sz="1800" b="0" strike="noStrike" spc="-1" dirty="0" smtClean="0">
-              <a:solidFill>
-                <a:srgbClr val="000000"/>
-              </a:solidFill>
-              <a:uFill>
-                <a:solidFill>
-                  <a:srgbClr val="FFFFFF"/>
-                </a:solidFill>
-              </a:uFill>
-              <a:latin typeface="Arial"/>
-            </a:endParaRPr>
-          </a:p>
-          <a:p>
-            <a:pPr marL="915120" lvl="2">
+            <a:endParaRPr lang="en-IN" sz="1600" spc="-1" dirty="0">
+              <a:solidFill>
+                <a:srgbClr val="464547"/>
+              </a:solidFill>
+              <a:uFill>
+                <a:solidFill>
+                  <a:srgbClr val="FFFFFF"/>
+                </a:solidFill>
+              </a:uFill>
+              <a:latin typeface="Trebuchet MS"/>
+            </a:endParaRPr>
+          </a:p>
+          <a:p>
+            <a:pPr marL="285840" indent="-285120">
+              <a:lnSpc>
+                <a:spcPct val="100000"/>
+              </a:lnSpc>
               <a:buClr>
                 <a:srgbClr val="39C2D7"/>
               </a:buClr>
+              <a:buFont typeface="Arial"/>
+              <a:buChar char="•"/>
             </a:pPr>
             <a:r>
-              <a:rPr lang="en-IN" spc="-1" dirty="0" smtClean="0">
-                <a:solidFill>
-                  <a:srgbClr val="000000"/>
+              <a:rPr lang="en-IN" sz="1600" spc="-1" dirty="0" smtClean="0">
+                <a:solidFill>
+                  <a:srgbClr val="464547"/>
                 </a:solidFill>
                 <a:uFill>
                   <a:solidFill>
                     <a:srgbClr val="FFFFFF"/>
                   </a:solidFill>
                 </a:uFill>
-                <a:latin typeface="Arial"/>
+                <a:latin typeface="Trebuchet MS"/>
               </a:rPr>
-              <a:t>Existing data shows some linear relationship</a:t>
+              <a:t>Sigma Notation for sums</a:t>
             </a:r>
           </a:p>
-          <a:p>
-            <a:pPr marL="915120" lvl="2">
-              <a:buClr>
-                <a:srgbClr val="39C2D7"/>
-              </a:buClr>
-            </a:pPr>
-            <a:endParaRPr lang="en-IN" spc="-1" dirty="0">
-              <a:solidFill>
-                <a:srgbClr val="000000"/>
-              </a:solidFill>
-              <a:uFill>
-                <a:solidFill>
-                  <a:srgbClr val="FFFFFF"/>
-                </a:solidFill>
-              </a:uFill>
-              <a:latin typeface="Arial"/>
-            </a:endParaRPr>
-          </a:p>
-        </p:txBody>
-      </p:sp>
-      <p:pic>
-        <p:nvPicPr>
-          <p:cNvPr id="5" name="Picture 4"/>
-          <p:cNvPicPr>
-            <a:picLocks noChangeAspect="1"/>
-          </p:cNvPicPr>
-          <p:nvPr/>
-        </p:nvPicPr>
-        <p:blipFill>
-          <a:blip r:embed="rId4">
-            <a:extLst>
-              <a:ext uri="{28A0092B-C50C-407E-A947-70E740481C1C}">
-                <a14:useLocalDpi xmlns:a14="http://schemas.microsoft.com/office/drawing/2010/main" val="0"/>
-              </a:ext>
-            </a:extLst>
-          </a:blip>
-          <a:stretch>
-            <a:fillRect/>
-          </a:stretch>
-        </p:blipFill>
-        <p:spPr>
-          <a:xfrm>
-            <a:off x="4543426" y="3724274"/>
-            <a:ext cx="4581936" cy="2487441"/>
-          </a:xfrm>
-          <a:prstGeom prst="rect">
-            <a:avLst/>
-          </a:prstGeom>
-        </p:spPr>
-      </p:pic>
+        </p:txBody>
+      </p:sp>
     </p:spTree>
+    <p:extLst>
+      <p:ext uri="{BB962C8B-B14F-4D97-AF65-F5344CB8AC3E}">
+        <p14:creationId xmlns:p14="http://schemas.microsoft.com/office/powerpoint/2010/main" val="3003121310"/>
+      </p:ext>
+    </p:extLst>
   </p:cSld>
   <p:clrMapOvr>
     <a:masterClrMapping/>
@@ -20693,27 +20676,7 @@
   <p:timing>
     <p:tnLst>
       <p:par>
-        <p:cTn id="1" dur="indefinite" restart="never" nodeType="tmRoot">
-          <p:childTnLst>
-            <p:seq>
-              <p:cTn id="2" nodeType="mainSeq"/>
-              <p:prevCondLst>
-                <p:cond evt="onPrev" delay="0">
-                  <p:tgtEl>
-                    <p:sldTgt/>
-                  </p:tgtEl>
-                </p:cond>
-              </p:prevCondLst>
-              <p:nextCondLst>
-                <p:cond evt="onNext" delay="0">
-                  <p:tgtEl>
-                    <p:sldTgt/>
-                  </p:tgtEl>
-                </p:cond>
-              </p:nextCondLst>
-            </p:seq>
-          </p:childTnLst>
-        </p:cTn>
+        <p:cTn id="1" dur="indefinite" restart="never" nodeType="tmRoot"/>
       </p:par>
     </p:tnLst>
   </p:timing>
@@ -21055,6 +21018,76 @@
           </a:prstGeom>
         </p:spPr>
       </p:pic>
+      <p:sp>
+        <p:nvSpPr>
+          <p:cNvPr id="7" name="CustomShape 1"/>
+          <p:cNvSpPr/>
+          <p:nvPr/>
+        </p:nvSpPr>
+        <p:spPr>
+          <a:xfrm>
+            <a:off x="0" y="0"/>
+            <a:ext cx="9143280" cy="932040"/>
+          </a:xfrm>
+          <a:prstGeom prst="rect">
+            <a:avLst/>
+          </a:prstGeom>
+          <a:solidFill>
+            <a:srgbClr val="FFFFFF"/>
+          </a:solidFill>
+          <a:ln>
+            <a:noFill/>
+          </a:ln>
+        </p:spPr>
+        <p:style>
+          <a:lnRef idx="0">
+            <a:scrgbClr r="0" g="0" b="0"/>
+          </a:lnRef>
+          <a:fillRef idx="0">
+            <a:scrgbClr r="0" g="0" b="0"/>
+          </a:fillRef>
+          <a:effectRef idx="0">
+            <a:scrgbClr r="0" g="0" b="0"/>
+          </a:effectRef>
+          <a:fontRef idx="minor"/>
+        </p:style>
+        <p:txBody>
+          <a:bodyPr lIns="365760" tIns="45000" rIns="90000" bIns="45000" anchor="ctr"/>
+          <a:lstStyle/>
+          <a:p>
+            <a:pPr>
+              <a:lnSpc>
+                <a:spcPct val="100000"/>
+              </a:lnSpc>
+            </a:pPr>
+            <a:r>
+              <a:rPr lang="en-IN" sz="2600" spc="-1" dirty="0" smtClean="0">
+                <a:solidFill>
+                  <a:srgbClr val="464547"/>
+                </a:solidFill>
+                <a:uFill>
+                  <a:solidFill>
+                    <a:srgbClr val="FFFFFF"/>
+                  </a:solidFill>
+                </a:uFill>
+                <a:latin typeface="Arial Black"/>
+              </a:rPr>
+              <a:t>Model and Error</a:t>
+            </a:r>
+            <a:endParaRPr lang="en-IN" sz="1800" b="0" strike="noStrike" spc="-1" dirty="0">
+              <a:solidFill>
+                <a:srgbClr val="000000"/>
+              </a:solidFill>
+              <a:uFill>
+                <a:solidFill>
+                  <a:srgbClr val="FFFFFF"/>
+                </a:solidFill>
+              </a:uFill>
+              <a:latin typeface="Arial"/>
+            </a:endParaRPr>
+          </a:p>
+        </p:txBody>
+      </p:sp>
     </p:spTree>
     <p:extLst>
       <p:ext uri="{BB962C8B-B14F-4D97-AF65-F5344CB8AC3E}">
@@ -21751,22 +21784,7 @@
                 <a:latin typeface="Trebuchet MS"/>
                 <a:sym typeface="Wingdings" panose="05000000000000000000" pitchFamily="2" charset="2"/>
               </a:rPr>
-              <a:t>Update </a:t>
-            </a:r>
-            <a:r>
-              <a:rPr lang="en-IN" sz="1600" b="0" strike="noStrike" spc="-1" dirty="0" smtClean="0">
-                <a:solidFill>
-                  <a:srgbClr val="464547"/>
-                </a:solidFill>
-                <a:uFill>
-                  <a:solidFill>
-                    <a:srgbClr val="FFFFFF"/>
-                  </a:solidFill>
-                </a:uFill>
-                <a:latin typeface="Trebuchet MS"/>
-                <a:sym typeface="Wingdings" panose="05000000000000000000" pitchFamily="2" charset="2"/>
-              </a:rPr>
-              <a:t>rule</a:t>
+              <a:t>Update rule</a:t>
             </a:r>
           </a:p>
           <a:p>
@@ -23140,7 +23158,7 @@
               </a:lnSpc>
             </a:pPr>
             <a:r>
-              <a:rPr lang="en-IN" sz="1600" b="0" strike="noStrike" spc="-1">
+              <a:rPr lang="en-IN" sz="1600" b="0" strike="noStrike" spc="-1" dirty="0">
                 <a:solidFill>
                   <a:srgbClr val="444444"/>
                 </a:solidFill>
@@ -23152,9 +23170,24 @@
                 <a:latin typeface="Trebuchet MS"/>
                 <a:ea typeface="DejaVu Sans"/>
               </a:rPr>
-              <a:t>Different Kinds of ML</a:t>
+              <a:t>Different Kinds of </a:t>
             </a:r>
-            <a:endParaRPr lang="en-IN" sz="1800" b="0" strike="noStrike" spc="-1">
+            <a:r>
+              <a:rPr lang="en-IN" sz="1600" b="0" strike="noStrike" spc="-1" dirty="0" smtClean="0">
+                <a:solidFill>
+                  <a:srgbClr val="444444"/>
+                </a:solidFill>
+                <a:uFill>
+                  <a:solidFill>
+                    <a:srgbClr val="FFFFFF"/>
+                  </a:solidFill>
+                </a:uFill>
+                <a:latin typeface="Trebuchet MS"/>
+                <a:ea typeface="DejaVu Sans"/>
+              </a:rPr>
+              <a:t>ML Algorithms</a:t>
+            </a:r>
+            <a:endParaRPr lang="en-IN" sz="1800" b="0" strike="noStrike" spc="-1" dirty="0">
               <a:solidFill>
                 <a:srgbClr val="000000"/>
               </a:solidFill>
@@ -24596,7 +24629,7 @@
                 </a:uFill>
                 <a:latin typeface="Trebuchet MS"/>
               </a:rPr>
-              <a:t>new training data </a:t>
+              <a:t>get new data </a:t>
             </a:r>
             <a:r>
               <a:rPr lang="en-IN" sz="1600" b="0" strike="noStrike" spc="-1" dirty="0" smtClean="0">
@@ -24906,69 +24939,10 @@
                 </a:uFill>
                 <a:latin typeface="Trebuchet MS"/>
               </a:rPr>
-              <a:t>statistical less logical</a:t>
+              <a:t>statistical less </a:t>
             </a:r>
-            <a:endParaRPr lang="en-IN" sz="1800" b="0" strike="noStrike" spc="-1" dirty="0">
-              <a:solidFill>
-                <a:srgbClr val="000000"/>
-              </a:solidFill>
-              <a:uFill>
-                <a:solidFill>
-                  <a:srgbClr val="FFFFFF"/>
-                </a:solidFill>
-              </a:uFill>
-              <a:latin typeface="Arial"/>
-            </a:endParaRPr>
-          </a:p>
-          <a:p>
-            <a:pPr>
-              <a:lnSpc>
-                <a:spcPct val="100000"/>
-              </a:lnSpc>
-            </a:pPr>
-            <a:endParaRPr lang="en-IN" sz="1800" b="0" strike="noStrike" spc="-1" dirty="0" smtClean="0">
-              <a:solidFill>
-                <a:srgbClr val="000000"/>
-              </a:solidFill>
-              <a:uFill>
-                <a:solidFill>
-                  <a:srgbClr val="FFFFFF"/>
-                </a:solidFill>
-              </a:uFill>
-              <a:latin typeface="Arial"/>
-            </a:endParaRPr>
-          </a:p>
-          <a:p>
-            <a:pPr>
-              <a:lnSpc>
-                <a:spcPct val="100000"/>
-              </a:lnSpc>
-            </a:pPr>
-            <a:endParaRPr lang="en-IN" sz="1800" b="0" strike="noStrike" spc="-1" dirty="0">
-              <a:solidFill>
-                <a:srgbClr val="000000"/>
-              </a:solidFill>
-              <a:uFill>
-                <a:solidFill>
-                  <a:srgbClr val="FFFFFF"/>
-                </a:solidFill>
-              </a:uFill>
-              <a:latin typeface="Arial"/>
-            </a:endParaRPr>
-          </a:p>
-          <a:p>
-            <a:pPr marL="285840" indent="-285120">
-              <a:lnSpc>
-                <a:spcPct val="100000"/>
-              </a:lnSpc>
-              <a:buClr>
-                <a:srgbClr val="39C2D7"/>
-              </a:buClr>
-              <a:buFont typeface="Arial"/>
-              <a:buChar char="•"/>
-            </a:pPr>
             <a:r>
-              <a:rPr lang="en-IN" sz="1600" b="0" strike="noStrike" spc="-1" dirty="0">
+              <a:rPr lang="en-IN" sz="1600" b="0" strike="noStrike" spc="-1" dirty="0" smtClean="0">
                 <a:solidFill>
                   <a:srgbClr val="464547"/>
                 </a:solidFill>
@@ -24979,9 +24953,9 @@
                 </a:uFill>
                 <a:latin typeface="Trebuchet MS"/>
               </a:rPr>
-              <a:t>ML is the ‘state of the art’ problem solving method</a:t>
+              <a:t>logical</a:t>
             </a:r>
-            <a:endParaRPr lang="en-IN" sz="1800" b="0" strike="noStrike" spc="-1" dirty="0">
+            <a:endParaRPr lang="en-IN" sz="1800" b="0" strike="noStrike" spc="-1" dirty="0" smtClean="0">
               <a:solidFill>
                 <a:srgbClr val="000000"/>
               </a:solidFill>
@@ -26051,7 +26025,7 @@
           <a:noFill/>
           <a:ln>
             <a:solidFill>
-              <a:srgbClr val="C7C7C7"/>
+              <a:srgbClr val="92D050"/>
             </a:solidFill>
             <a:round/>
           </a:ln>
@@ -26085,7 +26059,7 @@
               </a:lnSpc>
             </a:pPr>
             <a:r>
-              <a:rPr lang="en-IN" sz="1800" b="0" strike="noStrike" spc="-1">
+              <a:rPr lang="en-IN" sz="1800" b="0" strike="noStrike" spc="-1" dirty="0">
                 <a:solidFill>
                   <a:srgbClr val="464547"/>
                 </a:solidFill>
@@ -26099,7 +26073,7 @@
               </a:rPr>
               <a:t>DL</a:t>
             </a:r>
-            <a:endParaRPr lang="en-IN" sz="1800" b="0" strike="noStrike" spc="-1">
+            <a:endParaRPr lang="en-IN" sz="1800" b="0" strike="noStrike" spc="-1" dirty="0">
               <a:solidFill>
                 <a:srgbClr val="000000"/>
               </a:solidFill>
@@ -26121,7 +26095,7 @@
         </p:nvSpPr>
         <p:spPr>
           <a:xfrm>
-            <a:off x="4233600" y="1301253"/>
+            <a:off x="4224808" y="1204541"/>
             <a:ext cx="1186920" cy="1144440"/>
           </a:xfrm>
           <a:prstGeom prst="ellipse">
@@ -26130,7 +26104,7 @@
           <a:noFill/>
           <a:ln>
             <a:solidFill>
-              <a:srgbClr val="C7C7C7"/>
+              <a:srgbClr val="7030A0"/>
             </a:solidFill>
             <a:round/>
           </a:ln>
@@ -26164,7 +26138,7 @@
               </a:lnSpc>
             </a:pPr>
             <a:r>
-              <a:rPr lang="en-IN" sz="1800" b="0" strike="noStrike" spc="-1">
+              <a:rPr lang="en-IN" spc="-1" dirty="0">
                 <a:solidFill>
                   <a:srgbClr val="464547"/>
                 </a:solidFill>
@@ -26176,9 +26150,39 @@
                 <a:latin typeface="Trebuchet MS"/>
                 <a:ea typeface="DejaVu Sans"/>
               </a:rPr>
-              <a:t>  ML</a:t>
+              <a:t> </a:t>
             </a:r>
-            <a:endParaRPr lang="en-IN" sz="1800" b="0" strike="noStrike" spc="-1">
+            <a:r>
+              <a:rPr lang="en-IN" spc="-1" dirty="0" smtClean="0">
+                <a:solidFill>
+                  <a:srgbClr val="464547"/>
+                </a:solidFill>
+                <a:uFill>
+                  <a:solidFill>
+                    <a:srgbClr val="FFFFFF"/>
+                  </a:solidFill>
+                </a:uFill>
+                <a:latin typeface="Trebuchet MS"/>
+                <a:ea typeface="DejaVu Sans"/>
+              </a:rPr>
+              <a:t>    </a:t>
+            </a:r>
+            <a:r>
+              <a:rPr lang="en-IN" sz="1800" b="0" strike="noStrike" spc="-1" dirty="0" smtClean="0">
+                <a:solidFill>
+                  <a:srgbClr val="464547"/>
+                </a:solidFill>
+                <a:uFill>
+                  <a:solidFill>
+                    <a:srgbClr val="FFFFFF"/>
+                  </a:solidFill>
+                </a:uFill>
+                <a:latin typeface="Trebuchet MS"/>
+                <a:ea typeface="DejaVu Sans"/>
+              </a:rPr>
+              <a:t>ML</a:t>
+            </a:r>
+            <a:endParaRPr lang="en-IN" sz="1800" b="0" strike="noStrike" spc="-1" dirty="0">
               <a:solidFill>
                 <a:srgbClr val="000000"/>
               </a:solidFill>
@@ -26491,7 +26495,21 @@
                 </a:uFill>
                 <a:latin typeface="Trebuchet MS"/>
               </a:rPr>
-              <a:t>Whether prediction, Face recognition, </a:t>
+              <a:t>Weather </a:t>
+            </a:r>
+            <a:r>
+              <a:rPr lang="en-IN" sz="1600" spc="-1" dirty="0" smtClean="0">
+                <a:solidFill>
+                  <a:srgbClr val="444444"/>
+                </a:solidFill>
+                <a:uFill>
+                  <a:solidFill>
+                    <a:srgbClr val="FFFFFF"/>
+                  </a:solidFill>
+                </a:uFill>
+                <a:latin typeface="Trebuchet MS"/>
+              </a:rPr>
+              <a:t>prediction, Face recognition, </a:t>
             </a:r>
             <a:r>
               <a:rPr lang="en-IN" sz="1600" spc="-1" dirty="0">
@@ -27048,7 +27066,7 @@
               <a:t>	Deep blue, </a:t>
             </a:r>
             <a:r>
-              <a:rPr lang="en-IN" sz="1600" spc="-1" dirty="0" err="1" smtClean="0">
+              <a:rPr lang="en-IN" sz="1600" spc="-1" dirty="0" smtClean="0">
                 <a:solidFill>
                   <a:srgbClr val="444444"/>
                 </a:solidFill>
@@ -27060,7 +27078,7 @@
                 <a:latin typeface="Trebuchet MS"/>
                 <a:ea typeface="DejaVu Sans"/>
               </a:rPr>
-              <a:t>AlphaGo</a:t>
+              <a:t>Alpha Go</a:t>
             </a:r>
             <a:endParaRPr lang="en-IN" sz="1600" b="0" strike="noStrike" spc="-1" dirty="0" smtClean="0">
               <a:solidFill>
@@ -27947,21 +27965,19 @@
       </p:grpSpPr>
       <p:sp>
         <p:nvSpPr>
-          <p:cNvPr id="4" name="CustomShape 1"/>
+          <p:cNvPr id="377" name="CustomShape 1"/>
           <p:cNvSpPr/>
           <p:nvPr/>
         </p:nvSpPr>
         <p:spPr>
           <a:xfrm>
-            <a:off x="0" y="0"/>
-            <a:ext cx="9143280" cy="932040"/>
-          </a:xfrm>
-          <a:prstGeom prst="rect">
-            <a:avLst/>
-          </a:prstGeom>
-          <a:solidFill>
-            <a:srgbClr val="FFFFFF"/>
-          </a:solidFill>
+            <a:off x="352440" y="1440000"/>
+            <a:ext cx="8430120" cy="4571280"/>
+          </a:xfrm>
+          <a:prstGeom prst="rect">
+            <a:avLst/>
+          </a:prstGeom>
+          <a:noFill/>
           <a:ln>
             <a:noFill/>
           </a:ln>
@@ -27978,58 +27994,24 @@
           </a:effectRef>
           <a:fontRef idx="minor"/>
         </p:style>
-        <p:txBody>
-          <a:bodyPr lIns="365760" tIns="45000" rIns="90000" bIns="45000" anchor="ctr"/>
-          <a:lstStyle/>
-          <a:p>
-            <a:pPr>
-              <a:lnSpc>
-                <a:spcPct val="100000"/>
-              </a:lnSpc>
-            </a:pPr>
-            <a:r>
-              <a:rPr lang="en-IN" sz="2600" spc="-1" dirty="0" smtClean="0">
-                <a:solidFill>
-                  <a:srgbClr val="464547"/>
-                </a:solidFill>
-                <a:uFill>
-                  <a:solidFill>
-                    <a:srgbClr val="FFFFFF"/>
-                  </a:solidFill>
-                </a:uFill>
-                <a:latin typeface="Arial Black"/>
-              </a:rPr>
-              <a:t>Recap..</a:t>
-            </a:r>
-            <a:endParaRPr lang="en-IN" sz="1800" b="0" strike="noStrike" spc="-1" dirty="0">
-              <a:solidFill>
-                <a:srgbClr val="000000"/>
-              </a:solidFill>
-              <a:uFill>
-                <a:solidFill>
-                  <a:srgbClr val="FFFFFF"/>
-                </a:solidFill>
-              </a:uFill>
-              <a:latin typeface="Arial"/>
-            </a:endParaRPr>
-          </a:p>
-        </p:txBody>
-      </p:sp>
-      <p:sp>
-        <p:nvSpPr>
-          <p:cNvPr id="5" name="CustomShape 2"/>
+      </p:sp>
+      <p:sp>
+        <p:nvSpPr>
+          <p:cNvPr id="378" name="CustomShape 2"/>
           <p:cNvSpPr/>
           <p:nvPr/>
         </p:nvSpPr>
         <p:spPr>
           <a:xfrm>
-            <a:off x="356760" y="1435680"/>
-            <a:ext cx="8430120" cy="4571280"/>
-          </a:xfrm>
-          <a:prstGeom prst="rect">
-            <a:avLst/>
-          </a:prstGeom>
-          <a:noFill/>
+            <a:off x="0" y="0"/>
+            <a:ext cx="9143280" cy="932040"/>
+          </a:xfrm>
+          <a:prstGeom prst="rect">
+            <a:avLst/>
+          </a:prstGeom>
+          <a:solidFill>
+            <a:srgbClr val="FFFFFF"/>
+          </a:solidFill>
           <a:ln>
             <a:noFill/>
           </a:ln>
@@ -28047,39 +28029,51 @@
           <a:fontRef idx="minor"/>
         </p:style>
         <p:txBody>
-          <a:bodyPr lIns="90000" tIns="45000" rIns="90000" bIns="45000"/>
-          <a:lstStyle/>
-          <a:p>
-            <a:pPr marL="285750" indent="-285750">
+          <a:bodyPr lIns="365760" tIns="45000" rIns="90000" bIns="45000" anchor="ctr"/>
+          <a:lstStyle/>
+          <a:p>
+            <a:pPr>
               <a:lnSpc>
                 <a:spcPct val="100000"/>
               </a:lnSpc>
-              <a:buFont typeface="Arial" panose="020B0604020202020204" pitchFamily="34" charset="0"/>
-              <a:buChar char="•"/>
             </a:pPr>
-            <a:endParaRPr lang="en-IN" sz="1800" b="0" strike="noStrike" spc="-1" dirty="0">
-              <a:solidFill>
-                <a:srgbClr val="000000"/>
-              </a:solidFill>
-              <a:uFill>
-                <a:solidFill>
-                  <a:srgbClr val="FFFFFF"/>
-                </a:solidFill>
-              </a:uFill>
-              <a:latin typeface="Arial"/>
-            </a:endParaRPr>
-          </a:p>
-        </p:txBody>
-      </p:sp>
-      <p:sp>
-        <p:nvSpPr>
-          <p:cNvPr id="6" name="CustomShape 3"/>
+            <a:r>
+              <a:rPr lang="en-IN" sz="2600" b="0" strike="noStrike" spc="-1">
+                <a:solidFill>
+                  <a:srgbClr val="464547"/>
+                </a:solidFill>
+                <a:uFill>
+                  <a:solidFill>
+                    <a:srgbClr val="FFFFFF"/>
+                  </a:solidFill>
+                </a:uFill>
+                <a:latin typeface="Arial Black"/>
+              </a:rPr>
+              <a:t>A Simple Example</a:t>
+            </a:r>
+            <a:endParaRPr lang="en-IN" sz="1800" b="0" strike="noStrike" spc="-1">
+              <a:solidFill>
+                <a:srgbClr val="000000"/>
+              </a:solidFill>
+              <a:uFill>
+                <a:solidFill>
+                  <a:srgbClr val="FFFFFF"/>
+                </a:solidFill>
+              </a:uFill>
+              <a:latin typeface="Arial"/>
+            </a:endParaRPr>
+          </a:p>
+        </p:txBody>
+      </p:sp>
+      <p:sp>
+        <p:nvSpPr>
+          <p:cNvPr id="379" name="CustomShape 3"/>
           <p:cNvSpPr/>
           <p:nvPr/>
         </p:nvSpPr>
         <p:spPr>
           <a:xfrm>
-            <a:off x="356760" y="1073730"/>
+            <a:off x="356760" y="1435680"/>
             <a:ext cx="8430120" cy="4571280"/>
           </a:xfrm>
           <a:prstGeom prst="rect">
@@ -28117,7 +28111,7 @@
               <a:buChar char="•"/>
             </a:pPr>
             <a:r>
-              <a:rPr lang="en-IN" sz="1600" spc="-1" dirty="0" smtClean="0">
+              <a:rPr lang="en-IN" sz="1600" b="0" strike="noStrike" spc="-1" dirty="0" smtClean="0">
                 <a:solidFill>
                   <a:srgbClr val="464547"/>
                 </a:solidFill>
@@ -28128,8 +28122,19 @@
                 </a:uFill>
                 <a:latin typeface="Trebuchet MS"/>
               </a:rPr>
-              <a:t>Equation of a line </a:t>
+              <a:t>Input: Square feet</a:t>
             </a:r>
+            <a:endParaRPr lang="en-IN" spc="-1" dirty="0">
+              <a:solidFill>
+                <a:srgbClr val="000000"/>
+              </a:solidFill>
+              <a:uFill>
+                <a:solidFill>
+                  <a:srgbClr val="FFFFFF"/>
+                </a:solidFill>
+              </a:uFill>
+              <a:latin typeface="Arial"/>
+            </a:endParaRPr>
           </a:p>
           <a:p>
             <a:pPr marL="720">
@@ -28140,16 +28145,37 @@
                 <a:srgbClr val="39C2D7"/>
               </a:buClr>
             </a:pPr>
-            <a:endParaRPr lang="en-IN" sz="1600" spc="-1" dirty="0">
-              <a:solidFill>
-                <a:srgbClr val="464547"/>
-              </a:solidFill>
-              <a:uFill>
-                <a:solidFill>
-                  <a:srgbClr val="FFFFFF"/>
-                </a:solidFill>
-              </a:uFill>
-              <a:latin typeface="Trebuchet MS"/>
+            <a:endParaRPr lang="en-IN" sz="1800" b="0" strike="noStrike" spc="-1" dirty="0" smtClean="0">
+              <a:solidFill>
+                <a:srgbClr val="000000"/>
+              </a:solidFill>
+              <a:uFill>
+                <a:solidFill>
+                  <a:srgbClr val="FFFFFF"/>
+                </a:solidFill>
+              </a:uFill>
+              <a:latin typeface="Arial"/>
+            </a:endParaRPr>
+          </a:p>
+          <a:p>
+            <a:pPr marL="720">
+              <a:lnSpc>
+                <a:spcPct val="100000"/>
+              </a:lnSpc>
+              <a:buClr>
+                <a:srgbClr val="39C2D7"/>
+              </a:buClr>
+            </a:pPr>
+            <a:endParaRPr lang="en-IN" sz="1800" b="0" strike="noStrike" spc="-1" dirty="0">
+              <a:solidFill>
+                <a:srgbClr val="000000"/>
+              </a:solidFill>
+              <a:uFill>
+                <a:solidFill>
+                  <a:srgbClr val="FFFFFF"/>
+                </a:solidFill>
+              </a:uFill>
+              <a:latin typeface="Arial"/>
             </a:endParaRPr>
           </a:p>
           <a:p>
@@ -28164,7 +28190,7 @@
               <a:buChar char="•"/>
             </a:pPr>
             <a:r>
-              <a:rPr lang="en-IN" sz="1600" spc="-1" dirty="0" smtClean="0">
+              <a:rPr lang="en-IN" sz="1600" b="0" strike="noStrike" spc="-1" dirty="0" smtClean="0">
                 <a:solidFill>
                   <a:srgbClr val="464547"/>
                 </a:solidFill>
@@ -28175,30 +28201,49 @@
                 </a:uFill>
                 <a:latin typeface="Trebuchet MS"/>
               </a:rPr>
-              <a:t>Slope of a line / Gradient</a:t>
+              <a:t>Output: Expected price</a:t>
             </a:r>
           </a:p>
           <a:p>
-            <a:pPr marL="285840" indent="-285120">
+            <a:pPr marL="720">
               <a:lnSpc>
                 <a:spcPct val="100000"/>
               </a:lnSpc>
               <a:buClr>
                 <a:srgbClr val="39C2D7"/>
               </a:buClr>
-              <a:buFont typeface="Arial"/>
-              <a:buChar char="•"/>
             </a:pPr>
-            <a:endParaRPr lang="en-IN" sz="1600" spc="-1" dirty="0">
-              <a:solidFill>
-                <a:srgbClr val="464547"/>
-              </a:solidFill>
-              <a:uFill>
-                <a:solidFill>
-                  <a:srgbClr val="FFFFFF"/>
-                </a:solidFill>
-              </a:uFill>
-              <a:latin typeface="Trebuchet MS"/>
+            <a:endParaRPr lang="en-IN" sz="1800" b="0" strike="noStrike" spc="-1" dirty="0" smtClean="0">
+              <a:solidFill>
+                <a:srgbClr val="000000"/>
+              </a:solidFill>
+              <a:uFill>
+                <a:solidFill>
+                  <a:srgbClr val="FFFFFF"/>
+                </a:solidFill>
+              </a:uFill>
+              <a:latin typeface="Arial"/>
+            </a:endParaRPr>
+          </a:p>
+          <a:p>
+            <a:pPr marL="720">
+              <a:lnSpc>
+                <a:spcPct val="100000"/>
+              </a:lnSpc>
+              <a:buClr>
+                <a:srgbClr val="39C2D7"/>
+              </a:buClr>
+            </a:pPr>
+            <a:endParaRPr lang="en-IN" sz="1800" b="0" strike="noStrike" spc="-1" dirty="0">
+              <a:solidFill>
+                <a:srgbClr val="000000"/>
+              </a:solidFill>
+              <a:uFill>
+                <a:solidFill>
+                  <a:srgbClr val="FFFFFF"/>
+                </a:solidFill>
+              </a:uFill>
+              <a:latin typeface="Arial"/>
             </a:endParaRPr>
           </a:p>
           <a:p>
@@ -28213,7 +28258,7 @@
               <a:buChar char="•"/>
             </a:pPr>
             <a:r>
-              <a:rPr lang="en-IN" sz="1600" spc="-1" dirty="0" smtClean="0">
+              <a:rPr lang="en-IN" sz="1600" b="0" strike="noStrike" spc="-1" dirty="0">
                 <a:solidFill>
                   <a:srgbClr val="464547"/>
                 </a:solidFill>
@@ -28224,45 +28269,10 @@
                 </a:uFill>
                 <a:latin typeface="Trebuchet MS"/>
               </a:rPr>
-              <a:t>Derivative of a function f</a:t>
+              <a:t>Need to </a:t>
             </a:r>
-          </a:p>
-          <a:p>
-            <a:pPr marL="285840" indent="-285120">
-              <a:lnSpc>
-                <a:spcPct val="100000"/>
-              </a:lnSpc>
-              <a:buClr>
-                <a:srgbClr val="39C2D7"/>
-              </a:buClr>
-              <a:buFont typeface="Arial"/>
-              <a:buChar char="•"/>
-            </a:pPr>
-            <a:endParaRPr lang="en-IN" sz="1600" spc="-1" dirty="0">
-              <a:solidFill>
-                <a:srgbClr val="464547"/>
-              </a:solidFill>
-              <a:uFill>
-                <a:solidFill>
-                  <a:srgbClr val="FFFFFF"/>
-                </a:solidFill>
-              </a:uFill>
-              <a:latin typeface="Trebuchet MS"/>
-            </a:endParaRPr>
-          </a:p>
-          <a:p>
-            <a:pPr marL="285840" indent="-285120">
-              <a:lnSpc>
-                <a:spcPct val="100000"/>
-              </a:lnSpc>
-              <a:buClr>
-                <a:srgbClr val="39C2D7"/>
-              </a:buClr>
-              <a:buFont typeface="Arial"/>
-              <a:buChar char="•"/>
-            </a:pPr>
             <a:r>
-              <a:rPr lang="en-IN" sz="1600" spc="-1" dirty="0" smtClean="0">
+              <a:rPr lang="en-IN" sz="1600" b="0" strike="noStrike" spc="-1" dirty="0" smtClean="0">
                 <a:solidFill>
                   <a:srgbClr val="464547"/>
                 </a:solidFill>
@@ -28273,45 +28283,10 @@
                 </a:uFill>
                 <a:latin typeface="Trebuchet MS"/>
               </a:rPr>
-              <a:t>Linear function vs non linear function</a:t>
+              <a:t>come up with </a:t>
             </a:r>
-          </a:p>
-          <a:p>
-            <a:pPr marL="285840" indent="-285120">
-              <a:lnSpc>
-                <a:spcPct val="100000"/>
-              </a:lnSpc>
-              <a:buClr>
-                <a:srgbClr val="39C2D7"/>
-              </a:buClr>
-              <a:buFont typeface="Arial"/>
-              <a:buChar char="•"/>
-            </a:pPr>
-            <a:endParaRPr lang="en-IN" sz="1600" spc="-1" dirty="0">
-              <a:solidFill>
-                <a:srgbClr val="464547"/>
-              </a:solidFill>
-              <a:uFill>
-                <a:solidFill>
-                  <a:srgbClr val="FFFFFF"/>
-                </a:solidFill>
-              </a:uFill>
-              <a:latin typeface="Trebuchet MS"/>
-            </a:endParaRPr>
-          </a:p>
-          <a:p>
-            <a:pPr marL="285840" indent="-285120">
-              <a:lnSpc>
-                <a:spcPct val="100000"/>
-              </a:lnSpc>
-              <a:buClr>
-                <a:srgbClr val="39C2D7"/>
-              </a:buClr>
-              <a:buFont typeface="Arial"/>
-              <a:buChar char="•"/>
-            </a:pPr>
             <a:r>
-              <a:rPr lang="en-IN" sz="1600" spc="-1" dirty="0" smtClean="0">
+              <a:rPr lang="en-IN" sz="1600" b="0" strike="noStrike" spc="-1" dirty="0">
                 <a:solidFill>
                   <a:srgbClr val="464547"/>
                 </a:solidFill>
@@ -28322,17 +28297,72 @@
                 </a:uFill>
                 <a:latin typeface="Trebuchet MS"/>
               </a:rPr>
-              <a:t>Sigma Notation for sums</a:t>
+              <a:t>a model that </a:t>
             </a:r>
+            <a:r>
+              <a:rPr lang="en-IN" sz="1600" b="0" strike="noStrike" spc="-1" dirty="0" smtClean="0">
+                <a:solidFill>
+                  <a:srgbClr val="464547"/>
+                </a:solidFill>
+                <a:uFill>
+                  <a:solidFill>
+                    <a:srgbClr val="FFFFFF"/>
+                  </a:solidFill>
+                </a:uFill>
+                <a:latin typeface="Trebuchet MS"/>
+              </a:rPr>
+              <a:t>predicts the price</a:t>
+            </a:r>
+            <a:endParaRPr lang="en-IN" sz="1800" b="0" strike="noStrike" spc="-1" dirty="0">
+              <a:solidFill>
+                <a:srgbClr val="000000"/>
+              </a:solidFill>
+              <a:uFill>
+                <a:solidFill>
+                  <a:srgbClr val="FFFFFF"/>
+                </a:solidFill>
+              </a:uFill>
+              <a:latin typeface="Arial"/>
+            </a:endParaRPr>
+          </a:p>
+          <a:p>
+            <a:pPr marL="720">
+              <a:lnSpc>
+                <a:spcPct val="100000"/>
+              </a:lnSpc>
+              <a:buClr>
+                <a:srgbClr val="39C2D7"/>
+              </a:buClr>
+            </a:pPr>
+            <a:r>
+              <a:rPr lang="en-IN" sz="1600" b="0" strike="noStrike" spc="-1" dirty="0">
+                <a:solidFill>
+                  <a:srgbClr val="464547"/>
+                </a:solidFill>
+                <a:uFill>
+                  <a:solidFill>
+                    <a:srgbClr val="FFFFFF"/>
+                  </a:solidFill>
+                </a:uFill>
+                <a:latin typeface="Trebuchet MS"/>
+              </a:rPr>
+              <a:t> </a:t>
+            </a:r>
+            <a:endParaRPr lang="en-IN" sz="1800" b="0" strike="noStrike" spc="-1" dirty="0">
+              <a:solidFill>
+                <a:srgbClr val="000000"/>
+              </a:solidFill>
+              <a:uFill>
+                <a:solidFill>
+                  <a:srgbClr val="FFFFFF"/>
+                </a:solidFill>
+              </a:uFill>
+              <a:latin typeface="Arial"/>
+            </a:endParaRPr>
           </a:p>
         </p:txBody>
       </p:sp>
     </p:spTree>
-    <p:extLst>
-      <p:ext uri="{BB962C8B-B14F-4D97-AF65-F5344CB8AC3E}">
-        <p14:creationId xmlns:p14="http://schemas.microsoft.com/office/powerpoint/2010/main" val="3003121310"/>
-      </p:ext>
-    </p:extLst>
   </p:cSld>
   <p:clrMapOvr>
     <a:masterClrMapping/>
@@ -28340,7 +28370,27 @@
   <p:timing>
     <p:tnLst>
       <p:par>
-        <p:cTn id="1" dur="indefinite" restart="never" nodeType="tmRoot"/>
+        <p:cTn id="1" dur="indefinite" restart="never" nodeType="tmRoot">
+          <p:childTnLst>
+            <p:seq>
+              <p:cTn id="2" nodeType="mainSeq"/>
+              <p:prevCondLst>
+                <p:cond evt="onPrev" delay="0">
+                  <p:tgtEl>
+                    <p:sldTgt/>
+                  </p:tgtEl>
+                </p:cond>
+              </p:prevCondLst>
+              <p:nextCondLst>
+                <p:cond evt="onNext" delay="0">
+                  <p:tgtEl>
+                    <p:sldTgt/>
+                  </p:tgtEl>
+                </p:cond>
+              </p:nextCondLst>
+            </p:seq>
+          </p:childTnLst>
+        </p:cTn>
       </p:par>
     </p:tnLst>
   </p:timing>
@@ -28364,21 +28414,53 @@
           <a:chExt cx="0" cy="0"/>
         </a:xfrm>
       </p:grpSpPr>
-      <p:sp>
-        <p:nvSpPr>
-          <p:cNvPr id="377" name="CustomShape 1"/>
+      <p:pic>
+        <p:nvPicPr>
+          <p:cNvPr id="3" name="Picture 2"/>
+          <p:cNvPicPr>
+            <a:picLocks noChangeAspect="1"/>
+          </p:cNvPicPr>
+          <p:nvPr/>
+        </p:nvPicPr>
+        <p:blipFill>
+          <a:blip r:embed="rId3">
+            <a:extLst>
+              <a:ext uri="{28A0092B-C50C-407E-A947-70E740481C1C}">
+                <a14:useLocalDpi xmlns:a14="http://schemas.microsoft.com/office/drawing/2010/main" val="0"/>
+              </a:ext>
+            </a:extLst>
+          </a:blip>
+          <a:stretch>
+            <a:fillRect/>
+          </a:stretch>
+        </p:blipFill>
+        <p:spPr>
+          <a:xfrm>
+            <a:off x="152316" y="3638549"/>
+            <a:ext cx="4491542" cy="2752725"/>
+          </a:xfrm>
+          <a:prstGeom prst="rect">
+            <a:avLst/>
+          </a:prstGeom>
+        </p:spPr>
+      </p:pic>
+      <p:sp>
+        <p:nvSpPr>
+          <p:cNvPr id="382" name="CustomShape 1"/>
           <p:cNvSpPr/>
           <p:nvPr/>
         </p:nvSpPr>
         <p:spPr>
           <a:xfrm>
-            <a:off x="352440" y="1440000"/>
-            <a:ext cx="8430120" cy="4571280"/>
-          </a:xfrm>
-          <a:prstGeom prst="rect">
-            <a:avLst/>
-          </a:prstGeom>
-          <a:noFill/>
+            <a:off x="0" y="0"/>
+            <a:ext cx="9143280" cy="932040"/>
+          </a:xfrm>
+          <a:prstGeom prst="rect">
+            <a:avLst/>
+          </a:prstGeom>
+          <a:solidFill>
+            <a:srgbClr val="FFFFFF"/>
+          </a:solidFill>
           <a:ln>
             <a:noFill/>
           </a:ln>
@@ -28395,24 +28477,58 @@
           </a:effectRef>
           <a:fontRef idx="minor"/>
         </p:style>
-      </p:sp>
-      <p:sp>
-        <p:nvSpPr>
-          <p:cNvPr id="378" name="CustomShape 2"/>
+        <p:txBody>
+          <a:bodyPr lIns="365760" tIns="45000" rIns="90000" bIns="45000" anchor="ctr"/>
+          <a:lstStyle/>
+          <a:p>
+            <a:pPr>
+              <a:lnSpc>
+                <a:spcPct val="100000"/>
+              </a:lnSpc>
+            </a:pPr>
+            <a:r>
+              <a:rPr lang="en-IN" sz="2600" b="0" strike="noStrike" spc="-1">
+                <a:solidFill>
+                  <a:srgbClr val="464547"/>
+                </a:solidFill>
+                <a:uFill>
+                  <a:solidFill>
+                    <a:srgbClr val="FFFFFF"/>
+                  </a:solidFill>
+                </a:uFill>
+                <a:latin typeface="Arial Black"/>
+              </a:rPr>
+              <a:t>Linear Regression</a:t>
+            </a:r>
+            <a:endParaRPr lang="en-IN" sz="1800" b="0" strike="noStrike" spc="-1">
+              <a:solidFill>
+                <a:srgbClr val="000000"/>
+              </a:solidFill>
+              <a:uFill>
+                <a:solidFill>
+                  <a:srgbClr val="FFFFFF"/>
+                </a:solidFill>
+              </a:uFill>
+              <a:latin typeface="Arial"/>
+            </a:endParaRPr>
+          </a:p>
+        </p:txBody>
+      </p:sp>
+      <p:sp>
+        <p:nvSpPr>
+          <p:cNvPr id="4" name="CustomShape 3"/>
           <p:cNvSpPr/>
           <p:nvPr/>
         </p:nvSpPr>
         <p:spPr>
           <a:xfrm>
-            <a:off x="0" y="0"/>
-            <a:ext cx="9143280" cy="932040"/>
-          </a:xfrm>
-          <a:prstGeom prst="rect">
-            <a:avLst/>
-          </a:prstGeom>
-          <a:solidFill>
-            <a:srgbClr val="FFFFFF"/>
-          </a:solidFill>
+            <a:off x="356580" y="820218"/>
+            <a:ext cx="8430120" cy="4571280"/>
+          </a:xfrm>
+          <a:prstGeom prst="rect">
+            <a:avLst/>
+          </a:prstGeom>
+          <a:noFill/>
           <a:ln>
             <a:noFill/>
           </a:ln>
@@ -28430,74 +28546,6 @@
           <a:fontRef idx="minor"/>
         </p:style>
         <p:txBody>
-          <a:bodyPr lIns="365760" tIns="45000" rIns="90000" bIns="45000" anchor="ctr"/>
-          <a:lstStyle/>
-          <a:p>
-            <a:pPr>
-              <a:lnSpc>
-                <a:spcPct val="100000"/>
-              </a:lnSpc>
-            </a:pPr>
-            <a:r>
-              <a:rPr lang="en-IN" sz="2600" b="0" strike="noStrike" spc="-1">
-                <a:solidFill>
-                  <a:srgbClr val="464547"/>
-                </a:solidFill>
-                <a:uFill>
-                  <a:solidFill>
-                    <a:srgbClr val="FFFFFF"/>
-                  </a:solidFill>
-                </a:uFill>
-                <a:latin typeface="Arial Black"/>
-              </a:rPr>
-              <a:t>A Simple Example</a:t>
-            </a:r>
-            <a:endParaRPr lang="en-IN" sz="1800" b="0" strike="noStrike" spc="-1">
-              <a:solidFill>
-                <a:srgbClr val="000000"/>
-              </a:solidFill>
-              <a:uFill>
-                <a:solidFill>
-                  <a:srgbClr val="FFFFFF"/>
-                </a:solidFill>
-              </a:uFill>
-              <a:latin typeface="Arial"/>
-            </a:endParaRPr>
-          </a:p>
-        </p:txBody>
-      </p:sp>
-      <p:sp>
-        <p:nvSpPr>
-          <p:cNvPr id="379" name="CustomShape 3"/>
-          <p:cNvSpPr/>
-          <p:nvPr/>
-        </p:nvSpPr>
-        <p:spPr>
-          <a:xfrm>
-            <a:off x="356760" y="1435680"/>
-            <a:ext cx="8430120" cy="4571280"/>
-          </a:xfrm>
-          <a:prstGeom prst="rect">
-            <a:avLst/>
-          </a:prstGeom>
-          <a:noFill/>
-          <a:ln>
-            <a:noFill/>
-          </a:ln>
-        </p:spPr>
-        <p:style>
-          <a:lnRef idx="0">
-            <a:scrgbClr r="0" g="0" b="0"/>
-          </a:lnRef>
-          <a:fillRef idx="0">
-            <a:scrgbClr r="0" g="0" b="0"/>
-          </a:fillRef>
-          <a:effectRef idx="0">
-            <a:scrgbClr r="0" g="0" b="0"/>
-          </a:effectRef>
-          <a:fontRef idx="minor"/>
-        </p:style>
-        <p:txBody>
           <a:bodyPr lIns="90000" tIns="45000" rIns="90000" bIns="45000"/>
           <a:lstStyle/>
           <a:p>
@@ -28512,30 +28560,171 @@
               <a:buChar char="•"/>
             </a:pPr>
             <a:r>
-              <a:rPr lang="en-IN" sz="1600" b="0" strike="noStrike" spc="-1" dirty="0" smtClean="0">
-                <a:solidFill>
-                  <a:srgbClr val="464547"/>
+              <a:rPr lang="en-IN" spc="-1" dirty="0" smtClean="0">
+                <a:solidFill>
+                  <a:srgbClr val="000000"/>
                 </a:solidFill>
                 <a:uFill>
                   <a:solidFill>
                     <a:srgbClr val="FFFFFF"/>
                   </a:solidFill>
                 </a:uFill>
-                <a:latin typeface="Trebuchet MS"/>
+                <a:latin typeface="Arial"/>
               </a:rPr>
-              <a:t>Input: Square feet</a:t>
+              <a:t>Assumptions</a:t>
             </a:r>
-            <a:endParaRPr lang="en-IN" spc="-1" dirty="0">
-              <a:solidFill>
-                <a:srgbClr val="000000"/>
-              </a:solidFill>
-              <a:uFill>
-                <a:solidFill>
-                  <a:srgbClr val="FFFFFF"/>
-                </a:solidFill>
-              </a:uFill>
-              <a:latin typeface="Arial"/>
-            </a:endParaRPr>
+            <a:r>
+              <a:rPr lang="en-IN" spc="-1" dirty="0" smtClean="0">
+                <a:solidFill>
+                  <a:srgbClr val="000000"/>
+                </a:solidFill>
+                <a:uFill>
+                  <a:solidFill>
+                    <a:srgbClr val="FFFFFF"/>
+                  </a:solidFill>
+                </a:uFill>
+                <a:latin typeface="Arial"/>
+              </a:rPr>
+              <a:t>:</a:t>
+            </a:r>
+          </a:p>
+          <a:p>
+            <a:pPr marL="720">
+              <a:lnSpc>
+                <a:spcPct val="100000"/>
+              </a:lnSpc>
+              <a:buClr>
+                <a:srgbClr val="39C2D7"/>
+              </a:buClr>
+            </a:pPr>
+            <a:r>
+              <a:rPr lang="en-IN" spc="-1" dirty="0" smtClean="0">
+                <a:solidFill>
+                  <a:srgbClr val="000000"/>
+                </a:solidFill>
+                <a:uFill>
+                  <a:solidFill>
+                    <a:srgbClr val="FFFFFF"/>
+                  </a:solidFill>
+                </a:uFill>
+                <a:latin typeface="Arial"/>
+              </a:rPr>
+              <a:t>	Input: </a:t>
+            </a:r>
+          </a:p>
+          <a:p>
+            <a:pPr marL="720">
+              <a:lnSpc>
+                <a:spcPct val="100000"/>
+              </a:lnSpc>
+              <a:buClr>
+                <a:srgbClr val="39C2D7"/>
+              </a:buClr>
+            </a:pPr>
+            <a:r>
+              <a:rPr lang="en-IN" spc="-1" dirty="0">
+                <a:solidFill>
+                  <a:srgbClr val="000000"/>
+                </a:solidFill>
+                <a:uFill>
+                  <a:solidFill>
+                    <a:srgbClr val="FFFFFF"/>
+                  </a:solidFill>
+                </a:uFill>
+                <a:latin typeface="Arial"/>
+              </a:rPr>
+              <a:t>	</a:t>
+            </a:r>
+            <a:r>
+              <a:rPr lang="en-IN" spc="-1" dirty="0" smtClean="0">
+                <a:solidFill>
+                  <a:srgbClr val="000000"/>
+                </a:solidFill>
+                <a:uFill>
+                  <a:solidFill>
+                    <a:srgbClr val="FFFFFF"/>
+                  </a:solidFill>
+                </a:uFill>
+                <a:latin typeface="Arial"/>
+              </a:rPr>
+              <a:t>	sq. feet of home</a:t>
+            </a:r>
+          </a:p>
+          <a:p>
+            <a:pPr marL="720">
+              <a:lnSpc>
+                <a:spcPct val="100000"/>
+              </a:lnSpc>
+              <a:buClr>
+                <a:srgbClr val="39C2D7"/>
+              </a:buClr>
+            </a:pPr>
+            <a:r>
+              <a:rPr lang="en-IN" sz="1800" b="0" strike="noStrike" spc="-1" dirty="0" smtClean="0">
+                <a:solidFill>
+                  <a:srgbClr val="000000"/>
+                </a:solidFill>
+                <a:uFill>
+                  <a:solidFill>
+                    <a:srgbClr val="FFFFFF"/>
+                  </a:solidFill>
+                </a:uFill>
+                <a:latin typeface="Arial"/>
+              </a:rPr>
+              <a:t>	Output: </a:t>
+            </a:r>
+          </a:p>
+          <a:p>
+            <a:pPr marL="720">
+              <a:lnSpc>
+                <a:spcPct val="100000"/>
+              </a:lnSpc>
+              <a:buClr>
+                <a:srgbClr val="39C2D7"/>
+              </a:buClr>
+            </a:pPr>
+            <a:r>
+              <a:rPr lang="en-IN" spc="-1" dirty="0">
+                <a:solidFill>
+                  <a:srgbClr val="000000"/>
+                </a:solidFill>
+                <a:uFill>
+                  <a:solidFill>
+                    <a:srgbClr val="FFFFFF"/>
+                  </a:solidFill>
+                </a:uFill>
+                <a:latin typeface="Arial"/>
+              </a:rPr>
+              <a:t>	</a:t>
+            </a:r>
+            <a:r>
+              <a:rPr lang="en-IN" spc="-1" dirty="0" smtClean="0">
+                <a:solidFill>
+                  <a:srgbClr val="000000"/>
+                </a:solidFill>
+                <a:uFill>
+                  <a:solidFill>
+                    <a:srgbClr val="FFFFFF"/>
+                  </a:solidFill>
+                </a:uFill>
+                <a:latin typeface="Arial"/>
+              </a:rPr>
+              <a:t>	</a:t>
+            </a:r>
+            <a:r>
+              <a:rPr lang="en-IN" sz="1800" b="0" strike="noStrike" spc="-1" dirty="0" smtClean="0">
+                <a:solidFill>
+                  <a:srgbClr val="000000"/>
+                </a:solidFill>
+                <a:uFill>
+                  <a:solidFill>
+                    <a:srgbClr val="FFFFFF"/>
+                  </a:solidFill>
+                </a:uFill>
+                <a:latin typeface="Arial"/>
+              </a:rPr>
+              <a:t>expected price</a:t>
+            </a:r>
           </a:p>
           <a:p>
             <a:pPr marL="720">
@@ -28559,210 +28748,76 @@
             </a:endParaRPr>
           </a:p>
           <a:p>
-            <a:pPr marL="720">
-              <a:lnSpc>
-                <a:spcPct val="100000"/>
-              </a:lnSpc>
+            <a:pPr marL="915120" lvl="2">
               <a:buClr>
                 <a:srgbClr val="39C2D7"/>
               </a:buClr>
             </a:pPr>
-            <a:endParaRPr lang="en-IN" sz="1800" b="0" strike="noStrike" spc="-1" dirty="0">
-              <a:solidFill>
-                <a:srgbClr val="000000"/>
-              </a:solidFill>
-              <a:uFill>
-                <a:solidFill>
-                  <a:srgbClr val="FFFFFF"/>
-                </a:solidFill>
-              </a:uFill>
-              <a:latin typeface="Arial"/>
-            </a:endParaRPr>
-          </a:p>
-          <a:p>
-            <a:pPr marL="285840" indent="-285120">
-              <a:lnSpc>
-                <a:spcPct val="100000"/>
-              </a:lnSpc>
-              <a:buClr>
-                <a:srgbClr val="39C2D7"/>
-              </a:buClr>
-              <a:buFont typeface="Arial"/>
-              <a:buChar char="•"/>
-            </a:pPr>
             <a:r>
-              <a:rPr lang="en-IN" sz="1600" b="0" strike="noStrike" spc="-1" dirty="0" smtClean="0">
-                <a:solidFill>
-                  <a:srgbClr val="464547"/>
+              <a:rPr lang="en-IN" spc="-1" dirty="0" smtClean="0">
+                <a:solidFill>
+                  <a:srgbClr val="000000"/>
                 </a:solidFill>
                 <a:uFill>
                   <a:solidFill>
                     <a:srgbClr val="FFFFFF"/>
                   </a:solidFill>
                 </a:uFill>
-                <a:latin typeface="Trebuchet MS"/>
+                <a:latin typeface="Arial"/>
               </a:rPr>
-              <a:t>Output: Expected price</a:t>
+              <a:t>Existing data shows some linear relationship</a:t>
             </a:r>
           </a:p>
           <a:p>
-            <a:pPr marL="720">
-              <a:lnSpc>
-                <a:spcPct val="100000"/>
-              </a:lnSpc>
+            <a:pPr marL="915120" lvl="2">
               <a:buClr>
                 <a:srgbClr val="39C2D7"/>
               </a:buClr>
             </a:pPr>
-            <a:endParaRPr lang="en-IN" sz="1800" b="0" strike="noStrike" spc="-1" dirty="0" smtClean="0">
-              <a:solidFill>
-                <a:srgbClr val="000000"/>
-              </a:solidFill>
-              <a:uFill>
-                <a:solidFill>
-                  <a:srgbClr val="FFFFFF"/>
-                </a:solidFill>
-              </a:uFill>
-              <a:latin typeface="Arial"/>
-            </a:endParaRPr>
-          </a:p>
-          <a:p>
-            <a:pPr marL="720">
-              <a:lnSpc>
-                <a:spcPct val="100000"/>
-              </a:lnSpc>
-              <a:buClr>
-                <a:srgbClr val="39C2D7"/>
-              </a:buClr>
-            </a:pPr>
-            <a:endParaRPr lang="en-IN" sz="1800" b="0" strike="noStrike" spc="-1" dirty="0">
-              <a:solidFill>
-                <a:srgbClr val="000000"/>
-              </a:solidFill>
-              <a:uFill>
-                <a:solidFill>
-                  <a:srgbClr val="FFFFFF"/>
-                </a:solidFill>
-              </a:uFill>
-              <a:latin typeface="Arial"/>
-            </a:endParaRPr>
-          </a:p>
-          <a:p>
-            <a:pPr marL="285840" indent="-285120">
-              <a:lnSpc>
-                <a:spcPct val="100000"/>
-              </a:lnSpc>
-              <a:buClr>
-                <a:srgbClr val="39C2D7"/>
-              </a:buClr>
-              <a:buFont typeface="Arial"/>
-              <a:buChar char="•"/>
-            </a:pPr>
-            <a:r>
-              <a:rPr lang="en-IN" sz="1600" b="0" strike="noStrike" spc="-1" dirty="0">
-                <a:solidFill>
-                  <a:srgbClr val="464547"/>
-                </a:solidFill>
-                <a:uFill>
-                  <a:solidFill>
-                    <a:srgbClr val="FFFFFF"/>
-                  </a:solidFill>
-                </a:uFill>
-                <a:latin typeface="Trebuchet MS"/>
-              </a:rPr>
-              <a:t>Need to </a:t>
-            </a:r>
-            <a:r>
-              <a:rPr lang="en-IN" sz="1600" b="0" strike="noStrike" spc="-1" dirty="0" smtClean="0">
-                <a:solidFill>
-                  <a:srgbClr val="464547"/>
-                </a:solidFill>
-                <a:uFill>
-                  <a:solidFill>
-                    <a:srgbClr val="FFFFFF"/>
-                  </a:solidFill>
-                </a:uFill>
-                <a:latin typeface="Trebuchet MS"/>
-              </a:rPr>
-              <a:t>come up with </a:t>
-            </a:r>
-            <a:r>
-              <a:rPr lang="en-IN" sz="1600" b="0" strike="noStrike" spc="-1" dirty="0">
-                <a:solidFill>
-                  <a:srgbClr val="464547"/>
-                </a:solidFill>
-                <a:uFill>
-                  <a:solidFill>
-                    <a:srgbClr val="FFFFFF"/>
-                  </a:solidFill>
-                </a:uFill>
-                <a:latin typeface="Trebuchet MS"/>
-              </a:rPr>
-              <a:t>a model that </a:t>
-            </a:r>
-            <a:r>
-              <a:rPr lang="en-IN" sz="1600" b="0" strike="noStrike" spc="-1" dirty="0" smtClean="0">
-                <a:solidFill>
-                  <a:srgbClr val="464547"/>
-                </a:solidFill>
-                <a:uFill>
-                  <a:solidFill>
-                    <a:srgbClr val="FFFFFF"/>
-                  </a:solidFill>
-                </a:uFill>
-                <a:latin typeface="Trebuchet MS"/>
-              </a:rPr>
-              <a:t>predicts the price</a:t>
-            </a:r>
-            <a:endParaRPr lang="en-IN" sz="1800" b="0" strike="noStrike" spc="-1" dirty="0">
-              <a:solidFill>
-                <a:srgbClr val="000000"/>
-              </a:solidFill>
-              <a:uFill>
-                <a:solidFill>
-                  <a:srgbClr val="FFFFFF"/>
-                </a:solidFill>
-              </a:uFill>
-              <a:latin typeface="Arial"/>
-            </a:endParaRPr>
-          </a:p>
-          <a:p>
-            <a:pPr marL="720">
-              <a:lnSpc>
-                <a:spcPct val="100000"/>
-              </a:lnSpc>
-              <a:buClr>
-                <a:srgbClr val="39C2D7"/>
-              </a:buClr>
-            </a:pPr>
-            <a:r>
-              <a:rPr lang="en-IN" sz="1600" b="0" strike="noStrike" spc="-1" dirty="0">
-                <a:solidFill>
-                  <a:srgbClr val="464547"/>
-                </a:solidFill>
-                <a:uFill>
-                  <a:solidFill>
-                    <a:srgbClr val="FFFFFF"/>
-                  </a:solidFill>
-                </a:uFill>
-                <a:latin typeface="Trebuchet MS"/>
-              </a:rPr>
-              <a:t> </a:t>
-            </a:r>
-            <a:endParaRPr lang="en-IN" sz="1800" b="0" strike="noStrike" spc="-1" dirty="0">
-              <a:solidFill>
-                <a:srgbClr val="000000"/>
-              </a:solidFill>
-              <a:uFill>
-                <a:solidFill>
-                  <a:srgbClr val="FFFFFF"/>
-                </a:solidFill>
-              </a:uFill>
-              <a:latin typeface="Arial"/>
-            </a:endParaRPr>
-          </a:p>
-        </p:txBody>
-      </p:sp>
+            <a:endParaRPr lang="en-IN" spc="-1" dirty="0">
+              <a:solidFill>
+                <a:srgbClr val="000000"/>
+              </a:solidFill>
+              <a:uFill>
+                <a:solidFill>
+                  <a:srgbClr val="FFFFFF"/>
+                </a:solidFill>
+              </a:uFill>
+              <a:latin typeface="Arial"/>
+            </a:endParaRPr>
+          </a:p>
+        </p:txBody>
+      </p:sp>
+      <p:pic>
+        <p:nvPicPr>
+          <p:cNvPr id="5" name="Picture 4"/>
+          <p:cNvPicPr>
+            <a:picLocks noChangeAspect="1"/>
+          </p:cNvPicPr>
+          <p:nvPr/>
+        </p:nvPicPr>
+        <p:blipFill>
+          <a:blip r:embed="rId4">
+            <a:extLst>
+              <a:ext uri="{28A0092B-C50C-407E-A947-70E740481C1C}">
+                <a14:useLocalDpi xmlns:a14="http://schemas.microsoft.com/office/drawing/2010/main" val="0"/>
+              </a:ext>
+            </a:extLst>
+          </a:blip>
+          <a:stretch>
+            <a:fillRect/>
+          </a:stretch>
+        </p:blipFill>
+        <p:spPr>
+          <a:xfrm>
+            <a:off x="4543426" y="3724274"/>
+            <a:ext cx="4581936" cy="2487441"/>
+          </a:xfrm>
+          <a:prstGeom prst="rect">
+            <a:avLst/>
+          </a:prstGeom>
+        </p:spPr>
+      </p:pic>
     </p:spTree>
   </p:cSld>
   <p:clrMapOvr>

--- a/TechTalk1.pptx
+++ b/TechTalk1.pptx
@@ -22114,7 +22114,7 @@
               </a:lnSpc>
             </a:pPr>
             <a:r>
-              <a:rPr lang="en-IN" sz="4000" b="0" strike="noStrike" spc="-1" dirty="0">
+              <a:rPr lang="en-IN" sz="4000" b="0" strike="noStrike" spc="-1" dirty="0" smtClean="0">
                 <a:solidFill>
                   <a:srgbClr val="FFFFFF"/>
                 </a:solidFill>
@@ -23889,7 +23889,7 @@
               </a:lnSpc>
             </a:pPr>
             <a:r>
-              <a:rPr lang="en-IN" sz="1600" b="0" strike="noStrike" spc="-1">
+              <a:rPr lang="en-IN" sz="1600" spc="-1" dirty="0" smtClean="0">
                 <a:solidFill>
                   <a:srgbClr val="444444"/>
                 </a:solidFill>
@@ -23899,11 +23899,10 @@
                   </a:solidFill>
                 </a:uFill>
                 <a:latin typeface="Trebuchet MS"/>
-                <a:ea typeface="DejaVu Sans"/>
               </a:rPr>
-              <a:t>Demo</a:t>
+              <a:t>Summary &amp; Demo</a:t>
             </a:r>
-            <a:endParaRPr lang="en-IN" sz="1800" b="0" strike="noStrike" spc="-1">
+            <a:endParaRPr lang="en-IN" sz="1800" b="0" strike="noStrike" spc="-1" dirty="0">
               <a:solidFill>
                 <a:srgbClr val="000000"/>
               </a:solidFill>
@@ -24068,7 +24067,7 @@
               </a:lnSpc>
             </a:pPr>
             <a:r>
-              <a:rPr lang="en-IN" sz="1600" b="0" strike="noStrike" spc="-1">
+              <a:rPr lang="en-IN" sz="1600" b="0" strike="noStrike" spc="-1" dirty="0" smtClean="0">
                 <a:solidFill>
                   <a:srgbClr val="444444"/>
                 </a:solidFill>
@@ -24080,9 +24079,24 @@
                 <a:latin typeface="Trebuchet MS"/>
                 <a:ea typeface="DejaVu Sans"/>
               </a:rPr>
-              <a:t>End Notes, Q&amp;A</a:t>
+              <a:t>End </a:t>
             </a:r>
-            <a:endParaRPr lang="en-IN" sz="1800" b="0" strike="noStrike" spc="-1">
+            <a:r>
+              <a:rPr lang="en-IN" sz="1600" b="0" strike="noStrike" spc="-1" dirty="0">
+                <a:solidFill>
+                  <a:srgbClr val="444444"/>
+                </a:solidFill>
+                <a:uFill>
+                  <a:solidFill>
+                    <a:srgbClr val="FFFFFF"/>
+                  </a:solidFill>
+                </a:uFill>
+                <a:latin typeface="Trebuchet MS"/>
+                <a:ea typeface="DejaVu Sans"/>
+              </a:rPr>
+              <a:t>Notes, Q&amp;A</a:t>
+            </a:r>
+            <a:endParaRPr lang="en-IN" sz="1800" b="0" strike="noStrike" spc="-1" dirty="0">
               <a:solidFill>
                 <a:srgbClr val="000000"/>
               </a:solidFill>
@@ -26495,21 +26509,7 @@
                 </a:uFill>
                 <a:latin typeface="Trebuchet MS"/>
               </a:rPr>
-              <a:t>Weather </a:t>
-            </a:r>
-            <a:r>
-              <a:rPr lang="en-IN" sz="1600" spc="-1" dirty="0" smtClean="0">
-                <a:solidFill>
-                  <a:srgbClr val="444444"/>
-                </a:solidFill>
-                <a:uFill>
-                  <a:solidFill>
-                    <a:srgbClr val="FFFFFF"/>
-                  </a:solidFill>
-                </a:uFill>
-                <a:latin typeface="Trebuchet MS"/>
-              </a:rPr>
-              <a:t>prediction, Face recognition, </a:t>
+              <a:t>Weather prediction, Face recognition, </a:t>
             </a:r>
             <a:r>
               <a:rPr lang="en-IN" sz="1600" spc="-1" dirty="0">
@@ -27063,22 +27063,7 @@
                 <a:latin typeface="Trebuchet MS"/>
                 <a:ea typeface="DejaVu Sans"/>
               </a:rPr>
-              <a:t>	Deep blue, </a:t>
-            </a:r>
-            <a:r>
-              <a:rPr lang="en-IN" sz="1600" spc="-1" dirty="0" smtClean="0">
-                <a:solidFill>
-                  <a:srgbClr val="444444"/>
-                </a:solidFill>
-                <a:uFill>
-                  <a:solidFill>
-                    <a:srgbClr val="FFFFFF"/>
-                  </a:solidFill>
-                </a:uFill>
-                <a:latin typeface="Trebuchet MS"/>
-                <a:ea typeface="DejaVu Sans"/>
-              </a:rPr>
-              <a:t>Alpha Go</a:t>
+              <a:t>	Deep blue, Alpha Go</a:t>
             </a:r>
             <a:endParaRPr lang="en-IN" sz="1600" b="0" strike="noStrike" spc="-1" dirty="0" smtClean="0">
               <a:solidFill>
@@ -28297,7 +28282,35 @@
                 </a:uFill>
                 <a:latin typeface="Trebuchet MS"/>
               </a:rPr>
-              <a:t>a model that </a:t>
+              <a:t>a </a:t>
+            </a:r>
+            <a:r>
+              <a:rPr lang="en-IN" sz="1600" b="0" strike="noStrike" spc="-1" dirty="0" smtClean="0">
+                <a:solidFill>
+                  <a:srgbClr val="464547"/>
+                </a:solidFill>
+                <a:uFill>
+                  <a:solidFill>
+                    <a:srgbClr val="FFFFFF"/>
+                  </a:solidFill>
+                </a:uFill>
+                <a:latin typeface="Trebuchet MS"/>
+              </a:rPr>
+              <a:t>‘Model’ </a:t>
+            </a:r>
+            <a:r>
+              <a:rPr lang="en-IN" sz="1600" b="0" strike="noStrike" spc="-1" dirty="0">
+                <a:solidFill>
+                  <a:srgbClr val="464547"/>
+                </a:solidFill>
+                <a:uFill>
+                  <a:solidFill>
+                    <a:srgbClr val="FFFFFF"/>
+                  </a:solidFill>
+                </a:uFill>
+                <a:latin typeface="Trebuchet MS"/>
+              </a:rPr>
+              <a:t>that </a:t>
             </a:r>
             <a:r>
               <a:rPr lang="en-IN" sz="1600" b="0" strike="noStrike" spc="-1" dirty="0" smtClean="0">
@@ -28571,21 +28584,7 @@
                 </a:uFill>
                 <a:latin typeface="Arial"/>
               </a:rPr>
-              <a:t>Assumptions</a:t>
-            </a:r>
-            <a:r>
-              <a:rPr lang="en-IN" spc="-1" dirty="0" smtClean="0">
-                <a:solidFill>
-                  <a:srgbClr val="000000"/>
-                </a:solidFill>
-                <a:uFill>
-                  <a:solidFill>
-                    <a:srgbClr val="FFFFFF"/>
-                  </a:solidFill>
-                </a:uFill>
-                <a:latin typeface="Arial"/>
-              </a:rPr>
-              <a:t>:</a:t>
+              <a:t>Assumptions:</a:t>
             </a:r>
           </a:p>
           <a:p>

--- a/TechTalk1.pptx
+++ b/TechTalk1.pptx
@@ -12,7 +12,7 @@
     <p:sldMasterId id="2147483739" r:id="rId8"/>
   </p:sldMasterIdLst>
   <p:notesMasterIdLst>
-    <p:notesMasterId r:id="rId24"/>
+    <p:notesMasterId r:id="rId25"/>
   </p:notesMasterIdLst>
   <p:sldIdLst>
     <p:sldId id="256" r:id="rId9"/>
@@ -22,14 +22,15 @@
     <p:sldId id="259" r:id="rId13"/>
     <p:sldId id="260" r:id="rId14"/>
     <p:sldId id="267" r:id="rId15"/>
-    <p:sldId id="261" r:id="rId16"/>
-    <p:sldId id="263" r:id="rId17"/>
-    <p:sldId id="268" r:id="rId18"/>
-    <p:sldId id="269" r:id="rId19"/>
-    <p:sldId id="271" r:id="rId20"/>
-    <p:sldId id="264" r:id="rId21"/>
-    <p:sldId id="265" r:id="rId22"/>
-    <p:sldId id="266" r:id="rId23"/>
+    <p:sldId id="268" r:id="rId16"/>
+    <p:sldId id="261" r:id="rId17"/>
+    <p:sldId id="263" r:id="rId18"/>
+    <p:sldId id="272" r:id="rId19"/>
+    <p:sldId id="269" r:id="rId20"/>
+    <p:sldId id="271" r:id="rId21"/>
+    <p:sldId id="264" r:id="rId22"/>
+    <p:sldId id="265" r:id="rId23"/>
+    <p:sldId id="266" r:id="rId24"/>
   </p:sldIdLst>
   <p:sldSz cx="9144000" cy="6858000" type="screen4x3"/>
   <p:notesSz cx="6858000" cy="9144000"/>
@@ -707,7 +708,7 @@
                 <a:latin typeface="+mn-lt"/>
                 <a:ea typeface="+mn-ea"/>
               </a:rPr>
-              <a:t>13</a:t>
+              <a:t>14</a:t>
             </a:fld>
             <a:endParaRPr lang="en-IN" sz="1800" b="0" strike="noStrike" spc="-1">
               <a:solidFill>
@@ -1506,7 +1507,7 @@
                 <a:latin typeface="+mn-lt"/>
                 <a:ea typeface="+mn-ea"/>
               </a:rPr>
-              <a:t>8</a:t>
+              <a:t>9</a:t>
             </a:fld>
             <a:endParaRPr lang="en-IN" sz="1800" b="0" strike="noStrike" spc="-1">
               <a:solidFill>
@@ -1637,7 +1638,7 @@
                 <a:latin typeface="+mn-lt"/>
                 <a:ea typeface="+mn-ea"/>
               </a:rPr>
-              <a:t>9</a:t>
+              <a:t>10</a:t>
             </a:fld>
             <a:endParaRPr lang="en-IN" sz="1800" b="0" strike="noStrike" spc="-1">
               <a:solidFill>
@@ -1768,7 +1769,7 @@
                 <a:latin typeface="+mn-lt"/>
                 <a:ea typeface="+mn-ea"/>
               </a:rPr>
-              <a:t>12</a:t>
+              <a:t>13</a:t>
             </a:fld>
             <a:endParaRPr lang="en-IN" sz="1800" b="0" strike="noStrike" spc="-1">
               <a:solidFill>
@@ -20281,923 +20282,9 @@
           <a:chExt cx="0" cy="0"/>
         </a:xfrm>
       </p:grpSpPr>
-      <p:sp>
-        <p:nvSpPr>
-          <p:cNvPr id="4" name="CustomShape 1"/>
-          <p:cNvSpPr/>
-          <p:nvPr/>
-        </p:nvSpPr>
-        <p:spPr>
-          <a:xfrm>
-            <a:off x="0" y="0"/>
-            <a:ext cx="9143280" cy="932040"/>
-          </a:xfrm>
-          <a:prstGeom prst="rect">
-            <a:avLst/>
-          </a:prstGeom>
-          <a:solidFill>
-            <a:srgbClr val="FFFFFF"/>
-          </a:solidFill>
-          <a:ln>
-            <a:noFill/>
-          </a:ln>
-        </p:spPr>
-        <p:style>
-          <a:lnRef idx="0">
-            <a:scrgbClr r="0" g="0" b="0"/>
-          </a:lnRef>
-          <a:fillRef idx="0">
-            <a:scrgbClr r="0" g="0" b="0"/>
-          </a:fillRef>
-          <a:effectRef idx="0">
-            <a:scrgbClr r="0" g="0" b="0"/>
-          </a:effectRef>
-          <a:fontRef idx="minor"/>
-        </p:style>
-        <p:txBody>
-          <a:bodyPr lIns="365760" tIns="45000" rIns="90000" bIns="45000" anchor="ctr"/>
-          <a:lstStyle/>
-          <a:p>
-            <a:pPr>
-              <a:lnSpc>
-                <a:spcPct val="100000"/>
-              </a:lnSpc>
-            </a:pPr>
-            <a:r>
-              <a:rPr lang="en-IN" sz="2600" spc="-1" dirty="0" smtClean="0">
-                <a:solidFill>
-                  <a:srgbClr val="464547"/>
-                </a:solidFill>
-                <a:uFill>
-                  <a:solidFill>
-                    <a:srgbClr val="FFFFFF"/>
-                  </a:solidFill>
-                </a:uFill>
-                <a:latin typeface="Arial Black"/>
-              </a:rPr>
-              <a:t>Recap..</a:t>
-            </a:r>
-            <a:endParaRPr lang="en-IN" sz="1800" b="0" strike="noStrike" spc="-1" dirty="0">
-              <a:solidFill>
-                <a:srgbClr val="000000"/>
-              </a:solidFill>
-              <a:uFill>
-                <a:solidFill>
-                  <a:srgbClr val="FFFFFF"/>
-                </a:solidFill>
-              </a:uFill>
-              <a:latin typeface="Arial"/>
-            </a:endParaRPr>
-          </a:p>
-        </p:txBody>
-      </p:sp>
-      <p:sp>
-        <p:nvSpPr>
-          <p:cNvPr id="5" name="CustomShape 2"/>
-          <p:cNvSpPr/>
-          <p:nvPr/>
-        </p:nvSpPr>
-        <p:spPr>
-          <a:xfrm>
-            <a:off x="356760" y="1435680"/>
-            <a:ext cx="8430120" cy="4571280"/>
-          </a:xfrm>
-          <a:prstGeom prst="rect">
-            <a:avLst/>
-          </a:prstGeom>
-          <a:noFill/>
-          <a:ln>
-            <a:noFill/>
-          </a:ln>
-        </p:spPr>
-        <p:style>
-          <a:lnRef idx="0">
-            <a:scrgbClr r="0" g="0" b="0"/>
-          </a:lnRef>
-          <a:fillRef idx="0">
-            <a:scrgbClr r="0" g="0" b="0"/>
-          </a:fillRef>
-          <a:effectRef idx="0">
-            <a:scrgbClr r="0" g="0" b="0"/>
-          </a:effectRef>
-          <a:fontRef idx="minor"/>
-        </p:style>
-        <p:txBody>
-          <a:bodyPr lIns="90000" tIns="45000" rIns="90000" bIns="45000"/>
-          <a:lstStyle/>
-          <a:p>
-            <a:pPr marL="285750" indent="-285750">
-              <a:lnSpc>
-                <a:spcPct val="100000"/>
-              </a:lnSpc>
-              <a:buFont typeface="Arial" panose="020B0604020202020204" pitchFamily="34" charset="0"/>
-              <a:buChar char="•"/>
-            </a:pPr>
-            <a:endParaRPr lang="en-IN" sz="1800" b="0" strike="noStrike" spc="-1" dirty="0">
-              <a:solidFill>
-                <a:srgbClr val="000000"/>
-              </a:solidFill>
-              <a:uFill>
-                <a:solidFill>
-                  <a:srgbClr val="FFFFFF"/>
-                </a:solidFill>
-              </a:uFill>
-              <a:latin typeface="Arial"/>
-            </a:endParaRPr>
-          </a:p>
-        </p:txBody>
-      </p:sp>
-      <p:sp>
-        <p:nvSpPr>
-          <p:cNvPr id="6" name="CustomShape 3"/>
-          <p:cNvSpPr/>
-          <p:nvPr/>
-        </p:nvSpPr>
-        <p:spPr>
-          <a:xfrm>
-            <a:off x="356760" y="1073730"/>
-            <a:ext cx="8430120" cy="4571280"/>
-          </a:xfrm>
-          <a:prstGeom prst="rect">
-            <a:avLst/>
-          </a:prstGeom>
-          <a:noFill/>
-          <a:ln>
-            <a:noFill/>
-          </a:ln>
-        </p:spPr>
-        <p:style>
-          <a:lnRef idx="0">
-            <a:scrgbClr r="0" g="0" b="0"/>
-          </a:lnRef>
-          <a:fillRef idx="0">
-            <a:scrgbClr r="0" g="0" b="0"/>
-          </a:fillRef>
-          <a:effectRef idx="0">
-            <a:scrgbClr r="0" g="0" b="0"/>
-          </a:effectRef>
-          <a:fontRef idx="minor"/>
-        </p:style>
-        <p:txBody>
-          <a:bodyPr lIns="90000" tIns="45000" rIns="90000" bIns="45000"/>
-          <a:lstStyle/>
-          <a:p>
-            <a:pPr marL="285840" indent="-285120">
-              <a:lnSpc>
-                <a:spcPct val="100000"/>
-              </a:lnSpc>
-              <a:buClr>
-                <a:srgbClr val="39C2D7"/>
-              </a:buClr>
-              <a:buFont typeface="Arial"/>
-              <a:buChar char="•"/>
-            </a:pPr>
-            <a:r>
-              <a:rPr lang="en-IN" sz="1600" spc="-1" dirty="0" smtClean="0">
-                <a:solidFill>
-                  <a:srgbClr val="464547"/>
-                </a:solidFill>
-                <a:uFill>
-                  <a:solidFill>
-                    <a:srgbClr val="FFFFFF"/>
-                  </a:solidFill>
-                </a:uFill>
-                <a:latin typeface="Trebuchet MS"/>
-              </a:rPr>
-              <a:t>Equation of a line </a:t>
-            </a:r>
-          </a:p>
-          <a:p>
-            <a:pPr marL="720">
-              <a:lnSpc>
-                <a:spcPct val="100000"/>
-              </a:lnSpc>
-              <a:buClr>
-                <a:srgbClr val="39C2D7"/>
-              </a:buClr>
-            </a:pPr>
-            <a:endParaRPr lang="en-IN" sz="1600" spc="-1" dirty="0">
-              <a:solidFill>
-                <a:srgbClr val="464547"/>
-              </a:solidFill>
-              <a:uFill>
-                <a:solidFill>
-                  <a:srgbClr val="FFFFFF"/>
-                </a:solidFill>
-              </a:uFill>
-              <a:latin typeface="Trebuchet MS"/>
-            </a:endParaRPr>
-          </a:p>
-          <a:p>
-            <a:pPr marL="285840" indent="-285120">
-              <a:lnSpc>
-                <a:spcPct val="100000"/>
-              </a:lnSpc>
-              <a:buClr>
-                <a:srgbClr val="39C2D7"/>
-              </a:buClr>
-              <a:buFont typeface="Arial"/>
-              <a:buChar char="•"/>
-            </a:pPr>
-            <a:r>
-              <a:rPr lang="en-IN" sz="1600" spc="-1" dirty="0" smtClean="0">
-                <a:solidFill>
-                  <a:srgbClr val="464547"/>
-                </a:solidFill>
-                <a:uFill>
-                  <a:solidFill>
-                    <a:srgbClr val="FFFFFF"/>
-                  </a:solidFill>
-                </a:uFill>
-                <a:latin typeface="Trebuchet MS"/>
-              </a:rPr>
-              <a:t>Slope of a line / Gradient</a:t>
-            </a:r>
-          </a:p>
-          <a:p>
-            <a:pPr marL="285840" indent="-285120">
-              <a:lnSpc>
-                <a:spcPct val="100000"/>
-              </a:lnSpc>
-              <a:buClr>
-                <a:srgbClr val="39C2D7"/>
-              </a:buClr>
-              <a:buFont typeface="Arial"/>
-              <a:buChar char="•"/>
-            </a:pPr>
-            <a:endParaRPr lang="en-IN" sz="1600" spc="-1" dirty="0">
-              <a:solidFill>
-                <a:srgbClr val="464547"/>
-              </a:solidFill>
-              <a:uFill>
-                <a:solidFill>
-                  <a:srgbClr val="FFFFFF"/>
-                </a:solidFill>
-              </a:uFill>
-              <a:latin typeface="Trebuchet MS"/>
-            </a:endParaRPr>
-          </a:p>
-          <a:p>
-            <a:pPr marL="285840" indent="-285120">
-              <a:lnSpc>
-                <a:spcPct val="100000"/>
-              </a:lnSpc>
-              <a:buClr>
-                <a:srgbClr val="39C2D7"/>
-              </a:buClr>
-              <a:buFont typeface="Arial"/>
-              <a:buChar char="•"/>
-            </a:pPr>
-            <a:r>
-              <a:rPr lang="en-IN" sz="1600" spc="-1" dirty="0" smtClean="0">
-                <a:solidFill>
-                  <a:srgbClr val="464547"/>
-                </a:solidFill>
-                <a:uFill>
-                  <a:solidFill>
-                    <a:srgbClr val="FFFFFF"/>
-                  </a:solidFill>
-                </a:uFill>
-                <a:latin typeface="Trebuchet MS"/>
-              </a:rPr>
-              <a:t>Derivative of a function f</a:t>
-            </a:r>
-          </a:p>
-          <a:p>
-            <a:pPr marL="285840" indent="-285120">
-              <a:lnSpc>
-                <a:spcPct val="100000"/>
-              </a:lnSpc>
-              <a:buClr>
-                <a:srgbClr val="39C2D7"/>
-              </a:buClr>
-              <a:buFont typeface="Arial"/>
-              <a:buChar char="•"/>
-            </a:pPr>
-            <a:endParaRPr lang="en-IN" sz="1600" spc="-1" dirty="0">
-              <a:solidFill>
-                <a:srgbClr val="464547"/>
-              </a:solidFill>
-              <a:uFill>
-                <a:solidFill>
-                  <a:srgbClr val="FFFFFF"/>
-                </a:solidFill>
-              </a:uFill>
-              <a:latin typeface="Trebuchet MS"/>
-            </a:endParaRPr>
-          </a:p>
-          <a:p>
-            <a:pPr marL="285840" indent="-285120">
-              <a:lnSpc>
-                <a:spcPct val="100000"/>
-              </a:lnSpc>
-              <a:buClr>
-                <a:srgbClr val="39C2D7"/>
-              </a:buClr>
-              <a:buFont typeface="Arial"/>
-              <a:buChar char="•"/>
-            </a:pPr>
-            <a:r>
-              <a:rPr lang="en-IN" sz="1600" spc="-1" dirty="0" smtClean="0">
-                <a:solidFill>
-                  <a:srgbClr val="464547"/>
-                </a:solidFill>
-                <a:uFill>
-                  <a:solidFill>
-                    <a:srgbClr val="FFFFFF"/>
-                  </a:solidFill>
-                </a:uFill>
-                <a:latin typeface="Trebuchet MS"/>
-              </a:rPr>
-              <a:t>Linear function vs non linear function</a:t>
-            </a:r>
-          </a:p>
-          <a:p>
-            <a:pPr marL="285840" indent="-285120">
-              <a:lnSpc>
-                <a:spcPct val="100000"/>
-              </a:lnSpc>
-              <a:buClr>
-                <a:srgbClr val="39C2D7"/>
-              </a:buClr>
-              <a:buFont typeface="Arial"/>
-              <a:buChar char="•"/>
-            </a:pPr>
-            <a:endParaRPr lang="en-IN" sz="1600" spc="-1" dirty="0">
-              <a:solidFill>
-                <a:srgbClr val="464547"/>
-              </a:solidFill>
-              <a:uFill>
-                <a:solidFill>
-                  <a:srgbClr val="FFFFFF"/>
-                </a:solidFill>
-              </a:uFill>
-              <a:latin typeface="Trebuchet MS"/>
-            </a:endParaRPr>
-          </a:p>
-          <a:p>
-            <a:pPr marL="285840" indent="-285120">
-              <a:lnSpc>
-                <a:spcPct val="100000"/>
-              </a:lnSpc>
-              <a:buClr>
-                <a:srgbClr val="39C2D7"/>
-              </a:buClr>
-              <a:buFont typeface="Arial"/>
-              <a:buChar char="•"/>
-            </a:pPr>
-            <a:r>
-              <a:rPr lang="en-IN" sz="1600" spc="-1" dirty="0" smtClean="0">
-                <a:solidFill>
-                  <a:srgbClr val="464547"/>
-                </a:solidFill>
-                <a:uFill>
-                  <a:solidFill>
-                    <a:srgbClr val="FFFFFF"/>
-                  </a:solidFill>
-                </a:uFill>
-                <a:latin typeface="Trebuchet MS"/>
-              </a:rPr>
-              <a:t>Sigma Notation for sums</a:t>
-            </a:r>
-          </a:p>
-        </p:txBody>
-      </p:sp>
-    </p:spTree>
-    <p:extLst>
-      <p:ext uri="{BB962C8B-B14F-4D97-AF65-F5344CB8AC3E}">
-        <p14:creationId xmlns:p14="http://schemas.microsoft.com/office/powerpoint/2010/main" val="3003121310"/>
-      </p:ext>
-    </p:extLst>
-  </p:cSld>
-  <p:clrMapOvr>
-    <a:masterClrMapping/>
-  </p:clrMapOvr>
-  <p:timing>
-    <p:tnLst>
-      <p:par>
-        <p:cTn id="1" dur="indefinite" restart="never" nodeType="tmRoot"/>
-      </p:par>
-    </p:tnLst>
-  </p:timing>
-</p:sld>
-</file>
-
-<file path=ppt/slides/slide11.xml><?xml version="1.0" encoding="utf-8"?>
-<p:sld xmlns:a="http://schemas.openxmlformats.org/drawingml/2006/main" xmlns:r="http://schemas.openxmlformats.org/officeDocument/2006/relationships" xmlns:p="http://schemas.openxmlformats.org/presentationml/2006/main">
-  <p:cSld>
-    <p:spTree>
-      <p:nvGrpSpPr>
-        <p:cNvPr id="1" name=""/>
-        <p:cNvGrpSpPr/>
-        <p:nvPr/>
-      </p:nvGrpSpPr>
-      <p:grpSpPr>
-        <a:xfrm>
-          <a:off x="0" y="0"/>
-          <a:ext cx="0" cy="0"/>
-          <a:chOff x="0" y="0"/>
-          <a:chExt cx="0" cy="0"/>
-        </a:xfrm>
-      </p:grpSpPr>
-      <p:sp>
-        <p:nvSpPr>
-          <p:cNvPr id="4" name="CustomShape 3"/>
-          <p:cNvSpPr/>
-          <p:nvPr/>
-        </p:nvSpPr>
-        <p:spPr>
-          <a:xfrm>
-            <a:off x="356580" y="837803"/>
-            <a:ext cx="8430120" cy="4571280"/>
-          </a:xfrm>
-          <a:prstGeom prst="rect">
-            <a:avLst/>
-          </a:prstGeom>
-          <a:noFill/>
-          <a:ln>
-            <a:noFill/>
-          </a:ln>
-        </p:spPr>
-        <p:style>
-          <a:lnRef idx="0">
-            <a:scrgbClr r="0" g="0" b="0"/>
-          </a:lnRef>
-          <a:fillRef idx="0">
-            <a:scrgbClr r="0" g="0" b="0"/>
-          </a:fillRef>
-          <a:effectRef idx="0">
-            <a:scrgbClr r="0" g="0" b="0"/>
-          </a:effectRef>
-          <a:fontRef idx="minor"/>
-        </p:style>
-        <p:txBody>
-          <a:bodyPr lIns="90000" tIns="45000" rIns="90000" bIns="45000"/>
-          <a:lstStyle/>
-          <a:p>
-            <a:pPr marL="285840" indent="-285120">
-              <a:lnSpc>
-                <a:spcPct val="100000"/>
-              </a:lnSpc>
-              <a:buClr>
-                <a:srgbClr val="39C2D7"/>
-              </a:buClr>
-              <a:buFont typeface="Arial"/>
-              <a:buChar char="•"/>
-            </a:pPr>
-            <a:r>
-              <a:rPr lang="en-IN" sz="1600" b="0" strike="noStrike" spc="-1" dirty="0" smtClean="0">
-                <a:solidFill>
-                  <a:srgbClr val="464547"/>
-                </a:solidFill>
-                <a:uFill>
-                  <a:solidFill>
-                    <a:srgbClr val="FFFFFF"/>
-                  </a:solidFill>
-                </a:uFill>
-                <a:latin typeface="Trebuchet MS"/>
-              </a:rPr>
-              <a:t>Define an error function </a:t>
-            </a:r>
-          </a:p>
-          <a:p>
-            <a:pPr marL="285840" indent="-285120">
-              <a:lnSpc>
-                <a:spcPct val="100000"/>
-              </a:lnSpc>
-              <a:buClr>
-                <a:srgbClr val="39C2D7"/>
-              </a:buClr>
-              <a:buFont typeface="Arial"/>
-              <a:buChar char="•"/>
-            </a:pPr>
-            <a:endParaRPr lang="en-IN" sz="1600" spc="-1" dirty="0">
-              <a:solidFill>
-                <a:srgbClr val="464547"/>
-              </a:solidFill>
-              <a:uFill>
-                <a:solidFill>
-                  <a:srgbClr val="FFFFFF"/>
-                </a:solidFill>
-              </a:uFill>
-              <a:latin typeface="Trebuchet MS"/>
-            </a:endParaRPr>
-          </a:p>
-          <a:p>
-            <a:pPr marL="285840" indent="-285120">
-              <a:lnSpc>
-                <a:spcPct val="100000"/>
-              </a:lnSpc>
-              <a:buClr>
-                <a:srgbClr val="39C2D7"/>
-              </a:buClr>
-              <a:buFont typeface="Arial"/>
-              <a:buChar char="•"/>
-            </a:pPr>
-            <a:endParaRPr lang="en-IN" sz="1600" b="0" strike="noStrike" spc="-1" dirty="0" smtClean="0">
-              <a:solidFill>
-                <a:srgbClr val="464547"/>
-              </a:solidFill>
-              <a:uFill>
-                <a:solidFill>
-                  <a:srgbClr val="FFFFFF"/>
-                </a:solidFill>
-              </a:uFill>
-              <a:latin typeface="Trebuchet MS"/>
-            </a:endParaRPr>
-          </a:p>
-          <a:p>
-            <a:pPr marL="285840" indent="-285120">
-              <a:lnSpc>
-                <a:spcPct val="100000"/>
-              </a:lnSpc>
-              <a:buClr>
-                <a:srgbClr val="39C2D7"/>
-              </a:buClr>
-              <a:buFont typeface="Arial"/>
-              <a:buChar char="•"/>
-            </a:pPr>
-            <a:endParaRPr lang="en-IN" sz="1600" spc="-1" dirty="0">
-              <a:solidFill>
-                <a:srgbClr val="464547"/>
-              </a:solidFill>
-              <a:uFill>
-                <a:solidFill>
-                  <a:srgbClr val="FFFFFF"/>
-                </a:solidFill>
-              </a:uFill>
-              <a:latin typeface="Trebuchet MS"/>
-            </a:endParaRPr>
-          </a:p>
-          <a:p>
-            <a:pPr marL="285840" indent="-285120">
-              <a:lnSpc>
-                <a:spcPct val="100000"/>
-              </a:lnSpc>
-              <a:buClr>
-                <a:srgbClr val="39C2D7"/>
-              </a:buClr>
-              <a:buFont typeface="Arial"/>
-              <a:buChar char="•"/>
-            </a:pPr>
-            <a:endParaRPr lang="en-IN" sz="1600" b="0" strike="noStrike" spc="-1" dirty="0" smtClean="0">
-              <a:solidFill>
-                <a:srgbClr val="464547"/>
-              </a:solidFill>
-              <a:uFill>
-                <a:solidFill>
-                  <a:srgbClr val="FFFFFF"/>
-                </a:solidFill>
-              </a:uFill>
-              <a:latin typeface="Trebuchet MS"/>
-            </a:endParaRPr>
-          </a:p>
-          <a:p>
-            <a:pPr marL="285840" indent="-285120">
-              <a:lnSpc>
-                <a:spcPct val="100000"/>
-              </a:lnSpc>
-              <a:buClr>
-                <a:srgbClr val="39C2D7"/>
-              </a:buClr>
-              <a:buFont typeface="Arial"/>
-              <a:buChar char="•"/>
-            </a:pPr>
-            <a:endParaRPr lang="en-IN" sz="1600" spc="-1" dirty="0">
-              <a:solidFill>
-                <a:srgbClr val="464547"/>
-              </a:solidFill>
-              <a:uFill>
-                <a:solidFill>
-                  <a:srgbClr val="FFFFFF"/>
-                </a:solidFill>
-              </a:uFill>
-              <a:latin typeface="Trebuchet MS"/>
-            </a:endParaRPr>
-          </a:p>
-          <a:p>
-            <a:pPr marL="285840" indent="-285120">
-              <a:lnSpc>
-                <a:spcPct val="100000"/>
-              </a:lnSpc>
-              <a:buClr>
-                <a:srgbClr val="39C2D7"/>
-              </a:buClr>
-              <a:buFont typeface="Arial"/>
-              <a:buChar char="•"/>
-            </a:pPr>
-            <a:endParaRPr lang="en-IN" sz="1600" b="0" strike="noStrike" spc="-1" dirty="0" smtClean="0">
-              <a:solidFill>
-                <a:srgbClr val="464547"/>
-              </a:solidFill>
-              <a:uFill>
-                <a:solidFill>
-                  <a:srgbClr val="FFFFFF"/>
-                </a:solidFill>
-              </a:uFill>
-              <a:latin typeface="Trebuchet MS"/>
-            </a:endParaRPr>
-          </a:p>
-          <a:p>
-            <a:pPr marL="285840" indent="-285120">
-              <a:lnSpc>
-                <a:spcPct val="100000"/>
-              </a:lnSpc>
-              <a:buClr>
-                <a:srgbClr val="39C2D7"/>
-              </a:buClr>
-              <a:buFont typeface="Arial"/>
-              <a:buChar char="•"/>
-            </a:pPr>
-            <a:r>
-              <a:rPr lang="en-IN" sz="1600" spc="-1" dirty="0" smtClean="0">
-                <a:solidFill>
-                  <a:srgbClr val="464547"/>
-                </a:solidFill>
-                <a:uFill>
-                  <a:solidFill>
-                    <a:srgbClr val="FFFFFF"/>
-                  </a:solidFill>
-                </a:uFill>
-                <a:latin typeface="Trebuchet MS"/>
-              </a:rPr>
-              <a:t>Minimize the error function</a:t>
-            </a:r>
-            <a:endParaRPr lang="en-IN" sz="1600" b="0" strike="noStrike" spc="-1" dirty="0" smtClean="0">
-              <a:solidFill>
-                <a:srgbClr val="464547"/>
-              </a:solidFill>
-              <a:uFill>
-                <a:solidFill>
-                  <a:srgbClr val="FFFFFF"/>
-                </a:solidFill>
-              </a:uFill>
-              <a:latin typeface="Trebuchet MS"/>
-            </a:endParaRPr>
-          </a:p>
-          <a:p>
-            <a:pPr marL="720">
-              <a:lnSpc>
-                <a:spcPct val="100000"/>
-              </a:lnSpc>
-              <a:buClr>
-                <a:srgbClr val="39C2D7"/>
-              </a:buClr>
-            </a:pPr>
-            <a:endParaRPr lang="en-IN" sz="1800" b="0" strike="noStrike" spc="-1" dirty="0">
-              <a:solidFill>
-                <a:srgbClr val="000000"/>
-              </a:solidFill>
-              <a:uFill>
-                <a:solidFill>
-                  <a:srgbClr val="FFFFFF"/>
-                </a:solidFill>
-              </a:uFill>
-              <a:latin typeface="Arial"/>
-            </a:endParaRPr>
-          </a:p>
-        </p:txBody>
-      </p:sp>
       <p:pic>
         <p:nvPicPr>
-          <p:cNvPr id="5" name="Picture 4"/>
-          <p:cNvPicPr>
-            <a:picLocks noChangeAspect="1"/>
-          </p:cNvPicPr>
-          <p:nvPr/>
-        </p:nvPicPr>
-        <p:blipFill>
-          <a:blip r:embed="rId2">
-            <a:extLst>
-              <a:ext uri="{28A0092B-C50C-407E-A947-70E740481C1C}">
-                <a14:useLocalDpi xmlns:a14="http://schemas.microsoft.com/office/drawing/2010/main" val="0"/>
-              </a:ext>
-            </a:extLst>
-          </a:blip>
-          <a:stretch>
-            <a:fillRect/>
-          </a:stretch>
-        </p:blipFill>
-        <p:spPr>
-          <a:xfrm>
-            <a:off x="2062162" y="1233487"/>
-            <a:ext cx="3914775" cy="1171575"/>
-          </a:xfrm>
-          <a:prstGeom prst="rect">
-            <a:avLst/>
-          </a:prstGeom>
-        </p:spPr>
-      </p:pic>
-      <p:pic>
-        <p:nvPicPr>
-          <p:cNvPr id="6" name="Picture 5" descr="&lt;strong&gt;Question&lt;/strong&gt; Mark Free Stock Photo - Public Domain Pictures"/>
-          <p:cNvPicPr>
-            <a:picLocks noChangeAspect="1"/>
-          </p:cNvPicPr>
-          <p:nvPr/>
-        </p:nvPicPr>
-        <p:blipFill>
-          <a:blip r:embed="rId3" cstate="print">
-            <a:extLst>
-              <a:ext uri="{28A0092B-C50C-407E-A947-70E740481C1C}">
-                <a14:useLocalDpi xmlns:a14="http://schemas.microsoft.com/office/drawing/2010/main" val="0"/>
-              </a:ext>
-            </a:extLst>
-          </a:blip>
-          <a:stretch>
-            <a:fillRect/>
-          </a:stretch>
-        </p:blipFill>
-        <p:spPr>
-          <a:xfrm>
-            <a:off x="3253085" y="3228975"/>
-            <a:ext cx="1314152" cy="985080"/>
-          </a:xfrm>
-          <a:prstGeom prst="rect">
-            <a:avLst/>
-          </a:prstGeom>
-        </p:spPr>
-      </p:pic>
-      <p:sp>
-        <p:nvSpPr>
-          <p:cNvPr id="7" name="CustomShape 1"/>
-          <p:cNvSpPr/>
-          <p:nvPr/>
-        </p:nvSpPr>
-        <p:spPr>
-          <a:xfrm>
-            <a:off x="0" y="0"/>
-            <a:ext cx="9143280" cy="932040"/>
-          </a:xfrm>
-          <a:prstGeom prst="rect">
-            <a:avLst/>
-          </a:prstGeom>
-          <a:solidFill>
-            <a:srgbClr val="FFFFFF"/>
-          </a:solidFill>
-          <a:ln>
-            <a:noFill/>
-          </a:ln>
-        </p:spPr>
-        <p:style>
-          <a:lnRef idx="0">
-            <a:scrgbClr r="0" g="0" b="0"/>
-          </a:lnRef>
-          <a:fillRef idx="0">
-            <a:scrgbClr r="0" g="0" b="0"/>
-          </a:fillRef>
-          <a:effectRef idx="0">
-            <a:scrgbClr r="0" g="0" b="0"/>
-          </a:effectRef>
-          <a:fontRef idx="minor"/>
-        </p:style>
-        <p:txBody>
-          <a:bodyPr lIns="365760" tIns="45000" rIns="90000" bIns="45000" anchor="ctr"/>
-          <a:lstStyle/>
-          <a:p>
-            <a:pPr>
-              <a:lnSpc>
-                <a:spcPct val="100000"/>
-              </a:lnSpc>
-            </a:pPr>
-            <a:r>
-              <a:rPr lang="en-IN" sz="2600" spc="-1" dirty="0" smtClean="0">
-                <a:solidFill>
-                  <a:srgbClr val="464547"/>
-                </a:solidFill>
-                <a:uFill>
-                  <a:solidFill>
-                    <a:srgbClr val="FFFFFF"/>
-                  </a:solidFill>
-                </a:uFill>
-                <a:latin typeface="Arial Black"/>
-              </a:rPr>
-              <a:t>Model and Error</a:t>
-            </a:r>
-            <a:endParaRPr lang="en-IN" sz="1800" b="0" strike="noStrike" spc="-1" dirty="0">
-              <a:solidFill>
-                <a:srgbClr val="000000"/>
-              </a:solidFill>
-              <a:uFill>
-                <a:solidFill>
-                  <a:srgbClr val="FFFFFF"/>
-                </a:solidFill>
-              </a:uFill>
-              <a:latin typeface="Arial"/>
-            </a:endParaRPr>
-          </a:p>
-        </p:txBody>
-      </p:sp>
-    </p:spTree>
-    <p:extLst>
-      <p:ext uri="{BB962C8B-B14F-4D97-AF65-F5344CB8AC3E}">
-        <p14:creationId xmlns:p14="http://schemas.microsoft.com/office/powerpoint/2010/main" val="1760043567"/>
-      </p:ext>
-    </p:extLst>
-  </p:cSld>
-  <p:clrMapOvr>
-    <a:masterClrMapping/>
-  </p:clrMapOvr>
-  <p:timing>
-    <p:tnLst>
-      <p:par>
-        <p:cTn id="1" dur="indefinite" restart="never" nodeType="tmRoot"/>
-      </p:par>
-    </p:tnLst>
-  </p:timing>
-</p:sld>
-</file>
-
-<file path=ppt/slides/slide12.xml><?xml version="1.0" encoding="utf-8"?>
-<p:sld xmlns:a="http://schemas.openxmlformats.org/drawingml/2006/main" xmlns:r="http://schemas.openxmlformats.org/officeDocument/2006/relationships" xmlns:p="http://schemas.openxmlformats.org/presentationml/2006/main">
-  <p:cSld>
-    <p:spTree>
-      <p:nvGrpSpPr>
-        <p:cNvPr id="1" name=""/>
-        <p:cNvGrpSpPr/>
-        <p:nvPr/>
-      </p:nvGrpSpPr>
-      <p:grpSpPr>
-        <a:xfrm>
-          <a:off x="0" y="0"/>
-          <a:ext cx="0" cy="0"/>
-          <a:chOff x="0" y="0"/>
-          <a:chExt cx="0" cy="0"/>
-        </a:xfrm>
-      </p:grpSpPr>
-      <p:sp>
-        <p:nvSpPr>
-          <p:cNvPr id="383" name="CustomShape 1"/>
-          <p:cNvSpPr/>
-          <p:nvPr/>
-        </p:nvSpPr>
-        <p:spPr>
-          <a:xfrm>
-            <a:off x="0" y="0"/>
-            <a:ext cx="9143280" cy="932040"/>
-          </a:xfrm>
-          <a:prstGeom prst="rect">
-            <a:avLst/>
-          </a:prstGeom>
-          <a:solidFill>
-            <a:srgbClr val="FFFFFF"/>
-          </a:solidFill>
-          <a:ln>
-            <a:noFill/>
-          </a:ln>
-        </p:spPr>
-        <p:style>
-          <a:lnRef idx="0">
-            <a:scrgbClr r="0" g="0" b="0"/>
-          </a:lnRef>
-          <a:fillRef idx="0">
-            <a:scrgbClr r="0" g="0" b="0"/>
-          </a:fillRef>
-          <a:effectRef idx="0">
-            <a:scrgbClr r="0" g="0" b="0"/>
-          </a:effectRef>
-          <a:fontRef idx="minor"/>
-        </p:style>
-        <p:txBody>
-          <a:bodyPr lIns="365760" tIns="45000" rIns="90000" bIns="45000" anchor="ctr"/>
-          <a:lstStyle/>
-          <a:p>
-            <a:pPr>
-              <a:lnSpc>
-                <a:spcPct val="100000"/>
-              </a:lnSpc>
-            </a:pPr>
-            <a:r>
-              <a:rPr lang="en-IN" sz="2600" b="0" strike="noStrike" spc="-1">
-                <a:solidFill>
-                  <a:srgbClr val="464547"/>
-                </a:solidFill>
-                <a:uFill>
-                  <a:solidFill>
-                    <a:srgbClr val="FFFFFF"/>
-                  </a:solidFill>
-                </a:uFill>
-                <a:latin typeface="Arial Black"/>
-              </a:rPr>
-              <a:t>Gradient Descent</a:t>
-            </a:r>
-            <a:endParaRPr lang="en-IN" sz="1800" b="0" strike="noStrike" spc="-1">
-              <a:solidFill>
-                <a:srgbClr val="000000"/>
-              </a:solidFill>
-              <a:uFill>
-                <a:solidFill>
-                  <a:srgbClr val="FFFFFF"/>
-                </a:solidFill>
-              </a:uFill>
-              <a:latin typeface="Arial"/>
-            </a:endParaRPr>
-          </a:p>
-        </p:txBody>
-      </p:sp>
-      <p:pic>
-        <p:nvPicPr>
-          <p:cNvPr id="2" name="Picture 1"/>
+          <p:cNvPr id="3" name="Picture 2"/>
           <p:cNvPicPr>
             <a:picLocks noChangeAspect="1"/>
           </p:cNvPicPr>
@@ -21217,8 +20304,8 @@
         </p:blipFill>
         <p:spPr>
           <a:xfrm>
-            <a:off x="1236179" y="2486759"/>
-            <a:ext cx="5124450" cy="3467100"/>
+            <a:off x="1963531" y="3365993"/>
+            <a:ext cx="4491542" cy="2752725"/>
           </a:xfrm>
           <a:prstGeom prst="rect">
             <a:avLst/>
@@ -21227,19 +20314,21 @@
       </p:pic>
       <p:sp>
         <p:nvSpPr>
-          <p:cNvPr id="4" name="CustomShape 3"/>
+          <p:cNvPr id="382" name="CustomShape 1"/>
           <p:cNvSpPr/>
           <p:nvPr/>
         </p:nvSpPr>
         <p:spPr>
           <a:xfrm>
-            <a:off x="356580" y="837803"/>
-            <a:ext cx="8430120" cy="4571280"/>
-          </a:xfrm>
-          <a:prstGeom prst="rect">
-            <a:avLst/>
-          </a:prstGeom>
-          <a:noFill/>
+            <a:off x="0" y="0"/>
+            <a:ext cx="9143280" cy="932040"/>
+          </a:xfrm>
+          <a:prstGeom prst="rect">
+            <a:avLst/>
+          </a:prstGeom>
+          <a:solidFill>
+            <a:srgbClr val="FFFFFF"/>
+          </a:solidFill>
           <a:ln>
             <a:noFill/>
           </a:ln>
@@ -21257,6 +20346,74 @@
           <a:fontRef idx="minor"/>
         </p:style>
         <p:txBody>
+          <a:bodyPr lIns="365760" tIns="45000" rIns="90000" bIns="45000" anchor="ctr"/>
+          <a:lstStyle/>
+          <a:p>
+            <a:pPr>
+              <a:lnSpc>
+                <a:spcPct val="100000"/>
+              </a:lnSpc>
+            </a:pPr>
+            <a:r>
+              <a:rPr lang="en-IN" sz="2600" b="0" strike="noStrike" spc="-1">
+                <a:solidFill>
+                  <a:srgbClr val="464547"/>
+                </a:solidFill>
+                <a:uFill>
+                  <a:solidFill>
+                    <a:srgbClr val="FFFFFF"/>
+                  </a:solidFill>
+                </a:uFill>
+                <a:latin typeface="Arial Black"/>
+              </a:rPr>
+              <a:t>Linear Regression</a:t>
+            </a:r>
+            <a:endParaRPr lang="en-IN" sz="1800" b="0" strike="noStrike" spc="-1">
+              <a:solidFill>
+                <a:srgbClr val="000000"/>
+              </a:solidFill>
+              <a:uFill>
+                <a:solidFill>
+                  <a:srgbClr val="FFFFFF"/>
+                </a:solidFill>
+              </a:uFill>
+              <a:latin typeface="Arial"/>
+            </a:endParaRPr>
+          </a:p>
+        </p:txBody>
+      </p:sp>
+      <p:sp>
+        <p:nvSpPr>
+          <p:cNvPr id="4" name="CustomShape 3"/>
+          <p:cNvSpPr/>
+          <p:nvPr/>
+        </p:nvSpPr>
+        <p:spPr>
+          <a:xfrm>
+            <a:off x="356580" y="820218"/>
+            <a:ext cx="8430120" cy="4571280"/>
+          </a:xfrm>
+          <a:prstGeom prst="rect">
+            <a:avLst/>
+          </a:prstGeom>
+          <a:noFill/>
+          <a:ln>
+            <a:noFill/>
+          </a:ln>
+        </p:spPr>
+        <p:style>
+          <a:lnRef idx="0">
+            <a:scrgbClr r="0" g="0" b="0"/>
+          </a:lnRef>
+          <a:fillRef idx="0">
+            <a:scrgbClr r="0" g="0" b="0"/>
+          </a:fillRef>
+          <a:effectRef idx="0">
+            <a:scrgbClr r="0" g="0" b="0"/>
+          </a:effectRef>
+          <a:fontRef idx="minor"/>
+        </p:style>
+        <p:txBody>
           <a:bodyPr lIns="90000" tIns="45000" rIns="90000" bIns="45000"/>
           <a:lstStyle/>
           <a:p>
@@ -21271,156 +20428,19 @@
               <a:buChar char="•"/>
             </a:pPr>
             <a:r>
-              <a:rPr lang="en-IN" sz="1600" b="0" strike="noStrike" spc="-1" dirty="0" smtClean="0">
-                <a:solidFill>
-                  <a:srgbClr val="464547"/>
+              <a:rPr lang="en-IN" spc="-1" dirty="0" smtClean="0">
+                <a:solidFill>
+                  <a:srgbClr val="000000"/>
                 </a:solidFill>
                 <a:uFill>
                   <a:solidFill>
                     <a:srgbClr val="FFFFFF"/>
                   </a:solidFill>
                 </a:uFill>
-                <a:latin typeface="Trebuchet MS"/>
+                <a:latin typeface="Arial"/>
               </a:rPr>
-              <a:t>Let’s plot cost(C) vs parameters(P)</a:t>
+              <a:t>Assumptions:</a:t>
             </a:r>
-          </a:p>
-          <a:p>
-            <a:pPr marL="285840" indent="-285120">
-              <a:lnSpc>
-                <a:spcPct val="100000"/>
-              </a:lnSpc>
-              <a:buClr>
-                <a:srgbClr val="39C2D7"/>
-              </a:buClr>
-              <a:buFont typeface="Arial"/>
-              <a:buChar char="•"/>
-            </a:pPr>
-            <a:endParaRPr lang="en-IN" sz="1600" b="0" strike="noStrike" spc="-1" dirty="0" smtClean="0">
-              <a:solidFill>
-                <a:srgbClr val="464547"/>
-              </a:solidFill>
-              <a:uFill>
-                <a:solidFill>
-                  <a:srgbClr val="FFFFFF"/>
-                </a:solidFill>
-              </a:uFill>
-              <a:latin typeface="Trebuchet MS"/>
-            </a:endParaRPr>
-          </a:p>
-          <a:p>
-            <a:pPr marL="285840" indent="-285120">
-              <a:lnSpc>
-                <a:spcPct val="100000"/>
-              </a:lnSpc>
-              <a:buClr>
-                <a:srgbClr val="39C2D7"/>
-              </a:buClr>
-              <a:buFont typeface="Arial"/>
-              <a:buChar char="•"/>
-            </a:pPr>
-            <a:r>
-              <a:rPr lang="en-IN" sz="1600" spc="-1" dirty="0" smtClean="0">
-                <a:solidFill>
-                  <a:srgbClr val="464547"/>
-                </a:solidFill>
-                <a:uFill>
-                  <a:solidFill>
-                    <a:srgbClr val="FFFFFF"/>
-                  </a:solidFill>
-                </a:uFill>
-                <a:latin typeface="Trebuchet MS"/>
-              </a:rPr>
-              <a:t>Change parameter values that minimize cost</a:t>
-            </a:r>
-          </a:p>
-          <a:p>
-            <a:pPr marL="285840" indent="-285120">
-              <a:lnSpc>
-                <a:spcPct val="100000"/>
-              </a:lnSpc>
-              <a:buClr>
-                <a:srgbClr val="39C2D7"/>
-              </a:buClr>
-              <a:buFont typeface="Arial"/>
-              <a:buChar char="•"/>
-            </a:pPr>
-            <a:endParaRPr lang="en-IN" sz="1600" spc="-1" dirty="0" smtClean="0">
-              <a:solidFill>
-                <a:srgbClr val="464547"/>
-              </a:solidFill>
-              <a:uFill>
-                <a:solidFill>
-                  <a:srgbClr val="FFFFFF"/>
-                </a:solidFill>
-              </a:uFill>
-              <a:latin typeface="Trebuchet MS"/>
-            </a:endParaRPr>
-          </a:p>
-          <a:p>
-            <a:pPr marL="285840" indent="-285120">
-              <a:lnSpc>
-                <a:spcPct val="100000"/>
-              </a:lnSpc>
-              <a:buClr>
-                <a:srgbClr val="39C2D7"/>
-              </a:buClr>
-              <a:buFont typeface="Arial"/>
-              <a:buChar char="•"/>
-            </a:pPr>
-            <a:r>
-              <a:rPr lang="en-IN" sz="1600" spc="-1" dirty="0" smtClean="0">
-                <a:solidFill>
-                  <a:srgbClr val="464547"/>
-                </a:solidFill>
-                <a:uFill>
-                  <a:solidFill>
-                    <a:srgbClr val="FFFFFF"/>
-                  </a:solidFill>
-                </a:uFill>
-                <a:latin typeface="Trebuchet MS"/>
-              </a:rPr>
-              <a:t>Simple setting </a:t>
-            </a:r>
-            <a:r>
-              <a:rPr lang="en-IN" sz="1600" spc="-1" dirty="0" smtClean="0">
-                <a:solidFill>
-                  <a:srgbClr val="464547"/>
-                </a:solidFill>
-                <a:uFill>
-                  <a:solidFill>
-                    <a:srgbClr val="FFFFFF"/>
-                  </a:solidFill>
-                </a:uFill>
-                <a:latin typeface="Trebuchet MS"/>
-                <a:sym typeface="Wingdings" panose="05000000000000000000" pitchFamily="2" charset="2"/>
-              </a:rPr>
-              <a:t> convex function</a:t>
-            </a:r>
-          </a:p>
-          <a:p>
-            <a:pPr marL="285840" indent="-285120">
-              <a:lnSpc>
-                <a:spcPct val="100000"/>
-              </a:lnSpc>
-              <a:buClr>
-                <a:srgbClr val="39C2D7"/>
-              </a:buClr>
-              <a:buFont typeface="Arial"/>
-              <a:buChar char="•"/>
-            </a:pPr>
-            <a:endParaRPr lang="en-IN" sz="1600" spc="-1" dirty="0" smtClean="0">
-              <a:solidFill>
-                <a:srgbClr val="464547"/>
-              </a:solidFill>
-              <a:uFill>
-                <a:solidFill>
-                  <a:srgbClr val="FFFFFF"/>
-                </a:solidFill>
-              </a:uFill>
-              <a:latin typeface="Trebuchet MS"/>
-              <a:sym typeface="Wingdings" panose="05000000000000000000" pitchFamily="2" charset="2"/>
-            </a:endParaRPr>
           </a:p>
           <a:p>
             <a:pPr marL="720">
@@ -21431,86 +20451,198 @@
                 <a:srgbClr val="39C2D7"/>
               </a:buClr>
             </a:pPr>
-            <a:endParaRPr lang="en-IN" sz="1800" b="0" strike="noStrike" spc="-1" dirty="0">
-              <a:solidFill>
-                <a:srgbClr val="000000"/>
-              </a:solidFill>
-              <a:uFill>
-                <a:solidFill>
-                  <a:srgbClr val="FFFFFF"/>
-                </a:solidFill>
-              </a:uFill>
-              <a:latin typeface="Arial"/>
-            </a:endParaRPr>
-          </a:p>
-        </p:txBody>
-      </p:sp>
-      <p:sp>
-        <p:nvSpPr>
-          <p:cNvPr id="3" name="TextBox 2"/>
-          <p:cNvSpPr txBox="1"/>
-          <p:nvPr/>
-        </p:nvSpPr>
-        <p:spPr>
-          <a:xfrm>
-            <a:off x="3767759" y="2616563"/>
-            <a:ext cx="395652" cy="369332"/>
-          </a:xfrm>
-          <a:prstGeom prst="rect">
-            <a:avLst/>
-          </a:prstGeom>
-          <a:noFill/>
-        </p:spPr>
-        <p:txBody>
-          <a:bodyPr wrap="square" rtlCol="0">
-            <a:spAutoFit/>
-          </a:bodyPr>
-          <a:lstStyle/>
-          <a:p>
             <a:r>
-              <a:rPr lang="en-US" dirty="0" smtClean="0"/>
-              <a:t>C</a:t>
+              <a:rPr lang="en-IN" spc="-1" dirty="0" smtClean="0">
+                <a:solidFill>
+                  <a:srgbClr val="000000"/>
+                </a:solidFill>
+                <a:uFill>
+                  <a:solidFill>
+                    <a:srgbClr val="FFFFFF"/>
+                  </a:solidFill>
+                </a:uFill>
+                <a:latin typeface="Arial"/>
+              </a:rPr>
+              <a:t>	Input: </a:t>
             </a:r>
-            <a:endParaRPr lang="en-US" dirty="0"/>
-          </a:p>
-        </p:txBody>
-      </p:sp>
-      <p:sp>
-        <p:nvSpPr>
-          <p:cNvPr id="6" name="TextBox 5"/>
-          <p:cNvSpPr txBox="1"/>
-          <p:nvPr/>
-        </p:nvSpPr>
-        <p:spPr>
-          <a:xfrm>
-            <a:off x="5604492" y="3949184"/>
-            <a:ext cx="395652" cy="369332"/>
-          </a:xfrm>
-          <a:prstGeom prst="rect">
-            <a:avLst/>
-          </a:prstGeom>
-          <a:noFill/>
-        </p:spPr>
-        <p:txBody>
-          <a:bodyPr wrap="square" rtlCol="0">
-            <a:spAutoFit/>
-          </a:bodyPr>
-          <a:lstStyle/>
-          <a:p>
+          </a:p>
+          <a:p>
+            <a:pPr marL="720">
+              <a:lnSpc>
+                <a:spcPct val="100000"/>
+              </a:lnSpc>
+              <a:buClr>
+                <a:srgbClr val="39C2D7"/>
+              </a:buClr>
+            </a:pPr>
             <a:r>
-              <a:rPr lang="en-US" dirty="0" smtClean="0"/>
-              <a:t>P</a:t>
+              <a:rPr lang="en-IN" spc="-1" dirty="0">
+                <a:solidFill>
+                  <a:srgbClr val="000000"/>
+                </a:solidFill>
+                <a:uFill>
+                  <a:solidFill>
+                    <a:srgbClr val="FFFFFF"/>
+                  </a:solidFill>
+                </a:uFill>
+                <a:latin typeface="Arial"/>
+              </a:rPr>
+              <a:t>	</a:t>
             </a:r>
-            <a:endParaRPr lang="en-US" dirty="0"/>
+            <a:r>
+              <a:rPr lang="en-IN" spc="-1" dirty="0" smtClean="0">
+                <a:solidFill>
+                  <a:srgbClr val="000000"/>
+                </a:solidFill>
+                <a:uFill>
+                  <a:solidFill>
+                    <a:srgbClr val="FFFFFF"/>
+                  </a:solidFill>
+                </a:uFill>
+                <a:latin typeface="Arial"/>
+              </a:rPr>
+              <a:t>	sq. feet of home</a:t>
+            </a:r>
+          </a:p>
+          <a:p>
+            <a:pPr marL="720">
+              <a:lnSpc>
+                <a:spcPct val="100000"/>
+              </a:lnSpc>
+              <a:buClr>
+                <a:srgbClr val="39C2D7"/>
+              </a:buClr>
+            </a:pPr>
+            <a:r>
+              <a:rPr lang="en-IN" sz="1800" b="0" strike="noStrike" spc="-1" dirty="0" smtClean="0">
+                <a:solidFill>
+                  <a:srgbClr val="000000"/>
+                </a:solidFill>
+                <a:uFill>
+                  <a:solidFill>
+                    <a:srgbClr val="FFFFFF"/>
+                  </a:solidFill>
+                </a:uFill>
+                <a:latin typeface="Arial"/>
+              </a:rPr>
+              <a:t>	Output: </a:t>
+            </a:r>
+          </a:p>
+          <a:p>
+            <a:pPr marL="720">
+              <a:lnSpc>
+                <a:spcPct val="100000"/>
+              </a:lnSpc>
+              <a:buClr>
+                <a:srgbClr val="39C2D7"/>
+              </a:buClr>
+            </a:pPr>
+            <a:r>
+              <a:rPr lang="en-IN" spc="-1" dirty="0">
+                <a:solidFill>
+                  <a:srgbClr val="000000"/>
+                </a:solidFill>
+                <a:uFill>
+                  <a:solidFill>
+                    <a:srgbClr val="FFFFFF"/>
+                  </a:solidFill>
+                </a:uFill>
+                <a:latin typeface="Arial"/>
+              </a:rPr>
+              <a:t>	</a:t>
+            </a:r>
+            <a:r>
+              <a:rPr lang="en-IN" spc="-1" dirty="0" smtClean="0">
+                <a:solidFill>
+                  <a:srgbClr val="000000"/>
+                </a:solidFill>
+                <a:uFill>
+                  <a:solidFill>
+                    <a:srgbClr val="FFFFFF"/>
+                  </a:solidFill>
+                </a:uFill>
+                <a:latin typeface="Arial"/>
+              </a:rPr>
+              <a:t>	</a:t>
+            </a:r>
+            <a:r>
+              <a:rPr lang="en-IN" sz="1800" b="0" strike="noStrike" spc="-1" dirty="0" smtClean="0">
+                <a:solidFill>
+                  <a:srgbClr val="000000"/>
+                </a:solidFill>
+                <a:uFill>
+                  <a:solidFill>
+                    <a:srgbClr val="FFFFFF"/>
+                  </a:solidFill>
+                </a:uFill>
+                <a:latin typeface="Arial"/>
+              </a:rPr>
+              <a:t>expected price</a:t>
+            </a:r>
+          </a:p>
+          <a:p>
+            <a:pPr marL="720">
+              <a:lnSpc>
+                <a:spcPct val="100000"/>
+              </a:lnSpc>
+              <a:buClr>
+                <a:srgbClr val="39C2D7"/>
+              </a:buClr>
+            </a:pPr>
+            <a:endParaRPr lang="en-IN" sz="1800" b="0" strike="noStrike" spc="-1" dirty="0" smtClean="0">
+              <a:solidFill>
+                <a:srgbClr val="000000"/>
+              </a:solidFill>
+              <a:uFill>
+                <a:solidFill>
+                  <a:srgbClr val="FFFFFF"/>
+                </a:solidFill>
+              </a:uFill>
+              <a:latin typeface="Arial"/>
+            </a:endParaRPr>
+          </a:p>
+          <a:p>
+            <a:pPr marL="915120" lvl="2">
+              <a:buClr>
+                <a:srgbClr val="39C2D7"/>
+              </a:buClr>
+            </a:pPr>
+            <a:r>
+              <a:rPr lang="en-IN" spc="-1" dirty="0" smtClean="0">
+                <a:solidFill>
+                  <a:srgbClr val="000000"/>
+                </a:solidFill>
+                <a:uFill>
+                  <a:solidFill>
+                    <a:srgbClr val="FFFFFF"/>
+                  </a:solidFill>
+                </a:uFill>
+                <a:latin typeface="Arial"/>
+              </a:rPr>
+              <a:t>Existing data shows some linear relationship</a:t>
+            </a:r>
+          </a:p>
+          <a:p>
+            <a:pPr marL="915120" lvl="2">
+              <a:buClr>
+                <a:srgbClr val="39C2D7"/>
+              </a:buClr>
+            </a:pPr>
+            <a:endParaRPr lang="en-IN" spc="-1" dirty="0">
+              <a:solidFill>
+                <a:srgbClr val="000000"/>
+              </a:solidFill>
+              <a:uFill>
+                <a:solidFill>
+                  <a:srgbClr val="FFFFFF"/>
+                </a:solidFill>
+              </a:uFill>
+              <a:latin typeface="Arial"/>
+            </a:endParaRPr>
           </a:p>
         </p:txBody>
       </p:sp>
     </p:spTree>
-    <p:extLst>
-      <p:ext uri="{BB962C8B-B14F-4D97-AF65-F5344CB8AC3E}">
-        <p14:creationId xmlns:p14="http://schemas.microsoft.com/office/powerpoint/2010/main" val="716919585"/>
-      </p:ext>
-    </p:extLst>
   </p:cSld>
   <p:clrMapOvr>
     <a:masterClrMapping/>
@@ -21545,7 +20677,7 @@
 </p:sld>
 </file>
 
-<file path=ppt/slides/slide13.xml><?xml version="1.0" encoding="utf-8"?>
+<file path=ppt/slides/slide11.xml><?xml version="1.0" encoding="utf-8"?>
 <p:sld xmlns:a="http://schemas.openxmlformats.org/drawingml/2006/main" xmlns:r="http://schemas.openxmlformats.org/officeDocument/2006/relationships" xmlns:p="http://schemas.openxmlformats.org/presentationml/2006/main">
   <p:cSld>
     <p:spTree>
@@ -21564,7 +20696,7 @@
       </p:grpSpPr>
       <p:sp>
         <p:nvSpPr>
-          <p:cNvPr id="383" name="CustomShape 1"/>
+          <p:cNvPr id="4" name="CustomShape 1"/>
           <p:cNvSpPr/>
           <p:nvPr/>
         </p:nvSpPr>
@@ -21616,7 +20748,7 @@
                 </a:uFill>
                 <a:latin typeface="Arial Black"/>
               </a:rPr>
-              <a:t>Gradient Descent</a:t>
+              <a:t>Linear Regression</a:t>
             </a:r>
             <a:endParaRPr lang="en-IN" sz="1800" b="0" strike="noStrike" spc="-1">
               <a:solidFill>
@@ -21632,288 +20764,36 @@
           </a:p>
         </p:txBody>
       </p:sp>
-      <p:sp>
-        <p:nvSpPr>
-          <p:cNvPr id="4" name="CustomShape 3"/>
-          <p:cNvSpPr/>
+      <p:pic>
+        <p:nvPicPr>
+          <p:cNvPr id="6" name="Picture 5"/>
+          <p:cNvPicPr>
+            <a:picLocks noChangeAspect="1"/>
+          </p:cNvPicPr>
           <p:nvPr/>
-        </p:nvSpPr>
-        <p:spPr>
-          <a:xfrm>
-            <a:off x="356580" y="837803"/>
-            <a:ext cx="8430120" cy="4571280"/>
-          </a:xfrm>
-          <a:prstGeom prst="rect">
-            <a:avLst/>
-          </a:prstGeom>
-          <a:noFill/>
-          <a:ln>
-            <a:noFill/>
-          </a:ln>
-        </p:spPr>
-        <p:style>
-          <a:lnRef idx="0">
-            <a:scrgbClr r="0" g="0" b="0"/>
-          </a:lnRef>
-          <a:fillRef idx="0">
-            <a:scrgbClr r="0" g="0" b="0"/>
-          </a:fillRef>
-          <a:effectRef idx="0">
-            <a:scrgbClr r="0" g="0" b="0"/>
-          </a:effectRef>
-          <a:fontRef idx="minor"/>
-        </p:style>
-        <p:txBody>
-          <a:bodyPr lIns="90000" tIns="45000" rIns="90000" bIns="45000"/>
-          <a:lstStyle/>
-          <a:p>
-            <a:pPr marL="720">
-              <a:lnSpc>
-                <a:spcPct val="100000"/>
-              </a:lnSpc>
-              <a:buClr>
-                <a:srgbClr val="39C2D7"/>
-              </a:buClr>
-            </a:pPr>
-            <a:endParaRPr lang="en-IN" sz="1600" spc="-1" dirty="0" smtClean="0">
-              <a:solidFill>
-                <a:srgbClr val="464547"/>
-              </a:solidFill>
-              <a:uFill>
-                <a:solidFill>
-                  <a:srgbClr val="FFFFFF"/>
-                </a:solidFill>
-              </a:uFill>
-              <a:latin typeface="Trebuchet MS"/>
-              <a:sym typeface="Wingdings" panose="05000000000000000000" pitchFamily="2" charset="2"/>
-            </a:endParaRPr>
-          </a:p>
-          <a:p>
-            <a:pPr marL="285840" indent="-285120">
-              <a:lnSpc>
-                <a:spcPct val="100000"/>
-              </a:lnSpc>
-              <a:buClr>
-                <a:srgbClr val="39C2D7"/>
-              </a:buClr>
-              <a:buFont typeface="Arial"/>
-              <a:buChar char="•"/>
-            </a:pPr>
-            <a:r>
-              <a:rPr lang="en-IN" sz="1600" b="0" strike="noStrike" spc="-1" dirty="0" smtClean="0">
-                <a:solidFill>
-                  <a:srgbClr val="464547"/>
-                </a:solidFill>
-                <a:uFill>
-                  <a:solidFill>
-                    <a:srgbClr val="FFFFFF"/>
-                  </a:solidFill>
-                </a:uFill>
-                <a:latin typeface="Trebuchet MS"/>
-                <a:sym typeface="Wingdings" panose="05000000000000000000" pitchFamily="2" charset="2"/>
-              </a:rPr>
-              <a:t>Minimize convex function  gradient descent</a:t>
-            </a:r>
-          </a:p>
-          <a:p>
-            <a:pPr marL="285840" indent="-285120">
-              <a:lnSpc>
-                <a:spcPct val="100000"/>
-              </a:lnSpc>
-              <a:buClr>
-                <a:srgbClr val="39C2D7"/>
-              </a:buClr>
-              <a:buFont typeface="Arial"/>
-              <a:buChar char="•"/>
-            </a:pPr>
-            <a:endParaRPr lang="en-IN" sz="1600" spc="-1" dirty="0" smtClean="0">
-              <a:solidFill>
-                <a:srgbClr val="464547"/>
-              </a:solidFill>
-              <a:uFill>
-                <a:solidFill>
-                  <a:srgbClr val="FFFFFF"/>
-                </a:solidFill>
-              </a:uFill>
-              <a:latin typeface="Trebuchet MS"/>
-              <a:sym typeface="Wingdings" panose="05000000000000000000" pitchFamily="2" charset="2"/>
-            </a:endParaRPr>
-          </a:p>
-          <a:p>
-            <a:pPr marL="285840" indent="-285120">
-              <a:lnSpc>
-                <a:spcPct val="100000"/>
-              </a:lnSpc>
-              <a:buClr>
-                <a:srgbClr val="39C2D7"/>
-              </a:buClr>
-              <a:buFont typeface="Arial"/>
-              <a:buChar char="•"/>
-            </a:pPr>
-            <a:endParaRPr lang="en-IN" sz="1600" spc="-1" dirty="0">
-              <a:solidFill>
-                <a:srgbClr val="464547"/>
-              </a:solidFill>
-              <a:uFill>
-                <a:solidFill>
-                  <a:srgbClr val="FFFFFF"/>
-                </a:solidFill>
-              </a:uFill>
-              <a:latin typeface="Trebuchet MS"/>
-              <a:sym typeface="Wingdings" panose="05000000000000000000" pitchFamily="2" charset="2"/>
-            </a:endParaRPr>
-          </a:p>
-          <a:p>
-            <a:pPr marL="285840" indent="-285120">
-              <a:buClr>
-                <a:srgbClr val="39C2D7"/>
-              </a:buClr>
-              <a:buFont typeface="Arial"/>
-              <a:buChar char="•"/>
-            </a:pPr>
-            <a:r>
-              <a:rPr lang="en-IN" sz="1600" b="0" strike="noStrike" spc="-1" dirty="0" smtClean="0">
-                <a:solidFill>
-                  <a:srgbClr val="464547"/>
-                </a:solidFill>
-                <a:uFill>
-                  <a:solidFill>
-                    <a:srgbClr val="FFFFFF"/>
-                  </a:solidFill>
-                </a:uFill>
-                <a:latin typeface="Trebuchet MS"/>
-                <a:sym typeface="Wingdings" panose="05000000000000000000" pitchFamily="2" charset="2"/>
-              </a:rPr>
-              <a:t>Update rule</a:t>
-            </a:r>
-          </a:p>
-          <a:p>
-            <a:pPr marL="720">
-              <a:buClr>
-                <a:srgbClr val="39C2D7"/>
-              </a:buClr>
-            </a:pPr>
-            <a:endParaRPr lang="en-IN" sz="1600" b="0" strike="noStrike" spc="-1" dirty="0" smtClean="0">
-              <a:solidFill>
-                <a:srgbClr val="464547"/>
-              </a:solidFill>
-              <a:uFill>
-                <a:solidFill>
-                  <a:srgbClr val="FFFFFF"/>
-                </a:solidFill>
-              </a:uFill>
-              <a:latin typeface="Trebuchet MS"/>
-              <a:sym typeface="Wingdings" panose="05000000000000000000" pitchFamily="2" charset="2"/>
-            </a:endParaRPr>
-          </a:p>
-          <a:p>
-            <a:pPr marL="720">
-              <a:lnSpc>
-                <a:spcPct val="100000"/>
-              </a:lnSpc>
-              <a:buClr>
-                <a:srgbClr val="39C2D7"/>
-              </a:buClr>
-            </a:pPr>
-            <a:endParaRPr lang="en-IN" sz="1600" spc="-1" dirty="0" smtClean="0">
-              <a:solidFill>
-                <a:srgbClr val="464547"/>
-              </a:solidFill>
-              <a:uFill>
-                <a:solidFill>
-                  <a:srgbClr val="FFFFFF"/>
-                </a:solidFill>
-              </a:uFill>
-              <a:latin typeface="Trebuchet MS"/>
-              <a:sym typeface="Wingdings" panose="05000000000000000000" pitchFamily="2" charset="2"/>
-            </a:endParaRPr>
-          </a:p>
-          <a:p>
-            <a:pPr marL="720">
-              <a:lnSpc>
-                <a:spcPct val="100000"/>
-              </a:lnSpc>
-              <a:buClr>
-                <a:srgbClr val="39C2D7"/>
-              </a:buClr>
-            </a:pPr>
-            <a:endParaRPr lang="en-IN" sz="1600" spc="-1" dirty="0">
-              <a:solidFill>
-                <a:srgbClr val="464547"/>
-              </a:solidFill>
-              <a:uFill>
-                <a:solidFill>
-                  <a:srgbClr val="FFFFFF"/>
-                </a:solidFill>
-              </a:uFill>
-              <a:latin typeface="Trebuchet MS"/>
-              <a:sym typeface="Wingdings" panose="05000000000000000000" pitchFamily="2" charset="2"/>
-            </a:endParaRPr>
-          </a:p>
-          <a:p>
-            <a:pPr marL="285840" indent="-285120">
-              <a:lnSpc>
-                <a:spcPct val="100000"/>
-              </a:lnSpc>
-              <a:buClr>
-                <a:srgbClr val="39C2D7"/>
-              </a:buClr>
-              <a:buFont typeface="Arial"/>
-              <a:buChar char="•"/>
-            </a:pPr>
-            <a:r>
-              <a:rPr lang="en-IN" sz="1600" spc="-1" dirty="0" smtClean="0">
-                <a:solidFill>
-                  <a:srgbClr val="464547"/>
-                </a:solidFill>
-                <a:uFill>
-                  <a:solidFill>
-                    <a:srgbClr val="FFFFFF"/>
-                  </a:solidFill>
-                </a:uFill>
-                <a:latin typeface="Trebuchet MS"/>
-                <a:sym typeface="Wingdings" panose="05000000000000000000" pitchFamily="2" charset="2"/>
-              </a:rPr>
-              <a:t>P converges to optimal value </a:t>
-            </a:r>
-            <a:endParaRPr lang="en-IN" sz="1600" spc="-1" dirty="0">
-              <a:solidFill>
-                <a:srgbClr val="464547"/>
-              </a:solidFill>
-              <a:uFill>
-                <a:solidFill>
-                  <a:srgbClr val="FFFFFF"/>
-                </a:solidFill>
-              </a:uFill>
-              <a:latin typeface="Trebuchet MS"/>
-              <a:sym typeface="Wingdings" panose="05000000000000000000" pitchFamily="2" charset="2"/>
-            </a:endParaRPr>
-          </a:p>
-          <a:p>
-            <a:pPr marL="285840" indent="-285120">
-              <a:lnSpc>
-                <a:spcPct val="100000"/>
-              </a:lnSpc>
-              <a:buClr>
-                <a:srgbClr val="39C2D7"/>
-              </a:buClr>
-              <a:buFont typeface="Arial"/>
-              <a:buChar char="•"/>
-            </a:pPr>
-            <a:endParaRPr lang="en-IN" sz="1800" b="0" strike="noStrike" spc="-1" dirty="0">
-              <a:solidFill>
-                <a:srgbClr val="000000"/>
-              </a:solidFill>
-              <a:uFill>
-                <a:solidFill>
-                  <a:srgbClr val="FFFFFF"/>
-                </a:solidFill>
-              </a:uFill>
-              <a:latin typeface="Arial"/>
-            </a:endParaRPr>
-          </a:p>
-        </p:txBody>
-      </p:sp>
+        </p:nvPicPr>
+        <p:blipFill>
+          <a:blip r:embed="rId2">
+            <a:extLst>
+              <a:ext uri="{28A0092B-C50C-407E-A947-70E740481C1C}">
+                <a14:useLocalDpi xmlns:a14="http://schemas.microsoft.com/office/drawing/2010/main" val="0"/>
+              </a:ext>
+            </a:extLst>
+          </a:blip>
+          <a:stretch>
+            <a:fillRect/>
+          </a:stretch>
+        </p:blipFill>
+        <p:spPr>
+          <a:xfrm>
+            <a:off x="347158" y="3385833"/>
+            <a:ext cx="3771901" cy="2609453"/>
+          </a:xfrm>
+          <a:prstGeom prst="rect">
+            <a:avLst/>
+          </a:prstGeom>
+        </p:spPr>
+      </p:pic>
       <p:pic>
         <p:nvPicPr>
           <p:cNvPr id="7" name="Picture 6"/>
@@ -21936,8 +20816,68 @@
         </p:blipFill>
         <p:spPr>
           <a:xfrm>
-            <a:off x="1941536" y="2315655"/>
-            <a:ext cx="1409897" cy="257211"/>
+            <a:off x="4466218" y="732667"/>
+            <a:ext cx="3621296" cy="2653166"/>
+          </a:xfrm>
+          <a:prstGeom prst="rect">
+            <a:avLst/>
+          </a:prstGeom>
+        </p:spPr>
+      </p:pic>
+      <p:pic>
+        <p:nvPicPr>
+          <p:cNvPr id="8" name="Picture 7"/>
+          <p:cNvPicPr>
+            <a:picLocks noChangeAspect="1"/>
+          </p:cNvPicPr>
+          <p:nvPr/>
+        </p:nvPicPr>
+        <p:blipFill>
+          <a:blip r:embed="rId4">
+            <a:extLst>
+              <a:ext uri="{28A0092B-C50C-407E-A947-70E740481C1C}">
+                <a14:useLocalDpi xmlns:a14="http://schemas.microsoft.com/office/drawing/2010/main" val="0"/>
+              </a:ext>
+            </a:extLst>
+          </a:blip>
+          <a:stretch>
+            <a:fillRect/>
+          </a:stretch>
+        </p:blipFill>
+        <p:spPr>
+          <a:xfrm>
+            <a:off x="471438" y="778832"/>
+            <a:ext cx="3523342" cy="2506119"/>
+          </a:xfrm>
+          <a:prstGeom prst="rect">
+            <a:avLst/>
+          </a:prstGeom>
+        </p:spPr>
+      </p:pic>
+      <p:pic>
+        <p:nvPicPr>
+          <p:cNvPr id="9" name="Picture 8"/>
+          <p:cNvPicPr>
+            <a:picLocks noChangeAspect="1"/>
+          </p:cNvPicPr>
+          <p:nvPr/>
+        </p:nvPicPr>
+        <p:blipFill>
+          <a:blip r:embed="rId5">
+            <a:extLst>
+              <a:ext uri="{28A0092B-C50C-407E-A947-70E740481C1C}">
+                <a14:useLocalDpi xmlns:a14="http://schemas.microsoft.com/office/drawing/2010/main" val="0"/>
+              </a:ext>
+            </a:extLst>
+          </a:blip>
+          <a:stretch>
+            <a:fillRect/>
+          </a:stretch>
+        </p:blipFill>
+        <p:spPr>
+          <a:xfrm>
+            <a:off x="4314305" y="3385832"/>
+            <a:ext cx="3773209" cy="2609453"/>
           </a:xfrm>
           <a:prstGeom prst="rect">
             <a:avLst/>
@@ -21945,6 +20885,906 @@
         </p:spPr>
       </p:pic>
     </p:spTree>
+    <p:extLst>
+      <p:ext uri="{BB962C8B-B14F-4D97-AF65-F5344CB8AC3E}">
+        <p14:creationId xmlns:p14="http://schemas.microsoft.com/office/powerpoint/2010/main" val="124285353"/>
+      </p:ext>
+    </p:extLst>
+  </p:cSld>
+  <p:clrMapOvr>
+    <a:masterClrMapping/>
+  </p:clrMapOvr>
+  <p:timing>
+    <p:tnLst>
+      <p:par>
+        <p:cTn id="1" dur="indefinite" restart="never" nodeType="tmRoot"/>
+      </p:par>
+    </p:tnLst>
+  </p:timing>
+</p:sld>
+</file>
+
+<file path=ppt/slides/slide12.xml><?xml version="1.0" encoding="utf-8"?>
+<p:sld xmlns:a="http://schemas.openxmlformats.org/drawingml/2006/main" xmlns:r="http://schemas.openxmlformats.org/officeDocument/2006/relationships" xmlns:p="http://schemas.openxmlformats.org/presentationml/2006/main">
+  <p:cSld>
+    <p:spTree>
+      <p:nvGrpSpPr>
+        <p:cNvPr id="1" name=""/>
+        <p:cNvGrpSpPr/>
+        <p:nvPr/>
+      </p:nvGrpSpPr>
+      <p:grpSpPr>
+        <a:xfrm>
+          <a:off x="0" y="0"/>
+          <a:ext cx="0" cy="0"/>
+          <a:chOff x="0" y="0"/>
+          <a:chExt cx="0" cy="0"/>
+        </a:xfrm>
+      </p:grpSpPr>
+      <p:sp>
+        <p:nvSpPr>
+          <p:cNvPr id="4" name="CustomShape 3"/>
+          <p:cNvSpPr/>
+          <p:nvPr/>
+        </p:nvSpPr>
+        <p:spPr>
+          <a:xfrm>
+            <a:off x="356580" y="837803"/>
+            <a:ext cx="8430120" cy="4571280"/>
+          </a:xfrm>
+          <a:prstGeom prst="rect">
+            <a:avLst/>
+          </a:prstGeom>
+          <a:noFill/>
+          <a:ln>
+            <a:noFill/>
+          </a:ln>
+        </p:spPr>
+        <p:style>
+          <a:lnRef idx="0">
+            <a:scrgbClr r="0" g="0" b="0"/>
+          </a:lnRef>
+          <a:fillRef idx="0">
+            <a:scrgbClr r="0" g="0" b="0"/>
+          </a:fillRef>
+          <a:effectRef idx="0">
+            <a:scrgbClr r="0" g="0" b="0"/>
+          </a:effectRef>
+          <a:fontRef idx="minor"/>
+        </p:style>
+        <p:txBody>
+          <a:bodyPr lIns="90000" tIns="45000" rIns="90000" bIns="45000"/>
+          <a:lstStyle/>
+          <a:p>
+            <a:pPr marL="285840" indent="-285120">
+              <a:lnSpc>
+                <a:spcPct val="100000"/>
+              </a:lnSpc>
+              <a:buClr>
+                <a:srgbClr val="39C2D7"/>
+              </a:buClr>
+              <a:buFont typeface="Arial"/>
+              <a:buChar char="•"/>
+            </a:pPr>
+            <a:r>
+              <a:rPr lang="en-IN" sz="1600" b="0" strike="noStrike" spc="-1" dirty="0" smtClean="0">
+                <a:solidFill>
+                  <a:srgbClr val="464547"/>
+                </a:solidFill>
+                <a:uFill>
+                  <a:solidFill>
+                    <a:srgbClr val="FFFFFF"/>
+                  </a:solidFill>
+                </a:uFill>
+                <a:latin typeface="Trebuchet MS"/>
+              </a:rPr>
+              <a:t>Define an error function </a:t>
+            </a:r>
+          </a:p>
+          <a:p>
+            <a:pPr marL="285840" indent="-285120">
+              <a:lnSpc>
+                <a:spcPct val="100000"/>
+              </a:lnSpc>
+              <a:buClr>
+                <a:srgbClr val="39C2D7"/>
+              </a:buClr>
+              <a:buFont typeface="Arial"/>
+              <a:buChar char="•"/>
+            </a:pPr>
+            <a:endParaRPr lang="en-IN" sz="1600" spc="-1" dirty="0">
+              <a:solidFill>
+                <a:srgbClr val="464547"/>
+              </a:solidFill>
+              <a:uFill>
+                <a:solidFill>
+                  <a:srgbClr val="FFFFFF"/>
+                </a:solidFill>
+              </a:uFill>
+              <a:latin typeface="Trebuchet MS"/>
+            </a:endParaRPr>
+          </a:p>
+          <a:p>
+            <a:pPr marL="285840" indent="-285120">
+              <a:lnSpc>
+                <a:spcPct val="100000"/>
+              </a:lnSpc>
+              <a:buClr>
+                <a:srgbClr val="39C2D7"/>
+              </a:buClr>
+              <a:buFont typeface="Arial"/>
+              <a:buChar char="•"/>
+            </a:pPr>
+            <a:endParaRPr lang="en-IN" sz="1600" b="0" strike="noStrike" spc="-1" dirty="0" smtClean="0">
+              <a:solidFill>
+                <a:srgbClr val="464547"/>
+              </a:solidFill>
+              <a:uFill>
+                <a:solidFill>
+                  <a:srgbClr val="FFFFFF"/>
+                </a:solidFill>
+              </a:uFill>
+              <a:latin typeface="Trebuchet MS"/>
+            </a:endParaRPr>
+          </a:p>
+          <a:p>
+            <a:pPr marL="285840" indent="-285120">
+              <a:lnSpc>
+                <a:spcPct val="100000"/>
+              </a:lnSpc>
+              <a:buClr>
+                <a:srgbClr val="39C2D7"/>
+              </a:buClr>
+              <a:buFont typeface="Arial"/>
+              <a:buChar char="•"/>
+            </a:pPr>
+            <a:endParaRPr lang="en-IN" sz="1600" spc="-1" dirty="0">
+              <a:solidFill>
+                <a:srgbClr val="464547"/>
+              </a:solidFill>
+              <a:uFill>
+                <a:solidFill>
+                  <a:srgbClr val="FFFFFF"/>
+                </a:solidFill>
+              </a:uFill>
+              <a:latin typeface="Trebuchet MS"/>
+            </a:endParaRPr>
+          </a:p>
+          <a:p>
+            <a:pPr marL="285840" indent="-285120">
+              <a:lnSpc>
+                <a:spcPct val="100000"/>
+              </a:lnSpc>
+              <a:buClr>
+                <a:srgbClr val="39C2D7"/>
+              </a:buClr>
+              <a:buFont typeface="Arial"/>
+              <a:buChar char="•"/>
+            </a:pPr>
+            <a:endParaRPr lang="en-IN" sz="1600" b="0" strike="noStrike" spc="-1" dirty="0" smtClean="0">
+              <a:solidFill>
+                <a:srgbClr val="464547"/>
+              </a:solidFill>
+              <a:uFill>
+                <a:solidFill>
+                  <a:srgbClr val="FFFFFF"/>
+                </a:solidFill>
+              </a:uFill>
+              <a:latin typeface="Trebuchet MS"/>
+            </a:endParaRPr>
+          </a:p>
+          <a:p>
+            <a:pPr marL="285840" indent="-285120">
+              <a:lnSpc>
+                <a:spcPct val="100000"/>
+              </a:lnSpc>
+              <a:buClr>
+                <a:srgbClr val="39C2D7"/>
+              </a:buClr>
+              <a:buFont typeface="Arial"/>
+              <a:buChar char="•"/>
+            </a:pPr>
+            <a:endParaRPr lang="en-IN" sz="1600" spc="-1" dirty="0">
+              <a:solidFill>
+                <a:srgbClr val="464547"/>
+              </a:solidFill>
+              <a:uFill>
+                <a:solidFill>
+                  <a:srgbClr val="FFFFFF"/>
+                </a:solidFill>
+              </a:uFill>
+              <a:latin typeface="Trebuchet MS"/>
+            </a:endParaRPr>
+          </a:p>
+          <a:p>
+            <a:pPr marL="285840" indent="-285120">
+              <a:lnSpc>
+                <a:spcPct val="100000"/>
+              </a:lnSpc>
+              <a:buClr>
+                <a:srgbClr val="39C2D7"/>
+              </a:buClr>
+              <a:buFont typeface="Arial"/>
+              <a:buChar char="•"/>
+            </a:pPr>
+            <a:endParaRPr lang="en-IN" sz="1600" b="0" strike="noStrike" spc="-1" dirty="0" smtClean="0">
+              <a:solidFill>
+                <a:srgbClr val="464547"/>
+              </a:solidFill>
+              <a:uFill>
+                <a:solidFill>
+                  <a:srgbClr val="FFFFFF"/>
+                </a:solidFill>
+              </a:uFill>
+              <a:latin typeface="Trebuchet MS"/>
+            </a:endParaRPr>
+          </a:p>
+          <a:p>
+            <a:pPr marL="285840" indent="-285120">
+              <a:lnSpc>
+                <a:spcPct val="100000"/>
+              </a:lnSpc>
+              <a:buClr>
+                <a:srgbClr val="39C2D7"/>
+              </a:buClr>
+              <a:buFont typeface="Arial"/>
+              <a:buChar char="•"/>
+            </a:pPr>
+            <a:r>
+              <a:rPr lang="en-IN" sz="1600" spc="-1" dirty="0" smtClean="0">
+                <a:solidFill>
+                  <a:srgbClr val="464547"/>
+                </a:solidFill>
+                <a:uFill>
+                  <a:solidFill>
+                    <a:srgbClr val="FFFFFF"/>
+                  </a:solidFill>
+                </a:uFill>
+                <a:latin typeface="Trebuchet MS"/>
+              </a:rPr>
+              <a:t>Minimize the error function</a:t>
+            </a:r>
+            <a:endParaRPr lang="en-IN" sz="1600" b="0" strike="noStrike" spc="-1" dirty="0" smtClean="0">
+              <a:solidFill>
+                <a:srgbClr val="464547"/>
+              </a:solidFill>
+              <a:uFill>
+                <a:solidFill>
+                  <a:srgbClr val="FFFFFF"/>
+                </a:solidFill>
+              </a:uFill>
+              <a:latin typeface="Trebuchet MS"/>
+            </a:endParaRPr>
+          </a:p>
+          <a:p>
+            <a:pPr marL="720">
+              <a:lnSpc>
+                <a:spcPct val="100000"/>
+              </a:lnSpc>
+              <a:buClr>
+                <a:srgbClr val="39C2D7"/>
+              </a:buClr>
+            </a:pPr>
+            <a:endParaRPr lang="en-IN" sz="1800" b="0" strike="noStrike" spc="-1" dirty="0">
+              <a:solidFill>
+                <a:srgbClr val="000000"/>
+              </a:solidFill>
+              <a:uFill>
+                <a:solidFill>
+                  <a:srgbClr val="FFFFFF"/>
+                </a:solidFill>
+              </a:uFill>
+              <a:latin typeface="Arial"/>
+            </a:endParaRPr>
+          </a:p>
+        </p:txBody>
+      </p:sp>
+      <p:pic>
+        <p:nvPicPr>
+          <p:cNvPr id="5" name="Picture 4"/>
+          <p:cNvPicPr>
+            <a:picLocks noChangeAspect="1"/>
+          </p:cNvPicPr>
+          <p:nvPr/>
+        </p:nvPicPr>
+        <p:blipFill>
+          <a:blip r:embed="rId2">
+            <a:extLst>
+              <a:ext uri="{28A0092B-C50C-407E-A947-70E740481C1C}">
+                <a14:useLocalDpi xmlns:a14="http://schemas.microsoft.com/office/drawing/2010/main" val="0"/>
+              </a:ext>
+            </a:extLst>
+          </a:blip>
+          <a:stretch>
+            <a:fillRect/>
+          </a:stretch>
+        </p:blipFill>
+        <p:spPr>
+          <a:xfrm>
+            <a:off x="2062162" y="1233487"/>
+            <a:ext cx="3914775" cy="1171575"/>
+          </a:xfrm>
+          <a:prstGeom prst="rect">
+            <a:avLst/>
+          </a:prstGeom>
+        </p:spPr>
+      </p:pic>
+      <p:sp>
+        <p:nvSpPr>
+          <p:cNvPr id="7" name="CustomShape 1"/>
+          <p:cNvSpPr/>
+          <p:nvPr/>
+        </p:nvSpPr>
+        <p:spPr>
+          <a:xfrm>
+            <a:off x="0" y="0"/>
+            <a:ext cx="9143280" cy="932040"/>
+          </a:xfrm>
+          <a:prstGeom prst="rect">
+            <a:avLst/>
+          </a:prstGeom>
+          <a:solidFill>
+            <a:srgbClr val="FFFFFF"/>
+          </a:solidFill>
+          <a:ln>
+            <a:noFill/>
+          </a:ln>
+        </p:spPr>
+        <p:style>
+          <a:lnRef idx="0">
+            <a:scrgbClr r="0" g="0" b="0"/>
+          </a:lnRef>
+          <a:fillRef idx="0">
+            <a:scrgbClr r="0" g="0" b="0"/>
+          </a:fillRef>
+          <a:effectRef idx="0">
+            <a:scrgbClr r="0" g="0" b="0"/>
+          </a:effectRef>
+          <a:fontRef idx="minor"/>
+        </p:style>
+        <p:txBody>
+          <a:bodyPr lIns="365760" tIns="45000" rIns="90000" bIns="45000" anchor="ctr"/>
+          <a:lstStyle/>
+          <a:p>
+            <a:pPr>
+              <a:lnSpc>
+                <a:spcPct val="100000"/>
+              </a:lnSpc>
+            </a:pPr>
+            <a:r>
+              <a:rPr lang="en-IN" sz="2600" spc="-1" dirty="0" smtClean="0">
+                <a:solidFill>
+                  <a:srgbClr val="464547"/>
+                </a:solidFill>
+                <a:uFill>
+                  <a:solidFill>
+                    <a:srgbClr val="FFFFFF"/>
+                  </a:solidFill>
+                </a:uFill>
+                <a:latin typeface="Arial Black"/>
+              </a:rPr>
+              <a:t>Model and Error</a:t>
+            </a:r>
+            <a:endParaRPr lang="en-IN" sz="1800" b="0" strike="noStrike" spc="-1" dirty="0">
+              <a:solidFill>
+                <a:srgbClr val="000000"/>
+              </a:solidFill>
+              <a:uFill>
+                <a:solidFill>
+                  <a:srgbClr val="FFFFFF"/>
+                </a:solidFill>
+              </a:uFill>
+              <a:latin typeface="Arial"/>
+            </a:endParaRPr>
+          </a:p>
+        </p:txBody>
+      </p:sp>
+      <p:pic>
+        <p:nvPicPr>
+          <p:cNvPr id="2" name="Picture 1"/>
+          <p:cNvPicPr>
+            <a:picLocks noChangeAspect="1"/>
+          </p:cNvPicPr>
+          <p:nvPr/>
+        </p:nvPicPr>
+        <p:blipFill>
+          <a:blip r:embed="rId3" cstate="print">
+            <a:extLst>
+              <a:ext uri="{28A0092B-C50C-407E-A947-70E740481C1C}">
+                <a14:useLocalDpi xmlns:a14="http://schemas.microsoft.com/office/drawing/2010/main" val="0"/>
+              </a:ext>
+            </a:extLst>
+          </a:blip>
+          <a:stretch>
+            <a:fillRect/>
+          </a:stretch>
+        </p:blipFill>
+        <p:spPr>
+          <a:xfrm>
+            <a:off x="1881555" y="2922556"/>
+            <a:ext cx="4095382" cy="3482407"/>
+          </a:xfrm>
+          <a:prstGeom prst="rect">
+            <a:avLst/>
+          </a:prstGeom>
+        </p:spPr>
+      </p:pic>
+    </p:spTree>
+    <p:extLst>
+      <p:ext uri="{BB962C8B-B14F-4D97-AF65-F5344CB8AC3E}">
+        <p14:creationId xmlns:p14="http://schemas.microsoft.com/office/powerpoint/2010/main" val="1760043567"/>
+      </p:ext>
+    </p:extLst>
+  </p:cSld>
+  <p:clrMapOvr>
+    <a:masterClrMapping/>
+  </p:clrMapOvr>
+  <p:timing>
+    <p:tnLst>
+      <p:par>
+        <p:cTn id="1" dur="indefinite" restart="never" nodeType="tmRoot"/>
+      </p:par>
+    </p:tnLst>
+  </p:timing>
+</p:sld>
+</file>
+
+<file path=ppt/slides/slide13.xml><?xml version="1.0" encoding="utf-8"?>
+<p:sld xmlns:a="http://schemas.openxmlformats.org/drawingml/2006/main" xmlns:r="http://schemas.openxmlformats.org/officeDocument/2006/relationships" xmlns:p="http://schemas.openxmlformats.org/presentationml/2006/main">
+  <p:cSld>
+    <p:spTree>
+      <p:nvGrpSpPr>
+        <p:cNvPr id="1" name=""/>
+        <p:cNvGrpSpPr/>
+        <p:nvPr/>
+      </p:nvGrpSpPr>
+      <p:grpSpPr>
+        <a:xfrm>
+          <a:off x="0" y="0"/>
+          <a:ext cx="0" cy="0"/>
+          <a:chOff x="0" y="0"/>
+          <a:chExt cx="0" cy="0"/>
+        </a:xfrm>
+      </p:grpSpPr>
+      <p:sp>
+        <p:nvSpPr>
+          <p:cNvPr id="383" name="CustomShape 1"/>
+          <p:cNvSpPr/>
+          <p:nvPr/>
+        </p:nvSpPr>
+        <p:spPr>
+          <a:xfrm>
+            <a:off x="0" y="0"/>
+            <a:ext cx="9143280" cy="932040"/>
+          </a:xfrm>
+          <a:prstGeom prst="rect">
+            <a:avLst/>
+          </a:prstGeom>
+          <a:solidFill>
+            <a:srgbClr val="FFFFFF"/>
+          </a:solidFill>
+          <a:ln>
+            <a:noFill/>
+          </a:ln>
+        </p:spPr>
+        <p:style>
+          <a:lnRef idx="0">
+            <a:scrgbClr r="0" g="0" b="0"/>
+          </a:lnRef>
+          <a:fillRef idx="0">
+            <a:scrgbClr r="0" g="0" b="0"/>
+          </a:fillRef>
+          <a:effectRef idx="0">
+            <a:scrgbClr r="0" g="0" b="0"/>
+          </a:effectRef>
+          <a:fontRef idx="minor"/>
+        </p:style>
+        <p:txBody>
+          <a:bodyPr lIns="365760" tIns="45000" rIns="90000" bIns="45000" anchor="ctr"/>
+          <a:lstStyle/>
+          <a:p>
+            <a:pPr>
+              <a:lnSpc>
+                <a:spcPct val="100000"/>
+              </a:lnSpc>
+            </a:pPr>
+            <a:r>
+              <a:rPr lang="en-IN" sz="2600" b="0" strike="noStrike" spc="-1">
+                <a:solidFill>
+                  <a:srgbClr val="464547"/>
+                </a:solidFill>
+                <a:uFill>
+                  <a:solidFill>
+                    <a:srgbClr val="FFFFFF"/>
+                  </a:solidFill>
+                </a:uFill>
+                <a:latin typeface="Arial Black"/>
+              </a:rPr>
+              <a:t>Gradient Descent</a:t>
+            </a:r>
+            <a:endParaRPr lang="en-IN" sz="1800" b="0" strike="noStrike" spc="-1">
+              <a:solidFill>
+                <a:srgbClr val="000000"/>
+              </a:solidFill>
+              <a:uFill>
+                <a:solidFill>
+                  <a:srgbClr val="FFFFFF"/>
+                </a:solidFill>
+              </a:uFill>
+              <a:latin typeface="Arial"/>
+            </a:endParaRPr>
+          </a:p>
+        </p:txBody>
+      </p:sp>
+      <p:pic>
+        <p:nvPicPr>
+          <p:cNvPr id="2" name="Picture 1"/>
+          <p:cNvPicPr>
+            <a:picLocks noChangeAspect="1"/>
+          </p:cNvPicPr>
+          <p:nvPr/>
+        </p:nvPicPr>
+        <p:blipFill>
+          <a:blip r:embed="rId3">
+            <a:extLst>
+              <a:ext uri="{28A0092B-C50C-407E-A947-70E740481C1C}">
+                <a14:useLocalDpi xmlns:a14="http://schemas.microsoft.com/office/drawing/2010/main" val="0"/>
+              </a:ext>
+            </a:extLst>
+          </a:blip>
+          <a:stretch>
+            <a:fillRect/>
+          </a:stretch>
+        </p:blipFill>
+        <p:spPr>
+          <a:xfrm>
+            <a:off x="1236179" y="2486759"/>
+            <a:ext cx="5124450" cy="3467100"/>
+          </a:xfrm>
+          <a:prstGeom prst="rect">
+            <a:avLst/>
+          </a:prstGeom>
+        </p:spPr>
+      </p:pic>
+      <p:sp>
+        <p:nvSpPr>
+          <p:cNvPr id="4" name="CustomShape 3"/>
+          <p:cNvSpPr/>
+          <p:nvPr/>
+        </p:nvSpPr>
+        <p:spPr>
+          <a:xfrm>
+            <a:off x="356580" y="837803"/>
+            <a:ext cx="8430120" cy="4571280"/>
+          </a:xfrm>
+          <a:prstGeom prst="rect">
+            <a:avLst/>
+          </a:prstGeom>
+          <a:noFill/>
+          <a:ln>
+            <a:noFill/>
+          </a:ln>
+        </p:spPr>
+        <p:style>
+          <a:lnRef idx="0">
+            <a:scrgbClr r="0" g="0" b="0"/>
+          </a:lnRef>
+          <a:fillRef idx="0">
+            <a:scrgbClr r="0" g="0" b="0"/>
+          </a:fillRef>
+          <a:effectRef idx="0">
+            <a:scrgbClr r="0" g="0" b="0"/>
+          </a:effectRef>
+          <a:fontRef idx="minor"/>
+        </p:style>
+        <p:txBody>
+          <a:bodyPr lIns="90000" tIns="45000" rIns="90000" bIns="45000"/>
+          <a:lstStyle/>
+          <a:p>
+            <a:pPr marL="285840" indent="-285120">
+              <a:lnSpc>
+                <a:spcPct val="100000"/>
+              </a:lnSpc>
+              <a:buClr>
+                <a:srgbClr val="39C2D7"/>
+              </a:buClr>
+              <a:buFont typeface="Arial"/>
+              <a:buChar char="•"/>
+            </a:pPr>
+            <a:r>
+              <a:rPr lang="en-IN" sz="1600" b="0" strike="noStrike" spc="-1" dirty="0" smtClean="0">
+                <a:solidFill>
+                  <a:srgbClr val="464547"/>
+                </a:solidFill>
+                <a:uFill>
+                  <a:solidFill>
+                    <a:srgbClr val="FFFFFF"/>
+                  </a:solidFill>
+                </a:uFill>
+                <a:latin typeface="Trebuchet MS"/>
+              </a:rPr>
+              <a:t>Let’s plot </a:t>
+            </a:r>
+            <a:r>
+              <a:rPr lang="en-IN" sz="1600" b="0" strike="noStrike" spc="-1" dirty="0" smtClean="0">
+                <a:solidFill>
+                  <a:srgbClr val="464547"/>
+                </a:solidFill>
+                <a:uFill>
+                  <a:solidFill>
+                    <a:srgbClr val="FFFFFF"/>
+                  </a:solidFill>
+                </a:uFill>
+                <a:latin typeface="Trebuchet MS"/>
+              </a:rPr>
+              <a:t>Error(E) </a:t>
+            </a:r>
+            <a:r>
+              <a:rPr lang="en-IN" sz="1600" b="0" strike="noStrike" spc="-1" dirty="0" smtClean="0">
+                <a:solidFill>
+                  <a:srgbClr val="464547"/>
+                </a:solidFill>
+                <a:uFill>
+                  <a:solidFill>
+                    <a:srgbClr val="FFFFFF"/>
+                  </a:solidFill>
+                </a:uFill>
+                <a:latin typeface="Trebuchet MS"/>
+              </a:rPr>
+              <a:t>vs </a:t>
+            </a:r>
+            <a:r>
+              <a:rPr lang="en-IN" sz="1600" b="0" strike="noStrike" spc="-1" dirty="0" smtClean="0">
+                <a:solidFill>
+                  <a:srgbClr val="464547"/>
+                </a:solidFill>
+                <a:uFill>
+                  <a:solidFill>
+                    <a:srgbClr val="FFFFFF"/>
+                  </a:solidFill>
+                </a:uFill>
+                <a:latin typeface="Trebuchet MS"/>
+              </a:rPr>
+              <a:t>parameter(m)</a:t>
+            </a:r>
+            <a:endParaRPr lang="en-IN" sz="1600" b="0" strike="noStrike" spc="-1" dirty="0" smtClean="0">
+              <a:solidFill>
+                <a:srgbClr val="464547"/>
+              </a:solidFill>
+              <a:uFill>
+                <a:solidFill>
+                  <a:srgbClr val="FFFFFF"/>
+                </a:solidFill>
+              </a:uFill>
+              <a:latin typeface="Trebuchet MS"/>
+            </a:endParaRPr>
+          </a:p>
+          <a:p>
+            <a:pPr marL="285840" indent="-285120">
+              <a:lnSpc>
+                <a:spcPct val="100000"/>
+              </a:lnSpc>
+              <a:buClr>
+                <a:srgbClr val="39C2D7"/>
+              </a:buClr>
+              <a:buFont typeface="Arial"/>
+              <a:buChar char="•"/>
+            </a:pPr>
+            <a:endParaRPr lang="en-IN" sz="1600" b="0" strike="noStrike" spc="-1" dirty="0" smtClean="0">
+              <a:solidFill>
+                <a:srgbClr val="464547"/>
+              </a:solidFill>
+              <a:uFill>
+                <a:solidFill>
+                  <a:srgbClr val="FFFFFF"/>
+                </a:solidFill>
+              </a:uFill>
+              <a:latin typeface="Trebuchet MS"/>
+            </a:endParaRPr>
+          </a:p>
+          <a:p>
+            <a:pPr marL="285840" indent="-285120">
+              <a:lnSpc>
+                <a:spcPct val="100000"/>
+              </a:lnSpc>
+              <a:buClr>
+                <a:srgbClr val="39C2D7"/>
+              </a:buClr>
+              <a:buFont typeface="Arial"/>
+              <a:buChar char="•"/>
+            </a:pPr>
+            <a:r>
+              <a:rPr lang="en-IN" sz="1600" spc="-1" dirty="0" smtClean="0">
+                <a:solidFill>
+                  <a:srgbClr val="464547"/>
+                </a:solidFill>
+                <a:uFill>
+                  <a:solidFill>
+                    <a:srgbClr val="FFFFFF"/>
+                  </a:solidFill>
+                </a:uFill>
+                <a:latin typeface="Trebuchet MS"/>
+              </a:rPr>
+              <a:t>Change parameter values that minimize cost</a:t>
+            </a:r>
+          </a:p>
+          <a:p>
+            <a:pPr marL="285840" indent="-285120">
+              <a:lnSpc>
+                <a:spcPct val="100000"/>
+              </a:lnSpc>
+              <a:buClr>
+                <a:srgbClr val="39C2D7"/>
+              </a:buClr>
+              <a:buFont typeface="Arial"/>
+              <a:buChar char="•"/>
+            </a:pPr>
+            <a:endParaRPr lang="en-IN" sz="1600" spc="-1" dirty="0" smtClean="0">
+              <a:solidFill>
+                <a:srgbClr val="464547"/>
+              </a:solidFill>
+              <a:uFill>
+                <a:solidFill>
+                  <a:srgbClr val="FFFFFF"/>
+                </a:solidFill>
+              </a:uFill>
+              <a:latin typeface="Trebuchet MS"/>
+            </a:endParaRPr>
+          </a:p>
+          <a:p>
+            <a:pPr marL="285840" indent="-285120">
+              <a:lnSpc>
+                <a:spcPct val="100000"/>
+              </a:lnSpc>
+              <a:buClr>
+                <a:srgbClr val="39C2D7"/>
+              </a:buClr>
+              <a:buFont typeface="Arial"/>
+              <a:buChar char="•"/>
+            </a:pPr>
+            <a:r>
+              <a:rPr lang="en-IN" sz="1600" spc="-1" dirty="0" smtClean="0">
+                <a:solidFill>
+                  <a:srgbClr val="464547"/>
+                </a:solidFill>
+                <a:uFill>
+                  <a:solidFill>
+                    <a:srgbClr val="FFFFFF"/>
+                  </a:solidFill>
+                </a:uFill>
+                <a:latin typeface="Trebuchet MS"/>
+              </a:rPr>
+              <a:t>Simple setting </a:t>
+            </a:r>
+            <a:r>
+              <a:rPr lang="en-IN" sz="1600" spc="-1" dirty="0" smtClean="0">
+                <a:solidFill>
+                  <a:srgbClr val="464547"/>
+                </a:solidFill>
+                <a:uFill>
+                  <a:solidFill>
+                    <a:srgbClr val="FFFFFF"/>
+                  </a:solidFill>
+                </a:uFill>
+                <a:latin typeface="Trebuchet MS"/>
+                <a:sym typeface="Wingdings" panose="05000000000000000000" pitchFamily="2" charset="2"/>
+              </a:rPr>
+              <a:t> convex function</a:t>
+            </a:r>
+          </a:p>
+          <a:p>
+            <a:pPr marL="285840" indent="-285120">
+              <a:lnSpc>
+                <a:spcPct val="100000"/>
+              </a:lnSpc>
+              <a:buClr>
+                <a:srgbClr val="39C2D7"/>
+              </a:buClr>
+              <a:buFont typeface="Arial"/>
+              <a:buChar char="•"/>
+            </a:pPr>
+            <a:endParaRPr lang="en-IN" sz="1600" spc="-1" dirty="0" smtClean="0">
+              <a:solidFill>
+                <a:srgbClr val="464547"/>
+              </a:solidFill>
+              <a:uFill>
+                <a:solidFill>
+                  <a:srgbClr val="FFFFFF"/>
+                </a:solidFill>
+              </a:uFill>
+              <a:latin typeface="Trebuchet MS"/>
+              <a:sym typeface="Wingdings" panose="05000000000000000000" pitchFamily="2" charset="2"/>
+            </a:endParaRPr>
+          </a:p>
+          <a:p>
+            <a:pPr marL="720">
+              <a:lnSpc>
+                <a:spcPct val="100000"/>
+              </a:lnSpc>
+              <a:buClr>
+                <a:srgbClr val="39C2D7"/>
+              </a:buClr>
+            </a:pPr>
+            <a:endParaRPr lang="en-IN" sz="1800" b="0" strike="noStrike" spc="-1" dirty="0">
+              <a:solidFill>
+                <a:srgbClr val="000000"/>
+              </a:solidFill>
+              <a:uFill>
+                <a:solidFill>
+                  <a:srgbClr val="FFFFFF"/>
+                </a:solidFill>
+              </a:uFill>
+              <a:latin typeface="Arial"/>
+            </a:endParaRPr>
+          </a:p>
+        </p:txBody>
+      </p:sp>
+      <p:sp>
+        <p:nvSpPr>
+          <p:cNvPr id="3" name="TextBox 2"/>
+          <p:cNvSpPr txBox="1"/>
+          <p:nvPr/>
+        </p:nvSpPr>
+        <p:spPr>
+          <a:xfrm>
+            <a:off x="3741383" y="2387969"/>
+            <a:ext cx="395652" cy="369332"/>
+          </a:xfrm>
+          <a:prstGeom prst="rect">
+            <a:avLst/>
+          </a:prstGeom>
+          <a:noFill/>
+        </p:spPr>
+        <p:txBody>
+          <a:bodyPr wrap="square" rtlCol="0">
+            <a:spAutoFit/>
+          </a:bodyPr>
+          <a:lstStyle/>
+          <a:p>
+            <a:r>
+              <a:rPr lang="en-US" dirty="0"/>
+              <a:t>E</a:t>
+            </a:r>
+            <a:endParaRPr lang="en-US" dirty="0"/>
+          </a:p>
+        </p:txBody>
+      </p:sp>
+      <p:sp>
+        <p:nvSpPr>
+          <p:cNvPr id="6" name="TextBox 5"/>
+          <p:cNvSpPr txBox="1"/>
+          <p:nvPr/>
+        </p:nvSpPr>
+        <p:spPr>
+          <a:xfrm>
+            <a:off x="5885846" y="3949184"/>
+            <a:ext cx="395652" cy="369332"/>
+          </a:xfrm>
+          <a:prstGeom prst="rect">
+            <a:avLst/>
+          </a:prstGeom>
+          <a:noFill/>
+        </p:spPr>
+        <p:txBody>
+          <a:bodyPr wrap="square" rtlCol="0">
+            <a:spAutoFit/>
+          </a:bodyPr>
+          <a:lstStyle/>
+          <a:p>
+            <a:r>
+              <a:rPr lang="en-US" dirty="0"/>
+              <a:t>m</a:t>
+            </a:r>
+            <a:endParaRPr lang="en-US" dirty="0"/>
+          </a:p>
+        </p:txBody>
+      </p:sp>
+    </p:spTree>
+    <p:extLst>
+      <p:ext uri="{BB962C8B-B14F-4D97-AF65-F5344CB8AC3E}">
+        <p14:creationId xmlns:p14="http://schemas.microsoft.com/office/powerpoint/2010/main" val="716919585"/>
+      </p:ext>
+    </p:extLst>
   </p:cSld>
   <p:clrMapOvr>
     <a:masterClrMapping/>
@@ -21998,19 +21838,21 @@
       </p:grpSpPr>
       <p:sp>
         <p:nvSpPr>
-          <p:cNvPr id="384" name="CustomShape 1"/>
+          <p:cNvPr id="383" name="CustomShape 1"/>
           <p:cNvSpPr/>
           <p:nvPr/>
         </p:nvSpPr>
         <p:spPr>
           <a:xfrm>
-            <a:off x="3133440" y="2810880"/>
-            <a:ext cx="1964160" cy="617400"/>
-          </a:xfrm>
-          <a:prstGeom prst="rect">
-            <a:avLst/>
-          </a:prstGeom>
-          <a:noFill/>
+            <a:off x="0" y="0"/>
+            <a:ext cx="9143280" cy="932040"/>
+          </a:xfrm>
+          <a:prstGeom prst="rect">
+            <a:avLst/>
+          </a:prstGeom>
+          <a:solidFill>
+            <a:srgbClr val="FFFFFF"/>
+          </a:solidFill>
           <a:ln>
             <a:noFill/>
           </a:ln>
@@ -22028,18 +21870,18 @@
           <a:fontRef idx="minor"/>
         </p:style>
         <p:txBody>
-          <a:bodyPr lIns="90000" tIns="45000" rIns="90000" bIns="45000"/>
+          <a:bodyPr lIns="365760" tIns="45000" rIns="90000" bIns="45000" anchor="ctr"/>
           <a:lstStyle/>
           <a:p>
             <a:pPr>
               <a:lnSpc>
-                <a:spcPct val="80000"/>
+                <a:spcPct val="100000"/>
               </a:lnSpc>
             </a:pPr>
             <a:r>
-              <a:rPr lang="en-IN" sz="4100" b="0" strike="noStrike" spc="-197" dirty="0">
-                <a:solidFill>
-                  <a:srgbClr val="FFFFFF"/>
+              <a:rPr lang="en-IN" sz="2600" b="0" strike="noStrike" spc="-1">
+                <a:solidFill>
+                  <a:srgbClr val="464547"/>
                 </a:solidFill>
                 <a:uFill>
                   <a:solidFill>
@@ -22048,86 +21890,335 @@
                 </a:uFill>
                 <a:latin typeface="Arial Black"/>
               </a:rPr>
-              <a:t>Demo</a:t>
+              <a:t>Gradient Descent</a:t>
             </a:r>
-            <a:endParaRPr lang="en-IN" sz="1800" b="0" strike="noStrike" spc="-1" dirty="0">
-              <a:solidFill>
-                <a:srgbClr val="000000"/>
-              </a:solidFill>
-              <a:uFill>
-                <a:solidFill>
-                  <a:srgbClr val="FFFFFF"/>
-                </a:solidFill>
-              </a:uFill>
-              <a:latin typeface="Arial"/>
-            </a:endParaRPr>
-          </a:p>
-        </p:txBody>
-      </p:sp>
-      <p:sp>
-        <p:nvSpPr>
-          <p:cNvPr id="385" name="CustomShape 2"/>
+            <a:endParaRPr lang="en-IN" sz="1800" b="0" strike="noStrike" spc="-1">
+              <a:solidFill>
+                <a:srgbClr val="000000"/>
+              </a:solidFill>
+              <a:uFill>
+                <a:solidFill>
+                  <a:srgbClr val="FFFFFF"/>
+                </a:solidFill>
+              </a:uFill>
+              <a:latin typeface="Arial"/>
+            </a:endParaRPr>
+          </a:p>
+        </p:txBody>
+      </p:sp>
+      <p:sp>
+        <p:nvSpPr>
+          <p:cNvPr id="4" name="CustomShape 3"/>
           <p:cNvSpPr/>
           <p:nvPr/>
         </p:nvSpPr>
         <p:spPr>
           <a:xfrm>
-            <a:off x="3440160" y="2756520"/>
-            <a:ext cx="1691640" cy="726120"/>
-          </a:xfrm>
-          <a:prstGeom prst="rect">
-            <a:avLst/>
-          </a:prstGeom>
-          <a:solidFill>
-            <a:srgbClr val="2FC2D9"/>
-          </a:solidFill>
+            <a:off x="356580" y="837803"/>
+            <a:ext cx="8430120" cy="4571280"/>
+          </a:xfrm>
+          <a:prstGeom prst="rect">
+            <a:avLst/>
+          </a:prstGeom>
+          <a:noFill/>
           <a:ln>
             <a:noFill/>
           </a:ln>
-          <a:effectLst>
-            <a:outerShdw blurRad="40000" dist="23000" dir="5400000" rotWithShape="0">
-              <a:srgbClr val="000000">
-                <a:alpha val="35000"/>
-              </a:srgbClr>
-            </a:outerShdw>
-          </a:effectLst>
         </p:spPr>
         <p:style>
-          <a:lnRef idx="1">
-            <a:schemeClr val="accent1"/>
+          <a:lnRef idx="0">
+            <a:scrgbClr r="0" g="0" b="0"/>
           </a:lnRef>
-          <a:fillRef idx="3">
-            <a:schemeClr val="accent1"/>
+          <a:fillRef idx="0">
+            <a:scrgbClr r="0" g="0" b="0"/>
           </a:fillRef>
-          <a:effectRef idx="2">
-            <a:schemeClr val="accent1"/>
+          <a:effectRef idx="0">
+            <a:scrgbClr r="0" g="0" b="0"/>
           </a:effectRef>
           <a:fontRef idx="minor"/>
         </p:style>
         <p:txBody>
-          <a:bodyPr wrap="none" lIns="68760" tIns="54720" rIns="68760" bIns="54720" anchor="ctr"/>
-          <a:lstStyle/>
-          <a:p>
-            <a:pPr>
+          <a:bodyPr lIns="90000" tIns="45000" rIns="90000" bIns="45000"/>
+          <a:lstStyle/>
+          <a:p>
+            <a:pPr marL="720">
               <a:lnSpc>
                 <a:spcPct val="100000"/>
               </a:lnSpc>
+              <a:buClr>
+                <a:srgbClr val="39C2D7"/>
+              </a:buClr>
+            </a:pPr>
+            <a:endParaRPr lang="en-IN" sz="1600" spc="-1" dirty="0" smtClean="0">
+              <a:solidFill>
+                <a:srgbClr val="464547"/>
+              </a:solidFill>
+              <a:uFill>
+                <a:solidFill>
+                  <a:srgbClr val="FFFFFF"/>
+                </a:solidFill>
+              </a:uFill>
+              <a:latin typeface="Trebuchet MS"/>
+              <a:sym typeface="Wingdings" panose="05000000000000000000" pitchFamily="2" charset="2"/>
+            </a:endParaRPr>
+          </a:p>
+          <a:p>
+            <a:pPr marL="285840" indent="-285120">
+              <a:lnSpc>
+                <a:spcPct val="100000"/>
+              </a:lnSpc>
+              <a:buClr>
+                <a:srgbClr val="39C2D7"/>
+              </a:buClr>
+              <a:buFont typeface="Arial"/>
+              <a:buChar char="•"/>
             </a:pPr>
             <a:r>
-              <a:rPr lang="en-IN" sz="4000" b="0" strike="noStrike" spc="-1" dirty="0" smtClean="0">
-                <a:solidFill>
-                  <a:srgbClr val="FFFFFF"/>
+              <a:rPr lang="en-IN" sz="1600" b="0" strike="noStrike" spc="-1" dirty="0" smtClean="0">
+                <a:solidFill>
+                  <a:srgbClr val="464547"/>
                 </a:solidFill>
                 <a:uFill>
                   <a:solidFill>
                     <a:srgbClr val="FFFFFF"/>
                   </a:solidFill>
                 </a:uFill>
-                <a:latin typeface="Arial Black"/>
-                <a:ea typeface="DejaVu Sans"/>
+                <a:latin typeface="Trebuchet MS"/>
+                <a:sym typeface="Wingdings" panose="05000000000000000000" pitchFamily="2" charset="2"/>
               </a:rPr>
-              <a:t>Demo</a:t>
+              <a:t>Minimize convex function  gradient descent</a:t>
             </a:r>
+          </a:p>
+          <a:p>
+            <a:pPr marL="285840" indent="-285120">
+              <a:lnSpc>
+                <a:spcPct val="100000"/>
+              </a:lnSpc>
+              <a:buClr>
+                <a:srgbClr val="39C2D7"/>
+              </a:buClr>
+              <a:buFont typeface="Arial"/>
+              <a:buChar char="•"/>
+            </a:pPr>
+            <a:endParaRPr lang="en-IN" sz="1600" spc="-1" dirty="0" smtClean="0">
+              <a:solidFill>
+                <a:srgbClr val="464547"/>
+              </a:solidFill>
+              <a:uFill>
+                <a:solidFill>
+                  <a:srgbClr val="FFFFFF"/>
+                </a:solidFill>
+              </a:uFill>
+              <a:latin typeface="Trebuchet MS"/>
+              <a:sym typeface="Wingdings" panose="05000000000000000000" pitchFamily="2" charset="2"/>
+            </a:endParaRPr>
+          </a:p>
+          <a:p>
+            <a:pPr marL="285840" indent="-285120">
+              <a:lnSpc>
+                <a:spcPct val="100000"/>
+              </a:lnSpc>
+              <a:buClr>
+                <a:srgbClr val="39C2D7"/>
+              </a:buClr>
+              <a:buFont typeface="Arial"/>
+              <a:buChar char="•"/>
+            </a:pPr>
+            <a:endParaRPr lang="en-IN" sz="1600" spc="-1" dirty="0">
+              <a:solidFill>
+                <a:srgbClr val="464547"/>
+              </a:solidFill>
+              <a:uFill>
+                <a:solidFill>
+                  <a:srgbClr val="FFFFFF"/>
+                </a:solidFill>
+              </a:uFill>
+              <a:latin typeface="Trebuchet MS"/>
+              <a:sym typeface="Wingdings" panose="05000000000000000000" pitchFamily="2" charset="2"/>
+            </a:endParaRPr>
+          </a:p>
+          <a:p>
+            <a:pPr marL="285840" indent="-285120">
+              <a:buClr>
+                <a:srgbClr val="39C2D7"/>
+              </a:buClr>
+              <a:buFont typeface="Arial"/>
+              <a:buChar char="•"/>
+            </a:pPr>
+            <a:r>
+              <a:rPr lang="en-IN" sz="1600" b="0" strike="noStrike" spc="-1" dirty="0" smtClean="0">
+                <a:solidFill>
+                  <a:srgbClr val="464547"/>
+                </a:solidFill>
+                <a:uFill>
+                  <a:solidFill>
+                    <a:srgbClr val="FFFFFF"/>
+                  </a:solidFill>
+                </a:uFill>
+                <a:latin typeface="Trebuchet MS"/>
+                <a:sym typeface="Wingdings" panose="05000000000000000000" pitchFamily="2" charset="2"/>
+              </a:rPr>
+              <a:t>Update rule</a:t>
+            </a:r>
+          </a:p>
+          <a:p>
+            <a:pPr marL="720">
+              <a:buClr>
+                <a:srgbClr val="39C2D7"/>
+              </a:buClr>
+            </a:pPr>
+            <a:endParaRPr lang="en-IN" sz="1600" b="0" strike="noStrike" spc="-1" dirty="0" smtClean="0">
+              <a:solidFill>
+                <a:srgbClr val="464547"/>
+              </a:solidFill>
+              <a:uFill>
+                <a:solidFill>
+                  <a:srgbClr val="FFFFFF"/>
+                </a:solidFill>
+              </a:uFill>
+              <a:latin typeface="Trebuchet MS"/>
+              <a:sym typeface="Wingdings" panose="05000000000000000000" pitchFamily="2" charset="2"/>
+            </a:endParaRPr>
+          </a:p>
+          <a:p>
+            <a:pPr marL="720">
+              <a:lnSpc>
+                <a:spcPct val="100000"/>
+              </a:lnSpc>
+              <a:buClr>
+                <a:srgbClr val="39C2D7"/>
+              </a:buClr>
+            </a:pPr>
+            <a:endParaRPr lang="en-IN" sz="1600" spc="-1" dirty="0" smtClean="0">
+              <a:solidFill>
+                <a:srgbClr val="464547"/>
+              </a:solidFill>
+              <a:uFill>
+                <a:solidFill>
+                  <a:srgbClr val="FFFFFF"/>
+                </a:solidFill>
+              </a:uFill>
+              <a:latin typeface="Trebuchet MS"/>
+              <a:sym typeface="Wingdings" panose="05000000000000000000" pitchFamily="2" charset="2"/>
+            </a:endParaRPr>
+          </a:p>
+          <a:p>
+            <a:pPr marL="720">
+              <a:lnSpc>
+                <a:spcPct val="100000"/>
+              </a:lnSpc>
+              <a:buClr>
+                <a:srgbClr val="39C2D7"/>
+              </a:buClr>
+            </a:pPr>
+            <a:endParaRPr lang="en-IN" sz="1600" spc="-1" dirty="0">
+              <a:solidFill>
+                <a:srgbClr val="464547"/>
+              </a:solidFill>
+              <a:uFill>
+                <a:solidFill>
+                  <a:srgbClr val="FFFFFF"/>
+                </a:solidFill>
+              </a:uFill>
+              <a:latin typeface="Trebuchet MS"/>
+              <a:sym typeface="Wingdings" panose="05000000000000000000" pitchFamily="2" charset="2"/>
+            </a:endParaRPr>
+          </a:p>
+          <a:p>
+            <a:pPr marL="285840" indent="-285120">
+              <a:lnSpc>
+                <a:spcPct val="100000"/>
+              </a:lnSpc>
+              <a:buClr>
+                <a:srgbClr val="39C2D7"/>
+              </a:buClr>
+              <a:buFont typeface="Arial"/>
+              <a:buChar char="•"/>
+            </a:pPr>
+            <a:r>
+              <a:rPr lang="en-IN" sz="1600" spc="-1" dirty="0">
+                <a:solidFill>
+                  <a:srgbClr val="464547"/>
+                </a:solidFill>
+                <a:uFill>
+                  <a:solidFill>
+                    <a:srgbClr val="FFFFFF"/>
+                  </a:solidFill>
+                </a:uFill>
+                <a:latin typeface="Trebuchet MS"/>
+                <a:sym typeface="Wingdings" panose="05000000000000000000" pitchFamily="2" charset="2"/>
+              </a:rPr>
+              <a:t>m</a:t>
+            </a:r>
+            <a:r>
+              <a:rPr lang="en-IN" sz="1600" spc="-1" dirty="0" smtClean="0">
+                <a:solidFill>
+                  <a:srgbClr val="464547"/>
+                </a:solidFill>
+                <a:uFill>
+                  <a:solidFill>
+                    <a:srgbClr val="FFFFFF"/>
+                  </a:solidFill>
+                </a:uFill>
+                <a:latin typeface="Trebuchet MS"/>
+                <a:sym typeface="Wingdings" panose="05000000000000000000" pitchFamily="2" charset="2"/>
+              </a:rPr>
+              <a:t> </a:t>
+            </a:r>
+            <a:r>
+              <a:rPr lang="en-IN" sz="1600" spc="-1" dirty="0" smtClean="0">
+                <a:solidFill>
+                  <a:srgbClr val="464547"/>
+                </a:solidFill>
+                <a:uFill>
+                  <a:solidFill>
+                    <a:srgbClr val="FFFFFF"/>
+                  </a:solidFill>
+                </a:uFill>
+                <a:latin typeface="Trebuchet MS"/>
+                <a:sym typeface="Wingdings" panose="05000000000000000000" pitchFamily="2" charset="2"/>
+              </a:rPr>
+              <a:t>converges to optimal value </a:t>
+            </a:r>
+            <a:r>
+              <a:rPr lang="en-IN" sz="1600" spc="-1" dirty="0" smtClean="0">
+                <a:solidFill>
+                  <a:srgbClr val="464547"/>
+                </a:solidFill>
+                <a:uFill>
+                  <a:solidFill>
+                    <a:srgbClr val="FFFFFF"/>
+                  </a:solidFill>
+                </a:uFill>
+                <a:latin typeface="Trebuchet MS"/>
+                <a:sym typeface="Wingdings" panose="05000000000000000000" pitchFamily="2" charset="2"/>
+              </a:rPr>
+              <a:t>(i.e. gives minimum Error)</a:t>
+            </a:r>
+            <a:endParaRPr lang="en-IN" sz="1600" spc="-1" dirty="0">
+              <a:solidFill>
+                <a:srgbClr val="464547"/>
+              </a:solidFill>
+              <a:uFill>
+                <a:solidFill>
+                  <a:srgbClr val="FFFFFF"/>
+                </a:solidFill>
+              </a:uFill>
+              <a:latin typeface="Trebuchet MS"/>
+              <a:sym typeface="Wingdings" panose="05000000000000000000" pitchFamily="2" charset="2"/>
+            </a:endParaRPr>
+          </a:p>
+          <a:p>
+            <a:pPr marL="285840" indent="-285120">
+              <a:lnSpc>
+                <a:spcPct val="100000"/>
+              </a:lnSpc>
+              <a:buClr>
+                <a:srgbClr val="39C2D7"/>
+              </a:buClr>
+              <a:buFont typeface="Arial"/>
+              <a:buChar char="•"/>
+            </a:pPr>
             <a:endParaRPr lang="en-IN" sz="1800" b="0" strike="noStrike" spc="-1" dirty="0">
               <a:solidFill>
                 <a:srgbClr val="000000"/>
@@ -22142,6 +22233,36 @@
           </a:p>
         </p:txBody>
       </p:sp>
+      <p:pic>
+        <p:nvPicPr>
+          <p:cNvPr id="2" name="Picture 1"/>
+          <p:cNvPicPr>
+            <a:picLocks noChangeAspect="1"/>
+          </p:cNvPicPr>
+          <p:nvPr/>
+        </p:nvPicPr>
+        <p:blipFill>
+          <a:blip r:embed="rId3">
+            <a:extLst>
+              <a:ext uri="{28A0092B-C50C-407E-A947-70E740481C1C}">
+                <a14:useLocalDpi xmlns:a14="http://schemas.microsoft.com/office/drawing/2010/main" val="0"/>
+              </a:ext>
+            </a:extLst>
+          </a:blip>
+          <a:stretch>
+            <a:fillRect/>
+          </a:stretch>
+        </p:blipFill>
+        <p:spPr>
+          <a:xfrm>
+            <a:off x="1849440" y="2299569"/>
+            <a:ext cx="1980952" cy="219048"/>
+          </a:xfrm>
+          <a:prstGeom prst="rect">
+            <a:avLst/>
+          </a:prstGeom>
+        </p:spPr>
+      </p:pic>
     </p:spTree>
   </p:cSld>
   <p:clrMapOvr>
@@ -22196,6 +22317,204 @@
       </p:grpSpPr>
       <p:sp>
         <p:nvSpPr>
+          <p:cNvPr id="384" name="CustomShape 1"/>
+          <p:cNvSpPr/>
+          <p:nvPr/>
+        </p:nvSpPr>
+        <p:spPr>
+          <a:xfrm>
+            <a:off x="3133440" y="2810880"/>
+            <a:ext cx="1964160" cy="617400"/>
+          </a:xfrm>
+          <a:prstGeom prst="rect">
+            <a:avLst/>
+          </a:prstGeom>
+          <a:noFill/>
+          <a:ln>
+            <a:noFill/>
+          </a:ln>
+        </p:spPr>
+        <p:style>
+          <a:lnRef idx="0">
+            <a:scrgbClr r="0" g="0" b="0"/>
+          </a:lnRef>
+          <a:fillRef idx="0">
+            <a:scrgbClr r="0" g="0" b="0"/>
+          </a:fillRef>
+          <a:effectRef idx="0">
+            <a:scrgbClr r="0" g="0" b="0"/>
+          </a:effectRef>
+          <a:fontRef idx="minor"/>
+        </p:style>
+        <p:txBody>
+          <a:bodyPr lIns="90000" tIns="45000" rIns="90000" bIns="45000"/>
+          <a:lstStyle/>
+          <a:p>
+            <a:pPr>
+              <a:lnSpc>
+                <a:spcPct val="80000"/>
+              </a:lnSpc>
+            </a:pPr>
+            <a:r>
+              <a:rPr lang="en-IN" sz="4100" b="0" strike="noStrike" spc="-197" dirty="0">
+                <a:solidFill>
+                  <a:srgbClr val="FFFFFF"/>
+                </a:solidFill>
+                <a:uFill>
+                  <a:solidFill>
+                    <a:srgbClr val="FFFFFF"/>
+                  </a:solidFill>
+                </a:uFill>
+                <a:latin typeface="Arial Black"/>
+              </a:rPr>
+              <a:t>Demo</a:t>
+            </a:r>
+            <a:endParaRPr lang="en-IN" sz="1800" b="0" strike="noStrike" spc="-1" dirty="0">
+              <a:solidFill>
+                <a:srgbClr val="000000"/>
+              </a:solidFill>
+              <a:uFill>
+                <a:solidFill>
+                  <a:srgbClr val="FFFFFF"/>
+                </a:solidFill>
+              </a:uFill>
+              <a:latin typeface="Arial"/>
+            </a:endParaRPr>
+          </a:p>
+        </p:txBody>
+      </p:sp>
+      <p:sp>
+        <p:nvSpPr>
+          <p:cNvPr id="385" name="CustomShape 2"/>
+          <p:cNvSpPr/>
+          <p:nvPr/>
+        </p:nvSpPr>
+        <p:spPr>
+          <a:xfrm>
+            <a:off x="3440160" y="2756520"/>
+            <a:ext cx="1691640" cy="726120"/>
+          </a:xfrm>
+          <a:prstGeom prst="rect">
+            <a:avLst/>
+          </a:prstGeom>
+          <a:solidFill>
+            <a:srgbClr val="2FC2D9"/>
+          </a:solidFill>
+          <a:ln>
+            <a:noFill/>
+          </a:ln>
+          <a:effectLst>
+            <a:outerShdw blurRad="40000" dist="23000" dir="5400000" rotWithShape="0">
+              <a:srgbClr val="000000">
+                <a:alpha val="35000"/>
+              </a:srgbClr>
+            </a:outerShdw>
+          </a:effectLst>
+        </p:spPr>
+        <p:style>
+          <a:lnRef idx="1">
+            <a:schemeClr val="accent1"/>
+          </a:lnRef>
+          <a:fillRef idx="3">
+            <a:schemeClr val="accent1"/>
+          </a:fillRef>
+          <a:effectRef idx="2">
+            <a:schemeClr val="accent1"/>
+          </a:effectRef>
+          <a:fontRef idx="minor"/>
+        </p:style>
+        <p:txBody>
+          <a:bodyPr wrap="none" lIns="68760" tIns="54720" rIns="68760" bIns="54720" anchor="ctr"/>
+          <a:lstStyle/>
+          <a:p>
+            <a:pPr>
+              <a:lnSpc>
+                <a:spcPct val="100000"/>
+              </a:lnSpc>
+            </a:pPr>
+            <a:r>
+              <a:rPr lang="en-IN" sz="4000" b="0" strike="noStrike" spc="-1" dirty="0" smtClean="0">
+                <a:solidFill>
+                  <a:srgbClr val="FFFFFF"/>
+                </a:solidFill>
+                <a:uFill>
+                  <a:solidFill>
+                    <a:srgbClr val="FFFFFF"/>
+                  </a:solidFill>
+                </a:uFill>
+                <a:latin typeface="Arial Black"/>
+                <a:ea typeface="DejaVu Sans"/>
+              </a:rPr>
+              <a:t>Demo</a:t>
+            </a:r>
+            <a:endParaRPr lang="en-IN" sz="1800" b="0" strike="noStrike" spc="-1" dirty="0">
+              <a:solidFill>
+                <a:srgbClr val="000000"/>
+              </a:solidFill>
+              <a:uFill>
+                <a:solidFill>
+                  <a:srgbClr val="FFFFFF"/>
+                </a:solidFill>
+              </a:uFill>
+              <a:latin typeface="Arial"/>
+            </a:endParaRPr>
+          </a:p>
+        </p:txBody>
+      </p:sp>
+    </p:spTree>
+  </p:cSld>
+  <p:clrMapOvr>
+    <a:masterClrMapping/>
+  </p:clrMapOvr>
+  <p:timing>
+    <p:tnLst>
+      <p:par>
+        <p:cTn id="1" dur="indefinite" restart="never" nodeType="tmRoot">
+          <p:childTnLst>
+            <p:seq>
+              <p:cTn id="2" nodeType="mainSeq"/>
+              <p:prevCondLst>
+                <p:cond evt="onPrev" delay="0">
+                  <p:tgtEl>
+                    <p:sldTgt/>
+                  </p:tgtEl>
+                </p:cond>
+              </p:prevCondLst>
+              <p:nextCondLst>
+                <p:cond evt="onNext" delay="0">
+                  <p:tgtEl>
+                    <p:sldTgt/>
+                  </p:tgtEl>
+                </p:cond>
+              </p:nextCondLst>
+            </p:seq>
+          </p:childTnLst>
+        </p:cTn>
+      </p:par>
+    </p:tnLst>
+  </p:timing>
+</p:sld>
+</file>
+
+<file path=ppt/slides/slide16.xml><?xml version="1.0" encoding="utf-8"?>
+<p:sld xmlns:a="http://schemas.openxmlformats.org/drawingml/2006/main" xmlns:r="http://schemas.openxmlformats.org/officeDocument/2006/relationships" xmlns:p="http://schemas.openxmlformats.org/presentationml/2006/main">
+  <p:cSld>
+    <p:spTree>
+      <p:nvGrpSpPr>
+        <p:cNvPr id="1" name=""/>
+        <p:cNvGrpSpPr/>
+        <p:nvPr/>
+      </p:nvGrpSpPr>
+      <p:grpSpPr>
+        <a:xfrm>
+          <a:off x="0" y="0"/>
+          <a:ext cx="0" cy="0"/>
+          <a:chOff x="0" y="0"/>
+          <a:chExt cx="0" cy="0"/>
+        </a:xfrm>
+      </p:grpSpPr>
+      <p:sp>
+        <p:nvSpPr>
           <p:cNvPr id="386" name="CustomShape 1"/>
           <p:cNvSpPr/>
           <p:nvPr/>
@@ -24387,8 +24706,28 @@
               <a:buFont typeface="Arial"/>
               <a:buChar char="•"/>
             </a:pPr>
+            <a:endParaRPr lang="en-IN" sz="1600" b="0" strike="noStrike" spc="-1" dirty="0" smtClean="0">
+              <a:solidFill>
+                <a:srgbClr val="464547"/>
+              </a:solidFill>
+              <a:uFill>
+                <a:solidFill>
+                  <a:srgbClr val="FFFFFF"/>
+                </a:solidFill>
+              </a:uFill>
+              <a:latin typeface="Trebuchet MS"/>
+            </a:endParaRPr>
+          </a:p>
+          <a:p>
+            <a:pPr marL="286470" indent="-285750">
+              <a:buClr>
+                <a:srgbClr val="39C2D7"/>
+              </a:buClr>
+              <a:buFont typeface="Arial" panose="020B0604020202020204" pitchFamily="34" charset="0"/>
+              <a:buChar char="•"/>
+            </a:pPr>
             <a:r>
-              <a:rPr lang="en-IN" sz="1600" b="0" strike="noStrike" spc="-1" dirty="0">
+              <a:rPr lang="en-IN" sz="1600" spc="-1" dirty="0">
                 <a:solidFill>
                   <a:srgbClr val="464547"/>
                 </a:solidFill>
@@ -24399,54 +24738,61 @@
                 </a:uFill>
                 <a:latin typeface="Trebuchet MS"/>
               </a:rPr>
-              <a:t>A way of thinking about Artificial intelligence</a:t>
+              <a:t>Learn different patterns in existing </a:t>
             </a:r>
-            <a:endParaRPr lang="en-IN" sz="1800" b="0" strike="noStrike" spc="-1" dirty="0">
-              <a:solidFill>
-                <a:srgbClr val="000000"/>
-              </a:solidFill>
-              <a:uFill>
-                <a:solidFill>
-                  <a:srgbClr val="FFFFFF"/>
-                </a:solidFill>
-              </a:uFill>
-              <a:latin typeface="Arial"/>
-            </a:endParaRPr>
-          </a:p>
-          <a:p>
-            <a:pPr>
+            <a:r>
+              <a:rPr lang="en-IN" sz="1600" spc="-1" dirty="0" smtClean="0">
+                <a:solidFill>
+                  <a:srgbClr val="464547"/>
+                </a:solidFill>
+                <a:uFill>
+                  <a:solidFill>
+                    <a:srgbClr val="FFFFFF"/>
+                  </a:solidFill>
+                </a:uFill>
+                <a:latin typeface="Trebuchet MS"/>
+              </a:rPr>
+              <a:t>information</a:t>
+            </a:r>
+          </a:p>
+          <a:p>
+            <a:pPr marL="286470" indent="-285750">
+              <a:buClr>
+                <a:srgbClr val="39C2D7"/>
+              </a:buClr>
+              <a:buFont typeface="Arial" panose="020B0604020202020204" pitchFamily="34" charset="0"/>
+              <a:buChar char="•"/>
+            </a:pPr>
+            <a:endParaRPr lang="en-IN" spc="-1" dirty="0">
+              <a:solidFill>
+                <a:srgbClr val="000000"/>
+              </a:solidFill>
+              <a:uFill>
+                <a:solidFill>
+                  <a:srgbClr val="FFFFFF"/>
+                </a:solidFill>
+              </a:uFill>
+            </a:endParaRPr>
+          </a:p>
+          <a:p>
+            <a:pPr marL="720">
               <a:lnSpc>
                 <a:spcPct val="100000"/>
               </a:lnSpc>
+              <a:buClr>
+                <a:srgbClr val="39C2D7"/>
+              </a:buClr>
             </a:pPr>
-            <a:endParaRPr lang="en-IN" sz="1800" b="0" strike="noStrike" spc="-1" dirty="0" smtClean="0">
-              <a:solidFill>
-                <a:srgbClr val="000000"/>
-              </a:solidFill>
-              <a:uFill>
-                <a:solidFill>
-                  <a:srgbClr val="FFFFFF"/>
-                </a:solidFill>
-              </a:uFill>
-              <a:latin typeface="Arial"/>
-            </a:endParaRPr>
-          </a:p>
-          <a:p>
-            <a:pPr>
-              <a:lnSpc>
-                <a:spcPct val="100000"/>
-              </a:lnSpc>
-            </a:pPr>
-            <a:endParaRPr lang="en-IN" sz="1800" b="0" strike="noStrike" spc="-1" dirty="0">
-              <a:solidFill>
-                <a:srgbClr val="000000"/>
-              </a:solidFill>
-              <a:uFill>
-                <a:solidFill>
-                  <a:srgbClr val="FFFFFF"/>
-                </a:solidFill>
-              </a:uFill>
-              <a:latin typeface="Arial"/>
+            <a:endParaRPr lang="en-IN" sz="1600" b="0" strike="noStrike" spc="-1" dirty="0" smtClean="0">
+              <a:solidFill>
+                <a:srgbClr val="464547"/>
+              </a:solidFill>
+              <a:uFill>
+                <a:solidFill>
+                  <a:srgbClr val="FFFFFF"/>
+                </a:solidFill>
+              </a:uFill>
+              <a:latin typeface="Trebuchet MS"/>
             </a:endParaRPr>
           </a:p>
           <a:p>
@@ -24461,7 +24807,7 @@
               <a:buChar char="•"/>
             </a:pPr>
             <a:r>
-              <a:rPr lang="en-IN" sz="1600" b="0" strike="noStrike" spc="-1" dirty="0">
+              <a:rPr lang="en-IN" sz="1600" b="0" strike="noStrike" spc="-1" dirty="0" smtClean="0">
                 <a:solidFill>
                   <a:srgbClr val="464547"/>
                 </a:solidFill>
@@ -24472,7 +24818,21 @@
                 </a:uFill>
                 <a:latin typeface="Trebuchet MS"/>
               </a:rPr>
-              <a:t>Learn different patterns in existing information</a:t>
+              <a:t>A </a:t>
+            </a:r>
+            <a:r>
+              <a:rPr lang="en-IN" sz="1600" b="0" strike="noStrike" spc="-1" dirty="0">
+                <a:solidFill>
+                  <a:srgbClr val="464547"/>
+                </a:solidFill>
+                <a:uFill>
+                  <a:solidFill>
+                    <a:srgbClr val="FFFFFF"/>
+                  </a:solidFill>
+                </a:uFill>
+                <a:latin typeface="Trebuchet MS"/>
+              </a:rPr>
+              <a:t>way of thinking about Artificial intelligence</a:t>
             </a:r>
             <a:endParaRPr lang="en-IN" sz="1800" b="0" strike="noStrike" spc="-1" dirty="0">
               <a:solidFill>
@@ -24534,7 +24894,7 @@
               <a:buChar char="•"/>
             </a:pPr>
             <a:r>
-              <a:rPr lang="en-IN" sz="1600" b="0" strike="noStrike" spc="-1" dirty="0">
+              <a:rPr lang="en-IN" sz="1600" b="0" strike="noStrike" spc="-1" dirty="0" smtClean="0">
                 <a:solidFill>
                   <a:srgbClr val="464547"/>
                 </a:solidFill>
@@ -24573,7 +24933,7 @@
                 </a:uFill>
                 <a:latin typeface="Trebuchet MS"/>
               </a:rPr>
-              <a:t> optimize </a:t>
+              <a:t> tune </a:t>
             </a:r>
             <a:r>
               <a:rPr lang="en-IN" sz="1600" b="0" strike="noStrike" spc="-1" dirty="0">
@@ -24601,24 +24961,10 @@
                 </a:uFill>
                 <a:latin typeface="Trebuchet MS"/>
               </a:rPr>
-              <a:t> tune </a:t>
+              <a:t> </a:t>
             </a:r>
             <a:r>
-              <a:rPr lang="en-IN" sz="1600" b="0" strike="noStrike" spc="-1" dirty="0">
-                <a:solidFill>
-                  <a:srgbClr val="464547"/>
-                </a:solidFill>
-                <a:uFill>
-                  <a:solidFill>
-                    <a:srgbClr val="FFFFFF"/>
-                  </a:solidFill>
-                </a:uFill>
-                <a:latin typeface="Wingdings"/>
-              </a:rPr>
-              <a:t></a:t>
-            </a:r>
-            <a:r>
-              <a:rPr lang="en-IN" sz="1600" b="0" strike="noStrike" spc="-1" dirty="0">
+              <a:rPr lang="en-IN" sz="1600" b="0" strike="noStrike" spc="-1" dirty="0" smtClean="0">
                 <a:solidFill>
                   <a:srgbClr val="464547"/>
                 </a:solidFill>
@@ -24629,7 +24975,22 @@
                 </a:uFill>
                 <a:latin typeface="Trebuchet MS"/>
               </a:rPr>
-              <a:t> </a:t>
+              <a:t>predict </a:t>
+            </a:r>
+            <a:r>
+              <a:rPr lang="en-IN" sz="1600" b="0" strike="noStrike" spc="-1" dirty="0" smtClean="0">
+                <a:solidFill>
+                  <a:srgbClr val="464547"/>
+                </a:solidFill>
+                <a:uFill>
+                  <a:solidFill>
+                    <a:srgbClr val="FFFFFF"/>
+                  </a:solidFill>
+                </a:uFill>
+                <a:latin typeface="Trebuchet MS"/>
+                <a:sym typeface="Wingdings" panose="05000000000000000000" pitchFamily="2" charset="2"/>
+              </a:rPr>
+              <a:t> </a:t>
             </a:r>
             <a:r>
               <a:rPr lang="en-IN" sz="1600" b="0" strike="noStrike" spc="-1" dirty="0" smtClean="0">
@@ -24643,7 +25004,21 @@
                 </a:uFill>
                 <a:latin typeface="Trebuchet MS"/>
               </a:rPr>
-              <a:t>get new data </a:t>
+              <a:t>get </a:t>
+            </a:r>
+            <a:r>
+              <a:rPr lang="en-IN" sz="1600" b="0" strike="noStrike" spc="-1" dirty="0" smtClean="0">
+                <a:solidFill>
+                  <a:srgbClr val="464547"/>
+                </a:solidFill>
+                <a:uFill>
+                  <a:solidFill>
+                    <a:srgbClr val="FFFFFF"/>
+                  </a:solidFill>
+                </a:uFill>
+                <a:latin typeface="Trebuchet MS"/>
+              </a:rPr>
+              <a:t>new data </a:t>
             </a:r>
             <a:r>
               <a:rPr lang="en-IN" sz="1600" b="0" strike="noStrike" spc="-1" dirty="0" smtClean="0">
@@ -27950,19 +28325,21 @@
       </p:grpSpPr>
       <p:sp>
         <p:nvSpPr>
-          <p:cNvPr id="377" name="CustomShape 1"/>
+          <p:cNvPr id="4" name="CustomShape 1"/>
           <p:cNvSpPr/>
           <p:nvPr/>
         </p:nvSpPr>
         <p:spPr>
           <a:xfrm>
-            <a:off x="352440" y="1440000"/>
-            <a:ext cx="8430120" cy="4571280"/>
-          </a:xfrm>
-          <a:prstGeom prst="rect">
-            <a:avLst/>
-          </a:prstGeom>
-          <a:noFill/>
+            <a:off x="0" y="0"/>
+            <a:ext cx="9143280" cy="932040"/>
+          </a:xfrm>
+          <a:prstGeom prst="rect">
+            <a:avLst/>
+          </a:prstGeom>
+          <a:solidFill>
+            <a:srgbClr val="FFFFFF"/>
+          </a:solidFill>
           <a:ln>
             <a:noFill/>
           </a:ln>
@@ -27979,24 +28356,58 @@
           </a:effectRef>
           <a:fontRef idx="minor"/>
         </p:style>
-      </p:sp>
-      <p:sp>
-        <p:nvSpPr>
-          <p:cNvPr id="378" name="CustomShape 2"/>
+        <p:txBody>
+          <a:bodyPr lIns="365760" tIns="45000" rIns="90000" bIns="45000" anchor="ctr"/>
+          <a:lstStyle/>
+          <a:p>
+            <a:pPr>
+              <a:lnSpc>
+                <a:spcPct val="100000"/>
+              </a:lnSpc>
+            </a:pPr>
+            <a:r>
+              <a:rPr lang="en-IN" sz="2600" spc="-1" dirty="0" smtClean="0">
+                <a:solidFill>
+                  <a:srgbClr val="464547"/>
+                </a:solidFill>
+                <a:uFill>
+                  <a:solidFill>
+                    <a:srgbClr val="FFFFFF"/>
+                  </a:solidFill>
+                </a:uFill>
+                <a:latin typeface="Arial Black"/>
+              </a:rPr>
+              <a:t>Recap..</a:t>
+            </a:r>
+            <a:endParaRPr lang="en-IN" sz="1800" b="0" strike="noStrike" spc="-1" dirty="0">
+              <a:solidFill>
+                <a:srgbClr val="000000"/>
+              </a:solidFill>
+              <a:uFill>
+                <a:solidFill>
+                  <a:srgbClr val="FFFFFF"/>
+                </a:solidFill>
+              </a:uFill>
+              <a:latin typeface="Arial"/>
+            </a:endParaRPr>
+          </a:p>
+        </p:txBody>
+      </p:sp>
+      <p:sp>
+        <p:nvSpPr>
+          <p:cNvPr id="5" name="CustomShape 2"/>
           <p:cNvSpPr/>
           <p:nvPr/>
         </p:nvSpPr>
         <p:spPr>
           <a:xfrm>
-            <a:off x="0" y="0"/>
-            <a:ext cx="9143280" cy="932040"/>
-          </a:xfrm>
-          <a:prstGeom prst="rect">
-            <a:avLst/>
-          </a:prstGeom>
-          <a:solidFill>
-            <a:srgbClr val="FFFFFF"/>
-          </a:solidFill>
+            <a:off x="356760" y="1435680"/>
+            <a:ext cx="8430120" cy="4571280"/>
+          </a:xfrm>
+          <a:prstGeom prst="rect">
+            <a:avLst/>
+          </a:prstGeom>
+          <a:noFill/>
           <a:ln>
             <a:noFill/>
           </a:ln>
@@ -28014,51 +28425,39 @@
           <a:fontRef idx="minor"/>
         </p:style>
         <p:txBody>
-          <a:bodyPr lIns="365760" tIns="45000" rIns="90000" bIns="45000" anchor="ctr"/>
-          <a:lstStyle/>
-          <a:p>
-            <a:pPr>
+          <a:bodyPr lIns="90000" tIns="45000" rIns="90000" bIns="45000"/>
+          <a:lstStyle/>
+          <a:p>
+            <a:pPr marL="285750" indent="-285750">
               <a:lnSpc>
                 <a:spcPct val="100000"/>
               </a:lnSpc>
+              <a:buFont typeface="Arial" panose="020B0604020202020204" pitchFamily="34" charset="0"/>
+              <a:buChar char="•"/>
             </a:pPr>
-            <a:r>
-              <a:rPr lang="en-IN" sz="2600" b="0" strike="noStrike" spc="-1">
-                <a:solidFill>
-                  <a:srgbClr val="464547"/>
-                </a:solidFill>
-                <a:uFill>
-                  <a:solidFill>
-                    <a:srgbClr val="FFFFFF"/>
-                  </a:solidFill>
-                </a:uFill>
-                <a:latin typeface="Arial Black"/>
-              </a:rPr>
-              <a:t>A Simple Example</a:t>
-            </a:r>
-            <a:endParaRPr lang="en-IN" sz="1800" b="0" strike="noStrike" spc="-1">
-              <a:solidFill>
-                <a:srgbClr val="000000"/>
-              </a:solidFill>
-              <a:uFill>
-                <a:solidFill>
-                  <a:srgbClr val="FFFFFF"/>
-                </a:solidFill>
-              </a:uFill>
-              <a:latin typeface="Arial"/>
-            </a:endParaRPr>
-          </a:p>
-        </p:txBody>
-      </p:sp>
-      <p:sp>
-        <p:nvSpPr>
-          <p:cNvPr id="379" name="CustomShape 3"/>
+            <a:endParaRPr lang="en-IN" sz="1800" b="0" strike="noStrike" spc="-1" dirty="0">
+              <a:solidFill>
+                <a:srgbClr val="000000"/>
+              </a:solidFill>
+              <a:uFill>
+                <a:solidFill>
+                  <a:srgbClr val="FFFFFF"/>
+                </a:solidFill>
+              </a:uFill>
+              <a:latin typeface="Arial"/>
+            </a:endParaRPr>
+          </a:p>
+        </p:txBody>
+      </p:sp>
+      <p:sp>
+        <p:nvSpPr>
+          <p:cNvPr id="6" name="CustomShape 3"/>
           <p:cNvSpPr/>
           <p:nvPr/>
         </p:nvSpPr>
         <p:spPr>
           <a:xfrm>
-            <a:off x="356760" y="1435680"/>
+            <a:off x="356760" y="1073730"/>
             <a:ext cx="8430120" cy="4571280"/>
           </a:xfrm>
           <a:prstGeom prst="rect">
@@ -28096,7 +28495,7 @@
               <a:buChar char="•"/>
             </a:pPr>
             <a:r>
-              <a:rPr lang="en-IN" sz="1600" b="0" strike="noStrike" spc="-1" dirty="0" smtClean="0">
+              <a:rPr lang="en-IN" sz="1600" spc="-1" dirty="0" smtClean="0">
                 <a:solidFill>
                   <a:srgbClr val="464547"/>
                 </a:solidFill>
@@ -28107,18 +28506,32 @@
                 </a:uFill>
                 <a:latin typeface="Trebuchet MS"/>
               </a:rPr>
-              <a:t>Input: Square feet</a:t>
+              <a:t>Equation of a line </a:t>
             </a:r>
-            <a:endParaRPr lang="en-IN" spc="-1" dirty="0">
-              <a:solidFill>
-                <a:srgbClr val="000000"/>
-              </a:solidFill>
-              <a:uFill>
-                <a:solidFill>
-                  <a:srgbClr val="FFFFFF"/>
-                </a:solidFill>
-              </a:uFill>
-              <a:latin typeface="Arial"/>
+            <a:r>
+              <a:rPr lang="en-IN" sz="1600" spc="-1" dirty="0" smtClean="0">
+                <a:solidFill>
+                  <a:srgbClr val="464547"/>
+                </a:solidFill>
+                <a:uFill>
+                  <a:solidFill>
+                    <a:srgbClr val="FFFFFF"/>
+                  </a:solidFill>
+                </a:uFill>
+                <a:latin typeface="Trebuchet MS"/>
+              </a:rPr>
+              <a:t>                                                </a:t>
+            </a:r>
+            <a:endParaRPr lang="en-IN" sz="1600" spc="-1" dirty="0" smtClean="0">
+              <a:solidFill>
+                <a:srgbClr val="464547"/>
+              </a:solidFill>
+              <a:uFill>
+                <a:solidFill>
+                  <a:srgbClr val="FFFFFF"/>
+                </a:solidFill>
+              </a:uFill>
+              <a:latin typeface="Trebuchet MS"/>
             </a:endParaRPr>
           </a:p>
           <a:p>
@@ -28130,16 +28543,16 @@
                 <a:srgbClr val="39C2D7"/>
               </a:buClr>
             </a:pPr>
-            <a:endParaRPr lang="en-IN" sz="1800" b="0" strike="noStrike" spc="-1" dirty="0" smtClean="0">
-              <a:solidFill>
-                <a:srgbClr val="000000"/>
-              </a:solidFill>
-              <a:uFill>
-                <a:solidFill>
-                  <a:srgbClr val="FFFFFF"/>
-                </a:solidFill>
-              </a:uFill>
-              <a:latin typeface="Arial"/>
+            <a:endParaRPr lang="en-IN" sz="1600" spc="-1" dirty="0" smtClean="0">
+              <a:solidFill>
+                <a:srgbClr val="464547"/>
+              </a:solidFill>
+              <a:uFill>
+                <a:solidFill>
+                  <a:srgbClr val="FFFFFF"/>
+                </a:solidFill>
+              </a:uFill>
+              <a:latin typeface="Trebuchet MS"/>
             </a:endParaRPr>
           </a:p>
           <a:p>
@@ -28151,16 +28564,37 @@
                 <a:srgbClr val="39C2D7"/>
               </a:buClr>
             </a:pPr>
-            <a:endParaRPr lang="en-IN" sz="1800" b="0" strike="noStrike" spc="-1" dirty="0">
-              <a:solidFill>
-                <a:srgbClr val="000000"/>
-              </a:solidFill>
-              <a:uFill>
-                <a:solidFill>
-                  <a:srgbClr val="FFFFFF"/>
-                </a:solidFill>
-              </a:uFill>
-              <a:latin typeface="Arial"/>
+            <a:endParaRPr lang="en-IN" sz="1600" spc="-1" dirty="0" smtClean="0">
+              <a:solidFill>
+                <a:srgbClr val="464547"/>
+              </a:solidFill>
+              <a:uFill>
+                <a:solidFill>
+                  <a:srgbClr val="FFFFFF"/>
+                </a:solidFill>
+              </a:uFill>
+              <a:latin typeface="Trebuchet MS"/>
+            </a:endParaRPr>
+          </a:p>
+          <a:p>
+            <a:pPr marL="720">
+              <a:lnSpc>
+                <a:spcPct val="100000"/>
+              </a:lnSpc>
+              <a:buClr>
+                <a:srgbClr val="39C2D7"/>
+              </a:buClr>
+            </a:pPr>
+            <a:endParaRPr lang="en-IN" sz="1600" spc="-1" dirty="0">
+              <a:solidFill>
+                <a:srgbClr val="464547"/>
+              </a:solidFill>
+              <a:uFill>
+                <a:solidFill>
+                  <a:srgbClr val="FFFFFF"/>
+                </a:solidFill>
+              </a:uFill>
+              <a:latin typeface="Trebuchet MS"/>
             </a:endParaRPr>
           </a:p>
           <a:p>
@@ -28175,7 +28609,7 @@
               <a:buChar char="•"/>
             </a:pPr>
             <a:r>
-              <a:rPr lang="en-IN" sz="1600" b="0" strike="noStrike" spc="-1" dirty="0" smtClean="0">
+              <a:rPr lang="en-IN" sz="1600" spc="-1" dirty="0" smtClean="0">
                 <a:solidFill>
                   <a:srgbClr val="464547"/>
                 </a:solidFill>
@@ -28186,49 +28620,76 @@
                 </a:uFill>
                 <a:latin typeface="Trebuchet MS"/>
               </a:rPr>
-              <a:t>Output: Expected price</a:t>
+              <a:t>Slope of a line / Gradient</a:t>
             </a:r>
           </a:p>
           <a:p>
-            <a:pPr marL="720">
+            <a:pPr marL="285840" indent="-285120">
               <a:lnSpc>
                 <a:spcPct val="100000"/>
               </a:lnSpc>
               <a:buClr>
                 <a:srgbClr val="39C2D7"/>
               </a:buClr>
+              <a:buFont typeface="Arial"/>
+              <a:buChar char="•"/>
             </a:pPr>
-            <a:endParaRPr lang="en-IN" sz="1800" b="0" strike="noStrike" spc="-1" dirty="0" smtClean="0">
-              <a:solidFill>
-                <a:srgbClr val="000000"/>
-              </a:solidFill>
-              <a:uFill>
-                <a:solidFill>
-                  <a:srgbClr val="FFFFFF"/>
-                </a:solidFill>
-              </a:uFill>
-              <a:latin typeface="Arial"/>
-            </a:endParaRPr>
-          </a:p>
-          <a:p>
-            <a:pPr marL="720">
+            <a:endParaRPr lang="en-IN" sz="1600" spc="-1" dirty="0" smtClean="0">
+              <a:solidFill>
+                <a:srgbClr val="464547"/>
+              </a:solidFill>
+              <a:uFill>
+                <a:solidFill>
+                  <a:srgbClr val="FFFFFF"/>
+                </a:solidFill>
+              </a:uFill>
+              <a:latin typeface="Trebuchet MS"/>
+            </a:endParaRPr>
+          </a:p>
+          <a:p>
+            <a:pPr marL="285840" indent="-285120">
               <a:lnSpc>
                 <a:spcPct val="100000"/>
               </a:lnSpc>
               <a:buClr>
                 <a:srgbClr val="39C2D7"/>
               </a:buClr>
+              <a:buFont typeface="Arial"/>
+              <a:buChar char="•"/>
             </a:pPr>
-            <a:endParaRPr lang="en-IN" sz="1800" b="0" strike="noStrike" spc="-1" dirty="0">
-              <a:solidFill>
-                <a:srgbClr val="000000"/>
-              </a:solidFill>
-              <a:uFill>
-                <a:solidFill>
-                  <a:srgbClr val="FFFFFF"/>
-                </a:solidFill>
-              </a:uFill>
-              <a:latin typeface="Arial"/>
+            <a:endParaRPr lang="en-IN" sz="1600" spc="-1" dirty="0" smtClean="0">
+              <a:solidFill>
+                <a:srgbClr val="464547"/>
+              </a:solidFill>
+              <a:uFill>
+                <a:solidFill>
+                  <a:srgbClr val="FFFFFF"/>
+                </a:solidFill>
+              </a:uFill>
+              <a:latin typeface="Trebuchet MS"/>
+            </a:endParaRPr>
+          </a:p>
+          <a:p>
+            <a:pPr marL="285840" indent="-285120">
+              <a:lnSpc>
+                <a:spcPct val="100000"/>
+              </a:lnSpc>
+              <a:buClr>
+                <a:srgbClr val="39C2D7"/>
+              </a:buClr>
+              <a:buFont typeface="Arial"/>
+              <a:buChar char="•"/>
+            </a:pPr>
+            <a:endParaRPr lang="en-IN" sz="1600" spc="-1" dirty="0">
+              <a:solidFill>
+                <a:srgbClr val="464547"/>
+              </a:solidFill>
+              <a:uFill>
+                <a:solidFill>
+                  <a:srgbClr val="FFFFFF"/>
+                </a:solidFill>
+              </a:uFill>
+              <a:latin typeface="Trebuchet MS"/>
             </a:endParaRPr>
           </a:p>
           <a:p>
@@ -28243,7 +28704,7 @@
               <a:buChar char="•"/>
             </a:pPr>
             <a:r>
-              <a:rPr lang="en-IN" sz="1600" b="0" strike="noStrike" spc="-1" dirty="0">
+              <a:rPr lang="en-IN" sz="1600" spc="-1" dirty="0" smtClean="0">
                 <a:solidFill>
                   <a:srgbClr val="464547"/>
                 </a:solidFill>
@@ -28254,10 +28715,10 @@
                 </a:uFill>
                 <a:latin typeface="Trebuchet MS"/>
               </a:rPr>
-              <a:t>Need to </a:t>
+              <a:t>Linear </a:t>
             </a:r>
             <a:r>
-              <a:rPr lang="en-IN" sz="1600" b="0" strike="noStrike" spc="-1" dirty="0" smtClean="0">
+              <a:rPr lang="en-IN" sz="1600" spc="-1" dirty="0" smtClean="0">
                 <a:solidFill>
                   <a:srgbClr val="464547"/>
                 </a:solidFill>
@@ -28268,10 +28729,91 @@
                 </a:uFill>
                 <a:latin typeface="Trebuchet MS"/>
               </a:rPr>
-              <a:t>come up with </a:t>
+              <a:t>function vs non linear function</a:t>
             </a:r>
+          </a:p>
+          <a:p>
+            <a:pPr marL="285840" indent="-285120">
+              <a:lnSpc>
+                <a:spcPct val="100000"/>
+              </a:lnSpc>
+              <a:buClr>
+                <a:srgbClr val="39C2D7"/>
+              </a:buClr>
+              <a:buFont typeface="Arial"/>
+              <a:buChar char="•"/>
+            </a:pPr>
+            <a:endParaRPr lang="en-IN" sz="1600" spc="-1" dirty="0" smtClean="0">
+              <a:solidFill>
+                <a:srgbClr val="464547"/>
+              </a:solidFill>
+              <a:uFill>
+                <a:solidFill>
+                  <a:srgbClr val="FFFFFF"/>
+                </a:solidFill>
+              </a:uFill>
+              <a:latin typeface="Trebuchet MS"/>
+            </a:endParaRPr>
+          </a:p>
+          <a:p>
+            <a:pPr marL="285840" indent="-285120">
+              <a:lnSpc>
+                <a:spcPct val="100000"/>
+              </a:lnSpc>
+              <a:buClr>
+                <a:srgbClr val="39C2D7"/>
+              </a:buClr>
+              <a:buFont typeface="Arial"/>
+              <a:buChar char="•"/>
+            </a:pPr>
+            <a:endParaRPr lang="en-IN" sz="1600" spc="-1" dirty="0" smtClean="0">
+              <a:solidFill>
+                <a:srgbClr val="464547"/>
+              </a:solidFill>
+              <a:uFill>
+                <a:solidFill>
+                  <a:srgbClr val="FFFFFF"/>
+                </a:solidFill>
+              </a:uFill>
+              <a:latin typeface="Trebuchet MS"/>
+            </a:endParaRPr>
+          </a:p>
+          <a:p>
+            <a:pPr marL="285840" indent="-285120">
+              <a:lnSpc>
+                <a:spcPct val="100000"/>
+              </a:lnSpc>
+              <a:buClr>
+                <a:srgbClr val="39C2D7"/>
+              </a:buClr>
+              <a:buFont typeface="Arial"/>
+              <a:buChar char="•"/>
+            </a:pPr>
+            <a:endParaRPr lang="en-IN" sz="1600" spc="-1" dirty="0">
+              <a:solidFill>
+                <a:srgbClr val="464547"/>
+              </a:solidFill>
+              <a:uFill>
+                <a:solidFill>
+                  <a:srgbClr val="FFFFFF"/>
+                </a:solidFill>
+              </a:uFill>
+              <a:latin typeface="Trebuchet MS"/>
+            </a:endParaRPr>
+          </a:p>
+          <a:p>
+            <a:pPr marL="285840" indent="-285120">
+              <a:lnSpc>
+                <a:spcPct val="100000"/>
+              </a:lnSpc>
+              <a:buClr>
+                <a:srgbClr val="39C2D7"/>
+              </a:buClr>
+              <a:buFont typeface="Arial"/>
+              <a:buChar char="•"/>
+            </a:pPr>
             <a:r>
-              <a:rPr lang="en-IN" sz="1600" b="0" strike="noStrike" spc="-1" dirty="0">
+              <a:rPr lang="en-IN" sz="1600" spc="-1" dirty="0" smtClean="0">
                 <a:solidFill>
                   <a:srgbClr val="464547"/>
                 </a:solidFill>
@@ -28282,10 +28824,10 @@
                 </a:uFill>
                 <a:latin typeface="Trebuchet MS"/>
               </a:rPr>
-              <a:t>a </a:t>
+              <a:t>Sigma Notation for </a:t>
             </a:r>
             <a:r>
-              <a:rPr lang="en-IN" sz="1600" b="0" strike="noStrike" spc="-1" dirty="0" smtClean="0">
+              <a:rPr lang="en-IN" sz="1600" spc="-1" dirty="0" smtClean="0">
                 <a:solidFill>
                   <a:srgbClr val="464547"/>
                 </a:solidFill>
@@ -28296,86 +28838,208 @@
                 </a:uFill>
                 <a:latin typeface="Trebuchet MS"/>
               </a:rPr>
-              <a:t>‘Model’ </a:t>
+              <a:t>sums </a:t>
             </a:r>
-            <a:r>
-              <a:rPr lang="en-IN" sz="1600" b="0" strike="noStrike" spc="-1" dirty="0">
-                <a:solidFill>
-                  <a:srgbClr val="464547"/>
-                </a:solidFill>
-                <a:uFill>
-                  <a:solidFill>
-                    <a:srgbClr val="FFFFFF"/>
-                  </a:solidFill>
-                </a:uFill>
-                <a:latin typeface="Trebuchet MS"/>
-              </a:rPr>
-              <a:t>that </a:t>
-            </a:r>
-            <a:r>
-              <a:rPr lang="en-IN" sz="1600" b="0" strike="noStrike" spc="-1" dirty="0" smtClean="0">
-                <a:solidFill>
-                  <a:srgbClr val="464547"/>
-                </a:solidFill>
-                <a:uFill>
-                  <a:solidFill>
-                    <a:srgbClr val="FFFFFF"/>
-                  </a:solidFill>
-                </a:uFill>
-                <a:latin typeface="Trebuchet MS"/>
-              </a:rPr>
-              <a:t>predicts the price</a:t>
-            </a:r>
-            <a:endParaRPr lang="en-IN" sz="1800" b="0" strike="noStrike" spc="-1" dirty="0">
-              <a:solidFill>
-                <a:srgbClr val="000000"/>
-              </a:solidFill>
-              <a:uFill>
-                <a:solidFill>
-                  <a:srgbClr val="FFFFFF"/>
-                </a:solidFill>
-              </a:uFill>
-              <a:latin typeface="Arial"/>
-            </a:endParaRPr>
-          </a:p>
-          <a:p>
-            <a:pPr marL="720">
-              <a:lnSpc>
-                <a:spcPct val="100000"/>
-              </a:lnSpc>
-              <a:buClr>
-                <a:srgbClr val="39C2D7"/>
-              </a:buClr>
-            </a:pPr>
-            <a:r>
-              <a:rPr lang="en-IN" sz="1600" b="0" strike="noStrike" spc="-1" dirty="0">
-                <a:solidFill>
-                  <a:srgbClr val="464547"/>
-                </a:solidFill>
-                <a:uFill>
-                  <a:solidFill>
-                    <a:srgbClr val="FFFFFF"/>
-                  </a:solidFill>
-                </a:uFill>
-                <a:latin typeface="Trebuchet MS"/>
-              </a:rPr>
-              <a:t> </a:t>
-            </a:r>
-            <a:endParaRPr lang="en-IN" sz="1800" b="0" strike="noStrike" spc="-1" dirty="0">
-              <a:solidFill>
-                <a:srgbClr val="000000"/>
-              </a:solidFill>
-              <a:uFill>
-                <a:solidFill>
-                  <a:srgbClr val="FFFFFF"/>
-                </a:solidFill>
-              </a:uFill>
-              <a:latin typeface="Arial"/>
-            </a:endParaRPr>
-          </a:p>
-        </p:txBody>
-      </p:sp>
+            <a:endParaRPr lang="en-IN" sz="1600" spc="-1" dirty="0" smtClean="0">
+              <a:solidFill>
+                <a:srgbClr val="464547"/>
+              </a:solidFill>
+              <a:uFill>
+                <a:solidFill>
+                  <a:srgbClr val="FFFFFF"/>
+                </a:solidFill>
+              </a:uFill>
+              <a:latin typeface="Trebuchet MS"/>
+            </a:endParaRPr>
+          </a:p>
+        </p:txBody>
+      </p:sp>
+      <p:pic>
+        <p:nvPicPr>
+          <p:cNvPr id="2" name="Picture 1"/>
+          <p:cNvPicPr>
+            <a:picLocks noChangeAspect="1"/>
+          </p:cNvPicPr>
+          <p:nvPr/>
+        </p:nvPicPr>
+        <p:blipFill>
+          <a:blip r:embed="rId2" cstate="print">
+            <a:extLst>
+              <a:ext uri="{28A0092B-C50C-407E-A947-70E740481C1C}">
+                <a14:useLocalDpi xmlns:a14="http://schemas.microsoft.com/office/drawing/2010/main" val="0"/>
+              </a:ext>
+            </a:extLst>
+          </a:blip>
+          <a:stretch>
+            <a:fillRect/>
+          </a:stretch>
+        </p:blipFill>
+        <p:spPr>
+          <a:xfrm>
+            <a:off x="4932485" y="2404791"/>
+            <a:ext cx="3854395" cy="1885855"/>
+          </a:xfrm>
+          <a:prstGeom prst="rect">
+            <a:avLst/>
+          </a:prstGeom>
+        </p:spPr>
+      </p:pic>
+      <p:pic>
+        <p:nvPicPr>
+          <p:cNvPr id="3" name="Picture 2"/>
+          <p:cNvPicPr>
+            <a:picLocks noChangeAspect="1"/>
+          </p:cNvPicPr>
+          <p:nvPr/>
+        </p:nvPicPr>
+        <p:blipFill>
+          <a:blip r:embed="rId3">
+            <a:extLst>
+              <a:ext uri="{28A0092B-C50C-407E-A947-70E740481C1C}">
+                <a14:useLocalDpi xmlns:a14="http://schemas.microsoft.com/office/drawing/2010/main" val="0"/>
+              </a:ext>
+            </a:extLst>
+          </a:blip>
+          <a:stretch>
+            <a:fillRect/>
+          </a:stretch>
+        </p:blipFill>
+        <p:spPr>
+          <a:xfrm>
+            <a:off x="726899" y="2363313"/>
+            <a:ext cx="3427482" cy="315546"/>
+          </a:xfrm>
+          <a:prstGeom prst="rect">
+            <a:avLst/>
+          </a:prstGeom>
+        </p:spPr>
+      </p:pic>
+      <p:pic>
+        <p:nvPicPr>
+          <p:cNvPr id="7" name="Picture 6"/>
+          <p:cNvPicPr>
+            <a:picLocks noChangeAspect="1"/>
+          </p:cNvPicPr>
+          <p:nvPr/>
+        </p:nvPicPr>
+        <p:blipFill>
+          <a:blip r:embed="rId4">
+            <a:extLst>
+              <a:ext uri="{28A0092B-C50C-407E-A947-70E740481C1C}">
+                <a14:useLocalDpi xmlns:a14="http://schemas.microsoft.com/office/drawing/2010/main" val="0"/>
+              </a:ext>
+            </a:extLst>
+          </a:blip>
+          <a:stretch>
+            <a:fillRect/>
+          </a:stretch>
+        </p:blipFill>
+        <p:spPr>
+          <a:xfrm>
+            <a:off x="728848" y="1422366"/>
+            <a:ext cx="1797518" cy="291804"/>
+          </a:xfrm>
+          <a:prstGeom prst="rect">
+            <a:avLst/>
+          </a:prstGeom>
+        </p:spPr>
+      </p:pic>
+      <p:pic>
+        <p:nvPicPr>
+          <p:cNvPr id="8" name="Picture 7"/>
+          <p:cNvPicPr>
+            <a:picLocks noChangeAspect="1"/>
+          </p:cNvPicPr>
+          <p:nvPr/>
+        </p:nvPicPr>
+        <p:blipFill>
+          <a:blip r:embed="rId5">
+            <a:extLst>
+              <a:ext uri="{28A0092B-C50C-407E-A947-70E740481C1C}">
+                <a14:useLocalDpi xmlns:a14="http://schemas.microsoft.com/office/drawing/2010/main" val="0"/>
+              </a:ext>
+            </a:extLst>
+          </a:blip>
+          <a:stretch>
+            <a:fillRect/>
+          </a:stretch>
+        </p:blipFill>
+        <p:spPr>
+          <a:xfrm>
+            <a:off x="2483964" y="3314262"/>
+            <a:ext cx="830736" cy="330019"/>
+          </a:xfrm>
+          <a:prstGeom prst="rect">
+            <a:avLst/>
+          </a:prstGeom>
+        </p:spPr>
+      </p:pic>
+      <p:pic>
+        <p:nvPicPr>
+          <p:cNvPr id="9" name="Picture 8"/>
+          <p:cNvPicPr>
+            <a:picLocks noChangeAspect="1"/>
+          </p:cNvPicPr>
+          <p:nvPr/>
+        </p:nvPicPr>
+        <p:blipFill>
+          <a:blip r:embed="rId6">
+            <a:extLst>
+              <a:ext uri="{28A0092B-C50C-407E-A947-70E740481C1C}">
+                <a14:useLocalDpi xmlns:a14="http://schemas.microsoft.com/office/drawing/2010/main" val="0"/>
+              </a:ext>
+            </a:extLst>
+          </a:blip>
+          <a:stretch>
+            <a:fillRect/>
+          </a:stretch>
+        </p:blipFill>
+        <p:spPr>
+          <a:xfrm>
+            <a:off x="728848" y="3363238"/>
+            <a:ext cx="1504398" cy="244220"/>
+          </a:xfrm>
+          <a:prstGeom prst="rect">
+            <a:avLst/>
+          </a:prstGeom>
+        </p:spPr>
+      </p:pic>
+      <p:pic>
+        <p:nvPicPr>
+          <p:cNvPr id="10" name="Picture 9"/>
+          <p:cNvPicPr>
+            <a:picLocks noChangeAspect="1"/>
+          </p:cNvPicPr>
+          <p:nvPr/>
+        </p:nvPicPr>
+        <p:blipFill>
+          <a:blip r:embed="rId7">
+            <a:extLst>
+              <a:ext uri="{28A0092B-C50C-407E-A947-70E740481C1C}">
+                <a14:useLocalDpi xmlns:a14="http://schemas.microsoft.com/office/drawing/2010/main" val="0"/>
+              </a:ext>
+            </a:extLst>
+          </a:blip>
+          <a:stretch>
+            <a:fillRect/>
+          </a:stretch>
+        </p:blipFill>
+        <p:spPr>
+          <a:xfrm>
+            <a:off x="864243" y="4377853"/>
+            <a:ext cx="505404" cy="631754"/>
+          </a:xfrm>
+          <a:prstGeom prst="rect">
+            <a:avLst/>
+          </a:prstGeom>
+        </p:spPr>
+      </p:pic>
     </p:spTree>
+    <p:extLst>
+      <p:ext uri="{BB962C8B-B14F-4D97-AF65-F5344CB8AC3E}">
+        <p14:creationId xmlns:p14="http://schemas.microsoft.com/office/powerpoint/2010/main" val="3003121310"/>
+      </p:ext>
+    </p:extLst>
   </p:cSld>
   <p:clrMapOvr>
     <a:masterClrMapping/>
@@ -28385,8 +29049,281 @@
       <p:par>
         <p:cTn id="1" dur="indefinite" restart="never" nodeType="tmRoot">
           <p:childTnLst>
-            <p:seq>
-              <p:cTn id="2" nodeType="mainSeq"/>
+            <p:seq concurrent="1" nextAc="seek">
+              <p:cTn id="2" dur="indefinite" nodeType="mainSeq">
+                <p:childTnLst>
+                  <p:par>
+                    <p:cTn id="3" fill="hold">
+                      <p:stCondLst>
+                        <p:cond delay="indefinite"/>
+                      </p:stCondLst>
+                      <p:childTnLst>
+                        <p:par>
+                          <p:cTn id="4" fill="hold">
+                            <p:stCondLst>
+                              <p:cond delay="0"/>
+                            </p:stCondLst>
+                            <p:childTnLst>
+                              <p:par>
+                                <p:cTn id="5" presetID="1" presetClass="entr" presetSubtype="0" fill="hold" nodeType="clickEffect">
+                                  <p:stCondLst>
+                                    <p:cond delay="0"/>
+                                  </p:stCondLst>
+                                  <p:childTnLst>
+                                    <p:set>
+                                      <p:cBhvr>
+                                        <p:cTn id="6" dur="1" fill="hold">
+                                          <p:stCondLst>
+                                            <p:cond delay="0"/>
+                                          </p:stCondLst>
+                                        </p:cTn>
+                                        <p:tgtEl>
+                                          <p:spTgt spid="7"/>
+                                        </p:tgtEl>
+                                        <p:attrNameLst>
+                                          <p:attrName>style.visibility</p:attrName>
+                                        </p:attrNameLst>
+                                      </p:cBhvr>
+                                      <p:to>
+                                        <p:strVal val="visible"/>
+                                      </p:to>
+                                    </p:set>
+                                  </p:childTnLst>
+                                </p:cTn>
+                              </p:par>
+                            </p:childTnLst>
+                          </p:cTn>
+                        </p:par>
+                      </p:childTnLst>
+                    </p:cTn>
+                  </p:par>
+                  <p:par>
+                    <p:cTn id="7" fill="hold">
+                      <p:stCondLst>
+                        <p:cond delay="indefinite"/>
+                      </p:stCondLst>
+                      <p:childTnLst>
+                        <p:par>
+                          <p:cTn id="8" fill="hold">
+                            <p:stCondLst>
+                              <p:cond delay="0"/>
+                            </p:stCondLst>
+                            <p:childTnLst>
+                              <p:par>
+                                <p:cTn id="9" presetID="1" presetClass="entr" presetSubtype="0" fill="hold" nodeType="clickEffect">
+                                  <p:stCondLst>
+                                    <p:cond delay="0"/>
+                                  </p:stCondLst>
+                                  <p:childTnLst>
+                                    <p:set>
+                                      <p:cBhvr>
+                                        <p:cTn id="10" dur="1" fill="hold">
+                                          <p:stCondLst>
+                                            <p:cond delay="0"/>
+                                          </p:stCondLst>
+                                        </p:cTn>
+                                        <p:tgtEl>
+                                          <p:spTgt spid="3"/>
+                                        </p:tgtEl>
+                                        <p:attrNameLst>
+                                          <p:attrName>style.visibility</p:attrName>
+                                        </p:attrNameLst>
+                                      </p:cBhvr>
+                                      <p:to>
+                                        <p:strVal val="visible"/>
+                                      </p:to>
+                                    </p:set>
+                                  </p:childTnLst>
+                                </p:cTn>
+                              </p:par>
+                            </p:childTnLst>
+                          </p:cTn>
+                        </p:par>
+                      </p:childTnLst>
+                    </p:cTn>
+                  </p:par>
+                  <p:par>
+                    <p:cTn id="11" fill="hold">
+                      <p:stCondLst>
+                        <p:cond delay="indefinite"/>
+                      </p:stCondLst>
+                      <p:childTnLst>
+                        <p:par>
+                          <p:cTn id="12" fill="hold">
+                            <p:stCondLst>
+                              <p:cond delay="0"/>
+                            </p:stCondLst>
+                            <p:childTnLst>
+                              <p:par>
+                                <p:cTn id="13" presetID="1" presetClass="entr" presetSubtype="0" fill="hold" nodeType="clickEffect">
+                                  <p:stCondLst>
+                                    <p:cond delay="0"/>
+                                  </p:stCondLst>
+                                  <p:childTnLst>
+                                    <p:set>
+                                      <p:cBhvr>
+                                        <p:cTn id="14" dur="1" fill="hold">
+                                          <p:stCondLst>
+                                            <p:cond delay="0"/>
+                                          </p:stCondLst>
+                                        </p:cTn>
+                                        <p:tgtEl>
+                                          <p:spTgt spid="9"/>
+                                        </p:tgtEl>
+                                        <p:attrNameLst>
+                                          <p:attrName>style.visibility</p:attrName>
+                                        </p:attrNameLst>
+                                      </p:cBhvr>
+                                      <p:to>
+                                        <p:strVal val="visible"/>
+                                      </p:to>
+                                    </p:set>
+                                  </p:childTnLst>
+                                </p:cTn>
+                              </p:par>
+                            </p:childTnLst>
+                          </p:cTn>
+                        </p:par>
+                      </p:childTnLst>
+                    </p:cTn>
+                  </p:par>
+                  <p:par>
+                    <p:cTn id="15" fill="hold">
+                      <p:stCondLst>
+                        <p:cond delay="indefinite"/>
+                      </p:stCondLst>
+                      <p:childTnLst>
+                        <p:par>
+                          <p:cTn id="16" fill="hold">
+                            <p:stCondLst>
+                              <p:cond delay="0"/>
+                            </p:stCondLst>
+                            <p:childTnLst>
+                              <p:par>
+                                <p:cTn id="17" presetID="1" presetClass="entr" presetSubtype="0" fill="hold" nodeType="clickEffect">
+                                  <p:stCondLst>
+                                    <p:cond delay="0"/>
+                                  </p:stCondLst>
+                                  <p:childTnLst>
+                                    <p:set>
+                                      <p:cBhvr>
+                                        <p:cTn id="18" dur="1" fill="hold">
+                                          <p:stCondLst>
+                                            <p:cond delay="0"/>
+                                          </p:stCondLst>
+                                        </p:cTn>
+                                        <p:tgtEl>
+                                          <p:spTgt spid="8"/>
+                                        </p:tgtEl>
+                                        <p:attrNameLst>
+                                          <p:attrName>style.visibility</p:attrName>
+                                        </p:attrNameLst>
+                                      </p:cBhvr>
+                                      <p:to>
+                                        <p:strVal val="visible"/>
+                                      </p:to>
+                                    </p:set>
+                                  </p:childTnLst>
+                                </p:cTn>
+                              </p:par>
+                            </p:childTnLst>
+                          </p:cTn>
+                        </p:par>
+                      </p:childTnLst>
+                    </p:cTn>
+                  </p:par>
+                  <p:par>
+                    <p:cTn id="19" fill="hold">
+                      <p:stCondLst>
+                        <p:cond delay="indefinite"/>
+                      </p:stCondLst>
+                      <p:childTnLst>
+                        <p:par>
+                          <p:cTn id="20" fill="hold">
+                            <p:stCondLst>
+                              <p:cond delay="0"/>
+                            </p:stCondLst>
+                            <p:childTnLst>
+                              <p:par>
+                                <p:cTn id="21" presetID="1" presetClass="entr" presetSubtype="0" fill="hold" nodeType="clickEffect">
+                                  <p:stCondLst>
+                                    <p:cond delay="0"/>
+                                  </p:stCondLst>
+                                  <p:childTnLst>
+                                    <p:set>
+                                      <p:cBhvr>
+                                        <p:cTn id="22" dur="1" fill="hold">
+                                          <p:stCondLst>
+                                            <p:cond delay="0"/>
+                                          </p:stCondLst>
+                                        </p:cTn>
+                                        <p:tgtEl>
+                                          <p:spTgt spid="2"/>
+                                        </p:tgtEl>
+                                        <p:attrNameLst>
+                                          <p:attrName>style.visibility</p:attrName>
+                                        </p:attrNameLst>
+                                      </p:cBhvr>
+                                      <p:to>
+                                        <p:strVal val="visible"/>
+                                      </p:to>
+                                    </p:set>
+                                  </p:childTnLst>
+                                </p:cTn>
+                              </p:par>
+                            </p:childTnLst>
+                          </p:cTn>
+                        </p:par>
+                      </p:childTnLst>
+                    </p:cTn>
+                  </p:par>
+                  <p:par>
+                    <p:cTn id="23" fill="hold">
+                      <p:stCondLst>
+                        <p:cond delay="indefinite"/>
+                      </p:stCondLst>
+                      <p:childTnLst>
+                        <p:par>
+                          <p:cTn id="24" fill="hold">
+                            <p:stCondLst>
+                              <p:cond delay="0"/>
+                            </p:stCondLst>
+                            <p:childTnLst>
+                              <p:par>
+                                <p:cTn id="25" presetID="1" presetClass="entr" presetSubtype="0" fill="hold" nodeType="clickEffect">
+                                  <p:stCondLst>
+                                    <p:cond delay="0"/>
+                                  </p:stCondLst>
+                                  <p:childTnLst>
+                                    <p:set>
+                                      <p:cBhvr>
+                                        <p:cTn id="26" dur="1" fill="hold">
+                                          <p:stCondLst>
+                                            <p:cond delay="0"/>
+                                          </p:stCondLst>
+                                        </p:cTn>
+                                        <p:tgtEl>
+                                          <p:spTgt spid="10"/>
+                                        </p:tgtEl>
+                                        <p:attrNameLst>
+                                          <p:attrName>style.visibility</p:attrName>
+                                        </p:attrNameLst>
+                                      </p:cBhvr>
+                                      <p:to>
+                                        <p:strVal val="visible"/>
+                                      </p:to>
+                                    </p:set>
+                                  </p:childTnLst>
+                                </p:cTn>
+                              </p:par>
+                            </p:childTnLst>
+                          </p:cTn>
+                        </p:par>
+                      </p:childTnLst>
+                    </p:cTn>
+                  </p:par>
+                </p:childTnLst>
+              </p:cTn>
               <p:prevCondLst>
                 <p:cond evt="onPrev" delay="0">
                   <p:tgtEl>
@@ -28427,53 +29364,21 @@
           <a:chExt cx="0" cy="0"/>
         </a:xfrm>
       </p:grpSpPr>
-      <p:pic>
-        <p:nvPicPr>
-          <p:cNvPr id="3" name="Picture 2"/>
-          <p:cNvPicPr>
-            <a:picLocks noChangeAspect="1"/>
-          </p:cNvPicPr>
-          <p:nvPr/>
-        </p:nvPicPr>
-        <p:blipFill>
-          <a:blip r:embed="rId3">
-            <a:extLst>
-              <a:ext uri="{28A0092B-C50C-407E-A947-70E740481C1C}">
-                <a14:useLocalDpi xmlns:a14="http://schemas.microsoft.com/office/drawing/2010/main" val="0"/>
-              </a:ext>
-            </a:extLst>
-          </a:blip>
-          <a:stretch>
-            <a:fillRect/>
-          </a:stretch>
-        </p:blipFill>
-        <p:spPr>
-          <a:xfrm>
-            <a:off x="152316" y="3638549"/>
-            <a:ext cx="4491542" cy="2752725"/>
-          </a:xfrm>
-          <a:prstGeom prst="rect">
-            <a:avLst/>
-          </a:prstGeom>
-        </p:spPr>
-      </p:pic>
-      <p:sp>
-        <p:nvSpPr>
-          <p:cNvPr id="382" name="CustomShape 1"/>
+      <p:sp>
+        <p:nvSpPr>
+          <p:cNvPr id="377" name="CustomShape 1"/>
           <p:cNvSpPr/>
           <p:nvPr/>
         </p:nvSpPr>
         <p:spPr>
           <a:xfrm>
-            <a:off x="0" y="0"/>
-            <a:ext cx="9143280" cy="932040"/>
-          </a:xfrm>
-          <a:prstGeom prst="rect">
-            <a:avLst/>
-          </a:prstGeom>
-          <a:solidFill>
-            <a:srgbClr val="FFFFFF"/>
-          </a:solidFill>
+            <a:off x="352440" y="1440000"/>
+            <a:ext cx="8430120" cy="4571280"/>
+          </a:xfrm>
+          <a:prstGeom prst="rect">
+            <a:avLst/>
+          </a:prstGeom>
+          <a:noFill/>
           <a:ln>
             <a:noFill/>
           </a:ln>
@@ -28490,58 +29395,24 @@
           </a:effectRef>
           <a:fontRef idx="minor"/>
         </p:style>
-        <p:txBody>
-          <a:bodyPr lIns="365760" tIns="45000" rIns="90000" bIns="45000" anchor="ctr"/>
-          <a:lstStyle/>
-          <a:p>
-            <a:pPr>
-              <a:lnSpc>
-                <a:spcPct val="100000"/>
-              </a:lnSpc>
-            </a:pPr>
-            <a:r>
-              <a:rPr lang="en-IN" sz="2600" b="0" strike="noStrike" spc="-1">
-                <a:solidFill>
-                  <a:srgbClr val="464547"/>
-                </a:solidFill>
-                <a:uFill>
-                  <a:solidFill>
-                    <a:srgbClr val="FFFFFF"/>
-                  </a:solidFill>
-                </a:uFill>
-                <a:latin typeface="Arial Black"/>
-              </a:rPr>
-              <a:t>Linear Regression</a:t>
-            </a:r>
-            <a:endParaRPr lang="en-IN" sz="1800" b="0" strike="noStrike" spc="-1">
-              <a:solidFill>
-                <a:srgbClr val="000000"/>
-              </a:solidFill>
-              <a:uFill>
-                <a:solidFill>
-                  <a:srgbClr val="FFFFFF"/>
-                </a:solidFill>
-              </a:uFill>
-              <a:latin typeface="Arial"/>
-            </a:endParaRPr>
-          </a:p>
-        </p:txBody>
-      </p:sp>
-      <p:sp>
-        <p:nvSpPr>
-          <p:cNvPr id="4" name="CustomShape 3"/>
+      </p:sp>
+      <p:sp>
+        <p:nvSpPr>
+          <p:cNvPr id="378" name="CustomShape 2"/>
           <p:cNvSpPr/>
           <p:nvPr/>
         </p:nvSpPr>
         <p:spPr>
           <a:xfrm>
-            <a:off x="356580" y="820218"/>
-            <a:ext cx="8430120" cy="4571280"/>
-          </a:xfrm>
-          <a:prstGeom prst="rect">
-            <a:avLst/>
-          </a:prstGeom>
-          <a:noFill/>
+            <a:off x="0" y="0"/>
+            <a:ext cx="9143280" cy="932040"/>
+          </a:xfrm>
+          <a:prstGeom prst="rect">
+            <a:avLst/>
+          </a:prstGeom>
+          <a:solidFill>
+            <a:srgbClr val="FFFFFF"/>
+          </a:solidFill>
           <a:ln>
             <a:noFill/>
           </a:ln>
@@ -28559,6 +29430,74 @@
           <a:fontRef idx="minor"/>
         </p:style>
         <p:txBody>
+          <a:bodyPr lIns="365760" tIns="45000" rIns="90000" bIns="45000" anchor="ctr"/>
+          <a:lstStyle/>
+          <a:p>
+            <a:pPr>
+              <a:lnSpc>
+                <a:spcPct val="100000"/>
+              </a:lnSpc>
+            </a:pPr>
+            <a:r>
+              <a:rPr lang="en-IN" sz="2600" b="0" strike="noStrike" spc="-1">
+                <a:solidFill>
+                  <a:srgbClr val="464547"/>
+                </a:solidFill>
+                <a:uFill>
+                  <a:solidFill>
+                    <a:srgbClr val="FFFFFF"/>
+                  </a:solidFill>
+                </a:uFill>
+                <a:latin typeface="Arial Black"/>
+              </a:rPr>
+              <a:t>A Simple Example</a:t>
+            </a:r>
+            <a:endParaRPr lang="en-IN" sz="1800" b="0" strike="noStrike" spc="-1">
+              <a:solidFill>
+                <a:srgbClr val="000000"/>
+              </a:solidFill>
+              <a:uFill>
+                <a:solidFill>
+                  <a:srgbClr val="FFFFFF"/>
+                </a:solidFill>
+              </a:uFill>
+              <a:latin typeface="Arial"/>
+            </a:endParaRPr>
+          </a:p>
+        </p:txBody>
+      </p:sp>
+      <p:sp>
+        <p:nvSpPr>
+          <p:cNvPr id="379" name="CustomShape 3"/>
+          <p:cNvSpPr/>
+          <p:nvPr/>
+        </p:nvSpPr>
+        <p:spPr>
+          <a:xfrm>
+            <a:off x="356760" y="1435680"/>
+            <a:ext cx="8430120" cy="4571280"/>
+          </a:xfrm>
+          <a:prstGeom prst="rect">
+            <a:avLst/>
+          </a:prstGeom>
+          <a:noFill/>
+          <a:ln>
+            <a:noFill/>
+          </a:ln>
+        </p:spPr>
+        <p:style>
+          <a:lnRef idx="0">
+            <a:scrgbClr r="0" g="0" b="0"/>
+          </a:lnRef>
+          <a:fillRef idx="0">
+            <a:scrgbClr r="0" g="0" b="0"/>
+          </a:fillRef>
+          <a:effectRef idx="0">
+            <a:scrgbClr r="0" g="0" b="0"/>
+          </a:effectRef>
+          <a:fontRef idx="minor"/>
+        </p:style>
+        <p:txBody>
           <a:bodyPr lIns="90000" tIns="45000" rIns="90000" bIns="45000"/>
           <a:lstStyle/>
           <a:p>
@@ -28573,19 +29512,247 @@
               <a:buChar char="•"/>
             </a:pPr>
             <a:r>
-              <a:rPr lang="en-IN" spc="-1" dirty="0" smtClean="0">
-                <a:solidFill>
-                  <a:srgbClr val="000000"/>
+              <a:rPr lang="en-IN" sz="1600" b="0" strike="noStrike" spc="-1" dirty="0" smtClean="0">
+                <a:solidFill>
+                  <a:srgbClr val="464547"/>
                 </a:solidFill>
                 <a:uFill>
                   <a:solidFill>
                     <a:srgbClr val="FFFFFF"/>
                   </a:solidFill>
                 </a:uFill>
-                <a:latin typeface="Arial"/>
+                <a:latin typeface="Trebuchet MS"/>
               </a:rPr>
-              <a:t>Assumptions:</a:t>
+              <a:t>Input: Square feet</a:t>
             </a:r>
+            <a:endParaRPr lang="en-IN" spc="-1" dirty="0">
+              <a:solidFill>
+                <a:srgbClr val="000000"/>
+              </a:solidFill>
+              <a:uFill>
+                <a:solidFill>
+                  <a:srgbClr val="FFFFFF"/>
+                </a:solidFill>
+              </a:uFill>
+              <a:latin typeface="Arial"/>
+            </a:endParaRPr>
+          </a:p>
+          <a:p>
+            <a:pPr marL="720">
+              <a:lnSpc>
+                <a:spcPct val="100000"/>
+              </a:lnSpc>
+              <a:buClr>
+                <a:srgbClr val="39C2D7"/>
+              </a:buClr>
+            </a:pPr>
+            <a:endParaRPr lang="en-IN" sz="1800" b="0" strike="noStrike" spc="-1" dirty="0" smtClean="0">
+              <a:solidFill>
+                <a:srgbClr val="000000"/>
+              </a:solidFill>
+              <a:uFill>
+                <a:solidFill>
+                  <a:srgbClr val="FFFFFF"/>
+                </a:solidFill>
+              </a:uFill>
+              <a:latin typeface="Arial"/>
+            </a:endParaRPr>
+          </a:p>
+          <a:p>
+            <a:pPr marL="720">
+              <a:lnSpc>
+                <a:spcPct val="100000"/>
+              </a:lnSpc>
+              <a:buClr>
+                <a:srgbClr val="39C2D7"/>
+              </a:buClr>
+            </a:pPr>
+            <a:endParaRPr lang="en-IN" sz="1800" b="0" strike="noStrike" spc="-1" dirty="0">
+              <a:solidFill>
+                <a:srgbClr val="000000"/>
+              </a:solidFill>
+              <a:uFill>
+                <a:solidFill>
+                  <a:srgbClr val="FFFFFF"/>
+                </a:solidFill>
+              </a:uFill>
+              <a:latin typeface="Arial"/>
+            </a:endParaRPr>
+          </a:p>
+          <a:p>
+            <a:pPr marL="285840" indent="-285120">
+              <a:lnSpc>
+                <a:spcPct val="100000"/>
+              </a:lnSpc>
+              <a:buClr>
+                <a:srgbClr val="39C2D7"/>
+              </a:buClr>
+              <a:buFont typeface="Arial"/>
+              <a:buChar char="•"/>
+            </a:pPr>
+            <a:r>
+              <a:rPr lang="en-IN" sz="1600" b="0" strike="noStrike" spc="-1" dirty="0" smtClean="0">
+                <a:solidFill>
+                  <a:srgbClr val="464547"/>
+                </a:solidFill>
+                <a:uFill>
+                  <a:solidFill>
+                    <a:srgbClr val="FFFFFF"/>
+                  </a:solidFill>
+                </a:uFill>
+                <a:latin typeface="Trebuchet MS"/>
+              </a:rPr>
+              <a:t>Output: Expected price</a:t>
+            </a:r>
+          </a:p>
+          <a:p>
+            <a:pPr marL="720">
+              <a:lnSpc>
+                <a:spcPct val="100000"/>
+              </a:lnSpc>
+              <a:buClr>
+                <a:srgbClr val="39C2D7"/>
+              </a:buClr>
+            </a:pPr>
+            <a:endParaRPr lang="en-IN" sz="1800" b="0" strike="noStrike" spc="-1" dirty="0" smtClean="0">
+              <a:solidFill>
+                <a:srgbClr val="000000"/>
+              </a:solidFill>
+              <a:uFill>
+                <a:solidFill>
+                  <a:srgbClr val="FFFFFF"/>
+                </a:solidFill>
+              </a:uFill>
+              <a:latin typeface="Arial"/>
+            </a:endParaRPr>
+          </a:p>
+          <a:p>
+            <a:pPr marL="720">
+              <a:lnSpc>
+                <a:spcPct val="100000"/>
+              </a:lnSpc>
+              <a:buClr>
+                <a:srgbClr val="39C2D7"/>
+              </a:buClr>
+            </a:pPr>
+            <a:endParaRPr lang="en-IN" sz="1800" b="0" strike="noStrike" spc="-1" dirty="0">
+              <a:solidFill>
+                <a:srgbClr val="000000"/>
+              </a:solidFill>
+              <a:uFill>
+                <a:solidFill>
+                  <a:srgbClr val="FFFFFF"/>
+                </a:solidFill>
+              </a:uFill>
+              <a:latin typeface="Arial"/>
+            </a:endParaRPr>
+          </a:p>
+          <a:p>
+            <a:pPr marL="285840" indent="-285120">
+              <a:lnSpc>
+                <a:spcPct val="100000"/>
+              </a:lnSpc>
+              <a:buClr>
+                <a:srgbClr val="39C2D7"/>
+              </a:buClr>
+              <a:buFont typeface="Arial"/>
+              <a:buChar char="•"/>
+            </a:pPr>
+            <a:r>
+              <a:rPr lang="en-IN" sz="1600" b="0" strike="noStrike" spc="-1" dirty="0">
+                <a:solidFill>
+                  <a:srgbClr val="464547"/>
+                </a:solidFill>
+                <a:uFill>
+                  <a:solidFill>
+                    <a:srgbClr val="FFFFFF"/>
+                  </a:solidFill>
+                </a:uFill>
+                <a:latin typeface="Trebuchet MS"/>
+              </a:rPr>
+              <a:t>Need to </a:t>
+            </a:r>
+            <a:r>
+              <a:rPr lang="en-IN" sz="1600" b="0" strike="noStrike" spc="-1" dirty="0" smtClean="0">
+                <a:solidFill>
+                  <a:srgbClr val="464547"/>
+                </a:solidFill>
+                <a:uFill>
+                  <a:solidFill>
+                    <a:srgbClr val="FFFFFF"/>
+                  </a:solidFill>
+                </a:uFill>
+                <a:latin typeface="Trebuchet MS"/>
+              </a:rPr>
+              <a:t>come up with </a:t>
+            </a:r>
+            <a:r>
+              <a:rPr lang="en-IN" sz="1600" b="0" strike="noStrike" spc="-1" dirty="0">
+                <a:solidFill>
+                  <a:srgbClr val="464547"/>
+                </a:solidFill>
+                <a:uFill>
+                  <a:solidFill>
+                    <a:srgbClr val="FFFFFF"/>
+                  </a:solidFill>
+                </a:uFill>
+                <a:latin typeface="Trebuchet MS"/>
+              </a:rPr>
+              <a:t>a </a:t>
+            </a:r>
+            <a:r>
+              <a:rPr lang="en-IN" sz="1600" b="0" strike="noStrike" spc="-1" dirty="0" smtClean="0">
+                <a:solidFill>
+                  <a:srgbClr val="464547"/>
+                </a:solidFill>
+                <a:uFill>
+                  <a:solidFill>
+                    <a:srgbClr val="FFFFFF"/>
+                  </a:solidFill>
+                </a:uFill>
+                <a:latin typeface="Trebuchet MS"/>
+              </a:rPr>
+              <a:t>‘Model’ </a:t>
+            </a:r>
+            <a:r>
+              <a:rPr lang="en-IN" sz="1600" b="0" strike="noStrike" spc="-1" dirty="0">
+                <a:solidFill>
+                  <a:srgbClr val="464547"/>
+                </a:solidFill>
+                <a:uFill>
+                  <a:solidFill>
+                    <a:srgbClr val="FFFFFF"/>
+                  </a:solidFill>
+                </a:uFill>
+                <a:latin typeface="Trebuchet MS"/>
+              </a:rPr>
+              <a:t>that </a:t>
+            </a:r>
+            <a:r>
+              <a:rPr lang="en-IN" sz="1600" b="0" strike="noStrike" spc="-1" dirty="0" smtClean="0">
+                <a:solidFill>
+                  <a:srgbClr val="464547"/>
+                </a:solidFill>
+                <a:uFill>
+                  <a:solidFill>
+                    <a:srgbClr val="FFFFFF"/>
+                  </a:solidFill>
+                </a:uFill>
+                <a:latin typeface="Trebuchet MS"/>
+              </a:rPr>
+              <a:t>predicts the price</a:t>
+            </a:r>
+            <a:endParaRPr lang="en-IN" sz="1800" b="0" strike="noStrike" spc="-1" dirty="0">
+              <a:solidFill>
+                <a:srgbClr val="000000"/>
+              </a:solidFill>
+              <a:uFill>
+                <a:solidFill>
+                  <a:srgbClr val="FFFFFF"/>
+                </a:solidFill>
+              </a:uFill>
+              <a:latin typeface="Arial"/>
+            </a:endParaRPr>
           </a:p>
           <a:p>
             <a:pPr marL="720">
@@ -28597,226 +29764,33 @@
               </a:buClr>
             </a:pPr>
             <a:r>
-              <a:rPr lang="en-IN" spc="-1" dirty="0" smtClean="0">
-                <a:solidFill>
-                  <a:srgbClr val="000000"/>
+              <a:rPr lang="en-IN" sz="1600" b="0" strike="noStrike" spc="-1" dirty="0">
+                <a:solidFill>
+                  <a:srgbClr val="464547"/>
                 </a:solidFill>
                 <a:uFill>
                   <a:solidFill>
                     <a:srgbClr val="FFFFFF"/>
                   </a:solidFill>
                 </a:uFill>
-                <a:latin typeface="Arial"/>
+                <a:latin typeface="Trebuchet MS"/>
               </a:rPr>
-              <a:t>	Input: </a:t>
+              <a:t> </a:t>
             </a:r>
-          </a:p>
-          <a:p>
-            <a:pPr marL="720">
-              <a:lnSpc>
-                <a:spcPct val="100000"/>
-              </a:lnSpc>
-              <a:buClr>
-                <a:srgbClr val="39C2D7"/>
-              </a:buClr>
-            </a:pPr>
-            <a:r>
-              <a:rPr lang="en-IN" spc="-1" dirty="0">
-                <a:solidFill>
-                  <a:srgbClr val="000000"/>
-                </a:solidFill>
-                <a:uFill>
-                  <a:solidFill>
-                    <a:srgbClr val="FFFFFF"/>
-                  </a:solidFill>
-                </a:uFill>
-                <a:latin typeface="Arial"/>
-              </a:rPr>
-              <a:t>	</a:t>
-            </a:r>
-            <a:r>
-              <a:rPr lang="en-IN" spc="-1" dirty="0" smtClean="0">
-                <a:solidFill>
-                  <a:srgbClr val="000000"/>
-                </a:solidFill>
-                <a:uFill>
-                  <a:solidFill>
-                    <a:srgbClr val="FFFFFF"/>
-                  </a:solidFill>
-                </a:uFill>
-                <a:latin typeface="Arial"/>
-              </a:rPr>
-              <a:t>	sq. feet of home</a:t>
-            </a:r>
-          </a:p>
-          <a:p>
-            <a:pPr marL="720">
-              <a:lnSpc>
-                <a:spcPct val="100000"/>
-              </a:lnSpc>
-              <a:buClr>
-                <a:srgbClr val="39C2D7"/>
-              </a:buClr>
-            </a:pPr>
-            <a:r>
-              <a:rPr lang="en-IN" sz="1800" b="0" strike="noStrike" spc="-1" dirty="0" smtClean="0">
-                <a:solidFill>
-                  <a:srgbClr val="000000"/>
-                </a:solidFill>
-                <a:uFill>
-                  <a:solidFill>
-                    <a:srgbClr val="FFFFFF"/>
-                  </a:solidFill>
-                </a:uFill>
-                <a:latin typeface="Arial"/>
-              </a:rPr>
-              <a:t>	Output: </a:t>
-            </a:r>
-          </a:p>
-          <a:p>
-            <a:pPr marL="720">
-              <a:lnSpc>
-                <a:spcPct val="100000"/>
-              </a:lnSpc>
-              <a:buClr>
-                <a:srgbClr val="39C2D7"/>
-              </a:buClr>
-            </a:pPr>
-            <a:r>
-              <a:rPr lang="en-IN" spc="-1" dirty="0">
-                <a:solidFill>
-                  <a:srgbClr val="000000"/>
-                </a:solidFill>
-                <a:uFill>
-                  <a:solidFill>
-                    <a:srgbClr val="FFFFFF"/>
-                  </a:solidFill>
-                </a:uFill>
-                <a:latin typeface="Arial"/>
-              </a:rPr>
-              <a:t>	</a:t>
-            </a:r>
-            <a:r>
-              <a:rPr lang="en-IN" spc="-1" dirty="0" smtClean="0">
-                <a:solidFill>
-                  <a:srgbClr val="000000"/>
-                </a:solidFill>
-                <a:uFill>
-                  <a:solidFill>
-                    <a:srgbClr val="FFFFFF"/>
-                  </a:solidFill>
-                </a:uFill>
-                <a:latin typeface="Arial"/>
-              </a:rPr>
-              <a:t>	</a:t>
-            </a:r>
-            <a:r>
-              <a:rPr lang="en-IN" sz="1800" b="0" strike="noStrike" spc="-1" dirty="0" smtClean="0">
-                <a:solidFill>
-                  <a:srgbClr val="000000"/>
-                </a:solidFill>
-                <a:uFill>
-                  <a:solidFill>
-                    <a:srgbClr val="FFFFFF"/>
-                  </a:solidFill>
-                </a:uFill>
-                <a:latin typeface="Arial"/>
-              </a:rPr>
-              <a:t>expected price</a:t>
-            </a:r>
-          </a:p>
-          <a:p>
-            <a:pPr marL="720">
-              <a:lnSpc>
-                <a:spcPct val="100000"/>
-              </a:lnSpc>
-              <a:buClr>
-                <a:srgbClr val="39C2D7"/>
-              </a:buClr>
-            </a:pPr>
-            <a:endParaRPr lang="en-IN" sz="1800" b="0" strike="noStrike" spc="-1" dirty="0" smtClean="0">
-              <a:solidFill>
-                <a:srgbClr val="000000"/>
-              </a:solidFill>
-              <a:uFill>
-                <a:solidFill>
-                  <a:srgbClr val="FFFFFF"/>
-                </a:solidFill>
-              </a:uFill>
-              <a:latin typeface="Arial"/>
-            </a:endParaRPr>
-          </a:p>
-          <a:p>
-            <a:pPr marL="915120" lvl="2">
-              <a:buClr>
-                <a:srgbClr val="39C2D7"/>
-              </a:buClr>
-            </a:pPr>
-            <a:r>
-              <a:rPr lang="en-IN" spc="-1" dirty="0" smtClean="0">
-                <a:solidFill>
-                  <a:srgbClr val="000000"/>
-                </a:solidFill>
-                <a:uFill>
-                  <a:solidFill>
-                    <a:srgbClr val="FFFFFF"/>
-                  </a:solidFill>
-                </a:uFill>
-                <a:latin typeface="Arial"/>
-              </a:rPr>
-              <a:t>Existing data shows some linear relationship</a:t>
-            </a:r>
-          </a:p>
-          <a:p>
-            <a:pPr marL="915120" lvl="2">
-              <a:buClr>
-                <a:srgbClr val="39C2D7"/>
-              </a:buClr>
-            </a:pPr>
-            <a:endParaRPr lang="en-IN" spc="-1" dirty="0">
-              <a:solidFill>
-                <a:srgbClr val="000000"/>
-              </a:solidFill>
-              <a:uFill>
-                <a:solidFill>
-                  <a:srgbClr val="FFFFFF"/>
-                </a:solidFill>
-              </a:uFill>
-              <a:latin typeface="Arial"/>
-            </a:endParaRPr>
-          </a:p>
-        </p:txBody>
-      </p:sp>
-      <p:pic>
-        <p:nvPicPr>
-          <p:cNvPr id="5" name="Picture 4"/>
-          <p:cNvPicPr>
-            <a:picLocks noChangeAspect="1"/>
-          </p:cNvPicPr>
-          <p:nvPr/>
-        </p:nvPicPr>
-        <p:blipFill>
-          <a:blip r:embed="rId4">
-            <a:extLst>
-              <a:ext uri="{28A0092B-C50C-407E-A947-70E740481C1C}">
-                <a14:useLocalDpi xmlns:a14="http://schemas.microsoft.com/office/drawing/2010/main" val="0"/>
-              </a:ext>
-            </a:extLst>
-          </a:blip>
-          <a:stretch>
-            <a:fillRect/>
-          </a:stretch>
-        </p:blipFill>
-        <p:spPr>
-          <a:xfrm>
-            <a:off x="4543426" y="3724274"/>
-            <a:ext cx="4581936" cy="2487441"/>
-          </a:xfrm>
-          <a:prstGeom prst="rect">
-            <a:avLst/>
-          </a:prstGeom>
-        </p:spPr>
-      </p:pic>
+            <a:endParaRPr lang="en-IN" sz="1800" b="0" strike="noStrike" spc="-1" dirty="0">
+              <a:solidFill>
+                <a:srgbClr val="000000"/>
+              </a:solidFill>
+              <a:uFill>
+                <a:solidFill>
+                  <a:srgbClr val="FFFFFF"/>
+                </a:solidFill>
+              </a:uFill>
+              <a:latin typeface="Arial"/>
+            </a:endParaRPr>
+          </a:p>
+        </p:txBody>
+      </p:sp>
     </p:spTree>
   </p:cSld>
   <p:clrMapOvr>
